--- a/Documentation/Praesentation/PresentationRoomanizer.pptx
+++ b/Documentation/Praesentation/PresentationRoomanizer.pptx
@@ -5,7 +5,7 @@
     <p:sldMasterId id="2147483648" r:id="rId1"/>
   </p:sldMasterIdLst>
   <p:notesMasterIdLst>
-    <p:notesMasterId r:id="rId33"/>
+    <p:notesMasterId r:id="rId35"/>
   </p:notesMasterIdLst>
   <p:sldIdLst>
     <p:sldId id="256" r:id="rId2"/>
@@ -35,10 +35,12 @@
     <p:sldId id="276" r:id="rId26"/>
     <p:sldId id="277" r:id="rId27"/>
     <p:sldId id="282" r:id="rId28"/>
-    <p:sldId id="288" r:id="rId29"/>
-    <p:sldId id="280" r:id="rId30"/>
-    <p:sldId id="284" r:id="rId31"/>
-    <p:sldId id="285" r:id="rId32"/>
+    <p:sldId id="292" r:id="rId29"/>
+    <p:sldId id="293" r:id="rId30"/>
+    <p:sldId id="288" r:id="rId31"/>
+    <p:sldId id="280" r:id="rId32"/>
+    <p:sldId id="284" r:id="rId33"/>
+    <p:sldId id="285" r:id="rId34"/>
   </p:sldIdLst>
   <p:sldSz cx="9144000" cy="6858000" type="screen4x3"/>
   <p:notesSz cx="6858000" cy="9144000"/>
@@ -222,7 +224,7 @@
           <a:p>
             <a:fld id="{BE36B728-C1AC-41BD-B8EE-1499AEB738A0}" type="datetimeFigureOut">
               <a:rPr lang="en-GB" smtClean="0"/>
-              <a:t>06/06/2012</a:t>
+              <a:t>09/06/2012</a:t>
             </a:fld>
             <a:endParaRPr lang="en-GB"/>
           </a:p>
@@ -4727,7 +4729,31 @@
             </a:pPr>
             <a:r>
               <a:rPr lang="en-US" dirty="0" smtClean="0"/>
-              <a:t>The integration of the other program parts by implementation of interfaces was not possible, because we got no interfaces available. To avoid the problem, our adapter classes inherit direct from the domain objects from the other team. Also every adapter implements a generic adapter interface, to set and read its type. This enables dynamic programming, there every of our adapters support this interface and so they can get red and created by other classes.</a:t>
+              <a:t>The integration of the other program parts by implementation of interfaces was not possible, </a:t>
+            </a:r>
+            <a:r>
+              <a:rPr lang="en-US" dirty="0" smtClean="0"/>
+              <a:t>because</a:t>
+            </a:r>
+            <a:r>
+              <a:rPr lang="en-US" baseline="0" dirty="0" smtClean="0"/>
+              <a:t> </a:t>
+            </a:r>
+            <a:r>
+              <a:rPr lang="en-US" dirty="0" smtClean="0"/>
+              <a:t>no interfaces were </a:t>
+            </a:r>
+            <a:r>
+              <a:rPr lang="en-US" dirty="0" smtClean="0"/>
+              <a:t>available. To avoid the problem, our adapter classes inherit direct from the domain objects from the other team. Also every adapter implements a generic adapter interface, to set and read its type. This enables dynamic programming, there every of our adapters support this interface and so they can </a:t>
+            </a:r>
+            <a:r>
+              <a:rPr lang="en-US" dirty="0" smtClean="0"/>
+              <a:t>be read </a:t>
+            </a:r>
+            <a:r>
+              <a:rPr lang="en-US" dirty="0" smtClean="0"/>
+              <a:t>and created by other classes.</a:t>
             </a:r>
           </a:p>
           <a:p>
@@ -4923,7 +4949,7 @@
             </a:r>
             <a:r>
               <a:rPr lang="de-AT" baseline="0" dirty="0" err="1" smtClean="0"/>
-              <a:t>onlay</a:t>
+              <a:t>only</a:t>
             </a:r>
             <a:r>
               <a:rPr lang="de-AT" baseline="0" dirty="0" smtClean="0"/>
@@ -5109,11 +5135,7 @@
           <a:p>
             <a:r>
               <a:rPr lang="de-AT" dirty="0" smtClean="0"/>
-              <a:t>This </a:t>
-            </a:r>
-            <a:r>
-              <a:rPr lang="de-AT" dirty="0" smtClean="0"/>
-              <a:t>codesample </a:t>
+              <a:t>This codesample </a:t>
             </a:r>
             <a:r>
               <a:rPr lang="de-AT" dirty="0" err="1" smtClean="0"/>
@@ -5394,7 +5416,7 @@
           <a:p>
             <a:fld id="{F02A8FBC-AF9A-4929-B417-912911A977D6}" type="slidenum">
               <a:rPr lang="en-GB" smtClean="0"/>
-              <a:t>28</a:t>
+              <a:t>30</a:t>
             </a:fld>
             <a:endParaRPr lang="en-GB"/>
           </a:p>
@@ -5524,7 +5546,7 @@
           <a:p>
             <a:fld id="{F02A8FBC-AF9A-4929-B417-912911A977D6}" type="slidenum">
               <a:rPr lang="en-GB" smtClean="0"/>
-              <a:t>29</a:t>
+              <a:t>31</a:t>
             </a:fld>
             <a:endParaRPr lang="en-GB"/>
           </a:p>
@@ -5608,7 +5630,7 @@
           <a:p>
             <a:fld id="{F02A8FBC-AF9A-4929-B417-912911A977D6}" type="slidenum">
               <a:rPr lang="en-GB" smtClean="0"/>
-              <a:t>30</a:t>
+              <a:t>32</a:t>
             </a:fld>
             <a:endParaRPr lang="en-GB"/>
           </a:p>
@@ -5696,7 +5718,7 @@
           <a:p>
             <a:fld id="{F02A8FBC-AF9A-4929-B417-912911A977D6}" type="slidenum">
               <a:rPr lang="en-GB" smtClean="0"/>
-              <a:t>31</a:t>
+              <a:t>33</a:t>
             </a:fld>
             <a:endParaRPr lang="en-GB"/>
           </a:p>
@@ -6898,7 +6920,7 @@
           <a:p>
             <a:fld id="{1BA50D42-C9CD-4801-B293-61D1F53EC57E}" type="datetimeFigureOut">
               <a:rPr lang="de-DE" smtClean="0"/>
-              <a:t>06.06.2012</a:t>
+              <a:t>09.06.2012</a:t>
             </a:fld>
             <a:endParaRPr lang="de-DE"/>
           </a:p>
@@ -7063,7 +7085,7 @@
           <a:p>
             <a:fld id="{1BA50D42-C9CD-4801-B293-61D1F53EC57E}" type="datetimeFigureOut">
               <a:rPr lang="de-DE" smtClean="0"/>
-              <a:t>06.06.2012</a:t>
+              <a:t>09.06.2012</a:t>
             </a:fld>
             <a:endParaRPr lang="de-DE"/>
           </a:p>
@@ -7238,7 +7260,7 @@
           <a:p>
             <a:fld id="{1BA50D42-C9CD-4801-B293-61D1F53EC57E}" type="datetimeFigureOut">
               <a:rPr lang="de-DE" smtClean="0"/>
-              <a:t>06.06.2012</a:t>
+              <a:t>09.06.2012</a:t>
             </a:fld>
             <a:endParaRPr lang="de-DE"/>
           </a:p>
@@ -7550,7 +7572,7 @@
           <a:p>
             <a:fld id="{1BA50D42-C9CD-4801-B293-61D1F53EC57E}" type="datetimeFigureOut">
               <a:rPr lang="de-DE" smtClean="0"/>
-              <a:t>06.06.2012</a:t>
+              <a:t>09.06.2012</a:t>
             </a:fld>
             <a:endParaRPr lang="de-DE"/>
           </a:p>
@@ -7791,7 +7813,7 @@
           <a:p>
             <a:fld id="{1BA50D42-C9CD-4801-B293-61D1F53EC57E}" type="datetimeFigureOut">
               <a:rPr lang="de-DE" smtClean="0"/>
-              <a:t>06.06.2012</a:t>
+              <a:t>09.06.2012</a:t>
             </a:fld>
             <a:endParaRPr lang="de-DE"/>
           </a:p>
@@ -8074,7 +8096,7 @@
           <a:p>
             <a:fld id="{1BA50D42-C9CD-4801-B293-61D1F53EC57E}" type="datetimeFigureOut">
               <a:rPr lang="de-DE" smtClean="0"/>
-              <a:t>06.06.2012</a:t>
+              <a:t>09.06.2012</a:t>
             </a:fld>
             <a:endParaRPr lang="de-DE"/>
           </a:p>
@@ -8491,7 +8513,7 @@
           <a:p>
             <a:fld id="{1BA50D42-C9CD-4801-B293-61D1F53EC57E}" type="datetimeFigureOut">
               <a:rPr lang="de-DE" smtClean="0"/>
-              <a:t>06.06.2012</a:t>
+              <a:t>09.06.2012</a:t>
             </a:fld>
             <a:endParaRPr lang="de-DE"/>
           </a:p>
@@ -8604,7 +8626,7 @@
           <a:p>
             <a:fld id="{1BA50D42-C9CD-4801-B293-61D1F53EC57E}" type="datetimeFigureOut">
               <a:rPr lang="de-DE" smtClean="0"/>
-              <a:t>06.06.2012</a:t>
+              <a:t>09.06.2012</a:t>
             </a:fld>
             <a:endParaRPr lang="de-DE"/>
           </a:p>
@@ -8694,7 +8716,7 @@
           <a:p>
             <a:fld id="{1BA50D42-C9CD-4801-B293-61D1F53EC57E}" type="datetimeFigureOut">
               <a:rPr lang="de-DE" smtClean="0"/>
-              <a:t>06.06.2012</a:t>
+              <a:t>09.06.2012</a:t>
             </a:fld>
             <a:endParaRPr lang="de-DE"/>
           </a:p>
@@ -8966,7 +8988,7 @@
           <a:p>
             <a:fld id="{1BA50D42-C9CD-4801-B293-61D1F53EC57E}" type="datetimeFigureOut">
               <a:rPr lang="de-DE" smtClean="0"/>
-              <a:t>06.06.2012</a:t>
+              <a:t>09.06.2012</a:t>
             </a:fld>
             <a:endParaRPr lang="de-DE"/>
           </a:p>
@@ -9214,7 +9236,7 @@
           <a:p>
             <a:fld id="{1BA50D42-C9CD-4801-B293-61D1F53EC57E}" type="datetimeFigureOut">
               <a:rPr lang="de-DE" smtClean="0"/>
-              <a:t>06.06.2012</a:t>
+              <a:t>09.06.2012</a:t>
             </a:fld>
             <a:endParaRPr lang="de-DE"/>
           </a:p>
@@ -9422,7 +9444,7 @@
           <a:p>
             <a:fld id="{1BA50D42-C9CD-4801-B293-61D1F53EC57E}" type="datetimeFigureOut">
               <a:rPr lang="de-DE" smtClean="0"/>
-              <a:t>06.06.2012</a:t>
+              <a:t>09.06.2012</a:t>
             </a:fld>
             <a:endParaRPr lang="de-DE"/>
           </a:p>
@@ -10565,11 +10587,7 @@
             </a:r>
             <a:r>
               <a:rPr lang="de-DE" dirty="0" smtClean="0"/>
-              <a:t>- </a:t>
-            </a:r>
-            <a:r>
-              <a:rPr lang="de-DE" dirty="0" smtClean="0"/>
-              <a:t>an </a:t>
+              <a:t>- an </a:t>
             </a:r>
             <a:r>
               <a:rPr lang="de-DE" dirty="0" err="1" smtClean="0"/>
@@ -13031,8 +13049,12 @@
           <a:lstStyle/>
           <a:p>
             <a:r>
+              <a:rPr lang="de-AT" dirty="0" err="1" smtClean="0"/>
+              <a:t>Why</a:t>
+            </a:r>
+            <a:r>
               <a:rPr lang="de-AT" dirty="0" smtClean="0"/>
-              <a:t>JSF &amp; Ajax</a:t>
+              <a:t> JSF?</a:t>
             </a:r>
             <a:endParaRPr lang="de-AT" dirty="0"/>
           </a:p>
@@ -13051,7 +13073,7 @@
         <p:spPr/>
         <p:txBody>
           <a:bodyPr>
-            <a:normAutofit/>
+            <a:normAutofit fontScale="85000" lnSpcReduction="20000"/>
           </a:bodyPr>
           <a:lstStyle/>
           <a:p>
@@ -13059,34 +13081,47 @@
               <a:buNone/>
             </a:pPr>
             <a:r>
-              <a:rPr lang="en-US" dirty="0" smtClean="0"/>
-              <a:t>Ajax: Built in in JSF since version 2.0</a:t>
-            </a:r>
+              <a:rPr lang="de-AT" b="1" dirty="0" smtClean="0"/>
+              <a:t>Event </a:t>
+            </a:r>
+            <a:r>
+              <a:rPr lang="de-AT" b="1" dirty="0" err="1" smtClean="0"/>
+              <a:t>handling</a:t>
+            </a:r>
+            <a:endParaRPr lang="de-AT" b="1" dirty="0" smtClean="0"/>
           </a:p>
           <a:p>
             <a:pPr marL="0" indent="0">
               <a:buNone/>
             </a:pPr>
             <a:r>
+              <a:rPr lang="en-US" dirty="0" smtClean="0"/>
+              <a:t>JSF </a:t>
+            </a:r>
+            <a:r>
               <a:rPr lang="en-US" dirty="0"/>
-              <a:t>	</a:t>
+              <a:t>makes it easy to designate Java code that is invoked when forms </a:t>
             </a:r>
             <a:r>
               <a:rPr lang="en-US" dirty="0" smtClean="0"/>
-              <a:t>- easy to use</a:t>
-            </a:r>
-          </a:p>
-          <a:p>
-            <a:pPr marL="0" indent="0">
-              <a:buNone/>
-            </a:pPr>
-            <a:endParaRPr lang="en-US" dirty="0" smtClean="0"/>
-          </a:p>
-          <a:p>
-            <a:pPr marL="0" indent="0">
-              <a:buNone/>
-            </a:pPr>
-            <a:endParaRPr lang="en-US" dirty="0" smtClean="0"/>
+              <a:t>are submitted</a:t>
+            </a:r>
+            <a:r>
+              <a:rPr lang="en-US" dirty="0"/>
+              <a:t>. The code can respond to particular buttons, changes </a:t>
+            </a:r>
+            <a:r>
+              <a:rPr lang="en-US" dirty="0" smtClean="0"/>
+              <a:t>in particular </a:t>
+            </a:r>
+            <a:r>
+              <a:rPr lang="en-US" dirty="0"/>
+              <a:t>values, certain user selections, and so on</a:t>
+            </a:r>
+            <a:r>
+              <a:rPr lang="en-US" dirty="0" smtClean="0"/>
+              <a:t>.</a:t>
+            </a:r>
           </a:p>
           <a:p>
             <a:pPr marL="0" indent="0">
@@ -13098,86 +13133,80 @@
             <a:pPr marL="0" indent="0">
               <a:buNone/>
             </a:pPr>
-            <a:endParaRPr lang="en-US" dirty="0"/>
+            <a:r>
+              <a:rPr lang="de-AT" b="1" dirty="0" err="1" smtClean="0"/>
+              <a:t>Managed</a:t>
+            </a:r>
+            <a:r>
+              <a:rPr lang="de-AT" b="1" dirty="0" smtClean="0"/>
+              <a:t> </a:t>
+            </a:r>
+            <a:r>
+              <a:rPr lang="de-AT" b="1" dirty="0" err="1" smtClean="0"/>
+              <a:t>beans</a:t>
+            </a:r>
+            <a:endParaRPr lang="de-AT" b="1" dirty="0" smtClean="0"/>
           </a:p>
           <a:p>
             <a:pPr marL="0" indent="0">
               <a:buNone/>
             </a:pPr>
-            <a:endParaRPr lang="en-US" dirty="0"/>
-          </a:p>
-          <a:p>
-            <a:pPr marL="0" indent="0">
-              <a:buNone/>
-            </a:pPr>
-            <a:endParaRPr lang="en-US" dirty="0" smtClean="0"/>
-          </a:p>
-        </p:txBody>
-      </p:sp>
-      <p:pic>
-        <p:nvPicPr>
-          <p:cNvPr id="1027" name="Picture 3"/>
-          <p:cNvPicPr>
-            <a:picLocks noChangeAspect="1" noChangeArrowheads="1"/>
-          </p:cNvPicPr>
-          <p:nvPr/>
-        </p:nvPicPr>
-        <p:blipFill>
-          <a:blip r:embed="rId3">
-            <a:extLst>
-              <a:ext uri="{28A0092B-C50C-407E-A947-70E740481C1C}">
-                <a14:useLocalDpi xmlns:a14="http://schemas.microsoft.com/office/drawing/2010/main" val="0"/>
-              </a:ext>
-            </a:extLst>
-          </a:blip>
-          <a:srcRect/>
-          <a:stretch>
-            <a:fillRect/>
-          </a:stretch>
-        </p:blipFill>
-        <p:spPr bwMode="auto">
-          <a:xfrm>
-            <a:off x="765430" y="3212976"/>
-            <a:ext cx="7316328" cy="1843261"/>
-          </a:xfrm>
-          <a:prstGeom prst="rect">
-            <a:avLst/>
-          </a:prstGeom>
-          <a:noFill/>
-          <a:ln>
-            <a:noFill/>
-          </a:ln>
-          <a:effectLst/>
-          <a:extLst>
-            <a:ext uri="{909E8E84-426E-40DD-AFC4-6F175D3DCCD1}">
-              <a14:hiddenFill xmlns:a14="http://schemas.microsoft.com/office/drawing/2010/main">
-                <a:solidFill>
-                  <a:schemeClr val="accent1"/>
-                </a:solidFill>
-              </a14:hiddenFill>
-            </a:ext>
-            <a:ext uri="{91240B29-F687-4F45-9708-019B960494DF}">
-              <a14:hiddenLine xmlns:a14="http://schemas.microsoft.com/office/drawing/2010/main" w="9525">
-                <a:solidFill>
-                  <a:schemeClr val="tx1"/>
-                </a:solidFill>
-                <a:miter lim="800000"/>
-                <a:headEnd/>
-                <a:tailEnd/>
-              </a14:hiddenLine>
-            </a:ext>
-            <a:ext uri="{AF507438-7753-43E0-B8FC-AC1667EBCBE1}">
-              <a14:hiddenEffects xmlns:a14="http://schemas.microsoft.com/office/drawing/2010/main">
-                <a:effectLst>
-                  <a:outerShdw dist="35921" dir="2700000" algn="ctr" rotWithShape="0">
-                    <a:schemeClr val="bg2"/>
-                  </a:outerShdw>
-                </a:effectLst>
-              </a14:hiddenEffects>
-            </a:ext>
-          </a:extLst>
-        </p:spPr>
-      </p:pic>
+            <a:r>
+              <a:rPr lang="en-US" dirty="0" smtClean="0"/>
+              <a:t>In </a:t>
+            </a:r>
+            <a:r>
+              <a:rPr lang="en-US" dirty="0"/>
+              <a:t>JSP, you can use property="*" with </a:t>
+            </a:r>
+            <a:r>
+              <a:rPr lang="en-US" dirty="0" err="1"/>
+              <a:t>jsp:setProperty</a:t>
+            </a:r>
+            <a:r>
+              <a:rPr lang="en-US" dirty="0"/>
+              <a:t> to </a:t>
+            </a:r>
+            <a:r>
+              <a:rPr lang="en-US" dirty="0" smtClean="0"/>
+              <a:t>automatically populate </a:t>
+            </a:r>
+            <a:r>
+              <a:rPr lang="en-US" dirty="0"/>
+              <a:t>a bean based on request parameters. JSF extends this </a:t>
+            </a:r>
+            <a:r>
+              <a:rPr lang="en-US" dirty="0" smtClean="0"/>
+              <a:t>capability and </a:t>
+            </a:r>
+            <a:r>
+              <a:rPr lang="en-US" dirty="0"/>
+              <a:t>adds in several utilities, all of which serve to greatly simplify </a:t>
+            </a:r>
+            <a:r>
+              <a:rPr lang="en-US" dirty="0" smtClean="0"/>
+              <a:t>request </a:t>
+            </a:r>
+            <a:r>
+              <a:rPr lang="de-AT" dirty="0" err="1" smtClean="0"/>
+              <a:t>param</a:t>
+            </a:r>
+            <a:r>
+              <a:rPr lang="de-AT" dirty="0" smtClean="0"/>
+              <a:t> </a:t>
+            </a:r>
+            <a:r>
+              <a:rPr lang="de-AT" dirty="0" err="1"/>
+              <a:t>processing</a:t>
+            </a:r>
+            <a:r>
+              <a:rPr lang="de-AT" dirty="0" smtClean="0"/>
+              <a:t>.</a:t>
+            </a:r>
+            <a:endParaRPr lang="de-AT" dirty="0"/>
+          </a:p>
+        </p:txBody>
+      </p:sp>
     </p:spTree>
     <p:extLst>
       <p:ext uri="{BB962C8B-B14F-4D97-AF65-F5344CB8AC3E}">
@@ -13231,40 +13260,173 @@
           <a:lstStyle/>
           <a:p>
             <a:r>
+              <a:rPr lang="de-AT" dirty="0" err="1"/>
+              <a:t>Why</a:t>
+            </a:r>
+            <a:r>
+              <a:rPr lang="de-AT" dirty="0"/>
+              <a:t> JSF?</a:t>
+            </a:r>
+          </a:p>
+        </p:txBody>
+      </p:sp>
+      <p:sp>
+        <p:nvSpPr>
+          <p:cNvPr id="3" name="Inhaltsplatzhalter 2"/>
+          <p:cNvSpPr>
+            <a:spLocks noGrp="1"/>
+          </p:cNvSpPr>
+          <p:nvPr>
+            <p:ph idx="1"/>
+          </p:nvPr>
+        </p:nvSpPr>
+        <p:spPr/>
+        <p:txBody>
+          <a:bodyPr>
+            <a:normAutofit fontScale="77500" lnSpcReduction="20000"/>
+          </a:bodyPr>
+          <a:lstStyle/>
+          <a:p>
+            <a:pPr marL="0" indent="0">
+              <a:buNone/>
+            </a:pPr>
+            <a:r>
+              <a:rPr lang="de-AT" b="1" dirty="0"/>
+              <a:t>Integrated Ajax </a:t>
+            </a:r>
+            <a:r>
+              <a:rPr lang="de-AT" b="1" dirty="0" err="1"/>
+              <a:t>support</a:t>
+            </a:r>
+            <a:endParaRPr lang="de-AT" b="1" dirty="0"/>
+          </a:p>
+          <a:p>
+            <a:pPr marL="0" indent="0">
+              <a:buNone/>
+            </a:pPr>
+            <a:r>
+              <a:rPr lang="en-US" dirty="0"/>
+              <a:t>You can use </a:t>
+            </a:r>
+            <a:r>
+              <a:rPr lang="en-US" dirty="0" err="1"/>
+              <a:t>jQuery</a:t>
+            </a:r>
+            <a:r>
+              <a:rPr lang="en-US" dirty="0"/>
+              <a:t>, Dojo, or Ext-JS with servlets and JSP. However, JSF lets you use Ajax without explicit JavaScript programming and with very simple tags. Also, the Ajax calls know about the server-side business logic.</a:t>
+            </a:r>
+          </a:p>
+          <a:p>
+            <a:pPr marL="0" indent="0">
+              <a:buNone/>
+            </a:pPr>
+            <a:endParaRPr lang="en-US" b="1" dirty="0" smtClean="0"/>
+          </a:p>
+          <a:p>
+            <a:pPr marL="0" indent="0">
+              <a:buNone/>
+            </a:pPr>
+            <a:r>
+              <a:rPr lang="en-US" b="1" dirty="0" smtClean="0"/>
+              <a:t>Form </a:t>
+            </a:r>
+            <a:r>
+              <a:rPr lang="en-US" b="1" dirty="0"/>
+              <a:t>field conversion and </a:t>
+            </a:r>
+            <a:r>
+              <a:rPr lang="en-US" b="1" dirty="0" smtClean="0"/>
+              <a:t>validation</a:t>
+            </a:r>
+          </a:p>
+          <a:p>
+            <a:pPr marL="0" indent="0">
+              <a:buNone/>
+            </a:pPr>
+            <a:r>
+              <a:rPr lang="en-US" dirty="0" smtClean="0"/>
+              <a:t>JSF </a:t>
+            </a:r>
+            <a:r>
+              <a:rPr lang="en-US" dirty="0"/>
+              <a:t>has </a:t>
+            </a:r>
+            <a:r>
+              <a:rPr lang="en-US" dirty="0" smtClean="0"/>
+              <a:t>built-in </a:t>
+            </a:r>
+            <a:r>
+              <a:rPr lang="en-US" dirty="0"/>
+              <a:t>capabilities for checking that form values are in </a:t>
+            </a:r>
+            <a:r>
+              <a:rPr lang="en-US" dirty="0" smtClean="0"/>
+              <a:t>the required </a:t>
+            </a:r>
+            <a:r>
+              <a:rPr lang="en-US" dirty="0"/>
+              <a:t>format and for converting from strings to various other data types</a:t>
+            </a:r>
+            <a:r>
+              <a:rPr lang="en-US" dirty="0" smtClean="0"/>
+              <a:t>. </a:t>
+            </a:r>
+            <a:br>
+              <a:rPr lang="en-US" dirty="0" smtClean="0"/>
+            </a:br>
+            <a:r>
+              <a:rPr lang="en-US" dirty="0" smtClean="0"/>
+              <a:t>If </a:t>
+            </a:r>
+            <a:r>
+              <a:rPr lang="en-US" dirty="0"/>
+              <a:t>values are missing or in an improper format, the form can </a:t>
+            </a:r>
+            <a:r>
+              <a:rPr lang="en-US" dirty="0" smtClean="0"/>
+              <a:t>be automatically </a:t>
+            </a:r>
+            <a:r>
+              <a:rPr lang="en-US" dirty="0"/>
+              <a:t>redisplayed with error messages and with the </a:t>
+            </a:r>
+            <a:r>
+              <a:rPr lang="en-US" dirty="0" smtClean="0"/>
+              <a:t>previously </a:t>
+            </a:r>
+            <a:r>
+              <a:rPr lang="de-AT" dirty="0" err="1" smtClean="0"/>
+              <a:t>entered</a:t>
+            </a:r>
+            <a:r>
               <a:rPr lang="de-AT" dirty="0" smtClean="0"/>
-              <a:t>Project </a:t>
-            </a:r>
-            <a:r>
-              <a:rPr lang="de-AT" dirty="0" err="1" smtClean="0"/>
-              <a:t>management</a:t>
-            </a:r>
-            <a:endParaRPr lang="en-GB" dirty="0"/>
-          </a:p>
-        </p:txBody>
-      </p:sp>
-      <p:sp>
-        <p:nvSpPr>
-          <p:cNvPr id="3" name="Inhaltsplatzhalter 2"/>
-          <p:cNvSpPr>
-            <a:spLocks noGrp="1"/>
-          </p:cNvSpPr>
-          <p:nvPr>
-            <p:ph idx="1"/>
-          </p:nvPr>
-        </p:nvSpPr>
-        <p:spPr/>
-        <p:txBody>
-          <a:bodyPr/>
-          <a:lstStyle/>
-          <a:p>
-            <a:endParaRPr lang="en-GB" dirty="0"/>
+              <a:t> </a:t>
+            </a:r>
+            <a:r>
+              <a:rPr lang="de-AT" dirty="0" err="1"/>
+              <a:t>values</a:t>
+            </a:r>
+            <a:r>
+              <a:rPr lang="de-AT" dirty="0"/>
+              <a:t> </a:t>
+            </a:r>
+            <a:r>
+              <a:rPr lang="de-AT" dirty="0" err="1"/>
+              <a:t>maintained</a:t>
+            </a:r>
+            <a:r>
+              <a:rPr lang="de-AT" dirty="0" smtClean="0"/>
+              <a:t>.</a:t>
+            </a:r>
+            <a:endParaRPr lang="de-AT" dirty="0"/>
           </a:p>
         </p:txBody>
       </p:sp>
     </p:spTree>
     <p:extLst>
       <p:ext uri="{BB962C8B-B14F-4D97-AF65-F5344CB8AC3E}">
-        <p14:creationId xmlns:p14="http://schemas.microsoft.com/office/powerpoint/2010/main" val="1301880891"/>
+        <p14:creationId xmlns:p14="http://schemas.microsoft.com/office/powerpoint/2010/main" val="82490426"/>
       </p:ext>
     </p:extLst>
   </p:cSld>
@@ -13307,10 +13469,17 @@
           <a:lstStyle/>
           <a:p>
             <a:r>
+              <a:rPr lang="en-US" dirty="0" smtClean="0"/>
+              <a:t>Why</a:t>
+            </a:r>
+            <a:r>
               <a:rPr lang="de-AT" dirty="0" smtClean="0"/>
-              <a:t>Outlook</a:t>
-            </a:r>
-            <a:endParaRPr lang="en-GB" dirty="0"/>
+              <a:t> </a:t>
+            </a:r>
+            <a:r>
+              <a:rPr lang="de-AT" dirty="0"/>
+              <a:t>JSF?</a:t>
+            </a:r>
           </a:p>
         </p:txBody>
       </p:sp>
@@ -13326,30 +13495,139 @@
         </p:nvSpPr>
         <p:spPr/>
         <p:txBody>
-          <a:bodyPr/>
-          <a:lstStyle/>
-          <a:p>
-            <a:endParaRPr lang="en-GB"/>
+          <a:bodyPr>
+            <a:normAutofit fontScale="77500" lnSpcReduction="20000"/>
+          </a:bodyPr>
+          <a:lstStyle/>
+          <a:p>
+            <a:pPr marL="0" indent="0">
+              <a:buNone/>
+            </a:pPr>
+            <a:r>
+              <a:rPr lang="de-AT" b="1" dirty="0"/>
+              <a:t>Custom GUI </a:t>
+            </a:r>
+            <a:r>
+              <a:rPr lang="en-US" b="1" dirty="0" smtClean="0"/>
+              <a:t>controls</a:t>
+            </a:r>
+          </a:p>
+          <a:p>
+            <a:pPr marL="0" indent="0">
+              <a:buNone/>
+            </a:pPr>
+            <a:r>
+              <a:rPr lang="en-US" dirty="0" smtClean="0"/>
+              <a:t>JSF </a:t>
+            </a:r>
+            <a:r>
+              <a:rPr lang="en-US" dirty="0"/>
+              <a:t>provides a set of APIs and associated custom tags to create HTML forms that have complex interfaces</a:t>
+            </a:r>
+          </a:p>
+          <a:p>
+            <a:pPr marL="0" indent="0">
+              <a:buNone/>
+            </a:pPr>
+            <a:endParaRPr lang="de-AT" b="1" dirty="0" smtClean="0"/>
+          </a:p>
+          <a:p>
+            <a:pPr marL="0" indent="0">
+              <a:buNone/>
+            </a:pPr>
+            <a:r>
+              <a:rPr lang="de-AT" b="1" dirty="0" smtClean="0"/>
+              <a:t>Page </a:t>
+            </a:r>
+            <a:r>
+              <a:rPr lang="en-US" b="1" dirty="0" err="1" smtClean="0"/>
+              <a:t>templating</a:t>
+            </a:r>
+            <a:endParaRPr lang="en-US" b="1" dirty="0" smtClean="0"/>
+          </a:p>
+          <a:p>
+            <a:pPr marL="0" indent="0">
+              <a:buNone/>
+            </a:pPr>
+            <a:r>
+              <a:rPr lang="en-US" dirty="0" smtClean="0"/>
+              <a:t>Although </a:t>
+            </a:r>
+            <a:r>
+              <a:rPr lang="en-US" dirty="0"/>
+              <a:t>JSP has </a:t>
+            </a:r>
+            <a:r>
+              <a:rPr lang="en-US" dirty="0" err="1"/>
+              <a:t>jsp:include</a:t>
+            </a:r>
+            <a:r>
+              <a:rPr lang="en-US" dirty="0"/>
+              <a:t> for reuse of content, JSF has a full-fledged page </a:t>
+            </a:r>
+            <a:r>
+              <a:rPr lang="en-US" dirty="0" err="1"/>
+              <a:t>templating</a:t>
+            </a:r>
+            <a:r>
+              <a:rPr lang="en-US" dirty="0"/>
+              <a:t> system that lets you build pages that share layout or </a:t>
+            </a:r>
+            <a:r>
+              <a:rPr lang="de-AT" dirty="0" err="1" smtClean="0"/>
+              <a:t>content</a:t>
+            </a:r>
+            <a:endParaRPr lang="de-AT" dirty="0" smtClean="0"/>
+          </a:p>
+          <a:p>
+            <a:pPr marL="0" indent="0">
+              <a:buNone/>
+            </a:pPr>
+            <a:endParaRPr lang="de-AT" dirty="0"/>
+          </a:p>
+          <a:p>
+            <a:pPr marL="0" indent="0">
+              <a:buNone/>
+            </a:pPr>
+            <a:r>
+              <a:rPr lang="en-US" b="1" dirty="0" smtClean="0"/>
+              <a:t>Consistent</a:t>
+            </a:r>
+            <a:r>
+              <a:rPr lang="de-AT" b="1" dirty="0" smtClean="0"/>
+              <a:t> </a:t>
+            </a:r>
+            <a:r>
+              <a:rPr lang="en-US" b="1" dirty="0" smtClean="0"/>
+              <a:t>approach</a:t>
+            </a:r>
+          </a:p>
+          <a:p>
+            <a:pPr marL="0" indent="0">
+              <a:buNone/>
+            </a:pPr>
+            <a:r>
+              <a:rPr lang="en-US" dirty="0" smtClean="0"/>
+              <a:t>JSF </a:t>
+            </a:r>
+            <a:r>
+              <a:rPr lang="en-US" dirty="0"/>
+              <a:t>encourages consistent use of MVC throughout your application.</a:t>
+            </a:r>
+            <a:endParaRPr lang="de-AT" dirty="0"/>
           </a:p>
         </p:txBody>
       </p:sp>
     </p:spTree>
     <p:extLst>
       <p:ext uri="{BB962C8B-B14F-4D97-AF65-F5344CB8AC3E}">
-        <p14:creationId xmlns:p14="http://schemas.microsoft.com/office/powerpoint/2010/main" val="61121013"/>
+        <p14:creationId xmlns:p14="http://schemas.microsoft.com/office/powerpoint/2010/main" val="1316371731"/>
       </p:ext>
     </p:extLst>
   </p:cSld>
   <p:clrMapOvr>
     <a:masterClrMapping/>
   </p:clrMapOvr>
-  <p:timing>
-    <p:tnLst>
-      <p:par>
-        <p:cTn id="1" dur="indefinite" restart="never" nodeType="tmRoot"/>
-      </p:par>
-    </p:tnLst>
-  </p:timing>
 </p:sld>
 </file>
 
@@ -13492,6 +13770,161 @@
           <a:p>
             <a:r>
               <a:rPr lang="de-AT" dirty="0" smtClean="0"/>
+              <a:t>Project </a:t>
+            </a:r>
+            <a:r>
+              <a:rPr lang="de-AT" dirty="0" err="1" smtClean="0"/>
+              <a:t>management</a:t>
+            </a:r>
+            <a:endParaRPr lang="en-GB" dirty="0"/>
+          </a:p>
+        </p:txBody>
+      </p:sp>
+      <p:sp>
+        <p:nvSpPr>
+          <p:cNvPr id="3" name="Inhaltsplatzhalter 2"/>
+          <p:cNvSpPr>
+            <a:spLocks noGrp="1"/>
+          </p:cNvSpPr>
+          <p:nvPr>
+            <p:ph idx="1"/>
+          </p:nvPr>
+        </p:nvSpPr>
+        <p:spPr/>
+        <p:txBody>
+          <a:bodyPr/>
+          <a:lstStyle/>
+          <a:p>
+            <a:endParaRPr lang="en-GB" dirty="0"/>
+          </a:p>
+        </p:txBody>
+      </p:sp>
+    </p:spTree>
+    <p:extLst>
+      <p:ext uri="{BB962C8B-B14F-4D97-AF65-F5344CB8AC3E}">
+        <p14:creationId xmlns:p14="http://schemas.microsoft.com/office/powerpoint/2010/main" val="1301880891"/>
+      </p:ext>
+    </p:extLst>
+  </p:cSld>
+  <p:clrMapOvr>
+    <a:masterClrMapping/>
+  </p:clrMapOvr>
+</p:sld>
+</file>
+
+<file path=ppt/slides/slide31.xml><?xml version="1.0" encoding="utf-8"?>
+<p:sld xmlns:a="http://schemas.openxmlformats.org/drawingml/2006/main" xmlns:r="http://schemas.openxmlformats.org/officeDocument/2006/relationships" xmlns:p="http://schemas.openxmlformats.org/presentationml/2006/main">
+  <p:cSld>
+    <p:spTree>
+      <p:nvGrpSpPr>
+        <p:cNvPr id="1" name=""/>
+        <p:cNvGrpSpPr/>
+        <p:nvPr/>
+      </p:nvGrpSpPr>
+      <p:grpSpPr>
+        <a:xfrm>
+          <a:off x="0" y="0"/>
+          <a:ext cx="0" cy="0"/>
+          <a:chOff x="0" y="0"/>
+          <a:chExt cx="0" cy="0"/>
+        </a:xfrm>
+      </p:grpSpPr>
+      <p:sp>
+        <p:nvSpPr>
+          <p:cNvPr id="2" name="Titel 1"/>
+          <p:cNvSpPr>
+            <a:spLocks noGrp="1"/>
+          </p:cNvSpPr>
+          <p:nvPr>
+            <p:ph type="title"/>
+          </p:nvPr>
+        </p:nvSpPr>
+        <p:spPr/>
+        <p:txBody>
+          <a:bodyPr/>
+          <a:lstStyle/>
+          <a:p>
+            <a:r>
+              <a:rPr lang="de-AT" dirty="0" smtClean="0"/>
+              <a:t>Outlook</a:t>
+            </a:r>
+            <a:endParaRPr lang="en-GB" dirty="0"/>
+          </a:p>
+        </p:txBody>
+      </p:sp>
+      <p:sp>
+        <p:nvSpPr>
+          <p:cNvPr id="3" name="Inhaltsplatzhalter 2"/>
+          <p:cNvSpPr>
+            <a:spLocks noGrp="1"/>
+          </p:cNvSpPr>
+          <p:nvPr>
+            <p:ph idx="1"/>
+          </p:nvPr>
+        </p:nvSpPr>
+        <p:spPr/>
+        <p:txBody>
+          <a:bodyPr/>
+          <a:lstStyle/>
+          <a:p>
+            <a:endParaRPr lang="en-GB"/>
+          </a:p>
+        </p:txBody>
+      </p:sp>
+    </p:spTree>
+    <p:extLst>
+      <p:ext uri="{BB962C8B-B14F-4D97-AF65-F5344CB8AC3E}">
+        <p14:creationId xmlns:p14="http://schemas.microsoft.com/office/powerpoint/2010/main" val="61121013"/>
+      </p:ext>
+    </p:extLst>
+  </p:cSld>
+  <p:clrMapOvr>
+    <a:masterClrMapping/>
+  </p:clrMapOvr>
+  <p:timing>
+    <p:tnLst>
+      <p:par>
+        <p:cTn id="1" dur="indefinite" restart="never" nodeType="tmRoot"/>
+      </p:par>
+    </p:tnLst>
+  </p:timing>
+</p:sld>
+</file>
+
+<file path=ppt/slides/slide32.xml><?xml version="1.0" encoding="utf-8"?>
+<p:sld xmlns:a="http://schemas.openxmlformats.org/drawingml/2006/main" xmlns:r="http://schemas.openxmlformats.org/officeDocument/2006/relationships" xmlns:p="http://schemas.openxmlformats.org/presentationml/2006/main">
+  <p:cSld>
+    <p:spTree>
+      <p:nvGrpSpPr>
+        <p:cNvPr id="1" name=""/>
+        <p:cNvGrpSpPr/>
+        <p:nvPr/>
+      </p:nvGrpSpPr>
+      <p:grpSpPr>
+        <a:xfrm>
+          <a:off x="0" y="0"/>
+          <a:ext cx="0" cy="0"/>
+          <a:chOff x="0" y="0"/>
+          <a:chExt cx="0" cy="0"/>
+        </a:xfrm>
+      </p:grpSpPr>
+      <p:sp>
+        <p:nvSpPr>
+          <p:cNvPr id="2" name="Titel 1"/>
+          <p:cNvSpPr>
+            <a:spLocks noGrp="1"/>
+          </p:cNvSpPr>
+          <p:nvPr>
+            <p:ph type="title"/>
+          </p:nvPr>
+        </p:nvSpPr>
+        <p:spPr/>
+        <p:txBody>
+          <a:bodyPr/>
+          <a:lstStyle/>
+          <a:p>
+            <a:r>
+              <a:rPr lang="de-AT" dirty="0" smtClean="0"/>
               <a:t>Summary</a:t>
             </a:r>
             <a:endParaRPr lang="en-GB" dirty="0"/>
@@ -13537,7 +13970,7 @@
 </p:sld>
 </file>
 
-<file path=ppt/slides/slide31.xml><?xml version="1.0" encoding="utf-8"?>
+<file path=ppt/slides/slide33.xml><?xml version="1.0" encoding="utf-8"?>
 <p:sld xmlns:a="http://schemas.openxmlformats.org/drawingml/2006/main" xmlns:r="http://schemas.openxmlformats.org/officeDocument/2006/relationships" xmlns:p="http://schemas.openxmlformats.org/presentationml/2006/main">
   <p:cSld>
     <p:spTree>

--- a/Documentation/Praesentation/PresentationRoomanizer.pptx
+++ b/Documentation/Praesentation/PresentationRoomanizer.pptx
@@ -224,7 +224,7 @@
           <a:p>
             <a:fld id="{BE36B728-C1AC-41BD-B8EE-1499AEB738A0}" type="datetimeFigureOut">
               <a:rPr lang="en-GB" smtClean="0"/>
-              <a:t>09/06/2012</a:t>
+              <a:t>10/06/2012</a:t>
             </a:fld>
             <a:endParaRPr lang="en-GB"/>
           </a:p>
@@ -1283,17 +1283,12 @@
           <a:p>
             <a:r>
               <a:rPr lang="de-AT" dirty="0" smtClean="0"/>
-              <a:t>Eigenes </a:t>
-            </a:r>
-            <a:r>
-              <a:rPr lang="de-AT" smtClean="0"/>
-              <a:t>Diagramm</a:t>
-            </a:r>
-            <a:r>
-              <a:rPr lang="de-AT" baseline="0" smtClean="0"/>
+              <a:t>Eigenes Diagramm</a:t>
+            </a:r>
+            <a:r>
+              <a:rPr lang="de-AT" baseline="0" dirty="0" smtClean="0"/>
               <a:t> erstellen?</a:t>
             </a:r>
-            <a:endParaRPr lang="de-AT" baseline="0" dirty="0" smtClean="0"/>
           </a:p>
           <a:p>
             <a:endParaRPr lang="de-AT" baseline="0" dirty="0" smtClean="0"/>
@@ -4729,31 +4724,15 @@
             </a:pPr>
             <a:r>
               <a:rPr lang="en-US" dirty="0" smtClean="0"/>
-              <a:t>The integration of the other program parts by implementation of interfaces was not possible, </a:t>
+              <a:t>The integration of the other program parts by implementation of interfaces was not possible, because</a:t>
+            </a:r>
+            <a:r>
+              <a:rPr lang="en-US" baseline="0" dirty="0" smtClean="0"/>
+              <a:t> </a:t>
             </a:r>
             <a:r>
               <a:rPr lang="en-US" dirty="0" smtClean="0"/>
-              <a:t>because</a:t>
-            </a:r>
-            <a:r>
-              <a:rPr lang="en-US" baseline="0" dirty="0" smtClean="0"/>
-              <a:t> </a:t>
-            </a:r>
-            <a:r>
-              <a:rPr lang="en-US" dirty="0" smtClean="0"/>
-              <a:t>no interfaces were </a:t>
-            </a:r>
-            <a:r>
-              <a:rPr lang="en-US" dirty="0" smtClean="0"/>
-              <a:t>available. To avoid the problem, our adapter classes inherit direct from the domain objects from the other team. Also every adapter implements a generic adapter interface, to set and read its type. This enables dynamic programming, there every of our adapters support this interface and so they can </a:t>
-            </a:r>
-            <a:r>
-              <a:rPr lang="en-US" dirty="0" smtClean="0"/>
-              <a:t>be read </a:t>
-            </a:r>
-            <a:r>
-              <a:rPr lang="en-US" dirty="0" smtClean="0"/>
-              <a:t>and created by other classes.</a:t>
+              <a:t>no interfaces were available. To avoid the problem, our adapter classes inherit direct from the domain objects from the other team. Also every adapter implements a generic adapter interface, to set and read its type. This enables dynamic programming, there every of our adapters support this interface and so they can be read and created by other classes.</a:t>
             </a:r>
           </a:p>
           <a:p>
@@ -6920,7 +6899,7 @@
           <a:p>
             <a:fld id="{1BA50D42-C9CD-4801-B293-61D1F53EC57E}" type="datetimeFigureOut">
               <a:rPr lang="de-DE" smtClean="0"/>
-              <a:t>09.06.2012</a:t>
+              <a:t>10.06.2012</a:t>
             </a:fld>
             <a:endParaRPr lang="de-DE"/>
           </a:p>
@@ -7085,7 +7064,7 @@
           <a:p>
             <a:fld id="{1BA50D42-C9CD-4801-B293-61D1F53EC57E}" type="datetimeFigureOut">
               <a:rPr lang="de-DE" smtClean="0"/>
-              <a:t>09.06.2012</a:t>
+              <a:t>10.06.2012</a:t>
             </a:fld>
             <a:endParaRPr lang="de-DE"/>
           </a:p>
@@ -7260,7 +7239,7 @@
           <a:p>
             <a:fld id="{1BA50D42-C9CD-4801-B293-61D1F53EC57E}" type="datetimeFigureOut">
               <a:rPr lang="de-DE" smtClean="0"/>
-              <a:t>09.06.2012</a:t>
+              <a:t>10.06.2012</a:t>
             </a:fld>
             <a:endParaRPr lang="de-DE"/>
           </a:p>
@@ -7572,7 +7551,7 @@
           <a:p>
             <a:fld id="{1BA50D42-C9CD-4801-B293-61D1F53EC57E}" type="datetimeFigureOut">
               <a:rPr lang="de-DE" smtClean="0"/>
-              <a:t>09.06.2012</a:t>
+              <a:t>10.06.2012</a:t>
             </a:fld>
             <a:endParaRPr lang="de-DE"/>
           </a:p>
@@ -7813,7 +7792,7 @@
           <a:p>
             <a:fld id="{1BA50D42-C9CD-4801-B293-61D1F53EC57E}" type="datetimeFigureOut">
               <a:rPr lang="de-DE" smtClean="0"/>
-              <a:t>09.06.2012</a:t>
+              <a:t>10.06.2012</a:t>
             </a:fld>
             <a:endParaRPr lang="de-DE"/>
           </a:p>
@@ -8096,7 +8075,7 @@
           <a:p>
             <a:fld id="{1BA50D42-C9CD-4801-B293-61D1F53EC57E}" type="datetimeFigureOut">
               <a:rPr lang="de-DE" smtClean="0"/>
-              <a:t>09.06.2012</a:t>
+              <a:t>10.06.2012</a:t>
             </a:fld>
             <a:endParaRPr lang="de-DE"/>
           </a:p>
@@ -8513,7 +8492,7 @@
           <a:p>
             <a:fld id="{1BA50D42-C9CD-4801-B293-61D1F53EC57E}" type="datetimeFigureOut">
               <a:rPr lang="de-DE" smtClean="0"/>
-              <a:t>09.06.2012</a:t>
+              <a:t>10.06.2012</a:t>
             </a:fld>
             <a:endParaRPr lang="de-DE"/>
           </a:p>
@@ -8626,7 +8605,7 @@
           <a:p>
             <a:fld id="{1BA50D42-C9CD-4801-B293-61D1F53EC57E}" type="datetimeFigureOut">
               <a:rPr lang="de-DE" smtClean="0"/>
-              <a:t>09.06.2012</a:t>
+              <a:t>10.06.2012</a:t>
             </a:fld>
             <a:endParaRPr lang="de-DE"/>
           </a:p>
@@ -8716,7 +8695,7 @@
           <a:p>
             <a:fld id="{1BA50D42-C9CD-4801-B293-61D1F53EC57E}" type="datetimeFigureOut">
               <a:rPr lang="de-DE" smtClean="0"/>
-              <a:t>09.06.2012</a:t>
+              <a:t>10.06.2012</a:t>
             </a:fld>
             <a:endParaRPr lang="de-DE"/>
           </a:p>
@@ -8988,7 +8967,7 @@
           <a:p>
             <a:fld id="{1BA50D42-C9CD-4801-B293-61D1F53EC57E}" type="datetimeFigureOut">
               <a:rPr lang="de-DE" smtClean="0"/>
-              <a:t>09.06.2012</a:t>
+              <a:t>10.06.2012</a:t>
             </a:fld>
             <a:endParaRPr lang="de-DE"/>
           </a:p>
@@ -9236,7 +9215,7 @@
           <a:p>
             <a:fld id="{1BA50D42-C9CD-4801-B293-61D1F53EC57E}" type="datetimeFigureOut">
               <a:rPr lang="de-DE" smtClean="0"/>
-              <a:t>09.06.2012</a:t>
+              <a:t>10.06.2012</a:t>
             </a:fld>
             <a:endParaRPr lang="de-DE"/>
           </a:p>
@@ -9444,7 +9423,7 @@
           <a:p>
             <a:fld id="{1BA50D42-C9CD-4801-B293-61D1F53EC57E}" type="datetimeFigureOut">
               <a:rPr lang="de-DE" smtClean="0"/>
-              <a:t>09.06.2012</a:t>
+              <a:t>10.06.2012</a:t>
             </a:fld>
             <a:endParaRPr lang="de-DE"/>
           </a:p>

--- a/Documentation/Praesentation/PresentationRoomanizer.pptx
+++ b/Documentation/Praesentation/PresentationRoomanizer.pptx
@@ -4361,6 +4361,205 @@
           <a:p>
             <a:r>
               <a:rPr lang="en-US" noProof="0" dirty="0" smtClean="0"/>
+              <a:t>Introduction: </a:t>
+            </a:r>
+            <a:r>
+              <a:rPr lang="en-US" baseline="0" noProof="0" dirty="0" smtClean="0">
+                <a:sym typeface="Wingdings" pitchFamily="2" charset="2"/>
+              </a:rPr>
+              <a:t>THE Java GUI Framework </a:t>
+            </a:r>
+          </a:p>
+          <a:p>
+            <a:pPr marL="0" marR="0" indent="0" algn="l" defTabSz="914400" rtl="0" eaLnBrk="1" fontAlgn="auto" latinLnBrk="0" hangingPunct="1">
+              <a:lnSpc>
+                <a:spcPct val="100000"/>
+              </a:lnSpc>
+              <a:spcBef>
+                <a:spcPts val="0"/>
+              </a:spcBef>
+              <a:spcAft>
+                <a:spcPts val="0"/>
+              </a:spcAft>
+              <a:buClrTx/>
+              <a:buSzTx/>
+              <a:buFontTx/>
+              <a:buNone/>
+              <a:tabLst/>
+              <a:defRPr/>
+            </a:pPr>
+            <a:endParaRPr lang="en-US" baseline="0" noProof="0" dirty="0" smtClean="0">
+              <a:sym typeface="Wingdings" pitchFamily="2" charset="2"/>
+            </a:endParaRPr>
+          </a:p>
+          <a:p>
+            <a:pPr marL="0" marR="0" indent="0" algn="l" defTabSz="914400" rtl="0" eaLnBrk="1" fontAlgn="auto" latinLnBrk="0" hangingPunct="1">
+              <a:lnSpc>
+                <a:spcPct val="100000"/>
+              </a:lnSpc>
+              <a:spcBef>
+                <a:spcPts val="0"/>
+              </a:spcBef>
+              <a:spcAft>
+                <a:spcPts val="0"/>
+              </a:spcAft>
+              <a:buClrTx/>
+              <a:buSzTx/>
+              <a:buFontTx/>
+              <a:buNone/>
+              <a:tabLst/>
+              <a:defRPr/>
+            </a:pPr>
+            <a:r>
+              <a:rPr lang="en-US" baseline="0" noProof="0" dirty="0" smtClean="0">
+                <a:sym typeface="Wingdings" pitchFamily="2" charset="2"/>
+              </a:rPr>
+              <a:t>Platform independent (</a:t>
+            </a:r>
+            <a:r>
+              <a:rPr lang="en-US" baseline="0" noProof="0" dirty="0" err="1" smtClean="0">
+                <a:sym typeface="Wingdings" pitchFamily="2" charset="2"/>
+              </a:rPr>
+              <a:t>comparisson</a:t>
+            </a:r>
+            <a:r>
+              <a:rPr lang="en-US" baseline="0" noProof="0" dirty="0" smtClean="0">
+                <a:sym typeface="Wingdings" pitchFamily="2" charset="2"/>
+              </a:rPr>
+              <a:t> AWT)</a:t>
+            </a:r>
+          </a:p>
+          <a:p>
+            <a:pPr marL="171450" indent="-171450">
+              <a:buFontTx/>
+              <a:buChar char="-"/>
+            </a:pPr>
+            <a:r>
+              <a:rPr lang="en-US" noProof="0" dirty="0" err="1" smtClean="0"/>
+              <a:t>Os</a:t>
+            </a:r>
+            <a:r>
+              <a:rPr lang="en-US" noProof="0" dirty="0" smtClean="0"/>
+              <a:t> native implementation with</a:t>
+            </a:r>
+            <a:r>
+              <a:rPr lang="en-US" baseline="0" noProof="0" dirty="0" smtClean="0"/>
+              <a:t> </a:t>
+            </a:r>
+            <a:r>
+              <a:rPr lang="en-US" baseline="0" noProof="0" dirty="0" err="1" smtClean="0"/>
+              <a:t>awt</a:t>
+            </a:r>
+            <a:r>
+              <a:rPr lang="en-US" baseline="0" noProof="0" dirty="0" smtClean="0"/>
+              <a:t> </a:t>
+            </a:r>
+            <a:r>
+              <a:rPr lang="en-US" baseline="0" noProof="0" dirty="0" smtClean="0">
+                <a:sym typeface="Wingdings" pitchFamily="2" charset="2"/>
+              </a:rPr>
+              <a:t> in swing own rendering</a:t>
+            </a:r>
+          </a:p>
+          <a:p>
+            <a:pPr marL="171450" indent="-171450">
+              <a:buFontTx/>
+              <a:buChar char="-"/>
+            </a:pPr>
+            <a:endParaRPr lang="en-US" baseline="0" noProof="0" dirty="0" smtClean="0">
+              <a:sym typeface="Wingdings" pitchFamily="2" charset="2"/>
+            </a:endParaRPr>
+          </a:p>
+          <a:p>
+            <a:r>
+              <a:rPr lang="en-US" baseline="0" noProof="0" dirty="0" smtClean="0">
+                <a:sym typeface="Wingdings" pitchFamily="2" charset="2"/>
+              </a:rPr>
+              <a:t>Extensible: creating own components (for example the split and </a:t>
+            </a:r>
+            <a:r>
+              <a:rPr lang="en-US" baseline="0" noProof="0" dirty="0" err="1" smtClean="0">
+                <a:sym typeface="Wingdings" pitchFamily="2" charset="2"/>
+              </a:rPr>
+              <a:t>storno</a:t>
+            </a:r>
+            <a:r>
+              <a:rPr lang="en-US" baseline="0" noProof="0" dirty="0" smtClean="0">
+                <a:sym typeface="Wingdings" pitchFamily="2" charset="2"/>
+              </a:rPr>
+              <a:t> screen, if we use it on other </a:t>
+            </a:r>
+            <a:r>
+              <a:rPr lang="en-US" baseline="0" noProof="0" dirty="0" err="1" smtClean="0">
+                <a:sym typeface="Wingdings" pitchFamily="2" charset="2"/>
+              </a:rPr>
+              <a:t>posisitions</a:t>
+            </a:r>
+            <a:r>
+              <a:rPr lang="en-US" baseline="0" noProof="0" dirty="0" smtClean="0">
+                <a:sym typeface="Wingdings" pitchFamily="2" charset="2"/>
+              </a:rPr>
+              <a:t>  reusability)</a:t>
+            </a:r>
+          </a:p>
+          <a:p>
+            <a:r>
+              <a:rPr lang="en-US" baseline="0" noProof="0" dirty="0" smtClean="0">
+                <a:sym typeface="Wingdings" pitchFamily="2" charset="2"/>
+              </a:rPr>
+              <a:t>	- able to use the whole power of </a:t>
+            </a:r>
+            <a:r>
+              <a:rPr lang="en-US" baseline="0" noProof="0" dirty="0" err="1" smtClean="0">
+                <a:sym typeface="Wingdings" pitchFamily="2" charset="2"/>
+              </a:rPr>
+              <a:t>Jcomponents</a:t>
+            </a:r>
+            <a:r>
+              <a:rPr lang="en-US" baseline="0" noProof="0" dirty="0" smtClean="0">
+                <a:sym typeface="Wingdings" pitchFamily="2" charset="2"/>
+              </a:rPr>
+              <a:t> (Swing) like fire events, bound properties, java beans, many methods (which can be overwritten)</a:t>
+            </a:r>
+          </a:p>
+          <a:p>
+            <a:endParaRPr lang="en-US" baseline="0" noProof="0" dirty="0" smtClean="0">
+              <a:sym typeface="Wingdings" pitchFamily="2" charset="2"/>
+            </a:endParaRPr>
+          </a:p>
+          <a:p>
+            <a:r>
+              <a:rPr lang="en-US" baseline="0" noProof="0" dirty="0" smtClean="0">
+                <a:sym typeface="Wingdings" pitchFamily="2" charset="2"/>
+              </a:rPr>
+              <a:t>Customizable: </a:t>
+            </a:r>
+            <a:r>
+              <a:rPr lang="en-GB" dirty="0" smtClean="0"/>
+              <a:t>standard set of elements, such as a border, inset, decorations, and other properties are available</a:t>
+            </a:r>
+            <a:r>
+              <a:rPr lang="en-GB" baseline="0" dirty="0" smtClean="0"/>
+              <a:t> to customize tables, panels or buttons</a:t>
+            </a:r>
+            <a:endParaRPr lang="en-US" noProof="0" dirty="0" smtClean="0"/>
+          </a:p>
+          <a:p>
+            <a:pPr marL="171450" indent="-171450">
+              <a:buFontTx/>
+              <a:buChar char="-"/>
+            </a:pPr>
+            <a:endParaRPr lang="en-US" noProof="0" dirty="0" smtClean="0"/>
+          </a:p>
+          <a:p>
+            <a:r>
+              <a:rPr lang="en-US" noProof="0" dirty="0" smtClean="0"/>
+              <a:t>Project: </a:t>
+            </a:r>
+          </a:p>
+          <a:p>
+            <a:r>
+              <a:rPr lang="en-US" noProof="0" dirty="0" smtClean="0"/>
               <a:t>Requirement</a:t>
             </a:r>
             <a:r>
@@ -4380,66 +4579,14 @@
               <a:t>guis</a:t>
             </a:r>
             <a:r>
-              <a:rPr lang="en-US" baseline="0" noProof="0" dirty="0" smtClean="0">
+              <a:rPr lang="en-US" baseline="0" noProof="0" smtClean="0">
                 <a:sym typeface="Wingdings" pitchFamily="2" charset="2"/>
               </a:rPr>
               <a:t>, IF THEY USE THE SAME!</a:t>
             </a:r>
           </a:p>
           <a:p>
-            <a:r>
-              <a:rPr lang="en-US" baseline="0" noProof="0" dirty="0" smtClean="0">
-                <a:sym typeface="Wingdings" pitchFamily="2" charset="2"/>
-              </a:rPr>
-              <a:t>THE Java GUI Framework </a:t>
-            </a:r>
-          </a:p>
-          <a:p>
-            <a:r>
-              <a:rPr lang="en-US" baseline="0" noProof="0" dirty="0" smtClean="0">
-                <a:sym typeface="Wingdings" pitchFamily="2" charset="2"/>
-              </a:rPr>
-              <a:t>Platform independent (</a:t>
-            </a:r>
-            <a:r>
-              <a:rPr lang="en-US" baseline="0" noProof="0" dirty="0" err="1" smtClean="0">
-                <a:sym typeface="Wingdings" pitchFamily="2" charset="2"/>
-              </a:rPr>
-              <a:t>comparisson</a:t>
-            </a:r>
-            <a:r>
-              <a:rPr lang="en-US" baseline="0" noProof="0" dirty="0" smtClean="0">
-                <a:sym typeface="Wingdings" pitchFamily="2" charset="2"/>
-              </a:rPr>
-              <a:t> AWT)</a:t>
-            </a:r>
-          </a:p>
-          <a:p>
-            <a:r>
-              <a:rPr lang="en-US" baseline="0" noProof="0" dirty="0" smtClean="0">
-                <a:sym typeface="Wingdings" pitchFamily="2" charset="2"/>
-              </a:rPr>
-              <a:t>Extensible (own tables for </a:t>
-            </a:r>
-            <a:r>
-              <a:rPr lang="en-GB" dirty="0" smtClean="0"/>
-              <a:t>Accommodation </a:t>
-            </a:r>
-            <a:r>
-              <a:rPr lang="en-US" baseline="0" noProof="0" dirty="0" smtClean="0">
-                <a:sym typeface="Wingdings" pitchFamily="2" charset="2"/>
-              </a:rPr>
-              <a:t>etc.)</a:t>
-            </a:r>
-          </a:p>
-          <a:p>
-            <a:r>
-              <a:rPr lang="en-US" baseline="0" noProof="0" dirty="0" smtClean="0">
-                <a:sym typeface="Wingdings" pitchFamily="2" charset="2"/>
-              </a:rPr>
-              <a:t>Tab view</a:t>
-            </a:r>
-            <a:endParaRPr lang="en-US" noProof="0" dirty="0"/>
+            <a:endParaRPr lang="en-US" noProof="0" dirty="0" smtClean="0"/>
           </a:p>
         </p:txBody>
       </p:sp>
@@ -12537,31 +12684,31 @@
             <a:pPr lvl="1"/>
             <a:r>
               <a:rPr lang="en-GB" dirty="0" smtClean="0"/>
-              <a:t>Inheritance (“</a:t>
-            </a:r>
-            <a:r>
-              <a:rPr lang="en-GB" dirty="0"/>
-              <a:t>A</a:t>
-            </a:r>
+              <a:t>Inheritance of </a:t>
+            </a:r>
+            <a:r>
+              <a:rPr lang="en-GB" dirty="0" err="1" smtClean="0"/>
+              <a:t>JComponent</a:t>
+            </a:r>
+            <a:endParaRPr lang="de-AT" dirty="0" smtClean="0"/>
+          </a:p>
+          <a:p>
+            <a:pPr lvl="0"/>
             <a:r>
               <a:rPr lang="en-GB" dirty="0" smtClean="0"/>
-              <a:t>ccommodation Table”)</a:t>
-            </a:r>
-            <a:endParaRPr lang="de-AT" dirty="0"/>
-          </a:p>
-          <a:p>
-            <a:pPr lvl="0"/>
-            <a:r>
-              <a:rPr lang="en-GB" dirty="0"/>
               <a:t>Customizable</a:t>
             </a:r>
-            <a:endParaRPr lang="de-AT" dirty="0"/>
+            <a:endParaRPr lang="de-AT" dirty="0" smtClean="0"/>
           </a:p>
           <a:p>
             <a:pPr lvl="1"/>
             <a:r>
               <a:rPr lang="en-GB" dirty="0" smtClean="0"/>
-              <a:t>Tables etc.</a:t>
+              <a:t>Components are </a:t>
+            </a:r>
+            <a:r>
+              <a:rPr lang="en-GB" dirty="0" err="1" smtClean="0"/>
+              <a:t>parameterisable</a:t>
             </a:r>
             <a:endParaRPr lang="de-AT" dirty="0"/>
           </a:p>

--- a/Documentation/Praesentation/PresentationRoomanizer.pptx
+++ b/Documentation/Praesentation/PresentationRoomanizer.pptx
@@ -41,9 +41,9 @@
     <p:sldId id="297" r:id="rId32"/>
     <p:sldId id="298" r:id="rId33"/>
     <p:sldId id="299" r:id="rId34"/>
-    <p:sldId id="288" r:id="rId35"/>
-    <p:sldId id="280" r:id="rId36"/>
-    <p:sldId id="284" r:id="rId37"/>
+    <p:sldId id="316" r:id="rId35"/>
+    <p:sldId id="317" r:id="rId36"/>
+    <p:sldId id="318" r:id="rId37"/>
     <p:sldId id="285" r:id="rId38"/>
   </p:sldIdLst>
   <p:sldSz cx="9144000" cy="6858000" type="screen4x3"/>
@@ -1063,12 +1063,12 @@
     </dgm:pt>
   </dgm:ptLst>
   <dgm:cxnLst>
+    <dgm:cxn modelId="{FF48F4CF-617D-444F-A606-B34659613E02}" type="presOf" srcId="{B1ABD0E2-8CB5-43C1-88C0-463D8FC35F8D}" destId="{9CFF976A-BD0C-45E9-BD17-26232B64DC87}" srcOrd="0" destOrd="0" presId="urn:microsoft.com/office/officeart/2005/8/layout/cycle1"/>
     <dgm:cxn modelId="{BB2B7F70-7E67-4D65-B863-9E5B29D5F38B}" srcId="{38C1A622-53D2-4D7D-9AAD-30F16C1D1FD5}" destId="{D5BC0597-BC04-4616-A34E-D8681BC7B002}" srcOrd="0" destOrd="0" parTransId="{9045DD40-015A-4128-A154-40B8CD0662DC}" sibTransId="{E9D49893-F60B-4B48-95FE-C2CC0DD7F6EC}"/>
-    <dgm:cxn modelId="{FF48F4CF-617D-444F-A606-B34659613E02}" type="presOf" srcId="{B1ABD0E2-8CB5-43C1-88C0-463D8FC35F8D}" destId="{9CFF976A-BD0C-45E9-BD17-26232B64DC87}" srcOrd="0" destOrd="0" presId="urn:microsoft.com/office/officeart/2005/8/layout/cycle1"/>
     <dgm:cxn modelId="{FC965157-5ECB-41BF-A9C0-1F75070BBBA8}" type="presOf" srcId="{E9D49893-F60B-4B48-95FE-C2CC0DD7F6EC}" destId="{0A944668-9E45-4271-BB3D-61EA8936D182}" srcOrd="0" destOrd="0" presId="urn:microsoft.com/office/officeart/2005/8/layout/cycle1"/>
     <dgm:cxn modelId="{1F8434F5-9597-48E4-B36E-CDBB9FA642DB}" type="presOf" srcId="{D5BC0597-BC04-4616-A34E-D8681BC7B002}" destId="{4A9CE6FA-2F6A-40B6-843E-7BD8B0065E1F}" srcOrd="0" destOrd="0" presId="urn:microsoft.com/office/officeart/2005/8/layout/cycle1"/>
+    <dgm:cxn modelId="{1DC94011-B2FC-4C46-9910-4EA8EE4EF0B7}" type="presOf" srcId="{38C1A622-53D2-4D7D-9AAD-30F16C1D1FD5}" destId="{82AC2231-7877-4F4E-BD14-DA8AAD4D6C4C}" srcOrd="0" destOrd="0" presId="urn:microsoft.com/office/officeart/2005/8/layout/cycle1"/>
     <dgm:cxn modelId="{128F760E-C7B3-4360-8306-18AE7E82AF59}" type="presOf" srcId="{108AE34D-B948-473D-BC77-3533EAA3731E}" destId="{2F8F08C6-8C6D-457F-BD8C-A4D9AF3E7475}" srcOrd="0" destOrd="0" presId="urn:microsoft.com/office/officeart/2005/8/layout/cycle1"/>
-    <dgm:cxn modelId="{1DC94011-B2FC-4C46-9910-4EA8EE4EF0B7}" type="presOf" srcId="{38C1A622-53D2-4D7D-9AAD-30F16C1D1FD5}" destId="{82AC2231-7877-4F4E-BD14-DA8AAD4D6C4C}" srcOrd="0" destOrd="0" presId="urn:microsoft.com/office/officeart/2005/8/layout/cycle1"/>
     <dgm:cxn modelId="{8079FA80-834C-4682-87A5-5B40A6570C86}" srcId="{38C1A622-53D2-4D7D-9AAD-30F16C1D1FD5}" destId="{108AE34D-B948-473D-BC77-3533EAA3731E}" srcOrd="1" destOrd="0" parTransId="{55D64126-CD23-4551-B6B6-41D7EA205EE0}" sibTransId="{B1ABD0E2-8CB5-43C1-88C0-463D8FC35F8D}"/>
     <dgm:cxn modelId="{C8583E6F-141D-428A-AFAD-06DB51999761}" type="presParOf" srcId="{82AC2231-7877-4F4E-BD14-DA8AAD4D6C4C}" destId="{0D22DCC8-037A-4471-B7B3-9DF5E307A4DD}" srcOrd="0" destOrd="0" presId="urn:microsoft.com/office/officeart/2005/8/layout/cycle1"/>
     <dgm:cxn modelId="{D19D1E02-9265-4D21-9C7B-5ADB389991AE}" type="presParOf" srcId="{82AC2231-7877-4F4E-BD14-DA8AAD4D6C4C}" destId="{4A9CE6FA-2F6A-40B6-843E-7BD8B0065E1F}" srcOrd="1" destOrd="0" presId="urn:microsoft.com/office/officeart/2005/8/layout/cycle1"/>
@@ -14849,6 +14849,14 @@
 <file path=ppt/notesSlides/notesSlide31.xml><?xml version="1.0" encoding="utf-8"?>
 <p:notes xmlns:a="http://schemas.openxmlformats.org/drawingml/2006/main" xmlns:r="http://schemas.openxmlformats.org/officeDocument/2006/relationships" xmlns:p="http://schemas.openxmlformats.org/presentationml/2006/main">
   <p:cSld>
+    <p:bg>
+      <p:bgPr>
+        <a:solidFill>
+          <a:srgbClr val="FFFFFF"/>
+        </a:solidFill>
+        <a:effectLst/>
+      </p:bgPr>
+    </p:bg>
     <p:spTree>
       <p:nvGrpSpPr>
         <p:cNvPr id="1" name=""/>
@@ -14865,130 +14873,284 @@
       </p:grpSpPr>
       <p:sp>
         <p:nvSpPr>
-          <p:cNvPr id="2" name="Folienbildplatzhalter 1"/>
+          <p:cNvPr id="8" name="Rectangle 6"/>
           <p:cNvSpPr>
-            <a:spLocks noGrp="1" noRot="1" noChangeAspect="1"/>
+            <a:spLocks noGrp="1" noChangeArrowheads="1"/>
+          </p:cNvSpPr>
+          <p:nvPr>
+            <p:ph type="sldNum"/>
+          </p:nvPr>
+        </p:nvSpPr>
+        <p:spPr>
+          <a:ln/>
+        </p:spPr>
+        <p:txBody>
+          <a:bodyPr/>
+          <a:lstStyle/>
+          <a:p>
+            <a:fld id="{58D83871-26A0-42B3-B534-77DF39400762}" type="slidenum">
+              <a:rPr lang="de-AT"/>
+              <a:pPr/>
+              <a:t>34</a:t>
+            </a:fld>
+            <a:endParaRPr lang="de-AT"/>
+          </a:p>
+        </p:txBody>
+      </p:sp>
+      <p:sp>
+        <p:nvSpPr>
+          <p:cNvPr id="69633" name="Rectangle 1"/>
+          <p:cNvSpPr txBox="1">
+            <a:spLocks noChangeArrowheads="1"/>
           </p:cNvSpPr>
           <p:nvPr>
             <p:ph type="sldImg"/>
           </p:nvPr>
         </p:nvSpPr>
-        <p:spPr/>
+        <p:spPr bwMode="auto">
+          <a:xfrm>
+            <a:off x="0" y="0"/>
+            <a:ext cx="1588" cy="1588"/>
+          </a:xfrm>
+          <a:prstGeom prst="rect">
+            <a:avLst/>
+          </a:prstGeom>
+          <a:solidFill>
+            <a:srgbClr val="FFFFFF"/>
+          </a:solidFill>
+          <a:ln>
+            <a:solidFill>
+              <a:srgbClr val="000000"/>
+            </a:solidFill>
+            <a:miter lim="800000"/>
+            <a:headEnd/>
+            <a:tailEnd/>
+          </a:ln>
+          <a:extLst>
+            <a:ext uri="{AF507438-7753-43E0-B8FC-AC1667EBCBE1}">
+              <a14:hiddenEffects xmlns:a14="http://schemas.microsoft.com/office/drawing/2010/main">
+                <a:effectLst>
+                  <a:outerShdw dist="35921" dir="2700000" algn="ctr" rotWithShape="0">
+                    <a:srgbClr val="808080"/>
+                  </a:outerShdw>
+                </a:effectLst>
+              </a14:hiddenEffects>
+            </a:ext>
+          </a:extLst>
+        </p:spPr>
       </p:sp>
       <p:sp>
         <p:nvSpPr>
-          <p:cNvPr id="3" name="Notizenplatzhalter 2"/>
-          <p:cNvSpPr>
-            <a:spLocks noGrp="1"/>
+          <p:cNvPr id="69634" name="Text Box 2"/>
+          <p:cNvSpPr txBox="1">
+            <a:spLocks noChangeArrowheads="1"/>
           </p:cNvSpPr>
           <p:nvPr>
             <p:ph type="body" idx="1"/>
           </p:nvPr>
         </p:nvSpPr>
-        <p:spPr/>
+        <p:spPr bwMode="auto">
+          <a:xfrm>
+            <a:off x="0" y="0"/>
+            <a:ext cx="1588" cy="1588"/>
+          </a:xfrm>
+          <a:prstGeom prst="rect">
+            <a:avLst/>
+          </a:prstGeom>
+          <a:noFill/>
+          <a:ln/>
+          <a:extLst>
+            <a:ext uri="{909E8E84-426E-40DD-AFC4-6F175D3DCCD1}">
+              <a14:hiddenFill xmlns:a14="http://schemas.microsoft.com/office/drawing/2010/main">
+                <a:solidFill>
+                  <a:srgbClr val="FFFFFF"/>
+                </a:solidFill>
+              </a14:hiddenFill>
+            </a:ext>
+            <a:ext uri="{91240B29-F687-4F45-9708-019B960494DF}">
+              <a14:hiddenLine xmlns:a14="http://schemas.microsoft.com/office/drawing/2010/main" w="9525">
+                <a:solidFill>
+                  <a:srgbClr val="000000"/>
+                </a:solidFill>
+                <a:round/>
+                <a:headEnd/>
+                <a:tailEnd/>
+              </a14:hiddenLine>
+            </a:ext>
+            <a:ext uri="{AF507438-7753-43E0-B8FC-AC1667EBCBE1}">
+              <a14:hiddenEffects xmlns:a14="http://schemas.microsoft.com/office/drawing/2010/main">
+                <a:effectLst>
+                  <a:outerShdw dist="35921" dir="2700000" algn="ctr" rotWithShape="0">
+                    <a:srgbClr val="808080"/>
+                  </a:outerShdw>
+                </a:effectLst>
+              </a14:hiddenEffects>
+            </a:ext>
+          </a:extLst>
+        </p:spPr>
         <p:txBody>
-          <a:bodyPr/>
+          <a:bodyPr tIns="91440"/>
           <a:lstStyle/>
           <a:p>
-            <a:r>
-              <a:rPr lang="de-AT" dirty="0" smtClean="0"/>
+            <a:pPr eaLnBrk="1">
+              <a:spcBef>
+                <a:spcPct val="0"/>
+              </a:spcBef>
+            </a:pPr>
+            <a:r>
+              <a:rPr lang="de-AT" sz="2000">
+                <a:latin typeface="Arial" charset="0"/>
+                <a:ea typeface="SimSun" charset="-122"/>
+              </a:rPr>
               <a:t>Project Trend</a:t>
             </a:r>
           </a:p>
           <a:p>
-            <a:endParaRPr lang="de-AT" dirty="0" smtClean="0"/>
-          </a:p>
-          <a:p>
-            <a:r>
-              <a:rPr lang="de-AT" dirty="0" smtClean="0"/>
+            <a:pPr eaLnBrk="1">
+              <a:spcBef>
+                <a:spcPct val="0"/>
+              </a:spcBef>
+            </a:pPr>
+            <a:endParaRPr lang="de-AT" sz="2000">
+              <a:latin typeface="Arial" charset="0"/>
+              <a:ea typeface="SimSun" charset="-122"/>
+            </a:endParaRPr>
+          </a:p>
+          <a:p>
+            <a:pPr eaLnBrk="1">
+              <a:spcBef>
+                <a:spcPct val="0"/>
+              </a:spcBef>
+            </a:pPr>
+            <a:r>
+              <a:rPr lang="de-AT" sz="2000">
+                <a:latin typeface="Arial" charset="0"/>
+                <a:ea typeface="SimSun" charset="-122"/>
+              </a:rPr>
               <a:t>Zeitplan, …</a:t>
             </a:r>
           </a:p>
           <a:p>
-            <a:endParaRPr lang="de-AT" dirty="0" smtClean="0"/>
-          </a:p>
-          <a:p>
-            <a:pPr marL="0" marR="0" indent="0" algn="l" defTabSz="914400" rtl="0" eaLnBrk="1" fontAlgn="auto" latinLnBrk="0" hangingPunct="1">
-              <a:lnSpc>
-                <a:spcPct val="100000"/>
-              </a:lnSpc>
+            <a:pPr eaLnBrk="1">
               <a:spcBef>
-                <a:spcPts val="0"/>
+                <a:spcPct val="0"/>
               </a:spcBef>
-              <a:spcAft>
-                <a:spcPts val="0"/>
-              </a:spcAft>
-              <a:buClrTx/>
-              <a:buSzTx/>
-              <a:buFontTx/>
-              <a:buNone/>
-              <a:tabLst/>
-              <a:defRPr/>
             </a:pPr>
-            <a:r>
-              <a:rPr lang="de-AT" dirty="0" err="1" smtClean="0"/>
-              <a:t>Developement</a:t>
-            </a:r>
-            <a:r>
-              <a:rPr lang="de-AT" dirty="0" smtClean="0"/>
-              <a:t>, </a:t>
-            </a:r>
-            <a:r>
-              <a:rPr lang="de-AT" dirty="0" err="1" smtClean="0"/>
-              <a:t>trend</a:t>
-            </a:r>
-            <a:r>
-              <a:rPr lang="de-AT" dirty="0" smtClean="0"/>
-              <a:t>,</a:t>
-            </a:r>
-            <a:r>
-              <a:rPr lang="de-AT" baseline="0" dirty="0" smtClean="0"/>
-              <a:t> </a:t>
-            </a:r>
-            <a:r>
-              <a:rPr lang="de-AT" baseline="0" dirty="0" err="1" smtClean="0"/>
-              <a:t>improvements</a:t>
-            </a:r>
-            <a:r>
-              <a:rPr lang="de-AT" baseline="0" dirty="0" smtClean="0"/>
-              <a:t>?</a:t>
-            </a:r>
-            <a:endParaRPr lang="en-GB" dirty="0" smtClean="0"/>
-          </a:p>
-          <a:p>
-            <a:endParaRPr lang="en-GB" dirty="0"/>
+            <a:endParaRPr lang="de-AT" sz="2000">
+              <a:latin typeface="Arial" charset="0"/>
+              <a:ea typeface="SimSun" charset="-122"/>
+            </a:endParaRPr>
+          </a:p>
+          <a:p>
+            <a:pPr eaLnBrk="1" hangingPunct="1">
+              <a:spcBef>
+                <a:spcPct val="0"/>
+              </a:spcBef>
+            </a:pPr>
+            <a:r>
+              <a:rPr lang="de-AT" sz="2000">
+                <a:latin typeface="Arial" charset="0"/>
+                <a:ea typeface="SimSun" charset="-122"/>
+              </a:rPr>
+              <a:t>Developement, trend, improvements?</a:t>
+            </a:r>
+          </a:p>
+          <a:p>
+            <a:pPr eaLnBrk="1" hangingPunct="1">
+              <a:spcBef>
+                <a:spcPct val="0"/>
+              </a:spcBef>
+            </a:pPr>
+            <a:endParaRPr lang="de-AT" sz="2000">
+              <a:latin typeface="Arial" charset="0"/>
+              <a:ea typeface="SimSun" charset="-122"/>
+            </a:endParaRPr>
           </a:p>
         </p:txBody>
       </p:sp>
       <p:sp>
         <p:nvSpPr>
-          <p:cNvPr id="4" name="Foliennummernplatzhalter 3"/>
-          <p:cNvSpPr>
-            <a:spLocks noGrp="1"/>
+          <p:cNvPr id="69635" name="Text Box 3"/>
+          <p:cNvSpPr txBox="1">
+            <a:spLocks noChangeArrowheads="1"/>
           </p:cNvSpPr>
-          <p:nvPr>
-            <p:ph type="sldNum" sz="quarter" idx="10"/>
-          </p:nvPr>
+          <p:nvPr/>
         </p:nvSpPr>
-        <p:spPr/>
+        <p:spPr bwMode="auto">
+          <a:xfrm>
+            <a:off x="0" y="0"/>
+            <a:ext cx="1588" cy="1588"/>
+          </a:xfrm>
+          <a:prstGeom prst="rect">
+            <a:avLst/>
+          </a:prstGeom>
+          <a:noFill/>
+          <a:ln>
+            <a:noFill/>
+          </a:ln>
+          <a:effectLst/>
+          <a:extLst>
+            <a:ext uri="{909E8E84-426E-40DD-AFC4-6F175D3DCCD1}">
+              <a14:hiddenFill xmlns:a14="http://schemas.microsoft.com/office/drawing/2010/main">
+                <a:solidFill>
+                  <a:srgbClr val="FFFFFF"/>
+                </a:solidFill>
+              </a14:hiddenFill>
+            </a:ext>
+            <a:ext uri="{91240B29-F687-4F45-9708-019B960494DF}">
+              <a14:hiddenLine xmlns:a14="http://schemas.microsoft.com/office/drawing/2010/main" w="9525">
+                <a:solidFill>
+                  <a:srgbClr val="000000"/>
+                </a:solidFill>
+                <a:round/>
+                <a:headEnd/>
+                <a:tailEnd/>
+              </a14:hiddenLine>
+            </a:ext>
+            <a:ext uri="{AF507438-7753-43E0-B8FC-AC1667EBCBE1}">
+              <a14:hiddenEffects xmlns:a14="http://schemas.microsoft.com/office/drawing/2010/main">
+                <a:effectLst>
+                  <a:outerShdw dist="35921" dir="2700000" algn="ctr" rotWithShape="0">
+                    <a:srgbClr val="808080"/>
+                  </a:outerShdw>
+                </a:effectLst>
+              </a14:hiddenEffects>
+            </a:ext>
+          </a:extLst>
+        </p:spPr>
         <p:txBody>
-          <a:bodyPr/>
+          <a:bodyPr tIns="91440"/>
           <a:lstStyle/>
           <a:p>
-            <a:fld id="{F02A8FBC-AF9A-4929-B417-912911A977D6}" type="slidenum">
-              <a:rPr lang="en-GB" smtClean="0"/>
+            <a:pPr hangingPunct="1">
+              <a:lnSpc>
+                <a:spcPct val="100000"/>
+              </a:lnSpc>
+            </a:pPr>
+            <a:fld id="{8729C5A9-A917-4CA7-9EEE-F151882066B8}" type="slidenum">
+              <a:rPr lang="de-AT">
+                <a:solidFill>
+                  <a:srgbClr val="000000"/>
+                </a:solidFill>
+                <a:latin typeface="+mn-lt" charset="0"/>
+              </a:rPr>
+              <a:pPr hangingPunct="1">
+                <a:lnSpc>
+                  <a:spcPct val="100000"/>
+                </a:lnSpc>
+              </a:pPr>
               <a:t>34</a:t>
             </a:fld>
-            <a:endParaRPr lang="en-GB"/>
+            <a:endParaRPr lang="de-AT">
+              <a:solidFill>
+                <a:srgbClr val="000000"/>
+              </a:solidFill>
+              <a:latin typeface="+mn-lt" charset="0"/>
+            </a:endParaRPr>
           </a:p>
         </p:txBody>
       </p:sp>
     </p:spTree>
-    <p:extLst>
-      <p:ext uri="{BB962C8B-B14F-4D97-AF65-F5344CB8AC3E}">
-        <p14:creationId xmlns:p14="http://schemas.microsoft.com/office/powerpoint/2010/main" val="804112060"/>
-      </p:ext>
-    </p:extLst>
   </p:cSld>
   <p:clrMapOvr>
     <a:masterClrMapping/>
@@ -14999,6 +15161,14 @@
 <file path=ppt/notesSlides/notesSlide32.xml><?xml version="1.0" encoding="utf-8"?>
 <p:notes xmlns:a="http://schemas.openxmlformats.org/drawingml/2006/main" xmlns:r="http://schemas.openxmlformats.org/officeDocument/2006/relationships" xmlns:p="http://schemas.openxmlformats.org/presentationml/2006/main">
   <p:cSld>
+    <p:bg>
+      <p:bgPr>
+        <a:solidFill>
+          <a:srgbClr val="FFFFFF"/>
+        </a:solidFill>
+        <a:effectLst/>
+      </p:bgPr>
+    </p:bg>
     <p:spTree>
       <p:nvGrpSpPr>
         <p:cNvPr id="1" name=""/>
@@ -15015,110 +15185,237 @@
       </p:grpSpPr>
       <p:sp>
         <p:nvSpPr>
-          <p:cNvPr id="2" name="Folienbildplatzhalter 1"/>
+          <p:cNvPr id="8" name="Rectangle 6"/>
           <p:cNvSpPr>
-            <a:spLocks noGrp="1" noRot="1" noChangeAspect="1"/>
+            <a:spLocks noGrp="1" noChangeArrowheads="1"/>
+          </p:cNvSpPr>
+          <p:nvPr>
+            <p:ph type="sldNum"/>
+          </p:nvPr>
+        </p:nvSpPr>
+        <p:spPr>
+          <a:ln/>
+        </p:spPr>
+        <p:txBody>
+          <a:bodyPr/>
+          <a:lstStyle/>
+          <a:p>
+            <a:fld id="{E8C045F9-92B0-40A5-95C6-E7DC16B5FE55}" type="slidenum">
+              <a:rPr lang="de-AT"/>
+              <a:pPr/>
+              <a:t>35</a:t>
+            </a:fld>
+            <a:endParaRPr lang="de-AT"/>
+          </a:p>
+        </p:txBody>
+      </p:sp>
+      <p:sp>
+        <p:nvSpPr>
+          <p:cNvPr id="70657" name="Rectangle 1"/>
+          <p:cNvSpPr txBox="1">
+            <a:spLocks noChangeArrowheads="1"/>
           </p:cNvSpPr>
           <p:nvPr>
             <p:ph type="sldImg"/>
           </p:nvPr>
         </p:nvSpPr>
-        <p:spPr/>
+        <p:spPr bwMode="auto">
+          <a:xfrm>
+            <a:off x="0" y="0"/>
+            <a:ext cx="1588" cy="1588"/>
+          </a:xfrm>
+          <a:prstGeom prst="rect">
+            <a:avLst/>
+          </a:prstGeom>
+          <a:solidFill>
+            <a:srgbClr val="FFFFFF"/>
+          </a:solidFill>
+          <a:ln>
+            <a:solidFill>
+              <a:srgbClr val="000000"/>
+            </a:solidFill>
+            <a:miter lim="800000"/>
+            <a:headEnd/>
+            <a:tailEnd/>
+          </a:ln>
+          <a:extLst>
+            <a:ext uri="{AF507438-7753-43E0-B8FC-AC1667EBCBE1}">
+              <a14:hiddenEffects xmlns:a14="http://schemas.microsoft.com/office/drawing/2010/main">
+                <a:effectLst>
+                  <a:outerShdw dist="35921" dir="2700000" algn="ctr" rotWithShape="0">
+                    <a:srgbClr val="808080"/>
+                  </a:outerShdw>
+                </a:effectLst>
+              </a14:hiddenEffects>
+            </a:ext>
+          </a:extLst>
+        </p:spPr>
       </p:sp>
       <p:sp>
         <p:nvSpPr>
-          <p:cNvPr id="3" name="Notizenplatzhalter 2"/>
-          <p:cNvSpPr>
-            <a:spLocks noGrp="1"/>
+          <p:cNvPr id="70658" name="Text Box 2"/>
+          <p:cNvSpPr txBox="1">
+            <a:spLocks noChangeArrowheads="1"/>
           </p:cNvSpPr>
           <p:nvPr>
             <p:ph type="body" idx="1"/>
           </p:nvPr>
         </p:nvSpPr>
-        <p:spPr/>
+        <p:spPr bwMode="auto">
+          <a:xfrm>
+            <a:off x="0" y="0"/>
+            <a:ext cx="1588" cy="1588"/>
+          </a:xfrm>
+          <a:prstGeom prst="rect">
+            <a:avLst/>
+          </a:prstGeom>
+          <a:noFill/>
+          <a:ln/>
+          <a:extLst>
+            <a:ext uri="{909E8E84-426E-40DD-AFC4-6F175D3DCCD1}">
+              <a14:hiddenFill xmlns:a14="http://schemas.microsoft.com/office/drawing/2010/main">
+                <a:solidFill>
+                  <a:srgbClr val="FFFFFF"/>
+                </a:solidFill>
+              </a14:hiddenFill>
+            </a:ext>
+            <a:ext uri="{91240B29-F687-4F45-9708-019B960494DF}">
+              <a14:hiddenLine xmlns:a14="http://schemas.microsoft.com/office/drawing/2010/main" w="9525">
+                <a:solidFill>
+                  <a:srgbClr val="000000"/>
+                </a:solidFill>
+                <a:round/>
+                <a:headEnd/>
+                <a:tailEnd/>
+              </a14:hiddenLine>
+            </a:ext>
+            <a:ext uri="{AF507438-7753-43E0-B8FC-AC1667EBCBE1}">
+              <a14:hiddenEffects xmlns:a14="http://schemas.microsoft.com/office/drawing/2010/main">
+                <a:effectLst>
+                  <a:outerShdw dist="35921" dir="2700000" algn="ctr" rotWithShape="0">
+                    <a:srgbClr val="808080"/>
+                  </a:outerShdw>
+                </a:effectLst>
+              </a14:hiddenEffects>
+            </a:ext>
+          </a:extLst>
+        </p:spPr>
         <p:txBody>
-          <a:bodyPr/>
+          <a:bodyPr tIns="91440"/>
           <a:lstStyle/>
           <a:p>
-            <a:r>
-              <a:rPr lang="de-AT" dirty="0" err="1" smtClean="0"/>
-              <a:t>What</a:t>
-            </a:r>
-            <a:r>
-              <a:rPr lang="de-AT" dirty="0" smtClean="0"/>
-              <a:t> </a:t>
-            </a:r>
-            <a:r>
-              <a:rPr lang="de-AT" dirty="0" err="1" smtClean="0"/>
-              <a:t>would</a:t>
-            </a:r>
-            <a:r>
-              <a:rPr lang="de-AT" baseline="0" dirty="0" smtClean="0"/>
-              <a:t> </a:t>
-            </a:r>
-            <a:r>
-              <a:rPr lang="de-AT" baseline="0" dirty="0" err="1" smtClean="0"/>
-              <a:t>be</a:t>
-            </a:r>
-            <a:r>
-              <a:rPr lang="de-AT" baseline="0" dirty="0" smtClean="0"/>
-              <a:t> </a:t>
-            </a:r>
-            <a:r>
-              <a:rPr lang="de-AT" baseline="0" dirty="0" err="1" smtClean="0"/>
-              <a:t>done</a:t>
-            </a:r>
-            <a:r>
-              <a:rPr lang="de-AT" baseline="0" dirty="0" smtClean="0"/>
-              <a:t>? Was würde Sinn machen – weitere Schritte im Projekt (Integration vor Ort, Testlauf,…)</a:t>
-            </a:r>
-          </a:p>
-          <a:p>
-            <a:r>
-              <a:rPr lang="de-AT" baseline="0" dirty="0" smtClean="0"/>
-              <a:t>	SW </a:t>
-            </a:r>
-            <a:r>
-              <a:rPr lang="de-AT" baseline="0" dirty="0" err="1" smtClean="0"/>
-              <a:t>weiterentwicklung</a:t>
-            </a:r>
-            <a:r>
-              <a:rPr lang="de-AT" baseline="0" dirty="0" smtClean="0"/>
-              <a:t>: neue Module hinzufügen (Basis steht)</a:t>
-            </a:r>
-            <a:endParaRPr lang="en-GB" dirty="0"/>
+            <a:pPr eaLnBrk="1">
+              <a:spcBef>
+                <a:spcPct val="0"/>
+              </a:spcBef>
+            </a:pPr>
+            <a:r>
+              <a:rPr lang="de-AT" sz="2000">
+                <a:latin typeface="Arial" charset="0"/>
+                <a:ea typeface="SimSun" charset="-122"/>
+              </a:rPr>
+              <a:t>What would be done? Was würde Sinn machen – weitere Schritte im Projekt (Integration vor Ort, Testlauf,…)</a:t>
+            </a:r>
+          </a:p>
+          <a:p>
+            <a:pPr eaLnBrk="1">
+              <a:spcBef>
+                <a:spcPct val="0"/>
+              </a:spcBef>
+            </a:pPr>
+            <a:r>
+              <a:rPr lang="de-AT" sz="2000">
+                <a:latin typeface="Arial" charset="0"/>
+                <a:ea typeface="SimSun" charset="-122"/>
+              </a:rPr>
+              <a:t>	SW weiterentwicklung: neue Module hinzufügen (Basis steht)</a:t>
+            </a:r>
           </a:p>
         </p:txBody>
       </p:sp>
       <p:sp>
         <p:nvSpPr>
-          <p:cNvPr id="4" name="Foliennummernplatzhalter 3"/>
-          <p:cNvSpPr>
-            <a:spLocks noGrp="1"/>
+          <p:cNvPr id="70659" name="Text Box 3"/>
+          <p:cNvSpPr txBox="1">
+            <a:spLocks noChangeArrowheads="1"/>
           </p:cNvSpPr>
-          <p:nvPr>
-            <p:ph type="sldNum" sz="quarter" idx="10"/>
-          </p:nvPr>
+          <p:nvPr/>
         </p:nvSpPr>
-        <p:spPr/>
+        <p:spPr bwMode="auto">
+          <a:xfrm>
+            <a:off x="0" y="0"/>
+            <a:ext cx="1588" cy="1588"/>
+          </a:xfrm>
+          <a:prstGeom prst="rect">
+            <a:avLst/>
+          </a:prstGeom>
+          <a:noFill/>
+          <a:ln>
+            <a:noFill/>
+          </a:ln>
+          <a:effectLst/>
+          <a:extLst>
+            <a:ext uri="{909E8E84-426E-40DD-AFC4-6F175D3DCCD1}">
+              <a14:hiddenFill xmlns:a14="http://schemas.microsoft.com/office/drawing/2010/main">
+                <a:solidFill>
+                  <a:srgbClr val="FFFFFF"/>
+                </a:solidFill>
+              </a14:hiddenFill>
+            </a:ext>
+            <a:ext uri="{91240B29-F687-4F45-9708-019B960494DF}">
+              <a14:hiddenLine xmlns:a14="http://schemas.microsoft.com/office/drawing/2010/main" w="9525">
+                <a:solidFill>
+                  <a:srgbClr val="000000"/>
+                </a:solidFill>
+                <a:round/>
+                <a:headEnd/>
+                <a:tailEnd/>
+              </a14:hiddenLine>
+            </a:ext>
+            <a:ext uri="{AF507438-7753-43E0-B8FC-AC1667EBCBE1}">
+              <a14:hiddenEffects xmlns:a14="http://schemas.microsoft.com/office/drawing/2010/main">
+                <a:effectLst>
+                  <a:outerShdw dist="35921" dir="2700000" algn="ctr" rotWithShape="0">
+                    <a:srgbClr val="808080"/>
+                  </a:outerShdw>
+                </a:effectLst>
+              </a14:hiddenEffects>
+            </a:ext>
+          </a:extLst>
+        </p:spPr>
         <p:txBody>
-          <a:bodyPr/>
+          <a:bodyPr tIns="91440"/>
           <a:lstStyle/>
           <a:p>
-            <a:fld id="{F02A8FBC-AF9A-4929-B417-912911A977D6}" type="slidenum">
-              <a:rPr lang="en-GB" smtClean="0"/>
+            <a:pPr hangingPunct="1">
+              <a:lnSpc>
+                <a:spcPct val="100000"/>
+              </a:lnSpc>
+            </a:pPr>
+            <a:fld id="{85974C60-2E98-4E63-B41D-85D2522E22A5}" type="slidenum">
+              <a:rPr lang="de-AT">
+                <a:solidFill>
+                  <a:srgbClr val="000000"/>
+                </a:solidFill>
+                <a:latin typeface="+mn-lt" charset="0"/>
+              </a:rPr>
+              <a:pPr hangingPunct="1">
+                <a:lnSpc>
+                  <a:spcPct val="100000"/>
+                </a:lnSpc>
+              </a:pPr>
               <a:t>35</a:t>
             </a:fld>
-            <a:endParaRPr lang="en-GB"/>
+            <a:endParaRPr lang="de-AT">
+              <a:solidFill>
+                <a:srgbClr val="000000"/>
+              </a:solidFill>
+              <a:latin typeface="+mn-lt" charset="0"/>
+            </a:endParaRPr>
           </a:p>
         </p:txBody>
       </p:sp>
     </p:spTree>
-    <p:extLst>
-      <p:ext uri="{BB962C8B-B14F-4D97-AF65-F5344CB8AC3E}">
-        <p14:creationId xmlns:p14="http://schemas.microsoft.com/office/powerpoint/2010/main" val="2490425763"/>
-      </p:ext>
-    </p:extLst>
   </p:cSld>
   <p:clrMapOvr>
     <a:masterClrMapping/>
@@ -15129,6 +15426,14 @@
 <file path=ppt/notesSlides/notesSlide33.xml><?xml version="1.0" encoding="utf-8"?>
 <p:notes xmlns:a="http://schemas.openxmlformats.org/drawingml/2006/main" xmlns:r="http://schemas.openxmlformats.org/officeDocument/2006/relationships" xmlns:p="http://schemas.openxmlformats.org/presentationml/2006/main">
   <p:cSld>
+    <p:bg>
+      <p:bgPr>
+        <a:solidFill>
+          <a:srgbClr val="FFFFFF"/>
+        </a:solidFill>
+        <a:effectLst/>
+      </p:bgPr>
+    </p:bg>
     <p:spTree>
       <p:nvGrpSpPr>
         <p:cNvPr id="1" name=""/>
@@ -15145,64 +15450,220 @@
       </p:grpSpPr>
       <p:sp>
         <p:nvSpPr>
-          <p:cNvPr id="2" name="Folienbildplatzhalter 1"/>
+          <p:cNvPr id="8" name="Rectangle 6"/>
           <p:cNvSpPr>
-            <a:spLocks noGrp="1" noRot="1" noChangeAspect="1"/>
+            <a:spLocks noGrp="1" noChangeArrowheads="1"/>
+          </p:cNvSpPr>
+          <p:nvPr>
+            <p:ph type="sldNum"/>
+          </p:nvPr>
+        </p:nvSpPr>
+        <p:spPr>
+          <a:ln/>
+        </p:spPr>
+        <p:txBody>
+          <a:bodyPr/>
+          <a:lstStyle/>
+          <a:p>
+            <a:fld id="{6B0A6473-06D2-4F89-8F85-1D4974927630}" type="slidenum">
+              <a:rPr lang="de-AT"/>
+              <a:pPr/>
+              <a:t>36</a:t>
+            </a:fld>
+            <a:endParaRPr lang="de-AT"/>
+          </a:p>
+        </p:txBody>
+      </p:sp>
+      <p:sp>
+        <p:nvSpPr>
+          <p:cNvPr id="71681" name="Rectangle 1"/>
+          <p:cNvSpPr txBox="1">
+            <a:spLocks noChangeArrowheads="1"/>
           </p:cNvSpPr>
           <p:nvPr>
             <p:ph type="sldImg"/>
           </p:nvPr>
         </p:nvSpPr>
-        <p:spPr/>
+        <p:spPr bwMode="auto">
+          <a:xfrm>
+            <a:off x="0" y="0"/>
+            <a:ext cx="1588" cy="1588"/>
+          </a:xfrm>
+          <a:prstGeom prst="rect">
+            <a:avLst/>
+          </a:prstGeom>
+          <a:solidFill>
+            <a:srgbClr val="FFFFFF"/>
+          </a:solidFill>
+          <a:ln>
+            <a:solidFill>
+              <a:srgbClr val="000000"/>
+            </a:solidFill>
+            <a:miter lim="800000"/>
+            <a:headEnd/>
+            <a:tailEnd/>
+          </a:ln>
+          <a:extLst>
+            <a:ext uri="{AF507438-7753-43E0-B8FC-AC1667EBCBE1}">
+              <a14:hiddenEffects xmlns:a14="http://schemas.microsoft.com/office/drawing/2010/main">
+                <a:effectLst>
+                  <a:outerShdw dist="35921" dir="2700000" algn="ctr" rotWithShape="0">
+                    <a:srgbClr val="808080"/>
+                  </a:outerShdw>
+                </a:effectLst>
+              </a14:hiddenEffects>
+            </a:ext>
+          </a:extLst>
+        </p:spPr>
       </p:sp>
       <p:sp>
         <p:nvSpPr>
-          <p:cNvPr id="3" name="Notizenplatzhalter 2"/>
-          <p:cNvSpPr>
-            <a:spLocks noGrp="1"/>
+          <p:cNvPr id="71682" name="Rectangle 2"/>
+          <p:cNvSpPr txBox="1">
+            <a:spLocks noChangeArrowheads="1"/>
           </p:cNvSpPr>
           <p:nvPr>
             <p:ph type="body" idx="1"/>
           </p:nvPr>
         </p:nvSpPr>
-        <p:spPr/>
+        <p:spPr bwMode="auto">
+          <a:xfrm>
+            <a:off x="0" y="0"/>
+            <a:ext cx="1588" cy="1588"/>
+          </a:xfrm>
+          <a:prstGeom prst="rect">
+            <a:avLst/>
+          </a:prstGeom>
+          <a:noFill/>
+          <a:ln/>
+          <a:extLst>
+            <a:ext uri="{909E8E84-426E-40DD-AFC4-6F175D3DCCD1}">
+              <a14:hiddenFill xmlns:a14="http://schemas.microsoft.com/office/drawing/2010/main">
+                <a:solidFill>
+                  <a:srgbClr val="FFFFFF"/>
+                </a:solidFill>
+              </a14:hiddenFill>
+            </a:ext>
+            <a:ext uri="{91240B29-F687-4F45-9708-019B960494DF}">
+              <a14:hiddenLine xmlns:a14="http://schemas.microsoft.com/office/drawing/2010/main" w="9525">
+                <a:solidFill>
+                  <a:srgbClr val="000000"/>
+                </a:solidFill>
+                <a:round/>
+                <a:headEnd/>
+                <a:tailEnd/>
+              </a14:hiddenLine>
+            </a:ext>
+            <a:ext uri="{AF507438-7753-43E0-B8FC-AC1667EBCBE1}">
+              <a14:hiddenEffects xmlns:a14="http://schemas.microsoft.com/office/drawing/2010/main">
+                <a:effectLst>
+                  <a:outerShdw dist="35921" dir="2700000" algn="ctr" rotWithShape="0">
+                    <a:srgbClr val="808080"/>
+                  </a:outerShdw>
+                </a:effectLst>
+              </a14:hiddenEffects>
+            </a:ext>
+          </a:extLst>
+        </p:spPr>
         <p:txBody>
-          <a:bodyPr/>
+          <a:bodyPr wrap="none" anchor="ctr"/>
           <a:lstStyle/>
           <a:p>
-            <a:endParaRPr lang="en-GB" dirty="0"/>
+            <a:pPr eaLnBrk="1">
+              <a:spcBef>
+                <a:spcPct val="0"/>
+              </a:spcBef>
+            </a:pPr>
+            <a:endParaRPr lang="de-AT" sz="2000">
+              <a:latin typeface="Arial" charset="0"/>
+              <a:ea typeface="SimSun" charset="-122"/>
+            </a:endParaRPr>
           </a:p>
         </p:txBody>
       </p:sp>
       <p:sp>
         <p:nvSpPr>
-          <p:cNvPr id="4" name="Foliennummernplatzhalter 3"/>
-          <p:cNvSpPr>
-            <a:spLocks noGrp="1"/>
+          <p:cNvPr id="71683" name="Text Box 3"/>
+          <p:cNvSpPr txBox="1">
+            <a:spLocks noChangeArrowheads="1"/>
           </p:cNvSpPr>
-          <p:nvPr>
-            <p:ph type="sldNum" sz="quarter" idx="10"/>
-          </p:nvPr>
+          <p:nvPr/>
         </p:nvSpPr>
-        <p:spPr/>
+        <p:spPr bwMode="auto">
+          <a:xfrm>
+            <a:off x="0" y="0"/>
+            <a:ext cx="1588" cy="1588"/>
+          </a:xfrm>
+          <a:prstGeom prst="rect">
+            <a:avLst/>
+          </a:prstGeom>
+          <a:noFill/>
+          <a:ln>
+            <a:noFill/>
+          </a:ln>
+          <a:effectLst/>
+          <a:extLst>
+            <a:ext uri="{909E8E84-426E-40DD-AFC4-6F175D3DCCD1}">
+              <a14:hiddenFill xmlns:a14="http://schemas.microsoft.com/office/drawing/2010/main">
+                <a:solidFill>
+                  <a:srgbClr val="FFFFFF"/>
+                </a:solidFill>
+              </a14:hiddenFill>
+            </a:ext>
+            <a:ext uri="{91240B29-F687-4F45-9708-019B960494DF}">
+              <a14:hiddenLine xmlns:a14="http://schemas.microsoft.com/office/drawing/2010/main" w="9525">
+                <a:solidFill>
+                  <a:srgbClr val="000000"/>
+                </a:solidFill>
+                <a:round/>
+                <a:headEnd/>
+                <a:tailEnd/>
+              </a14:hiddenLine>
+            </a:ext>
+            <a:ext uri="{AF507438-7753-43E0-B8FC-AC1667EBCBE1}">
+              <a14:hiddenEffects xmlns:a14="http://schemas.microsoft.com/office/drawing/2010/main">
+                <a:effectLst>
+                  <a:outerShdw dist="35921" dir="2700000" algn="ctr" rotWithShape="0">
+                    <a:srgbClr val="808080"/>
+                  </a:outerShdw>
+                </a:effectLst>
+              </a14:hiddenEffects>
+            </a:ext>
+          </a:extLst>
+        </p:spPr>
         <p:txBody>
-          <a:bodyPr/>
+          <a:bodyPr tIns="91440"/>
           <a:lstStyle/>
           <a:p>
-            <a:fld id="{F02A8FBC-AF9A-4929-B417-912911A977D6}" type="slidenum">
-              <a:rPr lang="en-GB" smtClean="0"/>
+            <a:pPr hangingPunct="1">
+              <a:lnSpc>
+                <a:spcPct val="100000"/>
+              </a:lnSpc>
+            </a:pPr>
+            <a:fld id="{F2EDCE3F-CB52-48F4-B330-AB795D000868}" type="slidenum">
+              <a:rPr lang="de-AT">
+                <a:solidFill>
+                  <a:srgbClr val="000000"/>
+                </a:solidFill>
+                <a:latin typeface="+mn-lt" charset="0"/>
+              </a:rPr>
+              <a:pPr hangingPunct="1">
+                <a:lnSpc>
+                  <a:spcPct val="100000"/>
+                </a:lnSpc>
+              </a:pPr>
               <a:t>36</a:t>
             </a:fld>
-            <a:endParaRPr lang="en-GB"/>
+            <a:endParaRPr lang="de-AT">
+              <a:solidFill>
+                <a:srgbClr val="000000"/>
+              </a:solidFill>
+              <a:latin typeface="+mn-lt" charset="0"/>
+            </a:endParaRPr>
           </a:p>
         </p:txBody>
       </p:sp>
     </p:spTree>
-    <p:extLst>
-      <p:ext uri="{BB962C8B-B14F-4D97-AF65-F5344CB8AC3E}">
-        <p14:creationId xmlns:p14="http://schemas.microsoft.com/office/powerpoint/2010/main" val="3440659500"/>
-      </p:ext>
-    </p:extLst>
   </p:cSld>
   <p:clrMapOvr>
     <a:masterClrMapping/>
@@ -24891,60 +25352,299 @@
       </p:grpSpPr>
       <p:sp>
         <p:nvSpPr>
-          <p:cNvPr id="2" name="Titel 1"/>
+          <p:cNvPr id="35841" name="Rectangle 1"/>
           <p:cNvSpPr>
-            <a:spLocks noGrp="1"/>
+            <a:spLocks noGrp="1" noChangeArrowheads="1"/>
           </p:cNvSpPr>
           <p:nvPr>
-            <p:ph type="title"/>
+            <p:ph type="title" idx="4294967295"/>
           </p:nvPr>
         </p:nvSpPr>
-        <p:spPr/>
+        <p:spPr>
+          <a:xfrm>
+            <a:off x="457200" y="274638"/>
+            <a:ext cx="8229600" cy="1143000"/>
+          </a:xfrm>
+          <a:ln/>
+        </p:spPr>
         <p:txBody>
           <a:bodyPr/>
           <a:lstStyle/>
           <a:p>
-            <a:r>
-              <a:rPr lang="de-AT" dirty="0" smtClean="0"/>
-              <a:t>Project </a:t>
-            </a:r>
-            <a:r>
-              <a:rPr lang="de-AT" dirty="0" err="1" smtClean="0"/>
-              <a:t>management</a:t>
-            </a:r>
-            <a:endParaRPr lang="en-GB" dirty="0"/>
+            <a:pPr algn="ctr">
+              <a:lnSpc>
+                <a:spcPct val="100000"/>
+              </a:lnSpc>
+              <a:tabLst>
+                <a:tab pos="723900" algn="l"/>
+                <a:tab pos="1447800" algn="l"/>
+                <a:tab pos="2171700" algn="l"/>
+                <a:tab pos="2895600" algn="l"/>
+                <a:tab pos="3619500" algn="l"/>
+                <a:tab pos="4343400" algn="l"/>
+                <a:tab pos="5067300" algn="l"/>
+                <a:tab pos="5791200" algn="l"/>
+                <a:tab pos="6515100" algn="l"/>
+                <a:tab pos="7239000" algn="l"/>
+                <a:tab pos="7962900" algn="l"/>
+              </a:tabLst>
+            </a:pPr>
+            <a:r>
+              <a:rPr lang="de-DE" sz="4400"/>
+              <a:t>Project management</a:t>
+            </a:r>
           </a:p>
         </p:txBody>
       </p:sp>
       <p:sp>
         <p:nvSpPr>
-          <p:cNvPr id="3" name="Inhaltsplatzhalter 2"/>
+          <p:cNvPr id="35842" name="Rectangle 2"/>
           <p:cNvSpPr>
-            <a:spLocks noGrp="1"/>
+            <a:spLocks noGrp="1" noChangeArrowheads="1"/>
           </p:cNvSpPr>
           <p:nvPr>
-            <p:ph idx="1"/>
+            <p:ph type="body" idx="4294967295"/>
           </p:nvPr>
         </p:nvSpPr>
-        <p:spPr/>
+        <p:spPr>
+          <a:xfrm>
+            <a:off x="457200" y="1600200"/>
+            <a:ext cx="8229600" cy="4525963"/>
+          </a:xfrm>
+          <a:ln/>
+        </p:spPr>
         <p:txBody>
           <a:bodyPr/>
           <a:lstStyle/>
           <a:p>
-            <a:endParaRPr lang="en-GB" dirty="0"/>
+            <a:pPr marL="431800" indent="-323850">
+              <a:lnSpc>
+                <a:spcPct val="100000"/>
+              </a:lnSpc>
+              <a:buSzPct val="45000"/>
+              <a:buFont typeface="Wingdings" charset="2"/>
+              <a:buChar char=""/>
+              <a:tabLst>
+                <a:tab pos="723900" algn="l"/>
+                <a:tab pos="1447800" algn="l"/>
+                <a:tab pos="2171700" algn="l"/>
+                <a:tab pos="2895600" algn="l"/>
+                <a:tab pos="3619500" algn="l"/>
+                <a:tab pos="4343400" algn="l"/>
+                <a:tab pos="5067300" algn="l"/>
+                <a:tab pos="5791200" algn="l"/>
+                <a:tab pos="6515100" algn="l"/>
+                <a:tab pos="7239000" algn="l"/>
+                <a:tab pos="7962900" algn="l"/>
+              </a:tabLst>
+            </a:pPr>
+            <a:r>
+              <a:rPr lang="de-DE" sz="1800"/>
+              <a:t>Kick-off Meeting</a:t>
+            </a:r>
+          </a:p>
+          <a:p>
+            <a:pPr marL="431800" indent="-323850">
+              <a:lnSpc>
+                <a:spcPct val="100000"/>
+              </a:lnSpc>
+              <a:buSzPct val="45000"/>
+              <a:buFont typeface="Wingdings" charset="2"/>
+              <a:buChar char=""/>
+              <a:tabLst>
+                <a:tab pos="723900" algn="l"/>
+                <a:tab pos="1447800" algn="l"/>
+                <a:tab pos="2171700" algn="l"/>
+                <a:tab pos="2895600" algn="l"/>
+                <a:tab pos="3619500" algn="l"/>
+                <a:tab pos="4343400" algn="l"/>
+                <a:tab pos="5067300" algn="l"/>
+                <a:tab pos="5791200" algn="l"/>
+                <a:tab pos="6515100" algn="l"/>
+                <a:tab pos="7239000" algn="l"/>
+                <a:tab pos="7962900" algn="l"/>
+              </a:tabLst>
+            </a:pPr>
+            <a:r>
+              <a:rPr lang="de-DE" sz="1800"/>
+              <a:t>PSP</a:t>
+            </a:r>
+          </a:p>
+          <a:p>
+            <a:pPr marL="431800" indent="-323850">
+              <a:lnSpc>
+                <a:spcPct val="100000"/>
+              </a:lnSpc>
+              <a:buSzPct val="45000"/>
+              <a:buFont typeface="Wingdings" charset="2"/>
+              <a:buChar char=""/>
+              <a:tabLst>
+                <a:tab pos="723900" algn="l"/>
+                <a:tab pos="1447800" algn="l"/>
+                <a:tab pos="2171700" algn="l"/>
+                <a:tab pos="2895600" algn="l"/>
+                <a:tab pos="3619500" algn="l"/>
+                <a:tab pos="4343400" algn="l"/>
+                <a:tab pos="5067300" algn="l"/>
+                <a:tab pos="5791200" algn="l"/>
+                <a:tab pos="6515100" algn="l"/>
+                <a:tab pos="7239000" algn="l"/>
+                <a:tab pos="7962900" algn="l"/>
+              </a:tabLst>
+            </a:pPr>
+            <a:r>
+              <a:rPr lang="de-DE" sz="1800"/>
+              <a:t>Gantt-Chart</a:t>
+            </a:r>
+          </a:p>
+          <a:p>
+            <a:pPr marL="431800" indent="-323850">
+              <a:lnSpc>
+                <a:spcPct val="100000"/>
+              </a:lnSpc>
+              <a:buSzPct val="45000"/>
+              <a:buFont typeface="Wingdings" charset="2"/>
+              <a:buChar char=""/>
+              <a:tabLst>
+                <a:tab pos="723900" algn="l"/>
+                <a:tab pos="1447800" algn="l"/>
+                <a:tab pos="2171700" algn="l"/>
+                <a:tab pos="2895600" algn="l"/>
+                <a:tab pos="3619500" algn="l"/>
+                <a:tab pos="4343400" algn="l"/>
+                <a:tab pos="5067300" algn="l"/>
+                <a:tab pos="5791200" algn="l"/>
+                <a:tab pos="6515100" algn="l"/>
+                <a:tab pos="7239000" algn="l"/>
+                <a:tab pos="7962900" algn="l"/>
+              </a:tabLst>
+            </a:pPr>
+            <a:r>
+              <a:rPr lang="de-DE" sz="1800"/>
+              <a:t>Bottom-Up</a:t>
+            </a:r>
+          </a:p>
+          <a:p>
+            <a:pPr marL="431800" indent="-323850">
+              <a:lnSpc>
+                <a:spcPct val="100000"/>
+              </a:lnSpc>
+              <a:buSzPct val="45000"/>
+              <a:buFont typeface="Wingdings" charset="2"/>
+              <a:buChar char=""/>
+              <a:tabLst>
+                <a:tab pos="723900" algn="l"/>
+                <a:tab pos="1447800" algn="l"/>
+                <a:tab pos="2171700" algn="l"/>
+                <a:tab pos="2895600" algn="l"/>
+                <a:tab pos="3619500" algn="l"/>
+                <a:tab pos="4343400" algn="l"/>
+                <a:tab pos="5067300" algn="l"/>
+                <a:tab pos="5791200" algn="l"/>
+                <a:tab pos="6515100" algn="l"/>
+                <a:tab pos="7239000" algn="l"/>
+                <a:tab pos="7962900" algn="l"/>
+              </a:tabLst>
+            </a:pPr>
+            <a:r>
+              <a:rPr lang="de-DE" sz="1800"/>
+              <a:t>Weekly report</a:t>
+            </a:r>
+          </a:p>
+          <a:p>
+            <a:pPr marL="431800" indent="-323850">
+              <a:lnSpc>
+                <a:spcPct val="100000"/>
+              </a:lnSpc>
+              <a:buSzPct val="45000"/>
+              <a:buFont typeface="Wingdings" charset="2"/>
+              <a:buChar char=""/>
+              <a:tabLst>
+                <a:tab pos="723900" algn="l"/>
+                <a:tab pos="1447800" algn="l"/>
+                <a:tab pos="2171700" algn="l"/>
+                <a:tab pos="2895600" algn="l"/>
+                <a:tab pos="3619500" algn="l"/>
+                <a:tab pos="4343400" algn="l"/>
+                <a:tab pos="5067300" algn="l"/>
+                <a:tab pos="5791200" algn="l"/>
+                <a:tab pos="6515100" algn="l"/>
+                <a:tab pos="7239000" algn="l"/>
+                <a:tab pos="7962900" algn="l"/>
+              </a:tabLst>
+            </a:pPr>
+            <a:r>
+              <a:rPr lang="de-DE" sz="1800"/>
+              <a:t>Project risks</a:t>
+            </a:r>
+          </a:p>
+          <a:p>
+            <a:pPr marL="431800" indent="-323850">
+              <a:lnSpc>
+                <a:spcPct val="100000"/>
+              </a:lnSpc>
+              <a:buSzPct val="45000"/>
+              <a:buFont typeface="Wingdings" charset="2"/>
+              <a:buChar char=""/>
+              <a:tabLst>
+                <a:tab pos="723900" algn="l"/>
+                <a:tab pos="1447800" algn="l"/>
+                <a:tab pos="2171700" algn="l"/>
+                <a:tab pos="2895600" algn="l"/>
+                <a:tab pos="3619500" algn="l"/>
+                <a:tab pos="4343400" algn="l"/>
+                <a:tab pos="5067300" algn="l"/>
+                <a:tab pos="5791200" algn="l"/>
+                <a:tab pos="6515100" algn="l"/>
+                <a:tab pos="7239000" algn="l"/>
+                <a:tab pos="7962900" algn="l"/>
+              </a:tabLst>
+            </a:pPr>
+            <a:r>
+              <a:rPr lang="de-DE" sz="1800"/>
+              <a:t>Closely working together</a:t>
+            </a:r>
           </a:p>
         </p:txBody>
       </p:sp>
     </p:spTree>
     <p:extLst>
       <p:ext uri="{BB962C8B-B14F-4D97-AF65-F5344CB8AC3E}">
-        <p14:creationId xmlns:p14="http://schemas.microsoft.com/office/powerpoint/2010/main" val="1301880891"/>
+        <p14:creationId xmlns:p14="http://schemas.microsoft.com/office/powerpoint/2010/main" val="1931564166"/>
       </p:ext>
     </p:extLst>
   </p:cSld>
   <p:clrMapOvr>
     <a:masterClrMapping/>
   </p:clrMapOvr>
+  <p:transition spd="med"/>
+  <p:timing>
+    <p:tnLst>
+      <p:par>
+        <p:cTn id="1" dur="indefinite" nodeType="tmRoot">
+          <p:childTnLst>
+            <p:seq concurrent="1" nextAc="seek">
+              <p:cTn id="2" dur="0" nodeType="mainSeq"/>
+              <p:prevCondLst>
+                <p:cond evt="onPrev" delay="0">
+                  <p:tgtEl>
+                    <p:sldTgt/>
+                  </p:tgtEl>
+                </p:cond>
+              </p:prevCondLst>
+              <p:nextCondLst>
+                <p:cond evt="onNext" delay="0">
+                  <p:tgtEl>
+                    <p:sldTgt/>
+                  </p:tgtEl>
+                </p:cond>
+              </p:nextCondLst>
+            </p:seq>
+          </p:childTnLst>
+        </p:cTn>
+      </p:par>
+    </p:tnLst>
+  </p:timing>
 </p:sld>
 </file>
 
@@ -24967,60 +25667,490 @@
       </p:grpSpPr>
       <p:sp>
         <p:nvSpPr>
-          <p:cNvPr id="2" name="Titel 1"/>
+          <p:cNvPr id="36865" name="Rectangle 1"/>
           <p:cNvSpPr>
-            <a:spLocks noGrp="1"/>
+            <a:spLocks noGrp="1" noChangeArrowheads="1"/>
           </p:cNvSpPr>
           <p:nvPr>
-            <p:ph type="title"/>
+            <p:ph type="title" idx="4294967295"/>
           </p:nvPr>
         </p:nvSpPr>
-        <p:spPr/>
+        <p:spPr>
+          <a:xfrm>
+            <a:off x="457200" y="274638"/>
+            <a:ext cx="8229600" cy="1143000"/>
+          </a:xfrm>
+          <a:ln/>
+        </p:spPr>
         <p:txBody>
           <a:bodyPr/>
           <a:lstStyle/>
           <a:p>
-            <a:r>
-              <a:rPr lang="de-AT" dirty="0" smtClean="0"/>
+            <a:pPr algn="ctr">
+              <a:lnSpc>
+                <a:spcPct val="100000"/>
+              </a:lnSpc>
+              <a:tabLst>
+                <a:tab pos="723900" algn="l"/>
+                <a:tab pos="1447800" algn="l"/>
+                <a:tab pos="2171700" algn="l"/>
+                <a:tab pos="2895600" algn="l"/>
+                <a:tab pos="3619500" algn="l"/>
+                <a:tab pos="4343400" algn="l"/>
+                <a:tab pos="5067300" algn="l"/>
+                <a:tab pos="5791200" algn="l"/>
+                <a:tab pos="6515100" algn="l"/>
+                <a:tab pos="7239000" algn="l"/>
+                <a:tab pos="7962900" algn="l"/>
+              </a:tabLst>
+            </a:pPr>
+            <a:r>
+              <a:rPr lang="de-DE" sz="4400"/>
               <a:t>Outlook</a:t>
             </a:r>
-            <a:endParaRPr lang="en-GB" dirty="0"/>
           </a:p>
         </p:txBody>
       </p:sp>
       <p:sp>
         <p:nvSpPr>
-          <p:cNvPr id="3" name="Inhaltsplatzhalter 2"/>
-          <p:cNvSpPr>
-            <a:spLocks noGrp="1"/>
+          <p:cNvPr id="36866" name="Text Box 2"/>
+          <p:cNvSpPr txBox="1">
+            <a:spLocks noChangeArrowheads="1"/>
           </p:cNvSpPr>
-          <p:nvPr>
-            <p:ph idx="1"/>
-          </p:nvPr>
+          <p:nvPr/>
         </p:nvSpPr>
-        <p:spPr/>
+        <p:spPr bwMode="auto">
+          <a:xfrm>
+            <a:off x="457200" y="1600200"/>
+            <a:ext cx="8229600" cy="4525963"/>
+          </a:xfrm>
+          <a:prstGeom prst="rect">
+            <a:avLst/>
+          </a:prstGeom>
+          <a:noFill/>
+          <a:ln>
+            <a:noFill/>
+          </a:ln>
+          <a:effectLst/>
+          <a:extLst>
+            <a:ext uri="{909E8E84-426E-40DD-AFC4-6F175D3DCCD1}">
+              <a14:hiddenFill xmlns:a14="http://schemas.microsoft.com/office/drawing/2010/main">
+                <a:solidFill>
+                  <a:srgbClr val="FFFFFF"/>
+                </a:solidFill>
+              </a14:hiddenFill>
+            </a:ext>
+            <a:ext uri="{91240B29-F687-4F45-9708-019B960494DF}">
+              <a14:hiddenLine xmlns:a14="http://schemas.microsoft.com/office/drawing/2010/main" w="9525">
+                <a:solidFill>
+                  <a:srgbClr val="000000"/>
+                </a:solidFill>
+                <a:round/>
+                <a:headEnd/>
+                <a:tailEnd/>
+              </a14:hiddenLine>
+            </a:ext>
+            <a:ext uri="{AF507438-7753-43E0-B8FC-AC1667EBCBE1}">
+              <a14:hiddenEffects xmlns:a14="http://schemas.microsoft.com/office/drawing/2010/main">
+                <a:effectLst>
+                  <a:outerShdw dist="35921" dir="2700000" algn="ctr" rotWithShape="0">
+                    <a:srgbClr val="808080"/>
+                  </a:outerShdw>
+                </a:effectLst>
+              </a14:hiddenEffects>
+            </a:ext>
+          </a:extLst>
+        </p:spPr>
         <p:txBody>
-          <a:bodyPr/>
-          <a:lstStyle/>
-          <a:p>
-            <a:endParaRPr lang="en-GB"/>
+          <a:bodyPr tIns="91440"/>
+          <a:lstStyle>
+            <a:lvl1pPr marL="431800" indent="-323850">
+              <a:tabLst>
+                <a:tab pos="723900" algn="l"/>
+                <a:tab pos="1447800" algn="l"/>
+                <a:tab pos="2171700" algn="l"/>
+                <a:tab pos="2895600" algn="l"/>
+                <a:tab pos="3619500" algn="l"/>
+                <a:tab pos="4343400" algn="l"/>
+                <a:tab pos="5067300" algn="l"/>
+                <a:tab pos="5791200" algn="l"/>
+                <a:tab pos="6515100" algn="l"/>
+                <a:tab pos="7239000" algn="l"/>
+                <a:tab pos="7962900" algn="l"/>
+              </a:tabLst>
+              <a:defRPr>
+                <a:solidFill>
+                  <a:srgbClr val="000000"/>
+                </a:solidFill>
+                <a:latin typeface="Arial" charset="0"/>
+                <a:ea typeface="SimSun" charset="-122"/>
+              </a:defRPr>
+            </a:lvl1pPr>
+            <a:lvl2pPr marL="863600" indent="-323850">
+              <a:tabLst>
+                <a:tab pos="723900" algn="l"/>
+                <a:tab pos="1447800" algn="l"/>
+                <a:tab pos="2171700" algn="l"/>
+                <a:tab pos="2895600" algn="l"/>
+                <a:tab pos="3619500" algn="l"/>
+                <a:tab pos="4343400" algn="l"/>
+                <a:tab pos="5067300" algn="l"/>
+                <a:tab pos="5791200" algn="l"/>
+                <a:tab pos="6515100" algn="l"/>
+                <a:tab pos="7239000" algn="l"/>
+                <a:tab pos="7962900" algn="l"/>
+              </a:tabLst>
+              <a:defRPr>
+                <a:solidFill>
+                  <a:srgbClr val="000000"/>
+                </a:solidFill>
+                <a:latin typeface="Arial" charset="0"/>
+                <a:ea typeface="SimSun" charset="-122"/>
+              </a:defRPr>
+            </a:lvl2pPr>
+            <a:lvl3pPr>
+              <a:tabLst>
+                <a:tab pos="723900" algn="l"/>
+                <a:tab pos="1447800" algn="l"/>
+                <a:tab pos="2171700" algn="l"/>
+                <a:tab pos="2895600" algn="l"/>
+                <a:tab pos="3619500" algn="l"/>
+                <a:tab pos="4343400" algn="l"/>
+                <a:tab pos="5067300" algn="l"/>
+                <a:tab pos="5791200" algn="l"/>
+                <a:tab pos="6515100" algn="l"/>
+                <a:tab pos="7239000" algn="l"/>
+                <a:tab pos="7962900" algn="l"/>
+              </a:tabLst>
+              <a:defRPr>
+                <a:solidFill>
+                  <a:srgbClr val="000000"/>
+                </a:solidFill>
+                <a:latin typeface="Arial" charset="0"/>
+                <a:ea typeface="SimSun" charset="-122"/>
+              </a:defRPr>
+            </a:lvl3pPr>
+            <a:lvl4pPr>
+              <a:tabLst>
+                <a:tab pos="723900" algn="l"/>
+                <a:tab pos="1447800" algn="l"/>
+                <a:tab pos="2171700" algn="l"/>
+                <a:tab pos="2895600" algn="l"/>
+                <a:tab pos="3619500" algn="l"/>
+                <a:tab pos="4343400" algn="l"/>
+                <a:tab pos="5067300" algn="l"/>
+                <a:tab pos="5791200" algn="l"/>
+                <a:tab pos="6515100" algn="l"/>
+                <a:tab pos="7239000" algn="l"/>
+                <a:tab pos="7962900" algn="l"/>
+              </a:tabLst>
+              <a:defRPr>
+                <a:solidFill>
+                  <a:srgbClr val="000000"/>
+                </a:solidFill>
+                <a:latin typeface="Arial" charset="0"/>
+                <a:ea typeface="SimSun" charset="-122"/>
+              </a:defRPr>
+            </a:lvl4pPr>
+            <a:lvl5pPr>
+              <a:tabLst>
+                <a:tab pos="723900" algn="l"/>
+                <a:tab pos="1447800" algn="l"/>
+                <a:tab pos="2171700" algn="l"/>
+                <a:tab pos="2895600" algn="l"/>
+                <a:tab pos="3619500" algn="l"/>
+                <a:tab pos="4343400" algn="l"/>
+                <a:tab pos="5067300" algn="l"/>
+                <a:tab pos="5791200" algn="l"/>
+                <a:tab pos="6515100" algn="l"/>
+                <a:tab pos="7239000" algn="l"/>
+                <a:tab pos="7962900" algn="l"/>
+              </a:tabLst>
+              <a:defRPr>
+                <a:solidFill>
+                  <a:srgbClr val="000000"/>
+                </a:solidFill>
+                <a:latin typeface="Arial" charset="0"/>
+                <a:ea typeface="SimSun" charset="-122"/>
+              </a:defRPr>
+            </a:lvl5pPr>
+            <a:lvl6pPr marL="2514600" indent="-228600" defTabSz="449263" fontAlgn="base" hangingPunct="0">
+              <a:lnSpc>
+                <a:spcPct val="93000"/>
+              </a:lnSpc>
+              <a:spcBef>
+                <a:spcPct val="0"/>
+              </a:spcBef>
+              <a:spcAft>
+                <a:spcPct val="0"/>
+              </a:spcAft>
+              <a:buClr>
+                <a:srgbClr val="000000"/>
+              </a:buClr>
+              <a:buSzPct val="100000"/>
+              <a:buFont typeface="Times New Roman" pitchFamily="16" charset="0"/>
+              <a:tabLst>
+                <a:tab pos="723900" algn="l"/>
+                <a:tab pos="1447800" algn="l"/>
+                <a:tab pos="2171700" algn="l"/>
+                <a:tab pos="2895600" algn="l"/>
+                <a:tab pos="3619500" algn="l"/>
+                <a:tab pos="4343400" algn="l"/>
+                <a:tab pos="5067300" algn="l"/>
+                <a:tab pos="5791200" algn="l"/>
+                <a:tab pos="6515100" algn="l"/>
+                <a:tab pos="7239000" algn="l"/>
+                <a:tab pos="7962900" algn="l"/>
+              </a:tabLst>
+              <a:defRPr>
+                <a:solidFill>
+                  <a:srgbClr val="000000"/>
+                </a:solidFill>
+                <a:latin typeface="Arial" charset="0"/>
+                <a:ea typeface="SimSun" charset="-122"/>
+              </a:defRPr>
+            </a:lvl6pPr>
+            <a:lvl7pPr marL="2971800" indent="-228600" defTabSz="449263" fontAlgn="base" hangingPunct="0">
+              <a:lnSpc>
+                <a:spcPct val="93000"/>
+              </a:lnSpc>
+              <a:spcBef>
+                <a:spcPct val="0"/>
+              </a:spcBef>
+              <a:spcAft>
+                <a:spcPct val="0"/>
+              </a:spcAft>
+              <a:buClr>
+                <a:srgbClr val="000000"/>
+              </a:buClr>
+              <a:buSzPct val="100000"/>
+              <a:buFont typeface="Times New Roman" pitchFamily="16" charset="0"/>
+              <a:tabLst>
+                <a:tab pos="723900" algn="l"/>
+                <a:tab pos="1447800" algn="l"/>
+                <a:tab pos="2171700" algn="l"/>
+                <a:tab pos="2895600" algn="l"/>
+                <a:tab pos="3619500" algn="l"/>
+                <a:tab pos="4343400" algn="l"/>
+                <a:tab pos="5067300" algn="l"/>
+                <a:tab pos="5791200" algn="l"/>
+                <a:tab pos="6515100" algn="l"/>
+                <a:tab pos="7239000" algn="l"/>
+                <a:tab pos="7962900" algn="l"/>
+              </a:tabLst>
+              <a:defRPr>
+                <a:solidFill>
+                  <a:srgbClr val="000000"/>
+                </a:solidFill>
+                <a:latin typeface="Arial" charset="0"/>
+                <a:ea typeface="SimSun" charset="-122"/>
+              </a:defRPr>
+            </a:lvl7pPr>
+            <a:lvl8pPr marL="3429000" indent="-228600" defTabSz="449263" fontAlgn="base" hangingPunct="0">
+              <a:lnSpc>
+                <a:spcPct val="93000"/>
+              </a:lnSpc>
+              <a:spcBef>
+                <a:spcPct val="0"/>
+              </a:spcBef>
+              <a:spcAft>
+                <a:spcPct val="0"/>
+              </a:spcAft>
+              <a:buClr>
+                <a:srgbClr val="000000"/>
+              </a:buClr>
+              <a:buSzPct val="100000"/>
+              <a:buFont typeface="Times New Roman" pitchFamily="16" charset="0"/>
+              <a:tabLst>
+                <a:tab pos="723900" algn="l"/>
+                <a:tab pos="1447800" algn="l"/>
+                <a:tab pos="2171700" algn="l"/>
+                <a:tab pos="2895600" algn="l"/>
+                <a:tab pos="3619500" algn="l"/>
+                <a:tab pos="4343400" algn="l"/>
+                <a:tab pos="5067300" algn="l"/>
+                <a:tab pos="5791200" algn="l"/>
+                <a:tab pos="6515100" algn="l"/>
+                <a:tab pos="7239000" algn="l"/>
+                <a:tab pos="7962900" algn="l"/>
+              </a:tabLst>
+              <a:defRPr>
+                <a:solidFill>
+                  <a:srgbClr val="000000"/>
+                </a:solidFill>
+                <a:latin typeface="Arial" charset="0"/>
+                <a:ea typeface="SimSun" charset="-122"/>
+              </a:defRPr>
+            </a:lvl8pPr>
+            <a:lvl9pPr marL="3886200" indent="-228600" defTabSz="449263" fontAlgn="base" hangingPunct="0">
+              <a:lnSpc>
+                <a:spcPct val="93000"/>
+              </a:lnSpc>
+              <a:spcBef>
+                <a:spcPct val="0"/>
+              </a:spcBef>
+              <a:spcAft>
+                <a:spcPct val="0"/>
+              </a:spcAft>
+              <a:buClr>
+                <a:srgbClr val="000000"/>
+              </a:buClr>
+              <a:buSzPct val="100000"/>
+              <a:buFont typeface="Times New Roman" pitchFamily="16" charset="0"/>
+              <a:tabLst>
+                <a:tab pos="723900" algn="l"/>
+                <a:tab pos="1447800" algn="l"/>
+                <a:tab pos="2171700" algn="l"/>
+                <a:tab pos="2895600" algn="l"/>
+                <a:tab pos="3619500" algn="l"/>
+                <a:tab pos="4343400" algn="l"/>
+                <a:tab pos="5067300" algn="l"/>
+                <a:tab pos="5791200" algn="l"/>
+                <a:tab pos="6515100" algn="l"/>
+                <a:tab pos="7239000" algn="l"/>
+                <a:tab pos="7962900" algn="l"/>
+              </a:tabLst>
+              <a:defRPr>
+                <a:solidFill>
+                  <a:srgbClr val="000000"/>
+                </a:solidFill>
+                <a:latin typeface="Arial" charset="0"/>
+                <a:ea typeface="SimSun" charset="-122"/>
+              </a:defRPr>
+            </a:lvl9pPr>
+          </a:lstStyle>
+          <a:p>
+            <a:pPr hangingPunct="1">
+              <a:lnSpc>
+                <a:spcPct val="100000"/>
+              </a:lnSpc>
+              <a:spcAft>
+                <a:spcPts val="1425"/>
+              </a:spcAft>
+              <a:buSzPct val="45000"/>
+              <a:buFont typeface="Wingdings" charset="2"/>
+              <a:buChar char=""/>
+            </a:pPr>
+            <a:r>
+              <a:rPr lang="de-DE">
+                <a:latin typeface="Calibri" charset="0"/>
+              </a:rPr>
+              <a:t>Replacing/Upgrading of certain components easy thanks to layers</a:t>
+            </a:r>
+          </a:p>
+          <a:p>
+            <a:pPr hangingPunct="1">
+              <a:lnSpc>
+                <a:spcPct val="100000"/>
+              </a:lnSpc>
+              <a:spcAft>
+                <a:spcPts val="1425"/>
+              </a:spcAft>
+              <a:buSzPct val="45000"/>
+              <a:buFont typeface="Wingdings" charset="2"/>
+              <a:buChar char=""/>
+            </a:pPr>
+            <a:r>
+              <a:rPr lang="de-DE">
+                <a:latin typeface="Calibri" charset="0"/>
+              </a:rPr>
+              <a:t>Integration into social media (for example book from facebook)</a:t>
+            </a:r>
+          </a:p>
+          <a:p>
+            <a:pPr hangingPunct="1">
+              <a:lnSpc>
+                <a:spcPct val="100000"/>
+              </a:lnSpc>
+              <a:spcAft>
+                <a:spcPts val="1425"/>
+              </a:spcAft>
+              <a:buSzPct val="45000"/>
+              <a:buFont typeface="Wingdings" charset="2"/>
+              <a:buChar char=""/>
+            </a:pPr>
+            <a:r>
+              <a:rPr lang="de-DE">
+                <a:latin typeface="Calibri" charset="0"/>
+              </a:rPr>
+              <a:t>Various options to extend website</a:t>
+            </a:r>
+          </a:p>
+          <a:p>
+            <a:pPr lvl="1" hangingPunct="1">
+              <a:lnSpc>
+                <a:spcPct val="100000"/>
+              </a:lnSpc>
+              <a:spcAft>
+                <a:spcPts val="1138"/>
+              </a:spcAft>
+              <a:buSzPct val="45000"/>
+              <a:buFont typeface="Wingdings" charset="2"/>
+              <a:buChar char=""/>
+            </a:pPr>
+            <a:r>
+              <a:rPr lang="de-DE" sz="1600">
+                <a:latin typeface="Calibri" charset="0"/>
+              </a:rPr>
+              <a:t>Reviews</a:t>
+            </a:r>
+          </a:p>
+          <a:p>
+            <a:pPr lvl="1" hangingPunct="1">
+              <a:lnSpc>
+                <a:spcPct val="100000"/>
+              </a:lnSpc>
+              <a:spcAft>
+                <a:spcPts val="1138"/>
+              </a:spcAft>
+              <a:buSzPct val="45000"/>
+              <a:buFont typeface="Wingdings" charset="2"/>
+              <a:buChar char=""/>
+            </a:pPr>
+            <a:r>
+              <a:rPr lang="de-DE" sz="1600">
+                <a:latin typeface="Calibri" charset="0"/>
+              </a:rPr>
+              <a:t>Vouchers</a:t>
+            </a:r>
           </a:p>
         </p:txBody>
       </p:sp>
     </p:spTree>
     <p:extLst>
       <p:ext uri="{BB962C8B-B14F-4D97-AF65-F5344CB8AC3E}">
-        <p14:creationId xmlns:p14="http://schemas.microsoft.com/office/powerpoint/2010/main" val="61121013"/>
+        <p14:creationId xmlns:p14="http://schemas.microsoft.com/office/powerpoint/2010/main" val="856365772"/>
       </p:ext>
     </p:extLst>
   </p:cSld>
   <p:clrMapOvr>
     <a:masterClrMapping/>
   </p:clrMapOvr>
+  <p:transition spd="med"/>
   <p:timing>
     <p:tnLst>
       <p:par>
-        <p:cTn id="1" dur="indefinite" restart="never" nodeType="tmRoot"/>
+        <p:cTn id="1" dur="indefinite" restart="never" nodeType="tmRoot">
+          <p:childTnLst>
+            <p:seq concurrent="1" nextAc="seek">
+              <p:cTn id="2" dur="0" nodeType="mainSeq"/>
+              <p:prevCondLst>
+                <p:cond evt="onPrev" delay="0">
+                  <p:tgtEl>
+                    <p:sldTgt/>
+                  </p:tgtEl>
+                </p:cond>
+              </p:prevCondLst>
+              <p:nextCondLst>
+                <p:cond evt="onNext" delay="0">
+                  <p:tgtEl>
+                    <p:sldTgt/>
+                  </p:tgtEl>
+                </p:cond>
+              </p:nextCondLst>
+            </p:seq>
+          </p:childTnLst>
+        </p:cTn>
       </p:par>
     </p:tnLst>
   </p:timing>
@@ -25046,60 +26176,414 @@
       </p:grpSpPr>
       <p:sp>
         <p:nvSpPr>
-          <p:cNvPr id="2" name="Titel 1"/>
+          <p:cNvPr id="37889" name="Rectangle 1"/>
           <p:cNvSpPr>
-            <a:spLocks noGrp="1"/>
+            <a:spLocks noGrp="1" noChangeArrowheads="1"/>
           </p:cNvSpPr>
           <p:nvPr>
-            <p:ph type="title"/>
+            <p:ph type="title" idx="4294967295"/>
           </p:nvPr>
         </p:nvSpPr>
-        <p:spPr/>
+        <p:spPr>
+          <a:xfrm>
+            <a:off x="457200" y="274638"/>
+            <a:ext cx="8229600" cy="1143000"/>
+          </a:xfrm>
+          <a:ln/>
+        </p:spPr>
         <p:txBody>
           <a:bodyPr/>
           <a:lstStyle/>
           <a:p>
-            <a:r>
-              <a:rPr lang="de-AT" dirty="0" smtClean="0"/>
+            <a:pPr algn="ctr">
+              <a:lnSpc>
+                <a:spcPct val="100000"/>
+              </a:lnSpc>
+              <a:tabLst>
+                <a:tab pos="723900" algn="l"/>
+                <a:tab pos="1447800" algn="l"/>
+                <a:tab pos="2171700" algn="l"/>
+                <a:tab pos="2895600" algn="l"/>
+                <a:tab pos="3619500" algn="l"/>
+                <a:tab pos="4343400" algn="l"/>
+                <a:tab pos="5067300" algn="l"/>
+                <a:tab pos="5791200" algn="l"/>
+                <a:tab pos="6515100" algn="l"/>
+                <a:tab pos="7239000" algn="l"/>
+                <a:tab pos="7962900" algn="l"/>
+              </a:tabLst>
+            </a:pPr>
+            <a:r>
+              <a:rPr lang="de-DE" sz="4400"/>
               <a:t>Summary</a:t>
             </a:r>
-            <a:endParaRPr lang="en-GB" dirty="0"/>
           </a:p>
         </p:txBody>
       </p:sp>
       <p:sp>
         <p:nvSpPr>
-          <p:cNvPr id="3" name="Inhaltsplatzhalter 2"/>
-          <p:cNvSpPr>
-            <a:spLocks noGrp="1"/>
+          <p:cNvPr id="37890" name="Text Box 2"/>
+          <p:cNvSpPr txBox="1">
+            <a:spLocks noChangeArrowheads="1"/>
           </p:cNvSpPr>
-          <p:nvPr>
-            <p:ph idx="1"/>
-          </p:nvPr>
+          <p:nvPr/>
         </p:nvSpPr>
-        <p:spPr/>
+        <p:spPr bwMode="auto">
+          <a:xfrm>
+            <a:off x="457200" y="1600200"/>
+            <a:ext cx="8229600" cy="4525963"/>
+          </a:xfrm>
+          <a:prstGeom prst="rect">
+            <a:avLst/>
+          </a:prstGeom>
+          <a:noFill/>
+          <a:ln>
+            <a:noFill/>
+          </a:ln>
+          <a:effectLst/>
+          <a:extLst>
+            <a:ext uri="{909E8E84-426E-40DD-AFC4-6F175D3DCCD1}">
+              <a14:hiddenFill xmlns:a14="http://schemas.microsoft.com/office/drawing/2010/main">
+                <a:solidFill>
+                  <a:srgbClr val="FFFFFF"/>
+                </a:solidFill>
+              </a14:hiddenFill>
+            </a:ext>
+            <a:ext uri="{91240B29-F687-4F45-9708-019B960494DF}">
+              <a14:hiddenLine xmlns:a14="http://schemas.microsoft.com/office/drawing/2010/main" w="9525">
+                <a:solidFill>
+                  <a:srgbClr val="000000"/>
+                </a:solidFill>
+                <a:round/>
+                <a:headEnd/>
+                <a:tailEnd/>
+              </a14:hiddenLine>
+            </a:ext>
+            <a:ext uri="{AF507438-7753-43E0-B8FC-AC1667EBCBE1}">
+              <a14:hiddenEffects xmlns:a14="http://schemas.microsoft.com/office/drawing/2010/main">
+                <a:effectLst>
+                  <a:outerShdw dist="35921" dir="2700000" algn="ctr" rotWithShape="0">
+                    <a:srgbClr val="808080"/>
+                  </a:outerShdw>
+                </a:effectLst>
+              </a14:hiddenEffects>
+            </a:ext>
+          </a:extLst>
+        </p:spPr>
         <p:txBody>
-          <a:bodyPr/>
-          <a:lstStyle/>
-          <a:p>
-            <a:endParaRPr lang="en-GB" dirty="0"/>
+          <a:bodyPr tIns="91440"/>
+          <a:lstStyle>
+            <a:lvl1pPr marL="431800" indent="-323850">
+              <a:tabLst>
+                <a:tab pos="723900" algn="l"/>
+                <a:tab pos="1447800" algn="l"/>
+                <a:tab pos="2171700" algn="l"/>
+                <a:tab pos="2895600" algn="l"/>
+                <a:tab pos="3619500" algn="l"/>
+                <a:tab pos="4343400" algn="l"/>
+                <a:tab pos="5067300" algn="l"/>
+                <a:tab pos="5791200" algn="l"/>
+                <a:tab pos="6515100" algn="l"/>
+                <a:tab pos="7239000" algn="l"/>
+                <a:tab pos="7962900" algn="l"/>
+              </a:tabLst>
+              <a:defRPr>
+                <a:solidFill>
+                  <a:srgbClr val="000000"/>
+                </a:solidFill>
+                <a:latin typeface="Arial" charset="0"/>
+                <a:ea typeface="SimSun" charset="-122"/>
+              </a:defRPr>
+            </a:lvl1pPr>
+            <a:lvl2pPr>
+              <a:tabLst>
+                <a:tab pos="723900" algn="l"/>
+                <a:tab pos="1447800" algn="l"/>
+                <a:tab pos="2171700" algn="l"/>
+                <a:tab pos="2895600" algn="l"/>
+                <a:tab pos="3619500" algn="l"/>
+                <a:tab pos="4343400" algn="l"/>
+                <a:tab pos="5067300" algn="l"/>
+                <a:tab pos="5791200" algn="l"/>
+                <a:tab pos="6515100" algn="l"/>
+                <a:tab pos="7239000" algn="l"/>
+                <a:tab pos="7962900" algn="l"/>
+              </a:tabLst>
+              <a:defRPr>
+                <a:solidFill>
+                  <a:srgbClr val="000000"/>
+                </a:solidFill>
+                <a:latin typeface="Arial" charset="0"/>
+                <a:ea typeface="SimSun" charset="-122"/>
+              </a:defRPr>
+            </a:lvl2pPr>
+            <a:lvl3pPr>
+              <a:tabLst>
+                <a:tab pos="723900" algn="l"/>
+                <a:tab pos="1447800" algn="l"/>
+                <a:tab pos="2171700" algn="l"/>
+                <a:tab pos="2895600" algn="l"/>
+                <a:tab pos="3619500" algn="l"/>
+                <a:tab pos="4343400" algn="l"/>
+                <a:tab pos="5067300" algn="l"/>
+                <a:tab pos="5791200" algn="l"/>
+                <a:tab pos="6515100" algn="l"/>
+                <a:tab pos="7239000" algn="l"/>
+                <a:tab pos="7962900" algn="l"/>
+              </a:tabLst>
+              <a:defRPr>
+                <a:solidFill>
+                  <a:srgbClr val="000000"/>
+                </a:solidFill>
+                <a:latin typeface="Arial" charset="0"/>
+                <a:ea typeface="SimSun" charset="-122"/>
+              </a:defRPr>
+            </a:lvl3pPr>
+            <a:lvl4pPr>
+              <a:tabLst>
+                <a:tab pos="723900" algn="l"/>
+                <a:tab pos="1447800" algn="l"/>
+                <a:tab pos="2171700" algn="l"/>
+                <a:tab pos="2895600" algn="l"/>
+                <a:tab pos="3619500" algn="l"/>
+                <a:tab pos="4343400" algn="l"/>
+                <a:tab pos="5067300" algn="l"/>
+                <a:tab pos="5791200" algn="l"/>
+                <a:tab pos="6515100" algn="l"/>
+                <a:tab pos="7239000" algn="l"/>
+                <a:tab pos="7962900" algn="l"/>
+              </a:tabLst>
+              <a:defRPr>
+                <a:solidFill>
+                  <a:srgbClr val="000000"/>
+                </a:solidFill>
+                <a:latin typeface="Arial" charset="0"/>
+                <a:ea typeface="SimSun" charset="-122"/>
+              </a:defRPr>
+            </a:lvl4pPr>
+            <a:lvl5pPr>
+              <a:tabLst>
+                <a:tab pos="723900" algn="l"/>
+                <a:tab pos="1447800" algn="l"/>
+                <a:tab pos="2171700" algn="l"/>
+                <a:tab pos="2895600" algn="l"/>
+                <a:tab pos="3619500" algn="l"/>
+                <a:tab pos="4343400" algn="l"/>
+                <a:tab pos="5067300" algn="l"/>
+                <a:tab pos="5791200" algn="l"/>
+                <a:tab pos="6515100" algn="l"/>
+                <a:tab pos="7239000" algn="l"/>
+                <a:tab pos="7962900" algn="l"/>
+              </a:tabLst>
+              <a:defRPr>
+                <a:solidFill>
+                  <a:srgbClr val="000000"/>
+                </a:solidFill>
+                <a:latin typeface="Arial" charset="0"/>
+                <a:ea typeface="SimSun" charset="-122"/>
+              </a:defRPr>
+            </a:lvl5pPr>
+            <a:lvl6pPr marL="2514600" indent="-228600" defTabSz="449263" fontAlgn="base" hangingPunct="0">
+              <a:lnSpc>
+                <a:spcPct val="93000"/>
+              </a:lnSpc>
+              <a:spcBef>
+                <a:spcPct val="0"/>
+              </a:spcBef>
+              <a:spcAft>
+                <a:spcPct val="0"/>
+              </a:spcAft>
+              <a:buClr>
+                <a:srgbClr val="000000"/>
+              </a:buClr>
+              <a:buSzPct val="100000"/>
+              <a:buFont typeface="Times New Roman" pitchFamily="16" charset="0"/>
+              <a:tabLst>
+                <a:tab pos="723900" algn="l"/>
+                <a:tab pos="1447800" algn="l"/>
+                <a:tab pos="2171700" algn="l"/>
+                <a:tab pos="2895600" algn="l"/>
+                <a:tab pos="3619500" algn="l"/>
+                <a:tab pos="4343400" algn="l"/>
+                <a:tab pos="5067300" algn="l"/>
+                <a:tab pos="5791200" algn="l"/>
+                <a:tab pos="6515100" algn="l"/>
+                <a:tab pos="7239000" algn="l"/>
+                <a:tab pos="7962900" algn="l"/>
+              </a:tabLst>
+              <a:defRPr>
+                <a:solidFill>
+                  <a:srgbClr val="000000"/>
+                </a:solidFill>
+                <a:latin typeface="Arial" charset="0"/>
+                <a:ea typeface="SimSun" charset="-122"/>
+              </a:defRPr>
+            </a:lvl6pPr>
+            <a:lvl7pPr marL="2971800" indent="-228600" defTabSz="449263" fontAlgn="base" hangingPunct="0">
+              <a:lnSpc>
+                <a:spcPct val="93000"/>
+              </a:lnSpc>
+              <a:spcBef>
+                <a:spcPct val="0"/>
+              </a:spcBef>
+              <a:spcAft>
+                <a:spcPct val="0"/>
+              </a:spcAft>
+              <a:buClr>
+                <a:srgbClr val="000000"/>
+              </a:buClr>
+              <a:buSzPct val="100000"/>
+              <a:buFont typeface="Times New Roman" pitchFamily="16" charset="0"/>
+              <a:tabLst>
+                <a:tab pos="723900" algn="l"/>
+                <a:tab pos="1447800" algn="l"/>
+                <a:tab pos="2171700" algn="l"/>
+                <a:tab pos="2895600" algn="l"/>
+                <a:tab pos="3619500" algn="l"/>
+                <a:tab pos="4343400" algn="l"/>
+                <a:tab pos="5067300" algn="l"/>
+                <a:tab pos="5791200" algn="l"/>
+                <a:tab pos="6515100" algn="l"/>
+                <a:tab pos="7239000" algn="l"/>
+                <a:tab pos="7962900" algn="l"/>
+              </a:tabLst>
+              <a:defRPr>
+                <a:solidFill>
+                  <a:srgbClr val="000000"/>
+                </a:solidFill>
+                <a:latin typeface="Arial" charset="0"/>
+                <a:ea typeface="SimSun" charset="-122"/>
+              </a:defRPr>
+            </a:lvl7pPr>
+            <a:lvl8pPr marL="3429000" indent="-228600" defTabSz="449263" fontAlgn="base" hangingPunct="0">
+              <a:lnSpc>
+                <a:spcPct val="93000"/>
+              </a:lnSpc>
+              <a:spcBef>
+                <a:spcPct val="0"/>
+              </a:spcBef>
+              <a:spcAft>
+                <a:spcPct val="0"/>
+              </a:spcAft>
+              <a:buClr>
+                <a:srgbClr val="000000"/>
+              </a:buClr>
+              <a:buSzPct val="100000"/>
+              <a:buFont typeface="Times New Roman" pitchFamily="16" charset="0"/>
+              <a:tabLst>
+                <a:tab pos="723900" algn="l"/>
+                <a:tab pos="1447800" algn="l"/>
+                <a:tab pos="2171700" algn="l"/>
+                <a:tab pos="2895600" algn="l"/>
+                <a:tab pos="3619500" algn="l"/>
+                <a:tab pos="4343400" algn="l"/>
+                <a:tab pos="5067300" algn="l"/>
+                <a:tab pos="5791200" algn="l"/>
+                <a:tab pos="6515100" algn="l"/>
+                <a:tab pos="7239000" algn="l"/>
+                <a:tab pos="7962900" algn="l"/>
+              </a:tabLst>
+              <a:defRPr>
+                <a:solidFill>
+                  <a:srgbClr val="000000"/>
+                </a:solidFill>
+                <a:latin typeface="Arial" charset="0"/>
+                <a:ea typeface="SimSun" charset="-122"/>
+              </a:defRPr>
+            </a:lvl8pPr>
+            <a:lvl9pPr marL="3886200" indent="-228600" defTabSz="449263" fontAlgn="base" hangingPunct="0">
+              <a:lnSpc>
+                <a:spcPct val="93000"/>
+              </a:lnSpc>
+              <a:spcBef>
+                <a:spcPct val="0"/>
+              </a:spcBef>
+              <a:spcAft>
+                <a:spcPct val="0"/>
+              </a:spcAft>
+              <a:buClr>
+                <a:srgbClr val="000000"/>
+              </a:buClr>
+              <a:buSzPct val="100000"/>
+              <a:buFont typeface="Times New Roman" pitchFamily="16" charset="0"/>
+              <a:tabLst>
+                <a:tab pos="723900" algn="l"/>
+                <a:tab pos="1447800" algn="l"/>
+                <a:tab pos="2171700" algn="l"/>
+                <a:tab pos="2895600" algn="l"/>
+                <a:tab pos="3619500" algn="l"/>
+                <a:tab pos="4343400" algn="l"/>
+                <a:tab pos="5067300" algn="l"/>
+                <a:tab pos="5791200" algn="l"/>
+                <a:tab pos="6515100" algn="l"/>
+                <a:tab pos="7239000" algn="l"/>
+                <a:tab pos="7962900" algn="l"/>
+              </a:tabLst>
+              <a:defRPr>
+                <a:solidFill>
+                  <a:srgbClr val="000000"/>
+                </a:solidFill>
+                <a:latin typeface="Arial" charset="0"/>
+                <a:ea typeface="SimSun" charset="-122"/>
+              </a:defRPr>
+            </a:lvl9pPr>
+          </a:lstStyle>
+          <a:p>
+            <a:pPr hangingPunct="1">
+              <a:lnSpc>
+                <a:spcPct val="100000"/>
+              </a:lnSpc>
+              <a:spcAft>
+                <a:spcPts val="1425"/>
+              </a:spcAft>
+              <a:buSzPct val="45000"/>
+              <a:buFont typeface="Wingdings" charset="2"/>
+              <a:buChar char=""/>
+            </a:pPr>
+            <a:r>
+              <a:rPr lang="de-DE">
+                <a:latin typeface="Calibri" charset="0"/>
+              </a:rPr>
+              <a:t>We hope this presentation was successful in explaining the various design decisions our team made, and why we made them </a:t>
+            </a:r>
           </a:p>
         </p:txBody>
       </p:sp>
     </p:spTree>
     <p:extLst>
       <p:ext uri="{BB962C8B-B14F-4D97-AF65-F5344CB8AC3E}">
-        <p14:creationId xmlns:p14="http://schemas.microsoft.com/office/powerpoint/2010/main" val="2300320259"/>
+        <p14:creationId xmlns:p14="http://schemas.microsoft.com/office/powerpoint/2010/main" val="1228539205"/>
       </p:ext>
     </p:extLst>
   </p:cSld>
   <p:clrMapOvr>
     <a:masterClrMapping/>
   </p:clrMapOvr>
+  <p:transition spd="med"/>
   <p:timing>
     <p:tnLst>
       <p:par>
-        <p:cTn id="1" dur="indefinite" restart="never" nodeType="tmRoot"/>
+        <p:cTn id="1" dur="indefinite" restart="never" nodeType="tmRoot">
+          <p:childTnLst>
+            <p:seq concurrent="1" nextAc="seek">
+              <p:cTn id="2" dur="0" nodeType="mainSeq"/>
+              <p:prevCondLst>
+                <p:cond evt="onPrev" delay="0">
+                  <p:tgtEl>
+                    <p:sldTgt/>
+                  </p:tgtEl>
+                </p:cond>
+              </p:prevCondLst>
+              <p:nextCondLst>
+                <p:cond evt="onNext" delay="0">
+                  <p:tgtEl>
+                    <p:sldTgt/>
+                  </p:tgtEl>
+                </p:cond>
+              </p:nextCondLst>
+            </p:seq>
+          </p:childTnLst>
+        </p:cTn>
       </p:par>
     </p:tnLst>
   </p:timing>

--- a/Documentation/Praesentation/PresentationRoomanizer.pptx
+++ b/Documentation/Praesentation/PresentationRoomanizer.pptx
@@ -3583,7 +3583,7 @@
         <p:nvSpPr>
           <p:cNvPr id="27651" name="Rectangle 1"/>
           <p:cNvSpPr>
-            <a:spLocks noChangeArrowheads="1" noTextEdit="1"/>
+            <a:spLocks noGrp="1" noRot="1" noChangeAspect="1" noChangeArrowheads="1" noTextEdit="1"/>
           </p:cNvSpPr>
           <p:nvPr>
             <p:ph type="sldImg"/>
@@ -3622,7 +3622,7 @@
         <p:nvSpPr>
           <p:cNvPr id="27652" name="Text Box 2"/>
           <p:cNvSpPr>
-            <a:spLocks noChangeArrowheads="1"/>
+            <a:spLocks noGrp="1" noChangeArrowheads="1"/>
           </p:cNvSpPr>
           <p:nvPr>
             <p:ph type="body" idx="1"/>
@@ -4015,7 +4015,7 @@
         <p:nvSpPr>
           <p:cNvPr id="28675" name="Rectangle 1"/>
           <p:cNvSpPr>
-            <a:spLocks noChangeArrowheads="1" noTextEdit="1"/>
+            <a:spLocks noGrp="1" noRot="1" noChangeAspect="1" noChangeArrowheads="1" noTextEdit="1"/>
           </p:cNvSpPr>
           <p:nvPr>
             <p:ph type="sldImg"/>
@@ -4054,7 +4054,7 @@
         <p:nvSpPr>
           <p:cNvPr id="28676" name="Text Box 2"/>
           <p:cNvSpPr>
-            <a:spLocks noChangeArrowheads="1"/>
+            <a:spLocks noGrp="1" noChangeArrowheads="1"/>
           </p:cNvSpPr>
           <p:nvPr>
             <p:ph type="body" idx="1"/>
@@ -17211,7 +17211,7 @@
         <p:nvSpPr>
           <p:cNvPr id="20483" name="Rectangle 1"/>
           <p:cNvSpPr>
-            <a:spLocks noChangeArrowheads="1" noTextEdit="1"/>
+            <a:spLocks noGrp="1" noRot="1" noChangeAspect="1" noChangeArrowheads="1" noTextEdit="1"/>
           </p:cNvSpPr>
           <p:nvPr>
             <p:ph type="sldImg"/>
@@ -17250,7 +17250,7 @@
         <p:nvSpPr>
           <p:cNvPr id="20484" name="Text Box 2"/>
           <p:cNvSpPr>
-            <a:spLocks noChangeArrowheads="1"/>
+            <a:spLocks noGrp="1" noChangeArrowheads="1"/>
           </p:cNvSpPr>
           <p:nvPr>
             <p:ph type="body" idx="1"/>
@@ -17803,7 +17803,7 @@
         <p:nvSpPr>
           <p:cNvPr id="21507" name="Rectangle 1"/>
           <p:cNvSpPr>
-            <a:spLocks noChangeArrowheads="1" noTextEdit="1"/>
+            <a:spLocks noGrp="1" noRot="1" noChangeAspect="1" noChangeArrowheads="1" noTextEdit="1"/>
           </p:cNvSpPr>
           <p:nvPr>
             <p:ph type="sldImg"/>
@@ -17842,7 +17842,7 @@
         <p:nvSpPr>
           <p:cNvPr id="21508" name="Text Box 2"/>
           <p:cNvSpPr>
-            <a:spLocks noChangeArrowheads="1"/>
+            <a:spLocks noGrp="1" noChangeArrowheads="1"/>
           </p:cNvSpPr>
           <p:nvPr>
             <p:ph type="body" idx="1"/>
@@ -23009,7 +23009,7 @@
   <p:timing>
     <p:tnLst>
       <p:par>
-        <p:cTn id="1" dur="indefinite" nodeType="tmRoot">
+        <p:cTn id="1" dur="indefinite" restart="never" nodeType="tmRoot">
           <p:childTnLst>
             <p:seq concurrent="1" nextAc="seek">
               <p:cTn id="2" dur="0" nodeType="mainSeq"/>
@@ -23658,7 +23658,7 @@
   <p:timing>
     <p:tnLst>
       <p:par>
-        <p:cTn id="1" dur="indefinite" nodeType="tmRoot">
+        <p:cTn id="1" dur="indefinite" restart="never" nodeType="tmRoot">
           <p:childTnLst>
             <p:seq concurrent="1" nextAc="seek">
               <p:cTn id="2" dur="0" nodeType="mainSeq"/>
@@ -25543,15 +25543,7 @@
                   <a:srgbClr val="FFC000"/>
                 </a:solidFill>
               </a:rPr>
-              <a:t>th</a:t>
-            </a:r>
-            <a:r>
-              <a:rPr lang="de-AT" dirty="0" err="1" smtClean="0">
-                <a:solidFill>
-                  <a:srgbClr val="FFC000"/>
-                </a:solidFill>
-              </a:rPr>
-              <a:t>e</a:t>
+              <a:t>the</a:t>
             </a:r>
             <a:r>
               <a:rPr lang="de-AT" dirty="0" smtClean="0">
@@ -25601,13 +25593,6 @@
               </a:rPr>
               <a:t>Layer</a:t>
             </a:r>
-            <a:endParaRPr lang="de-AT" dirty="0" smtClean="0">
-              <a:solidFill>
-                <a:schemeClr val="accent3">
-                  <a:lumMod val="50000"/>
-                </a:schemeClr>
-              </a:solidFill>
-            </a:endParaRPr>
           </a:p>
           <a:p>
             <a:r>
@@ -25725,21 +25710,8 @@
                   <a:srgbClr val="002060"/>
                 </a:solidFill>
               </a:rPr>
-              <a:t>Project </a:t>
-            </a:r>
-            <a:r>
-              <a:rPr lang="de-AT" dirty="0" smtClean="0">
-                <a:solidFill>
-                  <a:srgbClr val="002060"/>
-                </a:solidFill>
-              </a:rPr>
-              <a:t>Management</a:t>
-            </a:r>
-            <a:endParaRPr lang="de-AT" dirty="0" smtClean="0">
-              <a:solidFill>
-                <a:srgbClr val="002060"/>
-              </a:solidFill>
-            </a:endParaRPr>
+              <a:t>Project Management</a:t>
+            </a:r>
           </a:p>
           <a:p>
             <a:r>
@@ -30685,6 +30657,13 @@
   <p:clrMapOvr>
     <a:masterClrMapping/>
   </p:clrMapOvr>
+  <p:timing>
+    <p:tnLst>
+      <p:par>
+        <p:cTn id="1" dur="indefinite" restart="never" nodeType="tmRoot"/>
+      </p:par>
+    </p:tnLst>
+  </p:timing>
 </p:sld>
 </file>
 
@@ -30877,6 +30856,13 @@
   <p:clrMapOvr>
     <a:masterClrMapping/>
   </p:clrMapOvr>
+  <p:timing>
+    <p:tnLst>
+      <p:par>
+        <p:cTn id="1" dur="indefinite" restart="never" nodeType="tmRoot"/>
+      </p:par>
+    </p:tnLst>
+  </p:timing>
 </p:sld>
 </file>
 
@@ -31442,7 +31428,7 @@
   <p:timing>
     <p:tnLst>
       <p:par>
-        <p:cTn id="1" dur="indefinite" nodeType="tmRoot">
+        <p:cTn id="1" dur="indefinite" restart="never" nodeType="tmRoot">
           <p:childTnLst>
             <p:seq concurrent="1" nextAc="seek">
               <p:cTn id="2" dur="0" nodeType="mainSeq"/>
@@ -31775,6 +31761,126 @@
           </a:p>
         </p:txBody>
       </p:sp>
+      <p:pic>
+        <p:nvPicPr>
+          <p:cNvPr id="2" name="Grafik 1"/>
+          <p:cNvPicPr>
+            <a:picLocks noChangeAspect="1"/>
+          </p:cNvPicPr>
+          <p:nvPr/>
+        </p:nvPicPr>
+        <p:blipFill>
+          <a:blip r:embed="rId3">
+            <a:extLst>
+              <a:ext uri="{28A0092B-C50C-407E-A947-70E740481C1C}">
+                <a14:useLocalDpi xmlns:a14="http://schemas.microsoft.com/office/drawing/2010/main" val="0"/>
+              </a:ext>
+            </a:extLst>
+          </a:blip>
+          <a:stretch>
+            <a:fillRect/>
+          </a:stretch>
+        </p:blipFill>
+        <p:spPr>
+          <a:xfrm>
+            <a:off x="575493" y="1196752"/>
+            <a:ext cx="7740923" cy="5389976"/>
+          </a:xfrm>
+          <a:prstGeom prst="rect">
+            <a:avLst/>
+          </a:prstGeom>
+        </p:spPr>
+      </p:pic>
+      <p:pic>
+        <p:nvPicPr>
+          <p:cNvPr id="3" name="Grafik 2"/>
+          <p:cNvPicPr>
+            <a:picLocks noChangeAspect="1"/>
+          </p:cNvPicPr>
+          <p:nvPr/>
+        </p:nvPicPr>
+        <p:blipFill>
+          <a:blip r:embed="rId4">
+            <a:extLst>
+              <a:ext uri="{28A0092B-C50C-407E-A947-70E740481C1C}">
+                <a14:useLocalDpi xmlns:a14="http://schemas.microsoft.com/office/drawing/2010/main" val="0"/>
+              </a:ext>
+            </a:extLst>
+          </a:blip>
+          <a:stretch>
+            <a:fillRect/>
+          </a:stretch>
+        </p:blipFill>
+        <p:spPr>
+          <a:xfrm>
+            <a:off x="323528" y="1412776"/>
+            <a:ext cx="8424936" cy="4982489"/>
+          </a:xfrm>
+          <a:prstGeom prst="rect">
+            <a:avLst/>
+          </a:prstGeom>
+        </p:spPr>
+      </p:pic>
+      <p:pic>
+        <p:nvPicPr>
+          <p:cNvPr id="4" name="Grafik 3"/>
+          <p:cNvPicPr>
+            <a:picLocks noChangeAspect="1"/>
+          </p:cNvPicPr>
+          <p:nvPr/>
+        </p:nvPicPr>
+        <p:blipFill>
+          <a:blip r:embed="rId5">
+            <a:extLst>
+              <a:ext uri="{28A0092B-C50C-407E-A947-70E740481C1C}">
+                <a14:useLocalDpi xmlns:a14="http://schemas.microsoft.com/office/drawing/2010/main" val="0"/>
+              </a:ext>
+            </a:extLst>
+          </a:blip>
+          <a:stretch>
+            <a:fillRect/>
+          </a:stretch>
+        </p:blipFill>
+        <p:spPr>
+          <a:xfrm>
+            <a:off x="230594" y="1342972"/>
+            <a:ext cx="8013814" cy="4390284"/>
+          </a:xfrm>
+          <a:prstGeom prst="rect">
+            <a:avLst/>
+          </a:prstGeom>
+        </p:spPr>
+      </p:pic>
+      <p:pic>
+        <p:nvPicPr>
+          <p:cNvPr id="5" name="Grafik 4"/>
+          <p:cNvPicPr>
+            <a:picLocks noChangeAspect="1"/>
+          </p:cNvPicPr>
+          <p:nvPr/>
+        </p:nvPicPr>
+        <p:blipFill>
+          <a:blip r:embed="rId6">
+            <a:extLst>
+              <a:ext uri="{28A0092B-C50C-407E-A947-70E740481C1C}">
+                <a14:useLocalDpi xmlns:a14="http://schemas.microsoft.com/office/drawing/2010/main" val="0"/>
+              </a:ext>
+            </a:extLst>
+          </a:blip>
+          <a:stretch>
+            <a:fillRect/>
+          </a:stretch>
+        </p:blipFill>
+        <p:spPr>
+          <a:xfrm>
+            <a:off x="467544" y="1455812"/>
+            <a:ext cx="8015362" cy="5254380"/>
+          </a:xfrm>
+          <a:prstGeom prst="rect">
+            <a:avLst/>
+          </a:prstGeom>
+        </p:spPr>
+      </p:pic>
     </p:spTree>
     <p:extLst>
       <p:ext uri="{BB962C8B-B14F-4D97-AF65-F5344CB8AC3E}">
@@ -31792,7 +31898,770 @@
         <p:cTn id="1" dur="indefinite" restart="never" nodeType="tmRoot">
           <p:childTnLst>
             <p:seq concurrent="1" nextAc="seek">
-              <p:cTn id="2" dur="0" nodeType="mainSeq"/>
+              <p:cTn id="2" dur="0" nodeType="mainSeq">
+                <p:childTnLst>
+                  <p:par>
+                    <p:cTn id="3" fill="hold">
+                      <p:stCondLst>
+                        <p:cond delay="indefinite"/>
+                      </p:stCondLst>
+                      <p:childTnLst>
+                        <p:par>
+                          <p:cTn id="4" fill="hold">
+                            <p:stCondLst>
+                              <p:cond delay="0"/>
+                            </p:stCondLst>
+                            <p:childTnLst>
+                              <p:par>
+                                <p:cTn id="5" presetID="2" presetClass="entr" presetSubtype="4" fill="hold" nodeType="clickEffect">
+                                  <p:stCondLst>
+                                    <p:cond delay="0"/>
+                                  </p:stCondLst>
+                                  <p:childTnLst>
+                                    <p:set>
+                                      <p:cBhvr>
+                                        <p:cTn id="6" dur="1" fill="hold">
+                                          <p:stCondLst>
+                                            <p:cond delay="0"/>
+                                          </p:stCondLst>
+                                        </p:cTn>
+                                        <p:tgtEl>
+                                          <p:spTgt spid="2"/>
+                                        </p:tgtEl>
+                                        <p:attrNameLst>
+                                          <p:attrName>style.visibility</p:attrName>
+                                        </p:attrNameLst>
+                                      </p:cBhvr>
+                                      <p:to>
+                                        <p:strVal val="visible"/>
+                                      </p:to>
+                                    </p:set>
+                                    <p:anim calcmode="lin" valueType="num">
+                                      <p:cBhvr additive="base">
+                                        <p:cTn id="7" dur="500" fill="hold"/>
+                                        <p:tgtEl>
+                                          <p:spTgt spid="2"/>
+                                        </p:tgtEl>
+                                        <p:attrNameLst>
+                                          <p:attrName>ppt_x</p:attrName>
+                                        </p:attrNameLst>
+                                      </p:cBhvr>
+                                      <p:tavLst>
+                                        <p:tav tm="0">
+                                          <p:val>
+                                            <p:strVal val="#ppt_x"/>
+                                          </p:val>
+                                        </p:tav>
+                                        <p:tav tm="100000">
+                                          <p:val>
+                                            <p:strVal val="#ppt_x"/>
+                                          </p:val>
+                                        </p:tav>
+                                      </p:tavLst>
+                                    </p:anim>
+                                    <p:anim calcmode="lin" valueType="num">
+                                      <p:cBhvr additive="base">
+                                        <p:cTn id="8" dur="500" fill="hold"/>
+                                        <p:tgtEl>
+                                          <p:spTgt spid="2"/>
+                                        </p:tgtEl>
+                                        <p:attrNameLst>
+                                          <p:attrName>ppt_y</p:attrName>
+                                        </p:attrNameLst>
+                                      </p:cBhvr>
+                                      <p:tavLst>
+                                        <p:tav tm="0">
+                                          <p:val>
+                                            <p:strVal val="1+#ppt_h/2"/>
+                                          </p:val>
+                                        </p:tav>
+                                        <p:tav tm="100000">
+                                          <p:val>
+                                            <p:strVal val="#ppt_y"/>
+                                          </p:val>
+                                        </p:tav>
+                                      </p:tavLst>
+                                    </p:anim>
+                                  </p:childTnLst>
+                                </p:cTn>
+                              </p:par>
+                            </p:childTnLst>
+                          </p:cTn>
+                        </p:par>
+                      </p:childTnLst>
+                    </p:cTn>
+                  </p:par>
+                  <p:par>
+                    <p:cTn id="9" fill="hold">
+                      <p:stCondLst>
+                        <p:cond delay="indefinite"/>
+                      </p:stCondLst>
+                      <p:childTnLst>
+                        <p:par>
+                          <p:cTn id="10" fill="hold">
+                            <p:stCondLst>
+                              <p:cond delay="0"/>
+                            </p:stCondLst>
+                            <p:childTnLst>
+                              <p:par>
+                                <p:cTn id="11" presetID="42" presetClass="exit" presetSubtype="0" fill="hold" nodeType="clickEffect">
+                                  <p:stCondLst>
+                                    <p:cond delay="0"/>
+                                  </p:stCondLst>
+                                  <p:childTnLst>
+                                    <p:animEffect transition="out" filter="fade">
+                                      <p:cBhvr>
+                                        <p:cTn id="12" dur="1000"/>
+                                        <p:tgtEl>
+                                          <p:spTgt spid="2"/>
+                                        </p:tgtEl>
+                                      </p:cBhvr>
+                                    </p:animEffect>
+                                    <p:anim calcmode="lin" valueType="num">
+                                      <p:cBhvr>
+                                        <p:cTn id="13" dur="1000"/>
+                                        <p:tgtEl>
+                                          <p:spTgt spid="2"/>
+                                        </p:tgtEl>
+                                        <p:attrNameLst>
+                                          <p:attrName>ppt_x</p:attrName>
+                                        </p:attrNameLst>
+                                      </p:cBhvr>
+                                      <p:tavLst>
+                                        <p:tav tm="0">
+                                          <p:val>
+                                            <p:strVal val="ppt_x"/>
+                                          </p:val>
+                                        </p:tav>
+                                        <p:tav tm="100000">
+                                          <p:val>
+                                            <p:strVal val="ppt_x"/>
+                                          </p:val>
+                                        </p:tav>
+                                      </p:tavLst>
+                                    </p:anim>
+                                    <p:anim calcmode="lin" valueType="num">
+                                      <p:cBhvr>
+                                        <p:cTn id="14" dur="1000"/>
+                                        <p:tgtEl>
+                                          <p:spTgt spid="2"/>
+                                        </p:tgtEl>
+                                        <p:attrNameLst>
+                                          <p:attrName>ppt_y</p:attrName>
+                                        </p:attrNameLst>
+                                      </p:cBhvr>
+                                      <p:tavLst>
+                                        <p:tav tm="0">
+                                          <p:val>
+                                            <p:strVal val="ppt_y"/>
+                                          </p:val>
+                                        </p:tav>
+                                        <p:tav tm="100000">
+                                          <p:val>
+                                            <p:strVal val="ppt_y+.1"/>
+                                          </p:val>
+                                        </p:tav>
+                                      </p:tavLst>
+                                    </p:anim>
+                                    <p:set>
+                                      <p:cBhvr>
+                                        <p:cTn id="15" dur="1" fill="hold">
+                                          <p:stCondLst>
+                                            <p:cond delay="999"/>
+                                          </p:stCondLst>
+                                        </p:cTn>
+                                        <p:tgtEl>
+                                          <p:spTgt spid="2"/>
+                                        </p:tgtEl>
+                                        <p:attrNameLst>
+                                          <p:attrName>style.visibility</p:attrName>
+                                        </p:attrNameLst>
+                                      </p:cBhvr>
+                                      <p:to>
+                                        <p:strVal val="hidden"/>
+                                      </p:to>
+                                    </p:set>
+                                  </p:childTnLst>
+                                </p:cTn>
+                              </p:par>
+                            </p:childTnLst>
+                          </p:cTn>
+                        </p:par>
+                      </p:childTnLst>
+                    </p:cTn>
+                  </p:par>
+                  <p:par>
+                    <p:cTn id="16" fill="hold">
+                      <p:stCondLst>
+                        <p:cond delay="indefinite"/>
+                      </p:stCondLst>
+                      <p:childTnLst>
+                        <p:par>
+                          <p:cTn id="17" fill="hold">
+                            <p:stCondLst>
+                              <p:cond delay="0"/>
+                            </p:stCondLst>
+                            <p:childTnLst>
+                              <p:par>
+                                <p:cTn id="18" presetID="2" presetClass="entr" presetSubtype="4" fill="hold" nodeType="clickEffect">
+                                  <p:stCondLst>
+                                    <p:cond delay="0"/>
+                                  </p:stCondLst>
+                                  <p:childTnLst>
+                                    <p:set>
+                                      <p:cBhvr>
+                                        <p:cTn id="19" dur="1" fill="hold">
+                                          <p:stCondLst>
+                                            <p:cond delay="0"/>
+                                          </p:stCondLst>
+                                        </p:cTn>
+                                        <p:tgtEl>
+                                          <p:spTgt spid="3"/>
+                                        </p:tgtEl>
+                                        <p:attrNameLst>
+                                          <p:attrName>style.visibility</p:attrName>
+                                        </p:attrNameLst>
+                                      </p:cBhvr>
+                                      <p:to>
+                                        <p:strVal val="visible"/>
+                                      </p:to>
+                                    </p:set>
+                                    <p:anim calcmode="lin" valueType="num">
+                                      <p:cBhvr additive="base">
+                                        <p:cTn id="20" dur="500" fill="hold"/>
+                                        <p:tgtEl>
+                                          <p:spTgt spid="3"/>
+                                        </p:tgtEl>
+                                        <p:attrNameLst>
+                                          <p:attrName>ppt_x</p:attrName>
+                                        </p:attrNameLst>
+                                      </p:cBhvr>
+                                      <p:tavLst>
+                                        <p:tav tm="0">
+                                          <p:val>
+                                            <p:strVal val="#ppt_x"/>
+                                          </p:val>
+                                        </p:tav>
+                                        <p:tav tm="100000">
+                                          <p:val>
+                                            <p:strVal val="#ppt_x"/>
+                                          </p:val>
+                                        </p:tav>
+                                      </p:tavLst>
+                                    </p:anim>
+                                    <p:anim calcmode="lin" valueType="num">
+                                      <p:cBhvr additive="base">
+                                        <p:cTn id="21" dur="500" fill="hold"/>
+                                        <p:tgtEl>
+                                          <p:spTgt spid="3"/>
+                                        </p:tgtEl>
+                                        <p:attrNameLst>
+                                          <p:attrName>ppt_y</p:attrName>
+                                        </p:attrNameLst>
+                                      </p:cBhvr>
+                                      <p:tavLst>
+                                        <p:tav tm="0">
+                                          <p:val>
+                                            <p:strVal val="1+#ppt_h/2"/>
+                                          </p:val>
+                                        </p:tav>
+                                        <p:tav tm="100000">
+                                          <p:val>
+                                            <p:strVal val="#ppt_y"/>
+                                          </p:val>
+                                        </p:tav>
+                                      </p:tavLst>
+                                    </p:anim>
+                                  </p:childTnLst>
+                                </p:cTn>
+                              </p:par>
+                            </p:childTnLst>
+                          </p:cTn>
+                        </p:par>
+                      </p:childTnLst>
+                    </p:cTn>
+                  </p:par>
+                  <p:par>
+                    <p:cTn id="22" fill="hold">
+                      <p:stCondLst>
+                        <p:cond delay="indefinite"/>
+                      </p:stCondLst>
+                      <p:childTnLst>
+                        <p:par>
+                          <p:cTn id="23" fill="hold">
+                            <p:stCondLst>
+                              <p:cond delay="0"/>
+                            </p:stCondLst>
+                            <p:childTnLst>
+                              <p:par>
+                                <p:cTn id="24" presetID="42" presetClass="exit" presetSubtype="0" fill="hold" nodeType="clickEffect">
+                                  <p:stCondLst>
+                                    <p:cond delay="0"/>
+                                  </p:stCondLst>
+                                  <p:childTnLst>
+                                    <p:animEffect transition="out" filter="fade">
+                                      <p:cBhvr>
+                                        <p:cTn id="25" dur="1000"/>
+                                        <p:tgtEl>
+                                          <p:spTgt spid="3"/>
+                                        </p:tgtEl>
+                                      </p:cBhvr>
+                                    </p:animEffect>
+                                    <p:anim calcmode="lin" valueType="num">
+                                      <p:cBhvr>
+                                        <p:cTn id="26" dur="1000"/>
+                                        <p:tgtEl>
+                                          <p:spTgt spid="3"/>
+                                        </p:tgtEl>
+                                        <p:attrNameLst>
+                                          <p:attrName>ppt_x</p:attrName>
+                                        </p:attrNameLst>
+                                      </p:cBhvr>
+                                      <p:tavLst>
+                                        <p:tav tm="0">
+                                          <p:val>
+                                            <p:strVal val="ppt_x"/>
+                                          </p:val>
+                                        </p:tav>
+                                        <p:tav tm="100000">
+                                          <p:val>
+                                            <p:strVal val="ppt_x"/>
+                                          </p:val>
+                                        </p:tav>
+                                      </p:tavLst>
+                                    </p:anim>
+                                    <p:anim calcmode="lin" valueType="num">
+                                      <p:cBhvr>
+                                        <p:cTn id="27" dur="1000"/>
+                                        <p:tgtEl>
+                                          <p:spTgt spid="3"/>
+                                        </p:tgtEl>
+                                        <p:attrNameLst>
+                                          <p:attrName>ppt_y</p:attrName>
+                                        </p:attrNameLst>
+                                      </p:cBhvr>
+                                      <p:tavLst>
+                                        <p:tav tm="0">
+                                          <p:val>
+                                            <p:strVal val="ppt_y"/>
+                                          </p:val>
+                                        </p:tav>
+                                        <p:tav tm="100000">
+                                          <p:val>
+                                            <p:strVal val="ppt_y+.1"/>
+                                          </p:val>
+                                        </p:tav>
+                                      </p:tavLst>
+                                    </p:anim>
+                                    <p:set>
+                                      <p:cBhvr>
+                                        <p:cTn id="28" dur="1" fill="hold">
+                                          <p:stCondLst>
+                                            <p:cond delay="999"/>
+                                          </p:stCondLst>
+                                        </p:cTn>
+                                        <p:tgtEl>
+                                          <p:spTgt spid="3"/>
+                                        </p:tgtEl>
+                                        <p:attrNameLst>
+                                          <p:attrName>style.visibility</p:attrName>
+                                        </p:attrNameLst>
+                                      </p:cBhvr>
+                                      <p:to>
+                                        <p:strVal val="hidden"/>
+                                      </p:to>
+                                    </p:set>
+                                  </p:childTnLst>
+                                </p:cTn>
+                              </p:par>
+                            </p:childTnLst>
+                          </p:cTn>
+                        </p:par>
+                      </p:childTnLst>
+                    </p:cTn>
+                  </p:par>
+                  <p:par>
+                    <p:cTn id="29" fill="hold">
+                      <p:stCondLst>
+                        <p:cond delay="indefinite"/>
+                      </p:stCondLst>
+                      <p:childTnLst>
+                        <p:par>
+                          <p:cTn id="30" fill="hold">
+                            <p:stCondLst>
+                              <p:cond delay="0"/>
+                            </p:stCondLst>
+                            <p:childTnLst>
+                              <p:par>
+                                <p:cTn id="31" presetID="2" presetClass="entr" presetSubtype="4" fill="hold" nodeType="clickEffect">
+                                  <p:stCondLst>
+                                    <p:cond delay="0"/>
+                                  </p:stCondLst>
+                                  <p:childTnLst>
+                                    <p:set>
+                                      <p:cBhvr>
+                                        <p:cTn id="32" dur="1" fill="hold">
+                                          <p:stCondLst>
+                                            <p:cond delay="0"/>
+                                          </p:stCondLst>
+                                        </p:cTn>
+                                        <p:tgtEl>
+                                          <p:spTgt spid="4"/>
+                                        </p:tgtEl>
+                                        <p:attrNameLst>
+                                          <p:attrName>style.visibility</p:attrName>
+                                        </p:attrNameLst>
+                                      </p:cBhvr>
+                                      <p:to>
+                                        <p:strVal val="visible"/>
+                                      </p:to>
+                                    </p:set>
+                                    <p:anim calcmode="lin" valueType="num">
+                                      <p:cBhvr additive="base">
+                                        <p:cTn id="33" dur="500" fill="hold"/>
+                                        <p:tgtEl>
+                                          <p:spTgt spid="4"/>
+                                        </p:tgtEl>
+                                        <p:attrNameLst>
+                                          <p:attrName>ppt_x</p:attrName>
+                                        </p:attrNameLst>
+                                      </p:cBhvr>
+                                      <p:tavLst>
+                                        <p:tav tm="0">
+                                          <p:val>
+                                            <p:strVal val="#ppt_x"/>
+                                          </p:val>
+                                        </p:tav>
+                                        <p:tav tm="100000">
+                                          <p:val>
+                                            <p:strVal val="#ppt_x"/>
+                                          </p:val>
+                                        </p:tav>
+                                      </p:tavLst>
+                                    </p:anim>
+                                    <p:anim calcmode="lin" valueType="num">
+                                      <p:cBhvr additive="base">
+                                        <p:cTn id="34" dur="500" fill="hold"/>
+                                        <p:tgtEl>
+                                          <p:spTgt spid="4"/>
+                                        </p:tgtEl>
+                                        <p:attrNameLst>
+                                          <p:attrName>ppt_y</p:attrName>
+                                        </p:attrNameLst>
+                                      </p:cBhvr>
+                                      <p:tavLst>
+                                        <p:tav tm="0">
+                                          <p:val>
+                                            <p:strVal val="1+#ppt_h/2"/>
+                                          </p:val>
+                                        </p:tav>
+                                        <p:tav tm="100000">
+                                          <p:val>
+                                            <p:strVal val="#ppt_y"/>
+                                          </p:val>
+                                        </p:tav>
+                                      </p:tavLst>
+                                    </p:anim>
+                                  </p:childTnLst>
+                                </p:cTn>
+                              </p:par>
+                            </p:childTnLst>
+                          </p:cTn>
+                        </p:par>
+                      </p:childTnLst>
+                    </p:cTn>
+                  </p:par>
+                  <p:par>
+                    <p:cTn id="35" fill="hold">
+                      <p:stCondLst>
+                        <p:cond delay="indefinite"/>
+                      </p:stCondLst>
+                      <p:childTnLst>
+                        <p:par>
+                          <p:cTn id="36" fill="hold">
+                            <p:stCondLst>
+                              <p:cond delay="0"/>
+                            </p:stCondLst>
+                            <p:childTnLst>
+                              <p:par>
+                                <p:cTn id="37" presetID="42" presetClass="exit" presetSubtype="0" fill="hold" nodeType="clickEffect">
+                                  <p:stCondLst>
+                                    <p:cond delay="0"/>
+                                  </p:stCondLst>
+                                  <p:childTnLst>
+                                    <p:animEffect transition="out" filter="fade">
+                                      <p:cBhvr>
+                                        <p:cTn id="38" dur="1000"/>
+                                        <p:tgtEl>
+                                          <p:spTgt spid="4"/>
+                                        </p:tgtEl>
+                                      </p:cBhvr>
+                                    </p:animEffect>
+                                    <p:anim calcmode="lin" valueType="num">
+                                      <p:cBhvr>
+                                        <p:cTn id="39" dur="1000"/>
+                                        <p:tgtEl>
+                                          <p:spTgt spid="4"/>
+                                        </p:tgtEl>
+                                        <p:attrNameLst>
+                                          <p:attrName>ppt_x</p:attrName>
+                                        </p:attrNameLst>
+                                      </p:cBhvr>
+                                      <p:tavLst>
+                                        <p:tav tm="0">
+                                          <p:val>
+                                            <p:strVal val="ppt_x"/>
+                                          </p:val>
+                                        </p:tav>
+                                        <p:tav tm="100000">
+                                          <p:val>
+                                            <p:strVal val="ppt_x"/>
+                                          </p:val>
+                                        </p:tav>
+                                      </p:tavLst>
+                                    </p:anim>
+                                    <p:anim calcmode="lin" valueType="num">
+                                      <p:cBhvr>
+                                        <p:cTn id="40" dur="1000"/>
+                                        <p:tgtEl>
+                                          <p:spTgt spid="4"/>
+                                        </p:tgtEl>
+                                        <p:attrNameLst>
+                                          <p:attrName>ppt_y</p:attrName>
+                                        </p:attrNameLst>
+                                      </p:cBhvr>
+                                      <p:tavLst>
+                                        <p:tav tm="0">
+                                          <p:val>
+                                            <p:strVal val="ppt_y"/>
+                                          </p:val>
+                                        </p:tav>
+                                        <p:tav tm="100000">
+                                          <p:val>
+                                            <p:strVal val="ppt_y+.1"/>
+                                          </p:val>
+                                        </p:tav>
+                                      </p:tavLst>
+                                    </p:anim>
+                                    <p:set>
+                                      <p:cBhvr>
+                                        <p:cTn id="41" dur="1" fill="hold">
+                                          <p:stCondLst>
+                                            <p:cond delay="999"/>
+                                          </p:stCondLst>
+                                        </p:cTn>
+                                        <p:tgtEl>
+                                          <p:spTgt spid="4"/>
+                                        </p:tgtEl>
+                                        <p:attrNameLst>
+                                          <p:attrName>style.visibility</p:attrName>
+                                        </p:attrNameLst>
+                                      </p:cBhvr>
+                                      <p:to>
+                                        <p:strVal val="hidden"/>
+                                      </p:to>
+                                    </p:set>
+                                  </p:childTnLst>
+                                </p:cTn>
+                              </p:par>
+                            </p:childTnLst>
+                          </p:cTn>
+                        </p:par>
+                      </p:childTnLst>
+                    </p:cTn>
+                  </p:par>
+                  <p:par>
+                    <p:cTn id="42" fill="hold">
+                      <p:stCondLst>
+                        <p:cond delay="indefinite"/>
+                      </p:stCondLst>
+                      <p:childTnLst>
+                        <p:par>
+                          <p:cTn id="43" fill="hold">
+                            <p:stCondLst>
+                              <p:cond delay="0"/>
+                            </p:stCondLst>
+                            <p:childTnLst>
+                              <p:par>
+                                <p:cTn id="44" presetID="2" presetClass="entr" presetSubtype="4" fill="hold" nodeType="clickEffect">
+                                  <p:stCondLst>
+                                    <p:cond delay="0"/>
+                                  </p:stCondLst>
+                                  <p:childTnLst>
+                                    <p:set>
+                                      <p:cBhvr>
+                                        <p:cTn id="45" dur="1" fill="hold">
+                                          <p:stCondLst>
+                                            <p:cond delay="0"/>
+                                          </p:stCondLst>
+                                        </p:cTn>
+                                        <p:tgtEl>
+                                          <p:spTgt spid="5"/>
+                                        </p:tgtEl>
+                                        <p:attrNameLst>
+                                          <p:attrName>style.visibility</p:attrName>
+                                        </p:attrNameLst>
+                                      </p:cBhvr>
+                                      <p:to>
+                                        <p:strVal val="visible"/>
+                                      </p:to>
+                                    </p:set>
+                                    <p:anim calcmode="lin" valueType="num">
+                                      <p:cBhvr additive="base">
+                                        <p:cTn id="46" dur="500" fill="hold"/>
+                                        <p:tgtEl>
+                                          <p:spTgt spid="5"/>
+                                        </p:tgtEl>
+                                        <p:attrNameLst>
+                                          <p:attrName>ppt_x</p:attrName>
+                                        </p:attrNameLst>
+                                      </p:cBhvr>
+                                      <p:tavLst>
+                                        <p:tav tm="0">
+                                          <p:val>
+                                            <p:strVal val="#ppt_x"/>
+                                          </p:val>
+                                        </p:tav>
+                                        <p:tav tm="100000">
+                                          <p:val>
+                                            <p:strVal val="#ppt_x"/>
+                                          </p:val>
+                                        </p:tav>
+                                      </p:tavLst>
+                                    </p:anim>
+                                    <p:anim calcmode="lin" valueType="num">
+                                      <p:cBhvr additive="base">
+                                        <p:cTn id="47" dur="500" fill="hold"/>
+                                        <p:tgtEl>
+                                          <p:spTgt spid="5"/>
+                                        </p:tgtEl>
+                                        <p:attrNameLst>
+                                          <p:attrName>ppt_y</p:attrName>
+                                        </p:attrNameLst>
+                                      </p:cBhvr>
+                                      <p:tavLst>
+                                        <p:tav tm="0">
+                                          <p:val>
+                                            <p:strVal val="1+#ppt_h/2"/>
+                                          </p:val>
+                                        </p:tav>
+                                        <p:tav tm="100000">
+                                          <p:val>
+                                            <p:strVal val="#ppt_y"/>
+                                          </p:val>
+                                        </p:tav>
+                                      </p:tavLst>
+                                    </p:anim>
+                                  </p:childTnLst>
+                                </p:cTn>
+                              </p:par>
+                            </p:childTnLst>
+                          </p:cTn>
+                        </p:par>
+                      </p:childTnLst>
+                    </p:cTn>
+                  </p:par>
+                  <p:par>
+                    <p:cTn id="48" fill="hold">
+                      <p:stCondLst>
+                        <p:cond delay="indefinite"/>
+                      </p:stCondLst>
+                      <p:childTnLst>
+                        <p:par>
+                          <p:cTn id="49" fill="hold">
+                            <p:stCondLst>
+                              <p:cond delay="0"/>
+                            </p:stCondLst>
+                            <p:childTnLst>
+                              <p:par>
+                                <p:cTn id="50" presetID="42" presetClass="exit" presetSubtype="0" fill="hold" nodeType="clickEffect">
+                                  <p:stCondLst>
+                                    <p:cond delay="0"/>
+                                  </p:stCondLst>
+                                  <p:childTnLst>
+                                    <p:animEffect transition="out" filter="fade">
+                                      <p:cBhvr>
+                                        <p:cTn id="51" dur="1000"/>
+                                        <p:tgtEl>
+                                          <p:spTgt spid="5"/>
+                                        </p:tgtEl>
+                                      </p:cBhvr>
+                                    </p:animEffect>
+                                    <p:anim calcmode="lin" valueType="num">
+                                      <p:cBhvr>
+                                        <p:cTn id="52" dur="1000"/>
+                                        <p:tgtEl>
+                                          <p:spTgt spid="5"/>
+                                        </p:tgtEl>
+                                        <p:attrNameLst>
+                                          <p:attrName>ppt_x</p:attrName>
+                                        </p:attrNameLst>
+                                      </p:cBhvr>
+                                      <p:tavLst>
+                                        <p:tav tm="0">
+                                          <p:val>
+                                            <p:strVal val="ppt_x"/>
+                                          </p:val>
+                                        </p:tav>
+                                        <p:tav tm="100000">
+                                          <p:val>
+                                            <p:strVal val="ppt_x"/>
+                                          </p:val>
+                                        </p:tav>
+                                      </p:tavLst>
+                                    </p:anim>
+                                    <p:anim calcmode="lin" valueType="num">
+                                      <p:cBhvr>
+                                        <p:cTn id="53" dur="1000"/>
+                                        <p:tgtEl>
+                                          <p:spTgt spid="5"/>
+                                        </p:tgtEl>
+                                        <p:attrNameLst>
+                                          <p:attrName>ppt_y</p:attrName>
+                                        </p:attrNameLst>
+                                      </p:cBhvr>
+                                      <p:tavLst>
+                                        <p:tav tm="0">
+                                          <p:val>
+                                            <p:strVal val="ppt_y"/>
+                                          </p:val>
+                                        </p:tav>
+                                        <p:tav tm="100000">
+                                          <p:val>
+                                            <p:strVal val="ppt_y+.1"/>
+                                          </p:val>
+                                        </p:tav>
+                                      </p:tavLst>
+                                    </p:anim>
+                                    <p:set>
+                                      <p:cBhvr>
+                                        <p:cTn id="54" dur="1" fill="hold">
+                                          <p:stCondLst>
+                                            <p:cond delay="999"/>
+                                          </p:stCondLst>
+                                        </p:cTn>
+                                        <p:tgtEl>
+                                          <p:spTgt spid="5"/>
+                                        </p:tgtEl>
+                                        <p:attrNameLst>
+                                          <p:attrName>style.visibility</p:attrName>
+                                        </p:attrNameLst>
+                                      </p:cBhvr>
+                                      <p:to>
+                                        <p:strVal val="hidden"/>
+                                      </p:to>
+                                    </p:set>
+                                  </p:childTnLst>
+                                </p:cTn>
+                              </p:par>
+                            </p:childTnLst>
+                          </p:cTn>
+                        </p:par>
+                      </p:childTnLst>
+                    </p:cTn>
+                  </p:par>
+                </p:childTnLst>
+              </p:cTn>
               <p:prevCondLst>
                 <p:cond evt="onPrev" delay="0">
                   <p:tgtEl>
@@ -32979,7 +33848,7 @@
   <p:timing>
     <p:tnLst>
       <p:par>
-        <p:cTn id="1" dur="indefinite" nodeType="tmRoot">
+        <p:cTn id="1" dur="indefinite" restart="never" nodeType="tmRoot">
           <p:childTnLst>
             <p:seq concurrent="1" nextAc="seek">
               <p:cTn id="2" dur="0" nodeType="mainSeq"/>

--- a/Documentation/Praesentation/PresentationRoomanizer.pptx
+++ b/Documentation/Praesentation/PresentationRoomanizer.pptx
@@ -1,6 +1,6 @@
 
 <file path=ppt/presentation.xml><?xml version="1.0" encoding="utf-8"?>
-<p:presentation xmlns:a="http://schemas.openxmlformats.org/drawingml/2006/main" xmlns:r="http://schemas.openxmlformats.org/officeDocument/2006/relationships" xmlns:p="http://schemas.openxmlformats.org/presentationml/2006/main" saveSubsetFonts="1">
+<p:presentation xmlns:a="http://schemas.openxmlformats.org/drawingml/2006/main" xmlns:r="http://schemas.openxmlformats.org/officeDocument/2006/relationships" xmlns:p="http://schemas.openxmlformats.org/presentationml/2006/main" showSpecialPlsOnTitleSld="0" saveSubsetFonts="1">
   <p:sldMasterIdLst>
     <p:sldMasterId id="2147483648" r:id="rId1"/>
   </p:sldMasterIdLst>
@@ -2656,7 +2656,7 @@
           <a:p>
             <a:fld id="{BE36B728-C1AC-41BD-B8EE-1499AEB738A0}" type="datetimeFigureOut">
               <a:rPr lang="en-GB" smtClean="0"/>
-              <a:t>11/06/2012</a:t>
+              <a:t>12/06/2012</a:t>
             </a:fld>
             <a:endParaRPr lang="en-GB"/>
           </a:p>
@@ -2968,33 +2968,7 @@
           <a:bodyPr/>
           <a:lstStyle/>
           <a:p>
-            <a:r>
-              <a:rPr lang="de-AT" dirty="0" smtClean="0"/>
-              <a:t>Page </a:t>
-            </a:r>
-            <a:r>
-              <a:rPr lang="de-AT" dirty="0" err="1" smtClean="0"/>
-              <a:t>numbers</a:t>
-            </a:r>
-            <a:r>
-              <a:rPr lang="de-AT" dirty="0" smtClean="0"/>
-              <a:t>…</a:t>
-            </a:r>
-          </a:p>
-          <a:p>
-            <a:r>
-              <a:rPr lang="de-AT" dirty="0" smtClean="0"/>
-              <a:t>Flipchart </a:t>
-            </a:r>
-            <a:r>
-              <a:rPr lang="de-AT" smtClean="0"/>
-              <a:t>oder</a:t>
-            </a:r>
-            <a:r>
-              <a:rPr lang="de-AT" baseline="0" smtClean="0"/>
-              <a:t> Ähnliches</a:t>
-            </a:r>
-            <a:endParaRPr lang="en-GB" dirty="0"/>
+            <a:endParaRPr lang="de-AT" dirty="0" smtClean="0"/>
           </a:p>
         </p:txBody>
       </p:sp>
@@ -5421,8 +5395,8 @@
         </p:nvSpPr>
         <p:spPr bwMode="auto">
           <a:xfrm>
-            <a:off x="1003786" y="695134"/>
-            <a:ext cx="4848989" cy="3428152"/>
+            <a:off x="1143000" y="695325"/>
+            <a:ext cx="4570413" cy="3427413"/>
           </a:xfrm>
           <a:prstGeom prst="rect">
             <a:avLst/>
@@ -5951,8 +5925,8 @@
         </p:nvSpPr>
         <p:spPr bwMode="auto">
           <a:xfrm>
-            <a:off x="1003786" y="695134"/>
-            <a:ext cx="4848989" cy="3428152"/>
+            <a:off x="1143000" y="695325"/>
+            <a:ext cx="4570413" cy="3427413"/>
           </a:xfrm>
           <a:prstGeom prst="rect">
             <a:avLst/>
@@ -20352,9 +20326,9 @@
           <a:bodyPr/>
           <a:lstStyle/>
           <a:p>
-            <a:fld id="{1BA50D42-C9CD-4801-B293-61D1F53EC57E}" type="datetimeFigureOut">
+            <a:fld id="{DDD0AA32-0160-44A5-8FE7-45C9A4979251}" type="datetime1">
               <a:rPr lang="de-DE" smtClean="0"/>
-              <a:t>11.06.2012</a:t>
+              <a:t>12.06.2012</a:t>
             </a:fld>
             <a:endParaRPr lang="de-DE"/>
           </a:p>
@@ -20375,6 +20349,10 @@
           <a:bodyPr/>
           <a:lstStyle/>
           <a:p>
+            <a:r>
+              <a:rPr lang="de-DE" smtClean="0"/>
+              <a:t>Roomanizer Presentation Team E</a:t>
+            </a:r>
             <a:endParaRPr lang="de-DE"/>
           </a:p>
         </p:txBody>
@@ -20517,9 +20495,9 @@
           <a:bodyPr/>
           <a:lstStyle/>
           <a:p>
-            <a:fld id="{1BA50D42-C9CD-4801-B293-61D1F53EC57E}" type="datetimeFigureOut">
+            <a:fld id="{98116C09-A995-4E7E-B6C8-1BB05DBB9C52}" type="datetime1">
               <a:rPr lang="de-DE" smtClean="0"/>
-              <a:t>11.06.2012</a:t>
+              <a:t>12.06.2012</a:t>
             </a:fld>
             <a:endParaRPr lang="de-DE"/>
           </a:p>
@@ -20540,6 +20518,10 @@
           <a:bodyPr/>
           <a:lstStyle/>
           <a:p>
+            <a:r>
+              <a:rPr lang="de-DE" smtClean="0"/>
+              <a:t>Roomanizer Presentation Team E</a:t>
+            </a:r>
             <a:endParaRPr lang="de-DE"/>
           </a:p>
         </p:txBody>
@@ -20692,9 +20674,9 @@
           <a:bodyPr/>
           <a:lstStyle/>
           <a:p>
-            <a:fld id="{1BA50D42-C9CD-4801-B293-61D1F53EC57E}" type="datetimeFigureOut">
+            <a:fld id="{B87B94FE-C12F-4BA3-B79D-65589E544812}" type="datetime1">
               <a:rPr lang="de-DE" smtClean="0"/>
-              <a:t>11.06.2012</a:t>
+              <a:t>12.06.2012</a:t>
             </a:fld>
             <a:endParaRPr lang="de-DE"/>
           </a:p>
@@ -20715,6 +20697,10 @@
           <a:bodyPr/>
           <a:lstStyle/>
           <a:p>
+            <a:r>
+              <a:rPr lang="de-DE" smtClean="0"/>
+              <a:t>Roomanizer Presentation Team E</a:t>
+            </a:r>
             <a:endParaRPr lang="de-DE"/>
           </a:p>
         </p:txBody>
@@ -20819,6 +20805,10 @@
             </a:lvl1pPr>
           </a:lstStyle>
           <a:p>
+            <a:fld id="{D3CDE9A3-06E5-4344-9A39-8F3723C128C1}" type="datetime1">
+              <a:rPr lang="de-DE" smtClean="0"/>
+              <a:t>12.06.2012</a:t>
+            </a:fld>
             <a:endParaRPr lang="de-DE"/>
           </a:p>
         </p:txBody>
@@ -20847,6 +20837,10 @@
             </a:lvl1pPr>
           </a:lstStyle>
           <a:p>
+            <a:r>
+              <a:rPr lang="de-DE" smtClean="0"/>
+              <a:t>Roomanizer Presentation Team E</a:t>
+            </a:r>
             <a:endParaRPr lang="de-DE"/>
           </a:p>
         </p:txBody>
@@ -20966,10 +20960,11 @@
             <a:pPr>
               <a:defRPr/>
             </a:pPr>
-            <a:r>
-              <a:rPr lang="de-AT"/>
-              <a:t>10.06.2012</a:t>
-            </a:r>
+            <a:fld id="{9B0F25FC-86AA-401B-98F3-08040016A668}" type="datetime1">
+              <a:rPr lang="de-DE" smtClean="0"/>
+              <a:t>12.06.2012</a:t>
+            </a:fld>
+            <a:endParaRPr lang="de-AT"/>
           </a:p>
         </p:txBody>
       </p:sp>
@@ -21128,9 +21123,9 @@
           <a:bodyPr/>
           <a:lstStyle/>
           <a:p>
-            <a:fld id="{1BA50D42-C9CD-4801-B293-61D1F53EC57E}" type="datetimeFigureOut">
+            <a:fld id="{95AFB6B0-E810-4A12-AA92-DA6A89C77C77}" type="datetime1">
               <a:rPr lang="de-DE" smtClean="0"/>
-              <a:t>11.06.2012</a:t>
+              <a:t>12.06.2012</a:t>
             </a:fld>
             <a:endParaRPr lang="de-DE"/>
           </a:p>
@@ -21151,6 +21146,10 @@
           <a:bodyPr/>
           <a:lstStyle/>
           <a:p>
+            <a:r>
+              <a:rPr lang="de-DE" smtClean="0"/>
+              <a:t>Roomanizer Presentation Team E</a:t>
+            </a:r>
             <a:endParaRPr lang="de-DE"/>
           </a:p>
         </p:txBody>
@@ -21369,9 +21368,9 @@
           <a:bodyPr/>
           <a:lstStyle/>
           <a:p>
-            <a:fld id="{1BA50D42-C9CD-4801-B293-61D1F53EC57E}" type="datetimeFigureOut">
+            <a:fld id="{655E73A6-CF0F-44CE-BE9F-7C1399A79223}" type="datetime1">
               <a:rPr lang="de-DE" smtClean="0"/>
-              <a:t>11.06.2012</a:t>
+              <a:t>12.06.2012</a:t>
             </a:fld>
             <a:endParaRPr lang="de-DE"/>
           </a:p>
@@ -21392,6 +21391,10 @@
           <a:bodyPr/>
           <a:lstStyle/>
           <a:p>
+            <a:r>
+              <a:rPr lang="de-DE" smtClean="0"/>
+              <a:t>Roomanizer Presentation Team E</a:t>
+            </a:r>
             <a:endParaRPr lang="de-DE"/>
           </a:p>
         </p:txBody>
@@ -21652,9 +21655,9 @@
           <a:bodyPr/>
           <a:lstStyle/>
           <a:p>
-            <a:fld id="{1BA50D42-C9CD-4801-B293-61D1F53EC57E}" type="datetimeFigureOut">
+            <a:fld id="{3A875C4F-DAB4-40B1-8EB3-93FD8A0B3115}" type="datetime1">
               <a:rPr lang="de-DE" smtClean="0"/>
-              <a:t>11.06.2012</a:t>
+              <a:t>12.06.2012</a:t>
             </a:fld>
             <a:endParaRPr lang="de-DE"/>
           </a:p>
@@ -21675,6 +21678,10 @@
           <a:bodyPr/>
           <a:lstStyle/>
           <a:p>
+            <a:r>
+              <a:rPr lang="de-DE" smtClean="0"/>
+              <a:t>Roomanizer Presentation Team E</a:t>
+            </a:r>
             <a:endParaRPr lang="de-DE"/>
           </a:p>
         </p:txBody>
@@ -22069,9 +22076,9 @@
           <a:bodyPr/>
           <a:lstStyle/>
           <a:p>
-            <a:fld id="{1BA50D42-C9CD-4801-B293-61D1F53EC57E}" type="datetimeFigureOut">
+            <a:fld id="{F2EB9589-474F-4EC1-A5AB-3D3EB4D7B952}" type="datetime1">
               <a:rPr lang="de-DE" smtClean="0"/>
-              <a:t>11.06.2012</a:t>
+              <a:t>12.06.2012</a:t>
             </a:fld>
             <a:endParaRPr lang="de-DE"/>
           </a:p>
@@ -22092,6 +22099,10 @@
           <a:bodyPr/>
           <a:lstStyle/>
           <a:p>
+            <a:r>
+              <a:rPr lang="de-DE" smtClean="0"/>
+              <a:t>Roomanizer Presentation Team E</a:t>
+            </a:r>
             <a:endParaRPr lang="de-DE"/>
           </a:p>
         </p:txBody>
@@ -22182,9 +22193,9 @@
           <a:bodyPr/>
           <a:lstStyle/>
           <a:p>
-            <a:fld id="{1BA50D42-C9CD-4801-B293-61D1F53EC57E}" type="datetimeFigureOut">
+            <a:fld id="{5CD7508B-5B98-4877-A71E-A8CDA8F513D3}" type="datetime1">
               <a:rPr lang="de-DE" smtClean="0"/>
-              <a:t>11.06.2012</a:t>
+              <a:t>12.06.2012</a:t>
             </a:fld>
             <a:endParaRPr lang="de-DE"/>
           </a:p>
@@ -22205,6 +22216,10 @@
           <a:bodyPr/>
           <a:lstStyle/>
           <a:p>
+            <a:r>
+              <a:rPr lang="de-DE" smtClean="0"/>
+              <a:t>Roomanizer Presentation Team E</a:t>
+            </a:r>
             <a:endParaRPr lang="de-DE"/>
           </a:p>
         </p:txBody>
@@ -22272,9 +22287,9 @@
           <a:bodyPr/>
           <a:lstStyle/>
           <a:p>
-            <a:fld id="{1BA50D42-C9CD-4801-B293-61D1F53EC57E}" type="datetimeFigureOut">
+            <a:fld id="{70CB7FED-E8E8-4243-BD9D-754C1A2B1362}" type="datetime1">
               <a:rPr lang="de-DE" smtClean="0"/>
-              <a:t>11.06.2012</a:t>
+              <a:t>12.06.2012</a:t>
             </a:fld>
             <a:endParaRPr lang="de-DE"/>
           </a:p>
@@ -22295,6 +22310,10 @@
           <a:bodyPr/>
           <a:lstStyle/>
           <a:p>
+            <a:r>
+              <a:rPr lang="de-DE" smtClean="0"/>
+              <a:t>Roomanizer Presentation Team E</a:t>
+            </a:r>
             <a:endParaRPr lang="de-DE"/>
           </a:p>
         </p:txBody>
@@ -22544,9 +22563,9 @@
           <a:bodyPr/>
           <a:lstStyle/>
           <a:p>
-            <a:fld id="{1BA50D42-C9CD-4801-B293-61D1F53EC57E}" type="datetimeFigureOut">
+            <a:fld id="{020FBE84-397B-4223-A33A-2C159E59AFC2}" type="datetime1">
               <a:rPr lang="de-DE" smtClean="0"/>
-              <a:t>11.06.2012</a:t>
+              <a:t>12.06.2012</a:t>
             </a:fld>
             <a:endParaRPr lang="de-DE"/>
           </a:p>
@@ -22567,6 +22586,10 @@
           <a:bodyPr/>
           <a:lstStyle/>
           <a:p>
+            <a:r>
+              <a:rPr lang="de-DE" smtClean="0"/>
+              <a:t>Roomanizer Presentation Team E</a:t>
+            </a:r>
             <a:endParaRPr lang="de-DE"/>
           </a:p>
         </p:txBody>
@@ -22792,9 +22815,9 @@
           <a:bodyPr/>
           <a:lstStyle/>
           <a:p>
-            <a:fld id="{1BA50D42-C9CD-4801-B293-61D1F53EC57E}" type="datetimeFigureOut">
+            <a:fld id="{C75C895D-AF82-45A0-B09C-481D1E132560}" type="datetime1">
               <a:rPr lang="de-DE" smtClean="0"/>
-              <a:t>11.06.2012</a:t>
+              <a:t>12.06.2012</a:t>
             </a:fld>
             <a:endParaRPr lang="de-DE"/>
           </a:p>
@@ -22815,6 +22838,10 @@
           <a:bodyPr/>
           <a:lstStyle/>
           <a:p>
+            <a:r>
+              <a:rPr lang="de-DE" smtClean="0"/>
+              <a:t>Roomanizer Presentation Team E</a:t>
+            </a:r>
             <a:endParaRPr lang="de-DE"/>
           </a:p>
         </p:txBody>
@@ -23000,9 +23027,9 @@
             </a:lvl1pPr>
           </a:lstStyle>
           <a:p>
-            <a:fld id="{1BA50D42-C9CD-4801-B293-61D1F53EC57E}" type="datetimeFigureOut">
+            <a:fld id="{79F30C26-BCEE-4B2F-9971-B7D3B590B5F4}" type="datetime1">
               <a:rPr lang="de-DE" smtClean="0"/>
-              <a:t>11.06.2012</a:t>
+              <a:t>12.06.2012</a:t>
             </a:fld>
             <a:endParaRPr lang="de-DE"/>
           </a:p>
@@ -23041,6 +23068,10 @@
             </a:lvl1pPr>
           </a:lstStyle>
           <a:p>
+            <a:r>
+              <a:rPr lang="de-DE" smtClean="0"/>
+              <a:t>Roomanizer Presentation Team E</a:t>
+            </a:r>
             <a:endParaRPr lang="de-DE"/>
           </a:p>
         </p:txBody>
@@ -23104,6 +23135,7 @@
     <p:sldLayoutId id="2147483660" r:id="rId12"/>
     <p:sldLayoutId id="2147483661" r:id="rId13"/>
   </p:sldLayoutIdLst>
+  <p:hf hdr="0"/>
   <p:txStyles>
     <p:titleStyle>
       <a:lvl1pPr algn="ctr" defTabSz="914400" rtl="0" eaLnBrk="1" latinLnBrk="0" hangingPunct="1">
@@ -23513,11 +23545,57 @@
             <a:pPr>
               <a:defRPr/>
             </a:pPr>
-            <a:r>
-              <a:rPr lang="de-AT" smtClean="0"/>
-              <a:t>10.06.2012</a:t>
-            </a:r>
+            <a:fld id="{C5AC66B5-B60D-4CF5-92AB-CE600715BCB4}" type="datetime1">
+              <a:rPr lang="de-DE" smtClean="0"/>
+              <a:t>12.06.2012</a:t>
+            </a:fld>
             <a:endParaRPr lang="de-AT"/>
+          </a:p>
+        </p:txBody>
+      </p:sp>
+      <p:sp>
+        <p:nvSpPr>
+          <p:cNvPr id="2" name="Fußzeilenplatzhalter 1"/>
+          <p:cNvSpPr>
+            <a:spLocks noGrp="1"/>
+          </p:cNvSpPr>
+          <p:nvPr>
+            <p:ph type="ftr" sz="quarter" idx="11"/>
+          </p:nvPr>
+        </p:nvSpPr>
+        <p:spPr/>
+        <p:txBody>
+          <a:bodyPr/>
+          <a:lstStyle/>
+          <a:p>
+            <a:r>
+              <a:rPr lang="de-DE" smtClean="0"/>
+              <a:t>Roomanizer Presentation Team E</a:t>
+            </a:r>
+            <a:endParaRPr lang="de-DE"/>
+          </a:p>
+        </p:txBody>
+      </p:sp>
+      <p:sp>
+        <p:nvSpPr>
+          <p:cNvPr id="3" name="Foliennummernplatzhalter 2"/>
+          <p:cNvSpPr>
+            <a:spLocks noGrp="1"/>
+          </p:cNvSpPr>
+          <p:nvPr>
+            <p:ph type="sldNum" sz="quarter" idx="12"/>
+          </p:nvPr>
+        </p:nvSpPr>
+        <p:spPr/>
+        <p:txBody>
+          <a:bodyPr/>
+          <a:lstStyle/>
+          <a:p>
+            <a:fld id="{6C6AE60A-B69C-4790-82F7-3882EDF23186}" type="slidenum">
+              <a:rPr lang="de-DE" smtClean="0"/>
+              <a:t>10</a:t>
+            </a:fld>
+            <a:endParaRPr lang="de-DE"/>
           </a:p>
         </p:txBody>
       </p:sp>
@@ -23627,10 +23705,11 @@
             <a:pPr>
               <a:defRPr/>
             </a:pPr>
-            <a:r>
-              <a:rPr lang="de-AT"/>
-              <a:t>10.06.2012</a:t>
-            </a:r>
+            <a:fld id="{FAC3D005-EA50-4DFB-98B3-F60A2CBC2319}" type="datetime1">
+              <a:rPr lang="de-DE" smtClean="0"/>
+              <a:t>12.06.2012</a:t>
+            </a:fld>
+            <a:endParaRPr lang="de-AT"/>
           </a:p>
         </p:txBody>
       </p:sp>
@@ -23980,6 +24059,52 @@
           </a:p>
         </p:txBody>
       </p:sp>
+      <p:sp>
+        <p:nvSpPr>
+          <p:cNvPr id="2" name="Fußzeilenplatzhalter 1"/>
+          <p:cNvSpPr>
+            <a:spLocks noGrp="1"/>
+          </p:cNvSpPr>
+          <p:nvPr>
+            <p:ph type="ftr" sz="quarter" idx="11"/>
+          </p:nvPr>
+        </p:nvSpPr>
+        <p:spPr/>
+        <p:txBody>
+          <a:bodyPr/>
+          <a:lstStyle/>
+          <a:p>
+            <a:r>
+              <a:rPr lang="de-DE" smtClean="0"/>
+              <a:t>Roomanizer Presentation Team E</a:t>
+            </a:r>
+            <a:endParaRPr lang="de-DE"/>
+          </a:p>
+        </p:txBody>
+      </p:sp>
+      <p:sp>
+        <p:nvSpPr>
+          <p:cNvPr id="5" name="Foliennummernplatzhalter 4"/>
+          <p:cNvSpPr>
+            <a:spLocks noGrp="1"/>
+          </p:cNvSpPr>
+          <p:nvPr>
+            <p:ph type="sldNum" sz="quarter" idx="12"/>
+          </p:nvPr>
+        </p:nvSpPr>
+        <p:spPr/>
+        <p:txBody>
+          <a:bodyPr/>
+          <a:lstStyle/>
+          <a:p>
+            <a:fld id="{6C6AE60A-B69C-4790-82F7-3882EDF23186}" type="slidenum">
+              <a:rPr lang="de-DE" smtClean="0"/>
+              <a:t>11</a:t>
+            </a:fld>
+            <a:endParaRPr lang="de-DE"/>
+          </a:p>
+        </p:txBody>
+      </p:sp>
     </p:spTree>
     <p:extLst>
       <p:ext uri="{BB962C8B-B14F-4D97-AF65-F5344CB8AC3E}">
@@ -24110,6 +24235,75 @@
           <a:lstStyle/>
           <a:p>
             <a:endParaRPr lang="de-AT"/>
+          </a:p>
+        </p:txBody>
+      </p:sp>
+      <p:sp>
+        <p:nvSpPr>
+          <p:cNvPr id="2" name="Datumsplatzhalter 1"/>
+          <p:cNvSpPr>
+            <a:spLocks noGrp="1"/>
+          </p:cNvSpPr>
+          <p:nvPr>
+            <p:ph type="dt" sz="half" idx="10"/>
+          </p:nvPr>
+        </p:nvSpPr>
+        <p:spPr/>
+        <p:txBody>
+          <a:bodyPr/>
+          <a:lstStyle/>
+          <a:p>
+            <a:fld id="{ADC568EE-A27A-4870-ABE6-82CED8DD3893}" type="datetime1">
+              <a:rPr lang="de-DE" smtClean="0"/>
+              <a:t>12.06.2012</a:t>
+            </a:fld>
+            <a:endParaRPr lang="de-DE"/>
+          </a:p>
+        </p:txBody>
+      </p:sp>
+      <p:sp>
+        <p:nvSpPr>
+          <p:cNvPr id="3" name="Fußzeilenplatzhalter 2"/>
+          <p:cNvSpPr>
+            <a:spLocks noGrp="1"/>
+          </p:cNvSpPr>
+          <p:nvPr>
+            <p:ph type="ftr" sz="quarter" idx="11"/>
+          </p:nvPr>
+        </p:nvSpPr>
+        <p:spPr/>
+        <p:txBody>
+          <a:bodyPr/>
+          <a:lstStyle/>
+          <a:p>
+            <a:r>
+              <a:rPr lang="de-DE" smtClean="0"/>
+              <a:t>Roomanizer Presentation Team E</a:t>
+            </a:r>
+            <a:endParaRPr lang="de-DE"/>
+          </a:p>
+        </p:txBody>
+      </p:sp>
+      <p:sp>
+        <p:nvSpPr>
+          <p:cNvPr id="4" name="Foliennummernplatzhalter 3"/>
+          <p:cNvSpPr>
+            <a:spLocks noGrp="1"/>
+          </p:cNvSpPr>
+          <p:nvPr>
+            <p:ph type="sldNum" sz="quarter" idx="12"/>
+          </p:nvPr>
+        </p:nvSpPr>
+        <p:spPr/>
+        <p:txBody>
+          <a:bodyPr/>
+          <a:lstStyle/>
+          <a:p>
+            <a:fld id="{6C6AE60A-B69C-4790-82F7-3882EDF23186}" type="slidenum">
+              <a:rPr lang="de-DE" smtClean="0"/>
+              <a:t>12</a:t>
+            </a:fld>
+            <a:endParaRPr lang="de-DE"/>
           </a:p>
         </p:txBody>
       </p:sp>
@@ -24224,6 +24418,75 @@
           </a:p>
         </p:txBody>
       </p:sp>
+      <p:sp>
+        <p:nvSpPr>
+          <p:cNvPr id="4" name="Datumsplatzhalter 3"/>
+          <p:cNvSpPr>
+            <a:spLocks noGrp="1"/>
+          </p:cNvSpPr>
+          <p:nvPr>
+            <p:ph type="dt" sz="half" idx="10"/>
+          </p:nvPr>
+        </p:nvSpPr>
+        <p:spPr/>
+        <p:txBody>
+          <a:bodyPr/>
+          <a:lstStyle/>
+          <a:p>
+            <a:fld id="{A90FF4AD-C5DD-4C78-94A5-28A73066ED6D}" type="datetime1">
+              <a:rPr lang="de-DE" smtClean="0"/>
+              <a:t>12.06.2012</a:t>
+            </a:fld>
+            <a:endParaRPr lang="de-DE"/>
+          </a:p>
+        </p:txBody>
+      </p:sp>
+      <p:sp>
+        <p:nvSpPr>
+          <p:cNvPr id="5" name="Fußzeilenplatzhalter 4"/>
+          <p:cNvSpPr>
+            <a:spLocks noGrp="1"/>
+          </p:cNvSpPr>
+          <p:nvPr>
+            <p:ph type="ftr" sz="quarter" idx="11"/>
+          </p:nvPr>
+        </p:nvSpPr>
+        <p:spPr/>
+        <p:txBody>
+          <a:bodyPr/>
+          <a:lstStyle/>
+          <a:p>
+            <a:r>
+              <a:rPr lang="de-DE" smtClean="0"/>
+              <a:t>Roomanizer Presentation Team E</a:t>
+            </a:r>
+            <a:endParaRPr lang="de-DE"/>
+          </a:p>
+        </p:txBody>
+      </p:sp>
+      <p:sp>
+        <p:nvSpPr>
+          <p:cNvPr id="6" name="Foliennummernplatzhalter 5"/>
+          <p:cNvSpPr>
+            <a:spLocks noGrp="1"/>
+          </p:cNvSpPr>
+          <p:nvPr>
+            <p:ph type="sldNum" sz="quarter" idx="12"/>
+          </p:nvPr>
+        </p:nvSpPr>
+        <p:spPr/>
+        <p:txBody>
+          <a:bodyPr/>
+          <a:lstStyle/>
+          <a:p>
+            <a:fld id="{6C6AE60A-B69C-4790-82F7-3882EDF23186}" type="slidenum">
+              <a:rPr lang="de-DE" smtClean="0"/>
+              <a:t>13</a:t>
+            </a:fld>
+            <a:endParaRPr lang="de-DE"/>
+          </a:p>
+        </p:txBody>
+      </p:sp>
     </p:spTree>
     <p:extLst>
       <p:ext uri="{BB962C8B-B14F-4D97-AF65-F5344CB8AC3E}">
@@ -24457,6 +24720,75 @@
               <a:rPr lang="de-AT" sz="3200" dirty="0"/>
               <a:t> &amp;Ajax (web-reservation)</a:t>
             </a:r>
+          </a:p>
+        </p:txBody>
+      </p:sp>
+      <p:sp>
+        <p:nvSpPr>
+          <p:cNvPr id="2" name="Datumsplatzhalter 1"/>
+          <p:cNvSpPr>
+            <a:spLocks noGrp="1"/>
+          </p:cNvSpPr>
+          <p:nvPr>
+            <p:ph type="dt" sz="half" idx="10"/>
+          </p:nvPr>
+        </p:nvSpPr>
+        <p:spPr/>
+        <p:txBody>
+          <a:bodyPr/>
+          <a:lstStyle/>
+          <a:p>
+            <a:fld id="{2D8FD03C-C73A-440E-AF02-6123FFDAD148}" type="datetime1">
+              <a:rPr lang="de-DE" smtClean="0"/>
+              <a:t>12.06.2012</a:t>
+            </a:fld>
+            <a:endParaRPr lang="de-DE"/>
+          </a:p>
+        </p:txBody>
+      </p:sp>
+      <p:sp>
+        <p:nvSpPr>
+          <p:cNvPr id="3" name="Fußzeilenplatzhalter 2"/>
+          <p:cNvSpPr>
+            <a:spLocks noGrp="1"/>
+          </p:cNvSpPr>
+          <p:nvPr>
+            <p:ph type="ftr" sz="quarter" idx="11"/>
+          </p:nvPr>
+        </p:nvSpPr>
+        <p:spPr/>
+        <p:txBody>
+          <a:bodyPr/>
+          <a:lstStyle/>
+          <a:p>
+            <a:r>
+              <a:rPr lang="de-DE" smtClean="0"/>
+              <a:t>Roomanizer Presentation Team E</a:t>
+            </a:r>
+            <a:endParaRPr lang="de-DE"/>
+          </a:p>
+        </p:txBody>
+      </p:sp>
+      <p:sp>
+        <p:nvSpPr>
+          <p:cNvPr id="4" name="Foliennummernplatzhalter 3"/>
+          <p:cNvSpPr>
+            <a:spLocks noGrp="1"/>
+          </p:cNvSpPr>
+          <p:nvPr>
+            <p:ph type="sldNum" sz="quarter" idx="12"/>
+          </p:nvPr>
+        </p:nvSpPr>
+        <p:spPr/>
+        <p:txBody>
+          <a:bodyPr/>
+          <a:lstStyle/>
+          <a:p>
+            <a:fld id="{6C6AE60A-B69C-4790-82F7-3882EDF23186}" type="slidenum">
+              <a:rPr lang="de-DE" smtClean="0"/>
+              <a:t>14</a:t>
+            </a:fld>
+            <a:endParaRPr lang="de-DE"/>
           </a:p>
         </p:txBody>
       </p:sp>
@@ -25114,6 +25446,75 @@
           </a:extLst>
         </p:spPr>
       </p:pic>
+      <p:sp>
+        <p:nvSpPr>
+          <p:cNvPr id="2" name="Datumsplatzhalter 1"/>
+          <p:cNvSpPr>
+            <a:spLocks noGrp="1"/>
+          </p:cNvSpPr>
+          <p:nvPr>
+            <p:ph type="dt" sz="half" idx="10"/>
+          </p:nvPr>
+        </p:nvSpPr>
+        <p:spPr/>
+        <p:txBody>
+          <a:bodyPr/>
+          <a:lstStyle/>
+          <a:p>
+            <a:fld id="{533DEEBD-8567-4C86-A715-2F986F358394}" type="datetime1">
+              <a:rPr lang="de-DE" smtClean="0"/>
+              <a:t>12.06.2012</a:t>
+            </a:fld>
+            <a:endParaRPr lang="de-DE"/>
+          </a:p>
+        </p:txBody>
+      </p:sp>
+      <p:sp>
+        <p:nvSpPr>
+          <p:cNvPr id="3" name="Fußzeilenplatzhalter 2"/>
+          <p:cNvSpPr>
+            <a:spLocks noGrp="1"/>
+          </p:cNvSpPr>
+          <p:nvPr>
+            <p:ph type="ftr" sz="quarter" idx="11"/>
+          </p:nvPr>
+        </p:nvSpPr>
+        <p:spPr/>
+        <p:txBody>
+          <a:bodyPr/>
+          <a:lstStyle/>
+          <a:p>
+            <a:r>
+              <a:rPr lang="de-DE" smtClean="0"/>
+              <a:t>Roomanizer Presentation Team E</a:t>
+            </a:r>
+            <a:endParaRPr lang="de-DE"/>
+          </a:p>
+        </p:txBody>
+      </p:sp>
+      <p:sp>
+        <p:nvSpPr>
+          <p:cNvPr id="4" name="Foliennummernplatzhalter 3"/>
+          <p:cNvSpPr>
+            <a:spLocks noGrp="1"/>
+          </p:cNvSpPr>
+          <p:nvPr>
+            <p:ph type="sldNum" sz="quarter" idx="12"/>
+          </p:nvPr>
+        </p:nvSpPr>
+        <p:spPr/>
+        <p:txBody>
+          <a:bodyPr/>
+          <a:lstStyle/>
+          <a:p>
+            <a:fld id="{6C6AE60A-B69C-4790-82F7-3882EDF23186}" type="slidenum">
+              <a:rPr lang="de-DE" smtClean="0"/>
+              <a:t>15</a:t>
+            </a:fld>
+            <a:endParaRPr lang="de-DE"/>
+          </a:p>
+        </p:txBody>
+      </p:sp>
     </p:spTree>
     <p:extLst>
       <p:ext uri="{BB962C8B-B14F-4D97-AF65-F5344CB8AC3E}">
@@ -25246,10 +25647,10 @@
             <a:pPr>
               <a:defRPr/>
             </a:pPr>
-            <a:r>
-              <a:rPr lang="de-AT" smtClean="0"/>
-              <a:t>10.06.2012</a:t>
-            </a:r>
+            <a:fld id="{9CFD2361-5C6C-4E8D-A081-D92F5B71B1B9}" type="datetime1">
+              <a:rPr lang="de-DE" smtClean="0"/>
+              <a:t>12.06.2012</a:t>
+            </a:fld>
             <a:endParaRPr lang="de-AT"/>
           </a:p>
         </p:txBody>
@@ -25296,6 +25697,52 @@
               <a:t>Process</a:t>
             </a:r>
             <a:endParaRPr lang="de-DE" sz="4400" dirty="0" smtClean="0"/>
+          </a:p>
+        </p:txBody>
+      </p:sp>
+      <p:sp>
+        <p:nvSpPr>
+          <p:cNvPr id="2" name="Fußzeilenplatzhalter 1"/>
+          <p:cNvSpPr>
+            <a:spLocks noGrp="1"/>
+          </p:cNvSpPr>
+          <p:nvPr>
+            <p:ph type="ftr" sz="quarter" idx="11"/>
+          </p:nvPr>
+        </p:nvSpPr>
+        <p:spPr/>
+        <p:txBody>
+          <a:bodyPr/>
+          <a:lstStyle/>
+          <a:p>
+            <a:r>
+              <a:rPr lang="de-DE" smtClean="0"/>
+              <a:t>Roomanizer Presentation Team E</a:t>
+            </a:r>
+            <a:endParaRPr lang="de-DE"/>
+          </a:p>
+        </p:txBody>
+      </p:sp>
+      <p:sp>
+        <p:nvSpPr>
+          <p:cNvPr id="3" name="Foliennummernplatzhalter 2"/>
+          <p:cNvSpPr>
+            <a:spLocks noGrp="1"/>
+          </p:cNvSpPr>
+          <p:nvPr>
+            <p:ph type="sldNum" sz="quarter" idx="12"/>
+          </p:nvPr>
+        </p:nvSpPr>
+        <p:spPr/>
+        <p:txBody>
+          <a:bodyPr/>
+          <a:lstStyle/>
+          <a:p>
+            <a:fld id="{6C6AE60A-B69C-4790-82F7-3882EDF23186}" type="slidenum">
+              <a:rPr lang="de-DE" smtClean="0"/>
+              <a:t>16</a:t>
+            </a:fld>
+            <a:endParaRPr lang="de-DE"/>
           </a:p>
         </p:txBody>
       </p:sp>
@@ -25539,6 +25986,76 @@
               <a:rPr lang="de-DE"/>
               <a:t> Single layers can easily be exchanged/extended</a:t>
             </a:r>
+          </a:p>
+        </p:txBody>
+      </p:sp>
+      <p:sp>
+        <p:nvSpPr>
+          <p:cNvPr id="2" name="Datumsplatzhalter 1"/>
+          <p:cNvSpPr>
+            <a:spLocks noGrp="1"/>
+          </p:cNvSpPr>
+          <p:nvPr>
+            <p:ph type="dt" idx="10"/>
+          </p:nvPr>
+        </p:nvSpPr>
+        <p:spPr/>
+        <p:txBody>
+          <a:bodyPr/>
+          <a:lstStyle/>
+          <a:p>
+            <a:fld id="{2F3520D8-4B67-423E-9FFB-1542047B7366}" type="datetime1">
+              <a:rPr lang="de-DE" smtClean="0"/>
+              <a:t>12.06.2012</a:t>
+            </a:fld>
+            <a:endParaRPr lang="de-DE"/>
+          </a:p>
+        </p:txBody>
+      </p:sp>
+      <p:sp>
+        <p:nvSpPr>
+          <p:cNvPr id="3" name="Fußzeilenplatzhalter 2"/>
+          <p:cNvSpPr>
+            <a:spLocks noGrp="1"/>
+          </p:cNvSpPr>
+          <p:nvPr>
+            <p:ph type="ftr" idx="11"/>
+          </p:nvPr>
+        </p:nvSpPr>
+        <p:spPr/>
+        <p:txBody>
+          <a:bodyPr/>
+          <a:lstStyle/>
+          <a:p>
+            <a:r>
+              <a:rPr lang="de-DE" smtClean="0"/>
+              <a:t>Roomanizer Presentation Team E</a:t>
+            </a:r>
+            <a:endParaRPr lang="de-DE"/>
+          </a:p>
+        </p:txBody>
+      </p:sp>
+      <p:sp>
+        <p:nvSpPr>
+          <p:cNvPr id="4" name="Foliennummernplatzhalter 3"/>
+          <p:cNvSpPr>
+            <a:spLocks noGrp="1"/>
+          </p:cNvSpPr>
+          <p:nvPr>
+            <p:ph type="sldNum" idx="12"/>
+          </p:nvPr>
+        </p:nvSpPr>
+        <p:spPr/>
+        <p:txBody>
+          <a:bodyPr/>
+          <a:lstStyle/>
+          <a:p>
+            <a:fld id="{AAEB435E-0D0C-43CA-8E2E-CBED54098038}" type="slidenum">
+              <a:rPr lang="de-DE" smtClean="0"/>
+              <a:pPr/>
+              <a:t>17</a:t>
+            </a:fld>
+            <a:endParaRPr lang="de-DE"/>
           </a:p>
         </p:txBody>
       </p:sp>
@@ -25711,6 +26228,75 @@
           </a:extLst>
         </p:spPr>
       </p:pic>
+      <p:sp>
+        <p:nvSpPr>
+          <p:cNvPr id="2" name="Datumsplatzhalter 1"/>
+          <p:cNvSpPr>
+            <a:spLocks noGrp="1"/>
+          </p:cNvSpPr>
+          <p:nvPr>
+            <p:ph type="dt" sz="half" idx="10"/>
+          </p:nvPr>
+        </p:nvSpPr>
+        <p:spPr/>
+        <p:txBody>
+          <a:bodyPr/>
+          <a:lstStyle/>
+          <a:p>
+            <a:fld id="{4603DE6C-2766-453F-9D69-BEFC378EA777}" type="datetime1">
+              <a:rPr lang="de-DE" smtClean="0"/>
+              <a:t>12.06.2012</a:t>
+            </a:fld>
+            <a:endParaRPr lang="de-DE"/>
+          </a:p>
+        </p:txBody>
+      </p:sp>
+      <p:sp>
+        <p:nvSpPr>
+          <p:cNvPr id="3" name="Fußzeilenplatzhalter 2"/>
+          <p:cNvSpPr>
+            <a:spLocks noGrp="1"/>
+          </p:cNvSpPr>
+          <p:nvPr>
+            <p:ph type="ftr" sz="quarter" idx="11"/>
+          </p:nvPr>
+        </p:nvSpPr>
+        <p:spPr/>
+        <p:txBody>
+          <a:bodyPr/>
+          <a:lstStyle/>
+          <a:p>
+            <a:r>
+              <a:rPr lang="de-DE" smtClean="0"/>
+              <a:t>Roomanizer Presentation Team E</a:t>
+            </a:r>
+            <a:endParaRPr lang="de-DE"/>
+          </a:p>
+        </p:txBody>
+      </p:sp>
+      <p:sp>
+        <p:nvSpPr>
+          <p:cNvPr id="4" name="Foliennummernplatzhalter 3"/>
+          <p:cNvSpPr>
+            <a:spLocks noGrp="1"/>
+          </p:cNvSpPr>
+          <p:nvPr>
+            <p:ph type="sldNum" sz="quarter" idx="12"/>
+          </p:nvPr>
+        </p:nvSpPr>
+        <p:spPr/>
+        <p:txBody>
+          <a:bodyPr/>
+          <a:lstStyle/>
+          <a:p>
+            <a:fld id="{6C6AE60A-B69C-4790-82F7-3882EDF23186}" type="slidenum">
+              <a:rPr lang="de-DE" smtClean="0"/>
+              <a:t>18</a:t>
+            </a:fld>
+            <a:endParaRPr lang="de-DE"/>
+          </a:p>
+        </p:txBody>
+      </p:sp>
     </p:spTree>
     <p:extLst>
       <p:ext uri="{BB962C8B-B14F-4D97-AF65-F5344CB8AC3E}">
@@ -26128,6 +26714,75 @@
           </a:p>
         </p:txBody>
       </p:sp>
+      <p:sp>
+        <p:nvSpPr>
+          <p:cNvPr id="2" name="Datumsplatzhalter 1"/>
+          <p:cNvSpPr>
+            <a:spLocks noGrp="1"/>
+          </p:cNvSpPr>
+          <p:nvPr>
+            <p:ph type="dt" sz="half" idx="10"/>
+          </p:nvPr>
+        </p:nvSpPr>
+        <p:spPr/>
+        <p:txBody>
+          <a:bodyPr/>
+          <a:lstStyle/>
+          <a:p>
+            <a:fld id="{BC1E64A1-177A-41DB-86F4-D2E5228BC97E}" type="datetime1">
+              <a:rPr lang="de-DE" smtClean="0"/>
+              <a:t>12.06.2012</a:t>
+            </a:fld>
+            <a:endParaRPr lang="de-DE"/>
+          </a:p>
+        </p:txBody>
+      </p:sp>
+      <p:sp>
+        <p:nvSpPr>
+          <p:cNvPr id="3" name="Fußzeilenplatzhalter 2"/>
+          <p:cNvSpPr>
+            <a:spLocks noGrp="1"/>
+          </p:cNvSpPr>
+          <p:nvPr>
+            <p:ph type="ftr" sz="quarter" idx="11"/>
+          </p:nvPr>
+        </p:nvSpPr>
+        <p:spPr/>
+        <p:txBody>
+          <a:bodyPr/>
+          <a:lstStyle/>
+          <a:p>
+            <a:r>
+              <a:rPr lang="de-DE" smtClean="0"/>
+              <a:t>Roomanizer Presentation Team E</a:t>
+            </a:r>
+            <a:endParaRPr lang="de-DE"/>
+          </a:p>
+        </p:txBody>
+      </p:sp>
+      <p:sp>
+        <p:nvSpPr>
+          <p:cNvPr id="4" name="Foliennummernplatzhalter 3"/>
+          <p:cNvSpPr>
+            <a:spLocks noGrp="1"/>
+          </p:cNvSpPr>
+          <p:nvPr>
+            <p:ph type="sldNum" sz="quarter" idx="12"/>
+          </p:nvPr>
+        </p:nvSpPr>
+        <p:spPr/>
+        <p:txBody>
+          <a:bodyPr/>
+          <a:lstStyle/>
+          <a:p>
+            <a:fld id="{6C6AE60A-B69C-4790-82F7-3882EDF23186}" type="slidenum">
+              <a:rPr lang="de-DE" smtClean="0"/>
+              <a:t>19</a:t>
+            </a:fld>
+            <a:endParaRPr lang="de-DE"/>
+          </a:p>
+        </p:txBody>
+      </p:sp>
     </p:spTree>
     <p:extLst>
       <p:ext uri="{BB962C8B-B14F-4D97-AF65-F5344CB8AC3E}">
@@ -26345,11 +27000,6 @@
               </a:rPr>
               <a:t> Summary</a:t>
             </a:r>
-            <a:endParaRPr lang="de-AT" dirty="0" smtClean="0">
-              <a:solidFill>
-                <a:srgbClr val="FFC000"/>
-              </a:solidFill>
-            </a:endParaRPr>
           </a:p>
           <a:p>
             <a:r>
@@ -26501,11 +27151,6 @@
               </a:rPr>
               <a:t>Summary</a:t>
             </a:r>
-            <a:endParaRPr lang="de-AT" dirty="0" smtClean="0">
-              <a:solidFill>
-                <a:srgbClr val="002060"/>
-              </a:solidFill>
-            </a:endParaRPr>
           </a:p>
           <a:p>
             <a:r>
@@ -26528,6 +27173,75 @@
           </a:p>
           <a:p>
             <a:endParaRPr lang="en-GB" dirty="0"/>
+          </a:p>
+        </p:txBody>
+      </p:sp>
+      <p:sp>
+        <p:nvSpPr>
+          <p:cNvPr id="4" name="Datumsplatzhalter 3"/>
+          <p:cNvSpPr>
+            <a:spLocks noGrp="1"/>
+          </p:cNvSpPr>
+          <p:nvPr>
+            <p:ph type="dt" sz="half" idx="10"/>
+          </p:nvPr>
+        </p:nvSpPr>
+        <p:spPr/>
+        <p:txBody>
+          <a:bodyPr/>
+          <a:lstStyle/>
+          <a:p>
+            <a:fld id="{04D7C808-4BFD-4F58-ACB5-51FA1E05AE3D}" type="datetime1">
+              <a:rPr lang="de-DE" smtClean="0"/>
+              <a:t>12.06.2012</a:t>
+            </a:fld>
+            <a:endParaRPr lang="de-DE"/>
+          </a:p>
+        </p:txBody>
+      </p:sp>
+      <p:sp>
+        <p:nvSpPr>
+          <p:cNvPr id="5" name="Fußzeilenplatzhalter 4"/>
+          <p:cNvSpPr>
+            <a:spLocks noGrp="1"/>
+          </p:cNvSpPr>
+          <p:nvPr>
+            <p:ph type="ftr" sz="quarter" idx="11"/>
+          </p:nvPr>
+        </p:nvSpPr>
+        <p:spPr/>
+        <p:txBody>
+          <a:bodyPr/>
+          <a:lstStyle/>
+          <a:p>
+            <a:r>
+              <a:rPr lang="de-DE" smtClean="0"/>
+              <a:t>Roomanizer Presentation Team E</a:t>
+            </a:r>
+            <a:endParaRPr lang="de-DE"/>
+          </a:p>
+        </p:txBody>
+      </p:sp>
+      <p:sp>
+        <p:nvSpPr>
+          <p:cNvPr id="6" name="Foliennummernplatzhalter 5"/>
+          <p:cNvSpPr>
+            <a:spLocks noGrp="1"/>
+          </p:cNvSpPr>
+          <p:nvPr>
+            <p:ph type="sldNum" sz="quarter" idx="12"/>
+          </p:nvPr>
+        </p:nvSpPr>
+        <p:spPr/>
+        <p:txBody>
+          <a:bodyPr/>
+          <a:lstStyle/>
+          <a:p>
+            <a:fld id="{6C6AE60A-B69C-4790-82F7-3882EDF23186}" type="slidenum">
+              <a:rPr lang="de-DE" smtClean="0"/>
+              <a:t>2</a:t>
+            </a:fld>
+            <a:endParaRPr lang="de-DE"/>
           </a:p>
         </p:txBody>
       </p:sp>
@@ -26805,6 +27519,75 @@
           </a:p>
         </p:txBody>
       </p:sp>
+      <p:sp>
+        <p:nvSpPr>
+          <p:cNvPr id="4" name="Datumsplatzhalter 3"/>
+          <p:cNvSpPr>
+            <a:spLocks noGrp="1"/>
+          </p:cNvSpPr>
+          <p:nvPr>
+            <p:ph type="dt" sz="half" idx="10"/>
+          </p:nvPr>
+        </p:nvSpPr>
+        <p:spPr/>
+        <p:txBody>
+          <a:bodyPr/>
+          <a:lstStyle/>
+          <a:p>
+            <a:fld id="{1ED9C51D-1E2C-4A35-A2FD-447C3E0C3A18}" type="datetime1">
+              <a:rPr lang="de-DE" smtClean="0"/>
+              <a:t>12.06.2012</a:t>
+            </a:fld>
+            <a:endParaRPr lang="de-DE"/>
+          </a:p>
+        </p:txBody>
+      </p:sp>
+      <p:sp>
+        <p:nvSpPr>
+          <p:cNvPr id="5" name="Fußzeilenplatzhalter 4"/>
+          <p:cNvSpPr>
+            <a:spLocks noGrp="1"/>
+          </p:cNvSpPr>
+          <p:nvPr>
+            <p:ph type="ftr" sz="quarter" idx="11"/>
+          </p:nvPr>
+        </p:nvSpPr>
+        <p:spPr/>
+        <p:txBody>
+          <a:bodyPr/>
+          <a:lstStyle/>
+          <a:p>
+            <a:r>
+              <a:rPr lang="de-DE" smtClean="0"/>
+              <a:t>Roomanizer Presentation Team E</a:t>
+            </a:r>
+            <a:endParaRPr lang="de-DE"/>
+          </a:p>
+        </p:txBody>
+      </p:sp>
+      <p:sp>
+        <p:nvSpPr>
+          <p:cNvPr id="6" name="Foliennummernplatzhalter 5"/>
+          <p:cNvSpPr>
+            <a:spLocks noGrp="1"/>
+          </p:cNvSpPr>
+          <p:nvPr>
+            <p:ph type="sldNum" sz="quarter" idx="12"/>
+          </p:nvPr>
+        </p:nvSpPr>
+        <p:spPr/>
+        <p:txBody>
+          <a:bodyPr/>
+          <a:lstStyle/>
+          <a:p>
+            <a:fld id="{6C6AE60A-B69C-4790-82F7-3882EDF23186}" type="slidenum">
+              <a:rPr lang="de-DE" smtClean="0"/>
+              <a:t>20</a:t>
+            </a:fld>
+            <a:endParaRPr lang="de-DE"/>
+          </a:p>
+        </p:txBody>
+      </p:sp>
     </p:spTree>
     <p:extLst>
       <p:ext uri="{BB962C8B-B14F-4D97-AF65-F5344CB8AC3E}">
@@ -27050,6 +27833,75 @@
           </a:p>
         </p:txBody>
       </p:sp>
+      <p:sp>
+        <p:nvSpPr>
+          <p:cNvPr id="4" name="Datumsplatzhalter 3"/>
+          <p:cNvSpPr>
+            <a:spLocks noGrp="1"/>
+          </p:cNvSpPr>
+          <p:nvPr>
+            <p:ph type="dt" sz="half" idx="10"/>
+          </p:nvPr>
+        </p:nvSpPr>
+        <p:spPr/>
+        <p:txBody>
+          <a:bodyPr/>
+          <a:lstStyle/>
+          <a:p>
+            <a:fld id="{3EBC9EAD-DFF5-4FF1-8302-EE5137954968}" type="datetime1">
+              <a:rPr lang="de-DE" smtClean="0"/>
+              <a:t>12.06.2012</a:t>
+            </a:fld>
+            <a:endParaRPr lang="de-DE"/>
+          </a:p>
+        </p:txBody>
+      </p:sp>
+      <p:sp>
+        <p:nvSpPr>
+          <p:cNvPr id="5" name="Fußzeilenplatzhalter 4"/>
+          <p:cNvSpPr>
+            <a:spLocks noGrp="1"/>
+          </p:cNvSpPr>
+          <p:nvPr>
+            <p:ph type="ftr" sz="quarter" idx="11"/>
+          </p:nvPr>
+        </p:nvSpPr>
+        <p:spPr/>
+        <p:txBody>
+          <a:bodyPr/>
+          <a:lstStyle/>
+          <a:p>
+            <a:r>
+              <a:rPr lang="de-DE" smtClean="0"/>
+              <a:t>Roomanizer Presentation Team E</a:t>
+            </a:r>
+            <a:endParaRPr lang="de-DE"/>
+          </a:p>
+        </p:txBody>
+      </p:sp>
+      <p:sp>
+        <p:nvSpPr>
+          <p:cNvPr id="6" name="Foliennummernplatzhalter 5"/>
+          <p:cNvSpPr>
+            <a:spLocks noGrp="1"/>
+          </p:cNvSpPr>
+          <p:nvPr>
+            <p:ph type="sldNum" sz="quarter" idx="12"/>
+          </p:nvPr>
+        </p:nvSpPr>
+        <p:spPr/>
+        <p:txBody>
+          <a:bodyPr/>
+          <a:lstStyle/>
+          <a:p>
+            <a:fld id="{6C6AE60A-B69C-4790-82F7-3882EDF23186}" type="slidenum">
+              <a:rPr lang="de-DE" smtClean="0"/>
+              <a:t>21</a:t>
+            </a:fld>
+            <a:endParaRPr lang="de-DE"/>
+          </a:p>
+        </p:txBody>
+      </p:sp>
     </p:spTree>
     <p:extLst>
       <p:ext uri="{BB962C8B-B14F-4D97-AF65-F5344CB8AC3E}">
@@ -27296,6 +28148,75 @@
           </a:p>
         </p:txBody>
       </p:sp>
+      <p:sp>
+        <p:nvSpPr>
+          <p:cNvPr id="4" name="Datumsplatzhalter 3"/>
+          <p:cNvSpPr>
+            <a:spLocks noGrp="1"/>
+          </p:cNvSpPr>
+          <p:nvPr>
+            <p:ph type="dt" sz="half" idx="10"/>
+          </p:nvPr>
+        </p:nvSpPr>
+        <p:spPr/>
+        <p:txBody>
+          <a:bodyPr/>
+          <a:lstStyle/>
+          <a:p>
+            <a:fld id="{1C5D519C-9C68-4ECE-BCCF-07FC49A7D4F4}" type="datetime1">
+              <a:rPr lang="de-DE" smtClean="0"/>
+              <a:t>12.06.2012</a:t>
+            </a:fld>
+            <a:endParaRPr lang="de-DE"/>
+          </a:p>
+        </p:txBody>
+      </p:sp>
+      <p:sp>
+        <p:nvSpPr>
+          <p:cNvPr id="5" name="Fußzeilenplatzhalter 4"/>
+          <p:cNvSpPr>
+            <a:spLocks noGrp="1"/>
+          </p:cNvSpPr>
+          <p:nvPr>
+            <p:ph type="ftr" sz="quarter" idx="11"/>
+          </p:nvPr>
+        </p:nvSpPr>
+        <p:spPr/>
+        <p:txBody>
+          <a:bodyPr/>
+          <a:lstStyle/>
+          <a:p>
+            <a:r>
+              <a:rPr lang="de-DE" smtClean="0"/>
+              <a:t>Roomanizer Presentation Team E</a:t>
+            </a:r>
+            <a:endParaRPr lang="de-DE"/>
+          </a:p>
+        </p:txBody>
+      </p:sp>
+      <p:sp>
+        <p:nvSpPr>
+          <p:cNvPr id="6" name="Foliennummernplatzhalter 5"/>
+          <p:cNvSpPr>
+            <a:spLocks noGrp="1"/>
+          </p:cNvSpPr>
+          <p:nvPr>
+            <p:ph type="sldNum" sz="quarter" idx="12"/>
+          </p:nvPr>
+        </p:nvSpPr>
+        <p:spPr/>
+        <p:txBody>
+          <a:bodyPr/>
+          <a:lstStyle/>
+          <a:p>
+            <a:fld id="{6C6AE60A-B69C-4790-82F7-3882EDF23186}" type="slidenum">
+              <a:rPr lang="de-DE" smtClean="0"/>
+              <a:t>22</a:t>
+            </a:fld>
+            <a:endParaRPr lang="de-DE"/>
+          </a:p>
+        </p:txBody>
+      </p:sp>
     </p:spTree>
     <p:extLst>
       <p:ext uri="{BB962C8B-B14F-4D97-AF65-F5344CB8AC3E}">
@@ -27462,6 +28383,75 @@
           </a:p>
         </p:txBody>
       </p:sp>
+      <p:sp>
+        <p:nvSpPr>
+          <p:cNvPr id="4" name="Datumsplatzhalter 3"/>
+          <p:cNvSpPr>
+            <a:spLocks noGrp="1"/>
+          </p:cNvSpPr>
+          <p:nvPr>
+            <p:ph type="dt" sz="half" idx="10"/>
+          </p:nvPr>
+        </p:nvSpPr>
+        <p:spPr/>
+        <p:txBody>
+          <a:bodyPr/>
+          <a:lstStyle/>
+          <a:p>
+            <a:fld id="{E6C03166-3DDA-4ED7-B373-C80115541DAF}" type="datetime1">
+              <a:rPr lang="de-DE" smtClean="0"/>
+              <a:t>12.06.2012</a:t>
+            </a:fld>
+            <a:endParaRPr lang="de-DE"/>
+          </a:p>
+        </p:txBody>
+      </p:sp>
+      <p:sp>
+        <p:nvSpPr>
+          <p:cNvPr id="5" name="Fußzeilenplatzhalter 4"/>
+          <p:cNvSpPr>
+            <a:spLocks noGrp="1"/>
+          </p:cNvSpPr>
+          <p:nvPr>
+            <p:ph type="ftr" sz="quarter" idx="11"/>
+          </p:nvPr>
+        </p:nvSpPr>
+        <p:spPr/>
+        <p:txBody>
+          <a:bodyPr/>
+          <a:lstStyle/>
+          <a:p>
+            <a:r>
+              <a:rPr lang="de-DE" smtClean="0"/>
+              <a:t>Roomanizer Presentation Team E</a:t>
+            </a:r>
+            <a:endParaRPr lang="de-DE"/>
+          </a:p>
+        </p:txBody>
+      </p:sp>
+      <p:sp>
+        <p:nvSpPr>
+          <p:cNvPr id="6" name="Foliennummernplatzhalter 5"/>
+          <p:cNvSpPr>
+            <a:spLocks noGrp="1"/>
+          </p:cNvSpPr>
+          <p:nvPr>
+            <p:ph type="sldNum" sz="quarter" idx="12"/>
+          </p:nvPr>
+        </p:nvSpPr>
+        <p:spPr/>
+        <p:txBody>
+          <a:bodyPr/>
+          <a:lstStyle/>
+          <a:p>
+            <a:fld id="{6C6AE60A-B69C-4790-82F7-3882EDF23186}" type="slidenum">
+              <a:rPr lang="de-DE" smtClean="0"/>
+              <a:t>23</a:t>
+            </a:fld>
+            <a:endParaRPr lang="de-DE"/>
+          </a:p>
+        </p:txBody>
+      </p:sp>
     </p:spTree>
     <p:extLst>
       <p:ext uri="{BB962C8B-B14F-4D97-AF65-F5344CB8AC3E}">
@@ -27652,6 +28642,75 @@
           </a:prstGeom>
         </p:spPr>
       </p:pic>
+      <p:sp>
+        <p:nvSpPr>
+          <p:cNvPr id="5" name="Datumsplatzhalter 4"/>
+          <p:cNvSpPr>
+            <a:spLocks noGrp="1"/>
+          </p:cNvSpPr>
+          <p:nvPr>
+            <p:ph type="dt" sz="half" idx="10"/>
+          </p:nvPr>
+        </p:nvSpPr>
+        <p:spPr/>
+        <p:txBody>
+          <a:bodyPr/>
+          <a:lstStyle/>
+          <a:p>
+            <a:fld id="{8E41F980-1769-4E24-AFDE-FE4A290B54EE}" type="datetime1">
+              <a:rPr lang="de-DE" smtClean="0"/>
+              <a:t>12.06.2012</a:t>
+            </a:fld>
+            <a:endParaRPr lang="de-DE"/>
+          </a:p>
+        </p:txBody>
+      </p:sp>
+      <p:sp>
+        <p:nvSpPr>
+          <p:cNvPr id="6" name="Fußzeilenplatzhalter 5"/>
+          <p:cNvSpPr>
+            <a:spLocks noGrp="1"/>
+          </p:cNvSpPr>
+          <p:nvPr>
+            <p:ph type="ftr" sz="quarter" idx="11"/>
+          </p:nvPr>
+        </p:nvSpPr>
+        <p:spPr/>
+        <p:txBody>
+          <a:bodyPr/>
+          <a:lstStyle/>
+          <a:p>
+            <a:r>
+              <a:rPr lang="de-DE" smtClean="0"/>
+              <a:t>Roomanizer Presentation Team E</a:t>
+            </a:r>
+            <a:endParaRPr lang="de-DE"/>
+          </a:p>
+        </p:txBody>
+      </p:sp>
+      <p:sp>
+        <p:nvSpPr>
+          <p:cNvPr id="7" name="Foliennummernplatzhalter 6"/>
+          <p:cNvSpPr>
+            <a:spLocks noGrp="1"/>
+          </p:cNvSpPr>
+          <p:nvPr>
+            <p:ph type="sldNum" sz="quarter" idx="12"/>
+          </p:nvPr>
+        </p:nvSpPr>
+        <p:spPr/>
+        <p:txBody>
+          <a:bodyPr/>
+          <a:lstStyle/>
+          <a:p>
+            <a:fld id="{6C6AE60A-B69C-4790-82F7-3882EDF23186}" type="slidenum">
+              <a:rPr lang="de-DE" smtClean="0"/>
+              <a:t>24</a:t>
+            </a:fld>
+            <a:endParaRPr lang="de-DE"/>
+          </a:p>
+        </p:txBody>
+      </p:sp>
     </p:spTree>
     <p:extLst>
       <p:ext uri="{BB962C8B-B14F-4D97-AF65-F5344CB8AC3E}">
@@ -27771,6 +28830,75 @@
               <a:rPr lang="en-GB" dirty="0" smtClean="0"/>
               <a:t>Define which joined tables should be mapped</a:t>
             </a:r>
+          </a:p>
+        </p:txBody>
+      </p:sp>
+      <p:sp>
+        <p:nvSpPr>
+          <p:cNvPr id="4" name="Datumsplatzhalter 3"/>
+          <p:cNvSpPr>
+            <a:spLocks noGrp="1"/>
+          </p:cNvSpPr>
+          <p:nvPr>
+            <p:ph type="dt" sz="half" idx="10"/>
+          </p:nvPr>
+        </p:nvSpPr>
+        <p:spPr/>
+        <p:txBody>
+          <a:bodyPr/>
+          <a:lstStyle/>
+          <a:p>
+            <a:fld id="{E52BEC8C-D36B-4652-82DC-FA63DD2AAC47}" type="datetime1">
+              <a:rPr lang="de-DE" smtClean="0"/>
+              <a:t>12.06.2012</a:t>
+            </a:fld>
+            <a:endParaRPr lang="de-DE"/>
+          </a:p>
+        </p:txBody>
+      </p:sp>
+      <p:sp>
+        <p:nvSpPr>
+          <p:cNvPr id="5" name="Fußzeilenplatzhalter 4"/>
+          <p:cNvSpPr>
+            <a:spLocks noGrp="1"/>
+          </p:cNvSpPr>
+          <p:nvPr>
+            <p:ph type="ftr" sz="quarter" idx="11"/>
+          </p:nvPr>
+        </p:nvSpPr>
+        <p:spPr/>
+        <p:txBody>
+          <a:bodyPr/>
+          <a:lstStyle/>
+          <a:p>
+            <a:r>
+              <a:rPr lang="de-DE" smtClean="0"/>
+              <a:t>Roomanizer Presentation Team E</a:t>
+            </a:r>
+            <a:endParaRPr lang="de-DE"/>
+          </a:p>
+        </p:txBody>
+      </p:sp>
+      <p:sp>
+        <p:nvSpPr>
+          <p:cNvPr id="6" name="Foliennummernplatzhalter 5"/>
+          <p:cNvSpPr>
+            <a:spLocks noGrp="1"/>
+          </p:cNvSpPr>
+          <p:nvPr>
+            <p:ph type="sldNum" sz="quarter" idx="12"/>
+          </p:nvPr>
+        </p:nvSpPr>
+        <p:spPr/>
+        <p:txBody>
+          <a:bodyPr/>
+          <a:lstStyle/>
+          <a:p>
+            <a:fld id="{6C6AE60A-B69C-4790-82F7-3882EDF23186}" type="slidenum">
+              <a:rPr lang="de-DE" smtClean="0"/>
+              <a:t>25</a:t>
+            </a:fld>
+            <a:endParaRPr lang="de-DE"/>
           </a:p>
         </p:txBody>
       </p:sp>
@@ -28012,6 +29140,75 @@
           </a:extLst>
         </p:spPr>
       </p:pic>
+      <p:sp>
+        <p:nvSpPr>
+          <p:cNvPr id="4" name="Datumsplatzhalter 3"/>
+          <p:cNvSpPr>
+            <a:spLocks noGrp="1"/>
+          </p:cNvSpPr>
+          <p:nvPr>
+            <p:ph type="dt" sz="half" idx="10"/>
+          </p:nvPr>
+        </p:nvSpPr>
+        <p:spPr/>
+        <p:txBody>
+          <a:bodyPr/>
+          <a:lstStyle/>
+          <a:p>
+            <a:fld id="{614FFE3B-4363-4771-826E-FE2419BE35EB}" type="datetime1">
+              <a:rPr lang="de-DE" smtClean="0"/>
+              <a:t>12.06.2012</a:t>
+            </a:fld>
+            <a:endParaRPr lang="de-DE"/>
+          </a:p>
+        </p:txBody>
+      </p:sp>
+      <p:sp>
+        <p:nvSpPr>
+          <p:cNvPr id="5" name="Fußzeilenplatzhalter 4"/>
+          <p:cNvSpPr>
+            <a:spLocks noGrp="1"/>
+          </p:cNvSpPr>
+          <p:nvPr>
+            <p:ph type="ftr" sz="quarter" idx="11"/>
+          </p:nvPr>
+        </p:nvSpPr>
+        <p:spPr/>
+        <p:txBody>
+          <a:bodyPr/>
+          <a:lstStyle/>
+          <a:p>
+            <a:r>
+              <a:rPr lang="de-DE" smtClean="0"/>
+              <a:t>Roomanizer Presentation Team E</a:t>
+            </a:r>
+            <a:endParaRPr lang="de-DE"/>
+          </a:p>
+        </p:txBody>
+      </p:sp>
+      <p:sp>
+        <p:nvSpPr>
+          <p:cNvPr id="6" name="Foliennummernplatzhalter 5"/>
+          <p:cNvSpPr>
+            <a:spLocks noGrp="1"/>
+          </p:cNvSpPr>
+          <p:nvPr>
+            <p:ph type="sldNum" sz="quarter" idx="12"/>
+          </p:nvPr>
+        </p:nvSpPr>
+        <p:spPr/>
+        <p:txBody>
+          <a:bodyPr/>
+          <a:lstStyle/>
+          <a:p>
+            <a:fld id="{6C6AE60A-B69C-4790-82F7-3882EDF23186}" type="slidenum">
+              <a:rPr lang="de-DE" smtClean="0"/>
+              <a:t>26</a:t>
+            </a:fld>
+            <a:endParaRPr lang="de-DE"/>
+          </a:p>
+        </p:txBody>
+      </p:sp>
     </p:spTree>
     <p:extLst>
       <p:ext uri="{BB962C8B-B14F-4D97-AF65-F5344CB8AC3E}">
@@ -28185,6 +29382,75 @@
           </a:extLst>
         </p:spPr>
       </p:pic>
+      <p:sp>
+        <p:nvSpPr>
+          <p:cNvPr id="4" name="Datumsplatzhalter 3"/>
+          <p:cNvSpPr>
+            <a:spLocks noGrp="1"/>
+          </p:cNvSpPr>
+          <p:nvPr>
+            <p:ph type="dt" sz="half" idx="10"/>
+          </p:nvPr>
+        </p:nvSpPr>
+        <p:spPr/>
+        <p:txBody>
+          <a:bodyPr/>
+          <a:lstStyle/>
+          <a:p>
+            <a:fld id="{81926CCE-4BDC-41AB-A273-F8ADC452F4E5}" type="datetime1">
+              <a:rPr lang="de-DE" smtClean="0"/>
+              <a:t>12.06.2012</a:t>
+            </a:fld>
+            <a:endParaRPr lang="de-DE"/>
+          </a:p>
+        </p:txBody>
+      </p:sp>
+      <p:sp>
+        <p:nvSpPr>
+          <p:cNvPr id="5" name="Fußzeilenplatzhalter 4"/>
+          <p:cNvSpPr>
+            <a:spLocks noGrp="1"/>
+          </p:cNvSpPr>
+          <p:nvPr>
+            <p:ph type="ftr" sz="quarter" idx="11"/>
+          </p:nvPr>
+        </p:nvSpPr>
+        <p:spPr/>
+        <p:txBody>
+          <a:bodyPr/>
+          <a:lstStyle/>
+          <a:p>
+            <a:r>
+              <a:rPr lang="de-DE" smtClean="0"/>
+              <a:t>Roomanizer Presentation Team E</a:t>
+            </a:r>
+            <a:endParaRPr lang="de-DE"/>
+          </a:p>
+        </p:txBody>
+      </p:sp>
+      <p:sp>
+        <p:nvSpPr>
+          <p:cNvPr id="6" name="Foliennummernplatzhalter 5"/>
+          <p:cNvSpPr>
+            <a:spLocks noGrp="1"/>
+          </p:cNvSpPr>
+          <p:nvPr>
+            <p:ph type="sldNum" sz="quarter" idx="12"/>
+          </p:nvPr>
+        </p:nvSpPr>
+        <p:spPr/>
+        <p:txBody>
+          <a:bodyPr/>
+          <a:lstStyle/>
+          <a:p>
+            <a:fld id="{6C6AE60A-B69C-4790-82F7-3882EDF23186}" type="slidenum">
+              <a:rPr lang="de-DE" smtClean="0"/>
+              <a:t>27</a:t>
+            </a:fld>
+            <a:endParaRPr lang="de-DE"/>
+          </a:p>
+        </p:txBody>
+      </p:sp>
     </p:spTree>
     <p:extLst>
       <p:ext uri="{BB962C8B-B14F-4D97-AF65-F5344CB8AC3E}">
@@ -28638,6 +29904,75 @@
           </a:p>
         </p:txBody>
       </p:sp>
+      <p:sp>
+        <p:nvSpPr>
+          <p:cNvPr id="4" name="Datumsplatzhalter 3"/>
+          <p:cNvSpPr>
+            <a:spLocks noGrp="1"/>
+          </p:cNvSpPr>
+          <p:nvPr>
+            <p:ph type="dt" sz="half" idx="10"/>
+          </p:nvPr>
+        </p:nvSpPr>
+        <p:spPr/>
+        <p:txBody>
+          <a:bodyPr/>
+          <a:lstStyle/>
+          <a:p>
+            <a:fld id="{F86C81AB-5621-4D7F-9D27-D9223E193F8C}" type="datetime1">
+              <a:rPr lang="de-DE" smtClean="0"/>
+              <a:t>12.06.2012</a:t>
+            </a:fld>
+            <a:endParaRPr lang="de-DE"/>
+          </a:p>
+        </p:txBody>
+      </p:sp>
+      <p:sp>
+        <p:nvSpPr>
+          <p:cNvPr id="5" name="Fußzeilenplatzhalter 4"/>
+          <p:cNvSpPr>
+            <a:spLocks noGrp="1"/>
+          </p:cNvSpPr>
+          <p:nvPr>
+            <p:ph type="ftr" sz="quarter" idx="11"/>
+          </p:nvPr>
+        </p:nvSpPr>
+        <p:spPr/>
+        <p:txBody>
+          <a:bodyPr/>
+          <a:lstStyle/>
+          <a:p>
+            <a:r>
+              <a:rPr lang="de-DE" smtClean="0"/>
+              <a:t>Roomanizer Presentation Team E</a:t>
+            </a:r>
+            <a:endParaRPr lang="de-DE"/>
+          </a:p>
+        </p:txBody>
+      </p:sp>
+      <p:sp>
+        <p:nvSpPr>
+          <p:cNvPr id="6" name="Foliennummernplatzhalter 5"/>
+          <p:cNvSpPr>
+            <a:spLocks noGrp="1"/>
+          </p:cNvSpPr>
+          <p:nvPr>
+            <p:ph type="sldNum" sz="quarter" idx="12"/>
+          </p:nvPr>
+        </p:nvSpPr>
+        <p:spPr/>
+        <p:txBody>
+          <a:bodyPr/>
+          <a:lstStyle/>
+          <a:p>
+            <a:fld id="{6C6AE60A-B69C-4790-82F7-3882EDF23186}" type="slidenum">
+              <a:rPr lang="de-DE" smtClean="0"/>
+              <a:t>29</a:t>
+            </a:fld>
+            <a:endParaRPr lang="de-DE"/>
+          </a:p>
+        </p:txBody>
+      </p:sp>
     </p:spTree>
     <p:extLst>
       <p:ext uri="{BB962C8B-B14F-4D97-AF65-F5344CB8AC3E}">
@@ -28750,6 +30085,75 @@
           </a:p>
         </p:txBody>
       </p:sp>
+      <p:sp>
+        <p:nvSpPr>
+          <p:cNvPr id="4" name="Datumsplatzhalter 3"/>
+          <p:cNvSpPr>
+            <a:spLocks noGrp="1"/>
+          </p:cNvSpPr>
+          <p:nvPr>
+            <p:ph type="dt" sz="half" idx="10"/>
+          </p:nvPr>
+        </p:nvSpPr>
+        <p:spPr/>
+        <p:txBody>
+          <a:bodyPr/>
+          <a:lstStyle/>
+          <a:p>
+            <a:fld id="{80A6D4AB-7C8B-456D-BF4A-250B45703285}" type="datetime1">
+              <a:rPr lang="de-DE" smtClean="0"/>
+              <a:t>12.06.2012</a:t>
+            </a:fld>
+            <a:endParaRPr lang="de-DE"/>
+          </a:p>
+        </p:txBody>
+      </p:sp>
+      <p:sp>
+        <p:nvSpPr>
+          <p:cNvPr id="5" name="Fußzeilenplatzhalter 4"/>
+          <p:cNvSpPr>
+            <a:spLocks noGrp="1"/>
+          </p:cNvSpPr>
+          <p:nvPr>
+            <p:ph type="ftr" sz="quarter" idx="11"/>
+          </p:nvPr>
+        </p:nvSpPr>
+        <p:spPr/>
+        <p:txBody>
+          <a:bodyPr/>
+          <a:lstStyle/>
+          <a:p>
+            <a:r>
+              <a:rPr lang="de-DE" smtClean="0"/>
+              <a:t>Roomanizer Presentation Team E</a:t>
+            </a:r>
+            <a:endParaRPr lang="de-DE"/>
+          </a:p>
+        </p:txBody>
+      </p:sp>
+      <p:sp>
+        <p:nvSpPr>
+          <p:cNvPr id="6" name="Foliennummernplatzhalter 5"/>
+          <p:cNvSpPr>
+            <a:spLocks noGrp="1"/>
+          </p:cNvSpPr>
+          <p:nvPr>
+            <p:ph type="sldNum" sz="quarter" idx="12"/>
+          </p:nvPr>
+        </p:nvSpPr>
+        <p:spPr/>
+        <p:txBody>
+          <a:bodyPr/>
+          <a:lstStyle/>
+          <a:p>
+            <a:fld id="{6C6AE60A-B69C-4790-82F7-3882EDF23186}" type="slidenum">
+              <a:rPr lang="de-DE" smtClean="0"/>
+              <a:t>3</a:t>
+            </a:fld>
+            <a:endParaRPr lang="de-DE"/>
+          </a:p>
+        </p:txBody>
+      </p:sp>
     </p:spTree>
     <p:extLst>
       <p:ext uri="{BB962C8B-B14F-4D97-AF65-F5344CB8AC3E}">
@@ -29015,6 +30419,75 @@
           </a:graphicData>
         </a:graphic>
       </p:graphicFrame>
+      <p:sp>
+        <p:nvSpPr>
+          <p:cNvPr id="4" name="Datumsplatzhalter 3"/>
+          <p:cNvSpPr>
+            <a:spLocks noGrp="1"/>
+          </p:cNvSpPr>
+          <p:nvPr>
+            <p:ph type="dt" sz="half" idx="10"/>
+          </p:nvPr>
+        </p:nvSpPr>
+        <p:spPr/>
+        <p:txBody>
+          <a:bodyPr/>
+          <a:lstStyle/>
+          <a:p>
+            <a:fld id="{E72BF9D2-0539-4254-B1F4-DBC9B3341B4F}" type="datetime1">
+              <a:rPr lang="de-DE" smtClean="0"/>
+              <a:t>12.06.2012</a:t>
+            </a:fld>
+            <a:endParaRPr lang="de-DE"/>
+          </a:p>
+        </p:txBody>
+      </p:sp>
+      <p:sp>
+        <p:nvSpPr>
+          <p:cNvPr id="6" name="Fußzeilenplatzhalter 5"/>
+          <p:cNvSpPr>
+            <a:spLocks noGrp="1"/>
+          </p:cNvSpPr>
+          <p:nvPr>
+            <p:ph type="ftr" sz="quarter" idx="11"/>
+          </p:nvPr>
+        </p:nvSpPr>
+        <p:spPr/>
+        <p:txBody>
+          <a:bodyPr/>
+          <a:lstStyle/>
+          <a:p>
+            <a:r>
+              <a:rPr lang="de-DE" smtClean="0"/>
+              <a:t>Roomanizer Presentation Team E</a:t>
+            </a:r>
+            <a:endParaRPr lang="de-DE"/>
+          </a:p>
+        </p:txBody>
+      </p:sp>
+      <p:sp>
+        <p:nvSpPr>
+          <p:cNvPr id="7" name="Foliennummernplatzhalter 6"/>
+          <p:cNvSpPr>
+            <a:spLocks noGrp="1"/>
+          </p:cNvSpPr>
+          <p:nvPr>
+            <p:ph type="sldNum" sz="quarter" idx="12"/>
+          </p:nvPr>
+        </p:nvSpPr>
+        <p:spPr/>
+        <p:txBody>
+          <a:bodyPr/>
+          <a:lstStyle/>
+          <a:p>
+            <a:fld id="{6C6AE60A-B69C-4790-82F7-3882EDF23186}" type="slidenum">
+              <a:rPr lang="de-DE" smtClean="0"/>
+              <a:t>30</a:t>
+            </a:fld>
+            <a:endParaRPr lang="de-DE"/>
+          </a:p>
+        </p:txBody>
+      </p:sp>
     </p:spTree>
     <p:extLst>
       <p:ext uri="{BB962C8B-B14F-4D97-AF65-F5344CB8AC3E}">
@@ -29268,6 +30741,75 @@
           </a:p>
         </p:txBody>
       </p:sp>
+      <p:sp>
+        <p:nvSpPr>
+          <p:cNvPr id="4" name="Datumsplatzhalter 3"/>
+          <p:cNvSpPr>
+            <a:spLocks noGrp="1"/>
+          </p:cNvSpPr>
+          <p:nvPr>
+            <p:ph type="dt" sz="half" idx="10"/>
+          </p:nvPr>
+        </p:nvSpPr>
+        <p:spPr/>
+        <p:txBody>
+          <a:bodyPr/>
+          <a:lstStyle/>
+          <a:p>
+            <a:fld id="{CC20832E-E277-41BF-B479-28E628B958E3}" type="datetime1">
+              <a:rPr lang="de-DE" smtClean="0"/>
+              <a:t>12.06.2012</a:t>
+            </a:fld>
+            <a:endParaRPr lang="de-DE"/>
+          </a:p>
+        </p:txBody>
+      </p:sp>
+      <p:sp>
+        <p:nvSpPr>
+          <p:cNvPr id="5" name="Fußzeilenplatzhalter 4"/>
+          <p:cNvSpPr>
+            <a:spLocks noGrp="1"/>
+          </p:cNvSpPr>
+          <p:nvPr>
+            <p:ph type="ftr" sz="quarter" idx="11"/>
+          </p:nvPr>
+        </p:nvSpPr>
+        <p:spPr/>
+        <p:txBody>
+          <a:bodyPr/>
+          <a:lstStyle/>
+          <a:p>
+            <a:r>
+              <a:rPr lang="de-DE" smtClean="0"/>
+              <a:t>Roomanizer Presentation Team E</a:t>
+            </a:r>
+            <a:endParaRPr lang="de-DE"/>
+          </a:p>
+        </p:txBody>
+      </p:sp>
+      <p:sp>
+        <p:nvSpPr>
+          <p:cNvPr id="6" name="Foliennummernplatzhalter 5"/>
+          <p:cNvSpPr>
+            <a:spLocks noGrp="1"/>
+          </p:cNvSpPr>
+          <p:nvPr>
+            <p:ph type="sldNum" sz="quarter" idx="12"/>
+          </p:nvPr>
+        </p:nvSpPr>
+        <p:spPr/>
+        <p:txBody>
+          <a:bodyPr/>
+          <a:lstStyle/>
+          <a:p>
+            <a:fld id="{6C6AE60A-B69C-4790-82F7-3882EDF23186}" type="slidenum">
+              <a:rPr lang="de-DE" smtClean="0"/>
+              <a:t>31</a:t>
+            </a:fld>
+            <a:endParaRPr lang="de-DE"/>
+          </a:p>
+        </p:txBody>
+      </p:sp>
     </p:spTree>
     <p:extLst>
       <p:ext uri="{BB962C8B-B14F-4D97-AF65-F5344CB8AC3E}">
@@ -29874,6 +31416,75 @@
             <a:endParaRPr lang="de-AT" sz="1600" dirty="0" smtClean="0">
               <a:sym typeface="Wingdings" pitchFamily="2" charset="2"/>
             </a:endParaRPr>
+          </a:p>
+        </p:txBody>
+      </p:sp>
+      <p:sp>
+        <p:nvSpPr>
+          <p:cNvPr id="4" name="Datumsplatzhalter 3"/>
+          <p:cNvSpPr>
+            <a:spLocks noGrp="1"/>
+          </p:cNvSpPr>
+          <p:nvPr>
+            <p:ph type="dt" sz="half" idx="10"/>
+          </p:nvPr>
+        </p:nvSpPr>
+        <p:spPr/>
+        <p:txBody>
+          <a:bodyPr/>
+          <a:lstStyle/>
+          <a:p>
+            <a:fld id="{5F6394CA-0388-42BA-B642-C61FBE1668BB}" type="datetime1">
+              <a:rPr lang="de-DE" smtClean="0"/>
+              <a:t>12.06.2012</a:t>
+            </a:fld>
+            <a:endParaRPr lang="de-DE"/>
+          </a:p>
+        </p:txBody>
+      </p:sp>
+      <p:sp>
+        <p:nvSpPr>
+          <p:cNvPr id="5" name="Fußzeilenplatzhalter 4"/>
+          <p:cNvSpPr>
+            <a:spLocks noGrp="1"/>
+          </p:cNvSpPr>
+          <p:nvPr>
+            <p:ph type="ftr" sz="quarter" idx="11"/>
+          </p:nvPr>
+        </p:nvSpPr>
+        <p:spPr/>
+        <p:txBody>
+          <a:bodyPr/>
+          <a:lstStyle/>
+          <a:p>
+            <a:r>
+              <a:rPr lang="de-DE" smtClean="0"/>
+              <a:t>Roomanizer Presentation Team E</a:t>
+            </a:r>
+            <a:endParaRPr lang="de-DE"/>
+          </a:p>
+        </p:txBody>
+      </p:sp>
+      <p:sp>
+        <p:nvSpPr>
+          <p:cNvPr id="6" name="Foliennummernplatzhalter 5"/>
+          <p:cNvSpPr>
+            <a:spLocks noGrp="1"/>
+          </p:cNvSpPr>
+          <p:nvPr>
+            <p:ph type="sldNum" sz="quarter" idx="12"/>
+          </p:nvPr>
+        </p:nvSpPr>
+        <p:spPr/>
+        <p:txBody>
+          <a:bodyPr/>
+          <a:lstStyle/>
+          <a:p>
+            <a:fld id="{6C6AE60A-B69C-4790-82F7-3882EDF23186}" type="slidenum">
+              <a:rPr lang="de-DE" smtClean="0"/>
+              <a:t>32</a:t>
+            </a:fld>
+            <a:endParaRPr lang="de-DE"/>
           </a:p>
         </p:txBody>
       </p:sp>
@@ -30113,6 +31724,75 @@
               <a:t>object</a:t>
             </a:r>
             <a:endParaRPr lang="de-AT" dirty="0" smtClean="0"/>
+          </a:p>
+        </p:txBody>
+      </p:sp>
+      <p:sp>
+        <p:nvSpPr>
+          <p:cNvPr id="4" name="Datumsplatzhalter 3"/>
+          <p:cNvSpPr>
+            <a:spLocks noGrp="1"/>
+          </p:cNvSpPr>
+          <p:nvPr>
+            <p:ph type="dt" sz="half" idx="10"/>
+          </p:nvPr>
+        </p:nvSpPr>
+        <p:spPr/>
+        <p:txBody>
+          <a:bodyPr/>
+          <a:lstStyle/>
+          <a:p>
+            <a:fld id="{55D1D1FE-DB1B-4559-9B95-B8A319F525F3}" type="datetime1">
+              <a:rPr lang="de-DE" smtClean="0"/>
+              <a:t>12.06.2012</a:t>
+            </a:fld>
+            <a:endParaRPr lang="de-DE"/>
+          </a:p>
+        </p:txBody>
+      </p:sp>
+      <p:sp>
+        <p:nvSpPr>
+          <p:cNvPr id="5" name="Fußzeilenplatzhalter 4"/>
+          <p:cNvSpPr>
+            <a:spLocks noGrp="1"/>
+          </p:cNvSpPr>
+          <p:nvPr>
+            <p:ph type="ftr" sz="quarter" idx="11"/>
+          </p:nvPr>
+        </p:nvSpPr>
+        <p:spPr/>
+        <p:txBody>
+          <a:bodyPr/>
+          <a:lstStyle/>
+          <a:p>
+            <a:r>
+              <a:rPr lang="de-DE" smtClean="0"/>
+              <a:t>Roomanizer Presentation Team E</a:t>
+            </a:r>
+            <a:endParaRPr lang="de-DE"/>
+          </a:p>
+        </p:txBody>
+      </p:sp>
+      <p:sp>
+        <p:nvSpPr>
+          <p:cNvPr id="6" name="Foliennummernplatzhalter 5"/>
+          <p:cNvSpPr>
+            <a:spLocks noGrp="1"/>
+          </p:cNvSpPr>
+          <p:nvPr>
+            <p:ph type="sldNum" sz="quarter" idx="12"/>
+          </p:nvPr>
+        </p:nvSpPr>
+        <p:spPr/>
+        <p:txBody>
+          <a:bodyPr/>
+          <a:lstStyle/>
+          <a:p>
+            <a:fld id="{6C6AE60A-B69C-4790-82F7-3882EDF23186}" type="slidenum">
+              <a:rPr lang="de-DE" smtClean="0"/>
+              <a:t>33</a:t>
+            </a:fld>
+            <a:endParaRPr lang="de-DE"/>
           </a:p>
         </p:txBody>
       </p:sp>
@@ -30868,6 +32548,75 @@
               <a:t>PaymentState</a:t>
             </a:r>
             <a:endParaRPr lang="en-GB" sz="2400" b="1" i="1" dirty="0"/>
+          </a:p>
+        </p:txBody>
+      </p:sp>
+      <p:sp>
+        <p:nvSpPr>
+          <p:cNvPr id="4" name="Datumsplatzhalter 3"/>
+          <p:cNvSpPr>
+            <a:spLocks noGrp="1"/>
+          </p:cNvSpPr>
+          <p:nvPr>
+            <p:ph type="dt" sz="half" idx="10"/>
+          </p:nvPr>
+        </p:nvSpPr>
+        <p:spPr/>
+        <p:txBody>
+          <a:bodyPr/>
+          <a:lstStyle/>
+          <a:p>
+            <a:fld id="{90665428-5038-43D1-B66A-E8A7A8B6DAC4}" type="datetime1">
+              <a:rPr lang="de-DE" smtClean="0"/>
+              <a:t>12.06.2012</a:t>
+            </a:fld>
+            <a:endParaRPr lang="de-DE"/>
+          </a:p>
+        </p:txBody>
+      </p:sp>
+      <p:sp>
+        <p:nvSpPr>
+          <p:cNvPr id="7" name="Fußzeilenplatzhalter 6"/>
+          <p:cNvSpPr>
+            <a:spLocks noGrp="1"/>
+          </p:cNvSpPr>
+          <p:nvPr>
+            <p:ph type="ftr" sz="quarter" idx="11"/>
+          </p:nvPr>
+        </p:nvSpPr>
+        <p:spPr/>
+        <p:txBody>
+          <a:bodyPr/>
+          <a:lstStyle/>
+          <a:p>
+            <a:r>
+              <a:rPr lang="de-DE" smtClean="0"/>
+              <a:t>Roomanizer Presentation Team E</a:t>
+            </a:r>
+            <a:endParaRPr lang="de-DE"/>
+          </a:p>
+        </p:txBody>
+      </p:sp>
+      <p:sp>
+        <p:nvSpPr>
+          <p:cNvPr id="8" name="Foliennummernplatzhalter 7"/>
+          <p:cNvSpPr>
+            <a:spLocks noGrp="1"/>
+          </p:cNvSpPr>
+          <p:nvPr>
+            <p:ph type="sldNum" sz="quarter" idx="12"/>
+          </p:nvPr>
+        </p:nvSpPr>
+        <p:spPr/>
+        <p:txBody>
+          <a:bodyPr/>
+          <a:lstStyle/>
+          <a:p>
+            <a:fld id="{6C6AE60A-B69C-4790-82F7-3882EDF23186}" type="slidenum">
+              <a:rPr lang="de-DE" smtClean="0"/>
+              <a:t>34</a:t>
+            </a:fld>
+            <a:endParaRPr lang="de-DE"/>
           </a:p>
         </p:txBody>
       </p:sp>
@@ -31677,6 +33426,75 @@
           </a:p>
         </p:txBody>
       </p:sp>
+      <p:sp>
+        <p:nvSpPr>
+          <p:cNvPr id="4" name="Datumsplatzhalter 3"/>
+          <p:cNvSpPr>
+            <a:spLocks noGrp="1"/>
+          </p:cNvSpPr>
+          <p:nvPr>
+            <p:ph type="dt" sz="half" idx="10"/>
+          </p:nvPr>
+        </p:nvSpPr>
+        <p:spPr/>
+        <p:txBody>
+          <a:bodyPr/>
+          <a:lstStyle/>
+          <a:p>
+            <a:fld id="{379ACA78-2388-42BF-BAC9-7720C9A9D113}" type="datetime1">
+              <a:rPr lang="de-DE" smtClean="0"/>
+              <a:t>12.06.2012</a:t>
+            </a:fld>
+            <a:endParaRPr lang="de-DE"/>
+          </a:p>
+        </p:txBody>
+      </p:sp>
+      <p:sp>
+        <p:nvSpPr>
+          <p:cNvPr id="5" name="Fußzeilenplatzhalter 4"/>
+          <p:cNvSpPr>
+            <a:spLocks noGrp="1"/>
+          </p:cNvSpPr>
+          <p:nvPr>
+            <p:ph type="ftr" sz="quarter" idx="11"/>
+          </p:nvPr>
+        </p:nvSpPr>
+        <p:spPr/>
+        <p:txBody>
+          <a:bodyPr/>
+          <a:lstStyle/>
+          <a:p>
+            <a:r>
+              <a:rPr lang="de-DE" smtClean="0"/>
+              <a:t>Roomanizer Presentation Team E</a:t>
+            </a:r>
+            <a:endParaRPr lang="de-DE"/>
+          </a:p>
+        </p:txBody>
+      </p:sp>
+      <p:sp>
+        <p:nvSpPr>
+          <p:cNvPr id="6" name="Foliennummernplatzhalter 5"/>
+          <p:cNvSpPr>
+            <a:spLocks noGrp="1"/>
+          </p:cNvSpPr>
+          <p:nvPr>
+            <p:ph type="sldNum" sz="quarter" idx="12"/>
+          </p:nvPr>
+        </p:nvSpPr>
+        <p:spPr/>
+        <p:txBody>
+          <a:bodyPr/>
+          <a:lstStyle/>
+          <a:p>
+            <a:fld id="{6C6AE60A-B69C-4790-82F7-3882EDF23186}" type="slidenum">
+              <a:rPr lang="de-DE" smtClean="0"/>
+              <a:t>35</a:t>
+            </a:fld>
+            <a:endParaRPr lang="de-DE"/>
+          </a:p>
+        </p:txBody>
+      </p:sp>
     </p:spTree>
     <p:extLst>
       <p:ext uri="{BB962C8B-B14F-4D97-AF65-F5344CB8AC3E}">
@@ -31873,6 +33691,75 @@
           </a:prstGeom>
         </p:spPr>
       </p:pic>
+      <p:sp>
+        <p:nvSpPr>
+          <p:cNvPr id="5" name="Datumsplatzhalter 4"/>
+          <p:cNvSpPr>
+            <a:spLocks noGrp="1"/>
+          </p:cNvSpPr>
+          <p:nvPr>
+            <p:ph type="dt" sz="half" idx="10"/>
+          </p:nvPr>
+        </p:nvSpPr>
+        <p:spPr/>
+        <p:txBody>
+          <a:bodyPr/>
+          <a:lstStyle/>
+          <a:p>
+            <a:fld id="{DB74F5E2-EA95-4776-940B-444E6A953869}" type="datetime1">
+              <a:rPr lang="de-DE" smtClean="0"/>
+              <a:t>12.06.2012</a:t>
+            </a:fld>
+            <a:endParaRPr lang="de-DE"/>
+          </a:p>
+        </p:txBody>
+      </p:sp>
+      <p:sp>
+        <p:nvSpPr>
+          <p:cNvPr id="6" name="Fußzeilenplatzhalter 5"/>
+          <p:cNvSpPr>
+            <a:spLocks noGrp="1"/>
+          </p:cNvSpPr>
+          <p:nvPr>
+            <p:ph type="ftr" sz="quarter" idx="11"/>
+          </p:nvPr>
+        </p:nvSpPr>
+        <p:spPr/>
+        <p:txBody>
+          <a:bodyPr/>
+          <a:lstStyle/>
+          <a:p>
+            <a:r>
+              <a:rPr lang="de-DE" smtClean="0"/>
+              <a:t>Roomanizer Presentation Team E</a:t>
+            </a:r>
+            <a:endParaRPr lang="de-DE"/>
+          </a:p>
+        </p:txBody>
+      </p:sp>
+      <p:sp>
+        <p:nvSpPr>
+          <p:cNvPr id="7" name="Foliennummernplatzhalter 6"/>
+          <p:cNvSpPr>
+            <a:spLocks noGrp="1"/>
+          </p:cNvSpPr>
+          <p:nvPr>
+            <p:ph type="sldNum" sz="quarter" idx="12"/>
+          </p:nvPr>
+        </p:nvSpPr>
+        <p:spPr/>
+        <p:txBody>
+          <a:bodyPr/>
+          <a:lstStyle/>
+          <a:p>
+            <a:fld id="{6C6AE60A-B69C-4790-82F7-3882EDF23186}" type="slidenum">
+              <a:rPr lang="de-DE" smtClean="0"/>
+              <a:t>36</a:t>
+            </a:fld>
+            <a:endParaRPr lang="de-DE"/>
+          </a:p>
+        </p:txBody>
+      </p:sp>
     </p:spTree>
     <p:extLst>
       <p:ext uri="{BB962C8B-B14F-4D97-AF65-F5344CB8AC3E}">
@@ -31976,6 +33863,75 @@
           </a:p>
         </p:txBody>
       </p:sp>
+      <p:sp>
+        <p:nvSpPr>
+          <p:cNvPr id="4" name="Datumsplatzhalter 3"/>
+          <p:cNvSpPr>
+            <a:spLocks noGrp="1"/>
+          </p:cNvSpPr>
+          <p:nvPr>
+            <p:ph type="dt" sz="half" idx="10"/>
+          </p:nvPr>
+        </p:nvSpPr>
+        <p:spPr/>
+        <p:txBody>
+          <a:bodyPr/>
+          <a:lstStyle/>
+          <a:p>
+            <a:fld id="{BFFC6093-B46E-476F-B4C5-1F231BBCF7B0}" type="datetime1">
+              <a:rPr lang="de-DE" smtClean="0"/>
+              <a:t>12.06.2012</a:t>
+            </a:fld>
+            <a:endParaRPr lang="de-DE"/>
+          </a:p>
+        </p:txBody>
+      </p:sp>
+      <p:sp>
+        <p:nvSpPr>
+          <p:cNvPr id="5" name="Fußzeilenplatzhalter 4"/>
+          <p:cNvSpPr>
+            <a:spLocks noGrp="1"/>
+          </p:cNvSpPr>
+          <p:nvPr>
+            <p:ph type="ftr" sz="quarter" idx="11"/>
+          </p:nvPr>
+        </p:nvSpPr>
+        <p:spPr/>
+        <p:txBody>
+          <a:bodyPr/>
+          <a:lstStyle/>
+          <a:p>
+            <a:r>
+              <a:rPr lang="de-DE" smtClean="0"/>
+              <a:t>Roomanizer Presentation Team E</a:t>
+            </a:r>
+            <a:endParaRPr lang="de-DE"/>
+          </a:p>
+        </p:txBody>
+      </p:sp>
+      <p:sp>
+        <p:nvSpPr>
+          <p:cNvPr id="6" name="Foliennummernplatzhalter 5"/>
+          <p:cNvSpPr>
+            <a:spLocks noGrp="1"/>
+          </p:cNvSpPr>
+          <p:nvPr>
+            <p:ph type="sldNum" sz="quarter" idx="12"/>
+          </p:nvPr>
+        </p:nvSpPr>
+        <p:spPr/>
+        <p:txBody>
+          <a:bodyPr/>
+          <a:lstStyle/>
+          <a:p>
+            <a:fld id="{6C6AE60A-B69C-4790-82F7-3882EDF23186}" type="slidenum">
+              <a:rPr lang="de-DE" smtClean="0"/>
+              <a:t>37</a:t>
+            </a:fld>
+            <a:endParaRPr lang="de-DE"/>
+          </a:p>
+        </p:txBody>
+      </p:sp>
     </p:spTree>
     <p:extLst>
       <p:ext uri="{BB962C8B-B14F-4D97-AF65-F5344CB8AC3E}">
@@ -32065,6 +34021,75 @@
           </a:xfrm>
         </p:spPr>
       </p:pic>
+      <p:sp>
+        <p:nvSpPr>
+          <p:cNvPr id="3" name="Datumsplatzhalter 2"/>
+          <p:cNvSpPr>
+            <a:spLocks noGrp="1"/>
+          </p:cNvSpPr>
+          <p:nvPr>
+            <p:ph type="dt" sz="half" idx="10"/>
+          </p:nvPr>
+        </p:nvSpPr>
+        <p:spPr/>
+        <p:txBody>
+          <a:bodyPr/>
+          <a:lstStyle/>
+          <a:p>
+            <a:fld id="{6FB45434-FD8D-4414-BFAB-68E741D0C658}" type="datetime1">
+              <a:rPr lang="de-DE" smtClean="0"/>
+              <a:t>12.06.2012</a:t>
+            </a:fld>
+            <a:endParaRPr lang="de-DE"/>
+          </a:p>
+        </p:txBody>
+      </p:sp>
+      <p:sp>
+        <p:nvSpPr>
+          <p:cNvPr id="5" name="Fußzeilenplatzhalter 4"/>
+          <p:cNvSpPr>
+            <a:spLocks noGrp="1"/>
+          </p:cNvSpPr>
+          <p:nvPr>
+            <p:ph type="ftr" sz="quarter" idx="11"/>
+          </p:nvPr>
+        </p:nvSpPr>
+        <p:spPr/>
+        <p:txBody>
+          <a:bodyPr/>
+          <a:lstStyle/>
+          <a:p>
+            <a:r>
+              <a:rPr lang="de-DE" smtClean="0"/>
+              <a:t>Roomanizer Presentation Team E</a:t>
+            </a:r>
+            <a:endParaRPr lang="de-DE"/>
+          </a:p>
+        </p:txBody>
+      </p:sp>
+      <p:sp>
+        <p:nvSpPr>
+          <p:cNvPr id="6" name="Foliennummernplatzhalter 5"/>
+          <p:cNvSpPr>
+            <a:spLocks noGrp="1"/>
+          </p:cNvSpPr>
+          <p:nvPr>
+            <p:ph type="sldNum" sz="quarter" idx="12"/>
+          </p:nvPr>
+        </p:nvSpPr>
+        <p:spPr/>
+        <p:txBody>
+          <a:bodyPr/>
+          <a:lstStyle/>
+          <a:p>
+            <a:fld id="{6C6AE60A-B69C-4790-82F7-3882EDF23186}" type="slidenum">
+              <a:rPr lang="de-DE" smtClean="0"/>
+              <a:t>38</a:t>
+            </a:fld>
+            <a:endParaRPr lang="de-DE"/>
+          </a:p>
+        </p:txBody>
+      </p:sp>
     </p:spTree>
     <p:extLst>
       <p:ext uri="{BB962C8B-B14F-4D97-AF65-F5344CB8AC3E}">
@@ -32365,6 +34390,75 @@
           </a:p>
         </p:txBody>
       </p:sp>
+      <p:sp>
+        <p:nvSpPr>
+          <p:cNvPr id="4" name="Datumsplatzhalter 3"/>
+          <p:cNvSpPr>
+            <a:spLocks noGrp="1"/>
+          </p:cNvSpPr>
+          <p:nvPr>
+            <p:ph type="dt" sz="half" idx="10"/>
+          </p:nvPr>
+        </p:nvSpPr>
+        <p:spPr/>
+        <p:txBody>
+          <a:bodyPr/>
+          <a:lstStyle/>
+          <a:p>
+            <a:fld id="{951D9C18-2FE0-4E38-964D-2E0ADFC6897C}" type="datetime1">
+              <a:rPr lang="de-DE" smtClean="0"/>
+              <a:t>12.06.2012</a:t>
+            </a:fld>
+            <a:endParaRPr lang="de-DE"/>
+          </a:p>
+        </p:txBody>
+      </p:sp>
+      <p:sp>
+        <p:nvSpPr>
+          <p:cNvPr id="5" name="Fußzeilenplatzhalter 4"/>
+          <p:cNvSpPr>
+            <a:spLocks noGrp="1"/>
+          </p:cNvSpPr>
+          <p:nvPr>
+            <p:ph type="ftr" sz="quarter" idx="11"/>
+          </p:nvPr>
+        </p:nvSpPr>
+        <p:spPr/>
+        <p:txBody>
+          <a:bodyPr/>
+          <a:lstStyle/>
+          <a:p>
+            <a:r>
+              <a:rPr lang="de-DE" smtClean="0"/>
+              <a:t>Roomanizer Presentation Team E</a:t>
+            </a:r>
+            <a:endParaRPr lang="de-DE"/>
+          </a:p>
+        </p:txBody>
+      </p:sp>
+      <p:sp>
+        <p:nvSpPr>
+          <p:cNvPr id="6" name="Foliennummernplatzhalter 5"/>
+          <p:cNvSpPr>
+            <a:spLocks noGrp="1"/>
+          </p:cNvSpPr>
+          <p:nvPr>
+            <p:ph type="sldNum" sz="quarter" idx="12"/>
+          </p:nvPr>
+        </p:nvSpPr>
+        <p:spPr/>
+        <p:txBody>
+          <a:bodyPr/>
+          <a:lstStyle/>
+          <a:p>
+            <a:fld id="{6C6AE60A-B69C-4790-82F7-3882EDF23186}" type="slidenum">
+              <a:rPr lang="de-DE" smtClean="0"/>
+              <a:t>39</a:t>
+            </a:fld>
+            <a:endParaRPr lang="de-DE"/>
+          </a:p>
+        </p:txBody>
+      </p:sp>
     </p:spTree>
     <p:extLst>
       <p:ext uri="{BB962C8B-B14F-4D97-AF65-F5344CB8AC3E}">
@@ -32420,10 +34514,10 @@
             <a:pPr>
               <a:defRPr/>
             </a:pPr>
-            <a:r>
-              <a:rPr lang="de-AT" smtClean="0"/>
-              <a:t>10.06.2012</a:t>
-            </a:r>
+            <a:fld id="{CBE63382-8907-4F59-8B5B-55521F934C55}" type="datetime1">
+              <a:rPr lang="de-DE" smtClean="0"/>
+              <a:t>12.06.2012</a:t>
+            </a:fld>
             <a:endParaRPr lang="de-AT"/>
           </a:p>
         </p:txBody>
@@ -33258,6 +35352,35 @@
           </a:p>
         </p:txBody>
       </p:sp>
+      <p:sp>
+        <p:nvSpPr>
+          <p:cNvPr id="2" name="Foliennummernplatzhalter 1"/>
+          <p:cNvSpPr>
+            <a:spLocks noGrp="1"/>
+          </p:cNvSpPr>
+          <p:nvPr>
+            <p:ph type="sldNum" idx="11"/>
+          </p:nvPr>
+        </p:nvSpPr>
+        <p:spPr/>
+        <p:txBody>
+          <a:bodyPr/>
+          <a:lstStyle/>
+          <a:p>
+            <a:pPr>
+              <a:defRPr/>
+            </a:pPr>
+            <a:fld id="{645DEDA9-89AC-431C-94ED-F92ECA179B63}" type="slidenum">
+              <a:rPr lang="de-AT" smtClean="0"/>
+              <a:pPr>
+                <a:defRPr/>
+              </a:pPr>
+              <a:t>4</a:t>
+            </a:fld>
+            <a:endParaRPr lang="de-AT"/>
+          </a:p>
+        </p:txBody>
+      </p:sp>
     </p:spTree>
     <p:extLst>
       <p:ext uri="{BB962C8B-B14F-4D97-AF65-F5344CB8AC3E}">
@@ -33415,6 +35538,75 @@
               <a:t>binding</a:t>
             </a:r>
             <a:endParaRPr lang="de-AT" dirty="0"/>
+          </a:p>
+        </p:txBody>
+      </p:sp>
+      <p:sp>
+        <p:nvSpPr>
+          <p:cNvPr id="3" name="Datumsplatzhalter 2"/>
+          <p:cNvSpPr>
+            <a:spLocks noGrp="1"/>
+          </p:cNvSpPr>
+          <p:nvPr>
+            <p:ph type="dt" sz="half" idx="10"/>
+          </p:nvPr>
+        </p:nvSpPr>
+        <p:spPr/>
+        <p:txBody>
+          <a:bodyPr/>
+          <a:lstStyle/>
+          <a:p>
+            <a:fld id="{1FBCF0A0-DDB4-48F3-B67F-9A9710A65075}" type="datetime1">
+              <a:rPr lang="de-DE" smtClean="0"/>
+              <a:t>12.06.2012</a:t>
+            </a:fld>
+            <a:endParaRPr lang="de-DE"/>
+          </a:p>
+        </p:txBody>
+      </p:sp>
+      <p:sp>
+        <p:nvSpPr>
+          <p:cNvPr id="4" name="Fußzeilenplatzhalter 3"/>
+          <p:cNvSpPr>
+            <a:spLocks noGrp="1"/>
+          </p:cNvSpPr>
+          <p:nvPr>
+            <p:ph type="ftr" sz="quarter" idx="11"/>
+          </p:nvPr>
+        </p:nvSpPr>
+        <p:spPr/>
+        <p:txBody>
+          <a:bodyPr/>
+          <a:lstStyle/>
+          <a:p>
+            <a:r>
+              <a:rPr lang="de-DE" smtClean="0"/>
+              <a:t>Roomanizer Presentation Team E</a:t>
+            </a:r>
+            <a:endParaRPr lang="de-DE"/>
+          </a:p>
+        </p:txBody>
+      </p:sp>
+      <p:sp>
+        <p:nvSpPr>
+          <p:cNvPr id="6" name="Foliennummernplatzhalter 5"/>
+          <p:cNvSpPr>
+            <a:spLocks noGrp="1"/>
+          </p:cNvSpPr>
+          <p:nvPr>
+            <p:ph type="sldNum" sz="quarter" idx="12"/>
+          </p:nvPr>
+        </p:nvSpPr>
+        <p:spPr/>
+        <p:txBody>
+          <a:bodyPr/>
+          <a:lstStyle/>
+          <a:p>
+            <a:fld id="{6C6AE60A-B69C-4790-82F7-3882EDF23186}" type="slidenum">
+              <a:rPr lang="de-DE" smtClean="0"/>
+              <a:t>40</a:t>
+            </a:fld>
+            <a:endParaRPr lang="de-DE"/>
           </a:p>
         </p:txBody>
       </p:sp>
@@ -33565,6 +35757,75 @@
           </a:p>
         </p:txBody>
       </p:sp>
+      <p:sp>
+        <p:nvSpPr>
+          <p:cNvPr id="4" name="Datumsplatzhalter 3"/>
+          <p:cNvSpPr>
+            <a:spLocks noGrp="1"/>
+          </p:cNvSpPr>
+          <p:nvPr>
+            <p:ph type="dt" sz="half" idx="10"/>
+          </p:nvPr>
+        </p:nvSpPr>
+        <p:spPr/>
+        <p:txBody>
+          <a:bodyPr/>
+          <a:lstStyle/>
+          <a:p>
+            <a:fld id="{2D24F1C6-A0E7-4669-955D-C30987019200}" type="datetime1">
+              <a:rPr lang="de-DE" smtClean="0"/>
+              <a:t>12.06.2012</a:t>
+            </a:fld>
+            <a:endParaRPr lang="de-DE"/>
+          </a:p>
+        </p:txBody>
+      </p:sp>
+      <p:sp>
+        <p:nvSpPr>
+          <p:cNvPr id="5" name="Fußzeilenplatzhalter 4"/>
+          <p:cNvSpPr>
+            <a:spLocks noGrp="1"/>
+          </p:cNvSpPr>
+          <p:nvPr>
+            <p:ph type="ftr" sz="quarter" idx="11"/>
+          </p:nvPr>
+        </p:nvSpPr>
+        <p:spPr/>
+        <p:txBody>
+          <a:bodyPr/>
+          <a:lstStyle/>
+          <a:p>
+            <a:r>
+              <a:rPr lang="de-DE" smtClean="0"/>
+              <a:t>Roomanizer Presentation Team E</a:t>
+            </a:r>
+            <a:endParaRPr lang="de-DE"/>
+          </a:p>
+        </p:txBody>
+      </p:sp>
+      <p:sp>
+        <p:nvSpPr>
+          <p:cNvPr id="6" name="Foliennummernplatzhalter 5"/>
+          <p:cNvSpPr>
+            <a:spLocks noGrp="1"/>
+          </p:cNvSpPr>
+          <p:nvPr>
+            <p:ph type="sldNum" sz="quarter" idx="12"/>
+          </p:nvPr>
+        </p:nvSpPr>
+        <p:spPr/>
+        <p:txBody>
+          <a:bodyPr/>
+          <a:lstStyle/>
+          <a:p>
+            <a:fld id="{6C6AE60A-B69C-4790-82F7-3882EDF23186}" type="slidenum">
+              <a:rPr lang="de-DE" smtClean="0"/>
+              <a:t>41</a:t>
+            </a:fld>
+            <a:endParaRPr lang="de-DE"/>
+          </a:p>
+        </p:txBody>
+      </p:sp>
     </p:spTree>
     <p:extLst>
       <p:ext uri="{BB962C8B-B14F-4D97-AF65-F5344CB8AC3E}">
@@ -33761,6 +36022,75 @@
               <a:t>MVC</a:t>
             </a:r>
             <a:endParaRPr lang="de-AT" dirty="0"/>
+          </a:p>
+        </p:txBody>
+      </p:sp>
+      <p:sp>
+        <p:nvSpPr>
+          <p:cNvPr id="4" name="Datumsplatzhalter 3"/>
+          <p:cNvSpPr>
+            <a:spLocks noGrp="1"/>
+          </p:cNvSpPr>
+          <p:nvPr>
+            <p:ph type="dt" sz="half" idx="10"/>
+          </p:nvPr>
+        </p:nvSpPr>
+        <p:spPr/>
+        <p:txBody>
+          <a:bodyPr/>
+          <a:lstStyle/>
+          <a:p>
+            <a:fld id="{0D05E4B8-A610-4E5F-8787-ACA105DCF971}" type="datetime1">
+              <a:rPr lang="de-DE" smtClean="0"/>
+              <a:t>12.06.2012</a:t>
+            </a:fld>
+            <a:endParaRPr lang="de-DE"/>
+          </a:p>
+        </p:txBody>
+      </p:sp>
+      <p:sp>
+        <p:nvSpPr>
+          <p:cNvPr id="5" name="Fußzeilenplatzhalter 4"/>
+          <p:cNvSpPr>
+            <a:spLocks noGrp="1"/>
+          </p:cNvSpPr>
+          <p:nvPr>
+            <p:ph type="ftr" sz="quarter" idx="11"/>
+          </p:nvPr>
+        </p:nvSpPr>
+        <p:spPr/>
+        <p:txBody>
+          <a:bodyPr/>
+          <a:lstStyle/>
+          <a:p>
+            <a:r>
+              <a:rPr lang="de-DE" smtClean="0"/>
+              <a:t>Roomanizer Presentation Team E</a:t>
+            </a:r>
+            <a:endParaRPr lang="de-DE"/>
+          </a:p>
+        </p:txBody>
+      </p:sp>
+      <p:sp>
+        <p:nvSpPr>
+          <p:cNvPr id="6" name="Foliennummernplatzhalter 5"/>
+          <p:cNvSpPr>
+            <a:spLocks noGrp="1"/>
+          </p:cNvSpPr>
+          <p:nvPr>
+            <p:ph type="sldNum" sz="quarter" idx="12"/>
+          </p:nvPr>
+        </p:nvSpPr>
+        <p:spPr/>
+        <p:txBody>
+          <a:bodyPr/>
+          <a:lstStyle/>
+          <a:p>
+            <a:fld id="{6C6AE60A-B69C-4790-82F7-3882EDF23186}" type="slidenum">
+              <a:rPr lang="de-DE" smtClean="0"/>
+              <a:t>42</a:t>
+            </a:fld>
+            <a:endParaRPr lang="de-DE"/>
           </a:p>
         </p:txBody>
       </p:sp>
@@ -34210,6 +36540,75 @@
           </a:prstGeom>
         </p:spPr>
       </p:pic>
+      <p:sp>
+        <p:nvSpPr>
+          <p:cNvPr id="6" name="Datumsplatzhalter 5"/>
+          <p:cNvSpPr>
+            <a:spLocks noGrp="1"/>
+          </p:cNvSpPr>
+          <p:nvPr>
+            <p:ph type="dt" sz="half" idx="10"/>
+          </p:nvPr>
+        </p:nvSpPr>
+        <p:spPr/>
+        <p:txBody>
+          <a:bodyPr/>
+          <a:lstStyle/>
+          <a:p>
+            <a:fld id="{68FEAAD8-4EF8-4972-BE2C-805B742D8671}" type="datetime1">
+              <a:rPr lang="de-DE" smtClean="0"/>
+              <a:t>12.06.2012</a:t>
+            </a:fld>
+            <a:endParaRPr lang="de-DE"/>
+          </a:p>
+        </p:txBody>
+      </p:sp>
+      <p:sp>
+        <p:nvSpPr>
+          <p:cNvPr id="7" name="Fußzeilenplatzhalter 6"/>
+          <p:cNvSpPr>
+            <a:spLocks noGrp="1"/>
+          </p:cNvSpPr>
+          <p:nvPr>
+            <p:ph type="ftr" sz="quarter" idx="11"/>
+          </p:nvPr>
+        </p:nvSpPr>
+        <p:spPr/>
+        <p:txBody>
+          <a:bodyPr/>
+          <a:lstStyle/>
+          <a:p>
+            <a:r>
+              <a:rPr lang="de-DE" smtClean="0"/>
+              <a:t>Roomanizer Presentation Team E</a:t>
+            </a:r>
+            <a:endParaRPr lang="de-DE"/>
+          </a:p>
+        </p:txBody>
+      </p:sp>
+      <p:sp>
+        <p:nvSpPr>
+          <p:cNvPr id="8" name="Foliennummernplatzhalter 7"/>
+          <p:cNvSpPr>
+            <a:spLocks noGrp="1"/>
+          </p:cNvSpPr>
+          <p:nvPr>
+            <p:ph type="sldNum" sz="quarter" idx="12"/>
+          </p:nvPr>
+        </p:nvSpPr>
+        <p:spPr/>
+        <p:txBody>
+          <a:bodyPr/>
+          <a:lstStyle/>
+          <a:p>
+            <a:fld id="{6C6AE60A-B69C-4790-82F7-3882EDF23186}" type="slidenum">
+              <a:rPr lang="de-DE" smtClean="0"/>
+              <a:t>43</a:t>
+            </a:fld>
+            <a:endParaRPr lang="de-DE"/>
+          </a:p>
+        </p:txBody>
+      </p:sp>
     </p:spTree>
     <p:extLst>
       <p:ext uri="{BB962C8B-B14F-4D97-AF65-F5344CB8AC3E}">
@@ -35716,6 +38115,75 @@
           </a:p>
         </p:txBody>
       </p:sp>
+      <p:sp>
+        <p:nvSpPr>
+          <p:cNvPr id="2" name="Datumsplatzhalter 1"/>
+          <p:cNvSpPr>
+            <a:spLocks noGrp="1"/>
+          </p:cNvSpPr>
+          <p:nvPr>
+            <p:ph type="dt" sz="half" idx="10"/>
+          </p:nvPr>
+        </p:nvSpPr>
+        <p:spPr/>
+        <p:txBody>
+          <a:bodyPr/>
+          <a:lstStyle/>
+          <a:p>
+            <a:fld id="{05172756-0226-4308-A019-94D0D0B5C6A8}" type="datetime1">
+              <a:rPr lang="de-DE" smtClean="0"/>
+              <a:t>12.06.2012</a:t>
+            </a:fld>
+            <a:endParaRPr lang="de-DE"/>
+          </a:p>
+        </p:txBody>
+      </p:sp>
+      <p:sp>
+        <p:nvSpPr>
+          <p:cNvPr id="3" name="Fußzeilenplatzhalter 2"/>
+          <p:cNvSpPr>
+            <a:spLocks noGrp="1"/>
+          </p:cNvSpPr>
+          <p:nvPr>
+            <p:ph type="ftr" sz="quarter" idx="11"/>
+          </p:nvPr>
+        </p:nvSpPr>
+        <p:spPr/>
+        <p:txBody>
+          <a:bodyPr/>
+          <a:lstStyle/>
+          <a:p>
+            <a:r>
+              <a:rPr lang="de-DE" smtClean="0"/>
+              <a:t>Roomanizer Presentation Team E</a:t>
+            </a:r>
+            <a:endParaRPr lang="de-DE"/>
+          </a:p>
+        </p:txBody>
+      </p:sp>
+      <p:sp>
+        <p:nvSpPr>
+          <p:cNvPr id="4" name="Foliennummernplatzhalter 3"/>
+          <p:cNvSpPr>
+            <a:spLocks noGrp="1"/>
+          </p:cNvSpPr>
+          <p:nvPr>
+            <p:ph type="sldNum" sz="quarter" idx="12"/>
+          </p:nvPr>
+        </p:nvSpPr>
+        <p:spPr/>
+        <p:txBody>
+          <a:bodyPr/>
+          <a:lstStyle/>
+          <a:p>
+            <a:fld id="{6C6AE60A-B69C-4790-82F7-3882EDF23186}" type="slidenum">
+              <a:rPr lang="de-DE" smtClean="0"/>
+              <a:t>44</a:t>
+            </a:fld>
+            <a:endParaRPr lang="de-DE"/>
+          </a:p>
+        </p:txBody>
+      </p:sp>
     </p:spTree>
     <p:extLst>
       <p:ext uri="{BB962C8B-B14F-4D97-AF65-F5344CB8AC3E}">
@@ -36154,6 +38622,75 @@
           </a:p>
         </p:txBody>
       </p:sp>
+      <p:sp>
+        <p:nvSpPr>
+          <p:cNvPr id="2" name="Datumsplatzhalter 1"/>
+          <p:cNvSpPr>
+            <a:spLocks noGrp="1"/>
+          </p:cNvSpPr>
+          <p:nvPr>
+            <p:ph type="dt" sz="half" idx="10"/>
+          </p:nvPr>
+        </p:nvSpPr>
+        <p:spPr/>
+        <p:txBody>
+          <a:bodyPr/>
+          <a:lstStyle/>
+          <a:p>
+            <a:fld id="{4591495F-AEED-4690-BA29-3D289964C644}" type="datetime1">
+              <a:rPr lang="de-DE" smtClean="0"/>
+              <a:t>12.06.2012</a:t>
+            </a:fld>
+            <a:endParaRPr lang="de-DE"/>
+          </a:p>
+        </p:txBody>
+      </p:sp>
+      <p:sp>
+        <p:nvSpPr>
+          <p:cNvPr id="3" name="Fußzeilenplatzhalter 2"/>
+          <p:cNvSpPr>
+            <a:spLocks noGrp="1"/>
+          </p:cNvSpPr>
+          <p:nvPr>
+            <p:ph type="ftr" sz="quarter" idx="11"/>
+          </p:nvPr>
+        </p:nvSpPr>
+        <p:spPr/>
+        <p:txBody>
+          <a:bodyPr/>
+          <a:lstStyle/>
+          <a:p>
+            <a:r>
+              <a:rPr lang="de-DE" smtClean="0"/>
+              <a:t>Roomanizer Presentation Team E</a:t>
+            </a:r>
+            <a:endParaRPr lang="de-DE"/>
+          </a:p>
+        </p:txBody>
+      </p:sp>
+      <p:sp>
+        <p:nvSpPr>
+          <p:cNvPr id="4" name="Foliennummernplatzhalter 3"/>
+          <p:cNvSpPr>
+            <a:spLocks noGrp="1"/>
+          </p:cNvSpPr>
+          <p:nvPr>
+            <p:ph type="sldNum" sz="quarter" idx="12"/>
+          </p:nvPr>
+        </p:nvSpPr>
+        <p:spPr/>
+        <p:txBody>
+          <a:bodyPr/>
+          <a:lstStyle/>
+          <a:p>
+            <a:fld id="{6C6AE60A-B69C-4790-82F7-3882EDF23186}" type="slidenum">
+              <a:rPr lang="de-DE" smtClean="0"/>
+              <a:t>45</a:t>
+            </a:fld>
+            <a:endParaRPr lang="de-DE"/>
+          </a:p>
+        </p:txBody>
+      </p:sp>
     </p:spTree>
     <p:extLst>
       <p:ext uri="{BB962C8B-B14F-4D97-AF65-F5344CB8AC3E}">
@@ -36259,6 +38796,75 @@
           <a:lstStyle/>
           <a:p>
             <a:endParaRPr lang="en-GB"/>
+          </a:p>
+        </p:txBody>
+      </p:sp>
+      <p:sp>
+        <p:nvSpPr>
+          <p:cNvPr id="4" name="Datumsplatzhalter 3"/>
+          <p:cNvSpPr>
+            <a:spLocks noGrp="1"/>
+          </p:cNvSpPr>
+          <p:nvPr>
+            <p:ph type="dt" sz="half" idx="10"/>
+          </p:nvPr>
+        </p:nvSpPr>
+        <p:spPr/>
+        <p:txBody>
+          <a:bodyPr/>
+          <a:lstStyle/>
+          <a:p>
+            <a:fld id="{501ACBA1-8DB4-4629-B6BF-1C1931F98289}" type="datetime1">
+              <a:rPr lang="de-DE" smtClean="0"/>
+              <a:t>12.06.2012</a:t>
+            </a:fld>
+            <a:endParaRPr lang="de-DE"/>
+          </a:p>
+        </p:txBody>
+      </p:sp>
+      <p:sp>
+        <p:nvSpPr>
+          <p:cNvPr id="5" name="Fußzeilenplatzhalter 4"/>
+          <p:cNvSpPr>
+            <a:spLocks noGrp="1"/>
+          </p:cNvSpPr>
+          <p:nvPr>
+            <p:ph type="ftr" sz="quarter" idx="11"/>
+          </p:nvPr>
+        </p:nvSpPr>
+        <p:spPr/>
+        <p:txBody>
+          <a:bodyPr/>
+          <a:lstStyle/>
+          <a:p>
+            <a:r>
+              <a:rPr lang="de-DE" smtClean="0"/>
+              <a:t>Roomanizer Presentation Team E</a:t>
+            </a:r>
+            <a:endParaRPr lang="de-DE"/>
+          </a:p>
+        </p:txBody>
+      </p:sp>
+      <p:sp>
+        <p:nvSpPr>
+          <p:cNvPr id="6" name="Foliennummernplatzhalter 5"/>
+          <p:cNvSpPr>
+            <a:spLocks noGrp="1"/>
+          </p:cNvSpPr>
+          <p:nvPr>
+            <p:ph type="sldNum" sz="quarter" idx="12"/>
+          </p:nvPr>
+        </p:nvSpPr>
+        <p:spPr/>
+        <p:txBody>
+          <a:bodyPr/>
+          <a:lstStyle/>
+          <a:p>
+            <a:fld id="{6C6AE60A-B69C-4790-82F7-3882EDF23186}" type="slidenum">
+              <a:rPr lang="de-DE" smtClean="0"/>
+              <a:t>46</a:t>
+            </a:fld>
+            <a:endParaRPr lang="de-DE"/>
           </a:p>
         </p:txBody>
       </p:sp>
@@ -36774,6 +39380,75 @@
           </a:p>
         </p:txBody>
       </p:sp>
+      <p:sp>
+        <p:nvSpPr>
+          <p:cNvPr id="2" name="Datumsplatzhalter 1"/>
+          <p:cNvSpPr>
+            <a:spLocks noGrp="1"/>
+          </p:cNvSpPr>
+          <p:nvPr>
+            <p:ph type="dt" sz="half" idx="10"/>
+          </p:nvPr>
+        </p:nvSpPr>
+        <p:spPr/>
+        <p:txBody>
+          <a:bodyPr/>
+          <a:lstStyle/>
+          <a:p>
+            <a:fld id="{D116B5E9-7BEA-4E84-BB7C-300578A8E023}" type="datetime1">
+              <a:rPr lang="de-DE" smtClean="0"/>
+              <a:t>12.06.2012</a:t>
+            </a:fld>
+            <a:endParaRPr lang="de-DE"/>
+          </a:p>
+        </p:txBody>
+      </p:sp>
+      <p:sp>
+        <p:nvSpPr>
+          <p:cNvPr id="3" name="Fußzeilenplatzhalter 2"/>
+          <p:cNvSpPr>
+            <a:spLocks noGrp="1"/>
+          </p:cNvSpPr>
+          <p:nvPr>
+            <p:ph type="ftr" sz="quarter" idx="11"/>
+          </p:nvPr>
+        </p:nvSpPr>
+        <p:spPr/>
+        <p:txBody>
+          <a:bodyPr/>
+          <a:lstStyle/>
+          <a:p>
+            <a:r>
+              <a:rPr lang="de-DE" smtClean="0"/>
+              <a:t>Roomanizer Presentation Team E</a:t>
+            </a:r>
+            <a:endParaRPr lang="de-DE"/>
+          </a:p>
+        </p:txBody>
+      </p:sp>
+      <p:sp>
+        <p:nvSpPr>
+          <p:cNvPr id="4" name="Foliennummernplatzhalter 3"/>
+          <p:cNvSpPr>
+            <a:spLocks noGrp="1"/>
+          </p:cNvSpPr>
+          <p:nvPr>
+            <p:ph type="sldNum" sz="quarter" idx="12"/>
+          </p:nvPr>
+        </p:nvSpPr>
+        <p:spPr/>
+        <p:txBody>
+          <a:bodyPr/>
+          <a:lstStyle/>
+          <a:p>
+            <a:fld id="{6C6AE60A-B69C-4790-82F7-3882EDF23186}" type="slidenum">
+              <a:rPr lang="de-DE" smtClean="0"/>
+              <a:t>5</a:t>
+            </a:fld>
+            <a:endParaRPr lang="de-DE"/>
+          </a:p>
+        </p:txBody>
+      </p:sp>
     </p:spTree>
     <p:extLst>
       <p:ext uri="{BB962C8B-B14F-4D97-AF65-F5344CB8AC3E}">
@@ -36935,6 +39610,75 @@
           </a:p>
         </p:txBody>
       </p:sp>
+      <p:sp>
+        <p:nvSpPr>
+          <p:cNvPr id="2" name="Datumsplatzhalter 1"/>
+          <p:cNvSpPr>
+            <a:spLocks noGrp="1"/>
+          </p:cNvSpPr>
+          <p:nvPr>
+            <p:ph type="dt" sz="half" idx="10"/>
+          </p:nvPr>
+        </p:nvSpPr>
+        <p:spPr/>
+        <p:txBody>
+          <a:bodyPr/>
+          <a:lstStyle/>
+          <a:p>
+            <a:fld id="{BC5E42FE-7B7B-4D74-A6E5-72AA4D0658EE}" type="datetime1">
+              <a:rPr lang="de-DE" smtClean="0"/>
+              <a:t>12.06.2012</a:t>
+            </a:fld>
+            <a:endParaRPr lang="de-DE"/>
+          </a:p>
+        </p:txBody>
+      </p:sp>
+      <p:sp>
+        <p:nvSpPr>
+          <p:cNvPr id="3" name="Fußzeilenplatzhalter 2"/>
+          <p:cNvSpPr>
+            <a:spLocks noGrp="1"/>
+          </p:cNvSpPr>
+          <p:nvPr>
+            <p:ph type="ftr" sz="quarter" idx="11"/>
+          </p:nvPr>
+        </p:nvSpPr>
+        <p:spPr/>
+        <p:txBody>
+          <a:bodyPr/>
+          <a:lstStyle/>
+          <a:p>
+            <a:r>
+              <a:rPr lang="de-DE" smtClean="0"/>
+              <a:t>Roomanizer Presentation Team E</a:t>
+            </a:r>
+            <a:endParaRPr lang="de-DE"/>
+          </a:p>
+        </p:txBody>
+      </p:sp>
+      <p:sp>
+        <p:nvSpPr>
+          <p:cNvPr id="4" name="Foliennummernplatzhalter 3"/>
+          <p:cNvSpPr>
+            <a:spLocks noGrp="1"/>
+          </p:cNvSpPr>
+          <p:nvPr>
+            <p:ph type="sldNum" sz="quarter" idx="12"/>
+          </p:nvPr>
+        </p:nvSpPr>
+        <p:spPr/>
+        <p:txBody>
+          <a:bodyPr/>
+          <a:lstStyle/>
+          <a:p>
+            <a:fld id="{6C6AE60A-B69C-4790-82F7-3882EDF23186}" type="slidenum">
+              <a:rPr lang="de-DE" smtClean="0"/>
+              <a:t>6</a:t>
+            </a:fld>
+            <a:endParaRPr lang="de-DE"/>
+          </a:p>
+        </p:txBody>
+      </p:sp>
     </p:spTree>
     <p:extLst>
       <p:ext uri="{BB962C8B-B14F-4D97-AF65-F5344CB8AC3E}">
@@ -37101,10 +39845,11 @@
             <a:pPr>
               <a:defRPr/>
             </a:pPr>
-            <a:r>
-              <a:rPr lang="de-AT"/>
-              <a:t>10.06.2012</a:t>
-            </a:r>
+            <a:fld id="{31463B31-E093-4DC5-94BA-5E51E0F53BC4}" type="datetime1">
+              <a:rPr lang="de-DE" smtClean="0"/>
+              <a:t>12.06.2012</a:t>
+            </a:fld>
+            <a:endParaRPr lang="de-AT"/>
           </a:p>
         </p:txBody>
       </p:sp>
@@ -37434,6 +40179,52 @@
           </a:p>
         </p:txBody>
       </p:sp>
+      <p:sp>
+        <p:nvSpPr>
+          <p:cNvPr id="2" name="Fußzeilenplatzhalter 1"/>
+          <p:cNvSpPr>
+            <a:spLocks noGrp="1"/>
+          </p:cNvSpPr>
+          <p:nvPr>
+            <p:ph type="ftr" sz="quarter" idx="11"/>
+          </p:nvPr>
+        </p:nvSpPr>
+        <p:spPr/>
+        <p:txBody>
+          <a:bodyPr/>
+          <a:lstStyle/>
+          <a:p>
+            <a:r>
+              <a:rPr lang="de-DE" smtClean="0"/>
+              <a:t>Roomanizer Presentation Team E</a:t>
+            </a:r>
+            <a:endParaRPr lang="de-DE"/>
+          </a:p>
+        </p:txBody>
+      </p:sp>
+      <p:sp>
+        <p:nvSpPr>
+          <p:cNvPr id="5" name="Foliennummernplatzhalter 4"/>
+          <p:cNvSpPr>
+            <a:spLocks noGrp="1"/>
+          </p:cNvSpPr>
+          <p:nvPr>
+            <p:ph type="sldNum" sz="quarter" idx="12"/>
+          </p:nvPr>
+        </p:nvSpPr>
+        <p:spPr/>
+        <p:txBody>
+          <a:bodyPr/>
+          <a:lstStyle/>
+          <a:p>
+            <a:fld id="{6C6AE60A-B69C-4790-82F7-3882EDF23186}" type="slidenum">
+              <a:rPr lang="de-DE" smtClean="0"/>
+              <a:t>7</a:t>
+            </a:fld>
+            <a:endParaRPr lang="de-DE"/>
+          </a:p>
+        </p:txBody>
+      </p:sp>
     </p:spTree>
     <p:extLst>
       <p:ext uri="{BB962C8B-B14F-4D97-AF65-F5344CB8AC3E}">
@@ -37552,10 +40343,11 @@
             <a:pPr>
               <a:defRPr/>
             </a:pPr>
-            <a:r>
-              <a:rPr lang="de-AT"/>
-              <a:t>10.06.2012</a:t>
-            </a:r>
+            <a:fld id="{7759553B-B3E1-46BC-8DF3-E2E2469BC615}" type="datetime1">
+              <a:rPr lang="de-DE" smtClean="0"/>
+              <a:t>12.06.2012</a:t>
+            </a:fld>
+            <a:endParaRPr lang="de-AT"/>
           </a:p>
         </p:txBody>
       </p:sp>
@@ -37905,6 +40697,52 @@
           </a:p>
         </p:txBody>
       </p:sp>
+      <p:sp>
+        <p:nvSpPr>
+          <p:cNvPr id="2" name="Fußzeilenplatzhalter 1"/>
+          <p:cNvSpPr>
+            <a:spLocks noGrp="1"/>
+          </p:cNvSpPr>
+          <p:nvPr>
+            <p:ph type="ftr" sz="quarter" idx="11"/>
+          </p:nvPr>
+        </p:nvSpPr>
+        <p:spPr/>
+        <p:txBody>
+          <a:bodyPr/>
+          <a:lstStyle/>
+          <a:p>
+            <a:r>
+              <a:rPr lang="de-DE" smtClean="0"/>
+              <a:t>Roomanizer Presentation Team E</a:t>
+            </a:r>
+            <a:endParaRPr lang="de-DE"/>
+          </a:p>
+        </p:txBody>
+      </p:sp>
+      <p:sp>
+        <p:nvSpPr>
+          <p:cNvPr id="5" name="Foliennummernplatzhalter 4"/>
+          <p:cNvSpPr>
+            <a:spLocks noGrp="1"/>
+          </p:cNvSpPr>
+          <p:nvPr>
+            <p:ph type="sldNum" sz="quarter" idx="12"/>
+          </p:nvPr>
+        </p:nvSpPr>
+        <p:spPr/>
+        <p:txBody>
+          <a:bodyPr/>
+          <a:lstStyle/>
+          <a:p>
+            <a:fld id="{6C6AE60A-B69C-4790-82F7-3882EDF23186}" type="slidenum">
+              <a:rPr lang="de-DE" smtClean="0"/>
+              <a:t>8</a:t>
+            </a:fld>
+            <a:endParaRPr lang="de-DE"/>
+          </a:p>
+        </p:txBody>
+      </p:sp>
     </p:spTree>
     <p:extLst>
       <p:ext uri="{BB962C8B-B14F-4D97-AF65-F5344CB8AC3E}">
@@ -37991,11 +40829,57 @@
             <a:pPr>
               <a:defRPr/>
             </a:pPr>
-            <a:r>
-              <a:rPr lang="de-AT" smtClean="0"/>
-              <a:t>10.06.2012</a:t>
-            </a:r>
+            <a:fld id="{DB0973A2-9C39-496C-A7CC-A57B4EC1B554}" type="datetime1">
+              <a:rPr lang="de-DE" smtClean="0"/>
+              <a:t>12.06.2012</a:t>
+            </a:fld>
             <a:endParaRPr lang="de-AT"/>
+          </a:p>
+        </p:txBody>
+      </p:sp>
+      <p:sp>
+        <p:nvSpPr>
+          <p:cNvPr id="2" name="Fußzeilenplatzhalter 1"/>
+          <p:cNvSpPr>
+            <a:spLocks noGrp="1"/>
+          </p:cNvSpPr>
+          <p:nvPr>
+            <p:ph type="ftr" sz="quarter" idx="11"/>
+          </p:nvPr>
+        </p:nvSpPr>
+        <p:spPr/>
+        <p:txBody>
+          <a:bodyPr/>
+          <a:lstStyle/>
+          <a:p>
+            <a:r>
+              <a:rPr lang="de-DE" smtClean="0"/>
+              <a:t>Roomanizer Presentation Team E</a:t>
+            </a:r>
+            <a:endParaRPr lang="de-DE"/>
+          </a:p>
+        </p:txBody>
+      </p:sp>
+      <p:sp>
+        <p:nvSpPr>
+          <p:cNvPr id="3" name="Foliennummernplatzhalter 2"/>
+          <p:cNvSpPr>
+            <a:spLocks noGrp="1"/>
+          </p:cNvSpPr>
+          <p:nvPr>
+            <p:ph type="sldNum" sz="quarter" idx="12"/>
+          </p:nvPr>
+        </p:nvSpPr>
+        <p:spPr/>
+        <p:txBody>
+          <a:bodyPr/>
+          <a:lstStyle/>
+          <a:p>
+            <a:fld id="{6C6AE60A-B69C-4790-82F7-3882EDF23186}" type="slidenum">
+              <a:rPr lang="de-DE" smtClean="0"/>
+              <a:t>9</a:t>
+            </a:fld>
+            <a:endParaRPr lang="de-DE"/>
           </a:p>
         </p:txBody>
       </p:sp>

--- a/Documentation/Praesentation/PresentationRoomanizer.pptx
+++ b/Documentation/Praesentation/PresentationRoomanizer.pptx
@@ -5,7 +5,7 @@
     <p:sldMasterId id="2147483648" r:id="rId1"/>
   </p:sldMasterIdLst>
   <p:notesMasterIdLst>
-    <p:notesMasterId r:id="rId48"/>
+    <p:notesMasterId r:id="rId50"/>
   </p:notesMasterIdLst>
   <p:sldIdLst>
     <p:sldId id="256" r:id="rId2"/>
@@ -48,12 +48,14 @@
     <p:sldId id="295" r:id="rId39"/>
     <p:sldId id="296" r:id="rId40"/>
     <p:sldId id="297" r:id="rId41"/>
-    <p:sldId id="298" r:id="rId42"/>
-    <p:sldId id="299" r:id="rId43"/>
-    <p:sldId id="316" r:id="rId44"/>
-    <p:sldId id="317" r:id="rId45"/>
-    <p:sldId id="318" r:id="rId46"/>
-    <p:sldId id="285" r:id="rId47"/>
+    <p:sldId id="336" r:id="rId42"/>
+    <p:sldId id="298" r:id="rId43"/>
+    <p:sldId id="299" r:id="rId44"/>
+    <p:sldId id="335" r:id="rId45"/>
+    <p:sldId id="316" r:id="rId46"/>
+    <p:sldId id="317" r:id="rId47"/>
+    <p:sldId id="318" r:id="rId48"/>
+    <p:sldId id="285" r:id="rId49"/>
   </p:sldIdLst>
   <p:sldSz cx="9144000" cy="6858000" type="screen4x3"/>
   <p:notesSz cx="6858000" cy="9144000"/>
@@ -16641,95 +16643,15 @@
           <a:bodyPr/>
           <a:lstStyle/>
           <a:p>
-            <a:pPr marL="0" marR="0" indent="0" algn="l" defTabSz="914400" rtl="0" eaLnBrk="1" fontAlgn="auto" latinLnBrk="0" hangingPunct="1">
-              <a:lnSpc>
-                <a:spcPct val="100000"/>
-              </a:lnSpc>
-              <a:spcBef>
-                <a:spcPts val="0"/>
-              </a:spcBef>
-              <a:spcAft>
-                <a:spcPts val="0"/>
-              </a:spcAft>
-              <a:buClrTx/>
-              <a:buSzTx/>
-              <a:buFontTx/>
-              <a:buNone/>
-              <a:tabLst/>
-              <a:defRPr/>
-            </a:pPr>
-            <a:r>
-              <a:rPr lang="en-US" dirty="0" smtClean="0"/>
-              <a:t>You can use </a:t>
-            </a:r>
-            <a:r>
-              <a:rPr lang="en-US" dirty="0" err="1" smtClean="0"/>
-              <a:t>jQuery</a:t>
-            </a:r>
-            <a:r>
-              <a:rPr lang="en-US" dirty="0" smtClean="0"/>
-              <a:t>, Dojo, or Ext-JS with servlets and JSP. However, JSF lets you use Ajax without explicit JavaScript programming and with very simple tags. Also, the Ajax calls know about the server-side business logic.</a:t>
-            </a:r>
-          </a:p>
-          <a:p>
-            <a:endParaRPr lang="de-AT" dirty="0" smtClean="0"/>
-          </a:p>
-          <a:p>
-            <a:pPr marL="0" marR="0" indent="0" algn="l" defTabSz="914400" rtl="0" eaLnBrk="1" fontAlgn="auto" latinLnBrk="0" hangingPunct="1">
-              <a:lnSpc>
-                <a:spcPct val="100000"/>
-              </a:lnSpc>
-              <a:spcBef>
-                <a:spcPts val="0"/>
-              </a:spcBef>
-              <a:spcAft>
-                <a:spcPts val="0"/>
-              </a:spcAft>
-              <a:buClrTx/>
-              <a:buSzTx/>
-              <a:buFontTx/>
-              <a:buNone/>
-              <a:tabLst/>
-              <a:defRPr/>
-            </a:pPr>
-            <a:r>
-              <a:rPr lang="en-US" dirty="0" smtClean="0"/>
-              <a:t>JSF has built-in capabilities for checking that form values are in the required format and for converting from strings to various other data types. </a:t>
-            </a:r>
-            <a:br>
-              <a:rPr lang="en-US" dirty="0" smtClean="0"/>
-            </a:br>
-            <a:r>
-              <a:rPr lang="en-US" dirty="0" smtClean="0"/>
-              <a:t>If values are missing or in an improper format, the form can be automatically redisplayed with error messages and with the previously </a:t>
+            <a:r>
+              <a:rPr lang="de-AT" dirty="0" smtClean="0"/>
+              <a:t>Model 2 </a:t>
             </a:r>
             <a:r>
               <a:rPr lang="de-AT" dirty="0" err="1" smtClean="0"/>
-              <a:t>entered</a:t>
-            </a:r>
-            <a:r>
-              <a:rPr lang="de-AT" dirty="0" smtClean="0"/>
-              <a:t> </a:t>
-            </a:r>
-            <a:r>
-              <a:rPr lang="de-AT" dirty="0" err="1" smtClean="0"/>
-              <a:t>values</a:t>
-            </a:r>
-            <a:r>
-              <a:rPr lang="de-AT" dirty="0" smtClean="0"/>
-              <a:t> </a:t>
-            </a:r>
-            <a:r>
-              <a:rPr lang="de-AT" dirty="0" err="1" smtClean="0"/>
-              <a:t>maintained</a:t>
-            </a:r>
-            <a:r>
-              <a:rPr lang="de-AT" smtClean="0"/>
-              <a:t>.</a:t>
-            </a:r>
-          </a:p>
-          <a:p>
-            <a:endParaRPr lang="de-AT"/>
+              <a:t>archtitecture</a:t>
+            </a:r>
+            <a:endParaRPr lang="en-GB" dirty="0"/>
           </a:p>
         </p:txBody>
       </p:sp>
@@ -16759,7 +16681,7 @@
     </p:spTree>
     <p:extLst>
       <p:ext uri="{BB962C8B-B14F-4D97-AF65-F5344CB8AC3E}">
-        <p14:creationId xmlns:p14="http://schemas.microsoft.com/office/powerpoint/2010/main" val="891041209"/>
+        <p14:creationId xmlns:p14="http://schemas.microsoft.com/office/powerpoint/2010/main" val="398962458"/>
       </p:ext>
     </p:extLst>
   </p:cSld>
@@ -16832,7 +16754,15 @@
             </a:pPr>
             <a:r>
               <a:rPr lang="en-US" dirty="0" smtClean="0"/>
-              <a:t>JSF provides a set of APIs and associated custom tags to create HTML forms that have complex interfaces</a:t>
+              <a:t>You can use </a:t>
+            </a:r>
+            <a:r>
+              <a:rPr lang="en-US" dirty="0" err="1" smtClean="0"/>
+              <a:t>jQuery</a:t>
+            </a:r>
+            <a:r>
+              <a:rPr lang="en-US" dirty="0" smtClean="0"/>
+              <a:t>, Dojo, or Ext-JS with servlets and JSP. However, JSF lets you use Ajax without explicit JavaScript programming and with very simple tags. Also, the Ajax calls know about the server-side business logic.</a:t>
             </a:r>
           </a:p>
           <a:p>
@@ -16858,39 +16788,42 @@
             </a:pPr>
             <a:r>
               <a:rPr lang="en-US" dirty="0" smtClean="0"/>
-              <a:t>Although JSP has </a:t>
-            </a:r>
-            <a:r>
-              <a:rPr lang="en-US" dirty="0" err="1" smtClean="0"/>
-              <a:t>jsp:include</a:t>
-            </a:r>
-            <a:r>
+              <a:t>JSF has built-in capabilities for checking that form values are in the required format and for converting from strings to various other data types. </a:t>
+            </a:r>
+            <a:br>
               <a:rPr lang="en-US" dirty="0" smtClean="0"/>
-              <a:t> for reuse of content, JSF has a full-fledged page </a:t>
-            </a:r>
-            <a:r>
-              <a:rPr lang="en-US" dirty="0" err="1" smtClean="0"/>
-              <a:t>templating</a:t>
-            </a:r>
+            </a:br>
             <a:r>
               <a:rPr lang="en-US" dirty="0" smtClean="0"/>
-              <a:t> system that lets you build pages that share layout or </a:t>
+              <a:t>If values are missing or in an improper format, the form can be automatically redisplayed with error messages and with the previously </a:t>
             </a:r>
             <a:r>
               <a:rPr lang="de-AT" dirty="0" err="1" smtClean="0"/>
-              <a:t>content</a:t>
-            </a:r>
-            <a:endParaRPr lang="de-AT" dirty="0" smtClean="0"/>
-          </a:p>
-          <a:p>
-            <a:endParaRPr lang="de-AT" dirty="0" smtClean="0"/>
-          </a:p>
-          <a:p>
-            <a:r>
-              <a:rPr lang="en-US" dirty="0" smtClean="0"/>
-              <a:t>JSF encourages consistent use of MVC throughout your application</a:t>
-            </a:r>
-            <a:endParaRPr lang="de-AT" dirty="0"/>
+              <a:t>entered</a:t>
+            </a:r>
+            <a:r>
+              <a:rPr lang="de-AT" dirty="0" smtClean="0"/>
+              <a:t> </a:t>
+            </a:r>
+            <a:r>
+              <a:rPr lang="de-AT" dirty="0" err="1" smtClean="0"/>
+              <a:t>values</a:t>
+            </a:r>
+            <a:r>
+              <a:rPr lang="de-AT" dirty="0" smtClean="0"/>
+              <a:t> </a:t>
+            </a:r>
+            <a:r>
+              <a:rPr lang="de-AT" dirty="0" err="1" smtClean="0"/>
+              <a:t>maintained</a:t>
+            </a:r>
+            <a:r>
+              <a:rPr lang="de-AT" smtClean="0"/>
+              <a:t>.</a:t>
+            </a:r>
+          </a:p>
+          <a:p>
+            <a:endParaRPr lang="de-AT"/>
           </a:p>
         </p:txBody>
       </p:sp>
@@ -16920,7 +16853,7 @@
     </p:spTree>
     <p:extLst>
       <p:ext uri="{BB962C8B-B14F-4D97-AF65-F5344CB8AC3E}">
-        <p14:creationId xmlns:p14="http://schemas.microsoft.com/office/powerpoint/2010/main" val="3914588580"/>
+        <p14:creationId xmlns:p14="http://schemas.microsoft.com/office/powerpoint/2010/main" val="891041209"/>
       </p:ext>
     </p:extLst>
   </p:cSld>
@@ -17235,6 +17168,167 @@
 <file path=ppt/notesSlides/notesSlide40.xml><?xml version="1.0" encoding="utf-8"?>
 <p:notes xmlns:a="http://schemas.openxmlformats.org/drawingml/2006/main" xmlns:r="http://schemas.openxmlformats.org/officeDocument/2006/relationships" xmlns:p="http://schemas.openxmlformats.org/presentationml/2006/main">
   <p:cSld>
+    <p:spTree>
+      <p:nvGrpSpPr>
+        <p:cNvPr id="1" name=""/>
+        <p:cNvGrpSpPr/>
+        <p:nvPr/>
+      </p:nvGrpSpPr>
+      <p:grpSpPr>
+        <a:xfrm>
+          <a:off x="0" y="0"/>
+          <a:ext cx="0" cy="0"/>
+          <a:chOff x="0" y="0"/>
+          <a:chExt cx="0" cy="0"/>
+        </a:xfrm>
+      </p:grpSpPr>
+      <p:sp>
+        <p:nvSpPr>
+          <p:cNvPr id="2" name="Folienbildplatzhalter 1"/>
+          <p:cNvSpPr>
+            <a:spLocks noGrp="1" noRot="1" noChangeAspect="1"/>
+          </p:cNvSpPr>
+          <p:nvPr>
+            <p:ph type="sldImg"/>
+          </p:nvPr>
+        </p:nvSpPr>
+        <p:spPr/>
+      </p:sp>
+      <p:sp>
+        <p:nvSpPr>
+          <p:cNvPr id="3" name="Notizenplatzhalter 2"/>
+          <p:cNvSpPr>
+            <a:spLocks noGrp="1"/>
+          </p:cNvSpPr>
+          <p:nvPr>
+            <p:ph type="body" idx="1"/>
+          </p:nvPr>
+        </p:nvSpPr>
+        <p:spPr/>
+        <p:txBody>
+          <a:bodyPr/>
+          <a:lstStyle/>
+          <a:p>
+            <a:pPr marL="0" marR="0" indent="0" algn="l" defTabSz="914400" rtl="0" eaLnBrk="1" fontAlgn="auto" latinLnBrk="0" hangingPunct="1">
+              <a:lnSpc>
+                <a:spcPct val="100000"/>
+              </a:lnSpc>
+              <a:spcBef>
+                <a:spcPts val="0"/>
+              </a:spcBef>
+              <a:spcAft>
+                <a:spcPts val="0"/>
+              </a:spcAft>
+              <a:buClrTx/>
+              <a:buSzTx/>
+              <a:buFontTx/>
+              <a:buNone/>
+              <a:tabLst/>
+              <a:defRPr/>
+            </a:pPr>
+            <a:r>
+              <a:rPr lang="en-US" dirty="0" smtClean="0"/>
+              <a:t>JSF provides a set of APIs and associated custom tags to create HTML forms that have complex interfaces</a:t>
+            </a:r>
+          </a:p>
+          <a:p>
+            <a:endParaRPr lang="de-AT" dirty="0" smtClean="0"/>
+          </a:p>
+          <a:p>
+            <a:pPr marL="0" marR="0" indent="0" algn="l" defTabSz="914400" rtl="0" eaLnBrk="1" fontAlgn="auto" latinLnBrk="0" hangingPunct="1">
+              <a:lnSpc>
+                <a:spcPct val="100000"/>
+              </a:lnSpc>
+              <a:spcBef>
+                <a:spcPts val="0"/>
+              </a:spcBef>
+              <a:spcAft>
+                <a:spcPts val="0"/>
+              </a:spcAft>
+              <a:buClrTx/>
+              <a:buSzTx/>
+              <a:buFontTx/>
+              <a:buNone/>
+              <a:tabLst/>
+              <a:defRPr/>
+            </a:pPr>
+            <a:r>
+              <a:rPr lang="en-US" dirty="0" smtClean="0"/>
+              <a:t>Although JSP has </a:t>
+            </a:r>
+            <a:r>
+              <a:rPr lang="en-US" dirty="0" err="1" smtClean="0"/>
+              <a:t>jsp:include</a:t>
+            </a:r>
+            <a:r>
+              <a:rPr lang="en-US" dirty="0" smtClean="0"/>
+              <a:t> for reuse of content, JSF has a full-fledged page </a:t>
+            </a:r>
+            <a:r>
+              <a:rPr lang="en-US" dirty="0" err="1" smtClean="0"/>
+              <a:t>templating</a:t>
+            </a:r>
+            <a:r>
+              <a:rPr lang="en-US" dirty="0" smtClean="0"/>
+              <a:t> system that lets you build pages that share layout or </a:t>
+            </a:r>
+            <a:r>
+              <a:rPr lang="de-AT" dirty="0" err="1" smtClean="0"/>
+              <a:t>content</a:t>
+            </a:r>
+            <a:endParaRPr lang="de-AT" dirty="0" smtClean="0"/>
+          </a:p>
+          <a:p>
+            <a:endParaRPr lang="de-AT" dirty="0" smtClean="0"/>
+          </a:p>
+          <a:p>
+            <a:r>
+              <a:rPr lang="en-US" dirty="0" smtClean="0"/>
+              <a:t>JSF encourages consistent use of MVC throughout your application</a:t>
+            </a:r>
+            <a:endParaRPr lang="de-AT" dirty="0"/>
+          </a:p>
+        </p:txBody>
+      </p:sp>
+      <p:sp>
+        <p:nvSpPr>
+          <p:cNvPr id="4" name="Foliennummernplatzhalter 3"/>
+          <p:cNvSpPr>
+            <a:spLocks noGrp="1"/>
+          </p:cNvSpPr>
+          <p:nvPr>
+            <p:ph type="sldNum" sz="quarter" idx="10"/>
+          </p:nvPr>
+        </p:nvSpPr>
+        <p:spPr/>
+        <p:txBody>
+          <a:bodyPr/>
+          <a:lstStyle/>
+          <a:p>
+            <a:fld id="{F02A8FBC-AF9A-4929-B417-912911A977D6}" type="slidenum">
+              <a:rPr lang="en-GB" smtClean="0"/>
+              <a:t>43</a:t>
+            </a:fld>
+            <a:endParaRPr lang="en-GB"/>
+          </a:p>
+        </p:txBody>
+      </p:sp>
+    </p:spTree>
+    <p:extLst>
+      <p:ext uri="{BB962C8B-B14F-4D97-AF65-F5344CB8AC3E}">
+        <p14:creationId xmlns:p14="http://schemas.microsoft.com/office/powerpoint/2010/main" val="3914588580"/>
+      </p:ext>
+    </p:extLst>
+  </p:cSld>
+  <p:clrMapOvr>
+    <a:masterClrMapping/>
+  </p:clrMapOvr>
+</p:notes>
+</file>
+
+<file path=ppt/notesSlides/notesSlide41.xml><?xml version="1.0" encoding="utf-8"?>
+<p:notes xmlns:a="http://schemas.openxmlformats.org/drawingml/2006/main" xmlns:r="http://schemas.openxmlformats.org/officeDocument/2006/relationships" xmlns:p="http://schemas.openxmlformats.org/presentationml/2006/main">
+  <p:cSld>
     <p:bg>
       <p:bgPr>
         <a:solidFill>
@@ -17277,7 +17371,7 @@
             <a:fld id="{58D83871-26A0-42B3-B534-77DF39400762}" type="slidenum">
               <a:rPr lang="de-AT"/>
               <a:pPr/>
-              <a:t>43</a:t>
+              <a:t>45</a:t>
             </a:fld>
             <a:endParaRPr lang="de-AT"/>
           </a:p>
@@ -17560,7 +17654,7 @@
                   <a:spcPct val="100000"/>
                 </a:lnSpc>
               </a:pPr>
-              <a:t>43</a:t>
+              <a:t>45</a:t>
             </a:fld>
             <a:endParaRPr lang="de-AT">
               <a:solidFill>
@@ -17579,7 +17673,7 @@
 </p:notes>
 </file>
 
-<file path=ppt/notesSlides/notesSlide41.xml><?xml version="1.0" encoding="utf-8"?>
+<file path=ppt/notesSlides/notesSlide42.xml><?xml version="1.0" encoding="utf-8"?>
 <p:notes xmlns:a="http://schemas.openxmlformats.org/drawingml/2006/main" xmlns:r="http://schemas.openxmlformats.org/officeDocument/2006/relationships" xmlns:p="http://schemas.openxmlformats.org/presentationml/2006/main">
   <p:cSld>
     <p:bg>
@@ -17624,7 +17718,7 @@
             <a:fld id="{E8C045F9-92B0-40A5-95C6-E7DC16B5FE55}" type="slidenum">
               <a:rPr lang="de-AT"/>
               <a:pPr/>
-              <a:t>44</a:t>
+              <a:t>46</a:t>
             </a:fld>
             <a:endParaRPr lang="de-AT"/>
           </a:p>
@@ -17825,7 +17919,7 @@
                   <a:spcPct val="100000"/>
                 </a:lnSpc>
               </a:pPr>
-              <a:t>44</a:t>
+              <a:t>46</a:t>
             </a:fld>
             <a:endParaRPr lang="de-AT">
               <a:solidFill>
@@ -17844,7 +17938,7 @@
 </p:notes>
 </file>
 
-<file path=ppt/notesSlides/notesSlide42.xml><?xml version="1.0" encoding="utf-8"?>
+<file path=ppt/notesSlides/notesSlide43.xml><?xml version="1.0" encoding="utf-8"?>
 <p:notes xmlns:a="http://schemas.openxmlformats.org/drawingml/2006/main" xmlns:r="http://schemas.openxmlformats.org/officeDocument/2006/relationships" xmlns:p="http://schemas.openxmlformats.org/presentationml/2006/main">
   <p:cSld>
     <p:bg>
@@ -17889,7 +17983,7 @@
             <a:fld id="{6B0A6473-06D2-4F89-8F85-1D4974927630}" type="slidenum">
               <a:rPr lang="de-AT"/>
               <a:pPr/>
-              <a:t>45</a:t>
+              <a:t>47</a:t>
             </a:fld>
             <a:endParaRPr lang="de-AT"/>
           </a:p>
@@ -18073,7 +18167,7 @@
                   <a:spcPct val="100000"/>
                 </a:lnSpc>
               </a:pPr>
-              <a:t>45</a:t>
+              <a:t>47</a:t>
             </a:fld>
             <a:endParaRPr lang="de-AT">
               <a:solidFill>
@@ -18092,7 +18186,7 @@
 </p:notes>
 </file>
 
-<file path=ppt/notesSlides/notesSlide43.xml><?xml version="1.0" encoding="utf-8"?>
+<file path=ppt/notesSlides/notesSlide44.xml><?xml version="1.0" encoding="utf-8"?>
 <p:notes xmlns:a="http://schemas.openxmlformats.org/drawingml/2006/main" xmlns:r="http://schemas.openxmlformats.org/officeDocument/2006/relationships" xmlns:p="http://schemas.openxmlformats.org/presentationml/2006/main">
   <p:cSld>
     <p:spTree>
@@ -18161,7 +18255,7 @@
           <a:p>
             <a:fld id="{F02A8FBC-AF9A-4929-B417-912911A977D6}" type="slidenum">
               <a:rPr lang="en-GB" smtClean="0"/>
-              <a:t>46</a:t>
+              <a:t>48</a:t>
             </a:fld>
             <a:endParaRPr lang="en-GB"/>
           </a:p>
@@ -27119,7 +27213,27 @@
                   </a:schemeClr>
                 </a:solidFill>
               </a:rPr>
-              <a:t> &amp;Ajax (web-reservation)</a:t>
+              <a:t> </a:t>
+            </a:r>
+            <a:r>
+              <a:rPr lang="de-AT" dirty="0" smtClean="0">
+                <a:solidFill>
+                  <a:schemeClr val="accent3">
+                    <a:lumMod val="50000"/>
+                  </a:schemeClr>
+                </a:solidFill>
+              </a:rPr>
+              <a:t>&amp; Ajax </a:t>
+            </a:r>
+            <a:r>
+              <a:rPr lang="de-AT" dirty="0" smtClean="0">
+                <a:solidFill>
+                  <a:schemeClr val="accent3">
+                    <a:lumMod val="50000"/>
+                  </a:schemeClr>
+                </a:solidFill>
+              </a:rPr>
+              <a:t>(web-reservation)</a:t>
             </a:r>
           </a:p>
           <a:p>
@@ -35428,7 +35542,7 @@
           <a:p>
             <a:r>
               <a:rPr lang="de-AT" dirty="0" smtClean="0"/>
-              <a:t>JSF</a:t>
+              <a:t>JSF &amp; Ajax</a:t>
             </a:r>
             <a:endParaRPr lang="de-AT" dirty="0"/>
           </a:p>
@@ -35659,12 +35773,169 @@
         </p:nvSpPr>
         <p:spPr/>
         <p:txBody>
+          <a:bodyPr>
+            <a:normAutofit/>
+          </a:bodyPr>
+          <a:lstStyle/>
+          <a:p>
+            <a:r>
+              <a:rPr lang="de-AT" dirty="0" smtClean="0"/>
+              <a:t>JSF - </a:t>
+            </a:r>
+            <a:r>
+              <a:rPr lang="de-AT" dirty="0" err="1" smtClean="0"/>
+              <a:t>Architecture</a:t>
+            </a:r>
+            <a:endParaRPr lang="en-GB" dirty="0"/>
+          </a:p>
+        </p:txBody>
+      </p:sp>
+      <p:pic>
+        <p:nvPicPr>
+          <p:cNvPr id="7" name="Inhaltsplatzhalter 6"/>
+          <p:cNvPicPr>
+            <a:picLocks noGrp="1" noChangeAspect="1"/>
+          </p:cNvPicPr>
+          <p:nvPr>
+            <p:ph idx="1"/>
+          </p:nvPr>
+        </p:nvPicPr>
+        <p:blipFill>
+          <a:blip r:embed="rId3">
+            <a:extLst>
+              <a:ext uri="{28A0092B-C50C-407E-A947-70E740481C1C}">
+                <a14:useLocalDpi xmlns:a14="http://schemas.microsoft.com/office/drawing/2010/main" val="0"/>
+              </a:ext>
+            </a:extLst>
+          </a:blip>
+          <a:stretch>
+            <a:fillRect/>
+          </a:stretch>
+        </p:blipFill>
+        <p:spPr>
+          <a:xfrm>
+            <a:off x="1173193" y="1600200"/>
+            <a:ext cx="6797614" cy="4525963"/>
+          </a:xfrm>
+        </p:spPr>
+      </p:pic>
+      <p:sp>
+        <p:nvSpPr>
+          <p:cNvPr id="4" name="Datumsplatzhalter 3"/>
+          <p:cNvSpPr>
+            <a:spLocks noGrp="1"/>
+          </p:cNvSpPr>
+          <p:nvPr>
+            <p:ph type="dt" sz="half" idx="10"/>
+          </p:nvPr>
+        </p:nvSpPr>
+        <p:spPr/>
+        <p:txBody>
           <a:bodyPr/>
           <a:lstStyle/>
           <a:p>
-            <a:r>
-              <a:rPr lang="de-AT" dirty="0" smtClean="0"/>
-              <a:t>JSF</a:t>
+            <a:fld id="{95AFB6B0-E810-4A12-AA92-DA6A89C77C77}" type="datetime1">
+              <a:rPr lang="de-DE" smtClean="0"/>
+              <a:t>12.06.2012</a:t>
+            </a:fld>
+            <a:endParaRPr lang="de-DE"/>
+          </a:p>
+        </p:txBody>
+      </p:sp>
+      <p:sp>
+        <p:nvSpPr>
+          <p:cNvPr id="5" name="Fußzeilenplatzhalter 4"/>
+          <p:cNvSpPr>
+            <a:spLocks noGrp="1"/>
+          </p:cNvSpPr>
+          <p:nvPr>
+            <p:ph type="ftr" sz="quarter" idx="11"/>
+          </p:nvPr>
+        </p:nvSpPr>
+        <p:spPr/>
+        <p:txBody>
+          <a:bodyPr/>
+          <a:lstStyle/>
+          <a:p>
+            <a:r>
+              <a:rPr lang="de-DE" smtClean="0"/>
+              <a:t>Roomanizer Presentation Team E</a:t>
+            </a:r>
+            <a:endParaRPr lang="de-DE"/>
+          </a:p>
+        </p:txBody>
+      </p:sp>
+      <p:sp>
+        <p:nvSpPr>
+          <p:cNvPr id="6" name="Foliennummernplatzhalter 5"/>
+          <p:cNvSpPr>
+            <a:spLocks noGrp="1"/>
+          </p:cNvSpPr>
+          <p:nvPr>
+            <p:ph type="sldNum" sz="quarter" idx="12"/>
+          </p:nvPr>
+        </p:nvSpPr>
+        <p:spPr/>
+        <p:txBody>
+          <a:bodyPr/>
+          <a:lstStyle/>
+          <a:p>
+            <a:fld id="{6C6AE60A-B69C-4790-82F7-3882EDF23186}" type="slidenum">
+              <a:rPr lang="de-DE" smtClean="0"/>
+              <a:t>41</a:t>
+            </a:fld>
+            <a:endParaRPr lang="de-DE"/>
+          </a:p>
+        </p:txBody>
+      </p:sp>
+    </p:spTree>
+    <p:extLst>
+      <p:ext uri="{BB962C8B-B14F-4D97-AF65-F5344CB8AC3E}">
+        <p14:creationId xmlns:p14="http://schemas.microsoft.com/office/powerpoint/2010/main" val="4120540787"/>
+      </p:ext>
+    </p:extLst>
+  </p:cSld>
+  <p:clrMapOvr>
+    <a:masterClrMapping/>
+  </p:clrMapOvr>
+</p:sld>
+</file>
+
+<file path=ppt/slides/slide42.xml><?xml version="1.0" encoding="utf-8"?>
+<p:sld xmlns:a="http://schemas.openxmlformats.org/drawingml/2006/main" xmlns:r="http://schemas.openxmlformats.org/officeDocument/2006/relationships" xmlns:p="http://schemas.openxmlformats.org/presentationml/2006/main">
+  <p:cSld>
+    <p:spTree>
+      <p:nvGrpSpPr>
+        <p:cNvPr id="1" name=""/>
+        <p:cNvGrpSpPr/>
+        <p:nvPr/>
+      </p:nvGrpSpPr>
+      <p:grpSpPr>
+        <a:xfrm>
+          <a:off x="0" y="0"/>
+          <a:ext cx="0" cy="0"/>
+          <a:chOff x="0" y="0"/>
+          <a:chExt cx="0" cy="0"/>
+        </a:xfrm>
+      </p:grpSpPr>
+      <p:sp>
+        <p:nvSpPr>
+          <p:cNvPr id="2" name="Titel 1"/>
+          <p:cNvSpPr>
+            <a:spLocks noGrp="1"/>
+          </p:cNvSpPr>
+          <p:nvPr>
+            <p:ph type="title"/>
+          </p:nvPr>
+        </p:nvSpPr>
+        <p:spPr/>
+        <p:txBody>
+          <a:bodyPr/>
+          <a:lstStyle/>
+          <a:p>
+            <a:r>
+              <a:rPr lang="de-AT" dirty="0"/>
+              <a:t>JSF &amp; Ajax</a:t>
             </a:r>
             <a:endParaRPr lang="de-AT" dirty="0"/>
           </a:p>
@@ -35820,7 +36091,7 @@
           <a:p>
             <a:fld id="{6C6AE60A-B69C-4790-82F7-3882EDF23186}" type="slidenum">
               <a:rPr lang="de-DE" smtClean="0"/>
-              <a:t>41</a:t>
+              <a:t>42</a:t>
             </a:fld>
             <a:endParaRPr lang="de-DE"/>
           </a:p>
@@ -35846,7 +36117,7 @@
 </p:sld>
 </file>
 
-<file path=ppt/slides/slide42.xml><?xml version="1.0" encoding="utf-8"?>
+<file path=ppt/slides/slide43.xml><?xml version="1.0" encoding="utf-8"?>
 <p:sld xmlns:a="http://schemas.openxmlformats.org/drawingml/2006/main" xmlns:r="http://schemas.openxmlformats.org/officeDocument/2006/relationships" xmlns:p="http://schemas.openxmlformats.org/presentationml/2006/main">
   <p:cSld>
     <p:spTree>
@@ -35879,8 +36150,8 @@
           <a:lstStyle/>
           <a:p>
             <a:r>
-              <a:rPr lang="de-AT" dirty="0" smtClean="0"/>
-              <a:t>JSF</a:t>
+              <a:rPr lang="de-AT" dirty="0"/>
+              <a:t>JSF &amp; Ajax</a:t>
             </a:r>
             <a:endParaRPr lang="de-AT" dirty="0"/>
           </a:p>
@@ -36088,7 +36359,7 @@
           <a:p>
             <a:fld id="{6C6AE60A-B69C-4790-82F7-3882EDF23186}" type="slidenum">
               <a:rPr lang="de-DE" smtClean="0"/>
-              <a:t>42</a:t>
+              <a:t>43</a:t>
             </a:fld>
             <a:endParaRPr lang="de-DE"/>
           </a:p>
@@ -36114,7 +36385,148 @@
 </p:sld>
 </file>
 
-<file path=ppt/slides/slide43.xml><?xml version="1.0" encoding="utf-8"?>
+<file path=ppt/slides/slide44.xml><?xml version="1.0" encoding="utf-8"?>
+<p:sld xmlns:a="http://schemas.openxmlformats.org/drawingml/2006/main" xmlns:r="http://schemas.openxmlformats.org/officeDocument/2006/relationships" xmlns:p="http://schemas.openxmlformats.org/presentationml/2006/main">
+  <p:cSld>
+    <p:spTree>
+      <p:nvGrpSpPr>
+        <p:cNvPr id="1" name=""/>
+        <p:cNvGrpSpPr/>
+        <p:nvPr/>
+      </p:nvGrpSpPr>
+      <p:grpSpPr>
+        <a:xfrm>
+          <a:off x="0" y="0"/>
+          <a:ext cx="0" cy="0"/>
+          <a:chOff x="0" y="0"/>
+          <a:chExt cx="0" cy="0"/>
+        </a:xfrm>
+      </p:grpSpPr>
+      <p:sp>
+        <p:nvSpPr>
+          <p:cNvPr id="2" name="Titel 1"/>
+          <p:cNvSpPr>
+            <a:spLocks noGrp="1"/>
+          </p:cNvSpPr>
+          <p:nvPr>
+            <p:ph type="title"/>
+          </p:nvPr>
+        </p:nvSpPr>
+        <p:spPr/>
+        <p:txBody>
+          <a:bodyPr/>
+          <a:lstStyle/>
+          <a:p>
+            <a:r>
+              <a:rPr lang="de-AT" dirty="0" smtClean="0"/>
+              <a:t>Übergang??? Tech. Summary</a:t>
+            </a:r>
+            <a:endParaRPr lang="en-GB" dirty="0"/>
+          </a:p>
+        </p:txBody>
+      </p:sp>
+      <p:sp>
+        <p:nvSpPr>
+          <p:cNvPr id="3" name="Inhaltsplatzhalter 2"/>
+          <p:cNvSpPr>
+            <a:spLocks noGrp="1"/>
+          </p:cNvSpPr>
+          <p:nvPr>
+            <p:ph idx="1"/>
+          </p:nvPr>
+        </p:nvSpPr>
+        <p:spPr/>
+        <p:txBody>
+          <a:bodyPr/>
+          <a:lstStyle/>
+          <a:p>
+            <a:endParaRPr lang="en-GB" dirty="0"/>
+          </a:p>
+        </p:txBody>
+      </p:sp>
+      <p:sp>
+        <p:nvSpPr>
+          <p:cNvPr id="4" name="Datumsplatzhalter 3"/>
+          <p:cNvSpPr>
+            <a:spLocks noGrp="1"/>
+          </p:cNvSpPr>
+          <p:nvPr>
+            <p:ph type="dt" sz="half" idx="10"/>
+          </p:nvPr>
+        </p:nvSpPr>
+        <p:spPr/>
+        <p:txBody>
+          <a:bodyPr/>
+          <a:lstStyle/>
+          <a:p>
+            <a:fld id="{95AFB6B0-E810-4A12-AA92-DA6A89C77C77}" type="datetime1">
+              <a:rPr lang="de-DE" smtClean="0"/>
+              <a:t>12.06.2012</a:t>
+            </a:fld>
+            <a:endParaRPr lang="de-DE"/>
+          </a:p>
+        </p:txBody>
+      </p:sp>
+      <p:sp>
+        <p:nvSpPr>
+          <p:cNvPr id="5" name="Fußzeilenplatzhalter 4"/>
+          <p:cNvSpPr>
+            <a:spLocks noGrp="1"/>
+          </p:cNvSpPr>
+          <p:nvPr>
+            <p:ph type="ftr" sz="quarter" idx="11"/>
+          </p:nvPr>
+        </p:nvSpPr>
+        <p:spPr/>
+        <p:txBody>
+          <a:bodyPr/>
+          <a:lstStyle/>
+          <a:p>
+            <a:r>
+              <a:rPr lang="de-DE" smtClean="0"/>
+              <a:t>Roomanizer Presentation Team E</a:t>
+            </a:r>
+            <a:endParaRPr lang="de-DE"/>
+          </a:p>
+        </p:txBody>
+      </p:sp>
+      <p:sp>
+        <p:nvSpPr>
+          <p:cNvPr id="6" name="Foliennummernplatzhalter 5"/>
+          <p:cNvSpPr>
+            <a:spLocks noGrp="1"/>
+          </p:cNvSpPr>
+          <p:nvPr>
+            <p:ph type="sldNum" sz="quarter" idx="12"/>
+          </p:nvPr>
+        </p:nvSpPr>
+        <p:spPr/>
+        <p:txBody>
+          <a:bodyPr/>
+          <a:lstStyle/>
+          <a:p>
+            <a:fld id="{6C6AE60A-B69C-4790-82F7-3882EDF23186}" type="slidenum">
+              <a:rPr lang="de-DE" smtClean="0"/>
+              <a:t>44</a:t>
+            </a:fld>
+            <a:endParaRPr lang="de-DE"/>
+          </a:p>
+        </p:txBody>
+      </p:sp>
+    </p:spTree>
+    <p:extLst>
+      <p:ext uri="{BB962C8B-B14F-4D97-AF65-F5344CB8AC3E}">
+        <p14:creationId xmlns:p14="http://schemas.microsoft.com/office/powerpoint/2010/main" val="2087201911"/>
+      </p:ext>
+    </p:extLst>
+  </p:cSld>
+  <p:clrMapOvr>
+    <a:masterClrMapping/>
+  </p:clrMapOvr>
+</p:sld>
+</file>
+
+<file path=ppt/slides/slide45.xml><?xml version="1.0" encoding="utf-8"?>
 <p:sld xmlns:a="http://schemas.openxmlformats.org/drawingml/2006/main" xmlns:r="http://schemas.openxmlformats.org/officeDocument/2006/relationships" xmlns:p="http://schemas.openxmlformats.org/presentationml/2006/main">
   <p:cSld>
     <p:spTree>
@@ -36532,8 +36944,8 @@
         </p:blipFill>
         <p:spPr>
           <a:xfrm>
-            <a:off x="467544" y="1455812"/>
-            <a:ext cx="8015362" cy="5254380"/>
+            <a:off x="539552" y="1455812"/>
+            <a:ext cx="7534952" cy="4939453"/>
           </a:xfrm>
           <a:prstGeom prst="rect">
             <a:avLst/>
@@ -36603,7 +37015,7 @@
           <a:p>
             <a:fld id="{6C6AE60A-B69C-4790-82F7-3882EDF23186}" type="slidenum">
               <a:rPr lang="de-DE" smtClean="0"/>
-              <a:t>43</a:t>
+              <a:t>45</a:t>
             </a:fld>
             <a:endParaRPr lang="de-DE"/>
           </a:p>
@@ -37413,7 +37825,7 @@
 </p:sld>
 </file>
 
-<file path=ppt/slides/slide44.xml><?xml version="1.0" encoding="utf-8"?>
+<file path=ppt/slides/slide46.xml><?xml version="1.0" encoding="utf-8"?>
 <p:sld xmlns:a="http://schemas.openxmlformats.org/drawingml/2006/main" xmlns:r="http://schemas.openxmlformats.org/officeDocument/2006/relationships" xmlns:p="http://schemas.openxmlformats.org/presentationml/2006/main">
   <p:cSld>
     <p:spTree>
@@ -38178,7 +38590,7 @@
           <a:p>
             <a:fld id="{6C6AE60A-B69C-4790-82F7-3882EDF23186}" type="slidenum">
               <a:rPr lang="de-DE" smtClean="0"/>
-              <a:t>44</a:t>
+              <a:t>46</a:t>
             </a:fld>
             <a:endParaRPr lang="de-DE"/>
           </a:p>
@@ -38225,7 +38637,7 @@
 </p:sld>
 </file>
 
-<file path=ppt/slides/slide45.xml><?xml version="1.0" encoding="utf-8"?>
+<file path=ppt/slides/slide47.xml><?xml version="1.0" encoding="utf-8"?>
 <p:sld xmlns:a="http://schemas.openxmlformats.org/drawingml/2006/main" xmlns:r="http://schemas.openxmlformats.org/officeDocument/2006/relationships" xmlns:p="http://schemas.openxmlformats.org/presentationml/2006/main">
   <p:cSld>
     <p:spTree>
@@ -38685,7 +39097,7 @@
           <a:p>
             <a:fld id="{6C6AE60A-B69C-4790-82F7-3882EDF23186}" type="slidenum">
               <a:rPr lang="de-DE" smtClean="0"/>
-              <a:t>45</a:t>
+              <a:t>47</a:t>
             </a:fld>
             <a:endParaRPr lang="de-DE"/>
           </a:p>
@@ -38732,7 +39144,7 @@
 </p:sld>
 </file>
 
-<file path=ppt/slides/slide46.xml><?xml version="1.0" encoding="utf-8"?>
+<file path=ppt/slides/slide48.xml><?xml version="1.0" encoding="utf-8"?>
 <p:sld xmlns:a="http://schemas.openxmlformats.org/drawingml/2006/main" xmlns:r="http://schemas.openxmlformats.org/officeDocument/2006/relationships" xmlns:p="http://schemas.openxmlformats.org/presentationml/2006/main">
   <p:cSld>
     <p:spTree>
@@ -38862,7 +39274,7 @@
           <a:p>
             <a:fld id="{6C6AE60A-B69C-4790-82F7-3882EDF23186}" type="slidenum">
               <a:rPr lang="de-DE" smtClean="0"/>
-              <a:t>46</a:t>
+              <a:t>48</a:t>
             </a:fld>
             <a:endParaRPr lang="de-DE"/>
           </a:p>

--- a/Documentation/Praesentation/PresentationRoomanizer.pptx
+++ b/Documentation/Praesentation/PresentationRoomanizer.pptx
@@ -15976,7 +15976,7 @@
               <a:t>guis</a:t>
             </a:r>
             <a:r>
-              <a:rPr lang="en-US" baseline="0" noProof="0" smtClean="0">
+              <a:rPr lang="en-US" baseline="0" noProof="0" dirty="0" smtClean="0">
                 <a:sym typeface="Wingdings" pitchFamily="2" charset="2"/>
               </a:rPr>
               <a:t>, IF THEY USE THE SAME!</a:t>
@@ -27213,27 +27213,7 @@
                   </a:schemeClr>
                 </a:solidFill>
               </a:rPr>
-              <a:t> </a:t>
-            </a:r>
-            <a:r>
-              <a:rPr lang="de-AT" dirty="0" smtClean="0">
-                <a:solidFill>
-                  <a:schemeClr val="accent3">
-                    <a:lumMod val="50000"/>
-                  </a:schemeClr>
-                </a:solidFill>
-              </a:rPr>
-              <a:t>&amp; Ajax </a:t>
-            </a:r>
-            <a:r>
-              <a:rPr lang="de-AT" dirty="0" smtClean="0">
-                <a:solidFill>
-                  <a:schemeClr val="accent3">
-                    <a:lumMod val="50000"/>
-                  </a:schemeClr>
-                </a:solidFill>
-              </a:rPr>
-              <a:t>(web-reservation)</a:t>
+              <a:t> &amp; Ajax (web-reservation)</a:t>
             </a:r>
           </a:p>
           <a:p>
@@ -30934,6 +30914,13 @@
   <p:clrMapOvr>
     <a:masterClrMapping/>
   </p:clrMapOvr>
+  <p:timing>
+    <p:tnLst>
+      <p:par>
+        <p:cTn id="1" dur="indefinite" restart="never" nodeType="tmRoot"/>
+      </p:par>
+    </p:tnLst>
+  </p:timing>
 </p:sld>
 </file>
 
@@ -31910,6 +31897,66 @@
           </a:p>
         </p:txBody>
       </p:sp>
+      <p:pic>
+        <p:nvPicPr>
+          <p:cNvPr id="7" name="Grafik 6"/>
+          <p:cNvPicPr>
+            <a:picLocks noChangeAspect="1"/>
+          </p:cNvPicPr>
+          <p:nvPr/>
+        </p:nvPicPr>
+        <p:blipFill>
+          <a:blip r:embed="rId3">
+            <a:extLst>
+              <a:ext uri="{28A0092B-C50C-407E-A947-70E740481C1C}">
+                <a14:useLocalDpi xmlns:a14="http://schemas.microsoft.com/office/drawing/2010/main" val="0"/>
+              </a:ext>
+            </a:extLst>
+          </a:blip>
+          <a:stretch>
+            <a:fillRect/>
+          </a:stretch>
+        </p:blipFill>
+        <p:spPr>
+          <a:xfrm>
+            <a:off x="36512" y="1644352"/>
+            <a:ext cx="9144000" cy="4953000"/>
+          </a:xfrm>
+          <a:prstGeom prst="rect">
+            <a:avLst/>
+          </a:prstGeom>
+        </p:spPr>
+      </p:pic>
+      <p:pic>
+        <p:nvPicPr>
+          <p:cNvPr id="8" name="Grafik 7"/>
+          <p:cNvPicPr>
+            <a:picLocks noChangeAspect="1"/>
+          </p:cNvPicPr>
+          <p:nvPr/>
+        </p:nvPicPr>
+        <p:blipFill>
+          <a:blip r:embed="rId4">
+            <a:extLst>
+              <a:ext uri="{28A0092B-C50C-407E-A947-70E740481C1C}">
+                <a14:useLocalDpi xmlns:a14="http://schemas.microsoft.com/office/drawing/2010/main" val="0"/>
+              </a:ext>
+            </a:extLst>
+          </a:blip>
+          <a:stretch>
+            <a:fillRect/>
+          </a:stretch>
+        </p:blipFill>
+        <p:spPr>
+          <a:xfrm>
+            <a:off x="35496" y="1628800"/>
+            <a:ext cx="9144000" cy="4952999"/>
+          </a:xfrm>
+          <a:prstGeom prst="rect">
+            <a:avLst/>
+          </a:prstGeom>
+        </p:spPr>
+      </p:pic>
     </p:spTree>
     <p:extLst>
       <p:ext uri="{BB962C8B-B14F-4D97-AF65-F5344CB8AC3E}">
@@ -32086,15 +32133,413 @@
                                   </p:childTnLst>
                                 </p:cTn>
                               </p:par>
+                            </p:childTnLst>
+                          </p:cTn>
+                        </p:par>
+                      </p:childTnLst>
+                    </p:cTn>
+                  </p:par>
+                  <p:par>
+                    <p:cTn id="14" fill="hold">
+                      <p:stCondLst>
+                        <p:cond delay="indefinite"/>
+                      </p:stCondLst>
+                      <p:childTnLst>
+                        <p:par>
+                          <p:cTn id="15" fill="hold">
+                            <p:stCondLst>
+                              <p:cond delay="0"/>
+                            </p:stCondLst>
+                            <p:childTnLst>
                               <p:par>
-                                <p:cTn id="14" presetID="2" presetClass="entr" presetSubtype="4" fill="hold" nodeType="withEffect">
+                                <p:cTn id="16" presetID="2" presetClass="entr" presetSubtype="4" fill="hold" nodeType="clickEffect">
                                   <p:stCondLst>
                                     <p:cond delay="0"/>
                                   </p:stCondLst>
                                   <p:childTnLst>
                                     <p:set>
                                       <p:cBhvr>
-                                        <p:cTn id="15" dur="1" fill="hold">
+                                        <p:cTn id="17" dur="1" fill="hold">
+                                          <p:stCondLst>
+                                            <p:cond delay="0"/>
+                                          </p:stCondLst>
+                                        </p:cTn>
+                                        <p:tgtEl>
+                                          <p:spTgt spid="7"/>
+                                        </p:tgtEl>
+                                        <p:attrNameLst>
+                                          <p:attrName>style.visibility</p:attrName>
+                                        </p:attrNameLst>
+                                      </p:cBhvr>
+                                      <p:to>
+                                        <p:strVal val="visible"/>
+                                      </p:to>
+                                    </p:set>
+                                    <p:anim calcmode="lin" valueType="num">
+                                      <p:cBhvr additive="base">
+                                        <p:cTn id="18" dur="500" fill="hold"/>
+                                        <p:tgtEl>
+                                          <p:spTgt spid="7"/>
+                                        </p:tgtEl>
+                                        <p:attrNameLst>
+                                          <p:attrName>ppt_x</p:attrName>
+                                        </p:attrNameLst>
+                                      </p:cBhvr>
+                                      <p:tavLst>
+                                        <p:tav tm="0">
+                                          <p:val>
+                                            <p:strVal val="#ppt_x"/>
+                                          </p:val>
+                                        </p:tav>
+                                        <p:tav tm="100000">
+                                          <p:val>
+                                            <p:strVal val="#ppt_x"/>
+                                          </p:val>
+                                        </p:tav>
+                                      </p:tavLst>
+                                    </p:anim>
+                                    <p:anim calcmode="lin" valueType="num">
+                                      <p:cBhvr additive="base">
+                                        <p:cTn id="19" dur="500" fill="hold"/>
+                                        <p:tgtEl>
+                                          <p:spTgt spid="7"/>
+                                        </p:tgtEl>
+                                        <p:attrNameLst>
+                                          <p:attrName>ppt_y</p:attrName>
+                                        </p:attrNameLst>
+                                      </p:cBhvr>
+                                      <p:tavLst>
+                                        <p:tav tm="0">
+                                          <p:val>
+                                            <p:strVal val="1+#ppt_h/2"/>
+                                          </p:val>
+                                        </p:tav>
+                                        <p:tav tm="100000">
+                                          <p:val>
+                                            <p:strVal val="#ppt_y"/>
+                                          </p:val>
+                                        </p:tav>
+                                      </p:tavLst>
+                                    </p:anim>
+                                  </p:childTnLst>
+                                </p:cTn>
+                              </p:par>
+                            </p:childTnLst>
+                          </p:cTn>
+                        </p:par>
+                      </p:childTnLst>
+                    </p:cTn>
+                  </p:par>
+                  <p:par>
+                    <p:cTn id="20" fill="hold">
+                      <p:stCondLst>
+                        <p:cond delay="indefinite"/>
+                      </p:stCondLst>
+                      <p:childTnLst>
+                        <p:par>
+                          <p:cTn id="21" fill="hold">
+                            <p:stCondLst>
+                              <p:cond delay="0"/>
+                            </p:stCondLst>
+                            <p:childTnLst>
+                              <p:par>
+                                <p:cTn id="22" presetID="42" presetClass="exit" presetSubtype="0" fill="hold" nodeType="clickEffect">
+                                  <p:stCondLst>
+                                    <p:cond delay="0"/>
+                                  </p:stCondLst>
+                                  <p:childTnLst>
+                                    <p:animEffect transition="out" filter="fade">
+                                      <p:cBhvr>
+                                        <p:cTn id="23" dur="1000"/>
+                                        <p:tgtEl>
+                                          <p:spTgt spid="7"/>
+                                        </p:tgtEl>
+                                      </p:cBhvr>
+                                    </p:animEffect>
+                                    <p:anim calcmode="lin" valueType="num">
+                                      <p:cBhvr>
+                                        <p:cTn id="24" dur="1000"/>
+                                        <p:tgtEl>
+                                          <p:spTgt spid="7"/>
+                                        </p:tgtEl>
+                                        <p:attrNameLst>
+                                          <p:attrName>ppt_x</p:attrName>
+                                        </p:attrNameLst>
+                                      </p:cBhvr>
+                                      <p:tavLst>
+                                        <p:tav tm="0">
+                                          <p:val>
+                                            <p:strVal val="ppt_x"/>
+                                          </p:val>
+                                        </p:tav>
+                                        <p:tav tm="100000">
+                                          <p:val>
+                                            <p:strVal val="ppt_x"/>
+                                          </p:val>
+                                        </p:tav>
+                                      </p:tavLst>
+                                    </p:anim>
+                                    <p:anim calcmode="lin" valueType="num">
+                                      <p:cBhvr>
+                                        <p:cTn id="25" dur="1000"/>
+                                        <p:tgtEl>
+                                          <p:spTgt spid="7"/>
+                                        </p:tgtEl>
+                                        <p:attrNameLst>
+                                          <p:attrName>ppt_y</p:attrName>
+                                        </p:attrNameLst>
+                                      </p:cBhvr>
+                                      <p:tavLst>
+                                        <p:tav tm="0">
+                                          <p:val>
+                                            <p:strVal val="ppt_y"/>
+                                          </p:val>
+                                        </p:tav>
+                                        <p:tav tm="100000">
+                                          <p:val>
+                                            <p:strVal val="ppt_y+.1"/>
+                                          </p:val>
+                                        </p:tav>
+                                      </p:tavLst>
+                                    </p:anim>
+                                    <p:set>
+                                      <p:cBhvr>
+                                        <p:cTn id="26" dur="1" fill="hold">
+                                          <p:stCondLst>
+                                            <p:cond delay="999"/>
+                                          </p:stCondLst>
+                                        </p:cTn>
+                                        <p:tgtEl>
+                                          <p:spTgt spid="7"/>
+                                        </p:tgtEl>
+                                        <p:attrNameLst>
+                                          <p:attrName>style.visibility</p:attrName>
+                                        </p:attrNameLst>
+                                      </p:cBhvr>
+                                      <p:to>
+                                        <p:strVal val="hidden"/>
+                                      </p:to>
+                                    </p:set>
+                                  </p:childTnLst>
+                                </p:cTn>
+                              </p:par>
+                            </p:childTnLst>
+                          </p:cTn>
+                        </p:par>
+                      </p:childTnLst>
+                    </p:cTn>
+                  </p:par>
+                  <p:par>
+                    <p:cTn id="27" fill="hold">
+                      <p:stCondLst>
+                        <p:cond delay="indefinite"/>
+                      </p:stCondLst>
+                      <p:childTnLst>
+                        <p:par>
+                          <p:cTn id="28" fill="hold">
+                            <p:stCondLst>
+                              <p:cond delay="0"/>
+                            </p:stCondLst>
+                            <p:childTnLst>
+                              <p:par>
+                                <p:cTn id="29" presetID="2" presetClass="entr" presetSubtype="4" fill="hold" nodeType="clickEffect">
+                                  <p:stCondLst>
+                                    <p:cond delay="0"/>
+                                  </p:stCondLst>
+                                  <p:childTnLst>
+                                    <p:set>
+                                      <p:cBhvr>
+                                        <p:cTn id="30" dur="1" fill="hold">
+                                          <p:stCondLst>
+                                            <p:cond delay="0"/>
+                                          </p:stCondLst>
+                                        </p:cTn>
+                                        <p:tgtEl>
+                                          <p:spTgt spid="8"/>
+                                        </p:tgtEl>
+                                        <p:attrNameLst>
+                                          <p:attrName>style.visibility</p:attrName>
+                                        </p:attrNameLst>
+                                      </p:cBhvr>
+                                      <p:to>
+                                        <p:strVal val="visible"/>
+                                      </p:to>
+                                    </p:set>
+                                    <p:anim calcmode="lin" valueType="num">
+                                      <p:cBhvr additive="base">
+                                        <p:cTn id="31" dur="500" fill="hold"/>
+                                        <p:tgtEl>
+                                          <p:spTgt spid="8"/>
+                                        </p:tgtEl>
+                                        <p:attrNameLst>
+                                          <p:attrName>ppt_x</p:attrName>
+                                        </p:attrNameLst>
+                                      </p:cBhvr>
+                                      <p:tavLst>
+                                        <p:tav tm="0">
+                                          <p:val>
+                                            <p:strVal val="#ppt_x"/>
+                                          </p:val>
+                                        </p:tav>
+                                        <p:tav tm="100000">
+                                          <p:val>
+                                            <p:strVal val="#ppt_x"/>
+                                          </p:val>
+                                        </p:tav>
+                                      </p:tavLst>
+                                    </p:anim>
+                                    <p:anim calcmode="lin" valueType="num">
+                                      <p:cBhvr additive="base">
+                                        <p:cTn id="32" dur="500" fill="hold"/>
+                                        <p:tgtEl>
+                                          <p:spTgt spid="8"/>
+                                        </p:tgtEl>
+                                        <p:attrNameLst>
+                                          <p:attrName>ppt_y</p:attrName>
+                                        </p:attrNameLst>
+                                      </p:cBhvr>
+                                      <p:tavLst>
+                                        <p:tav tm="0">
+                                          <p:val>
+                                            <p:strVal val="1+#ppt_h/2"/>
+                                          </p:val>
+                                        </p:tav>
+                                        <p:tav tm="100000">
+                                          <p:val>
+                                            <p:strVal val="#ppt_y"/>
+                                          </p:val>
+                                        </p:tav>
+                                      </p:tavLst>
+                                    </p:anim>
+                                  </p:childTnLst>
+                                </p:cTn>
+                              </p:par>
+                            </p:childTnLst>
+                          </p:cTn>
+                        </p:par>
+                      </p:childTnLst>
+                    </p:cTn>
+                  </p:par>
+                  <p:par>
+                    <p:cTn id="33" fill="hold">
+                      <p:stCondLst>
+                        <p:cond delay="indefinite"/>
+                      </p:stCondLst>
+                      <p:childTnLst>
+                        <p:par>
+                          <p:cTn id="34" fill="hold">
+                            <p:stCondLst>
+                              <p:cond delay="0"/>
+                            </p:stCondLst>
+                            <p:childTnLst>
+                              <p:par>
+                                <p:cTn id="35" presetID="42" presetClass="exit" presetSubtype="0" fill="hold" nodeType="clickEffect">
+                                  <p:stCondLst>
+                                    <p:cond delay="0"/>
+                                  </p:stCondLst>
+                                  <p:childTnLst>
+                                    <p:animEffect transition="out" filter="fade">
+                                      <p:cBhvr>
+                                        <p:cTn id="36" dur="1000"/>
+                                        <p:tgtEl>
+                                          <p:spTgt spid="8"/>
+                                        </p:tgtEl>
+                                      </p:cBhvr>
+                                    </p:animEffect>
+                                    <p:anim calcmode="lin" valueType="num">
+                                      <p:cBhvr>
+                                        <p:cTn id="37" dur="1000"/>
+                                        <p:tgtEl>
+                                          <p:spTgt spid="8"/>
+                                        </p:tgtEl>
+                                        <p:attrNameLst>
+                                          <p:attrName>ppt_x</p:attrName>
+                                        </p:attrNameLst>
+                                      </p:cBhvr>
+                                      <p:tavLst>
+                                        <p:tav tm="0">
+                                          <p:val>
+                                            <p:strVal val="ppt_x"/>
+                                          </p:val>
+                                        </p:tav>
+                                        <p:tav tm="100000">
+                                          <p:val>
+                                            <p:strVal val="ppt_x"/>
+                                          </p:val>
+                                        </p:tav>
+                                      </p:tavLst>
+                                    </p:anim>
+                                    <p:anim calcmode="lin" valueType="num">
+                                      <p:cBhvr>
+                                        <p:cTn id="38" dur="1000"/>
+                                        <p:tgtEl>
+                                          <p:spTgt spid="8"/>
+                                        </p:tgtEl>
+                                        <p:attrNameLst>
+                                          <p:attrName>ppt_y</p:attrName>
+                                        </p:attrNameLst>
+                                      </p:cBhvr>
+                                      <p:tavLst>
+                                        <p:tav tm="0">
+                                          <p:val>
+                                            <p:strVal val="ppt_y"/>
+                                          </p:val>
+                                        </p:tav>
+                                        <p:tav tm="100000">
+                                          <p:val>
+                                            <p:strVal val="ppt_y+.1"/>
+                                          </p:val>
+                                        </p:tav>
+                                      </p:tavLst>
+                                    </p:anim>
+                                    <p:set>
+                                      <p:cBhvr>
+                                        <p:cTn id="39" dur="1" fill="hold">
+                                          <p:stCondLst>
+                                            <p:cond delay="999"/>
+                                          </p:stCondLst>
+                                        </p:cTn>
+                                        <p:tgtEl>
+                                          <p:spTgt spid="8"/>
+                                        </p:tgtEl>
+                                        <p:attrNameLst>
+                                          <p:attrName>style.visibility</p:attrName>
+                                        </p:attrNameLst>
+                                      </p:cBhvr>
+                                      <p:to>
+                                        <p:strVal val="hidden"/>
+                                      </p:to>
+                                    </p:set>
+                                  </p:childTnLst>
+                                </p:cTn>
+                              </p:par>
+                            </p:childTnLst>
+                          </p:cTn>
+                        </p:par>
+                      </p:childTnLst>
+                    </p:cTn>
+                  </p:par>
+                  <p:par>
+                    <p:cTn id="40" fill="hold">
+                      <p:stCondLst>
+                        <p:cond delay="indefinite"/>
+                      </p:stCondLst>
+                      <p:childTnLst>
+                        <p:par>
+                          <p:cTn id="41" fill="hold">
+                            <p:stCondLst>
+                              <p:cond delay="0"/>
+                            </p:stCondLst>
+                            <p:childTnLst>
+                              <p:par>
+                                <p:cTn id="42" presetID="2" presetClass="entr" presetSubtype="4" fill="hold" nodeType="clickEffect">
+                                  <p:stCondLst>
+                                    <p:cond delay="0"/>
+                                  </p:stCondLst>
+                                  <p:childTnLst>
+                                    <p:set>
+                                      <p:cBhvr>
+                                        <p:cTn id="43" dur="1" fill="hold">
                                           <p:stCondLst>
                                             <p:cond delay="0"/>
                                           </p:stCondLst>
@@ -32116,7 +32561,7 @@
                                     </p:set>
                                     <p:anim calcmode="lin" valueType="num">
                                       <p:cBhvr additive="base">
-                                        <p:cTn id="16" dur="500" fill="hold"/>
+                                        <p:cTn id="44" dur="500" fill="hold"/>
                                         <p:tgtEl>
                                           <p:spTgt spid="3">
                                             <p:txEl>
@@ -32143,7 +32588,7 @@
                                     </p:anim>
                                     <p:anim calcmode="lin" valueType="num">
                                       <p:cBhvr additive="base">
-                                        <p:cTn id="17" dur="500" fill="hold"/>
+                                        <p:cTn id="45" dur="500" fill="hold"/>
                                         <p:tgtEl>
                                           <p:spTgt spid="3">
                                             <p:txEl>
@@ -32172,14 +32617,14 @@
                                 </p:cTn>
                               </p:par>
                               <p:par>
-                                <p:cTn id="18" presetID="2" presetClass="entr" presetSubtype="4" fill="hold" nodeType="withEffect">
+                                <p:cTn id="46" presetID="2" presetClass="entr" presetSubtype="4" fill="hold" nodeType="withEffect">
                                   <p:stCondLst>
                                     <p:cond delay="0"/>
                                   </p:stCondLst>
                                   <p:childTnLst>
                                     <p:set>
                                       <p:cBhvr>
-                                        <p:cTn id="19" dur="1" fill="hold">
+                                        <p:cTn id="47" dur="1" fill="hold">
                                           <p:stCondLst>
                                             <p:cond delay="0"/>
                                           </p:stCondLst>
@@ -32201,7 +32646,7 @@
                                     </p:set>
                                     <p:anim calcmode="lin" valueType="num">
                                       <p:cBhvr additive="base">
-                                        <p:cTn id="20" dur="500" fill="hold"/>
+                                        <p:cTn id="48" dur="500" fill="hold"/>
                                         <p:tgtEl>
                                           <p:spTgt spid="3">
                                             <p:txEl>
@@ -32228,7 +32673,7 @@
                                     </p:anim>
                                     <p:anim calcmode="lin" valueType="num">
                                       <p:cBhvr additive="base">
-                                        <p:cTn id="21" dur="500" fill="hold"/>
+                                        <p:cTn id="49" dur="500" fill="hold"/>
                                         <p:tgtEl>
                                           <p:spTgt spid="3">
                                             <p:txEl>
@@ -32257,14 +32702,14 @@
                                 </p:cTn>
                               </p:par>
                               <p:par>
-                                <p:cTn id="22" presetID="2" presetClass="entr" presetSubtype="4" fill="hold" nodeType="withEffect">
+                                <p:cTn id="50" presetID="2" presetClass="entr" presetSubtype="4" fill="hold" nodeType="withEffect">
                                   <p:stCondLst>
                                     <p:cond delay="0"/>
                                   </p:stCondLst>
                                   <p:childTnLst>
                                     <p:set>
                                       <p:cBhvr>
-                                        <p:cTn id="23" dur="1" fill="hold">
+                                        <p:cTn id="51" dur="1" fill="hold">
                                           <p:stCondLst>
                                             <p:cond delay="0"/>
                                           </p:stCondLst>
@@ -32286,7 +32731,7 @@
                                     </p:set>
                                     <p:anim calcmode="lin" valueType="num">
                                       <p:cBhvr additive="base">
-                                        <p:cTn id="24" dur="500" fill="hold"/>
+                                        <p:cTn id="52" dur="500" fill="hold"/>
                                         <p:tgtEl>
                                           <p:spTgt spid="3">
                                             <p:txEl>
@@ -32313,7 +32758,7 @@
                                     </p:anim>
                                     <p:anim calcmode="lin" valueType="num">
                                       <p:cBhvr additive="base">
-                                        <p:cTn id="25" dur="500" fill="hold"/>
+                                        <p:cTn id="53" dur="500" fill="hold"/>
                                         <p:tgtEl>
                                           <p:spTgt spid="3">
                                             <p:txEl>
@@ -35937,7 +36382,6 @@
               <a:rPr lang="de-AT" dirty="0"/>
               <a:t>JSF &amp; Ajax</a:t>
             </a:r>
-            <a:endParaRPr lang="de-AT" dirty="0"/>
           </a:p>
         </p:txBody>
       </p:sp>
@@ -36153,7 +36597,6 @@
               <a:rPr lang="de-AT" dirty="0"/>
               <a:t>JSF &amp; Ajax</a:t>
             </a:r>
-            <a:endParaRPr lang="de-AT" dirty="0"/>
           </a:p>
         </p:txBody>
       </p:sp>

--- a/Documentation/Praesentation/PresentationRoomanizer.pptx
+++ b/Documentation/Praesentation/PresentationRoomanizer.pptx
@@ -1106,240 +1106,6 @@
       <dsp:cNvGrpSpPr/>
     </dsp:nvGrpSpPr>
     <dsp:grpSpPr/>
-    <dsp:sp modelId="{4A9CE6FA-2F6A-40B6-843E-7BD8B0065E1F}">
-      <dsp:nvSpPr>
-        <dsp:cNvPr id="0" name=""/>
-        <dsp:cNvSpPr/>
-      </dsp:nvSpPr>
-      <dsp:spPr>
-        <a:xfrm>
-          <a:off x="2006260" y="613697"/>
-          <a:ext cx="1492540" cy="1164645"/>
-        </a:xfrm>
-        <a:prstGeom prst="rect">
-          <a:avLst/>
-        </a:prstGeom>
-        <a:noFill/>
-        <a:ln>
-          <a:noFill/>
-        </a:ln>
-        <a:effectLst/>
-      </dsp:spPr>
-      <dsp:style>
-        <a:lnRef idx="0">
-          <a:scrgbClr r="0" g="0" b="0"/>
-        </a:lnRef>
-        <a:fillRef idx="0">
-          <a:scrgbClr r="0" g="0" b="0"/>
-        </a:fillRef>
-        <a:effectRef idx="0">
-          <a:scrgbClr r="0" g="0" b="0"/>
-        </a:effectRef>
-        <a:fontRef idx="minor"/>
-      </dsp:style>
-      <dsp:txBody>
-        <a:bodyPr spcFirstLastPara="0" vert="horz" wrap="square" lIns="36830" tIns="36830" rIns="36830" bIns="36830" numCol="1" spcCol="1270" anchor="ctr" anchorCtr="0">
-          <a:noAutofit/>
-        </a:bodyPr>
-        <a:lstStyle/>
-        <a:p>
-          <a:pPr lvl="0" algn="ctr" defTabSz="1289050">
-            <a:lnSpc>
-              <a:spcPct val="90000"/>
-            </a:lnSpc>
-            <a:spcBef>
-              <a:spcPct val="0"/>
-            </a:spcBef>
-            <a:spcAft>
-              <a:spcPct val="35000"/>
-            </a:spcAft>
-          </a:pPr>
-          <a:r>
-            <a:rPr lang="de-AT" sz="2900" kern="1200" dirty="0" err="1" smtClean="0"/>
-            <a:t>Invoice</a:t>
-          </a:r>
-          <a:r>
-            <a:rPr lang="de-AT" sz="2900" kern="1200" dirty="0" smtClean="0"/>
-            <a:t> Item</a:t>
-          </a:r>
-          <a:endParaRPr lang="de-AT" sz="2900" kern="1200" dirty="0"/>
-        </a:p>
-      </dsp:txBody>
-      <dsp:txXfrm>
-        <a:off x="2006260" y="613697"/>
-        <a:ext cx="1492540" cy="1164645"/>
-      </dsp:txXfrm>
-    </dsp:sp>
-    <dsp:sp modelId="{0A944668-9E45-4271-BB3D-61EA8936D182}">
-      <dsp:nvSpPr>
-        <dsp:cNvPr id="0" name=""/>
-        <dsp:cNvSpPr/>
-      </dsp:nvSpPr>
-      <dsp:spPr>
-        <a:xfrm>
-          <a:off x="605571" y="-475"/>
-          <a:ext cx="2392990" cy="2392990"/>
-        </a:xfrm>
-        <a:prstGeom prst="circularArrow">
-          <a:avLst>
-            <a:gd name="adj1" fmla="val 9490"/>
-            <a:gd name="adj2" fmla="val 685655"/>
-            <a:gd name="adj3" fmla="val 7847366"/>
-            <a:gd name="adj4" fmla="val 2266979"/>
-            <a:gd name="adj5" fmla="val 11072"/>
-          </a:avLst>
-        </a:prstGeom>
-        <a:solidFill>
-          <a:schemeClr val="accent1">
-            <a:hueOff val="0"/>
-            <a:satOff val="0"/>
-            <a:lumOff val="0"/>
-            <a:alphaOff val="0"/>
-          </a:schemeClr>
-        </a:solidFill>
-        <a:ln w="25400" cap="rnd" cmpd="sng" algn="ctr">
-          <a:solidFill>
-            <a:schemeClr val="lt1">
-              <a:hueOff val="0"/>
-              <a:satOff val="0"/>
-              <a:lumOff val="0"/>
-              <a:alphaOff val="0"/>
-            </a:schemeClr>
-          </a:solidFill>
-          <a:prstDash val="solid"/>
-        </a:ln>
-        <a:effectLst/>
-      </dsp:spPr>
-      <dsp:style>
-        <a:lnRef idx="2">
-          <a:scrgbClr r="0" g="0" b="0"/>
-        </a:lnRef>
-        <a:fillRef idx="1">
-          <a:scrgbClr r="0" g="0" b="0"/>
-        </a:fillRef>
-        <a:effectRef idx="0">
-          <a:scrgbClr r="0" g="0" b="0"/>
-        </a:effectRef>
-        <a:fontRef idx="minor">
-          <a:schemeClr val="lt1"/>
-        </a:fontRef>
-      </dsp:style>
-    </dsp:sp>
-    <dsp:sp modelId="{2F8F08C6-8C6D-457F-BD8C-A4D9AF3E7475}">
-      <dsp:nvSpPr>
-        <dsp:cNvPr id="0" name=""/>
-        <dsp:cNvSpPr/>
-      </dsp:nvSpPr>
-      <dsp:spPr>
-        <a:xfrm>
-          <a:off x="269279" y="613697"/>
-          <a:ext cx="1164645" cy="1164645"/>
-        </a:xfrm>
-        <a:prstGeom prst="rect">
-          <a:avLst/>
-        </a:prstGeom>
-        <a:noFill/>
-        <a:ln>
-          <a:noFill/>
-        </a:ln>
-        <a:effectLst/>
-      </dsp:spPr>
-      <dsp:style>
-        <a:lnRef idx="0">
-          <a:scrgbClr r="0" g="0" b="0"/>
-        </a:lnRef>
-        <a:fillRef idx="0">
-          <a:scrgbClr r="0" g="0" b="0"/>
-        </a:fillRef>
-        <a:effectRef idx="0">
-          <a:scrgbClr r="0" g="0" b="0"/>
-        </a:effectRef>
-        <a:fontRef idx="minor"/>
-      </dsp:style>
-      <dsp:txBody>
-        <a:bodyPr spcFirstLastPara="0" vert="horz" wrap="square" lIns="36830" tIns="36830" rIns="36830" bIns="36830" numCol="1" spcCol="1270" anchor="ctr" anchorCtr="0">
-          <a:noAutofit/>
-        </a:bodyPr>
-        <a:lstStyle/>
-        <a:p>
-          <a:pPr lvl="0" algn="ctr" defTabSz="1289050">
-            <a:lnSpc>
-              <a:spcPct val="90000"/>
-            </a:lnSpc>
-            <a:spcBef>
-              <a:spcPct val="0"/>
-            </a:spcBef>
-            <a:spcAft>
-              <a:spcPct val="35000"/>
-            </a:spcAft>
-          </a:pPr>
-          <a:r>
-            <a:rPr lang="de-AT" sz="2900" kern="1200" dirty="0" err="1" smtClean="0"/>
-            <a:t>Invoice</a:t>
-          </a:r>
-          <a:endParaRPr lang="de-AT" sz="2900" kern="1200" dirty="0"/>
-        </a:p>
-      </dsp:txBody>
-      <dsp:txXfrm>
-        <a:off x="269279" y="613697"/>
-        <a:ext cx="1164645" cy="1164645"/>
-      </dsp:txXfrm>
-    </dsp:sp>
-    <dsp:sp modelId="{9CFF976A-BD0C-45E9-BD17-26232B64DC87}">
-      <dsp:nvSpPr>
-        <dsp:cNvPr id="0" name=""/>
-        <dsp:cNvSpPr/>
-      </dsp:nvSpPr>
-      <dsp:spPr>
-        <a:xfrm>
-          <a:off x="605571" y="-475"/>
-          <a:ext cx="2392990" cy="2392990"/>
-        </a:xfrm>
-        <a:prstGeom prst="circularArrow">
-          <a:avLst>
-            <a:gd name="adj1" fmla="val 9490"/>
-            <a:gd name="adj2" fmla="val 685655"/>
-            <a:gd name="adj3" fmla="val 18647366"/>
-            <a:gd name="adj4" fmla="val 13066979"/>
-            <a:gd name="adj5" fmla="val 11072"/>
-          </a:avLst>
-        </a:prstGeom>
-        <a:solidFill>
-          <a:schemeClr val="accent1">
-            <a:hueOff val="0"/>
-            <a:satOff val="0"/>
-            <a:lumOff val="0"/>
-            <a:alphaOff val="0"/>
-          </a:schemeClr>
-        </a:solidFill>
-        <a:ln w="25400" cap="rnd" cmpd="sng" algn="ctr">
-          <a:solidFill>
-            <a:schemeClr val="lt1">
-              <a:hueOff val="0"/>
-              <a:satOff val="0"/>
-              <a:lumOff val="0"/>
-              <a:alphaOff val="0"/>
-            </a:schemeClr>
-          </a:solidFill>
-          <a:prstDash val="solid"/>
-        </a:ln>
-        <a:effectLst/>
-      </dsp:spPr>
-      <dsp:style>
-        <a:lnRef idx="2">
-          <a:scrgbClr r="0" g="0" b="0"/>
-        </a:lnRef>
-        <a:fillRef idx="1">
-          <a:scrgbClr r="0" g="0" b="0"/>
-        </a:fillRef>
-        <a:effectRef idx="0">
-          <a:scrgbClr r="0" g="0" b="0"/>
-        </a:effectRef>
-        <a:fontRef idx="minor">
-          <a:schemeClr val="lt1"/>
-        </a:fontRef>
-      </dsp:style>
-    </dsp:sp>
   </dsp:spTree>
 </dsp:drawing>
 </file>
@@ -26255,11 +26021,80 @@
           </a:p>
         </p:txBody>
       </p:sp>
+      <p:sp>
+        <p:nvSpPr>
+          <p:cNvPr id="2" name="Datumsplatzhalter 1"/>
+          <p:cNvSpPr>
+            <a:spLocks noGrp="1"/>
+          </p:cNvSpPr>
+          <p:nvPr>
+            <p:ph type="dt" sz="half" idx="10"/>
+          </p:nvPr>
+        </p:nvSpPr>
+        <p:spPr/>
+        <p:txBody>
+          <a:bodyPr/>
+          <a:lstStyle/>
+          <a:p>
+            <a:fld id="{4603DE6C-2766-453F-9D69-BEFC378EA777}" type="datetime1">
+              <a:rPr lang="de-DE" smtClean="0"/>
+              <a:t>12.06.2012</a:t>
+            </a:fld>
+            <a:endParaRPr lang="de-DE"/>
+          </a:p>
+        </p:txBody>
+      </p:sp>
+      <p:sp>
+        <p:nvSpPr>
+          <p:cNvPr id="3" name="Fußzeilenplatzhalter 2"/>
+          <p:cNvSpPr>
+            <a:spLocks noGrp="1"/>
+          </p:cNvSpPr>
+          <p:nvPr>
+            <p:ph type="ftr" sz="quarter" idx="11"/>
+          </p:nvPr>
+        </p:nvSpPr>
+        <p:spPr/>
+        <p:txBody>
+          <a:bodyPr/>
+          <a:lstStyle/>
+          <a:p>
+            <a:r>
+              <a:rPr lang="de-DE" smtClean="0"/>
+              <a:t>Roomanizer Presentation Team E</a:t>
+            </a:r>
+            <a:endParaRPr lang="de-DE"/>
+          </a:p>
+        </p:txBody>
+      </p:sp>
+      <p:sp>
+        <p:nvSpPr>
+          <p:cNvPr id="4" name="Foliennummernplatzhalter 3"/>
+          <p:cNvSpPr>
+            <a:spLocks noGrp="1"/>
+          </p:cNvSpPr>
+          <p:nvPr>
+            <p:ph type="sldNum" sz="quarter" idx="12"/>
+          </p:nvPr>
+        </p:nvSpPr>
+        <p:spPr/>
+        <p:txBody>
+          <a:bodyPr/>
+          <a:lstStyle/>
+          <a:p>
+            <a:fld id="{6C6AE60A-B69C-4790-82F7-3882EDF23186}" type="slidenum">
+              <a:rPr lang="de-DE" smtClean="0"/>
+              <a:t>18</a:t>
+            </a:fld>
+            <a:endParaRPr lang="de-DE"/>
+          </a:p>
+        </p:txBody>
+      </p:sp>
       <p:pic>
         <p:nvPicPr>
-          <p:cNvPr id="59394" name="Picture 2"/>
+          <p:cNvPr id="7" name="Bild 2" descr="Package_diagram-1.jpg"/>
           <p:cNvPicPr>
-            <a:picLocks noChangeAspect="1" noChangeArrowheads="1"/>
+            <a:picLocks noChangeAspect="1"/>
           </p:cNvPicPr>
           <p:nvPr/>
         </p:nvPicPr>
@@ -26275,122 +26110,16 @@
             <a:fillRect/>
           </a:stretch>
         </p:blipFill>
-        <p:spPr bwMode="auto">
+        <p:spPr>
           <a:xfrm>
-            <a:off x="1961743" y="1468954"/>
-            <a:ext cx="5409154" cy="5224869"/>
+            <a:off x="0" y="1468912"/>
+            <a:ext cx="9144000" cy="4768400"/>
           </a:xfrm>
           <a:prstGeom prst="rect">
             <a:avLst/>
           </a:prstGeom>
-          <a:noFill/>
-          <a:ln>
-            <a:noFill/>
-          </a:ln>
-          <a:effectLst/>
-          <a:extLst>
-            <a:ext uri="{909E8E84-426E-40DD-AFC4-6F175D3DCCD1}">
-              <a14:hiddenFill xmlns:a14="http://schemas.microsoft.com/office/drawing/2010/main">
-                <a:blipFill dpi="0" rotWithShape="0">
-                  <a:blip/>
-                  <a:srcRect/>
-                  <a:stretch>
-                    <a:fillRect/>
-                  </a:stretch>
-                </a:blipFill>
-              </a14:hiddenFill>
-            </a:ext>
-            <a:ext uri="{91240B29-F687-4F45-9708-019B960494DF}">
-              <a14:hiddenLine xmlns:a14="http://schemas.microsoft.com/office/drawing/2010/main" w="9525">
-                <a:solidFill>
-                  <a:srgbClr val="000000"/>
-                </a:solidFill>
-                <a:round/>
-                <a:headEnd/>
-                <a:tailEnd/>
-              </a14:hiddenLine>
-            </a:ext>
-            <a:ext uri="{AF507438-7753-43E0-B8FC-AC1667EBCBE1}">
-              <a14:hiddenEffects xmlns:a14="http://schemas.microsoft.com/office/drawing/2010/main">
-                <a:effectLst>
-                  <a:outerShdw dist="35921" dir="2700000" algn="ctr" rotWithShape="0">
-                    <a:srgbClr val="808080"/>
-                  </a:outerShdw>
-                </a:effectLst>
-              </a14:hiddenEffects>
-            </a:ext>
-          </a:extLst>
         </p:spPr>
       </p:pic>
-      <p:sp>
-        <p:nvSpPr>
-          <p:cNvPr id="2" name="Datumsplatzhalter 1"/>
-          <p:cNvSpPr>
-            <a:spLocks noGrp="1"/>
-          </p:cNvSpPr>
-          <p:nvPr>
-            <p:ph type="dt" sz="half" idx="10"/>
-          </p:nvPr>
-        </p:nvSpPr>
-        <p:spPr/>
-        <p:txBody>
-          <a:bodyPr/>
-          <a:lstStyle/>
-          <a:p>
-            <a:fld id="{4603DE6C-2766-453F-9D69-BEFC378EA777}" type="datetime1">
-              <a:rPr lang="de-DE" smtClean="0"/>
-              <a:t>12.06.2012</a:t>
-            </a:fld>
-            <a:endParaRPr lang="de-DE"/>
-          </a:p>
-        </p:txBody>
-      </p:sp>
-      <p:sp>
-        <p:nvSpPr>
-          <p:cNvPr id="3" name="Fußzeilenplatzhalter 2"/>
-          <p:cNvSpPr>
-            <a:spLocks noGrp="1"/>
-          </p:cNvSpPr>
-          <p:nvPr>
-            <p:ph type="ftr" sz="quarter" idx="11"/>
-          </p:nvPr>
-        </p:nvSpPr>
-        <p:spPr/>
-        <p:txBody>
-          <a:bodyPr/>
-          <a:lstStyle/>
-          <a:p>
-            <a:r>
-              <a:rPr lang="de-DE" smtClean="0"/>
-              <a:t>Roomanizer Presentation Team E</a:t>
-            </a:r>
-            <a:endParaRPr lang="de-DE"/>
-          </a:p>
-        </p:txBody>
-      </p:sp>
-      <p:sp>
-        <p:nvSpPr>
-          <p:cNvPr id="4" name="Foliennummernplatzhalter 3"/>
-          <p:cNvSpPr>
-            <a:spLocks noGrp="1"/>
-          </p:cNvSpPr>
-          <p:nvPr>
-            <p:ph type="sldNum" sz="quarter" idx="12"/>
-          </p:nvPr>
-        </p:nvSpPr>
-        <p:spPr/>
-        <p:txBody>
-          <a:bodyPr/>
-          <a:lstStyle/>
-          <a:p>
-            <a:fld id="{6C6AE60A-B69C-4790-82F7-3882EDF23186}" type="slidenum">
-              <a:rPr lang="de-DE" smtClean="0"/>
-              <a:t>18</a:t>
-            </a:fld>
-            <a:endParaRPr lang="de-DE"/>
-          </a:p>
-        </p:txBody>
-      </p:sp>
     </p:spTree>
     <p:extLst>
       <p:ext uri="{BB962C8B-B14F-4D97-AF65-F5344CB8AC3E}">

--- a/Documentation/Praesentation/PresentationRoomanizer.pptx
+++ b/Documentation/Praesentation/PresentationRoomanizer.pptx
@@ -15300,68 +15300,6 @@
             <a:pPr marL="0" indent="0">
               <a:buNone/>
             </a:pPr>
-            <a:r>
-              <a:rPr lang="en-US" dirty="0" smtClean="0"/>
-              <a:t>JSF makes it easy to designate Java code that is invoked when forms are submitted. The code can respond to particular buttons, changes in particular values, certain user selections, and so on.</a:t>
-            </a:r>
-          </a:p>
-          <a:p>
-            <a:pPr marL="0" indent="0">
-              <a:buNone/>
-            </a:pPr>
-            <a:endParaRPr lang="en-US" dirty="0" smtClean="0"/>
-          </a:p>
-          <a:p>
-            <a:pPr marL="0" marR="0" indent="0" algn="l" defTabSz="914400" rtl="0" eaLnBrk="1" fontAlgn="auto" latinLnBrk="0" hangingPunct="1">
-              <a:lnSpc>
-                <a:spcPct val="100000"/>
-              </a:lnSpc>
-              <a:spcBef>
-                <a:spcPts val="0"/>
-              </a:spcBef>
-              <a:spcAft>
-                <a:spcPts val="0"/>
-              </a:spcAft>
-              <a:buClrTx/>
-              <a:buSzTx/>
-              <a:buFontTx/>
-              <a:buNone/>
-              <a:tabLst/>
-              <a:defRPr/>
-            </a:pPr>
-            <a:r>
-              <a:rPr lang="en-US" dirty="0" smtClean="0"/>
-              <a:t>In JSP, you can use property="*" with </a:t>
-            </a:r>
-            <a:r>
-              <a:rPr lang="en-US" dirty="0" err="1" smtClean="0"/>
-              <a:t>jsp:setProperty</a:t>
-            </a:r>
-            <a:r>
-              <a:rPr lang="en-US" dirty="0" smtClean="0"/>
-              <a:t> to automatically populate a bean based on request parameters. JSF extends this capability and adds in several utilities, all of which serve to greatly simplify request </a:t>
-            </a:r>
-            <a:r>
-              <a:rPr lang="de-AT" dirty="0" err="1" smtClean="0"/>
-              <a:t>param</a:t>
-            </a:r>
-            <a:r>
-              <a:rPr lang="de-AT" dirty="0" smtClean="0"/>
-              <a:t> </a:t>
-            </a:r>
-            <a:r>
-              <a:rPr lang="de-AT" dirty="0" err="1" smtClean="0"/>
-              <a:t>processing</a:t>
-            </a:r>
-            <a:r>
-              <a:rPr lang="de-AT" dirty="0" smtClean="0"/>
-              <a:t>.</a:t>
-            </a:r>
-          </a:p>
-          <a:p>
-            <a:pPr marL="0" indent="0">
-              <a:buNone/>
-            </a:pPr>
             <a:endParaRPr lang="en-US" dirty="0" smtClean="0"/>
           </a:p>
         </p:txBody>
@@ -15446,6 +15384,13 @@
           <a:bodyPr/>
           <a:lstStyle/>
           <a:p>
+            <a:r>
+              <a:rPr lang="de-AT" dirty="0" smtClean="0"/>
+              <a:t>	</a:t>
+            </a:r>
+            <a:endParaRPr lang="de-AT" dirty="0" smtClean="0"/>
+          </a:p>
+          <a:p>
             <a:pPr marL="0" marR="0" indent="0" algn="l" defTabSz="914400" rtl="0" eaLnBrk="1" fontAlgn="auto" latinLnBrk="0" hangingPunct="1">
               <a:lnSpc>
                 <a:spcPct val="100000"/>
@@ -15465,40 +15410,6 @@
             </a:pPr>
             <a:r>
               <a:rPr lang="en-US" dirty="0" smtClean="0"/>
-              <a:t>You can use </a:t>
-            </a:r>
-            <a:r>
-              <a:rPr lang="en-US" dirty="0" err="1" smtClean="0"/>
-              <a:t>jQuery</a:t>
-            </a:r>
-            <a:r>
-              <a:rPr lang="en-US" dirty="0" smtClean="0"/>
-              <a:t>, Dojo, or Ext-JS with servlets and JSP. However, JSF lets you use Ajax without explicit JavaScript programming and with very simple tags. Also, the Ajax calls know about the server-side business logic.</a:t>
-            </a:r>
-          </a:p>
-          <a:p>
-            <a:endParaRPr lang="de-AT" dirty="0" smtClean="0"/>
-          </a:p>
-          <a:p>
-            <a:pPr marL="0" marR="0" indent="0" algn="l" defTabSz="914400" rtl="0" eaLnBrk="1" fontAlgn="auto" latinLnBrk="0" hangingPunct="1">
-              <a:lnSpc>
-                <a:spcPct val="100000"/>
-              </a:lnSpc>
-              <a:spcBef>
-                <a:spcPts val="0"/>
-              </a:spcBef>
-              <a:spcAft>
-                <a:spcPts val="0"/>
-              </a:spcAft>
-              <a:buClrTx/>
-              <a:buSzTx/>
-              <a:buFontTx/>
-              <a:buNone/>
-              <a:tabLst/>
-              <a:defRPr/>
-            </a:pPr>
-            <a:r>
-              <a:rPr lang="en-US" dirty="0" smtClean="0"/>
               <a:t>JSF has built-in capabilities for checking that form values are in the required format and for converting from strings to various other data types. </a:t>
             </a:r>
             <a:br>
@@ -15529,12 +15440,12 @@
               <a:t>maintained</a:t>
             </a:r>
             <a:r>
-              <a:rPr lang="de-AT" smtClean="0"/>
+              <a:rPr lang="de-AT" dirty="0" smtClean="0"/>
               <a:t>.</a:t>
             </a:r>
           </a:p>
           <a:p>
-            <a:endParaRPr lang="de-AT"/>
+            <a:endParaRPr lang="de-AT" dirty="0"/>
           </a:p>
         </p:txBody>
       </p:sp>
@@ -16751,11 +16662,7 @@
             </a:r>
             <a:r>
               <a:rPr lang="de-AT" baseline="0" dirty="0" smtClean="0"/>
-              <a:t> </a:t>
-            </a:r>
-            <a:r>
-              <a:rPr lang="de-AT" baseline="0" dirty="0" smtClean="0"/>
-              <a:t>Abläufe</a:t>
+              <a:t> Abläufe</a:t>
             </a:r>
           </a:p>
           <a:p>

--- a/Documentation/Praesentation/PresentationRoomanizer.pptx
+++ b/Documentation/Praesentation/PresentationRoomanizer.pptx
@@ -3759,31 +3759,20 @@
           <a:lstStyle/>
           <a:p>
             <a:r>
-              <a:rPr lang="en-US" smtClean="0"/>
-              <a:t>Here a short technical Overview</a:t>
-            </a:r>
-            <a:endParaRPr lang="de-AT" smtClean="0"/>
-          </a:p>
-          <a:p>
-            <a:r>
-              <a:rPr lang="en-US" smtClean="0"/>
-              <a:t>As version management we used the online server from github because it was reachable from everywhere. (and because of the sweet cat as logo)</a:t>
-            </a:r>
-            <a:endParaRPr lang="de-AT" smtClean="0"/>
-          </a:p>
-          <a:p>
-            <a:r>
-              <a:rPr lang="en-US" smtClean="0"/>
-              <a:t>As development the java environment, because all of us had most experience with this language and it is robust.</a:t>
-            </a:r>
-            <a:endParaRPr lang="de-AT" smtClean="0"/>
-          </a:p>
-          <a:p>
-            <a:r>
-              <a:rPr lang="en-US" smtClean="0"/>
-              <a:t> </a:t>
-            </a:r>
-            <a:endParaRPr lang="de-AT" smtClean="0"/>
+              <a:rPr lang="de-AT" dirty="0" smtClean="0"/>
+              <a:t>Was verwenden</a:t>
+            </a:r>
+            <a:r>
+              <a:rPr lang="de-AT" baseline="0" dirty="0" smtClean="0"/>
+              <a:t> wir? Auf Technologien kurz eingehen. Warum verwenden wir diese?</a:t>
+            </a:r>
+          </a:p>
+          <a:p>
+            <a:r>
+              <a:rPr lang="de-AT" baseline="0" dirty="0" smtClean="0"/>
+              <a:t>Genaueres später!</a:t>
+            </a:r>
+            <a:endParaRPr lang="de-AT" dirty="0" smtClean="0"/>
           </a:p>
         </p:txBody>
       </p:sp>
@@ -3925,45 +3914,163 @@
           <a:bodyPr/>
           <a:lstStyle/>
           <a:p>
-            <a:r>
-              <a:rPr lang="en-US" smtClean="0"/>
-              <a:t>For building this here you can see our Unified Process which started with the</a:t>
-            </a:r>
-            <a:endParaRPr lang="de-AT" smtClean="0"/>
-          </a:p>
-          <a:p>
-            <a:r>
-              <a:rPr lang="en-US" smtClean="0"/>
-              <a:t>Initialization phase from the 27 of February to the 26 of march, in which we created the UseCases, looked for some Personas and developed a few Scenarios. </a:t>
-            </a:r>
-            <a:endParaRPr lang="de-AT" smtClean="0"/>
-          </a:p>
-          <a:p>
-            <a:r>
-              <a:rPr lang="en-US" smtClean="0"/>
-              <a:t>In Timebox one from the 27 of April to the 30 of April we started to design our UseCase with a paperprotoype, followed by the implementation and testing.</a:t>
-            </a:r>
-            <a:endParaRPr lang="de-AT" smtClean="0"/>
-          </a:p>
-          <a:p>
-            <a:r>
-              <a:rPr lang="en-US" smtClean="0"/>
-              <a:t>The second Timebox from the 01. of May to the 28 of may was focused on the Integration of another implemented usecase </a:t>
-            </a:r>
-            <a:r>
-              <a:rPr lang="de-AT" smtClean="0"/>
-              <a:t>and to implement a usecase for another team.</a:t>
-            </a:r>
-          </a:p>
-          <a:p>
-            <a:r>
-              <a:rPr lang="en-US" smtClean="0"/>
-              <a:t>The last Timebox from 28 of May to the 15 of June consisted of the implantation of an reservation which you can perform online.</a:t>
-            </a:r>
-            <a:endParaRPr lang="de-AT" smtClean="0"/>
-          </a:p>
-          <a:p>
-            <a:endParaRPr lang="en-US" smtClean="0"/>
+            <a:endParaRPr lang="en-US" dirty="0" smtClean="0"/>
+          </a:p>
+          <a:p>
+            <a:endParaRPr lang="en-US" dirty="0" smtClean="0"/>
+          </a:p>
+          <a:p>
+            <a:r>
+              <a:rPr lang="en-US" dirty="0" smtClean="0"/>
+              <a:t>For </a:t>
+            </a:r>
+            <a:r>
+              <a:rPr lang="en-US" dirty="0" smtClean="0"/>
+              <a:t>building this here you can see our Unified Process which started with the</a:t>
+            </a:r>
+            <a:endParaRPr lang="de-AT" dirty="0" smtClean="0"/>
+          </a:p>
+          <a:p>
+            <a:r>
+              <a:rPr lang="en-US" dirty="0" smtClean="0"/>
+              <a:t>Initialization phase from the 27 of February to the 26 of march, in which we created the </a:t>
+            </a:r>
+            <a:r>
+              <a:rPr lang="en-US" dirty="0" err="1" smtClean="0"/>
+              <a:t>UseCases</a:t>
+            </a:r>
+            <a:r>
+              <a:rPr lang="en-US" dirty="0" smtClean="0"/>
+              <a:t>, looked for some Personas and developed a few Scenarios. </a:t>
+            </a:r>
+            <a:endParaRPr lang="de-AT" dirty="0" smtClean="0"/>
+          </a:p>
+          <a:p>
+            <a:r>
+              <a:rPr lang="en-US" dirty="0" smtClean="0"/>
+              <a:t>In </a:t>
+            </a:r>
+            <a:r>
+              <a:rPr lang="en-US" dirty="0" err="1" smtClean="0"/>
+              <a:t>Timebox</a:t>
+            </a:r>
+            <a:r>
+              <a:rPr lang="en-US" dirty="0" smtClean="0"/>
+              <a:t> one from the 27 of April to the 30 of April we started to design our </a:t>
+            </a:r>
+            <a:r>
+              <a:rPr lang="en-US" dirty="0" err="1" smtClean="0"/>
+              <a:t>UseCase</a:t>
+            </a:r>
+            <a:r>
+              <a:rPr lang="en-US" dirty="0" smtClean="0"/>
+              <a:t> with a </a:t>
+            </a:r>
+            <a:r>
+              <a:rPr lang="en-US" dirty="0" err="1" smtClean="0"/>
+              <a:t>paperprotoype</a:t>
+            </a:r>
+            <a:r>
+              <a:rPr lang="en-US" dirty="0" smtClean="0"/>
+              <a:t>, followed by the implementation and testing.</a:t>
+            </a:r>
+            <a:endParaRPr lang="de-AT" dirty="0" smtClean="0"/>
+          </a:p>
+          <a:p>
+            <a:r>
+              <a:rPr lang="en-US" dirty="0" smtClean="0"/>
+              <a:t>The second </a:t>
+            </a:r>
+            <a:r>
+              <a:rPr lang="en-US" dirty="0" err="1" smtClean="0"/>
+              <a:t>Timebox</a:t>
+            </a:r>
+            <a:r>
+              <a:rPr lang="en-US" dirty="0" smtClean="0"/>
+              <a:t> from the 01. of May to the 28 of may was focused on the Integration of another implemented </a:t>
+            </a:r>
+            <a:r>
+              <a:rPr lang="en-US" dirty="0" err="1" smtClean="0"/>
+              <a:t>usecase</a:t>
+            </a:r>
+            <a:r>
+              <a:rPr lang="en-US" dirty="0" smtClean="0"/>
+              <a:t> </a:t>
+            </a:r>
+            <a:r>
+              <a:rPr lang="de-AT" dirty="0" err="1" smtClean="0"/>
+              <a:t>and</a:t>
+            </a:r>
+            <a:r>
+              <a:rPr lang="de-AT" dirty="0" smtClean="0"/>
+              <a:t> </a:t>
+            </a:r>
+            <a:r>
+              <a:rPr lang="de-AT" dirty="0" err="1" smtClean="0"/>
+              <a:t>to</a:t>
+            </a:r>
+            <a:r>
+              <a:rPr lang="de-AT" dirty="0" smtClean="0"/>
+              <a:t> </a:t>
+            </a:r>
+            <a:r>
+              <a:rPr lang="de-AT" dirty="0" err="1" smtClean="0"/>
+              <a:t>implement</a:t>
+            </a:r>
+            <a:r>
+              <a:rPr lang="de-AT" dirty="0" smtClean="0"/>
+              <a:t> a </a:t>
+            </a:r>
+            <a:r>
+              <a:rPr lang="de-AT" dirty="0" err="1" smtClean="0"/>
+              <a:t>usecase</a:t>
+            </a:r>
+            <a:r>
+              <a:rPr lang="de-AT" dirty="0" smtClean="0"/>
+              <a:t> </a:t>
+            </a:r>
+            <a:r>
+              <a:rPr lang="de-AT" dirty="0" err="1" smtClean="0"/>
+              <a:t>for</a:t>
+            </a:r>
+            <a:r>
+              <a:rPr lang="de-AT" dirty="0" smtClean="0"/>
+              <a:t> </a:t>
+            </a:r>
+            <a:r>
+              <a:rPr lang="de-AT" dirty="0" err="1" smtClean="0"/>
+              <a:t>another</a:t>
+            </a:r>
+            <a:r>
+              <a:rPr lang="de-AT" dirty="0" smtClean="0"/>
+              <a:t> </a:t>
+            </a:r>
+            <a:r>
+              <a:rPr lang="de-AT" dirty="0" err="1" smtClean="0"/>
+              <a:t>team</a:t>
+            </a:r>
+            <a:r>
+              <a:rPr lang="de-AT" dirty="0" smtClean="0"/>
+              <a:t>.</a:t>
+            </a:r>
+          </a:p>
+          <a:p>
+            <a:r>
+              <a:rPr lang="en-US" dirty="0" smtClean="0"/>
+              <a:t>The last </a:t>
+            </a:r>
+            <a:r>
+              <a:rPr lang="en-US" dirty="0" err="1" smtClean="0"/>
+              <a:t>Timebox</a:t>
+            </a:r>
+            <a:r>
+              <a:rPr lang="en-US" dirty="0" smtClean="0"/>
+              <a:t> from 28 of May to the 15 of June consisted of the implantation of an reservation which you can perform online.</a:t>
+            </a:r>
+            <a:endParaRPr lang="de-AT" dirty="0" smtClean="0"/>
+          </a:p>
+          <a:p>
+            <a:endParaRPr lang="en-US" dirty="0" smtClean="0"/>
           </a:p>
         </p:txBody>
       </p:sp>
@@ -16596,14 +16703,258 @@
                 <a:latin typeface="Arial" charset="0"/>
                 <a:ea typeface="SimSun" charset="-122"/>
               </a:rPr>
-              <a:t>Besonders nicht </a:t>
-            </a:r>
-            <a:r>
-              <a:rPr lang="de-AT" sz="2000" smtClean="0">
+              <a:t>Technologien:</a:t>
+            </a:r>
+            <a:r>
+              <a:rPr lang="de-AT" sz="2000" baseline="0" dirty="0" smtClean="0">
                 <a:latin typeface="Arial" charset="0"/>
                 <a:ea typeface="SimSun" charset="-122"/>
               </a:rPr>
-              <a:t>wiederholte Auflistung!!!</a:t>
+              <a:t> weitverbreitet </a:t>
+            </a:r>
+            <a:r>
+              <a:rPr lang="de-AT" sz="2000" baseline="0" dirty="0" smtClean="0">
+                <a:latin typeface="Arial" charset="0"/>
+                <a:ea typeface="SimSun" charset="-122"/>
+                <a:sym typeface="Wingdings" pitchFamily="2" charset="2"/>
+              </a:rPr>
+              <a:t> </a:t>
+            </a:r>
+            <a:r>
+              <a:rPr lang="de-AT" sz="2000" baseline="0" dirty="0" err="1" smtClean="0">
+                <a:latin typeface="Arial" charset="0"/>
+                <a:ea typeface="SimSun" charset="-122"/>
+                <a:sym typeface="Wingdings" pitchFamily="2" charset="2"/>
+              </a:rPr>
+              <a:t>support</a:t>
+            </a:r>
+            <a:r>
+              <a:rPr lang="de-AT" sz="2000" baseline="0" dirty="0" smtClean="0">
+                <a:latin typeface="Arial" charset="0"/>
+                <a:ea typeface="SimSun" charset="-122"/>
+                <a:sym typeface="Wingdings" pitchFamily="2" charset="2"/>
+              </a:rPr>
+              <a:t> (</a:t>
+            </a:r>
+            <a:r>
+              <a:rPr lang="de-AT" sz="2000" baseline="0" dirty="0" err="1" smtClean="0">
+                <a:latin typeface="Arial" charset="0"/>
+                <a:ea typeface="SimSun" charset="-122"/>
+                <a:sym typeface="Wingdings" pitchFamily="2" charset="2"/>
+              </a:rPr>
+              <a:t>mysql</a:t>
+            </a:r>
+            <a:r>
+              <a:rPr lang="de-AT" sz="2000" baseline="0" dirty="0" smtClean="0">
+                <a:latin typeface="Arial" charset="0"/>
+                <a:ea typeface="SimSun" charset="-122"/>
+                <a:sym typeface="Wingdings" pitchFamily="2" charset="2"/>
+              </a:rPr>
+              <a:t> – </a:t>
+            </a:r>
+            <a:r>
+              <a:rPr lang="de-AT" sz="2000" baseline="0" dirty="0" err="1" smtClean="0">
+                <a:latin typeface="Arial" charset="0"/>
+                <a:ea typeface="SimSun" charset="-122"/>
+                <a:sym typeface="Wingdings" pitchFamily="2" charset="2"/>
+              </a:rPr>
+              <a:t>oracle</a:t>
+            </a:r>
+            <a:r>
+              <a:rPr lang="de-AT" sz="2000" baseline="0" dirty="0" smtClean="0">
+                <a:latin typeface="Arial" charset="0"/>
+                <a:ea typeface="SimSun" charset="-122"/>
+                <a:sym typeface="Wingdings" pitchFamily="2" charset="2"/>
+              </a:rPr>
+              <a:t>), </a:t>
+            </a:r>
+            <a:r>
+              <a:rPr lang="de-AT" sz="2000" baseline="0" dirty="0" err="1" smtClean="0">
+                <a:latin typeface="Arial" charset="0"/>
+                <a:ea typeface="SimSun" charset="-122"/>
+                <a:sym typeface="Wingdings" pitchFamily="2" charset="2"/>
+              </a:rPr>
+              <a:t>hibernate</a:t>
+            </a:r>
+            <a:r>
+              <a:rPr lang="de-AT" sz="2000" baseline="0" dirty="0" smtClean="0">
+                <a:latin typeface="Arial" charset="0"/>
+                <a:ea typeface="SimSun" charset="-122"/>
+                <a:sym typeface="Wingdings" pitchFamily="2" charset="2"/>
+              </a:rPr>
+              <a:t> (meist verwendet – </a:t>
+            </a:r>
+            <a:r>
+              <a:rPr lang="de-AT" sz="2000" baseline="0" dirty="0" err="1" smtClean="0">
+                <a:latin typeface="Arial" charset="0"/>
+                <a:ea typeface="SimSun" charset="-122"/>
+                <a:sym typeface="Wingdings" pitchFamily="2" charset="2"/>
+              </a:rPr>
+              <a:t>abnahme</a:t>
+            </a:r>
+            <a:r>
+              <a:rPr lang="de-AT" sz="2000" baseline="0" dirty="0" smtClean="0">
+                <a:latin typeface="Arial" charset="0"/>
+                <a:ea typeface="SimSun" charset="-122"/>
+                <a:sym typeface="Wingdings" pitchFamily="2" charset="2"/>
+              </a:rPr>
+              <a:t> </a:t>
+            </a:r>
+            <a:r>
+              <a:rPr lang="de-AT" sz="2000" baseline="0" dirty="0" err="1" smtClean="0">
+                <a:latin typeface="Arial" charset="0"/>
+                <a:ea typeface="SimSun" charset="-122"/>
+                <a:sym typeface="Wingdings" pitchFamily="2" charset="2"/>
+              </a:rPr>
+              <a:t>mapping</a:t>
+            </a:r>
+            <a:r>
+              <a:rPr lang="de-AT" sz="2000" baseline="0" dirty="0" smtClean="0">
+                <a:latin typeface="Arial" charset="0"/>
+                <a:ea typeface="SimSun" charset="-122"/>
+                <a:sym typeface="Wingdings" pitchFamily="2" charset="2"/>
+              </a:rPr>
+              <a:t>), </a:t>
+            </a:r>
+            <a:r>
+              <a:rPr lang="de-AT" sz="2000" baseline="0" dirty="0" err="1" smtClean="0">
+                <a:latin typeface="Arial" charset="0"/>
+                <a:ea typeface="SimSun" charset="-122"/>
+                <a:sym typeface="Wingdings" pitchFamily="2" charset="2"/>
+              </a:rPr>
+              <a:t>pdf</a:t>
+            </a:r>
+            <a:r>
+              <a:rPr lang="de-AT" sz="2000" baseline="0" dirty="0" smtClean="0">
+                <a:latin typeface="Arial" charset="0"/>
+                <a:ea typeface="SimSun" charset="-122"/>
+                <a:sym typeface="Wingdings" pitchFamily="2" charset="2"/>
+              </a:rPr>
+              <a:t>-viewer (</a:t>
+            </a:r>
+            <a:r>
+              <a:rPr lang="de-AT" sz="2000" baseline="0" dirty="0" err="1" smtClean="0">
+                <a:latin typeface="Arial" charset="0"/>
+                <a:ea typeface="SimSun" charset="-122"/>
+                <a:sym typeface="Wingdings" pitchFamily="2" charset="2"/>
+              </a:rPr>
+              <a:t>ice</a:t>
+            </a:r>
+            <a:r>
+              <a:rPr lang="de-AT" sz="2000" baseline="0" dirty="0" smtClean="0">
+                <a:latin typeface="Arial" charset="0"/>
+                <a:ea typeface="SimSun" charset="-122"/>
+                <a:sym typeface="Wingdings" pitchFamily="2" charset="2"/>
+              </a:rPr>
+              <a:t>-community </a:t>
+            </a:r>
+            <a:r>
+              <a:rPr lang="de-AT" sz="2000" baseline="0" dirty="0" err="1" smtClean="0">
+                <a:latin typeface="Arial" charset="0"/>
+                <a:ea typeface="SimSun" charset="-122"/>
+                <a:sym typeface="Wingdings" pitchFamily="2" charset="2"/>
+              </a:rPr>
+              <a:t>like</a:t>
+            </a:r>
+            <a:r>
+              <a:rPr lang="de-AT" sz="2000" baseline="0" dirty="0" smtClean="0">
+                <a:latin typeface="Arial" charset="0"/>
+                <a:ea typeface="SimSun" charset="-122"/>
+                <a:sym typeface="Wingdings" pitchFamily="2" charset="2"/>
+              </a:rPr>
+              <a:t> </a:t>
+            </a:r>
+            <a:r>
+              <a:rPr lang="de-AT" sz="2000" baseline="0" dirty="0" err="1" smtClean="0">
+                <a:latin typeface="Arial" charset="0"/>
+                <a:ea typeface="SimSun" charset="-122"/>
+                <a:sym typeface="Wingdings" pitchFamily="2" charset="2"/>
+              </a:rPr>
+              <a:t>jboss</a:t>
+            </a:r>
+            <a:r>
+              <a:rPr lang="de-AT" sz="2000" baseline="0" dirty="0" smtClean="0">
+                <a:latin typeface="Arial" charset="0"/>
+                <a:ea typeface="SimSun" charset="-122"/>
+                <a:sym typeface="Wingdings" pitchFamily="2" charset="2"/>
+              </a:rPr>
+              <a:t>), </a:t>
+            </a:r>
+            <a:r>
+              <a:rPr lang="de-AT" sz="2000" baseline="0" dirty="0" err="1" smtClean="0">
+                <a:latin typeface="Arial" charset="0"/>
+                <a:ea typeface="SimSun" charset="-122"/>
+                <a:sym typeface="Wingdings" pitchFamily="2" charset="2"/>
+              </a:rPr>
+              <a:t>java</a:t>
+            </a:r>
+            <a:r>
+              <a:rPr lang="de-AT" sz="2000" baseline="0" dirty="0" smtClean="0">
+                <a:latin typeface="Arial" charset="0"/>
+                <a:ea typeface="SimSun" charset="-122"/>
+                <a:sym typeface="Wingdings" pitchFamily="2" charset="2"/>
+              </a:rPr>
+              <a:t> (</a:t>
+            </a:r>
+            <a:r>
+              <a:rPr lang="de-AT" sz="2000" baseline="0" dirty="0" err="1" smtClean="0">
+                <a:latin typeface="Arial" charset="0"/>
+                <a:ea typeface="SimSun" charset="-122"/>
+                <a:sym typeface="Wingdings" pitchFamily="2" charset="2"/>
+              </a:rPr>
+              <a:t>mulitplatform</a:t>
+            </a:r>
+            <a:endParaRPr lang="de-AT" sz="2000" baseline="0" dirty="0" smtClean="0">
+              <a:latin typeface="Arial" charset="0"/>
+              <a:ea typeface="SimSun" charset="-122"/>
+              <a:sym typeface="Wingdings" pitchFamily="2" charset="2"/>
+            </a:endParaRPr>
+          </a:p>
+          <a:p>
+            <a:pPr eaLnBrk="1">
+              <a:spcBef>
+                <a:spcPct val="0"/>
+              </a:spcBef>
+            </a:pPr>
+            <a:r>
+              <a:rPr lang="de-AT" sz="2000" baseline="0" dirty="0" smtClean="0">
+                <a:latin typeface="Arial" charset="0"/>
+                <a:ea typeface="SimSun" charset="-122"/>
+                <a:sym typeface="Wingdings" pitchFamily="2" charset="2"/>
+              </a:rPr>
+              <a:t>Free („</a:t>
+            </a:r>
+            <a:r>
+              <a:rPr lang="de-AT" sz="2000" baseline="0" dirty="0" err="1" smtClean="0">
+                <a:latin typeface="Arial" charset="0"/>
+                <a:ea typeface="SimSun" charset="-122"/>
+                <a:sym typeface="Wingdings" pitchFamily="2" charset="2"/>
+              </a:rPr>
+              <a:t>no</a:t>
+            </a:r>
+            <a:r>
+              <a:rPr lang="de-AT" sz="2000" baseline="0" dirty="0" smtClean="0">
+                <a:latin typeface="Arial" charset="0"/>
+                <a:ea typeface="SimSun" charset="-122"/>
+                <a:sym typeface="Wingdings" pitchFamily="2" charset="2"/>
+              </a:rPr>
+              <a:t>“ </a:t>
+            </a:r>
+            <a:r>
+              <a:rPr lang="de-AT" sz="2000" baseline="0" dirty="0" err="1" smtClean="0">
+                <a:latin typeface="Arial" charset="0"/>
+                <a:ea typeface="SimSun" charset="-122"/>
+                <a:sym typeface="Wingdings" pitchFamily="2" charset="2"/>
+              </a:rPr>
+              <a:t>costs</a:t>
+            </a:r>
+            <a:r>
+              <a:rPr lang="de-AT" sz="2000" baseline="0" dirty="0" smtClean="0">
+                <a:latin typeface="Arial" charset="0"/>
+                <a:ea typeface="SimSun" charset="-122"/>
+                <a:sym typeface="Wingdings" pitchFamily="2" charset="2"/>
+              </a:rPr>
+              <a:t>)</a:t>
             </a:r>
             <a:endParaRPr lang="de-AT" sz="2000" dirty="0">
               <a:latin typeface="Arial" charset="0"/>
@@ -17245,6 +17596,42 @@
           <a:bodyPr/>
           <a:lstStyle/>
           <a:p>
+            <a:r>
+              <a:rPr lang="de-AT" dirty="0" smtClean="0"/>
+              <a:t>Wo liegt die Logik? </a:t>
+            </a:r>
+            <a:r>
+              <a:rPr lang="de-AT" dirty="0" err="1" smtClean="0"/>
+              <a:t>Fat</a:t>
+            </a:r>
+            <a:r>
+              <a:rPr lang="de-AT" dirty="0" smtClean="0"/>
+              <a:t>-</a:t>
+            </a:r>
+            <a:r>
+              <a:rPr lang="de-AT" baseline="0" dirty="0" smtClean="0"/>
+              <a:t>, </a:t>
+            </a:r>
+            <a:r>
+              <a:rPr lang="de-AT" baseline="0" dirty="0" err="1" smtClean="0"/>
+              <a:t>Thin</a:t>
+            </a:r>
+            <a:r>
+              <a:rPr lang="de-AT" baseline="0" dirty="0" smtClean="0"/>
+              <a:t>-Client</a:t>
+            </a:r>
+          </a:p>
+          <a:p>
+            <a:r>
+              <a:rPr lang="de-AT" baseline="0" dirty="0" smtClean="0"/>
+              <a:t>Beispiele: Workstation </a:t>
+            </a:r>
+            <a:r>
+              <a:rPr lang="de-AT" baseline="0" dirty="0" smtClean="0">
+                <a:sym typeface="Wingdings" pitchFamily="2" charset="2"/>
+              </a:rPr>
+              <a:t> Rezeptionist, Browser  Kunde/Gast</a:t>
+            </a:r>
             <a:endParaRPr lang="de-AT" dirty="0" smtClean="0"/>
           </a:p>
         </p:txBody>
@@ -17991,7 +18378,7 @@
               </a:pPr>
               <a:t>8</a:t>
             </a:fld>
-            <a:endParaRPr lang="de-AT">
+            <a:endParaRPr lang="de-AT" dirty="0">
               <a:solidFill>
                 <a:srgbClr val="000000"/>
               </a:solidFill>
@@ -18484,64 +18871,101 @@
           <a:bodyPr/>
           <a:lstStyle/>
           <a:p>
+            <a:pPr marL="457200" marR="0" lvl="1" indent="0" algn="l" defTabSz="914400" rtl="0" eaLnBrk="1" fontAlgn="auto" latinLnBrk="0" hangingPunct="1">
+              <a:lnSpc>
+                <a:spcPct val="100000"/>
+              </a:lnSpc>
+              <a:spcBef>
+                <a:spcPts val="0"/>
+              </a:spcBef>
+              <a:spcAft>
+                <a:spcPts val="0"/>
+              </a:spcAft>
+              <a:buClrTx/>
+              <a:buSzTx/>
+              <a:buFontTx/>
+              <a:buNone/>
+              <a:tabLst/>
+              <a:defRPr/>
+            </a:pPr>
             <a:r>
               <a:rPr lang="de-AT" dirty="0" smtClean="0"/>
-              <a:t>Most </a:t>
+              <a:t>Supports  flexible </a:t>
             </a:r>
             <a:r>
               <a:rPr lang="de-AT" dirty="0" err="1" smtClean="0"/>
-              <a:t>important</a:t>
+              <a:t>handling</a:t>
             </a:r>
             <a:r>
               <a:rPr lang="de-AT" dirty="0" smtClean="0"/>
-              <a:t> </a:t>
-            </a:r>
+              <a:t>: viel</a:t>
+            </a:r>
+            <a:r>
+              <a:rPr lang="de-AT" baseline="0" dirty="0" smtClean="0"/>
+              <a:t> dynamisch in einem Schritt (Beispiel: Check-In</a:t>
+            </a:r>
+            <a:r>
+              <a:rPr lang="de-AT" baseline="0" dirty="0" smtClean="0">
+                <a:sym typeface="Wingdings" pitchFamily="2" charset="2"/>
+              </a:rPr>
+              <a:t> Räume/Gäste </a:t>
+            </a:r>
+            <a:r>
+              <a:rPr lang="de-AT" baseline="0" dirty="0" err="1" smtClean="0">
+                <a:sym typeface="Wingdings" pitchFamily="2" charset="2"/>
+              </a:rPr>
+              <a:t>dyn</a:t>
+            </a:r>
+            <a:r>
+              <a:rPr lang="de-AT" baseline="0" dirty="0" smtClean="0">
+                <a:sym typeface="Wingdings" pitchFamily="2" charset="2"/>
+              </a:rPr>
+              <a:t>. ändern</a:t>
+            </a:r>
+            <a:r>
+              <a:rPr lang="de-AT" baseline="0" dirty="0" smtClean="0"/>
+              <a:t>)</a:t>
+            </a:r>
+            <a:endParaRPr lang="de-AT" dirty="0" smtClean="0"/>
+          </a:p>
+          <a:p>
+            <a:pPr marL="457200" marR="0" lvl="1" indent="0" algn="l" defTabSz="914400" rtl="0" eaLnBrk="1" fontAlgn="auto" latinLnBrk="0" hangingPunct="1">
+              <a:lnSpc>
+                <a:spcPct val="100000"/>
+              </a:lnSpc>
+              <a:spcBef>
+                <a:spcPts val="0"/>
+              </a:spcBef>
+              <a:spcAft>
+                <a:spcPts val="0"/>
+              </a:spcAft>
+              <a:buClrTx/>
+              <a:buSzTx/>
+              <a:buFontTx/>
+              <a:buNone/>
+              <a:tabLst/>
+              <a:defRPr/>
+            </a:pPr>
             <a:r>
               <a:rPr lang="de-AT" dirty="0" err="1" smtClean="0"/>
-              <a:t>points</a:t>
-            </a:r>
+              <a:t>Approx</a:t>
+            </a:r>
+            <a:r>
+              <a:rPr lang="de-AT" dirty="0" smtClean="0"/>
+              <a:t> </a:t>
+            </a:r>
+            <a:r>
+              <a:rPr lang="de-AT" dirty="0" err="1" smtClean="0"/>
+              <a:t>search</a:t>
+            </a:r>
+            <a:r>
+              <a:rPr lang="de-AT" dirty="0" smtClean="0"/>
+              <a:t>: …</a:t>
+            </a:r>
+          </a:p>
+          <a:p>
+            <a:pPr lvl="1"/>
             <a:endParaRPr lang="de-AT" dirty="0" smtClean="0"/>
-          </a:p>
-          <a:p>
-            <a:endParaRPr lang="de-AT" dirty="0" smtClean="0"/>
-          </a:p>
-          <a:p>
-            <a:r>
-              <a:rPr lang="de-AT" dirty="0" smtClean="0"/>
-              <a:t>Was ist besonders?</a:t>
-            </a:r>
-            <a:r>
-              <a:rPr lang="de-AT" baseline="0" dirty="0" smtClean="0"/>
-              <a:t> Wo haben wir </a:t>
-            </a:r>
-            <a:r>
-              <a:rPr lang="de-AT" baseline="0" dirty="0" err="1" smtClean="0"/>
-              <a:t>excellente</a:t>
-            </a:r>
-            <a:r>
-              <a:rPr lang="de-AT" baseline="0" dirty="0" smtClean="0"/>
-              <a:t> </a:t>
-            </a:r>
-            <a:r>
-              <a:rPr lang="de-AT" baseline="0" dirty="0" err="1" smtClean="0"/>
-              <a:t>Usability</a:t>
-            </a:r>
-            <a:r>
-              <a:rPr lang="de-AT" baseline="0" dirty="0" smtClean="0"/>
-              <a:t>?</a:t>
-            </a:r>
-            <a:endParaRPr lang="de-AT" dirty="0" smtClean="0"/>
-          </a:p>
-          <a:p>
-            <a:r>
-              <a:rPr lang="de-AT" dirty="0" err="1" smtClean="0"/>
-              <a:t>Usability</a:t>
-            </a:r>
-            <a:r>
-              <a:rPr lang="de-AT" dirty="0" smtClean="0"/>
-              <a:t>, …</a:t>
-            </a:r>
-            <a:endParaRPr lang="en-GB" dirty="0"/>
           </a:p>
         </p:txBody>
       </p:sp>
@@ -21940,15 +22364,7 @@
           <a:p>
             <a:r>
               <a:rPr lang="de-AT" dirty="0" smtClean="0"/>
-              <a:t>Customer </a:t>
-            </a:r>
-            <a:r>
-              <a:rPr lang="de-AT" dirty="0" err="1" smtClean="0"/>
-              <a:t>Presentation</a:t>
-            </a:r>
-            <a:r>
-              <a:rPr lang="de-AT" dirty="0" smtClean="0"/>
-              <a:t> Summary</a:t>
+              <a:t>Summary</a:t>
             </a:r>
             <a:endParaRPr lang="en-GB" dirty="0"/>
           </a:p>
@@ -21972,26 +22388,63 @@
           <a:lstStyle/>
           <a:p>
             <a:r>
+              <a:rPr lang="de-AT" dirty="0" err="1" smtClean="0"/>
+              <a:t>Usability</a:t>
+            </a:r>
+            <a:endParaRPr lang="de-AT" dirty="0" smtClean="0"/>
+          </a:p>
+          <a:p>
+            <a:pPr lvl="1"/>
+            <a:r>
               <a:rPr lang="de-AT" dirty="0" smtClean="0"/>
               <a:t>Shortcuts</a:t>
             </a:r>
-          </a:p>
-          <a:p>
+            <a:endParaRPr lang="de-AT" dirty="0" smtClean="0"/>
+          </a:p>
+          <a:p>
+            <a:pPr lvl="1"/>
             <a:r>
               <a:rPr lang="de-AT" dirty="0" smtClean="0"/>
               <a:t>Clear </a:t>
             </a:r>
             <a:r>
               <a:rPr lang="de-AT" dirty="0" err="1" smtClean="0"/>
-              <a:t>menue</a:t>
+              <a:t>navigation</a:t>
             </a:r>
             <a:r>
               <a:rPr lang="de-AT" dirty="0" smtClean="0"/>
               <a:t> bar</a:t>
             </a:r>
+          </a:p>
+          <a:p>
+            <a:pPr lvl="1"/>
+            <a:r>
+              <a:rPr lang="de-AT" dirty="0" smtClean="0"/>
+              <a:t>Supports  flexible </a:t>
+            </a:r>
+            <a:r>
+              <a:rPr lang="de-AT" dirty="0" err="1" smtClean="0"/>
+              <a:t>handling</a:t>
+            </a:r>
             <a:endParaRPr lang="de-AT" dirty="0" smtClean="0"/>
           </a:p>
           <a:p>
+            <a:r>
+              <a:rPr lang="de-AT" dirty="0" smtClean="0"/>
+              <a:t>Special </a:t>
+            </a:r>
+            <a:r>
+              <a:rPr lang="de-AT" dirty="0" err="1" smtClean="0"/>
+              <a:t>f</a:t>
+            </a:r>
+            <a:r>
+              <a:rPr lang="de-AT" dirty="0" err="1" smtClean="0"/>
+              <a:t>unctionality</a:t>
+            </a:r>
+            <a:endParaRPr lang="de-AT" dirty="0" smtClean="0"/>
+          </a:p>
+          <a:p>
+            <a:pPr lvl="1"/>
             <a:r>
               <a:rPr lang="de-AT" dirty="0" err="1" smtClean="0"/>
               <a:t>Weather</a:t>
@@ -22003,6 +22456,46 @@
             <a:r>
               <a:rPr lang="de-AT" dirty="0" err="1" smtClean="0"/>
               <a:t>forecast</a:t>
+            </a:r>
+            <a:endParaRPr lang="de-AT" dirty="0" smtClean="0"/>
+          </a:p>
+          <a:p>
+            <a:pPr lvl="1"/>
+            <a:r>
+              <a:rPr lang="de-AT" dirty="0" err="1" smtClean="0"/>
+              <a:t>Built</a:t>
+            </a:r>
+            <a:r>
+              <a:rPr lang="de-AT" dirty="0"/>
+              <a:t>-</a:t>
+            </a:r>
+            <a:r>
+              <a:rPr lang="de-AT" dirty="0" smtClean="0"/>
+              <a:t>in </a:t>
+            </a:r>
+            <a:r>
+              <a:rPr lang="de-AT" dirty="0" smtClean="0"/>
+              <a:t>PDF </a:t>
+            </a:r>
+            <a:r>
+              <a:rPr lang="de-AT" dirty="0" err="1" smtClean="0"/>
+              <a:t>viewer</a:t>
+            </a:r>
+            <a:endParaRPr lang="de-AT" dirty="0" smtClean="0"/>
+          </a:p>
+          <a:p>
+            <a:pPr lvl="1"/>
+            <a:r>
+              <a:rPr lang="de-AT" dirty="0" err="1" smtClean="0"/>
+              <a:t>Approx</a:t>
+            </a:r>
+            <a:r>
+              <a:rPr lang="de-AT" dirty="0" smtClean="0"/>
+              <a:t> </a:t>
+            </a:r>
+            <a:r>
+              <a:rPr lang="de-AT" dirty="0" err="1" smtClean="0"/>
+              <a:t>search</a:t>
             </a:r>
             <a:endParaRPr lang="de-AT" dirty="0" smtClean="0"/>
           </a:p>
@@ -22230,7 +22723,22 @@
             </a:pPr>
             <a:r>
               <a:rPr lang="de-AT" sz="3600" dirty="0" smtClean="0"/>
-              <a:t>Layer</a:t>
+              <a:t>Layer </a:t>
+            </a:r>
+            <a:r>
+              <a:rPr lang="de-AT" sz="3600" dirty="0" err="1" smtClean="0"/>
+              <a:t>model</a:t>
+            </a:r>
+            <a:endParaRPr lang="de-AT" sz="3600" dirty="0" smtClean="0"/>
+          </a:p>
+          <a:p>
+            <a:pPr marL="457200" indent="-457200">
+              <a:buFont typeface="Arial" pitchFamily="34" charset="0"/>
+              <a:buChar char="•"/>
+            </a:pPr>
+            <a:r>
+              <a:rPr lang="de-AT" sz="3600" dirty="0" smtClean="0"/>
+              <a:t>Database</a:t>
             </a:r>
             <a:endParaRPr lang="de-AT" sz="3600" dirty="0"/>
           </a:p>
@@ -22475,10 +22983,6 @@
                 <a:tab pos="7962900" algn="l"/>
               </a:tabLst>
             </a:pPr>
-            <a:r>
-              <a:rPr lang="de-DE" sz="4400" dirty="0" smtClean="0"/>
-              <a:t>Technical </a:t>
-            </a:r>
             <a:r>
               <a:rPr lang="de-DE" sz="4400" dirty="0" err="1" smtClean="0"/>
               <a:t>Overview</a:t>
@@ -22968,6 +23472,37 @@
                 </a:solidFill>
                 <a:latin typeface="Calibri" charset="0"/>
               </a:rPr>
+              <a:t>MySQL</a:t>
+            </a:r>
+            <a:endParaRPr lang="de-DE" sz="3200" dirty="0" smtClean="0">
+              <a:solidFill>
+                <a:srgbClr val="000000"/>
+              </a:solidFill>
+              <a:latin typeface="Calibri" charset="0"/>
+            </a:endParaRPr>
+          </a:p>
+          <a:p>
+            <a:pPr eaLnBrk="1" hangingPunct="1">
+              <a:lnSpc>
+                <a:spcPct val="100000"/>
+              </a:lnSpc>
+              <a:spcBef>
+                <a:spcPts val="638"/>
+              </a:spcBef>
+              <a:spcAft>
+                <a:spcPts val="1425"/>
+              </a:spcAft>
+              <a:buSzPct val="45000"/>
+              <a:buFont typeface="Arial" charset="0"/>
+              <a:buChar char="•"/>
+            </a:pPr>
+            <a:r>
+              <a:rPr lang="de-DE" sz="3200" dirty="0" smtClean="0">
+                <a:solidFill>
+                  <a:srgbClr val="000000"/>
+                </a:solidFill>
+                <a:latin typeface="Calibri" charset="0"/>
+              </a:rPr>
               <a:t>Unified </a:t>
             </a:r>
             <a:r>
@@ -23011,8 +23546,8 @@
         </p:blipFill>
         <p:spPr bwMode="auto">
           <a:xfrm>
-            <a:off x="5829300" y="1125538"/>
-            <a:ext cx="2857500" cy="4286250"/>
+            <a:off x="7061351" y="710432"/>
+            <a:ext cx="1451364" cy="2177046"/>
           </a:xfrm>
           <a:prstGeom prst="rect">
             <a:avLst/>
@@ -23075,8 +23610,8 @@
         </p:blipFill>
         <p:spPr bwMode="auto">
           <a:xfrm>
-            <a:off x="3707904" y="4725143"/>
-            <a:ext cx="2556394" cy="1571675"/>
+            <a:off x="6984518" y="3014688"/>
+            <a:ext cx="1505425" cy="925538"/>
           </a:xfrm>
           <a:prstGeom prst="rect">
             <a:avLst/>
@@ -23185,6 +23720,111 @@
           </a:p>
         </p:txBody>
       </p:sp>
+      <p:pic>
+        <p:nvPicPr>
+          <p:cNvPr id="1026" name="Picture 2" descr="https://encrypted-tbn1.google.com/images?q=tbn:ANd9GcRpoItABcN9IWRMtDA1shumjSsWBhsjJiGE6GADbT-Ipo6RtKnJ"/>
+          <p:cNvPicPr>
+            <a:picLocks noChangeAspect="1" noChangeArrowheads="1"/>
+          </p:cNvPicPr>
+          <p:nvPr/>
+        </p:nvPicPr>
+        <p:blipFill>
+          <a:blip r:embed="rId5">
+            <a:extLst>
+              <a:ext uri="{28A0092B-C50C-407E-A947-70E740481C1C}">
+                <a14:useLocalDpi xmlns:a14="http://schemas.microsoft.com/office/drawing/2010/main" val="0"/>
+              </a:ext>
+            </a:extLst>
+          </a:blip>
+          <a:srcRect/>
+          <a:stretch>
+            <a:fillRect/>
+          </a:stretch>
+        </p:blipFill>
+        <p:spPr bwMode="auto">
+          <a:xfrm>
+            <a:off x="6636439" y="4189841"/>
+            <a:ext cx="2013817" cy="439607"/>
+          </a:xfrm>
+          <a:prstGeom prst="rect">
+            <a:avLst/>
+          </a:prstGeom>
+          <a:noFill/>
+          <a:extLst>
+            <a:ext uri="{909E8E84-426E-40DD-AFC4-6F175D3DCCD1}">
+              <a14:hiddenFill xmlns:a14="http://schemas.microsoft.com/office/drawing/2010/main">
+                <a:solidFill>
+                  <a:srgbClr val="FFFFFF"/>
+                </a:solidFill>
+              </a14:hiddenFill>
+            </a:ext>
+          </a:extLst>
+        </p:spPr>
+      </p:pic>
+      <p:pic>
+        <p:nvPicPr>
+          <p:cNvPr id="1032" name="Picture 8"/>
+          <p:cNvPicPr>
+            <a:picLocks noChangeAspect="1" noChangeArrowheads="1"/>
+          </p:cNvPicPr>
+          <p:nvPr/>
+        </p:nvPicPr>
+        <p:blipFill>
+          <a:blip r:embed="rId6">
+            <a:extLst>
+              <a:ext uri="{28A0092B-C50C-407E-A947-70E740481C1C}">
+                <a14:useLocalDpi xmlns:a14="http://schemas.microsoft.com/office/drawing/2010/main" val="0"/>
+              </a:ext>
+            </a:extLst>
+          </a:blip>
+          <a:srcRect/>
+          <a:stretch>
+            <a:fillRect/>
+          </a:stretch>
+        </p:blipFill>
+        <p:spPr bwMode="auto">
+          <a:xfrm>
+            <a:off x="6741497" y="4725144"/>
+            <a:ext cx="2097703" cy="1529904"/>
+          </a:xfrm>
+          <a:prstGeom prst="rect">
+            <a:avLst/>
+          </a:prstGeom>
+          <a:noFill/>
+          <a:ln>
+            <a:noFill/>
+          </a:ln>
+          <a:effectLst/>
+          <a:extLst>
+            <a:ext uri="{909E8E84-426E-40DD-AFC4-6F175D3DCCD1}">
+              <a14:hiddenFill xmlns:a14="http://schemas.microsoft.com/office/drawing/2010/main">
+                <a:solidFill>
+                  <a:schemeClr val="accent1"/>
+                </a:solidFill>
+              </a14:hiddenFill>
+            </a:ext>
+            <a:ext uri="{91240B29-F687-4F45-9708-019B960494DF}">
+              <a14:hiddenLine xmlns:a14="http://schemas.microsoft.com/office/drawing/2010/main" w="9525">
+                <a:solidFill>
+                  <a:schemeClr val="tx1"/>
+                </a:solidFill>
+                <a:miter lim="800000"/>
+                <a:headEnd/>
+                <a:tailEnd/>
+              </a14:hiddenLine>
+            </a:ext>
+            <a:ext uri="{AF507438-7753-43E0-B8FC-AC1667EBCBE1}">
+              <a14:hiddenEffects xmlns:a14="http://schemas.microsoft.com/office/drawing/2010/main">
+                <a:effectLst>
+                  <a:outerShdw dist="35921" dir="2700000" algn="ctr" rotWithShape="0">
+                    <a:schemeClr val="bg2"/>
+                  </a:outerShdw>
+                </a:effectLst>
+              </a14:hiddenEffects>
+            </a:ext>
+          </a:extLst>
+        </p:spPr>
+      </p:pic>
     </p:spTree>
     <p:extLst>
       <p:ext uri="{BB962C8B-B14F-4D97-AF65-F5344CB8AC3E}">
@@ -23255,7 +23895,9 @@
         </p:nvSpPr>
         <p:spPr/>
         <p:txBody>
-          <a:bodyPr/>
+          <a:bodyPr>
+            <a:normAutofit/>
+          </a:bodyPr>
           <a:lstStyle/>
           <a:p>
             <a:pPr marL="457200" indent="-457200">
@@ -23264,12 +23906,54 @@
             </a:pPr>
             <a:r>
               <a:rPr lang="de-AT" dirty="0" err="1" smtClean="0"/>
-              <a:t>Initialization</a:t>
+              <a:t>Inception</a:t>
             </a:r>
             <a:r>
               <a:rPr lang="de-AT" dirty="0" smtClean="0"/>
-              <a:t>				27.02 - 26.03</a:t>
-            </a:r>
+              <a:t>				</a:t>
+            </a:r>
+            <a:endParaRPr lang="de-AT" dirty="0" smtClean="0"/>
+          </a:p>
+          <a:p>
+            <a:pPr marL="857250" lvl="1" indent="-457200">
+              <a:buFont typeface="Arial" charset="0"/>
+              <a:buChar char="•"/>
+            </a:pPr>
+            <a:r>
+              <a:rPr lang="de-AT" dirty="0" smtClean="0"/>
+              <a:t>Kick off</a:t>
+            </a:r>
+          </a:p>
+          <a:p>
+            <a:pPr marL="857250" lvl="1" indent="-457200">
+              <a:buFont typeface="Arial" charset="0"/>
+              <a:buChar char="•"/>
+            </a:pPr>
+            <a:r>
+              <a:rPr lang="de-AT" dirty="0" smtClean="0"/>
+              <a:t>Definition </a:t>
+            </a:r>
+            <a:r>
+              <a:rPr lang="de-AT" dirty="0" err="1" smtClean="0"/>
+              <a:t>of</a:t>
+            </a:r>
+            <a:r>
+              <a:rPr lang="de-AT" dirty="0" smtClean="0"/>
+              <a:t> </a:t>
+            </a:r>
+            <a:r>
+              <a:rPr lang="de-AT" dirty="0" err="1" smtClean="0"/>
+              <a:t>Use</a:t>
+            </a:r>
+            <a:r>
+              <a:rPr lang="de-AT" dirty="0" smtClean="0"/>
+              <a:t> </a:t>
+            </a:r>
+            <a:r>
+              <a:rPr lang="de-AT" dirty="0" err="1" smtClean="0"/>
+              <a:t>cases</a:t>
+            </a:r>
+            <a:endParaRPr lang="de-AT" dirty="0" smtClean="0"/>
           </a:p>
           <a:p>
             <a:pPr marL="457200" indent="-457200">
@@ -23277,13 +23961,28 @@
               <a:buChar char="•"/>
             </a:pPr>
             <a:r>
+              <a:rPr lang="de-AT" dirty="0" smtClean="0"/>
+              <a:t>Elaboration</a:t>
+            </a:r>
+          </a:p>
+          <a:p>
+            <a:pPr marL="857250" lvl="1" indent="-457200">
+              <a:buFont typeface="Arial" charset="0"/>
+              <a:buChar char="•"/>
+            </a:pPr>
+            <a:r>
               <a:rPr lang="de-AT" dirty="0" err="1" smtClean="0"/>
-              <a:t>Timebox</a:t>
+              <a:t>Requirements</a:t>
             </a:r>
             <a:r>
               <a:rPr lang="de-AT" dirty="0" smtClean="0"/>
-              <a:t> 1				27.04 - 30.04</a:t>
-            </a:r>
+              <a:t> </a:t>
+            </a:r>
+            <a:r>
+              <a:rPr lang="de-AT" dirty="0" err="1" smtClean="0"/>
+              <a:t>engineering</a:t>
+            </a:r>
+            <a:endParaRPr lang="de-AT" dirty="0" smtClean="0"/>
           </a:p>
           <a:p>
             <a:pPr marL="457200" indent="-457200">
@@ -23291,13 +23990,21 @@
               <a:buChar char="•"/>
             </a:pPr>
             <a:r>
+              <a:rPr lang="de-AT" b="1" dirty="0" err="1" smtClean="0"/>
+              <a:t>Construction</a:t>
+            </a:r>
+            <a:endParaRPr lang="de-AT" b="1" dirty="0" smtClean="0"/>
+          </a:p>
+          <a:p>
+            <a:pPr marL="857250" lvl="1" indent="-457200">
+              <a:buFont typeface="Arial" charset="0"/>
+              <a:buChar char="•"/>
+            </a:pPr>
+            <a:r>
               <a:rPr lang="de-AT" dirty="0" err="1" smtClean="0"/>
-              <a:t>Timebox</a:t>
-            </a:r>
-            <a:r>
-              <a:rPr lang="de-AT" dirty="0" smtClean="0"/>
-              <a:t> 2				01.05 - 28.05</a:t>
-            </a:r>
+              <a:t>Timeboxes</a:t>
+            </a:r>
+            <a:endParaRPr lang="de-AT" dirty="0" smtClean="0"/>
           </a:p>
           <a:p>
             <a:pPr marL="457200" indent="-457200">
@@ -23305,12 +24012,12 @@
               <a:buChar char="•"/>
             </a:pPr>
             <a:r>
-              <a:rPr lang="de-AT" dirty="0" err="1" smtClean="0"/>
-              <a:t>Timebox</a:t>
-            </a:r>
-            <a:r>
               <a:rPr lang="de-AT" dirty="0" smtClean="0"/>
-              <a:t> 3				28.05 - 15.06</a:t>
+              <a:t>Transition</a:t>
+            </a:r>
+            <a:r>
+              <a:rPr lang="de-AT" dirty="0" smtClean="0"/>
+              <a:t>			</a:t>
             </a:r>
           </a:p>
         </p:txBody>
@@ -23350,8 +24057,13 @@
             </a:pPr>
             <a:r>
               <a:rPr lang="de-DE" sz="4400" dirty="0" smtClean="0"/>
-              <a:t>Schedule</a:t>
-            </a:r>
+              <a:t>Unified </a:t>
+            </a:r>
+            <a:r>
+              <a:rPr lang="de-DE" sz="4400" dirty="0" err="1" smtClean="0"/>
+              <a:t>Process</a:t>
+            </a:r>
+            <a:endParaRPr lang="de-DE" sz="4400" dirty="0" smtClean="0"/>
           </a:p>
         </p:txBody>
       </p:sp>
@@ -23424,6 +24136,70 @@
           </a:p>
         </p:txBody>
       </p:sp>
+      <p:pic>
+        <p:nvPicPr>
+          <p:cNvPr id="7" name="Picture 7"/>
+          <p:cNvPicPr>
+            <a:picLocks noChangeAspect="1" noChangeArrowheads="1"/>
+          </p:cNvPicPr>
+          <p:nvPr/>
+        </p:nvPicPr>
+        <p:blipFill>
+          <a:blip r:embed="rId3">
+            <a:extLst>
+              <a:ext uri="{28A0092B-C50C-407E-A947-70E740481C1C}">
+                <a14:useLocalDpi xmlns:a14="http://schemas.microsoft.com/office/drawing/2010/main" val="0"/>
+              </a:ext>
+            </a:extLst>
+          </a:blip>
+          <a:srcRect/>
+          <a:stretch>
+            <a:fillRect/>
+          </a:stretch>
+        </p:blipFill>
+        <p:spPr bwMode="auto">
+          <a:xfrm>
+            <a:off x="6732240" y="1412776"/>
+            <a:ext cx="2115099" cy="834289"/>
+          </a:xfrm>
+          <a:prstGeom prst="rect">
+            <a:avLst/>
+          </a:prstGeom>
+          <a:noFill/>
+          <a:ln>
+            <a:noFill/>
+          </a:ln>
+          <a:effectLst/>
+          <a:extLst>
+            <a:ext uri="{909E8E84-426E-40DD-AFC4-6F175D3DCCD1}">
+              <a14:hiddenFill xmlns:a14="http://schemas.microsoft.com/office/drawing/2010/main">
+                <a:solidFill>
+                  <a:schemeClr val="accent1"/>
+                </a:solidFill>
+              </a14:hiddenFill>
+            </a:ext>
+            <a:ext uri="{91240B29-F687-4F45-9708-019B960494DF}">
+              <a14:hiddenLine xmlns:a14="http://schemas.microsoft.com/office/drawing/2010/main" w="9525">
+                <a:solidFill>
+                  <a:schemeClr val="tx1"/>
+                </a:solidFill>
+                <a:miter lim="800000"/>
+                <a:headEnd/>
+                <a:tailEnd/>
+              </a14:hiddenLine>
+            </a:ext>
+            <a:ext uri="{AF507438-7753-43E0-B8FC-AC1667EBCBE1}">
+              <a14:hiddenEffects xmlns:a14="http://schemas.microsoft.com/office/drawing/2010/main">
+                <a:effectLst>
+                  <a:outerShdw dist="35921" dir="2700000" algn="ctr" rotWithShape="0">
+                    <a:schemeClr val="bg2"/>
+                  </a:outerShdw>
+                </a:effectLst>
+              </a14:hiddenEffects>
+            </a:ext>
+          </a:extLst>
+        </p:spPr>
+      </p:pic>
     </p:spTree>
     <p:extLst>
       <p:ext uri="{BB962C8B-B14F-4D97-AF65-F5344CB8AC3E}">
@@ -25413,306 +26189,7 @@
   <p:timing>
     <p:tnLst>
       <p:par>
-        <p:cTn id="1" dur="indefinite" restart="never" nodeType="tmRoot">
-          <p:childTnLst>
-            <p:seq concurrent="1" nextAc="seek">
-              <p:cTn id="2" dur="indefinite" nodeType="mainSeq">
-                <p:childTnLst>
-                  <p:par>
-                    <p:cTn id="3" fill="hold">
-                      <p:stCondLst>
-                        <p:cond delay="indefinite"/>
-                      </p:stCondLst>
-                      <p:childTnLst>
-                        <p:par>
-                          <p:cTn id="4" fill="hold">
-                            <p:stCondLst>
-                              <p:cond delay="0"/>
-                            </p:stCondLst>
-                            <p:childTnLst>
-                              <p:par>
-                                <p:cTn id="5" presetID="15" presetClass="emph" presetSubtype="0" nodeType="clickEffect">
-                                  <p:stCondLst>
-                                    <p:cond delay="0"/>
-                                  </p:stCondLst>
-                                  <p:iterate type="lt">
-                                    <p:tmAbs val="25"/>
-                                  </p:iterate>
-                                  <p:childTnLst>
-                                    <p:set>
-                                      <p:cBhvr override="childStyle">
-                                        <p:cTn id="6" dur="indefinite"/>
-                                        <p:tgtEl>
-                                          <p:spTgt spid="3">
-                                            <p:txEl>
-                                              <p:pRg st="0" end="0"/>
-                                            </p:txEl>
-                                          </p:spTgt>
-                                        </p:tgtEl>
-                                        <p:attrNameLst>
-                                          <p:attrName>style.fontWeight</p:attrName>
-                                        </p:attrNameLst>
-                                      </p:cBhvr>
-                                      <p:to>
-                                        <p:strVal val="bold"/>
-                                      </p:to>
-                                    </p:set>
-                                  </p:childTnLst>
-                                </p:cTn>
-                              </p:par>
-                              <p:par>
-                                <p:cTn id="7" presetID="15" presetClass="emph" presetSubtype="0" nodeType="withEffect">
-                                  <p:stCondLst>
-                                    <p:cond delay="0"/>
-                                  </p:stCondLst>
-                                  <p:iterate type="lt">
-                                    <p:tmAbs val="25"/>
-                                  </p:iterate>
-                                  <p:childTnLst>
-                                    <p:set>
-                                      <p:cBhvr override="childStyle">
-                                        <p:cTn id="8" dur="indefinite"/>
-                                        <p:tgtEl>
-                                          <p:spTgt spid="3">
-                                            <p:txEl>
-                                              <p:pRg st="1" end="1"/>
-                                            </p:txEl>
-                                          </p:spTgt>
-                                        </p:tgtEl>
-                                        <p:attrNameLst>
-                                          <p:attrName>style.fontWeight</p:attrName>
-                                        </p:attrNameLst>
-                                      </p:cBhvr>
-                                      <p:to>
-                                        <p:strVal val="bold"/>
-                                      </p:to>
-                                    </p:set>
-                                  </p:childTnLst>
-                                </p:cTn>
-                              </p:par>
-                              <p:par>
-                                <p:cTn id="9" presetID="15" presetClass="emph" presetSubtype="0" nodeType="withEffect">
-                                  <p:stCondLst>
-                                    <p:cond delay="0"/>
-                                  </p:stCondLst>
-                                  <p:iterate type="lt">
-                                    <p:tmAbs val="25"/>
-                                  </p:iterate>
-                                  <p:childTnLst>
-                                    <p:set>
-                                      <p:cBhvr override="childStyle">
-                                        <p:cTn id="10" dur="indefinite"/>
-                                        <p:tgtEl>
-                                          <p:spTgt spid="3">
-                                            <p:txEl>
-                                              <p:pRg st="2" end="2"/>
-                                            </p:txEl>
-                                          </p:spTgt>
-                                        </p:tgtEl>
-                                        <p:attrNameLst>
-                                          <p:attrName>style.fontWeight</p:attrName>
-                                        </p:attrNameLst>
-                                      </p:cBhvr>
-                                      <p:to>
-                                        <p:strVal val="bold"/>
-                                      </p:to>
-                                    </p:set>
-                                  </p:childTnLst>
-                                </p:cTn>
-                              </p:par>
-                              <p:par>
-                                <p:cTn id="11" presetID="15" presetClass="emph" presetSubtype="0" nodeType="withEffect">
-                                  <p:stCondLst>
-                                    <p:cond delay="0"/>
-                                  </p:stCondLst>
-                                  <p:iterate type="lt">
-                                    <p:tmAbs val="25"/>
-                                  </p:iterate>
-                                  <p:childTnLst>
-                                    <p:set>
-                                      <p:cBhvr override="childStyle">
-                                        <p:cTn id="12" dur="indefinite"/>
-                                        <p:tgtEl>
-                                          <p:spTgt spid="3">
-                                            <p:txEl>
-                                              <p:pRg st="3" end="3"/>
-                                            </p:txEl>
-                                          </p:spTgt>
-                                        </p:tgtEl>
-                                        <p:attrNameLst>
-                                          <p:attrName>style.fontWeight</p:attrName>
-                                        </p:attrNameLst>
-                                      </p:cBhvr>
-                                      <p:to>
-                                        <p:strVal val="bold"/>
-                                      </p:to>
-                                    </p:set>
-                                  </p:childTnLst>
-                                </p:cTn>
-                              </p:par>
-                            </p:childTnLst>
-                          </p:cTn>
-                        </p:par>
-                      </p:childTnLst>
-                    </p:cTn>
-                  </p:par>
-                  <p:par>
-                    <p:cTn id="13" fill="hold">
-                      <p:stCondLst>
-                        <p:cond delay="indefinite"/>
-                      </p:stCondLst>
-                      <p:childTnLst>
-                        <p:par>
-                          <p:cTn id="14" fill="hold">
-                            <p:stCondLst>
-                              <p:cond delay="0"/>
-                            </p:stCondLst>
-                            <p:childTnLst>
-                              <p:par>
-                                <p:cTn id="15" presetID="15" presetClass="emph" presetSubtype="0" nodeType="clickEffect">
-                                  <p:stCondLst>
-                                    <p:cond delay="0"/>
-                                  </p:stCondLst>
-                                  <p:iterate type="lt">
-                                    <p:tmAbs val="25"/>
-                                  </p:iterate>
-                                  <p:childTnLst>
-                                    <p:set>
-                                      <p:cBhvr override="childStyle">
-                                        <p:cTn id="16" dur="indefinite"/>
-                                        <p:tgtEl>
-                                          <p:spTgt spid="3">
-                                            <p:txEl>
-                                              <p:pRg st="4" end="4"/>
-                                            </p:txEl>
-                                          </p:spTgt>
-                                        </p:tgtEl>
-                                        <p:attrNameLst>
-                                          <p:attrName>style.fontWeight</p:attrName>
-                                        </p:attrNameLst>
-                                      </p:cBhvr>
-                                      <p:to>
-                                        <p:strVal val="bold"/>
-                                      </p:to>
-                                    </p:set>
-                                  </p:childTnLst>
-                                </p:cTn>
-                              </p:par>
-                              <p:par>
-                                <p:cTn id="17" presetID="15" presetClass="emph" presetSubtype="0" nodeType="withEffect">
-                                  <p:stCondLst>
-                                    <p:cond delay="0"/>
-                                  </p:stCondLst>
-                                  <p:iterate type="lt">
-                                    <p:tmAbs val="25"/>
-                                  </p:iterate>
-                                  <p:childTnLst>
-                                    <p:set>
-                                      <p:cBhvr override="childStyle">
-                                        <p:cTn id="18" dur="indefinite"/>
-                                        <p:tgtEl>
-                                          <p:spTgt spid="3">
-                                            <p:txEl>
-                                              <p:pRg st="5" end="5"/>
-                                            </p:txEl>
-                                          </p:spTgt>
-                                        </p:tgtEl>
-                                        <p:attrNameLst>
-                                          <p:attrName>style.fontWeight</p:attrName>
-                                        </p:attrNameLst>
-                                      </p:cBhvr>
-                                      <p:to>
-                                        <p:strVal val="bold"/>
-                                      </p:to>
-                                    </p:set>
-                                  </p:childTnLst>
-                                </p:cTn>
-                              </p:par>
-                              <p:par>
-                                <p:cTn id="19" presetID="15" presetClass="emph" presetSubtype="0" nodeType="withEffect">
-                                  <p:stCondLst>
-                                    <p:cond delay="0"/>
-                                  </p:stCondLst>
-                                  <p:iterate type="lt">
-                                    <p:tmAbs val="25"/>
-                                  </p:iterate>
-                                  <p:childTnLst>
-                                    <p:set>
-                                      <p:cBhvr override="childStyle">
-                                        <p:cTn id="20" dur="indefinite"/>
-                                        <p:tgtEl>
-                                          <p:spTgt spid="3">
-                                            <p:txEl>
-                                              <p:pRg st="6" end="6"/>
-                                            </p:txEl>
-                                          </p:spTgt>
-                                        </p:tgtEl>
-                                        <p:attrNameLst>
-                                          <p:attrName>style.fontWeight</p:attrName>
-                                        </p:attrNameLst>
-                                      </p:cBhvr>
-                                      <p:to>
-                                        <p:strVal val="bold"/>
-                                      </p:to>
-                                    </p:set>
-                                  </p:childTnLst>
-                                </p:cTn>
-                              </p:par>
-                              <p:par>
-                                <p:cTn id="21" presetID="15" presetClass="emph" presetSubtype="0" nodeType="withEffect">
-                                  <p:stCondLst>
-                                    <p:cond delay="0"/>
-                                  </p:stCondLst>
-                                  <p:iterate type="lt">
-                                    <p:tmAbs val="25"/>
-                                  </p:iterate>
-                                  <p:childTnLst>
-                                    <p:set>
-                                      <p:cBhvr override="childStyle">
-                                        <p:cTn id="22" dur="indefinite"/>
-                                        <p:tgtEl>
-                                          <p:spTgt spid="3">
-                                            <p:txEl>
-                                              <p:pRg st="7" end="7"/>
-                                            </p:txEl>
-                                          </p:spTgt>
-                                        </p:tgtEl>
-                                        <p:attrNameLst>
-                                          <p:attrName>style.fontWeight</p:attrName>
-                                        </p:attrNameLst>
-                                      </p:cBhvr>
-                                      <p:to>
-                                        <p:strVal val="bold"/>
-                                      </p:to>
-                                    </p:set>
-                                  </p:childTnLst>
-                                </p:cTn>
-                              </p:par>
-                            </p:childTnLst>
-                          </p:cTn>
-                        </p:par>
-                      </p:childTnLst>
-                    </p:cTn>
-                  </p:par>
-                </p:childTnLst>
-              </p:cTn>
-              <p:prevCondLst>
-                <p:cond evt="onPrev" delay="0">
-                  <p:tgtEl>
-                    <p:sldTgt/>
-                  </p:tgtEl>
-                </p:cond>
-              </p:prevCondLst>
-              <p:nextCondLst>
-                <p:cond evt="onNext" delay="0">
-                  <p:tgtEl>
-                    <p:sldTgt/>
-                  </p:tgtEl>
-                </p:cond>
-              </p:nextCondLst>
-            </p:seq>
-          </p:childTnLst>
-        </p:cTn>
+        <p:cTn id="1" dur="indefinite" restart="never" nodeType="tmRoot"/>
       </p:par>
     </p:tnLst>
   </p:timing>
@@ -26162,17 +26639,27 @@
         </p:nvSpPr>
         <p:spPr>
           <a:xfrm>
-            <a:off x="4644008" y="260648"/>
-            <a:ext cx="3312368" cy="1143000"/>
+            <a:off x="827584" y="260648"/>
+            <a:ext cx="7128792" cy="1143000"/>
           </a:xfrm>
         </p:spPr>
         <p:txBody>
-          <a:bodyPr/>
+          <a:bodyPr>
+            <a:normAutofit/>
+          </a:bodyPr>
           <a:lstStyle/>
           <a:p>
             <a:r>
+              <a:rPr lang="de-DE" dirty="0" err="1" smtClean="0"/>
+              <a:t>Hibernate</a:t>
+            </a:r>
+            <a:r>
               <a:rPr lang="de-DE" dirty="0" smtClean="0"/>
-              <a:t>- an </a:t>
+              <a:t> - </a:t>
+            </a:r>
+            <a:r>
+              <a:rPr lang="de-DE" dirty="0" smtClean="0"/>
+              <a:t>an </a:t>
             </a:r>
             <a:r>
               <a:rPr lang="de-DE" dirty="0" err="1" smtClean="0"/>
@@ -26223,8 +26710,17 @@
               <a:rPr lang="en-GB" dirty="0" smtClean="0">
                 <a:sym typeface="Wingdings"/>
               </a:rPr>
-              <a:t>Updates come regularly</a:t>
-            </a:r>
+              <a:t>Updates </a:t>
+            </a:r>
+            <a:r>
+              <a:rPr lang="en-GB" dirty="0" smtClean="0">
+                <a:sym typeface="Wingdings"/>
+              </a:rPr>
+              <a:t>are distributed regularly</a:t>
+            </a:r>
+            <a:endParaRPr lang="en-GB" dirty="0" smtClean="0">
+              <a:sym typeface="Wingdings"/>
+            </a:endParaRPr>
           </a:p>
           <a:p>
             <a:pPr marL="342900" lvl="1" indent="-342900">
@@ -26295,7 +26791,7 @@
         </p:blipFill>
         <p:spPr>
           <a:xfrm>
-            <a:off x="827584" y="188640"/>
+            <a:off x="4499992" y="4221088"/>
             <a:ext cx="4044827" cy="1481111"/>
           </a:xfrm>
           <a:prstGeom prst="rect">
@@ -33240,6 +33736,38 @@
             <a:endParaRPr lang="de-AT" dirty="0" smtClean="0"/>
           </a:p>
           <a:p>
+            <a:pPr lvl="1"/>
+            <a:r>
+              <a:rPr lang="de-AT" dirty="0" err="1" smtClean="0"/>
+              <a:t>No</a:t>
+            </a:r>
+            <a:r>
+              <a:rPr lang="de-AT" dirty="0" smtClean="0"/>
+              <a:t> time </a:t>
+            </a:r>
+            <a:r>
+              <a:rPr lang="de-AT" dirty="0" err="1" smtClean="0"/>
+              <a:t>and</a:t>
+            </a:r>
+            <a:r>
+              <a:rPr lang="de-AT" dirty="0" smtClean="0"/>
+              <a:t> </a:t>
+            </a:r>
+            <a:r>
+              <a:rPr lang="de-AT" dirty="0" err="1" smtClean="0"/>
+              <a:t>attendence</a:t>
+            </a:r>
+            <a:r>
+              <a:rPr lang="de-AT" dirty="0" smtClean="0"/>
+              <a:t> </a:t>
+            </a:r>
+            <a:r>
+              <a:rPr lang="de-AT" dirty="0" err="1" smtClean="0"/>
+              <a:t>recording</a:t>
+            </a:r>
+            <a:endParaRPr lang="de-AT" dirty="0" smtClean="0"/>
+          </a:p>
+          <a:p>
             <a:endParaRPr lang="en-GB" dirty="0"/>
           </a:p>
         </p:txBody>
@@ -36209,320 +36737,102 @@
       </p:sp>
       <p:sp>
         <p:nvSpPr>
-          <p:cNvPr id="37890" name="Text Box 2"/>
-          <p:cNvSpPr txBox="1">
-            <a:spLocks noChangeArrowheads="1"/>
-          </p:cNvSpPr>
+          <p:cNvPr id="2" name="Datumsplatzhalter 1"/>
+          <p:cNvSpPr>
+            <a:spLocks noGrp="1"/>
+          </p:cNvSpPr>
+          <p:nvPr>
+            <p:ph type="dt" sz="half" idx="10"/>
+          </p:nvPr>
+        </p:nvSpPr>
+        <p:spPr/>
+        <p:txBody>
+          <a:bodyPr/>
+          <a:lstStyle/>
+          <a:p>
+            <a:fld id="{B4D1FCA4-F5D8-49A8-9EAF-932ED76FE443}" type="datetime1">
+              <a:rPr lang="de-DE" smtClean="0"/>
+              <a:t>12.06.2012</a:t>
+            </a:fld>
+            <a:endParaRPr lang="de-DE"/>
+          </a:p>
+        </p:txBody>
+      </p:sp>
+      <p:sp>
+        <p:nvSpPr>
+          <p:cNvPr id="3" name="Fußzeilenplatzhalter 2"/>
+          <p:cNvSpPr>
+            <a:spLocks noGrp="1"/>
+          </p:cNvSpPr>
+          <p:nvPr>
+            <p:ph type="ftr" sz="quarter" idx="11"/>
+          </p:nvPr>
+        </p:nvSpPr>
+        <p:spPr/>
+        <p:txBody>
+          <a:bodyPr/>
+          <a:lstStyle/>
+          <a:p>
+            <a:r>
+              <a:rPr lang="de-DE" smtClean="0"/>
+              <a:t>Roomanizer Presentation Team E</a:t>
+            </a:r>
+            <a:endParaRPr lang="de-DE"/>
+          </a:p>
+        </p:txBody>
+      </p:sp>
+      <p:sp>
+        <p:nvSpPr>
+          <p:cNvPr id="4" name="Foliennummernplatzhalter 3"/>
+          <p:cNvSpPr>
+            <a:spLocks noGrp="1"/>
+          </p:cNvSpPr>
+          <p:nvPr>
+            <p:ph type="sldNum" sz="quarter" idx="12"/>
+          </p:nvPr>
+        </p:nvSpPr>
+        <p:spPr/>
+        <p:txBody>
+          <a:bodyPr/>
+          <a:lstStyle/>
+          <a:p>
+            <a:fld id="{6C6AE60A-B69C-4790-82F7-3882EDF23186}" type="slidenum">
+              <a:rPr lang="de-DE" smtClean="0"/>
+              <a:t>45</a:t>
+            </a:fld>
+            <a:endParaRPr lang="de-DE"/>
+          </a:p>
+        </p:txBody>
+      </p:sp>
+      <p:sp>
+        <p:nvSpPr>
+          <p:cNvPr id="5" name="Textfeld 4"/>
+          <p:cNvSpPr txBox="1"/>
           <p:nvPr/>
         </p:nvSpPr>
-        <p:spPr bwMode="auto">
+        <p:spPr>
           <a:xfrm>
-            <a:off x="457200" y="1600200"/>
-            <a:ext cx="8229600" cy="4525963"/>
+            <a:off x="611560" y="1340768"/>
+            <a:ext cx="7560840" cy="5309146"/>
           </a:xfrm>
           <a:prstGeom prst="rect">
             <a:avLst/>
           </a:prstGeom>
           <a:noFill/>
-          <a:ln>
-            <a:noFill/>
-          </a:ln>
-          <a:effectLst/>
-          <a:extLst>
-            <a:ext uri="{909E8E84-426E-40DD-AFC4-6F175D3DCCD1}">
-              <a14:hiddenFill xmlns:a14="http://schemas.microsoft.com/office/drawing/2010/main">
-                <a:solidFill>
-                  <a:srgbClr val="FFFFFF"/>
-                </a:solidFill>
-              </a14:hiddenFill>
-            </a:ext>
-            <a:ext uri="{91240B29-F687-4F45-9708-019B960494DF}">
-              <a14:hiddenLine xmlns:a14="http://schemas.microsoft.com/office/drawing/2010/main" w="9525">
-                <a:solidFill>
-                  <a:srgbClr val="000000"/>
-                </a:solidFill>
-                <a:round/>
-                <a:headEnd/>
-                <a:tailEnd/>
-              </a14:hiddenLine>
-            </a:ext>
-            <a:ext uri="{AF507438-7753-43E0-B8FC-AC1667EBCBE1}">
-              <a14:hiddenEffects xmlns:a14="http://schemas.microsoft.com/office/drawing/2010/main">
-                <a:effectLst>
-                  <a:outerShdw dist="35921" dir="2700000" algn="ctr" rotWithShape="0">
-                    <a:srgbClr val="808080"/>
-                  </a:outerShdw>
-                </a:effectLst>
-              </a14:hiddenEffects>
-            </a:ext>
-          </a:extLst>
         </p:spPr>
         <p:txBody>
-          <a:bodyPr tIns="91440"/>
-          <a:lstStyle>
-            <a:lvl1pPr marL="431800" indent="-323850">
-              <a:tabLst>
-                <a:tab pos="723900" algn="l"/>
-                <a:tab pos="1447800" algn="l"/>
-                <a:tab pos="2171700" algn="l"/>
-                <a:tab pos="2895600" algn="l"/>
-                <a:tab pos="3619500" algn="l"/>
-                <a:tab pos="4343400" algn="l"/>
-                <a:tab pos="5067300" algn="l"/>
-                <a:tab pos="5791200" algn="l"/>
-                <a:tab pos="6515100" algn="l"/>
-                <a:tab pos="7239000" algn="l"/>
-                <a:tab pos="7962900" algn="l"/>
-              </a:tabLst>
-              <a:defRPr>
-                <a:solidFill>
-                  <a:srgbClr val="000000"/>
-                </a:solidFill>
-                <a:latin typeface="Arial" charset="0"/>
-                <a:ea typeface="SimSun" charset="-122"/>
-              </a:defRPr>
-            </a:lvl1pPr>
-            <a:lvl2pPr>
-              <a:tabLst>
-                <a:tab pos="723900" algn="l"/>
-                <a:tab pos="1447800" algn="l"/>
-                <a:tab pos="2171700" algn="l"/>
-                <a:tab pos="2895600" algn="l"/>
-                <a:tab pos="3619500" algn="l"/>
-                <a:tab pos="4343400" algn="l"/>
-                <a:tab pos="5067300" algn="l"/>
-                <a:tab pos="5791200" algn="l"/>
-                <a:tab pos="6515100" algn="l"/>
-                <a:tab pos="7239000" algn="l"/>
-                <a:tab pos="7962900" algn="l"/>
-              </a:tabLst>
-              <a:defRPr>
-                <a:solidFill>
-                  <a:srgbClr val="000000"/>
-                </a:solidFill>
-                <a:latin typeface="Arial" charset="0"/>
-                <a:ea typeface="SimSun" charset="-122"/>
-              </a:defRPr>
-            </a:lvl2pPr>
-            <a:lvl3pPr>
-              <a:tabLst>
-                <a:tab pos="723900" algn="l"/>
-                <a:tab pos="1447800" algn="l"/>
-                <a:tab pos="2171700" algn="l"/>
-                <a:tab pos="2895600" algn="l"/>
-                <a:tab pos="3619500" algn="l"/>
-                <a:tab pos="4343400" algn="l"/>
-                <a:tab pos="5067300" algn="l"/>
-                <a:tab pos="5791200" algn="l"/>
-                <a:tab pos="6515100" algn="l"/>
-                <a:tab pos="7239000" algn="l"/>
-                <a:tab pos="7962900" algn="l"/>
-              </a:tabLst>
-              <a:defRPr>
-                <a:solidFill>
-                  <a:srgbClr val="000000"/>
-                </a:solidFill>
-                <a:latin typeface="Arial" charset="0"/>
-                <a:ea typeface="SimSun" charset="-122"/>
-              </a:defRPr>
-            </a:lvl3pPr>
-            <a:lvl4pPr>
-              <a:tabLst>
-                <a:tab pos="723900" algn="l"/>
-                <a:tab pos="1447800" algn="l"/>
-                <a:tab pos="2171700" algn="l"/>
-                <a:tab pos="2895600" algn="l"/>
-                <a:tab pos="3619500" algn="l"/>
-                <a:tab pos="4343400" algn="l"/>
-                <a:tab pos="5067300" algn="l"/>
-                <a:tab pos="5791200" algn="l"/>
-                <a:tab pos="6515100" algn="l"/>
-                <a:tab pos="7239000" algn="l"/>
-                <a:tab pos="7962900" algn="l"/>
-              </a:tabLst>
-              <a:defRPr>
-                <a:solidFill>
-                  <a:srgbClr val="000000"/>
-                </a:solidFill>
-                <a:latin typeface="Arial" charset="0"/>
-                <a:ea typeface="SimSun" charset="-122"/>
-              </a:defRPr>
-            </a:lvl4pPr>
-            <a:lvl5pPr>
-              <a:tabLst>
-                <a:tab pos="723900" algn="l"/>
-                <a:tab pos="1447800" algn="l"/>
-                <a:tab pos="2171700" algn="l"/>
-                <a:tab pos="2895600" algn="l"/>
-                <a:tab pos="3619500" algn="l"/>
-                <a:tab pos="4343400" algn="l"/>
-                <a:tab pos="5067300" algn="l"/>
-                <a:tab pos="5791200" algn="l"/>
-                <a:tab pos="6515100" algn="l"/>
-                <a:tab pos="7239000" algn="l"/>
-                <a:tab pos="7962900" algn="l"/>
-              </a:tabLst>
-              <a:defRPr>
-                <a:solidFill>
-                  <a:srgbClr val="000000"/>
-                </a:solidFill>
-                <a:latin typeface="Arial" charset="0"/>
-                <a:ea typeface="SimSun" charset="-122"/>
-              </a:defRPr>
-            </a:lvl5pPr>
-            <a:lvl6pPr marL="2514600" indent="-228600" defTabSz="449263" fontAlgn="base" hangingPunct="0">
-              <a:lnSpc>
-                <a:spcPct val="93000"/>
-              </a:lnSpc>
-              <a:spcBef>
-                <a:spcPct val="0"/>
-              </a:spcBef>
-              <a:spcAft>
-                <a:spcPct val="0"/>
-              </a:spcAft>
-              <a:buClr>
-                <a:srgbClr val="000000"/>
-              </a:buClr>
-              <a:buSzPct val="100000"/>
-              <a:buFont typeface="Times New Roman" pitchFamily="16" charset="0"/>
-              <a:tabLst>
-                <a:tab pos="723900" algn="l"/>
-                <a:tab pos="1447800" algn="l"/>
-                <a:tab pos="2171700" algn="l"/>
-                <a:tab pos="2895600" algn="l"/>
-                <a:tab pos="3619500" algn="l"/>
-                <a:tab pos="4343400" algn="l"/>
-                <a:tab pos="5067300" algn="l"/>
-                <a:tab pos="5791200" algn="l"/>
-                <a:tab pos="6515100" algn="l"/>
-                <a:tab pos="7239000" algn="l"/>
-                <a:tab pos="7962900" algn="l"/>
-              </a:tabLst>
-              <a:defRPr>
-                <a:solidFill>
-                  <a:srgbClr val="000000"/>
-                </a:solidFill>
-                <a:latin typeface="Arial" charset="0"/>
-                <a:ea typeface="SimSun" charset="-122"/>
-              </a:defRPr>
-            </a:lvl6pPr>
-            <a:lvl7pPr marL="2971800" indent="-228600" defTabSz="449263" fontAlgn="base" hangingPunct="0">
-              <a:lnSpc>
-                <a:spcPct val="93000"/>
-              </a:lnSpc>
-              <a:spcBef>
-                <a:spcPct val="0"/>
-              </a:spcBef>
-              <a:spcAft>
-                <a:spcPct val="0"/>
-              </a:spcAft>
-              <a:buClr>
-                <a:srgbClr val="000000"/>
-              </a:buClr>
-              <a:buSzPct val="100000"/>
-              <a:buFont typeface="Times New Roman" pitchFamily="16" charset="0"/>
-              <a:tabLst>
-                <a:tab pos="723900" algn="l"/>
-                <a:tab pos="1447800" algn="l"/>
-                <a:tab pos="2171700" algn="l"/>
-                <a:tab pos="2895600" algn="l"/>
-                <a:tab pos="3619500" algn="l"/>
-                <a:tab pos="4343400" algn="l"/>
-                <a:tab pos="5067300" algn="l"/>
-                <a:tab pos="5791200" algn="l"/>
-                <a:tab pos="6515100" algn="l"/>
-                <a:tab pos="7239000" algn="l"/>
-                <a:tab pos="7962900" algn="l"/>
-              </a:tabLst>
-              <a:defRPr>
-                <a:solidFill>
-                  <a:srgbClr val="000000"/>
-                </a:solidFill>
-                <a:latin typeface="Arial" charset="0"/>
-                <a:ea typeface="SimSun" charset="-122"/>
-              </a:defRPr>
-            </a:lvl7pPr>
-            <a:lvl8pPr marL="3429000" indent="-228600" defTabSz="449263" fontAlgn="base" hangingPunct="0">
-              <a:lnSpc>
-                <a:spcPct val="93000"/>
-              </a:lnSpc>
-              <a:spcBef>
-                <a:spcPct val="0"/>
-              </a:spcBef>
-              <a:spcAft>
-                <a:spcPct val="0"/>
-              </a:spcAft>
-              <a:buClr>
-                <a:srgbClr val="000000"/>
-              </a:buClr>
-              <a:buSzPct val="100000"/>
-              <a:buFont typeface="Times New Roman" pitchFamily="16" charset="0"/>
-              <a:tabLst>
-                <a:tab pos="723900" algn="l"/>
-                <a:tab pos="1447800" algn="l"/>
-                <a:tab pos="2171700" algn="l"/>
-                <a:tab pos="2895600" algn="l"/>
-                <a:tab pos="3619500" algn="l"/>
-                <a:tab pos="4343400" algn="l"/>
-                <a:tab pos="5067300" algn="l"/>
-                <a:tab pos="5791200" algn="l"/>
-                <a:tab pos="6515100" algn="l"/>
-                <a:tab pos="7239000" algn="l"/>
-                <a:tab pos="7962900" algn="l"/>
-              </a:tabLst>
-              <a:defRPr>
-                <a:solidFill>
-                  <a:srgbClr val="000000"/>
-                </a:solidFill>
-                <a:latin typeface="Arial" charset="0"/>
-                <a:ea typeface="SimSun" charset="-122"/>
-              </a:defRPr>
-            </a:lvl8pPr>
-            <a:lvl9pPr marL="3886200" indent="-228600" defTabSz="449263" fontAlgn="base" hangingPunct="0">
-              <a:lnSpc>
-                <a:spcPct val="93000"/>
-              </a:lnSpc>
-              <a:spcBef>
-                <a:spcPct val="0"/>
-              </a:spcBef>
-              <a:spcAft>
-                <a:spcPct val="0"/>
-              </a:spcAft>
-              <a:buClr>
-                <a:srgbClr val="000000"/>
-              </a:buClr>
-              <a:buSzPct val="100000"/>
-              <a:buFont typeface="Times New Roman" pitchFamily="16" charset="0"/>
-              <a:tabLst>
-                <a:tab pos="723900" algn="l"/>
-                <a:tab pos="1447800" algn="l"/>
-                <a:tab pos="2171700" algn="l"/>
-                <a:tab pos="2895600" algn="l"/>
-                <a:tab pos="3619500" algn="l"/>
-                <a:tab pos="4343400" algn="l"/>
-                <a:tab pos="5067300" algn="l"/>
-                <a:tab pos="5791200" algn="l"/>
-                <a:tab pos="6515100" algn="l"/>
-                <a:tab pos="7239000" algn="l"/>
-                <a:tab pos="7962900" algn="l"/>
-              </a:tabLst>
-              <a:defRPr>
-                <a:solidFill>
-                  <a:srgbClr val="000000"/>
-                </a:solidFill>
-                <a:latin typeface="Arial" charset="0"/>
-                <a:ea typeface="SimSun" charset="-122"/>
-              </a:defRPr>
-            </a:lvl9pPr>
-          </a:lstStyle>
-          <a:p>
-            <a:pPr marL="430213" indent="-320675">
+          <a:bodyPr wrap="square" rtlCol="0">
+            <a:spAutoFit/>
+          </a:bodyPr>
+          <a:lstStyle/>
+          <a:p>
+            <a:pPr marL="452438" indent="-342900">
               <a:spcAft>
                 <a:spcPts val="1425"/>
               </a:spcAft>
               <a:buSzPct val="45000"/>
-              <a:buFont typeface="Wingdings" charset="2"/>
-              <a:buChar char=""/>
+              <a:buFont typeface="Arial" pitchFamily="34" charset="0"/>
+              <a:buChar char="•"/>
               <a:tabLst>
                 <a:tab pos="430213" algn="l"/>
                 <a:tab pos="877888" algn="l"/>
@@ -36548,20 +36858,18 @@
               </a:tabLst>
             </a:pPr>
             <a:r>
-              <a:rPr lang="de-DE" dirty="0">
-                <a:latin typeface="Calibri" charset="0"/>
-              </a:rPr>
-              <a:t>Dynamic Mapper</a:t>
-            </a:r>
-          </a:p>
-          <a:p>
-            <a:pPr marL="430213" indent="-320675">
+              <a:rPr lang="de-DE" sz="2400" dirty="0"/>
+              <a:t>Extensible</a:t>
+            </a:r>
+          </a:p>
+          <a:p>
+            <a:pPr marL="935038" lvl="2" indent="-342900">
               <a:spcAft>
                 <a:spcPts val="1425"/>
               </a:spcAft>
               <a:buSzPct val="45000"/>
-              <a:buFont typeface="Wingdings" charset="2"/>
-              <a:buChar char=""/>
+              <a:buFont typeface="Arial" pitchFamily="34" charset="0"/>
+              <a:buChar char="•"/>
               <a:tabLst>
                 <a:tab pos="430213" algn="l"/>
                 <a:tab pos="877888" algn="l"/>
@@ -36587,20 +36895,23 @@
               </a:tabLst>
             </a:pPr>
             <a:r>
-              <a:rPr lang="de-DE" dirty="0">
-                <a:latin typeface="Calibri" charset="0"/>
-              </a:rPr>
-              <a:t>Swing GUI</a:t>
-            </a:r>
-          </a:p>
-          <a:p>
-            <a:pPr marL="430213" indent="-320675">
+              <a:rPr lang="de-DE" sz="2400" dirty="0"/>
+              <a:t>Layer </a:t>
+            </a:r>
+            <a:r>
+              <a:rPr lang="de-DE" sz="2400" dirty="0" err="1"/>
+              <a:t>model</a:t>
+            </a:r>
+            <a:endParaRPr lang="de-DE" sz="2400" dirty="0"/>
+          </a:p>
+          <a:p>
+            <a:pPr marL="935038" lvl="2" indent="-342900">
               <a:spcAft>
                 <a:spcPts val="1425"/>
               </a:spcAft>
               <a:buSzPct val="45000"/>
-              <a:buFont typeface="Wingdings" charset="2"/>
-              <a:buChar char=""/>
+              <a:buFont typeface="Arial" pitchFamily="34" charset="0"/>
+              <a:buChar char="•"/>
               <a:tabLst>
                 <a:tab pos="430213" algn="l"/>
                 <a:tab pos="877888" algn="l"/>
@@ -36626,20 +36937,23 @@
               </a:tabLst>
             </a:pPr>
             <a:r>
-              <a:rPr lang="de-DE" dirty="0">
-                <a:latin typeface="Calibri" charset="0"/>
-              </a:rPr>
-              <a:t>JSF &amp; Ajax</a:t>
-            </a:r>
-          </a:p>
-          <a:p>
-            <a:pPr marL="430213" indent="-320675">
+              <a:rPr lang="de-DE" sz="2400" dirty="0"/>
+              <a:t>Dynamic </a:t>
+            </a:r>
+            <a:r>
+              <a:rPr lang="de-DE" sz="2400" dirty="0" err="1" smtClean="0"/>
+              <a:t>mapper</a:t>
+            </a:r>
+            <a:endParaRPr lang="de-DE" sz="2400" dirty="0" smtClean="0"/>
+          </a:p>
+          <a:p>
+            <a:pPr marL="935038" lvl="2" indent="-342900">
               <a:spcAft>
                 <a:spcPts val="1425"/>
               </a:spcAft>
               <a:buSzPct val="45000"/>
-              <a:buFont typeface="Wingdings" charset="2"/>
-              <a:buChar char=""/>
+              <a:buFont typeface="Arial" pitchFamily="34" charset="0"/>
+              <a:buChar char="•"/>
               <a:tabLst>
                 <a:tab pos="430213" algn="l"/>
                 <a:tab pos="877888" algn="l"/>
@@ -36665,89 +36979,217 @@
               </a:tabLst>
             </a:pPr>
             <a:r>
-              <a:rPr lang="de-DE" dirty="0">
-                <a:latin typeface="Calibri" charset="0"/>
-              </a:rPr>
-              <a:t>Project </a:t>
-            </a:r>
-            <a:r>
-              <a:rPr lang="de-DE" dirty="0" smtClean="0">
-                <a:latin typeface="Calibri" charset="0"/>
-              </a:rPr>
-              <a:t>Management</a:t>
-            </a:r>
-            <a:endParaRPr lang="de-DE" dirty="0">
-              <a:latin typeface="Calibri" charset="0"/>
-            </a:endParaRPr>
-          </a:p>
-        </p:txBody>
-      </p:sp>
-      <p:sp>
-        <p:nvSpPr>
-          <p:cNvPr id="2" name="Datumsplatzhalter 1"/>
-          <p:cNvSpPr>
-            <a:spLocks noGrp="1"/>
-          </p:cNvSpPr>
-          <p:nvPr>
-            <p:ph type="dt" sz="half" idx="10"/>
-          </p:nvPr>
-        </p:nvSpPr>
-        <p:spPr/>
-        <p:txBody>
-          <a:bodyPr/>
-          <a:lstStyle/>
-          <a:p>
-            <a:fld id="{B4D1FCA4-F5D8-49A8-9EAF-932ED76FE443}" type="datetime1">
-              <a:rPr lang="de-DE" smtClean="0"/>
-              <a:t>12.06.2012</a:t>
-            </a:fld>
-            <a:endParaRPr lang="de-DE"/>
-          </a:p>
-        </p:txBody>
-      </p:sp>
-      <p:sp>
-        <p:nvSpPr>
-          <p:cNvPr id="3" name="Fußzeilenplatzhalter 2"/>
-          <p:cNvSpPr>
-            <a:spLocks noGrp="1"/>
-          </p:cNvSpPr>
-          <p:nvPr>
-            <p:ph type="ftr" sz="quarter" idx="11"/>
-          </p:nvPr>
-        </p:nvSpPr>
-        <p:spPr/>
-        <p:txBody>
-          <a:bodyPr/>
-          <a:lstStyle/>
-          <a:p>
-            <a:r>
-              <a:rPr lang="de-DE" smtClean="0"/>
-              <a:t>Roomanizer Presentation Team E</a:t>
-            </a:r>
-            <a:endParaRPr lang="de-DE"/>
-          </a:p>
-        </p:txBody>
-      </p:sp>
-      <p:sp>
-        <p:nvSpPr>
-          <p:cNvPr id="4" name="Foliennummernplatzhalter 3"/>
-          <p:cNvSpPr>
-            <a:spLocks noGrp="1"/>
-          </p:cNvSpPr>
-          <p:nvPr>
-            <p:ph type="sldNum" sz="quarter" idx="12"/>
-          </p:nvPr>
-        </p:nvSpPr>
-        <p:spPr/>
-        <p:txBody>
-          <a:bodyPr/>
-          <a:lstStyle/>
-          <a:p>
-            <a:fld id="{6C6AE60A-B69C-4790-82F7-3882EDF23186}" type="slidenum">
-              <a:rPr lang="de-DE" smtClean="0"/>
-              <a:t>45</a:t>
-            </a:fld>
-            <a:endParaRPr lang="de-DE"/>
+              <a:rPr lang="de-DE" sz="2400" dirty="0" smtClean="0"/>
+              <a:t>State </a:t>
+            </a:r>
+            <a:r>
+              <a:rPr lang="de-DE" sz="2400" dirty="0" err="1" smtClean="0"/>
+              <a:t>pattern</a:t>
+            </a:r>
+            <a:endParaRPr lang="de-DE" sz="2400" dirty="0"/>
+          </a:p>
+          <a:p>
+            <a:pPr marL="452438" indent="-342900">
+              <a:spcAft>
+                <a:spcPts val="1425"/>
+              </a:spcAft>
+              <a:buSzPct val="45000"/>
+              <a:buFont typeface="Arial" pitchFamily="34" charset="0"/>
+              <a:buChar char="•"/>
+              <a:tabLst>
+                <a:tab pos="430213" algn="l"/>
+                <a:tab pos="877888" algn="l"/>
+                <a:tab pos="1327150" algn="l"/>
+                <a:tab pos="1776413" algn="l"/>
+                <a:tab pos="2225675" algn="l"/>
+                <a:tab pos="2674938" algn="l"/>
+                <a:tab pos="3124200" algn="l"/>
+                <a:tab pos="3573463" algn="l"/>
+                <a:tab pos="4022725" algn="l"/>
+                <a:tab pos="4471988" algn="l"/>
+                <a:tab pos="4921250" algn="l"/>
+                <a:tab pos="5370513" algn="l"/>
+                <a:tab pos="5819775" algn="l"/>
+                <a:tab pos="6269038" algn="l"/>
+                <a:tab pos="6718300" algn="l"/>
+                <a:tab pos="7167563" algn="l"/>
+                <a:tab pos="7616825" algn="l"/>
+                <a:tab pos="8066088" algn="l"/>
+                <a:tab pos="8515350" algn="l"/>
+                <a:tab pos="8964613" algn="l"/>
+                <a:tab pos="9413875" algn="l"/>
+              </a:tabLst>
+            </a:pPr>
+            <a:r>
+              <a:rPr lang="de-DE" sz="2400" dirty="0" smtClean="0"/>
+              <a:t>Technologies</a:t>
+            </a:r>
+            <a:endParaRPr lang="de-DE" sz="2400" dirty="0"/>
+          </a:p>
+          <a:p>
+            <a:pPr marL="935038" lvl="2" indent="-342900">
+              <a:spcAft>
+                <a:spcPts val="1425"/>
+              </a:spcAft>
+              <a:buSzPct val="45000"/>
+              <a:buFont typeface="Arial" pitchFamily="34" charset="0"/>
+              <a:buChar char="•"/>
+              <a:tabLst>
+                <a:tab pos="430213" algn="l"/>
+                <a:tab pos="877888" algn="l"/>
+                <a:tab pos="1327150" algn="l"/>
+                <a:tab pos="1776413" algn="l"/>
+                <a:tab pos="2225675" algn="l"/>
+                <a:tab pos="2674938" algn="l"/>
+                <a:tab pos="3124200" algn="l"/>
+                <a:tab pos="3573463" algn="l"/>
+                <a:tab pos="4022725" algn="l"/>
+                <a:tab pos="4471988" algn="l"/>
+                <a:tab pos="4921250" algn="l"/>
+                <a:tab pos="5370513" algn="l"/>
+                <a:tab pos="5819775" algn="l"/>
+                <a:tab pos="6269038" algn="l"/>
+                <a:tab pos="6718300" algn="l"/>
+                <a:tab pos="7167563" algn="l"/>
+                <a:tab pos="7616825" algn="l"/>
+                <a:tab pos="8066088" algn="l"/>
+                <a:tab pos="8515350" algn="l"/>
+                <a:tab pos="8964613" algn="l"/>
+                <a:tab pos="9413875" algn="l"/>
+              </a:tabLst>
+            </a:pPr>
+            <a:r>
+              <a:rPr lang="de-DE" sz="2400" dirty="0"/>
+              <a:t>MySQL</a:t>
+            </a:r>
+          </a:p>
+          <a:p>
+            <a:pPr marL="935038" lvl="2" indent="-342900">
+              <a:spcAft>
+                <a:spcPts val="1425"/>
+              </a:spcAft>
+              <a:buSzPct val="45000"/>
+              <a:buFont typeface="Arial" pitchFamily="34" charset="0"/>
+              <a:buChar char="•"/>
+              <a:tabLst>
+                <a:tab pos="430213" algn="l"/>
+                <a:tab pos="877888" algn="l"/>
+                <a:tab pos="1327150" algn="l"/>
+                <a:tab pos="1776413" algn="l"/>
+                <a:tab pos="2225675" algn="l"/>
+                <a:tab pos="2674938" algn="l"/>
+                <a:tab pos="3124200" algn="l"/>
+                <a:tab pos="3573463" algn="l"/>
+                <a:tab pos="4022725" algn="l"/>
+                <a:tab pos="4471988" algn="l"/>
+                <a:tab pos="4921250" algn="l"/>
+                <a:tab pos="5370513" algn="l"/>
+                <a:tab pos="5819775" algn="l"/>
+                <a:tab pos="6269038" algn="l"/>
+                <a:tab pos="6718300" algn="l"/>
+                <a:tab pos="7167563" algn="l"/>
+                <a:tab pos="7616825" algn="l"/>
+                <a:tab pos="8066088" algn="l"/>
+                <a:tab pos="8515350" algn="l"/>
+                <a:tab pos="8964613" algn="l"/>
+                <a:tab pos="9413875" algn="l"/>
+              </a:tabLst>
+            </a:pPr>
+            <a:r>
+              <a:rPr lang="de-DE" sz="2400" dirty="0" err="1"/>
+              <a:t>Hibernate</a:t>
+            </a:r>
+            <a:endParaRPr lang="de-DE" sz="2400" dirty="0"/>
+          </a:p>
+          <a:p>
+            <a:pPr marL="935038" lvl="2" indent="-342900">
+              <a:spcAft>
+                <a:spcPts val="1425"/>
+              </a:spcAft>
+              <a:buSzPct val="45000"/>
+              <a:buFont typeface="Arial" pitchFamily="34" charset="0"/>
+              <a:buChar char="•"/>
+              <a:tabLst>
+                <a:tab pos="430213" algn="l"/>
+                <a:tab pos="877888" algn="l"/>
+                <a:tab pos="1327150" algn="l"/>
+                <a:tab pos="1776413" algn="l"/>
+                <a:tab pos="2225675" algn="l"/>
+                <a:tab pos="2674938" algn="l"/>
+                <a:tab pos="3124200" algn="l"/>
+                <a:tab pos="3573463" algn="l"/>
+                <a:tab pos="4022725" algn="l"/>
+                <a:tab pos="4471988" algn="l"/>
+                <a:tab pos="4921250" algn="l"/>
+                <a:tab pos="5370513" algn="l"/>
+                <a:tab pos="5819775" algn="l"/>
+                <a:tab pos="6269038" algn="l"/>
+                <a:tab pos="6718300" algn="l"/>
+                <a:tab pos="7167563" algn="l"/>
+                <a:tab pos="7616825" algn="l"/>
+                <a:tab pos="8066088" algn="l"/>
+                <a:tab pos="8515350" algn="l"/>
+                <a:tab pos="8964613" algn="l"/>
+                <a:tab pos="9413875" algn="l"/>
+              </a:tabLst>
+            </a:pPr>
+            <a:r>
+              <a:rPr lang="de-DE" sz="2400" dirty="0"/>
+              <a:t>PDF </a:t>
+            </a:r>
+            <a:r>
+              <a:rPr lang="de-DE" sz="2400" dirty="0" err="1"/>
+              <a:t>viewer</a:t>
+            </a:r>
+            <a:endParaRPr lang="de-DE" sz="2400" dirty="0"/>
+          </a:p>
+          <a:p>
+            <a:pPr marL="935038" lvl="2" indent="-342900">
+              <a:spcAft>
+                <a:spcPts val="1425"/>
+              </a:spcAft>
+              <a:buSzPct val="45000"/>
+              <a:buFont typeface="Arial" pitchFamily="34" charset="0"/>
+              <a:buChar char="•"/>
+              <a:tabLst>
+                <a:tab pos="430213" algn="l"/>
+                <a:tab pos="877888" algn="l"/>
+                <a:tab pos="1327150" algn="l"/>
+                <a:tab pos="1776413" algn="l"/>
+                <a:tab pos="2225675" algn="l"/>
+                <a:tab pos="2674938" algn="l"/>
+                <a:tab pos="3124200" algn="l"/>
+                <a:tab pos="3573463" algn="l"/>
+                <a:tab pos="4022725" algn="l"/>
+                <a:tab pos="4471988" algn="l"/>
+                <a:tab pos="4921250" algn="l"/>
+                <a:tab pos="5370513" algn="l"/>
+                <a:tab pos="5819775" algn="l"/>
+                <a:tab pos="6269038" algn="l"/>
+                <a:tab pos="6718300" algn="l"/>
+                <a:tab pos="7167563" algn="l"/>
+                <a:tab pos="7616825" algn="l"/>
+                <a:tab pos="8066088" algn="l"/>
+                <a:tab pos="8515350" algn="l"/>
+                <a:tab pos="8964613" algn="l"/>
+                <a:tab pos="9413875" algn="l"/>
+              </a:tabLst>
+            </a:pPr>
+            <a:r>
+              <a:rPr lang="de-DE" sz="2400" dirty="0"/>
+              <a:t>Java </a:t>
+            </a:r>
+            <a:r>
+              <a:rPr lang="de-DE" sz="2400" dirty="0" err="1"/>
+              <a:t>with</a:t>
+            </a:r>
+            <a:r>
+              <a:rPr lang="de-DE" sz="2400" dirty="0"/>
+              <a:t> Swing</a:t>
+            </a:r>
+          </a:p>
+          <a:p>
+            <a:endParaRPr lang="en-GB" dirty="0"/>
           </a:p>
         </p:txBody>
       </p:sp>
@@ -37053,6 +37495,19 @@
               </a:rPr>
               <a:t>them</a:t>
             </a:r>
+            <a:endParaRPr lang="de-DE" dirty="0" smtClean="0">
+              <a:latin typeface="Calibri" charset="0"/>
+            </a:endParaRPr>
+          </a:p>
+          <a:p>
+            <a:endParaRPr lang="de-DE" dirty="0">
+              <a:latin typeface="Calibri" charset="0"/>
+            </a:endParaRPr>
+          </a:p>
+          <a:p>
+            <a:pPr marL="0" indent="0">
+              <a:buNone/>
+            </a:pPr>
             <a:endParaRPr lang="de-DE" dirty="0">
               <a:latin typeface="Calibri" charset="0"/>
             </a:endParaRPr>
@@ -37128,6 +37583,164 @@
               <a:t>46</a:t>
             </a:fld>
             <a:endParaRPr lang="de-DE"/>
+          </a:p>
+        </p:txBody>
+      </p:sp>
+      <p:sp>
+        <p:nvSpPr>
+          <p:cNvPr id="7" name="Rechteck 6"/>
+          <p:cNvSpPr/>
+          <p:nvPr/>
+        </p:nvSpPr>
+        <p:spPr>
+          <a:xfrm>
+            <a:off x="2381692" y="4449721"/>
+            <a:ext cx="4020011" cy="923330"/>
+          </a:xfrm>
+          <a:prstGeom prst="rect">
+            <a:avLst/>
+          </a:prstGeom>
+          <a:noFill/>
+        </p:spPr>
+        <p:txBody>
+          <a:bodyPr wrap="none" lIns="91440" tIns="45720" rIns="91440" bIns="45720">
+            <a:spAutoFit/>
+          </a:bodyPr>
+          <a:lstStyle/>
+          <a:p>
+            <a:pPr algn="ctr"/>
+            <a:r>
+              <a:rPr lang="de-DE" sz="5400" b="1" cap="all" dirty="0" err="1" smtClean="0">
+                <a:ln w="9000" cmpd="sng">
+                  <a:solidFill>
+                    <a:schemeClr val="accent4">
+                      <a:shade val="50000"/>
+                      <a:satMod val="120000"/>
+                    </a:schemeClr>
+                  </a:solidFill>
+                  <a:prstDash val="solid"/>
+                </a:ln>
+                <a:gradFill>
+                  <a:gsLst>
+                    <a:gs pos="0">
+                      <a:schemeClr val="accent4">
+                        <a:shade val="20000"/>
+                        <a:satMod val="245000"/>
+                      </a:schemeClr>
+                    </a:gs>
+                    <a:gs pos="43000">
+                      <a:schemeClr val="accent4">
+                        <a:satMod val="255000"/>
+                      </a:schemeClr>
+                    </a:gs>
+                    <a:gs pos="48000">
+                      <a:schemeClr val="accent4">
+                        <a:shade val="85000"/>
+                        <a:satMod val="255000"/>
+                      </a:schemeClr>
+                    </a:gs>
+                    <a:gs pos="100000">
+                      <a:schemeClr val="accent4">
+                        <a:shade val="20000"/>
+                        <a:satMod val="245000"/>
+                      </a:schemeClr>
+                    </a:gs>
+                  </a:gsLst>
+                  <a:lin ang="5400000"/>
+                </a:gradFill>
+                <a:effectLst>
+                  <a:reflection blurRad="12700" stA="28000" endPos="45000" dist="1000" dir="5400000" sy="-100000" algn="bl" rotWithShape="0"/>
+                </a:effectLst>
+              </a:rPr>
+              <a:t>Questions</a:t>
+            </a:r>
+            <a:r>
+              <a:rPr lang="de-DE" sz="5400" b="1" cap="all" dirty="0" smtClean="0">
+                <a:ln w="9000" cmpd="sng">
+                  <a:solidFill>
+                    <a:schemeClr val="accent4">
+                      <a:shade val="50000"/>
+                      <a:satMod val="120000"/>
+                    </a:schemeClr>
+                  </a:solidFill>
+                  <a:prstDash val="solid"/>
+                </a:ln>
+                <a:gradFill>
+                  <a:gsLst>
+                    <a:gs pos="0">
+                      <a:schemeClr val="accent4">
+                        <a:shade val="20000"/>
+                        <a:satMod val="245000"/>
+                      </a:schemeClr>
+                    </a:gs>
+                    <a:gs pos="43000">
+                      <a:schemeClr val="accent4">
+                        <a:satMod val="255000"/>
+                      </a:schemeClr>
+                    </a:gs>
+                    <a:gs pos="48000">
+                      <a:schemeClr val="accent4">
+                        <a:shade val="85000"/>
+                        <a:satMod val="255000"/>
+                      </a:schemeClr>
+                    </a:gs>
+                    <a:gs pos="100000">
+                      <a:schemeClr val="accent4">
+                        <a:shade val="20000"/>
+                        <a:satMod val="245000"/>
+                      </a:schemeClr>
+                    </a:gs>
+                  </a:gsLst>
+                  <a:lin ang="5400000"/>
+                </a:gradFill>
+                <a:effectLst>
+                  <a:reflection blurRad="12700" stA="28000" endPos="45000" dist="1000" dir="5400000" sy="-100000" algn="bl" rotWithShape="0"/>
+                </a:effectLst>
+              </a:rPr>
+              <a:t> ?</a:t>
+            </a:r>
+            <a:endParaRPr lang="de-DE" sz="5400" b="1" cap="all" dirty="0">
+              <a:ln w="9000" cmpd="sng">
+                <a:solidFill>
+                  <a:schemeClr val="accent4">
+                    <a:shade val="50000"/>
+                    <a:satMod val="120000"/>
+                  </a:schemeClr>
+                </a:solidFill>
+                <a:prstDash val="solid"/>
+              </a:ln>
+              <a:gradFill>
+                <a:gsLst>
+                  <a:gs pos="0">
+                    <a:schemeClr val="accent4">
+                      <a:shade val="20000"/>
+                      <a:satMod val="245000"/>
+                    </a:schemeClr>
+                  </a:gs>
+                  <a:gs pos="43000">
+                    <a:schemeClr val="accent4">
+                      <a:satMod val="255000"/>
+                    </a:schemeClr>
+                  </a:gs>
+                  <a:gs pos="48000">
+                    <a:schemeClr val="accent4">
+                      <a:shade val="85000"/>
+                      <a:satMod val="255000"/>
+                    </a:schemeClr>
+                  </a:gs>
+                  <a:gs pos="100000">
+                    <a:schemeClr val="accent4">
+                      <a:shade val="20000"/>
+                      <a:satMod val="245000"/>
+                    </a:schemeClr>
+                  </a:gs>
+                </a:gsLst>
+                <a:lin ang="5400000"/>
+              </a:gradFill>
+              <a:effectLst>
+                <a:reflection blurRad="12700" stA="28000" endPos="45000" dist="1000" dir="5400000" sy="-100000" algn="bl" rotWithShape="0"/>
+              </a:effectLst>
+            </a:endParaRPr>
           </a:p>
         </p:txBody>
       </p:sp>
@@ -37144,9 +37757,80 @@
   <p:timing>
     <p:tnLst>
       <p:par>
-        <p:cTn id="1" dur="indefinite" restart="never" nodeType="tmRoot"/>
+        <p:cTn id="1" dur="indefinite" restart="never" nodeType="tmRoot">
+          <p:childTnLst>
+            <p:seq concurrent="1" nextAc="seek">
+              <p:cTn id="2" dur="indefinite" nodeType="mainSeq">
+                <p:childTnLst>
+                  <p:par>
+                    <p:cTn id="3" fill="hold">
+                      <p:stCondLst>
+                        <p:cond delay="indefinite"/>
+                      </p:stCondLst>
+                      <p:childTnLst>
+                        <p:par>
+                          <p:cTn id="4" fill="hold">
+                            <p:stCondLst>
+                              <p:cond delay="0"/>
+                            </p:stCondLst>
+                            <p:childTnLst>
+                              <p:par>
+                                <p:cTn id="5" presetID="1" presetClass="entr" presetSubtype="0" fill="hold" grpId="0" nodeType="clickEffect">
+                                  <p:stCondLst>
+                                    <p:cond delay="0"/>
+                                  </p:stCondLst>
+                                  <p:childTnLst>
+                                    <p:set>
+                                      <p:cBhvr>
+                                        <p:cTn id="6" dur="1" fill="hold">
+                                          <p:stCondLst>
+                                            <p:cond delay="0"/>
+                                          </p:stCondLst>
+                                        </p:cTn>
+                                        <p:tgtEl>
+                                          <p:spTgt spid="7"/>
+                                        </p:tgtEl>
+                                        <p:attrNameLst>
+                                          <p:attrName>style.visibility</p:attrName>
+                                        </p:attrNameLst>
+                                      </p:cBhvr>
+                                      <p:to>
+                                        <p:strVal val="visible"/>
+                                      </p:to>
+                                    </p:set>
+                                  </p:childTnLst>
+                                </p:cTn>
+                              </p:par>
+                            </p:childTnLst>
+                          </p:cTn>
+                        </p:par>
+                      </p:childTnLst>
+                    </p:cTn>
+                  </p:par>
+                </p:childTnLst>
+              </p:cTn>
+              <p:prevCondLst>
+                <p:cond evt="onPrev" delay="0">
+                  <p:tgtEl>
+                    <p:sldTgt/>
+                  </p:tgtEl>
+                </p:cond>
+              </p:prevCondLst>
+              <p:nextCondLst>
+                <p:cond evt="onNext" delay="0">
+                  <p:tgtEl>
+                    <p:sldTgt/>
+                  </p:tgtEl>
+                </p:cond>
+              </p:nextCondLst>
+            </p:seq>
+          </p:childTnLst>
+        </p:cTn>
       </p:par>
     </p:tnLst>
+    <p:bldLst>
+      <p:bldP spid="7" grpId="0"/>
+    </p:bldLst>
   </p:timing>
 </p:sld>
 </file>
@@ -37340,6 +38024,13 @@
   <p:clrMapOvr>
     <a:masterClrMapping/>
   </p:clrMapOvr>
+  <p:timing>
+    <p:tnLst>
+      <p:par>
+        <p:cTn id="1" dur="indefinite" restart="never" nodeType="tmRoot"/>
+      </p:par>
+    </p:tnLst>
+  </p:timing>
 </p:sld>
 </file>
 
@@ -38036,22 +38727,31 @@
               <a:buChar char="•"/>
             </a:pPr>
             <a:r>
-              <a:rPr lang="de-DE" sz="3200" dirty="0" err="1">
-                <a:solidFill>
-                  <a:srgbClr val="000000"/>
-                </a:solidFill>
-                <a:latin typeface="Calibri" charset="0"/>
-              </a:rPr>
-              <a:t>book</a:t>
-            </a:r>
-            <a:r>
               <a:rPr lang="de-DE" sz="3200" dirty="0">
                 <a:solidFill>
                   <a:srgbClr val="000000"/>
                 </a:solidFill>
                 <a:latin typeface="Calibri" charset="0"/>
               </a:rPr>
-              <a:t> /</a:t>
+              <a:t>B</a:t>
+            </a:r>
+            <a:r>
+              <a:rPr lang="de-DE" sz="3200" dirty="0" smtClean="0">
+                <a:solidFill>
+                  <a:srgbClr val="000000"/>
+                </a:solidFill>
+                <a:latin typeface="Calibri" charset="0"/>
+              </a:rPr>
+              <a:t>ook </a:t>
+            </a:r>
+            <a:r>
+              <a:rPr lang="de-DE" sz="3200" dirty="0">
+                <a:solidFill>
+                  <a:srgbClr val="000000"/>
+                </a:solidFill>
+                <a:latin typeface="Calibri" charset="0"/>
+              </a:rPr>
+              <a:t>/</a:t>
             </a:r>
             <a:r>
               <a:rPr lang="de-DE" sz="3200" dirty="0" err="1">
@@ -38145,10 +38845,19 @@
                 </a:solidFill>
                 <a:latin typeface="Calibri" charset="0"/>
               </a:rPr>
-              <a:t>occupancy</a:t>
-            </a:r>
-            <a:r>
-              <a:rPr lang="de-DE" sz="3200" dirty="0">
+              <a:t>O</a:t>
+            </a:r>
+            <a:r>
+              <a:rPr lang="de-DE" sz="3200" dirty="0" err="1" smtClean="0">
+                <a:solidFill>
+                  <a:srgbClr val="000000"/>
+                </a:solidFill>
+                <a:latin typeface="Calibri" charset="0"/>
+              </a:rPr>
+              <a:t>ccupancy</a:t>
+            </a:r>
+            <a:r>
+              <a:rPr lang="de-DE" sz="3200" dirty="0" smtClean="0">
                 <a:solidFill>
                   <a:srgbClr val="000000"/>
                 </a:solidFill>
@@ -38194,10 +38903,19 @@
                 </a:solidFill>
                 <a:latin typeface="Calibri" charset="0"/>
               </a:rPr>
-              <a:t>automated</a:t>
-            </a:r>
-            <a:r>
-              <a:rPr lang="de-DE" sz="3200" dirty="0">
+              <a:t>A</a:t>
+            </a:r>
+            <a:r>
+              <a:rPr lang="de-DE" sz="3200" dirty="0" err="1" smtClean="0">
+                <a:solidFill>
+                  <a:srgbClr val="000000"/>
+                </a:solidFill>
+                <a:latin typeface="Calibri" charset="0"/>
+              </a:rPr>
+              <a:t>utomated</a:t>
+            </a:r>
+            <a:r>
+              <a:rPr lang="de-DE" sz="3200" dirty="0" smtClean="0">
                 <a:solidFill>
                   <a:srgbClr val="000000"/>
                 </a:solidFill>
@@ -38268,7 +38986,25 @@
                 </a:solidFill>
                 <a:latin typeface="Calibri" charset="0"/>
               </a:rPr>
-              <a:t>room allocation</a:t>
+              <a:t>R</a:t>
+            </a:r>
+            <a:r>
+              <a:rPr lang="en-US" sz="3200" dirty="0" smtClean="0">
+                <a:solidFill>
+                  <a:srgbClr val="000000"/>
+                </a:solidFill>
+                <a:latin typeface="Calibri" charset="0"/>
+              </a:rPr>
+              <a:t>oom </a:t>
+            </a:r>
+            <a:r>
+              <a:rPr lang="en-US" sz="3200" dirty="0">
+                <a:solidFill>
+                  <a:srgbClr val="000000"/>
+                </a:solidFill>
+                <a:latin typeface="Calibri" charset="0"/>
+              </a:rPr>
+              <a:t>allocation</a:t>
             </a:r>
           </a:p>
           <a:p>
@@ -39255,9 +39991,10 @@
               </a:tabLst>
             </a:pPr>
             <a:r>
-              <a:rPr lang="de-DE" sz="4400" smtClean="0"/>
+              <a:rPr lang="de-DE" sz="4400" dirty="0" err="1" smtClean="0"/>
               <a:t>Screencast</a:t>
             </a:r>
+            <a:endParaRPr lang="de-DE" sz="4400" dirty="0" smtClean="0"/>
           </a:p>
         </p:txBody>
       </p:sp>

--- a/Documentation/Praesentation/PresentationRoomanizer.pptx
+++ b/Documentation/Praesentation/PresentationRoomanizer.pptx
@@ -51,7 +51,7 @@
     <p:sldId id="336" r:id="rId42"/>
     <p:sldId id="335" r:id="rId43"/>
     <p:sldId id="316" r:id="rId44"/>
-    <p:sldId id="317" r:id="rId45"/>
+    <p:sldId id="349" r:id="rId45"/>
     <p:sldId id="318" r:id="rId46"/>
     <p:sldId id="285" r:id="rId47"/>
   </p:sldIdLst>
@@ -1104,240 +1104,6 @@
       <dsp:cNvGrpSpPr/>
     </dsp:nvGrpSpPr>
     <dsp:grpSpPr/>
-    <dsp:sp modelId="{4A9CE6FA-2F6A-40B6-843E-7BD8B0065E1F}">
-      <dsp:nvSpPr>
-        <dsp:cNvPr id="0" name=""/>
-        <dsp:cNvSpPr/>
-      </dsp:nvSpPr>
-      <dsp:spPr>
-        <a:xfrm>
-          <a:off x="2006260" y="613697"/>
-          <a:ext cx="1492540" cy="1164645"/>
-        </a:xfrm>
-        <a:prstGeom prst="rect">
-          <a:avLst/>
-        </a:prstGeom>
-        <a:noFill/>
-        <a:ln>
-          <a:noFill/>
-        </a:ln>
-        <a:effectLst/>
-      </dsp:spPr>
-      <dsp:style>
-        <a:lnRef idx="0">
-          <a:scrgbClr r="0" g="0" b="0"/>
-        </a:lnRef>
-        <a:fillRef idx="0">
-          <a:scrgbClr r="0" g="0" b="0"/>
-        </a:fillRef>
-        <a:effectRef idx="0">
-          <a:scrgbClr r="0" g="0" b="0"/>
-        </a:effectRef>
-        <a:fontRef idx="minor"/>
-      </dsp:style>
-      <dsp:txBody>
-        <a:bodyPr spcFirstLastPara="0" vert="horz" wrap="square" lIns="36830" tIns="36830" rIns="36830" bIns="36830" numCol="1" spcCol="1270" anchor="ctr" anchorCtr="0">
-          <a:noAutofit/>
-        </a:bodyPr>
-        <a:lstStyle/>
-        <a:p>
-          <a:pPr lvl="0" algn="ctr" defTabSz="1289050">
-            <a:lnSpc>
-              <a:spcPct val="90000"/>
-            </a:lnSpc>
-            <a:spcBef>
-              <a:spcPct val="0"/>
-            </a:spcBef>
-            <a:spcAft>
-              <a:spcPct val="35000"/>
-            </a:spcAft>
-          </a:pPr>
-          <a:r>
-            <a:rPr lang="de-AT" sz="2900" kern="1200" dirty="0" err="1" smtClean="0"/>
-            <a:t>Invoice</a:t>
-          </a:r>
-          <a:r>
-            <a:rPr lang="de-AT" sz="2900" kern="1200" dirty="0" smtClean="0"/>
-            <a:t> Item</a:t>
-          </a:r>
-          <a:endParaRPr lang="de-AT" sz="2900" kern="1200" dirty="0"/>
-        </a:p>
-      </dsp:txBody>
-      <dsp:txXfrm>
-        <a:off x="2006260" y="613697"/>
-        <a:ext cx="1492540" cy="1164645"/>
-      </dsp:txXfrm>
-    </dsp:sp>
-    <dsp:sp modelId="{0A944668-9E45-4271-BB3D-61EA8936D182}">
-      <dsp:nvSpPr>
-        <dsp:cNvPr id="0" name=""/>
-        <dsp:cNvSpPr/>
-      </dsp:nvSpPr>
-      <dsp:spPr>
-        <a:xfrm>
-          <a:off x="605571" y="-475"/>
-          <a:ext cx="2392990" cy="2392990"/>
-        </a:xfrm>
-        <a:prstGeom prst="circularArrow">
-          <a:avLst>
-            <a:gd name="adj1" fmla="val 9490"/>
-            <a:gd name="adj2" fmla="val 685655"/>
-            <a:gd name="adj3" fmla="val 7847366"/>
-            <a:gd name="adj4" fmla="val 2266979"/>
-            <a:gd name="adj5" fmla="val 11072"/>
-          </a:avLst>
-        </a:prstGeom>
-        <a:solidFill>
-          <a:schemeClr val="accent1">
-            <a:hueOff val="0"/>
-            <a:satOff val="0"/>
-            <a:lumOff val="0"/>
-            <a:alphaOff val="0"/>
-          </a:schemeClr>
-        </a:solidFill>
-        <a:ln w="25400" cap="rnd" cmpd="sng" algn="ctr">
-          <a:solidFill>
-            <a:schemeClr val="lt1">
-              <a:hueOff val="0"/>
-              <a:satOff val="0"/>
-              <a:lumOff val="0"/>
-              <a:alphaOff val="0"/>
-            </a:schemeClr>
-          </a:solidFill>
-          <a:prstDash val="solid"/>
-        </a:ln>
-        <a:effectLst/>
-      </dsp:spPr>
-      <dsp:style>
-        <a:lnRef idx="2">
-          <a:scrgbClr r="0" g="0" b="0"/>
-        </a:lnRef>
-        <a:fillRef idx="1">
-          <a:scrgbClr r="0" g="0" b="0"/>
-        </a:fillRef>
-        <a:effectRef idx="0">
-          <a:scrgbClr r="0" g="0" b="0"/>
-        </a:effectRef>
-        <a:fontRef idx="minor">
-          <a:schemeClr val="lt1"/>
-        </a:fontRef>
-      </dsp:style>
-    </dsp:sp>
-    <dsp:sp modelId="{2F8F08C6-8C6D-457F-BD8C-A4D9AF3E7475}">
-      <dsp:nvSpPr>
-        <dsp:cNvPr id="0" name=""/>
-        <dsp:cNvSpPr/>
-      </dsp:nvSpPr>
-      <dsp:spPr>
-        <a:xfrm>
-          <a:off x="269279" y="613697"/>
-          <a:ext cx="1164645" cy="1164645"/>
-        </a:xfrm>
-        <a:prstGeom prst="rect">
-          <a:avLst/>
-        </a:prstGeom>
-        <a:noFill/>
-        <a:ln>
-          <a:noFill/>
-        </a:ln>
-        <a:effectLst/>
-      </dsp:spPr>
-      <dsp:style>
-        <a:lnRef idx="0">
-          <a:scrgbClr r="0" g="0" b="0"/>
-        </a:lnRef>
-        <a:fillRef idx="0">
-          <a:scrgbClr r="0" g="0" b="0"/>
-        </a:fillRef>
-        <a:effectRef idx="0">
-          <a:scrgbClr r="0" g="0" b="0"/>
-        </a:effectRef>
-        <a:fontRef idx="minor"/>
-      </dsp:style>
-      <dsp:txBody>
-        <a:bodyPr spcFirstLastPara="0" vert="horz" wrap="square" lIns="36830" tIns="36830" rIns="36830" bIns="36830" numCol="1" spcCol="1270" anchor="ctr" anchorCtr="0">
-          <a:noAutofit/>
-        </a:bodyPr>
-        <a:lstStyle/>
-        <a:p>
-          <a:pPr lvl="0" algn="ctr" defTabSz="1289050">
-            <a:lnSpc>
-              <a:spcPct val="90000"/>
-            </a:lnSpc>
-            <a:spcBef>
-              <a:spcPct val="0"/>
-            </a:spcBef>
-            <a:spcAft>
-              <a:spcPct val="35000"/>
-            </a:spcAft>
-          </a:pPr>
-          <a:r>
-            <a:rPr lang="de-AT" sz="2900" kern="1200" dirty="0" err="1" smtClean="0"/>
-            <a:t>Invoice</a:t>
-          </a:r>
-          <a:endParaRPr lang="de-AT" sz="2900" kern="1200" dirty="0"/>
-        </a:p>
-      </dsp:txBody>
-      <dsp:txXfrm>
-        <a:off x="269279" y="613697"/>
-        <a:ext cx="1164645" cy="1164645"/>
-      </dsp:txXfrm>
-    </dsp:sp>
-    <dsp:sp modelId="{9CFF976A-BD0C-45E9-BD17-26232B64DC87}">
-      <dsp:nvSpPr>
-        <dsp:cNvPr id="0" name=""/>
-        <dsp:cNvSpPr/>
-      </dsp:nvSpPr>
-      <dsp:spPr>
-        <a:xfrm>
-          <a:off x="605571" y="-475"/>
-          <a:ext cx="2392990" cy="2392990"/>
-        </a:xfrm>
-        <a:prstGeom prst="circularArrow">
-          <a:avLst>
-            <a:gd name="adj1" fmla="val 9490"/>
-            <a:gd name="adj2" fmla="val 685655"/>
-            <a:gd name="adj3" fmla="val 18647366"/>
-            <a:gd name="adj4" fmla="val 13066979"/>
-            <a:gd name="adj5" fmla="val 11072"/>
-          </a:avLst>
-        </a:prstGeom>
-        <a:solidFill>
-          <a:schemeClr val="accent1">
-            <a:hueOff val="0"/>
-            <a:satOff val="0"/>
-            <a:lumOff val="0"/>
-            <a:alphaOff val="0"/>
-          </a:schemeClr>
-        </a:solidFill>
-        <a:ln w="25400" cap="rnd" cmpd="sng" algn="ctr">
-          <a:solidFill>
-            <a:schemeClr val="lt1">
-              <a:hueOff val="0"/>
-              <a:satOff val="0"/>
-              <a:lumOff val="0"/>
-              <a:alphaOff val="0"/>
-            </a:schemeClr>
-          </a:solidFill>
-          <a:prstDash val="solid"/>
-        </a:ln>
-        <a:effectLst/>
-      </dsp:spPr>
-      <dsp:style>
-        <a:lnRef idx="2">
-          <a:scrgbClr r="0" g="0" b="0"/>
-        </a:lnRef>
-        <a:fillRef idx="1">
-          <a:scrgbClr r="0" g="0" b="0"/>
-        </a:fillRef>
-        <a:effectRef idx="0">
-          <a:scrgbClr r="0" g="0" b="0"/>
-        </a:effectRef>
-        <a:fontRef idx="minor">
-          <a:schemeClr val="lt1"/>
-        </a:fontRef>
-      </dsp:style>
-    </dsp:sp>
   </dsp:spTree>
 </dsp:drawing>
 </file>
@@ -3922,11 +3688,7 @@
           <a:p>
             <a:r>
               <a:rPr lang="en-US" dirty="0" smtClean="0"/>
-              <a:t>For </a:t>
-            </a:r>
-            <a:r>
-              <a:rPr lang="en-US" dirty="0" smtClean="0"/>
-              <a:t>building this here you can see our Unified Process which started with the</a:t>
+              <a:t>For building this here you can see our Unified Process which started with the</a:t>
             </a:r>
             <a:endParaRPr lang="de-AT" dirty="0" smtClean="0"/>
           </a:p>
@@ -16309,157 +16071,248 @@
       </p:grpSpPr>
       <p:sp>
         <p:nvSpPr>
-          <p:cNvPr id="8" name="Rectangle 6"/>
+          <p:cNvPr id="100354" name="Rectangle 7"/>
           <p:cNvSpPr>
             <a:spLocks noGrp="1" noChangeArrowheads="1"/>
           </p:cNvSpPr>
           <p:nvPr>
-            <p:ph type="sldNum"/>
+            <p:ph type="sldNum" sz="quarter"/>
           </p:nvPr>
         </p:nvSpPr>
         <p:spPr>
-          <a:ln/>
-        </p:spPr>
-        <p:txBody>
-          <a:bodyPr/>
-          <a:lstStyle/>
-          <a:p>
-            <a:fld id="{E8C045F9-92B0-40A5-95C6-E7DC16B5FE55}" type="slidenum">
-              <a:rPr lang="de-AT"/>
-              <a:pPr/>
-              <a:t>44</a:t>
-            </a:fld>
-            <a:endParaRPr lang="de-AT"/>
-          </a:p>
-        </p:txBody>
-      </p:sp>
-      <p:sp>
-        <p:nvSpPr>
-          <p:cNvPr id="70657" name="Rectangle 1"/>
-          <p:cNvSpPr txBox="1">
-            <a:spLocks noGrp="1" noRot="1" noChangeAspect="1" noChangeArrowheads="1"/>
-          </p:cNvSpPr>
-          <p:nvPr>
-            <p:ph type="sldImg"/>
-          </p:nvPr>
-        </p:nvSpPr>
-        <p:spPr bwMode="auto">
-          <a:xfrm>
-            <a:off x="0" y="0"/>
-            <a:ext cx="1588" cy="1588"/>
-          </a:xfrm>
-          <a:prstGeom prst="rect">
-            <a:avLst/>
-          </a:prstGeom>
-          <a:solidFill>
-            <a:srgbClr val="FFFFFF"/>
-          </a:solidFill>
-          <a:ln>
-            <a:solidFill>
-              <a:srgbClr val="000000"/>
-            </a:solidFill>
-            <a:miter lim="800000"/>
-            <a:headEnd/>
-            <a:tailEnd/>
-          </a:ln>
+          <a:noFill/>
           <a:extLst>
-            <a:ext uri="{AF507438-7753-43E0-B8FC-AC1667EBCBE1}">
-              <a14:hiddenEffects xmlns:a14="http://schemas.microsoft.com/office/drawing/2010/main">
-                <a:effectLst>
-                  <a:outerShdw dist="35921" dir="2700000" algn="ctr" rotWithShape="0">
-                    <a:srgbClr val="808080"/>
-                  </a:outerShdw>
-                </a:effectLst>
-              </a14:hiddenEffects>
-            </a:ext>
-          </a:extLst>
-        </p:spPr>
-      </p:sp>
-      <p:sp>
-        <p:nvSpPr>
-          <p:cNvPr id="70658" name="Text Box 2"/>
-          <p:cNvSpPr txBox="1">
-            <a:spLocks noGrp="1" noChangeArrowheads="1"/>
-          </p:cNvSpPr>
-          <p:nvPr>
-            <p:ph type="body" idx="1"/>
-          </p:nvPr>
-        </p:nvSpPr>
-        <p:spPr bwMode="auto">
-          <a:xfrm>
-            <a:off x="0" y="0"/>
-            <a:ext cx="1588" cy="1588"/>
-          </a:xfrm>
-          <a:prstGeom prst="rect">
-            <a:avLst/>
-          </a:prstGeom>
-          <a:noFill/>
-          <a:ln/>
-          <a:extLst>
-            <a:ext uri="{909E8E84-426E-40DD-AFC4-6F175D3DCCD1}">
-              <a14:hiddenFill xmlns:a14="http://schemas.microsoft.com/office/drawing/2010/main">
-                <a:solidFill>
-                  <a:srgbClr val="FFFFFF"/>
-                </a:solidFill>
-              </a14:hiddenFill>
-            </a:ext>
             <a:ext uri="{91240B29-F687-4F45-9708-019B960494DF}">
               <a14:hiddenLine xmlns:a14="http://schemas.microsoft.com/office/drawing/2010/main" w="9525">
                 <a:solidFill>
-                  <a:srgbClr val="000000"/>
+                  <a:srgbClr val="808080"/>
                 </a:solidFill>
                 <a:round/>
                 <a:headEnd/>
                 <a:tailEnd/>
               </a14:hiddenLine>
             </a:ext>
-            <a:ext uri="{AF507438-7753-43E0-B8FC-AC1667EBCBE1}">
-              <a14:hiddenEffects xmlns:a14="http://schemas.microsoft.com/office/drawing/2010/main">
-                <a:effectLst>
-                  <a:outerShdw dist="35921" dir="2700000" algn="ctr" rotWithShape="0">
-                    <a:srgbClr val="808080"/>
-                  </a:outerShdw>
-                </a:effectLst>
-              </a14:hiddenEffects>
-            </a:ext>
           </a:extLst>
         </p:spPr>
         <p:txBody>
-          <a:bodyPr tIns="91440"/>
-          <a:lstStyle/>
-          <a:p>
-            <a:pPr eaLnBrk="1">
+          <a:bodyPr/>
+          <a:lstStyle>
+            <a:lvl1pPr eaLnBrk="0">
+              <a:tabLst>
+                <a:tab pos="723900" algn="l"/>
+                <a:tab pos="1447800" algn="l"/>
+                <a:tab pos="2171700" algn="l"/>
+                <a:tab pos="2895600" algn="l"/>
+              </a:tabLst>
+              <a:defRPr>
+                <a:solidFill>
+                  <a:schemeClr val="bg1"/>
+                </a:solidFill>
+                <a:latin typeface="Arial" charset="0"/>
+                <a:ea typeface="Microsoft YaHei" charset="-122"/>
+              </a:defRPr>
+            </a:lvl1pPr>
+            <a:lvl2pPr eaLnBrk="0">
+              <a:tabLst>
+                <a:tab pos="723900" algn="l"/>
+                <a:tab pos="1447800" algn="l"/>
+                <a:tab pos="2171700" algn="l"/>
+                <a:tab pos="2895600" algn="l"/>
+              </a:tabLst>
+              <a:defRPr>
+                <a:solidFill>
+                  <a:schemeClr val="bg1"/>
+                </a:solidFill>
+                <a:latin typeface="Arial" charset="0"/>
+                <a:ea typeface="Microsoft YaHei" charset="-122"/>
+              </a:defRPr>
+            </a:lvl2pPr>
+            <a:lvl3pPr eaLnBrk="0">
+              <a:tabLst>
+                <a:tab pos="723900" algn="l"/>
+                <a:tab pos="1447800" algn="l"/>
+                <a:tab pos="2171700" algn="l"/>
+                <a:tab pos="2895600" algn="l"/>
+              </a:tabLst>
+              <a:defRPr>
+                <a:solidFill>
+                  <a:schemeClr val="bg1"/>
+                </a:solidFill>
+                <a:latin typeface="Arial" charset="0"/>
+                <a:ea typeface="Microsoft YaHei" charset="-122"/>
+              </a:defRPr>
+            </a:lvl3pPr>
+            <a:lvl4pPr eaLnBrk="0">
+              <a:tabLst>
+                <a:tab pos="723900" algn="l"/>
+                <a:tab pos="1447800" algn="l"/>
+                <a:tab pos="2171700" algn="l"/>
+                <a:tab pos="2895600" algn="l"/>
+              </a:tabLst>
+              <a:defRPr>
+                <a:solidFill>
+                  <a:schemeClr val="bg1"/>
+                </a:solidFill>
+                <a:latin typeface="Arial" charset="0"/>
+                <a:ea typeface="Microsoft YaHei" charset="-122"/>
+              </a:defRPr>
+            </a:lvl4pPr>
+            <a:lvl5pPr eaLnBrk="0">
+              <a:tabLst>
+                <a:tab pos="723900" algn="l"/>
+                <a:tab pos="1447800" algn="l"/>
+                <a:tab pos="2171700" algn="l"/>
+                <a:tab pos="2895600" algn="l"/>
+              </a:tabLst>
+              <a:defRPr>
+                <a:solidFill>
+                  <a:schemeClr val="bg1"/>
+                </a:solidFill>
+                <a:latin typeface="Arial" charset="0"/>
+                <a:ea typeface="Microsoft YaHei" charset="-122"/>
+              </a:defRPr>
+            </a:lvl5pPr>
+            <a:lvl6pPr marL="2514600" indent="-228600" defTabSz="449263" eaLnBrk="0" fontAlgn="base" hangingPunct="0">
+              <a:lnSpc>
+                <a:spcPct val="93000"/>
+              </a:lnSpc>
               <a:spcBef>
                 <a:spcPct val="0"/>
               </a:spcBef>
-            </a:pPr>
-            <a:r>
-              <a:rPr lang="de-AT" sz="2000">
+              <a:spcAft>
+                <a:spcPct val="0"/>
+              </a:spcAft>
+              <a:buClr>
+                <a:srgbClr val="000000"/>
+              </a:buClr>
+              <a:buSzPct val="100000"/>
+              <a:buFont typeface="Times New Roman" pitchFamily="16" charset="0"/>
+              <a:tabLst>
+                <a:tab pos="723900" algn="l"/>
+                <a:tab pos="1447800" algn="l"/>
+                <a:tab pos="2171700" algn="l"/>
+                <a:tab pos="2895600" algn="l"/>
+              </a:tabLst>
+              <a:defRPr>
+                <a:solidFill>
+                  <a:schemeClr val="bg1"/>
+                </a:solidFill>
                 <a:latin typeface="Arial" charset="0"/>
-                <a:ea typeface="SimSun" charset="-122"/>
-              </a:rPr>
-              <a:t>What would be done? Was würde Sinn machen – weitere Schritte im Projekt (Integration vor Ort, Testlauf,…)</a:t>
-            </a:r>
-          </a:p>
-          <a:p>
-            <a:pPr eaLnBrk="1">
+                <a:ea typeface="Microsoft YaHei" charset="-122"/>
+              </a:defRPr>
+            </a:lvl6pPr>
+            <a:lvl7pPr marL="2971800" indent="-228600" defTabSz="449263" eaLnBrk="0" fontAlgn="base" hangingPunct="0">
+              <a:lnSpc>
+                <a:spcPct val="93000"/>
+              </a:lnSpc>
               <a:spcBef>
                 <a:spcPct val="0"/>
               </a:spcBef>
-            </a:pPr>
-            <a:r>
-              <a:rPr lang="de-AT" sz="2000">
+              <a:spcAft>
+                <a:spcPct val="0"/>
+              </a:spcAft>
+              <a:buClr>
+                <a:srgbClr val="000000"/>
+              </a:buClr>
+              <a:buSzPct val="100000"/>
+              <a:buFont typeface="Times New Roman" pitchFamily="16" charset="0"/>
+              <a:tabLst>
+                <a:tab pos="723900" algn="l"/>
+                <a:tab pos="1447800" algn="l"/>
+                <a:tab pos="2171700" algn="l"/>
+                <a:tab pos="2895600" algn="l"/>
+              </a:tabLst>
+              <a:defRPr>
+                <a:solidFill>
+                  <a:schemeClr val="bg1"/>
+                </a:solidFill>
                 <a:latin typeface="Arial" charset="0"/>
-                <a:ea typeface="SimSun" charset="-122"/>
+                <a:ea typeface="Microsoft YaHei" charset="-122"/>
+              </a:defRPr>
+            </a:lvl7pPr>
+            <a:lvl8pPr marL="3429000" indent="-228600" defTabSz="449263" eaLnBrk="0" fontAlgn="base" hangingPunct="0">
+              <a:lnSpc>
+                <a:spcPct val="93000"/>
+              </a:lnSpc>
+              <a:spcBef>
+                <a:spcPct val="0"/>
+              </a:spcBef>
+              <a:spcAft>
+                <a:spcPct val="0"/>
+              </a:spcAft>
+              <a:buClr>
+                <a:srgbClr val="000000"/>
+              </a:buClr>
+              <a:buSzPct val="100000"/>
+              <a:buFont typeface="Times New Roman" pitchFamily="16" charset="0"/>
+              <a:tabLst>
+                <a:tab pos="723900" algn="l"/>
+                <a:tab pos="1447800" algn="l"/>
+                <a:tab pos="2171700" algn="l"/>
+                <a:tab pos="2895600" algn="l"/>
+              </a:tabLst>
+              <a:defRPr>
+                <a:solidFill>
+                  <a:schemeClr val="bg1"/>
+                </a:solidFill>
+                <a:latin typeface="Arial" charset="0"/>
+                <a:ea typeface="Microsoft YaHei" charset="-122"/>
+              </a:defRPr>
+            </a:lvl8pPr>
+            <a:lvl9pPr marL="3886200" indent="-228600" defTabSz="449263" eaLnBrk="0" fontAlgn="base" hangingPunct="0">
+              <a:lnSpc>
+                <a:spcPct val="93000"/>
+              </a:lnSpc>
+              <a:spcBef>
+                <a:spcPct val="0"/>
+              </a:spcBef>
+              <a:spcAft>
+                <a:spcPct val="0"/>
+              </a:spcAft>
+              <a:buClr>
+                <a:srgbClr val="000000"/>
+              </a:buClr>
+              <a:buSzPct val="100000"/>
+              <a:buFont typeface="Times New Roman" pitchFamily="16" charset="0"/>
+              <a:tabLst>
+                <a:tab pos="723900" algn="l"/>
+                <a:tab pos="1447800" algn="l"/>
+                <a:tab pos="2171700" algn="l"/>
+                <a:tab pos="2895600" algn="l"/>
+              </a:tabLst>
+              <a:defRPr>
+                <a:solidFill>
+                  <a:schemeClr val="bg1"/>
+                </a:solidFill>
+                <a:latin typeface="Arial" charset="0"/>
+                <a:ea typeface="Microsoft YaHei" charset="-122"/>
+              </a:defRPr>
+            </a:lvl9pPr>
+          </a:lstStyle>
+          <a:p>
+            <a:pPr eaLnBrk="1"/>
+            <a:fld id="{9A2629C2-A958-40BF-A3FE-DDA52937C2FF}" type="slidenum">
+              <a:rPr lang="de-DE">
+                <a:solidFill>
+                  <a:srgbClr val="000000"/>
+                </a:solidFill>
+                <a:latin typeface="Times New Roman" pitchFamily="16" charset="0"/>
               </a:rPr>
-              <a:t>	SW weiterentwicklung: neue Module hinzufügen (Basis steht)</a:t>
-            </a:r>
+              <a:pPr eaLnBrk="1"/>
+              <a:t>44</a:t>
+            </a:fld>
+            <a:endParaRPr lang="de-DE">
+              <a:solidFill>
+                <a:srgbClr val="000000"/>
+              </a:solidFill>
+              <a:latin typeface="Times New Roman" pitchFamily="16" charset="0"/>
+            </a:endParaRPr>
           </a:p>
         </p:txBody>
       </p:sp>
       <p:sp>
         <p:nvSpPr>
-          <p:cNvPr id="70659" name="Text Box 3"/>
+          <p:cNvPr id="100353" name="Text Box 1"/>
           <p:cNvSpPr txBox="1">
             <a:spLocks noChangeArrowheads="1"/>
           </p:cNvSpPr>
@@ -16487,9 +16340,9 @@
               </a14:hiddenFill>
             </a:ext>
             <a:ext uri="{91240B29-F687-4F45-9708-019B960494DF}">
-              <a14:hiddenLine xmlns:a14="http://schemas.microsoft.com/office/drawing/2010/main" w="9525">
+              <a14:hiddenLine xmlns:a14="http://schemas.microsoft.com/office/drawing/2010/main" w="9525" cap="flat">
                 <a:solidFill>
-                  <a:srgbClr val="000000"/>
+                  <a:srgbClr val="808080"/>
                 </a:solidFill>
                 <a:round/>
                 <a:headEnd/>
@@ -16508,16 +16361,902 @@
           </a:extLst>
         </p:spPr>
         <p:txBody>
-          <a:bodyPr tIns="91440"/>
-          <a:lstStyle/>
+          <a:bodyPr lIns="90000" tIns="45000" rIns="90000" bIns="45000"/>
+          <a:lstStyle>
+            <a:lvl1pPr>
+              <a:tabLst>
+                <a:tab pos="0" algn="l"/>
+                <a:tab pos="447675" algn="l"/>
+                <a:tab pos="896938" algn="l"/>
+                <a:tab pos="1346200" algn="l"/>
+                <a:tab pos="1795463" algn="l"/>
+                <a:tab pos="2244725" algn="l"/>
+                <a:tab pos="2693988" algn="l"/>
+                <a:tab pos="3143250" algn="l"/>
+                <a:tab pos="3592513" algn="l"/>
+                <a:tab pos="4041775" algn="l"/>
+                <a:tab pos="4491038" algn="l"/>
+                <a:tab pos="4940300" algn="l"/>
+                <a:tab pos="5389563" algn="l"/>
+                <a:tab pos="5838825" algn="l"/>
+                <a:tab pos="6288088" algn="l"/>
+                <a:tab pos="6737350" algn="l"/>
+                <a:tab pos="7186613" algn="l"/>
+                <a:tab pos="7635875" algn="l"/>
+                <a:tab pos="8085138" algn="l"/>
+                <a:tab pos="8534400" algn="l"/>
+                <a:tab pos="8983663" algn="l"/>
+              </a:tabLst>
+              <a:defRPr>
+                <a:solidFill>
+                  <a:srgbClr val="000000"/>
+                </a:solidFill>
+                <a:latin typeface="Arial" charset="0"/>
+                <a:ea typeface="Microsoft YaHei" charset="-122"/>
+              </a:defRPr>
+            </a:lvl1pPr>
+            <a:lvl2pPr>
+              <a:tabLst>
+                <a:tab pos="0" algn="l"/>
+                <a:tab pos="447675" algn="l"/>
+                <a:tab pos="896938" algn="l"/>
+                <a:tab pos="1346200" algn="l"/>
+                <a:tab pos="1795463" algn="l"/>
+                <a:tab pos="2244725" algn="l"/>
+                <a:tab pos="2693988" algn="l"/>
+                <a:tab pos="3143250" algn="l"/>
+                <a:tab pos="3592513" algn="l"/>
+                <a:tab pos="4041775" algn="l"/>
+                <a:tab pos="4491038" algn="l"/>
+                <a:tab pos="4940300" algn="l"/>
+                <a:tab pos="5389563" algn="l"/>
+                <a:tab pos="5838825" algn="l"/>
+                <a:tab pos="6288088" algn="l"/>
+                <a:tab pos="6737350" algn="l"/>
+                <a:tab pos="7186613" algn="l"/>
+                <a:tab pos="7635875" algn="l"/>
+                <a:tab pos="8085138" algn="l"/>
+                <a:tab pos="8534400" algn="l"/>
+                <a:tab pos="8983663" algn="l"/>
+              </a:tabLst>
+              <a:defRPr>
+                <a:solidFill>
+                  <a:srgbClr val="000000"/>
+                </a:solidFill>
+                <a:latin typeface="Arial" charset="0"/>
+                <a:ea typeface="Microsoft YaHei" charset="-122"/>
+              </a:defRPr>
+            </a:lvl2pPr>
+            <a:lvl3pPr>
+              <a:tabLst>
+                <a:tab pos="0" algn="l"/>
+                <a:tab pos="447675" algn="l"/>
+                <a:tab pos="896938" algn="l"/>
+                <a:tab pos="1346200" algn="l"/>
+                <a:tab pos="1795463" algn="l"/>
+                <a:tab pos="2244725" algn="l"/>
+                <a:tab pos="2693988" algn="l"/>
+                <a:tab pos="3143250" algn="l"/>
+                <a:tab pos="3592513" algn="l"/>
+                <a:tab pos="4041775" algn="l"/>
+                <a:tab pos="4491038" algn="l"/>
+                <a:tab pos="4940300" algn="l"/>
+                <a:tab pos="5389563" algn="l"/>
+                <a:tab pos="5838825" algn="l"/>
+                <a:tab pos="6288088" algn="l"/>
+                <a:tab pos="6737350" algn="l"/>
+                <a:tab pos="7186613" algn="l"/>
+                <a:tab pos="7635875" algn="l"/>
+                <a:tab pos="8085138" algn="l"/>
+                <a:tab pos="8534400" algn="l"/>
+                <a:tab pos="8983663" algn="l"/>
+              </a:tabLst>
+              <a:defRPr>
+                <a:solidFill>
+                  <a:srgbClr val="000000"/>
+                </a:solidFill>
+                <a:latin typeface="Arial" charset="0"/>
+                <a:ea typeface="Microsoft YaHei" charset="-122"/>
+              </a:defRPr>
+            </a:lvl3pPr>
+            <a:lvl4pPr>
+              <a:tabLst>
+                <a:tab pos="0" algn="l"/>
+                <a:tab pos="447675" algn="l"/>
+                <a:tab pos="896938" algn="l"/>
+                <a:tab pos="1346200" algn="l"/>
+                <a:tab pos="1795463" algn="l"/>
+                <a:tab pos="2244725" algn="l"/>
+                <a:tab pos="2693988" algn="l"/>
+                <a:tab pos="3143250" algn="l"/>
+                <a:tab pos="3592513" algn="l"/>
+                <a:tab pos="4041775" algn="l"/>
+                <a:tab pos="4491038" algn="l"/>
+                <a:tab pos="4940300" algn="l"/>
+                <a:tab pos="5389563" algn="l"/>
+                <a:tab pos="5838825" algn="l"/>
+                <a:tab pos="6288088" algn="l"/>
+                <a:tab pos="6737350" algn="l"/>
+                <a:tab pos="7186613" algn="l"/>
+                <a:tab pos="7635875" algn="l"/>
+                <a:tab pos="8085138" algn="l"/>
+                <a:tab pos="8534400" algn="l"/>
+                <a:tab pos="8983663" algn="l"/>
+              </a:tabLst>
+              <a:defRPr>
+                <a:solidFill>
+                  <a:srgbClr val="000000"/>
+                </a:solidFill>
+                <a:latin typeface="Arial" charset="0"/>
+                <a:ea typeface="Microsoft YaHei" charset="-122"/>
+              </a:defRPr>
+            </a:lvl4pPr>
+            <a:lvl5pPr>
+              <a:tabLst>
+                <a:tab pos="0" algn="l"/>
+                <a:tab pos="447675" algn="l"/>
+                <a:tab pos="896938" algn="l"/>
+                <a:tab pos="1346200" algn="l"/>
+                <a:tab pos="1795463" algn="l"/>
+                <a:tab pos="2244725" algn="l"/>
+                <a:tab pos="2693988" algn="l"/>
+                <a:tab pos="3143250" algn="l"/>
+                <a:tab pos="3592513" algn="l"/>
+                <a:tab pos="4041775" algn="l"/>
+                <a:tab pos="4491038" algn="l"/>
+                <a:tab pos="4940300" algn="l"/>
+                <a:tab pos="5389563" algn="l"/>
+                <a:tab pos="5838825" algn="l"/>
+                <a:tab pos="6288088" algn="l"/>
+                <a:tab pos="6737350" algn="l"/>
+                <a:tab pos="7186613" algn="l"/>
+                <a:tab pos="7635875" algn="l"/>
+                <a:tab pos="8085138" algn="l"/>
+                <a:tab pos="8534400" algn="l"/>
+                <a:tab pos="8983663" algn="l"/>
+              </a:tabLst>
+              <a:defRPr>
+                <a:solidFill>
+                  <a:srgbClr val="000000"/>
+                </a:solidFill>
+                <a:latin typeface="Arial" charset="0"/>
+                <a:ea typeface="Microsoft YaHei" charset="-122"/>
+              </a:defRPr>
+            </a:lvl5pPr>
+            <a:lvl6pPr marL="2514600" indent="-228600" defTabSz="449263" fontAlgn="base" hangingPunct="0">
+              <a:lnSpc>
+                <a:spcPct val="93000"/>
+              </a:lnSpc>
+              <a:spcBef>
+                <a:spcPct val="0"/>
+              </a:spcBef>
+              <a:spcAft>
+                <a:spcPct val="0"/>
+              </a:spcAft>
+              <a:buClr>
+                <a:srgbClr val="000000"/>
+              </a:buClr>
+              <a:buSzPct val="100000"/>
+              <a:buFont typeface="Times New Roman" pitchFamily="16" charset="0"/>
+              <a:tabLst>
+                <a:tab pos="0" algn="l"/>
+                <a:tab pos="447675" algn="l"/>
+                <a:tab pos="896938" algn="l"/>
+                <a:tab pos="1346200" algn="l"/>
+                <a:tab pos="1795463" algn="l"/>
+                <a:tab pos="2244725" algn="l"/>
+                <a:tab pos="2693988" algn="l"/>
+                <a:tab pos="3143250" algn="l"/>
+                <a:tab pos="3592513" algn="l"/>
+                <a:tab pos="4041775" algn="l"/>
+                <a:tab pos="4491038" algn="l"/>
+                <a:tab pos="4940300" algn="l"/>
+                <a:tab pos="5389563" algn="l"/>
+                <a:tab pos="5838825" algn="l"/>
+                <a:tab pos="6288088" algn="l"/>
+                <a:tab pos="6737350" algn="l"/>
+                <a:tab pos="7186613" algn="l"/>
+                <a:tab pos="7635875" algn="l"/>
+                <a:tab pos="8085138" algn="l"/>
+                <a:tab pos="8534400" algn="l"/>
+                <a:tab pos="8983663" algn="l"/>
+              </a:tabLst>
+              <a:defRPr>
+                <a:solidFill>
+                  <a:srgbClr val="000000"/>
+                </a:solidFill>
+                <a:latin typeface="Arial" charset="0"/>
+                <a:ea typeface="Microsoft YaHei" charset="-122"/>
+              </a:defRPr>
+            </a:lvl6pPr>
+            <a:lvl7pPr marL="2971800" indent="-228600" defTabSz="449263" fontAlgn="base" hangingPunct="0">
+              <a:lnSpc>
+                <a:spcPct val="93000"/>
+              </a:lnSpc>
+              <a:spcBef>
+                <a:spcPct val="0"/>
+              </a:spcBef>
+              <a:spcAft>
+                <a:spcPct val="0"/>
+              </a:spcAft>
+              <a:buClr>
+                <a:srgbClr val="000000"/>
+              </a:buClr>
+              <a:buSzPct val="100000"/>
+              <a:buFont typeface="Times New Roman" pitchFamily="16" charset="0"/>
+              <a:tabLst>
+                <a:tab pos="0" algn="l"/>
+                <a:tab pos="447675" algn="l"/>
+                <a:tab pos="896938" algn="l"/>
+                <a:tab pos="1346200" algn="l"/>
+                <a:tab pos="1795463" algn="l"/>
+                <a:tab pos="2244725" algn="l"/>
+                <a:tab pos="2693988" algn="l"/>
+                <a:tab pos="3143250" algn="l"/>
+                <a:tab pos="3592513" algn="l"/>
+                <a:tab pos="4041775" algn="l"/>
+                <a:tab pos="4491038" algn="l"/>
+                <a:tab pos="4940300" algn="l"/>
+                <a:tab pos="5389563" algn="l"/>
+                <a:tab pos="5838825" algn="l"/>
+                <a:tab pos="6288088" algn="l"/>
+                <a:tab pos="6737350" algn="l"/>
+                <a:tab pos="7186613" algn="l"/>
+                <a:tab pos="7635875" algn="l"/>
+                <a:tab pos="8085138" algn="l"/>
+                <a:tab pos="8534400" algn="l"/>
+                <a:tab pos="8983663" algn="l"/>
+              </a:tabLst>
+              <a:defRPr>
+                <a:solidFill>
+                  <a:srgbClr val="000000"/>
+                </a:solidFill>
+                <a:latin typeface="Arial" charset="0"/>
+                <a:ea typeface="Microsoft YaHei" charset="-122"/>
+              </a:defRPr>
+            </a:lvl7pPr>
+            <a:lvl8pPr marL="3429000" indent="-228600" defTabSz="449263" fontAlgn="base" hangingPunct="0">
+              <a:lnSpc>
+                <a:spcPct val="93000"/>
+              </a:lnSpc>
+              <a:spcBef>
+                <a:spcPct val="0"/>
+              </a:spcBef>
+              <a:spcAft>
+                <a:spcPct val="0"/>
+              </a:spcAft>
+              <a:buClr>
+                <a:srgbClr val="000000"/>
+              </a:buClr>
+              <a:buSzPct val="100000"/>
+              <a:buFont typeface="Times New Roman" pitchFamily="16" charset="0"/>
+              <a:tabLst>
+                <a:tab pos="0" algn="l"/>
+                <a:tab pos="447675" algn="l"/>
+                <a:tab pos="896938" algn="l"/>
+                <a:tab pos="1346200" algn="l"/>
+                <a:tab pos="1795463" algn="l"/>
+                <a:tab pos="2244725" algn="l"/>
+                <a:tab pos="2693988" algn="l"/>
+                <a:tab pos="3143250" algn="l"/>
+                <a:tab pos="3592513" algn="l"/>
+                <a:tab pos="4041775" algn="l"/>
+                <a:tab pos="4491038" algn="l"/>
+                <a:tab pos="4940300" algn="l"/>
+                <a:tab pos="5389563" algn="l"/>
+                <a:tab pos="5838825" algn="l"/>
+                <a:tab pos="6288088" algn="l"/>
+                <a:tab pos="6737350" algn="l"/>
+                <a:tab pos="7186613" algn="l"/>
+                <a:tab pos="7635875" algn="l"/>
+                <a:tab pos="8085138" algn="l"/>
+                <a:tab pos="8534400" algn="l"/>
+                <a:tab pos="8983663" algn="l"/>
+              </a:tabLst>
+              <a:defRPr>
+                <a:solidFill>
+                  <a:srgbClr val="000000"/>
+                </a:solidFill>
+                <a:latin typeface="Arial" charset="0"/>
+                <a:ea typeface="Microsoft YaHei" charset="-122"/>
+              </a:defRPr>
+            </a:lvl8pPr>
+            <a:lvl9pPr marL="3886200" indent="-228600" defTabSz="449263" fontAlgn="base" hangingPunct="0">
+              <a:lnSpc>
+                <a:spcPct val="93000"/>
+              </a:lnSpc>
+              <a:spcBef>
+                <a:spcPct val="0"/>
+              </a:spcBef>
+              <a:spcAft>
+                <a:spcPct val="0"/>
+              </a:spcAft>
+              <a:buClr>
+                <a:srgbClr val="000000"/>
+              </a:buClr>
+              <a:buSzPct val="100000"/>
+              <a:buFont typeface="Times New Roman" pitchFamily="16" charset="0"/>
+              <a:tabLst>
+                <a:tab pos="0" algn="l"/>
+                <a:tab pos="447675" algn="l"/>
+                <a:tab pos="896938" algn="l"/>
+                <a:tab pos="1346200" algn="l"/>
+                <a:tab pos="1795463" algn="l"/>
+                <a:tab pos="2244725" algn="l"/>
+                <a:tab pos="2693988" algn="l"/>
+                <a:tab pos="3143250" algn="l"/>
+                <a:tab pos="3592513" algn="l"/>
+                <a:tab pos="4041775" algn="l"/>
+                <a:tab pos="4491038" algn="l"/>
+                <a:tab pos="4940300" algn="l"/>
+                <a:tab pos="5389563" algn="l"/>
+                <a:tab pos="5838825" algn="l"/>
+                <a:tab pos="6288088" algn="l"/>
+                <a:tab pos="6737350" algn="l"/>
+                <a:tab pos="7186613" algn="l"/>
+                <a:tab pos="7635875" algn="l"/>
+                <a:tab pos="8085138" algn="l"/>
+                <a:tab pos="8534400" algn="l"/>
+                <a:tab pos="8983663" algn="l"/>
+              </a:tabLst>
+              <a:defRPr>
+                <a:solidFill>
+                  <a:srgbClr val="000000"/>
+                </a:solidFill>
+                <a:latin typeface="Arial" charset="0"/>
+                <a:ea typeface="Microsoft YaHei" charset="-122"/>
+              </a:defRPr>
+            </a:lvl9pPr>
+          </a:lstStyle>
           <a:p>
             <a:pPr hangingPunct="1">
               <a:lnSpc>
                 <a:spcPct val="100000"/>
               </a:lnSpc>
+              <a:buClrTx/>
+              <a:buFontTx/>
+              <a:buNone/>
+              <a:defRPr/>
             </a:pPr>
-            <a:fld id="{85974C60-2E98-4E63-B41D-85D2522E22A5}" type="slidenum">
-              <a:rPr lang="de-AT">
+            <a:fld id="{6E1C4165-4FB0-4E85-B454-A71FC931232C}" type="slidenum">
+              <a:rPr lang="de-DE" smtClean="0">
+                <a:latin typeface="+mn-lt" charset="0"/>
+              </a:rPr>
+              <a:pPr hangingPunct="1">
+                <a:lnSpc>
+                  <a:spcPct val="100000"/>
+                </a:lnSpc>
+                <a:buClrTx/>
+                <a:buFontTx/>
+                <a:buNone/>
+                <a:defRPr/>
+              </a:pPr>
+              <a:t>44</a:t>
+            </a:fld>
+            <a:endParaRPr lang="de-DE" smtClean="0">
+              <a:latin typeface="+mn-lt" charset="0"/>
+            </a:endParaRPr>
+          </a:p>
+        </p:txBody>
+      </p:sp>
+      <p:sp>
+        <p:nvSpPr>
+          <p:cNvPr id="100356" name="Rectangle 2"/>
+          <p:cNvSpPr txBox="1">
+            <a:spLocks noChangeArrowheads="1" noTextEdit="1"/>
+          </p:cNvSpPr>
+          <p:nvPr>
+            <p:ph type="sldImg"/>
+          </p:nvPr>
+        </p:nvSpPr>
+        <p:spPr>
+          <a:xfrm>
+            <a:off x="0" y="0"/>
+            <a:ext cx="1588" cy="1588"/>
+          </a:xfrm>
+          <a:solidFill>
+            <a:srgbClr val="FFFFFF"/>
+          </a:solidFill>
+          <a:ln>
+            <a:solidFill>
+              <a:srgbClr val="000000"/>
+            </a:solidFill>
+            <a:miter lim="800000"/>
+            <a:headEnd/>
+            <a:tailEnd/>
+          </a:ln>
+          <a:extLst>
+            <a:ext uri="{AF507438-7753-43E0-B8FC-AC1667EBCBE1}">
+              <a14:hiddenEffects xmlns:a14="http://schemas.microsoft.com/office/drawing/2010/main">
+                <a:effectLst>
+                  <a:outerShdw dist="35921" dir="2700000" algn="ctr" rotWithShape="0">
+                    <a:srgbClr val="808080"/>
+                  </a:outerShdw>
+                </a:effectLst>
+              </a14:hiddenEffects>
+            </a:ext>
+          </a:extLst>
+        </p:spPr>
+      </p:sp>
+      <p:sp>
+        <p:nvSpPr>
+          <p:cNvPr id="100357" name="Text Box 3"/>
+          <p:cNvSpPr txBox="1">
+            <a:spLocks noChangeArrowheads="1"/>
+          </p:cNvSpPr>
+          <p:nvPr>
+            <p:ph type="body" idx="1"/>
+          </p:nvPr>
+        </p:nvSpPr>
+        <p:spPr>
+          <a:xfrm>
+            <a:off x="0" y="0"/>
+            <a:ext cx="1588" cy="13852525"/>
+          </a:xfrm>
+          <a:noFill/>
+          <a:extLst>
+            <a:ext uri="{AF507438-7753-43E0-B8FC-AC1667EBCBE1}">
+              <a14:hiddenEffects xmlns:a14="http://schemas.microsoft.com/office/drawing/2010/main">
+                <a:effectLst>
+                  <a:outerShdw dist="35921" dir="2700000" algn="ctr" rotWithShape="0">
+                    <a:srgbClr val="808080"/>
+                  </a:outerShdw>
+                </a:effectLst>
+              </a14:hiddenEffects>
+            </a:ext>
+          </a:extLst>
+        </p:spPr>
+        <p:txBody>
+          <a:bodyPr lIns="90000" tIns="91440" rIns="90000" bIns="45000"/>
+          <a:lstStyle>
+            <a:lvl1pPr>
+              <a:tabLst>
+                <a:tab pos="0" algn="l"/>
+                <a:tab pos="447675" algn="l"/>
+                <a:tab pos="896938" algn="l"/>
+                <a:tab pos="1346200" algn="l"/>
+                <a:tab pos="1795463" algn="l"/>
+                <a:tab pos="2244725" algn="l"/>
+                <a:tab pos="2693988" algn="l"/>
+                <a:tab pos="3143250" algn="l"/>
+                <a:tab pos="3592513" algn="l"/>
+                <a:tab pos="4041775" algn="l"/>
+                <a:tab pos="4491038" algn="l"/>
+                <a:tab pos="4940300" algn="l"/>
+                <a:tab pos="5389563" algn="l"/>
+                <a:tab pos="5838825" algn="l"/>
+                <a:tab pos="6288088" algn="l"/>
+                <a:tab pos="6737350" algn="l"/>
+                <a:tab pos="7186613" algn="l"/>
+                <a:tab pos="7635875" algn="l"/>
+                <a:tab pos="8085138" algn="l"/>
+                <a:tab pos="8534400" algn="l"/>
+                <a:tab pos="8983663" algn="l"/>
+              </a:tabLst>
+              <a:defRPr sz="1200">
+                <a:solidFill>
+                  <a:srgbClr val="000000"/>
+                </a:solidFill>
+                <a:latin typeface="Times New Roman" pitchFamily="16" charset="0"/>
+              </a:defRPr>
+            </a:lvl1pPr>
+            <a:lvl2pPr>
+              <a:tabLst>
+                <a:tab pos="0" algn="l"/>
+                <a:tab pos="447675" algn="l"/>
+                <a:tab pos="896938" algn="l"/>
+                <a:tab pos="1346200" algn="l"/>
+                <a:tab pos="1795463" algn="l"/>
+                <a:tab pos="2244725" algn="l"/>
+                <a:tab pos="2693988" algn="l"/>
+                <a:tab pos="3143250" algn="l"/>
+                <a:tab pos="3592513" algn="l"/>
+                <a:tab pos="4041775" algn="l"/>
+                <a:tab pos="4491038" algn="l"/>
+                <a:tab pos="4940300" algn="l"/>
+                <a:tab pos="5389563" algn="l"/>
+                <a:tab pos="5838825" algn="l"/>
+                <a:tab pos="6288088" algn="l"/>
+                <a:tab pos="6737350" algn="l"/>
+                <a:tab pos="7186613" algn="l"/>
+                <a:tab pos="7635875" algn="l"/>
+                <a:tab pos="8085138" algn="l"/>
+                <a:tab pos="8534400" algn="l"/>
+                <a:tab pos="8983663" algn="l"/>
+              </a:tabLst>
+              <a:defRPr sz="1200">
+                <a:solidFill>
+                  <a:srgbClr val="000000"/>
+                </a:solidFill>
+                <a:latin typeface="Times New Roman" pitchFamily="16" charset="0"/>
+              </a:defRPr>
+            </a:lvl2pPr>
+            <a:lvl3pPr>
+              <a:tabLst>
+                <a:tab pos="0" algn="l"/>
+                <a:tab pos="447675" algn="l"/>
+                <a:tab pos="896938" algn="l"/>
+                <a:tab pos="1346200" algn="l"/>
+                <a:tab pos="1795463" algn="l"/>
+                <a:tab pos="2244725" algn="l"/>
+                <a:tab pos="2693988" algn="l"/>
+                <a:tab pos="3143250" algn="l"/>
+                <a:tab pos="3592513" algn="l"/>
+                <a:tab pos="4041775" algn="l"/>
+                <a:tab pos="4491038" algn="l"/>
+                <a:tab pos="4940300" algn="l"/>
+                <a:tab pos="5389563" algn="l"/>
+                <a:tab pos="5838825" algn="l"/>
+                <a:tab pos="6288088" algn="l"/>
+                <a:tab pos="6737350" algn="l"/>
+                <a:tab pos="7186613" algn="l"/>
+                <a:tab pos="7635875" algn="l"/>
+                <a:tab pos="8085138" algn="l"/>
+                <a:tab pos="8534400" algn="l"/>
+                <a:tab pos="8983663" algn="l"/>
+              </a:tabLst>
+              <a:defRPr sz="1200">
+                <a:solidFill>
+                  <a:srgbClr val="000000"/>
+                </a:solidFill>
+                <a:latin typeface="Times New Roman" pitchFamily="16" charset="0"/>
+              </a:defRPr>
+            </a:lvl3pPr>
+            <a:lvl4pPr>
+              <a:tabLst>
+                <a:tab pos="0" algn="l"/>
+                <a:tab pos="447675" algn="l"/>
+                <a:tab pos="896938" algn="l"/>
+                <a:tab pos="1346200" algn="l"/>
+                <a:tab pos="1795463" algn="l"/>
+                <a:tab pos="2244725" algn="l"/>
+                <a:tab pos="2693988" algn="l"/>
+                <a:tab pos="3143250" algn="l"/>
+                <a:tab pos="3592513" algn="l"/>
+                <a:tab pos="4041775" algn="l"/>
+                <a:tab pos="4491038" algn="l"/>
+                <a:tab pos="4940300" algn="l"/>
+                <a:tab pos="5389563" algn="l"/>
+                <a:tab pos="5838825" algn="l"/>
+                <a:tab pos="6288088" algn="l"/>
+                <a:tab pos="6737350" algn="l"/>
+                <a:tab pos="7186613" algn="l"/>
+                <a:tab pos="7635875" algn="l"/>
+                <a:tab pos="8085138" algn="l"/>
+                <a:tab pos="8534400" algn="l"/>
+                <a:tab pos="8983663" algn="l"/>
+              </a:tabLst>
+              <a:defRPr sz="1200">
+                <a:solidFill>
+                  <a:srgbClr val="000000"/>
+                </a:solidFill>
+                <a:latin typeface="Times New Roman" pitchFamily="16" charset="0"/>
+              </a:defRPr>
+            </a:lvl4pPr>
+            <a:lvl5pPr>
+              <a:tabLst>
+                <a:tab pos="0" algn="l"/>
+                <a:tab pos="447675" algn="l"/>
+                <a:tab pos="896938" algn="l"/>
+                <a:tab pos="1346200" algn="l"/>
+                <a:tab pos="1795463" algn="l"/>
+                <a:tab pos="2244725" algn="l"/>
+                <a:tab pos="2693988" algn="l"/>
+                <a:tab pos="3143250" algn="l"/>
+                <a:tab pos="3592513" algn="l"/>
+                <a:tab pos="4041775" algn="l"/>
+                <a:tab pos="4491038" algn="l"/>
+                <a:tab pos="4940300" algn="l"/>
+                <a:tab pos="5389563" algn="l"/>
+                <a:tab pos="5838825" algn="l"/>
+                <a:tab pos="6288088" algn="l"/>
+                <a:tab pos="6737350" algn="l"/>
+                <a:tab pos="7186613" algn="l"/>
+                <a:tab pos="7635875" algn="l"/>
+                <a:tab pos="8085138" algn="l"/>
+                <a:tab pos="8534400" algn="l"/>
+                <a:tab pos="8983663" algn="l"/>
+              </a:tabLst>
+              <a:defRPr sz="1200">
+                <a:solidFill>
+                  <a:srgbClr val="000000"/>
+                </a:solidFill>
+                <a:latin typeface="Times New Roman" pitchFamily="16" charset="0"/>
+              </a:defRPr>
+            </a:lvl5pPr>
+            <a:lvl6pPr marL="2514600" indent="-228600" defTabSz="449263" eaLnBrk="0" fontAlgn="base" hangingPunct="0">
+              <a:spcBef>
+                <a:spcPct val="30000"/>
+              </a:spcBef>
+              <a:spcAft>
+                <a:spcPct val="0"/>
+              </a:spcAft>
+              <a:buClr>
+                <a:srgbClr val="000000"/>
+              </a:buClr>
+              <a:buSzPct val="100000"/>
+              <a:buFont typeface="Times New Roman" pitchFamily="16" charset="0"/>
+              <a:tabLst>
+                <a:tab pos="0" algn="l"/>
+                <a:tab pos="447675" algn="l"/>
+                <a:tab pos="896938" algn="l"/>
+                <a:tab pos="1346200" algn="l"/>
+                <a:tab pos="1795463" algn="l"/>
+                <a:tab pos="2244725" algn="l"/>
+                <a:tab pos="2693988" algn="l"/>
+                <a:tab pos="3143250" algn="l"/>
+                <a:tab pos="3592513" algn="l"/>
+                <a:tab pos="4041775" algn="l"/>
+                <a:tab pos="4491038" algn="l"/>
+                <a:tab pos="4940300" algn="l"/>
+                <a:tab pos="5389563" algn="l"/>
+                <a:tab pos="5838825" algn="l"/>
+                <a:tab pos="6288088" algn="l"/>
+                <a:tab pos="6737350" algn="l"/>
+                <a:tab pos="7186613" algn="l"/>
+                <a:tab pos="7635875" algn="l"/>
+                <a:tab pos="8085138" algn="l"/>
+                <a:tab pos="8534400" algn="l"/>
+                <a:tab pos="8983663" algn="l"/>
+              </a:tabLst>
+              <a:defRPr sz="1200">
+                <a:solidFill>
+                  <a:srgbClr val="000000"/>
+                </a:solidFill>
+                <a:latin typeface="Times New Roman" pitchFamily="16" charset="0"/>
+              </a:defRPr>
+            </a:lvl6pPr>
+            <a:lvl7pPr marL="2971800" indent="-228600" defTabSz="449263" eaLnBrk="0" fontAlgn="base" hangingPunct="0">
+              <a:spcBef>
+                <a:spcPct val="30000"/>
+              </a:spcBef>
+              <a:spcAft>
+                <a:spcPct val="0"/>
+              </a:spcAft>
+              <a:buClr>
+                <a:srgbClr val="000000"/>
+              </a:buClr>
+              <a:buSzPct val="100000"/>
+              <a:buFont typeface="Times New Roman" pitchFamily="16" charset="0"/>
+              <a:tabLst>
+                <a:tab pos="0" algn="l"/>
+                <a:tab pos="447675" algn="l"/>
+                <a:tab pos="896938" algn="l"/>
+                <a:tab pos="1346200" algn="l"/>
+                <a:tab pos="1795463" algn="l"/>
+                <a:tab pos="2244725" algn="l"/>
+                <a:tab pos="2693988" algn="l"/>
+                <a:tab pos="3143250" algn="l"/>
+                <a:tab pos="3592513" algn="l"/>
+                <a:tab pos="4041775" algn="l"/>
+                <a:tab pos="4491038" algn="l"/>
+                <a:tab pos="4940300" algn="l"/>
+                <a:tab pos="5389563" algn="l"/>
+                <a:tab pos="5838825" algn="l"/>
+                <a:tab pos="6288088" algn="l"/>
+                <a:tab pos="6737350" algn="l"/>
+                <a:tab pos="7186613" algn="l"/>
+                <a:tab pos="7635875" algn="l"/>
+                <a:tab pos="8085138" algn="l"/>
+                <a:tab pos="8534400" algn="l"/>
+                <a:tab pos="8983663" algn="l"/>
+              </a:tabLst>
+              <a:defRPr sz="1200">
+                <a:solidFill>
+                  <a:srgbClr val="000000"/>
+                </a:solidFill>
+                <a:latin typeface="Times New Roman" pitchFamily="16" charset="0"/>
+              </a:defRPr>
+            </a:lvl7pPr>
+            <a:lvl8pPr marL="3429000" indent="-228600" defTabSz="449263" eaLnBrk="0" fontAlgn="base" hangingPunct="0">
+              <a:spcBef>
+                <a:spcPct val="30000"/>
+              </a:spcBef>
+              <a:spcAft>
+                <a:spcPct val="0"/>
+              </a:spcAft>
+              <a:buClr>
+                <a:srgbClr val="000000"/>
+              </a:buClr>
+              <a:buSzPct val="100000"/>
+              <a:buFont typeface="Times New Roman" pitchFamily="16" charset="0"/>
+              <a:tabLst>
+                <a:tab pos="0" algn="l"/>
+                <a:tab pos="447675" algn="l"/>
+                <a:tab pos="896938" algn="l"/>
+                <a:tab pos="1346200" algn="l"/>
+                <a:tab pos="1795463" algn="l"/>
+                <a:tab pos="2244725" algn="l"/>
+                <a:tab pos="2693988" algn="l"/>
+                <a:tab pos="3143250" algn="l"/>
+                <a:tab pos="3592513" algn="l"/>
+                <a:tab pos="4041775" algn="l"/>
+                <a:tab pos="4491038" algn="l"/>
+                <a:tab pos="4940300" algn="l"/>
+                <a:tab pos="5389563" algn="l"/>
+                <a:tab pos="5838825" algn="l"/>
+                <a:tab pos="6288088" algn="l"/>
+                <a:tab pos="6737350" algn="l"/>
+                <a:tab pos="7186613" algn="l"/>
+                <a:tab pos="7635875" algn="l"/>
+                <a:tab pos="8085138" algn="l"/>
+                <a:tab pos="8534400" algn="l"/>
+                <a:tab pos="8983663" algn="l"/>
+              </a:tabLst>
+              <a:defRPr sz="1200">
+                <a:solidFill>
+                  <a:srgbClr val="000000"/>
+                </a:solidFill>
+                <a:latin typeface="Times New Roman" pitchFamily="16" charset="0"/>
+              </a:defRPr>
+            </a:lvl8pPr>
+            <a:lvl9pPr marL="3886200" indent="-228600" defTabSz="449263" eaLnBrk="0" fontAlgn="base" hangingPunct="0">
+              <a:spcBef>
+                <a:spcPct val="30000"/>
+              </a:spcBef>
+              <a:spcAft>
+                <a:spcPct val="0"/>
+              </a:spcAft>
+              <a:buClr>
+                <a:srgbClr val="000000"/>
+              </a:buClr>
+              <a:buSzPct val="100000"/>
+              <a:buFont typeface="Times New Roman" pitchFamily="16" charset="0"/>
+              <a:tabLst>
+                <a:tab pos="0" algn="l"/>
+                <a:tab pos="447675" algn="l"/>
+                <a:tab pos="896938" algn="l"/>
+                <a:tab pos="1346200" algn="l"/>
+                <a:tab pos="1795463" algn="l"/>
+                <a:tab pos="2244725" algn="l"/>
+                <a:tab pos="2693988" algn="l"/>
+                <a:tab pos="3143250" algn="l"/>
+                <a:tab pos="3592513" algn="l"/>
+                <a:tab pos="4041775" algn="l"/>
+                <a:tab pos="4491038" algn="l"/>
+                <a:tab pos="4940300" algn="l"/>
+                <a:tab pos="5389563" algn="l"/>
+                <a:tab pos="5838825" algn="l"/>
+                <a:tab pos="6288088" algn="l"/>
+                <a:tab pos="6737350" algn="l"/>
+                <a:tab pos="7186613" algn="l"/>
+                <a:tab pos="7635875" algn="l"/>
+                <a:tab pos="8085138" algn="l"/>
+                <a:tab pos="8534400" algn="l"/>
+                <a:tab pos="8983663" algn="l"/>
+              </a:tabLst>
+              <a:defRPr sz="1200">
+                <a:solidFill>
+                  <a:srgbClr val="000000"/>
+                </a:solidFill>
+                <a:latin typeface="Times New Roman" pitchFamily="16" charset="0"/>
+              </a:defRPr>
+            </a:lvl9pPr>
+          </a:lstStyle>
+          <a:p>
+            <a:pPr eaLnBrk="1">
+              <a:spcBef>
+                <a:spcPct val="0"/>
+              </a:spcBef>
+              <a:buClrTx/>
+              <a:buFontTx/>
+              <a:buNone/>
+            </a:pPr>
+            <a:r>
+              <a:rPr lang="de-DE" sz="2000" smtClean="0">
+                <a:latin typeface="Arial" charset="0"/>
+                <a:ea typeface="SimSun" charset="-122"/>
+              </a:rPr>
+              <a:t>What would be done? Was würde Sinn machen – weitere Schritte im Projekt (Integration vor Ort, Testlauf,…)</a:t>
+            </a:r>
+          </a:p>
+          <a:p>
+            <a:pPr eaLnBrk="1">
+              <a:spcBef>
+                <a:spcPct val="0"/>
+              </a:spcBef>
+              <a:buClrTx/>
+              <a:buFontTx/>
+              <a:buNone/>
+            </a:pPr>
+            <a:r>
+              <a:rPr lang="de-DE" sz="2000" smtClean="0">
+                <a:latin typeface="Arial" charset="0"/>
+                <a:ea typeface="SimSun" charset="-122"/>
+              </a:rPr>
+              <a:t>	SW weiterentwicklung: neue Module hinzufügen (Basis steht)</a:t>
+            </a:r>
+          </a:p>
+        </p:txBody>
+      </p:sp>
+      <p:sp>
+        <p:nvSpPr>
+          <p:cNvPr id="2" name="Rectangle 4"/>
+          <p:cNvSpPr>
+            <a:spLocks noChangeArrowheads="1"/>
+          </p:cNvSpPr>
+          <p:nvPr/>
+        </p:nvSpPr>
+        <p:spPr bwMode="auto">
+          <a:xfrm>
+            <a:off x="0" y="0"/>
+            <a:ext cx="1588" cy="1588"/>
+          </a:xfrm>
+          <a:prstGeom prst="rect">
+            <a:avLst/>
+          </a:prstGeom>
+          <a:noFill/>
+          <a:ln>
+            <a:noFill/>
+          </a:ln>
+          <a:effectLst/>
+          <a:extLst>
+            <a:ext uri="{909E8E84-426E-40DD-AFC4-6F175D3DCCD1}">
+              <a14:hiddenFill xmlns:a14="http://schemas.microsoft.com/office/drawing/2010/main">
+                <a:solidFill>
+                  <a:srgbClr val="FFFFFF"/>
+                </a:solidFill>
+              </a14:hiddenFill>
+            </a:ext>
+            <a:ext uri="{91240B29-F687-4F45-9708-019B960494DF}">
+              <a14:hiddenLine xmlns:a14="http://schemas.microsoft.com/office/drawing/2010/main" w="9525" cap="flat">
+                <a:solidFill>
+                  <a:srgbClr val="808080"/>
+                </a:solidFill>
+                <a:round/>
+                <a:headEnd/>
+                <a:tailEnd/>
+              </a14:hiddenLine>
+            </a:ext>
+            <a:ext uri="{AF507438-7753-43E0-B8FC-AC1667EBCBE1}">
+              <a14:hiddenEffects xmlns:a14="http://schemas.microsoft.com/office/drawing/2010/main">
+                <a:effectLst>
+                  <a:outerShdw dist="35921" dir="2700000" algn="ctr" rotWithShape="0">
+                    <a:srgbClr val="808080"/>
+                  </a:outerShdw>
+                </a:effectLst>
+              </a14:hiddenEffects>
+            </a:ext>
+          </a:extLst>
+        </p:spPr>
+        <p:txBody>
+          <a:bodyPr lIns="90000" tIns="91440" rIns="90000" bIns="45000"/>
+          <a:lstStyle/>
+          <a:p>
+            <a:pPr hangingPunct="1">
+              <a:lnSpc>
+                <a:spcPct val="100000"/>
+              </a:lnSpc>
+              <a:buClrTx/>
+              <a:buFontTx/>
+              <a:buNone/>
+              <a:tabLst>
+                <a:tab pos="0" algn="l"/>
+                <a:tab pos="447675" algn="l"/>
+                <a:tab pos="896938" algn="l"/>
+                <a:tab pos="1346200" algn="l"/>
+                <a:tab pos="1795463" algn="l"/>
+                <a:tab pos="2244725" algn="l"/>
+                <a:tab pos="2693988" algn="l"/>
+                <a:tab pos="3143250" algn="l"/>
+                <a:tab pos="3592513" algn="l"/>
+                <a:tab pos="4041775" algn="l"/>
+                <a:tab pos="4491038" algn="l"/>
+                <a:tab pos="4940300" algn="l"/>
+                <a:tab pos="5389563" algn="l"/>
+                <a:tab pos="5838825" algn="l"/>
+                <a:tab pos="6288088" algn="l"/>
+                <a:tab pos="6737350" algn="l"/>
+                <a:tab pos="7186613" algn="l"/>
+                <a:tab pos="7635875" algn="l"/>
+                <a:tab pos="8085138" algn="l"/>
+                <a:tab pos="8534400" algn="l"/>
+                <a:tab pos="8983663" algn="l"/>
+              </a:tabLst>
+              <a:defRPr/>
+            </a:pPr>
+            <a:fld id="{958426BE-BE33-416D-9A3E-E9E1984A3341}" type="slidenum">
+              <a:rPr lang="de-DE">
                 <a:solidFill>
                   <a:srgbClr val="000000"/>
                 </a:solidFill>
@@ -16527,10 +17266,37 @@
                 <a:lnSpc>
                   <a:spcPct val="100000"/>
                 </a:lnSpc>
+                <a:buClrTx/>
+                <a:buFontTx/>
+                <a:buNone/>
+                <a:tabLst>
+                  <a:tab pos="0" algn="l"/>
+                  <a:tab pos="447675" algn="l"/>
+                  <a:tab pos="896938" algn="l"/>
+                  <a:tab pos="1346200" algn="l"/>
+                  <a:tab pos="1795463" algn="l"/>
+                  <a:tab pos="2244725" algn="l"/>
+                  <a:tab pos="2693988" algn="l"/>
+                  <a:tab pos="3143250" algn="l"/>
+                  <a:tab pos="3592513" algn="l"/>
+                  <a:tab pos="4041775" algn="l"/>
+                  <a:tab pos="4491038" algn="l"/>
+                  <a:tab pos="4940300" algn="l"/>
+                  <a:tab pos="5389563" algn="l"/>
+                  <a:tab pos="5838825" algn="l"/>
+                  <a:tab pos="6288088" algn="l"/>
+                  <a:tab pos="6737350" algn="l"/>
+                  <a:tab pos="7186613" algn="l"/>
+                  <a:tab pos="7635875" algn="l"/>
+                  <a:tab pos="8085138" algn="l"/>
+                  <a:tab pos="8534400" algn="l"/>
+                  <a:tab pos="8983663" algn="l"/>
+                </a:tabLst>
+                <a:defRPr/>
               </a:pPr>
               <a:t>44</a:t>
             </a:fld>
-            <a:endParaRPr lang="de-AT">
+            <a:endParaRPr lang="de-DE">
               <a:solidFill>
                 <a:srgbClr val="000000"/>
               </a:solidFill>
@@ -22399,7 +23165,6 @@
               <a:rPr lang="de-AT" dirty="0" smtClean="0"/>
               <a:t>Shortcuts</a:t>
             </a:r>
-            <a:endParaRPr lang="de-AT" dirty="0" smtClean="0"/>
           </a:p>
           <a:p>
             <a:pPr lvl="1"/>
@@ -22435,11 +23200,7 @@
             </a:r>
             <a:r>
               <a:rPr lang="de-AT" dirty="0" err="1" smtClean="0"/>
-              <a:t>f</a:t>
-            </a:r>
-            <a:r>
-              <a:rPr lang="de-AT" dirty="0" err="1" smtClean="0"/>
-              <a:t>unctionality</a:t>
+              <a:t>functionality</a:t>
             </a:r>
             <a:endParaRPr lang="de-AT" dirty="0" smtClean="0"/>
           </a:p>
@@ -22471,11 +23232,7 @@
             </a:r>
             <a:r>
               <a:rPr lang="de-AT" dirty="0" smtClean="0"/>
-              <a:t>in </a:t>
-            </a:r>
-            <a:r>
-              <a:rPr lang="de-AT" dirty="0" smtClean="0"/>
-              <a:t>PDF </a:t>
+              <a:t>in PDF </a:t>
             </a:r>
             <a:r>
               <a:rPr lang="de-AT" dirty="0" err="1" smtClean="0"/>
@@ -23474,12 +24231,6 @@
               </a:rPr>
               <a:t>MySQL</a:t>
             </a:r>
-            <a:endParaRPr lang="de-DE" sz="3200" dirty="0" smtClean="0">
-              <a:solidFill>
-                <a:srgbClr val="000000"/>
-              </a:solidFill>
-              <a:latin typeface="Calibri" charset="0"/>
-            </a:endParaRPr>
           </a:p>
           <a:p>
             <a:pPr eaLnBrk="1" hangingPunct="1">
@@ -23912,7 +24663,6 @@
               <a:rPr lang="de-AT" dirty="0" smtClean="0"/>
               <a:t>				</a:t>
             </a:r>
-            <a:endParaRPr lang="de-AT" dirty="0" smtClean="0"/>
           </a:p>
           <a:p>
             <a:pPr marL="857250" lvl="1" indent="-457200">
@@ -24013,11 +24763,7 @@
             </a:pPr>
             <a:r>
               <a:rPr lang="de-AT" dirty="0" smtClean="0"/>
-              <a:t>Transition</a:t>
-            </a:r>
-            <a:r>
-              <a:rPr lang="de-AT" dirty="0" smtClean="0"/>
-              <a:t>			</a:t>
+              <a:t>Transition			</a:t>
             </a:r>
           </a:p>
         </p:txBody>
@@ -26655,11 +27401,7 @@
             </a:r>
             <a:r>
               <a:rPr lang="de-DE" dirty="0" smtClean="0"/>
-              <a:t> - </a:t>
-            </a:r>
-            <a:r>
-              <a:rPr lang="de-DE" dirty="0" smtClean="0"/>
-              <a:t>an </a:t>
+              <a:t> - an </a:t>
             </a:r>
             <a:r>
               <a:rPr lang="de-DE" dirty="0" err="1" smtClean="0"/>
@@ -26710,17 +27452,8 @@
               <a:rPr lang="en-GB" dirty="0" smtClean="0">
                 <a:sym typeface="Wingdings"/>
               </a:rPr>
-              <a:t>Updates </a:t>
-            </a:r>
-            <a:r>
-              <a:rPr lang="en-GB" dirty="0" smtClean="0">
-                <a:sym typeface="Wingdings"/>
-              </a:rPr>
-              <a:t>are distributed regularly</a:t>
-            </a:r>
-            <a:endParaRPr lang="en-GB" dirty="0" smtClean="0">
-              <a:sym typeface="Wingdings"/>
-            </a:endParaRPr>
+              <a:t>Updates are distributed regularly</a:t>
+            </a:r>
           </a:p>
           <a:p>
             <a:pPr marL="342900" lvl="1" indent="-342900">
@@ -35878,7 +36611,7 @@
       </p:grpSpPr>
       <p:sp>
         <p:nvSpPr>
-          <p:cNvPr id="36865" name="Rectangle 1"/>
+          <p:cNvPr id="51202" name="Rectangle 1"/>
           <p:cNvSpPr>
             <a:spLocks noGrp="1" noChangeArrowheads="1"/>
           </p:cNvSpPr>
@@ -35891,32 +36624,44 @@
             <a:off x="457200" y="274638"/>
             <a:ext cx="8229600" cy="1143000"/>
           </a:xfrm>
-          <a:ln/>
         </p:spPr>
         <p:txBody>
           <a:bodyPr/>
           <a:lstStyle/>
           <a:p>
-            <a:pPr algn="ctr">
+            <a:pPr algn="ctr" eaLnBrk="1" hangingPunct="1">
               <a:lnSpc>
                 <a:spcPct val="100000"/>
               </a:lnSpc>
+              <a:buClrTx/>
+              <a:buFontTx/>
+              <a:buNone/>
               <a:tabLst>
-                <a:tab pos="723900" algn="l"/>
-                <a:tab pos="1447800" algn="l"/>
-                <a:tab pos="2171700" algn="l"/>
-                <a:tab pos="2895600" algn="l"/>
-                <a:tab pos="3619500" algn="l"/>
-                <a:tab pos="4343400" algn="l"/>
-                <a:tab pos="5067300" algn="l"/>
-                <a:tab pos="5791200" algn="l"/>
-                <a:tab pos="6515100" algn="l"/>
-                <a:tab pos="7239000" algn="l"/>
-                <a:tab pos="7962900" algn="l"/>
+                <a:tab pos="0" algn="l"/>
+                <a:tab pos="447675" algn="l"/>
+                <a:tab pos="896938" algn="l"/>
+                <a:tab pos="1346200" algn="l"/>
+                <a:tab pos="1795463" algn="l"/>
+                <a:tab pos="2244725" algn="l"/>
+                <a:tab pos="2693988" algn="l"/>
+                <a:tab pos="3143250" algn="l"/>
+                <a:tab pos="3592513" algn="l"/>
+                <a:tab pos="4041775" algn="l"/>
+                <a:tab pos="4491038" algn="l"/>
+                <a:tab pos="4940300" algn="l"/>
+                <a:tab pos="5389563" algn="l"/>
+                <a:tab pos="5838825" algn="l"/>
+                <a:tab pos="6288088" algn="l"/>
+                <a:tab pos="6737350" algn="l"/>
+                <a:tab pos="7186613" algn="l"/>
+                <a:tab pos="7635875" algn="l"/>
+                <a:tab pos="8085138" algn="l"/>
+                <a:tab pos="8534400" algn="l"/>
+                <a:tab pos="8983663" algn="l"/>
               </a:tabLst>
             </a:pPr>
             <a:r>
-              <a:rPr lang="de-DE" sz="4400"/>
+              <a:rPr lang="de-DE" sz="4400" smtClean="0"/>
               <a:t>Outlook</a:t>
             </a:r>
           </a:p>
@@ -35924,8 +36669,8 @@
       </p:sp>
       <p:sp>
         <p:nvSpPr>
-          <p:cNvPr id="36866" name="Text Box 2"/>
-          <p:cNvSpPr txBox="1">
+          <p:cNvPr id="51203" name="Rectangle 2"/>
+          <p:cNvSpPr>
             <a:spLocks noChangeArrowheads="1"/>
           </p:cNvSpPr>
           <p:nvPr/>
@@ -35954,7 +36699,7 @@
             <a:ext uri="{91240B29-F687-4F45-9708-019B960494DF}">
               <a14:hiddenLine xmlns:a14="http://schemas.microsoft.com/office/drawing/2010/main" w="9525">
                 <a:solidFill>
-                  <a:srgbClr val="000000"/>
+                  <a:srgbClr val="808080"/>
                 </a:solidFill>
                 <a:round/>
                 <a:headEnd/>
@@ -35973,119 +36718,1243 @@
           </a:extLst>
         </p:spPr>
         <p:txBody>
-          <a:bodyPr tIns="91440"/>
+          <a:bodyPr lIns="90000" tIns="91440" rIns="90000" bIns="45000"/>
+          <a:lstStyle/>
+          <a:p>
+            <a:pPr marL="430213" indent="-320675" hangingPunct="1">
+              <a:lnSpc>
+                <a:spcPct val="100000"/>
+              </a:lnSpc>
+              <a:spcAft>
+                <a:spcPts val="1425"/>
+              </a:spcAft>
+              <a:buSzPct val="45000"/>
+              <a:buFont typeface="Wingdings" charset="2"/>
+              <a:buChar char=""/>
+              <a:tabLst>
+                <a:tab pos="430213" algn="l"/>
+                <a:tab pos="877888" algn="l"/>
+                <a:tab pos="1327150" algn="l"/>
+                <a:tab pos="1776413" algn="l"/>
+                <a:tab pos="2225675" algn="l"/>
+                <a:tab pos="2674938" algn="l"/>
+                <a:tab pos="3124200" algn="l"/>
+                <a:tab pos="3573463" algn="l"/>
+                <a:tab pos="4022725" algn="l"/>
+                <a:tab pos="4471988" algn="l"/>
+                <a:tab pos="4921250" algn="l"/>
+                <a:tab pos="5370513" algn="l"/>
+                <a:tab pos="5819775" algn="l"/>
+                <a:tab pos="6269038" algn="l"/>
+                <a:tab pos="6718300" algn="l"/>
+                <a:tab pos="7167563" algn="l"/>
+                <a:tab pos="7616825" algn="l"/>
+                <a:tab pos="8066088" algn="l"/>
+                <a:tab pos="8515350" algn="l"/>
+                <a:tab pos="8964613" algn="l"/>
+                <a:tab pos="9413875" algn="l"/>
+              </a:tabLst>
+            </a:pPr>
+            <a:r>
+              <a:rPr lang="de-DE" dirty="0" err="1">
+                <a:solidFill>
+                  <a:srgbClr val="000000"/>
+                </a:solidFill>
+                <a:latin typeface="Calibri" charset="0"/>
+                <a:ea typeface="SimSun" charset="-122"/>
+              </a:rPr>
+              <a:t>Replacing</a:t>
+            </a:r>
+            <a:r>
+              <a:rPr lang="de-DE" dirty="0">
+                <a:solidFill>
+                  <a:srgbClr val="000000"/>
+                </a:solidFill>
+                <a:latin typeface="Calibri" charset="0"/>
+                <a:ea typeface="SimSun" charset="-122"/>
+              </a:rPr>
+              <a:t>/</a:t>
+            </a:r>
+            <a:r>
+              <a:rPr lang="de-DE" dirty="0" err="1">
+                <a:solidFill>
+                  <a:srgbClr val="000000"/>
+                </a:solidFill>
+                <a:latin typeface="Calibri" charset="0"/>
+                <a:ea typeface="SimSun" charset="-122"/>
+              </a:rPr>
+              <a:t>Upgrading</a:t>
+            </a:r>
+            <a:r>
+              <a:rPr lang="de-DE" dirty="0">
+                <a:solidFill>
+                  <a:srgbClr val="000000"/>
+                </a:solidFill>
+                <a:latin typeface="Calibri" charset="0"/>
+                <a:ea typeface="SimSun" charset="-122"/>
+              </a:rPr>
+              <a:t> </a:t>
+            </a:r>
+            <a:r>
+              <a:rPr lang="de-DE" dirty="0" err="1">
+                <a:solidFill>
+                  <a:srgbClr val="000000"/>
+                </a:solidFill>
+                <a:latin typeface="Calibri" charset="0"/>
+                <a:ea typeface="SimSun" charset="-122"/>
+              </a:rPr>
+              <a:t>of</a:t>
+            </a:r>
+            <a:r>
+              <a:rPr lang="de-DE" dirty="0">
+                <a:solidFill>
+                  <a:srgbClr val="000000"/>
+                </a:solidFill>
+                <a:latin typeface="Calibri" charset="0"/>
+                <a:ea typeface="SimSun" charset="-122"/>
+              </a:rPr>
+              <a:t> </a:t>
+            </a:r>
+            <a:r>
+              <a:rPr lang="de-DE" dirty="0" err="1">
+                <a:solidFill>
+                  <a:srgbClr val="000000"/>
+                </a:solidFill>
+                <a:latin typeface="Calibri" charset="0"/>
+                <a:ea typeface="SimSun" charset="-122"/>
+              </a:rPr>
+              <a:t>certain</a:t>
+            </a:r>
+            <a:r>
+              <a:rPr lang="de-DE" dirty="0">
+                <a:solidFill>
+                  <a:srgbClr val="000000"/>
+                </a:solidFill>
+                <a:latin typeface="Calibri" charset="0"/>
+                <a:ea typeface="SimSun" charset="-122"/>
+              </a:rPr>
+              <a:t> </a:t>
+            </a:r>
+            <a:r>
+              <a:rPr lang="de-DE" dirty="0" err="1">
+                <a:solidFill>
+                  <a:srgbClr val="000000"/>
+                </a:solidFill>
+                <a:latin typeface="Calibri" charset="0"/>
+                <a:ea typeface="SimSun" charset="-122"/>
+              </a:rPr>
+              <a:t>components</a:t>
+            </a:r>
+            <a:r>
+              <a:rPr lang="de-DE" dirty="0">
+                <a:solidFill>
+                  <a:srgbClr val="000000"/>
+                </a:solidFill>
+                <a:latin typeface="Calibri" charset="0"/>
+                <a:ea typeface="SimSun" charset="-122"/>
+              </a:rPr>
+              <a:t> easy </a:t>
+            </a:r>
+            <a:r>
+              <a:rPr lang="de-DE" dirty="0" err="1">
+                <a:solidFill>
+                  <a:srgbClr val="000000"/>
+                </a:solidFill>
+                <a:latin typeface="Calibri" charset="0"/>
+                <a:ea typeface="SimSun" charset="-122"/>
+              </a:rPr>
+              <a:t>thanks</a:t>
+            </a:r>
+            <a:r>
+              <a:rPr lang="de-DE" dirty="0">
+                <a:solidFill>
+                  <a:srgbClr val="000000"/>
+                </a:solidFill>
+                <a:latin typeface="Calibri" charset="0"/>
+                <a:ea typeface="SimSun" charset="-122"/>
+              </a:rPr>
+              <a:t> </a:t>
+            </a:r>
+            <a:r>
+              <a:rPr lang="de-DE" dirty="0" err="1">
+                <a:solidFill>
+                  <a:srgbClr val="000000"/>
+                </a:solidFill>
+                <a:latin typeface="Calibri" charset="0"/>
+                <a:ea typeface="SimSun" charset="-122"/>
+              </a:rPr>
+              <a:t>to</a:t>
+            </a:r>
+            <a:r>
+              <a:rPr lang="de-DE" dirty="0">
+                <a:solidFill>
+                  <a:srgbClr val="000000"/>
+                </a:solidFill>
+                <a:latin typeface="Calibri" charset="0"/>
+                <a:ea typeface="SimSun" charset="-122"/>
+              </a:rPr>
+              <a:t> </a:t>
+            </a:r>
+            <a:r>
+              <a:rPr lang="de-DE" dirty="0" err="1">
+                <a:solidFill>
+                  <a:srgbClr val="000000"/>
+                </a:solidFill>
+                <a:latin typeface="Calibri" charset="0"/>
+                <a:ea typeface="SimSun" charset="-122"/>
+              </a:rPr>
+              <a:t>layers</a:t>
+            </a:r>
+            <a:endParaRPr lang="de-DE" dirty="0">
+              <a:solidFill>
+                <a:srgbClr val="000000"/>
+              </a:solidFill>
+              <a:latin typeface="Calibri" charset="0"/>
+              <a:ea typeface="SimSun" charset="-122"/>
+            </a:endParaRPr>
+          </a:p>
+          <a:p>
+            <a:pPr marL="430213" indent="-320675" hangingPunct="1">
+              <a:lnSpc>
+                <a:spcPct val="100000"/>
+              </a:lnSpc>
+              <a:spcAft>
+                <a:spcPts val="1425"/>
+              </a:spcAft>
+              <a:buSzPct val="45000"/>
+              <a:buFont typeface="Wingdings" charset="2"/>
+              <a:buChar char=""/>
+              <a:tabLst>
+                <a:tab pos="430213" algn="l"/>
+                <a:tab pos="877888" algn="l"/>
+                <a:tab pos="1327150" algn="l"/>
+                <a:tab pos="1776413" algn="l"/>
+                <a:tab pos="2225675" algn="l"/>
+                <a:tab pos="2674938" algn="l"/>
+                <a:tab pos="3124200" algn="l"/>
+                <a:tab pos="3573463" algn="l"/>
+                <a:tab pos="4022725" algn="l"/>
+                <a:tab pos="4471988" algn="l"/>
+                <a:tab pos="4921250" algn="l"/>
+                <a:tab pos="5370513" algn="l"/>
+                <a:tab pos="5819775" algn="l"/>
+                <a:tab pos="6269038" algn="l"/>
+                <a:tab pos="6718300" algn="l"/>
+                <a:tab pos="7167563" algn="l"/>
+                <a:tab pos="7616825" algn="l"/>
+                <a:tab pos="8066088" algn="l"/>
+                <a:tab pos="8515350" algn="l"/>
+                <a:tab pos="8964613" algn="l"/>
+                <a:tab pos="9413875" algn="l"/>
+              </a:tabLst>
+            </a:pPr>
+            <a:r>
+              <a:rPr lang="de-DE" dirty="0">
+                <a:solidFill>
+                  <a:srgbClr val="000000"/>
+                </a:solidFill>
+                <a:latin typeface="Calibri" charset="0"/>
+                <a:ea typeface="SimSun" charset="-122"/>
+              </a:rPr>
+              <a:t>Integration </a:t>
+            </a:r>
+            <a:r>
+              <a:rPr lang="de-DE" dirty="0" err="1">
+                <a:solidFill>
+                  <a:srgbClr val="000000"/>
+                </a:solidFill>
+                <a:latin typeface="Calibri" charset="0"/>
+                <a:ea typeface="SimSun" charset="-122"/>
+              </a:rPr>
+              <a:t>of</a:t>
+            </a:r>
+            <a:r>
+              <a:rPr lang="de-DE" dirty="0">
+                <a:solidFill>
+                  <a:srgbClr val="000000"/>
+                </a:solidFill>
+                <a:latin typeface="Calibri" charset="0"/>
+                <a:ea typeface="SimSun" charset="-122"/>
+              </a:rPr>
+              <a:t> </a:t>
+            </a:r>
+            <a:r>
+              <a:rPr lang="de-DE" dirty="0" err="1">
+                <a:solidFill>
+                  <a:srgbClr val="000000"/>
+                </a:solidFill>
+                <a:latin typeface="Calibri" charset="0"/>
+                <a:ea typeface="SimSun" charset="-122"/>
+              </a:rPr>
+              <a:t>remaining</a:t>
+            </a:r>
+            <a:r>
+              <a:rPr lang="de-DE" dirty="0">
+                <a:solidFill>
+                  <a:srgbClr val="000000"/>
+                </a:solidFill>
+                <a:latin typeface="Calibri" charset="0"/>
+                <a:ea typeface="SimSun" charset="-122"/>
+              </a:rPr>
+              <a:t> </a:t>
+            </a:r>
+            <a:r>
+              <a:rPr lang="de-DE" dirty="0" err="1">
+                <a:solidFill>
+                  <a:srgbClr val="000000"/>
+                </a:solidFill>
+                <a:latin typeface="Calibri" charset="0"/>
+                <a:ea typeface="SimSun" charset="-122"/>
+              </a:rPr>
+              <a:t>sections</a:t>
+            </a:r>
+            <a:r>
+              <a:rPr lang="de-DE" dirty="0">
+                <a:solidFill>
+                  <a:srgbClr val="000000"/>
+                </a:solidFill>
+                <a:latin typeface="Calibri" charset="0"/>
+                <a:ea typeface="SimSun" charset="-122"/>
+              </a:rPr>
+              <a:t> </a:t>
+            </a:r>
+            <a:r>
+              <a:rPr lang="de-DE" dirty="0" err="1">
+                <a:solidFill>
+                  <a:srgbClr val="000000"/>
+                </a:solidFill>
+                <a:latin typeface="Calibri" charset="0"/>
+                <a:ea typeface="SimSun" charset="-122"/>
+              </a:rPr>
+              <a:t>of</a:t>
+            </a:r>
+            <a:r>
+              <a:rPr lang="de-DE" dirty="0">
+                <a:solidFill>
+                  <a:srgbClr val="000000"/>
+                </a:solidFill>
+                <a:latin typeface="Calibri" charset="0"/>
+                <a:ea typeface="SimSun" charset="-122"/>
+              </a:rPr>
+              <a:t> </a:t>
+            </a:r>
+            <a:r>
+              <a:rPr lang="de-DE" dirty="0" err="1">
+                <a:solidFill>
+                  <a:srgbClr val="000000"/>
+                </a:solidFill>
+                <a:latin typeface="Calibri" charset="0"/>
+                <a:ea typeface="SimSun" charset="-122"/>
+              </a:rPr>
+              <a:t>the</a:t>
+            </a:r>
+            <a:r>
+              <a:rPr lang="de-DE" dirty="0">
+                <a:solidFill>
+                  <a:srgbClr val="000000"/>
+                </a:solidFill>
+                <a:latin typeface="Calibri" charset="0"/>
+                <a:ea typeface="SimSun" charset="-122"/>
+              </a:rPr>
+              <a:t> </a:t>
+            </a:r>
+            <a:r>
+              <a:rPr lang="de-DE" dirty="0" err="1">
+                <a:solidFill>
+                  <a:srgbClr val="000000"/>
+                </a:solidFill>
+                <a:latin typeface="Calibri" charset="0"/>
+                <a:ea typeface="SimSun" charset="-122"/>
+              </a:rPr>
+              <a:t>hotel</a:t>
+            </a:r>
+            <a:endParaRPr lang="de-DE" dirty="0">
+              <a:solidFill>
+                <a:srgbClr val="000000"/>
+              </a:solidFill>
+              <a:latin typeface="Calibri" charset="0"/>
+              <a:ea typeface="SimSun" charset="-122"/>
+            </a:endParaRPr>
+          </a:p>
+          <a:p>
+            <a:pPr marL="862013" lvl="1" indent="-538163" hangingPunct="1">
+              <a:lnSpc>
+                <a:spcPct val="100000"/>
+              </a:lnSpc>
+              <a:spcAft>
+                <a:spcPts val="1425"/>
+              </a:spcAft>
+              <a:buSzPct val="45000"/>
+              <a:buFont typeface="Wingdings" charset="2"/>
+              <a:buChar char=""/>
+              <a:tabLst>
+                <a:tab pos="430213" algn="l"/>
+                <a:tab pos="877888" algn="l"/>
+                <a:tab pos="1327150" algn="l"/>
+                <a:tab pos="1776413" algn="l"/>
+                <a:tab pos="2225675" algn="l"/>
+                <a:tab pos="2674938" algn="l"/>
+                <a:tab pos="3124200" algn="l"/>
+                <a:tab pos="3573463" algn="l"/>
+                <a:tab pos="4022725" algn="l"/>
+                <a:tab pos="4471988" algn="l"/>
+                <a:tab pos="4921250" algn="l"/>
+                <a:tab pos="5370513" algn="l"/>
+                <a:tab pos="5819775" algn="l"/>
+                <a:tab pos="6269038" algn="l"/>
+                <a:tab pos="6718300" algn="l"/>
+                <a:tab pos="7167563" algn="l"/>
+                <a:tab pos="7616825" algn="l"/>
+                <a:tab pos="8066088" algn="l"/>
+                <a:tab pos="8515350" algn="l"/>
+                <a:tab pos="8964613" algn="l"/>
+                <a:tab pos="9413875" algn="l"/>
+              </a:tabLst>
+            </a:pPr>
+            <a:r>
+              <a:rPr lang="de-DE" dirty="0" err="1">
+                <a:solidFill>
+                  <a:srgbClr val="000000"/>
+                </a:solidFill>
+                <a:latin typeface="Calibri" charset="0"/>
+                <a:ea typeface="SimSun" charset="-122"/>
+              </a:rPr>
+              <a:t>f.e</a:t>
+            </a:r>
+            <a:r>
+              <a:rPr lang="de-DE" dirty="0">
+                <a:solidFill>
+                  <a:srgbClr val="000000"/>
+                </a:solidFill>
+                <a:latin typeface="Calibri" charset="0"/>
+                <a:ea typeface="SimSun" charset="-122"/>
+              </a:rPr>
+              <a:t>. </a:t>
+            </a:r>
+            <a:r>
+              <a:rPr lang="de-DE" dirty="0" err="1">
+                <a:solidFill>
+                  <a:srgbClr val="000000"/>
+                </a:solidFill>
+                <a:latin typeface="Calibri" charset="0"/>
+                <a:ea typeface="SimSun" charset="-122"/>
+              </a:rPr>
+              <a:t>Kitchen</a:t>
+            </a:r>
+            <a:endParaRPr lang="de-DE" dirty="0">
+              <a:solidFill>
+                <a:srgbClr val="000000"/>
+              </a:solidFill>
+              <a:latin typeface="Calibri" charset="0"/>
+              <a:ea typeface="SimSun" charset="-122"/>
+            </a:endParaRPr>
+          </a:p>
+          <a:p>
+            <a:pPr marL="430213" indent="-320675" hangingPunct="1">
+              <a:lnSpc>
+                <a:spcPct val="100000"/>
+              </a:lnSpc>
+              <a:spcAft>
+                <a:spcPts val="1425"/>
+              </a:spcAft>
+              <a:buSzPct val="45000"/>
+              <a:buFont typeface="Wingdings" charset="2"/>
+              <a:buChar char=""/>
+              <a:tabLst>
+                <a:tab pos="430213" algn="l"/>
+                <a:tab pos="877888" algn="l"/>
+                <a:tab pos="1327150" algn="l"/>
+                <a:tab pos="1776413" algn="l"/>
+                <a:tab pos="2225675" algn="l"/>
+                <a:tab pos="2674938" algn="l"/>
+                <a:tab pos="3124200" algn="l"/>
+                <a:tab pos="3573463" algn="l"/>
+                <a:tab pos="4022725" algn="l"/>
+                <a:tab pos="4471988" algn="l"/>
+                <a:tab pos="4921250" algn="l"/>
+                <a:tab pos="5370513" algn="l"/>
+                <a:tab pos="5819775" algn="l"/>
+                <a:tab pos="6269038" algn="l"/>
+                <a:tab pos="6718300" algn="l"/>
+                <a:tab pos="7167563" algn="l"/>
+                <a:tab pos="7616825" algn="l"/>
+                <a:tab pos="8066088" algn="l"/>
+                <a:tab pos="8515350" algn="l"/>
+                <a:tab pos="8964613" algn="l"/>
+                <a:tab pos="9413875" algn="l"/>
+              </a:tabLst>
+            </a:pPr>
+            <a:r>
+              <a:rPr lang="de-DE" dirty="0">
+                <a:solidFill>
+                  <a:srgbClr val="000000"/>
+                </a:solidFill>
+                <a:latin typeface="Calibri" charset="0"/>
+                <a:ea typeface="SimSun" charset="-122"/>
+              </a:rPr>
+              <a:t>Integration </a:t>
+            </a:r>
+            <a:r>
+              <a:rPr lang="de-DE" dirty="0" err="1">
+                <a:solidFill>
+                  <a:srgbClr val="000000"/>
+                </a:solidFill>
+                <a:latin typeface="Calibri" charset="0"/>
+                <a:ea typeface="SimSun" charset="-122"/>
+              </a:rPr>
+              <a:t>of</a:t>
+            </a:r>
+            <a:r>
+              <a:rPr lang="de-DE" dirty="0">
+                <a:solidFill>
+                  <a:srgbClr val="000000"/>
+                </a:solidFill>
+                <a:latin typeface="Calibri" charset="0"/>
+                <a:ea typeface="SimSun" charset="-122"/>
+              </a:rPr>
+              <a:t> </a:t>
+            </a:r>
+            <a:r>
+              <a:rPr lang="de-DE" dirty="0" err="1">
+                <a:solidFill>
+                  <a:srgbClr val="000000"/>
+                </a:solidFill>
+                <a:latin typeface="Calibri" charset="0"/>
+                <a:ea typeface="SimSun" charset="-122"/>
+              </a:rPr>
+              <a:t>remaining</a:t>
+            </a:r>
+            <a:r>
+              <a:rPr lang="de-DE" dirty="0">
+                <a:solidFill>
+                  <a:srgbClr val="000000"/>
+                </a:solidFill>
+                <a:latin typeface="Calibri" charset="0"/>
+                <a:ea typeface="SimSun" charset="-122"/>
+              </a:rPr>
+              <a:t> </a:t>
+            </a:r>
+            <a:r>
+              <a:rPr lang="de-DE" dirty="0" err="1">
+                <a:solidFill>
+                  <a:srgbClr val="000000"/>
+                </a:solidFill>
+                <a:latin typeface="Calibri" charset="0"/>
+                <a:ea typeface="SimSun" charset="-122"/>
+              </a:rPr>
+              <a:t>use</a:t>
+            </a:r>
+            <a:r>
+              <a:rPr lang="de-DE" dirty="0">
+                <a:solidFill>
+                  <a:srgbClr val="000000"/>
+                </a:solidFill>
+                <a:latin typeface="Calibri" charset="0"/>
+                <a:ea typeface="SimSun" charset="-122"/>
+              </a:rPr>
+              <a:t> </a:t>
+            </a:r>
+            <a:r>
+              <a:rPr lang="de-DE" dirty="0" err="1">
+                <a:solidFill>
+                  <a:srgbClr val="000000"/>
+                </a:solidFill>
+                <a:latin typeface="Calibri" charset="0"/>
+                <a:ea typeface="SimSun" charset="-122"/>
+              </a:rPr>
+              <a:t>cases</a:t>
+            </a:r>
+            <a:r>
+              <a:rPr lang="de-DE" dirty="0">
+                <a:solidFill>
+                  <a:srgbClr val="000000"/>
+                </a:solidFill>
+                <a:latin typeface="Calibri" charset="0"/>
+                <a:ea typeface="SimSun" charset="-122"/>
+              </a:rPr>
+              <a:t> </a:t>
+            </a:r>
+          </a:p>
+          <a:p>
+            <a:pPr marL="862013" lvl="1" indent="-538163" hangingPunct="1">
+              <a:lnSpc>
+                <a:spcPct val="100000"/>
+              </a:lnSpc>
+              <a:spcAft>
+                <a:spcPts val="1425"/>
+              </a:spcAft>
+              <a:buSzPct val="45000"/>
+              <a:buFont typeface="Wingdings" charset="2"/>
+              <a:buChar char=""/>
+              <a:tabLst>
+                <a:tab pos="430213" algn="l"/>
+                <a:tab pos="877888" algn="l"/>
+                <a:tab pos="1327150" algn="l"/>
+                <a:tab pos="1776413" algn="l"/>
+                <a:tab pos="2225675" algn="l"/>
+                <a:tab pos="2674938" algn="l"/>
+                <a:tab pos="3124200" algn="l"/>
+                <a:tab pos="3573463" algn="l"/>
+                <a:tab pos="4022725" algn="l"/>
+                <a:tab pos="4471988" algn="l"/>
+                <a:tab pos="4921250" algn="l"/>
+                <a:tab pos="5370513" algn="l"/>
+                <a:tab pos="5819775" algn="l"/>
+                <a:tab pos="6269038" algn="l"/>
+                <a:tab pos="6718300" algn="l"/>
+                <a:tab pos="7167563" algn="l"/>
+                <a:tab pos="7616825" algn="l"/>
+                <a:tab pos="8066088" algn="l"/>
+                <a:tab pos="8515350" algn="l"/>
+                <a:tab pos="8964613" algn="l"/>
+                <a:tab pos="9413875" algn="l"/>
+              </a:tabLst>
+            </a:pPr>
+            <a:r>
+              <a:rPr lang="de-DE" dirty="0" err="1">
+                <a:solidFill>
+                  <a:srgbClr val="000000"/>
+                </a:solidFill>
+                <a:latin typeface="Calibri" charset="0"/>
+                <a:ea typeface="SimSun" charset="-122"/>
+              </a:rPr>
+              <a:t>f.e</a:t>
+            </a:r>
+            <a:r>
+              <a:rPr lang="de-DE" dirty="0">
+                <a:solidFill>
+                  <a:srgbClr val="000000"/>
+                </a:solidFill>
+                <a:latin typeface="Calibri" charset="0"/>
+                <a:ea typeface="SimSun" charset="-122"/>
+              </a:rPr>
+              <a:t>. </a:t>
+            </a:r>
+            <a:r>
+              <a:rPr lang="de-DE" dirty="0" err="1">
+                <a:solidFill>
+                  <a:srgbClr val="000000"/>
+                </a:solidFill>
+                <a:latin typeface="Calibri" charset="0"/>
+                <a:ea typeface="SimSun" charset="-122"/>
+              </a:rPr>
+              <a:t>annual</a:t>
+            </a:r>
+            <a:r>
+              <a:rPr lang="de-DE" dirty="0">
+                <a:solidFill>
+                  <a:srgbClr val="000000"/>
+                </a:solidFill>
+                <a:latin typeface="Calibri" charset="0"/>
+                <a:ea typeface="SimSun" charset="-122"/>
+              </a:rPr>
+              <a:t> </a:t>
+            </a:r>
+            <a:r>
+              <a:rPr lang="de-DE" dirty="0" err="1">
+                <a:solidFill>
+                  <a:srgbClr val="000000"/>
+                </a:solidFill>
+                <a:latin typeface="Calibri" charset="0"/>
+                <a:ea typeface="SimSun" charset="-122"/>
+              </a:rPr>
+              <a:t>statement</a:t>
+            </a:r>
+            <a:r>
+              <a:rPr lang="de-DE" dirty="0">
+                <a:solidFill>
+                  <a:srgbClr val="000000"/>
+                </a:solidFill>
+                <a:latin typeface="Calibri" charset="0"/>
+                <a:ea typeface="SimSun" charset="-122"/>
+              </a:rPr>
+              <a:t>  </a:t>
+            </a:r>
+            <a:endParaRPr lang="de-DE" dirty="0" smtClean="0">
+              <a:solidFill>
+                <a:srgbClr val="000000"/>
+              </a:solidFill>
+              <a:latin typeface="Calibri" charset="0"/>
+              <a:ea typeface="SimSun" charset="-122"/>
+            </a:endParaRPr>
+          </a:p>
+          <a:p>
+            <a:pPr marL="404813" indent="-538163">
+              <a:spcAft>
+                <a:spcPts val="1425"/>
+              </a:spcAft>
+              <a:buSzPct val="45000"/>
+              <a:buFont typeface="Wingdings" charset="2"/>
+              <a:buChar char=""/>
+              <a:tabLst>
+                <a:tab pos="430213" algn="l"/>
+                <a:tab pos="877888" algn="l"/>
+                <a:tab pos="1327150" algn="l"/>
+                <a:tab pos="1776413" algn="l"/>
+                <a:tab pos="2225675" algn="l"/>
+                <a:tab pos="2674938" algn="l"/>
+                <a:tab pos="3124200" algn="l"/>
+                <a:tab pos="3573463" algn="l"/>
+                <a:tab pos="4022725" algn="l"/>
+                <a:tab pos="4471988" algn="l"/>
+                <a:tab pos="4921250" algn="l"/>
+                <a:tab pos="5370513" algn="l"/>
+                <a:tab pos="5819775" algn="l"/>
+                <a:tab pos="6269038" algn="l"/>
+                <a:tab pos="6718300" algn="l"/>
+                <a:tab pos="7167563" algn="l"/>
+                <a:tab pos="7616825" algn="l"/>
+                <a:tab pos="8066088" algn="l"/>
+                <a:tab pos="8515350" algn="l"/>
+                <a:tab pos="8964613" algn="l"/>
+                <a:tab pos="9413875" algn="l"/>
+              </a:tabLst>
+            </a:pPr>
+            <a:r>
+              <a:rPr lang="de-DE" dirty="0">
+                <a:latin typeface="Calibri" charset="0"/>
+              </a:rPr>
+              <a:t>Integration </a:t>
+            </a:r>
+            <a:r>
+              <a:rPr lang="de-DE" dirty="0" err="1">
+                <a:latin typeface="Calibri" charset="0"/>
+              </a:rPr>
+              <a:t>into</a:t>
+            </a:r>
+            <a:r>
+              <a:rPr lang="de-DE" dirty="0">
+                <a:latin typeface="Calibri" charset="0"/>
+              </a:rPr>
+              <a:t> </a:t>
+            </a:r>
+            <a:r>
+              <a:rPr lang="de-DE" dirty="0" err="1">
+                <a:latin typeface="Calibri" charset="0"/>
+              </a:rPr>
+              <a:t>social</a:t>
+            </a:r>
+            <a:r>
+              <a:rPr lang="de-DE" dirty="0">
+                <a:latin typeface="Calibri" charset="0"/>
+              </a:rPr>
+              <a:t> </a:t>
+            </a:r>
+            <a:r>
+              <a:rPr lang="de-DE" dirty="0" err="1">
+                <a:latin typeface="Calibri" charset="0"/>
+              </a:rPr>
+              <a:t>media</a:t>
+            </a:r>
+            <a:r>
+              <a:rPr lang="de-DE" dirty="0">
+                <a:latin typeface="Calibri" charset="0"/>
+              </a:rPr>
+              <a:t> (</a:t>
+            </a:r>
+            <a:r>
+              <a:rPr lang="de-DE" dirty="0" err="1">
+                <a:latin typeface="Calibri" charset="0"/>
+              </a:rPr>
+              <a:t>for</a:t>
+            </a:r>
+            <a:r>
+              <a:rPr lang="de-DE" dirty="0">
+                <a:latin typeface="Calibri" charset="0"/>
+              </a:rPr>
+              <a:t> </a:t>
+            </a:r>
+            <a:r>
+              <a:rPr lang="de-DE" dirty="0" err="1">
+                <a:latin typeface="Calibri" charset="0"/>
+              </a:rPr>
+              <a:t>example</a:t>
+            </a:r>
+            <a:r>
+              <a:rPr lang="de-DE" dirty="0">
+                <a:latin typeface="Calibri" charset="0"/>
+              </a:rPr>
+              <a:t> </a:t>
+            </a:r>
+            <a:r>
+              <a:rPr lang="de-DE" dirty="0" err="1">
+                <a:latin typeface="Calibri" charset="0"/>
+              </a:rPr>
+              <a:t>book</a:t>
+            </a:r>
+            <a:r>
+              <a:rPr lang="de-DE" dirty="0">
+                <a:latin typeface="Calibri" charset="0"/>
+              </a:rPr>
+              <a:t> </a:t>
+            </a:r>
+            <a:r>
+              <a:rPr lang="de-DE" dirty="0" err="1">
+                <a:latin typeface="Calibri" charset="0"/>
+              </a:rPr>
+              <a:t>from</a:t>
+            </a:r>
+            <a:r>
+              <a:rPr lang="de-DE" dirty="0">
+                <a:latin typeface="Calibri" charset="0"/>
+              </a:rPr>
+              <a:t> Facebook</a:t>
+            </a:r>
+            <a:r>
+              <a:rPr lang="de-DE" dirty="0" smtClean="0">
+                <a:latin typeface="Calibri" charset="0"/>
+              </a:rPr>
+              <a:t>)</a:t>
+            </a:r>
+            <a:endParaRPr lang="de-DE" dirty="0">
+              <a:solidFill>
+                <a:srgbClr val="000000"/>
+              </a:solidFill>
+              <a:latin typeface="Calibri" charset="0"/>
+              <a:ea typeface="SimSun" charset="-122"/>
+            </a:endParaRPr>
+          </a:p>
+          <a:p>
+            <a:pPr marL="430213" indent="-320675" hangingPunct="1">
+              <a:lnSpc>
+                <a:spcPct val="100000"/>
+              </a:lnSpc>
+              <a:spcAft>
+                <a:spcPts val="1425"/>
+              </a:spcAft>
+              <a:buSzPct val="45000"/>
+              <a:buFont typeface="Wingdings" charset="2"/>
+              <a:buChar char=""/>
+              <a:tabLst>
+                <a:tab pos="430213" algn="l"/>
+                <a:tab pos="877888" algn="l"/>
+                <a:tab pos="1327150" algn="l"/>
+                <a:tab pos="1776413" algn="l"/>
+                <a:tab pos="2225675" algn="l"/>
+                <a:tab pos="2674938" algn="l"/>
+                <a:tab pos="3124200" algn="l"/>
+                <a:tab pos="3573463" algn="l"/>
+                <a:tab pos="4022725" algn="l"/>
+                <a:tab pos="4471988" algn="l"/>
+                <a:tab pos="4921250" algn="l"/>
+                <a:tab pos="5370513" algn="l"/>
+                <a:tab pos="5819775" algn="l"/>
+                <a:tab pos="6269038" algn="l"/>
+                <a:tab pos="6718300" algn="l"/>
+                <a:tab pos="7167563" algn="l"/>
+                <a:tab pos="7616825" algn="l"/>
+                <a:tab pos="8066088" algn="l"/>
+                <a:tab pos="8515350" algn="l"/>
+                <a:tab pos="8964613" algn="l"/>
+                <a:tab pos="9413875" algn="l"/>
+              </a:tabLst>
+            </a:pPr>
+            <a:r>
+              <a:rPr lang="de-DE" dirty="0" err="1">
+                <a:solidFill>
+                  <a:srgbClr val="000000"/>
+                </a:solidFill>
+                <a:latin typeface="Calibri" charset="0"/>
+                <a:ea typeface="SimSun" charset="-122"/>
+              </a:rPr>
+              <a:t>Various</a:t>
+            </a:r>
+            <a:r>
+              <a:rPr lang="de-DE" dirty="0">
+                <a:solidFill>
+                  <a:srgbClr val="000000"/>
+                </a:solidFill>
+                <a:latin typeface="Calibri" charset="0"/>
+                <a:ea typeface="SimSun" charset="-122"/>
+              </a:rPr>
+              <a:t> </a:t>
+            </a:r>
+            <a:r>
+              <a:rPr lang="de-DE" dirty="0" err="1">
+                <a:solidFill>
+                  <a:srgbClr val="000000"/>
+                </a:solidFill>
+                <a:latin typeface="Calibri" charset="0"/>
+                <a:ea typeface="SimSun" charset="-122"/>
+              </a:rPr>
+              <a:t>options</a:t>
+            </a:r>
+            <a:r>
+              <a:rPr lang="de-DE" dirty="0">
+                <a:solidFill>
+                  <a:srgbClr val="000000"/>
+                </a:solidFill>
+                <a:latin typeface="Calibri" charset="0"/>
+                <a:ea typeface="SimSun" charset="-122"/>
+              </a:rPr>
+              <a:t> </a:t>
+            </a:r>
+            <a:r>
+              <a:rPr lang="de-DE" dirty="0" err="1">
+                <a:solidFill>
+                  <a:srgbClr val="000000"/>
+                </a:solidFill>
+                <a:latin typeface="Calibri" charset="0"/>
+                <a:ea typeface="SimSun" charset="-122"/>
+              </a:rPr>
+              <a:t>to</a:t>
+            </a:r>
+            <a:r>
+              <a:rPr lang="de-DE" dirty="0">
+                <a:solidFill>
+                  <a:srgbClr val="000000"/>
+                </a:solidFill>
+                <a:latin typeface="Calibri" charset="0"/>
+                <a:ea typeface="SimSun" charset="-122"/>
+              </a:rPr>
+              <a:t> </a:t>
+            </a:r>
+            <a:r>
+              <a:rPr lang="de-DE" dirty="0" err="1">
+                <a:solidFill>
+                  <a:srgbClr val="000000"/>
+                </a:solidFill>
+                <a:latin typeface="Calibri" charset="0"/>
+                <a:ea typeface="SimSun" charset="-122"/>
+              </a:rPr>
+              <a:t>extend</a:t>
+            </a:r>
+            <a:r>
+              <a:rPr lang="de-DE" dirty="0">
+                <a:solidFill>
+                  <a:srgbClr val="000000"/>
+                </a:solidFill>
+                <a:latin typeface="Calibri" charset="0"/>
+                <a:ea typeface="SimSun" charset="-122"/>
+              </a:rPr>
+              <a:t> </a:t>
+            </a:r>
+            <a:r>
+              <a:rPr lang="de-DE" dirty="0" err="1">
+                <a:solidFill>
+                  <a:srgbClr val="000000"/>
+                </a:solidFill>
+                <a:latin typeface="Calibri" charset="0"/>
+                <a:ea typeface="SimSun" charset="-122"/>
+              </a:rPr>
+              <a:t>website</a:t>
+            </a:r>
+            <a:endParaRPr lang="de-DE" dirty="0">
+              <a:solidFill>
+                <a:srgbClr val="000000"/>
+              </a:solidFill>
+              <a:latin typeface="Calibri" charset="0"/>
+              <a:ea typeface="SimSun" charset="-122"/>
+            </a:endParaRPr>
+          </a:p>
+          <a:p>
+            <a:pPr marL="862013" lvl="1" indent="-538163" hangingPunct="1">
+              <a:lnSpc>
+                <a:spcPct val="100000"/>
+              </a:lnSpc>
+              <a:spcAft>
+                <a:spcPts val="1138"/>
+              </a:spcAft>
+              <a:buSzPct val="45000"/>
+              <a:buFont typeface="Wingdings" charset="2"/>
+              <a:buChar char=""/>
+              <a:tabLst>
+                <a:tab pos="430213" algn="l"/>
+                <a:tab pos="877888" algn="l"/>
+                <a:tab pos="1327150" algn="l"/>
+                <a:tab pos="1776413" algn="l"/>
+                <a:tab pos="2225675" algn="l"/>
+                <a:tab pos="2674938" algn="l"/>
+                <a:tab pos="3124200" algn="l"/>
+                <a:tab pos="3573463" algn="l"/>
+                <a:tab pos="4022725" algn="l"/>
+                <a:tab pos="4471988" algn="l"/>
+                <a:tab pos="4921250" algn="l"/>
+                <a:tab pos="5370513" algn="l"/>
+                <a:tab pos="5819775" algn="l"/>
+                <a:tab pos="6269038" algn="l"/>
+                <a:tab pos="6718300" algn="l"/>
+                <a:tab pos="7167563" algn="l"/>
+                <a:tab pos="7616825" algn="l"/>
+                <a:tab pos="8066088" algn="l"/>
+                <a:tab pos="8515350" algn="l"/>
+                <a:tab pos="8964613" algn="l"/>
+                <a:tab pos="9413875" algn="l"/>
+              </a:tabLst>
+            </a:pPr>
+            <a:r>
+              <a:rPr lang="de-DE" sz="1600" dirty="0">
+                <a:solidFill>
+                  <a:srgbClr val="000000"/>
+                </a:solidFill>
+                <a:latin typeface="Calibri" charset="0"/>
+                <a:ea typeface="SimSun" charset="-122"/>
+              </a:rPr>
+              <a:t>Reviews</a:t>
+            </a:r>
+          </a:p>
+          <a:p>
+            <a:pPr marL="862013" lvl="1" indent="-538163" hangingPunct="1">
+              <a:lnSpc>
+                <a:spcPct val="100000"/>
+              </a:lnSpc>
+              <a:spcAft>
+                <a:spcPts val="1138"/>
+              </a:spcAft>
+              <a:buSzPct val="45000"/>
+              <a:buFont typeface="Wingdings" charset="2"/>
+              <a:buChar char=""/>
+              <a:tabLst>
+                <a:tab pos="430213" algn="l"/>
+                <a:tab pos="877888" algn="l"/>
+                <a:tab pos="1327150" algn="l"/>
+                <a:tab pos="1776413" algn="l"/>
+                <a:tab pos="2225675" algn="l"/>
+                <a:tab pos="2674938" algn="l"/>
+                <a:tab pos="3124200" algn="l"/>
+                <a:tab pos="3573463" algn="l"/>
+                <a:tab pos="4022725" algn="l"/>
+                <a:tab pos="4471988" algn="l"/>
+                <a:tab pos="4921250" algn="l"/>
+                <a:tab pos="5370513" algn="l"/>
+                <a:tab pos="5819775" algn="l"/>
+                <a:tab pos="6269038" algn="l"/>
+                <a:tab pos="6718300" algn="l"/>
+                <a:tab pos="7167563" algn="l"/>
+                <a:tab pos="7616825" algn="l"/>
+                <a:tab pos="8066088" algn="l"/>
+                <a:tab pos="8515350" algn="l"/>
+                <a:tab pos="8964613" algn="l"/>
+                <a:tab pos="9413875" algn="l"/>
+              </a:tabLst>
+            </a:pPr>
+            <a:r>
+              <a:rPr lang="de-DE" sz="1600" dirty="0">
+                <a:solidFill>
+                  <a:srgbClr val="000000"/>
+                </a:solidFill>
+                <a:latin typeface="Calibri" charset="0"/>
+                <a:ea typeface="SimSun" charset="-122"/>
+              </a:rPr>
+              <a:t>Vouchers</a:t>
+            </a:r>
+          </a:p>
+        </p:txBody>
+      </p:sp>
+      <p:sp>
+        <p:nvSpPr>
+          <p:cNvPr id="51204" name="Text Box 3"/>
+          <p:cNvSpPr txBox="1">
+            <a:spLocks noChangeArrowheads="1"/>
+          </p:cNvSpPr>
+          <p:nvPr/>
+        </p:nvSpPr>
+        <p:spPr bwMode="auto">
+          <a:xfrm>
+            <a:off x="457200" y="6356350"/>
+            <a:ext cx="2133600" cy="365125"/>
+          </a:xfrm>
+          <a:prstGeom prst="rect">
+            <a:avLst/>
+          </a:prstGeom>
+          <a:noFill/>
+          <a:ln>
+            <a:noFill/>
+          </a:ln>
+          <a:effectLst/>
+          <a:extLst>
+            <a:ext uri="{909E8E84-426E-40DD-AFC4-6F175D3DCCD1}">
+              <a14:hiddenFill xmlns:a14="http://schemas.microsoft.com/office/drawing/2010/main">
+                <a:solidFill>
+                  <a:srgbClr val="FFFFFF"/>
+                </a:solidFill>
+              </a14:hiddenFill>
+            </a:ext>
+            <a:ext uri="{91240B29-F687-4F45-9708-019B960494DF}">
+              <a14:hiddenLine xmlns:a14="http://schemas.microsoft.com/office/drawing/2010/main" w="9525">
+                <a:solidFill>
+                  <a:srgbClr val="808080"/>
+                </a:solidFill>
+                <a:round/>
+                <a:headEnd/>
+                <a:tailEnd/>
+              </a14:hiddenLine>
+            </a:ext>
+            <a:ext uri="{AF507438-7753-43E0-B8FC-AC1667EBCBE1}">
+              <a14:hiddenEffects xmlns:a14="http://schemas.microsoft.com/office/drawing/2010/main">
+                <a:effectLst>
+                  <a:outerShdw dist="35921" dir="2700000" algn="ctr" rotWithShape="0">
+                    <a:srgbClr val="808080"/>
+                  </a:outerShdw>
+                </a:effectLst>
+              </a14:hiddenEffects>
+            </a:ext>
+          </a:extLst>
+        </p:spPr>
+        <p:txBody>
+          <a:bodyPr lIns="90000" tIns="45000" rIns="90000" bIns="45000"/>
           <a:lstStyle>
-            <a:lvl1pPr marL="431800" indent="-323850">
+            <a:lvl1pPr eaLnBrk="0">
               <a:tabLst>
-                <a:tab pos="723900" algn="l"/>
-                <a:tab pos="1447800" algn="l"/>
-                <a:tab pos="2171700" algn="l"/>
-                <a:tab pos="2895600" algn="l"/>
-                <a:tab pos="3619500" algn="l"/>
-                <a:tab pos="4343400" algn="l"/>
-                <a:tab pos="5067300" algn="l"/>
-                <a:tab pos="5791200" algn="l"/>
-                <a:tab pos="6515100" algn="l"/>
-                <a:tab pos="7239000" algn="l"/>
-                <a:tab pos="7962900" algn="l"/>
+                <a:tab pos="0" algn="l"/>
+                <a:tab pos="447675" algn="l"/>
+                <a:tab pos="896938" algn="l"/>
+                <a:tab pos="1346200" algn="l"/>
+                <a:tab pos="1795463" algn="l"/>
+                <a:tab pos="2244725" algn="l"/>
+                <a:tab pos="2693988" algn="l"/>
+                <a:tab pos="3143250" algn="l"/>
+                <a:tab pos="3592513" algn="l"/>
+                <a:tab pos="4041775" algn="l"/>
+                <a:tab pos="4491038" algn="l"/>
+                <a:tab pos="4940300" algn="l"/>
+                <a:tab pos="5389563" algn="l"/>
+                <a:tab pos="5838825" algn="l"/>
+                <a:tab pos="6288088" algn="l"/>
+                <a:tab pos="6737350" algn="l"/>
+                <a:tab pos="7186613" algn="l"/>
+                <a:tab pos="7635875" algn="l"/>
+                <a:tab pos="8085138" algn="l"/>
+                <a:tab pos="8534400" algn="l"/>
+                <a:tab pos="8983663" algn="l"/>
               </a:tabLst>
               <a:defRPr>
                 <a:solidFill>
-                  <a:srgbClr val="000000"/>
+                  <a:schemeClr val="bg1"/>
                 </a:solidFill>
                 <a:latin typeface="Arial" charset="0"/>
-                <a:ea typeface="SimSun" charset="-122"/>
+                <a:ea typeface="Microsoft YaHei" charset="-122"/>
               </a:defRPr>
             </a:lvl1pPr>
-            <a:lvl2pPr marL="863600" indent="-323850">
+            <a:lvl2pPr eaLnBrk="0">
               <a:tabLst>
-                <a:tab pos="723900" algn="l"/>
-                <a:tab pos="1447800" algn="l"/>
-                <a:tab pos="2171700" algn="l"/>
-                <a:tab pos="2895600" algn="l"/>
-                <a:tab pos="3619500" algn="l"/>
-                <a:tab pos="4343400" algn="l"/>
-                <a:tab pos="5067300" algn="l"/>
-                <a:tab pos="5791200" algn="l"/>
-                <a:tab pos="6515100" algn="l"/>
-                <a:tab pos="7239000" algn="l"/>
-                <a:tab pos="7962900" algn="l"/>
+                <a:tab pos="0" algn="l"/>
+                <a:tab pos="447675" algn="l"/>
+                <a:tab pos="896938" algn="l"/>
+                <a:tab pos="1346200" algn="l"/>
+                <a:tab pos="1795463" algn="l"/>
+                <a:tab pos="2244725" algn="l"/>
+                <a:tab pos="2693988" algn="l"/>
+                <a:tab pos="3143250" algn="l"/>
+                <a:tab pos="3592513" algn="l"/>
+                <a:tab pos="4041775" algn="l"/>
+                <a:tab pos="4491038" algn="l"/>
+                <a:tab pos="4940300" algn="l"/>
+                <a:tab pos="5389563" algn="l"/>
+                <a:tab pos="5838825" algn="l"/>
+                <a:tab pos="6288088" algn="l"/>
+                <a:tab pos="6737350" algn="l"/>
+                <a:tab pos="7186613" algn="l"/>
+                <a:tab pos="7635875" algn="l"/>
+                <a:tab pos="8085138" algn="l"/>
+                <a:tab pos="8534400" algn="l"/>
+                <a:tab pos="8983663" algn="l"/>
               </a:tabLst>
               <a:defRPr>
                 <a:solidFill>
-                  <a:srgbClr val="000000"/>
+                  <a:schemeClr val="bg1"/>
                 </a:solidFill>
                 <a:latin typeface="Arial" charset="0"/>
-                <a:ea typeface="SimSun" charset="-122"/>
+                <a:ea typeface="Microsoft YaHei" charset="-122"/>
               </a:defRPr>
             </a:lvl2pPr>
-            <a:lvl3pPr>
+            <a:lvl3pPr eaLnBrk="0">
               <a:tabLst>
-                <a:tab pos="723900" algn="l"/>
-                <a:tab pos="1447800" algn="l"/>
-                <a:tab pos="2171700" algn="l"/>
-                <a:tab pos="2895600" algn="l"/>
-                <a:tab pos="3619500" algn="l"/>
-                <a:tab pos="4343400" algn="l"/>
-                <a:tab pos="5067300" algn="l"/>
-                <a:tab pos="5791200" algn="l"/>
-                <a:tab pos="6515100" algn="l"/>
-                <a:tab pos="7239000" algn="l"/>
-                <a:tab pos="7962900" algn="l"/>
+                <a:tab pos="0" algn="l"/>
+                <a:tab pos="447675" algn="l"/>
+                <a:tab pos="896938" algn="l"/>
+                <a:tab pos="1346200" algn="l"/>
+                <a:tab pos="1795463" algn="l"/>
+                <a:tab pos="2244725" algn="l"/>
+                <a:tab pos="2693988" algn="l"/>
+                <a:tab pos="3143250" algn="l"/>
+                <a:tab pos="3592513" algn="l"/>
+                <a:tab pos="4041775" algn="l"/>
+                <a:tab pos="4491038" algn="l"/>
+                <a:tab pos="4940300" algn="l"/>
+                <a:tab pos="5389563" algn="l"/>
+                <a:tab pos="5838825" algn="l"/>
+                <a:tab pos="6288088" algn="l"/>
+                <a:tab pos="6737350" algn="l"/>
+                <a:tab pos="7186613" algn="l"/>
+                <a:tab pos="7635875" algn="l"/>
+                <a:tab pos="8085138" algn="l"/>
+                <a:tab pos="8534400" algn="l"/>
+                <a:tab pos="8983663" algn="l"/>
               </a:tabLst>
               <a:defRPr>
                 <a:solidFill>
-                  <a:srgbClr val="000000"/>
+                  <a:schemeClr val="bg1"/>
                 </a:solidFill>
                 <a:latin typeface="Arial" charset="0"/>
-                <a:ea typeface="SimSun" charset="-122"/>
+                <a:ea typeface="Microsoft YaHei" charset="-122"/>
               </a:defRPr>
             </a:lvl3pPr>
-            <a:lvl4pPr>
+            <a:lvl4pPr eaLnBrk="0">
               <a:tabLst>
-                <a:tab pos="723900" algn="l"/>
-                <a:tab pos="1447800" algn="l"/>
-                <a:tab pos="2171700" algn="l"/>
-                <a:tab pos="2895600" algn="l"/>
-                <a:tab pos="3619500" algn="l"/>
-                <a:tab pos="4343400" algn="l"/>
-                <a:tab pos="5067300" algn="l"/>
-                <a:tab pos="5791200" algn="l"/>
-                <a:tab pos="6515100" algn="l"/>
-                <a:tab pos="7239000" algn="l"/>
-                <a:tab pos="7962900" algn="l"/>
+                <a:tab pos="0" algn="l"/>
+                <a:tab pos="447675" algn="l"/>
+                <a:tab pos="896938" algn="l"/>
+                <a:tab pos="1346200" algn="l"/>
+                <a:tab pos="1795463" algn="l"/>
+                <a:tab pos="2244725" algn="l"/>
+                <a:tab pos="2693988" algn="l"/>
+                <a:tab pos="3143250" algn="l"/>
+                <a:tab pos="3592513" algn="l"/>
+                <a:tab pos="4041775" algn="l"/>
+                <a:tab pos="4491038" algn="l"/>
+                <a:tab pos="4940300" algn="l"/>
+                <a:tab pos="5389563" algn="l"/>
+                <a:tab pos="5838825" algn="l"/>
+                <a:tab pos="6288088" algn="l"/>
+                <a:tab pos="6737350" algn="l"/>
+                <a:tab pos="7186613" algn="l"/>
+                <a:tab pos="7635875" algn="l"/>
+                <a:tab pos="8085138" algn="l"/>
+                <a:tab pos="8534400" algn="l"/>
+                <a:tab pos="8983663" algn="l"/>
               </a:tabLst>
               <a:defRPr>
                 <a:solidFill>
-                  <a:srgbClr val="000000"/>
+                  <a:schemeClr val="bg1"/>
                 </a:solidFill>
                 <a:latin typeface="Arial" charset="0"/>
-                <a:ea typeface="SimSun" charset="-122"/>
+                <a:ea typeface="Microsoft YaHei" charset="-122"/>
               </a:defRPr>
             </a:lvl4pPr>
-            <a:lvl5pPr>
+            <a:lvl5pPr eaLnBrk="0">
               <a:tabLst>
-                <a:tab pos="723900" algn="l"/>
-                <a:tab pos="1447800" algn="l"/>
-                <a:tab pos="2171700" algn="l"/>
-                <a:tab pos="2895600" algn="l"/>
-                <a:tab pos="3619500" algn="l"/>
-                <a:tab pos="4343400" algn="l"/>
-                <a:tab pos="5067300" algn="l"/>
-                <a:tab pos="5791200" algn="l"/>
-                <a:tab pos="6515100" algn="l"/>
-                <a:tab pos="7239000" algn="l"/>
-                <a:tab pos="7962900" algn="l"/>
+                <a:tab pos="0" algn="l"/>
+                <a:tab pos="447675" algn="l"/>
+                <a:tab pos="896938" algn="l"/>
+                <a:tab pos="1346200" algn="l"/>
+                <a:tab pos="1795463" algn="l"/>
+                <a:tab pos="2244725" algn="l"/>
+                <a:tab pos="2693988" algn="l"/>
+                <a:tab pos="3143250" algn="l"/>
+                <a:tab pos="3592513" algn="l"/>
+                <a:tab pos="4041775" algn="l"/>
+                <a:tab pos="4491038" algn="l"/>
+                <a:tab pos="4940300" algn="l"/>
+                <a:tab pos="5389563" algn="l"/>
+                <a:tab pos="5838825" algn="l"/>
+                <a:tab pos="6288088" algn="l"/>
+                <a:tab pos="6737350" algn="l"/>
+                <a:tab pos="7186613" algn="l"/>
+                <a:tab pos="7635875" algn="l"/>
+                <a:tab pos="8085138" algn="l"/>
+                <a:tab pos="8534400" algn="l"/>
+                <a:tab pos="8983663" algn="l"/>
               </a:tabLst>
               <a:defRPr>
                 <a:solidFill>
-                  <a:srgbClr val="000000"/>
+                  <a:schemeClr val="bg1"/>
                 </a:solidFill>
                 <a:latin typeface="Arial" charset="0"/>
-                <a:ea typeface="SimSun" charset="-122"/>
+                <a:ea typeface="Microsoft YaHei" charset="-122"/>
               </a:defRPr>
             </a:lvl5pPr>
-            <a:lvl6pPr marL="2514600" indent="-228600" defTabSz="449263" fontAlgn="base" hangingPunct="0">
+            <a:lvl6pPr marL="2514600" indent="-228600" defTabSz="449263" eaLnBrk="0" fontAlgn="base" hangingPunct="0">
               <a:lnSpc>
                 <a:spcPct val="93000"/>
               </a:lnSpc>
@@ -36101,27 +37970,37 @@
               <a:buSzPct val="100000"/>
               <a:buFont typeface="Times New Roman" pitchFamily="16" charset="0"/>
               <a:tabLst>
-                <a:tab pos="723900" algn="l"/>
-                <a:tab pos="1447800" algn="l"/>
-                <a:tab pos="2171700" algn="l"/>
-                <a:tab pos="2895600" algn="l"/>
-                <a:tab pos="3619500" algn="l"/>
-                <a:tab pos="4343400" algn="l"/>
-                <a:tab pos="5067300" algn="l"/>
-                <a:tab pos="5791200" algn="l"/>
-                <a:tab pos="6515100" algn="l"/>
-                <a:tab pos="7239000" algn="l"/>
-                <a:tab pos="7962900" algn="l"/>
+                <a:tab pos="0" algn="l"/>
+                <a:tab pos="447675" algn="l"/>
+                <a:tab pos="896938" algn="l"/>
+                <a:tab pos="1346200" algn="l"/>
+                <a:tab pos="1795463" algn="l"/>
+                <a:tab pos="2244725" algn="l"/>
+                <a:tab pos="2693988" algn="l"/>
+                <a:tab pos="3143250" algn="l"/>
+                <a:tab pos="3592513" algn="l"/>
+                <a:tab pos="4041775" algn="l"/>
+                <a:tab pos="4491038" algn="l"/>
+                <a:tab pos="4940300" algn="l"/>
+                <a:tab pos="5389563" algn="l"/>
+                <a:tab pos="5838825" algn="l"/>
+                <a:tab pos="6288088" algn="l"/>
+                <a:tab pos="6737350" algn="l"/>
+                <a:tab pos="7186613" algn="l"/>
+                <a:tab pos="7635875" algn="l"/>
+                <a:tab pos="8085138" algn="l"/>
+                <a:tab pos="8534400" algn="l"/>
+                <a:tab pos="8983663" algn="l"/>
               </a:tabLst>
               <a:defRPr>
                 <a:solidFill>
-                  <a:srgbClr val="000000"/>
+                  <a:schemeClr val="bg1"/>
                 </a:solidFill>
                 <a:latin typeface="Arial" charset="0"/>
-                <a:ea typeface="SimSun" charset="-122"/>
+                <a:ea typeface="Microsoft YaHei" charset="-122"/>
               </a:defRPr>
             </a:lvl6pPr>
-            <a:lvl7pPr marL="2971800" indent="-228600" defTabSz="449263" fontAlgn="base" hangingPunct="0">
+            <a:lvl7pPr marL="2971800" indent="-228600" defTabSz="449263" eaLnBrk="0" fontAlgn="base" hangingPunct="0">
               <a:lnSpc>
                 <a:spcPct val="93000"/>
               </a:lnSpc>
@@ -36137,27 +38016,37 @@
               <a:buSzPct val="100000"/>
               <a:buFont typeface="Times New Roman" pitchFamily="16" charset="0"/>
               <a:tabLst>
-                <a:tab pos="723900" algn="l"/>
-                <a:tab pos="1447800" algn="l"/>
-                <a:tab pos="2171700" algn="l"/>
-                <a:tab pos="2895600" algn="l"/>
-                <a:tab pos="3619500" algn="l"/>
-                <a:tab pos="4343400" algn="l"/>
-                <a:tab pos="5067300" algn="l"/>
-                <a:tab pos="5791200" algn="l"/>
-                <a:tab pos="6515100" algn="l"/>
-                <a:tab pos="7239000" algn="l"/>
-                <a:tab pos="7962900" algn="l"/>
+                <a:tab pos="0" algn="l"/>
+                <a:tab pos="447675" algn="l"/>
+                <a:tab pos="896938" algn="l"/>
+                <a:tab pos="1346200" algn="l"/>
+                <a:tab pos="1795463" algn="l"/>
+                <a:tab pos="2244725" algn="l"/>
+                <a:tab pos="2693988" algn="l"/>
+                <a:tab pos="3143250" algn="l"/>
+                <a:tab pos="3592513" algn="l"/>
+                <a:tab pos="4041775" algn="l"/>
+                <a:tab pos="4491038" algn="l"/>
+                <a:tab pos="4940300" algn="l"/>
+                <a:tab pos="5389563" algn="l"/>
+                <a:tab pos="5838825" algn="l"/>
+                <a:tab pos="6288088" algn="l"/>
+                <a:tab pos="6737350" algn="l"/>
+                <a:tab pos="7186613" algn="l"/>
+                <a:tab pos="7635875" algn="l"/>
+                <a:tab pos="8085138" algn="l"/>
+                <a:tab pos="8534400" algn="l"/>
+                <a:tab pos="8983663" algn="l"/>
               </a:tabLst>
               <a:defRPr>
                 <a:solidFill>
-                  <a:srgbClr val="000000"/>
+                  <a:schemeClr val="bg1"/>
                 </a:solidFill>
                 <a:latin typeface="Arial" charset="0"/>
-                <a:ea typeface="SimSun" charset="-122"/>
+                <a:ea typeface="Microsoft YaHei" charset="-122"/>
               </a:defRPr>
             </a:lvl7pPr>
-            <a:lvl8pPr marL="3429000" indent="-228600" defTabSz="449263" fontAlgn="base" hangingPunct="0">
+            <a:lvl8pPr marL="3429000" indent="-228600" defTabSz="449263" eaLnBrk="0" fontAlgn="base" hangingPunct="0">
               <a:lnSpc>
                 <a:spcPct val="93000"/>
               </a:lnSpc>
@@ -36173,27 +38062,37 @@
               <a:buSzPct val="100000"/>
               <a:buFont typeface="Times New Roman" pitchFamily="16" charset="0"/>
               <a:tabLst>
-                <a:tab pos="723900" algn="l"/>
-                <a:tab pos="1447800" algn="l"/>
-                <a:tab pos="2171700" algn="l"/>
-                <a:tab pos="2895600" algn="l"/>
-                <a:tab pos="3619500" algn="l"/>
-                <a:tab pos="4343400" algn="l"/>
-                <a:tab pos="5067300" algn="l"/>
-                <a:tab pos="5791200" algn="l"/>
-                <a:tab pos="6515100" algn="l"/>
-                <a:tab pos="7239000" algn="l"/>
-                <a:tab pos="7962900" algn="l"/>
+                <a:tab pos="0" algn="l"/>
+                <a:tab pos="447675" algn="l"/>
+                <a:tab pos="896938" algn="l"/>
+                <a:tab pos="1346200" algn="l"/>
+                <a:tab pos="1795463" algn="l"/>
+                <a:tab pos="2244725" algn="l"/>
+                <a:tab pos="2693988" algn="l"/>
+                <a:tab pos="3143250" algn="l"/>
+                <a:tab pos="3592513" algn="l"/>
+                <a:tab pos="4041775" algn="l"/>
+                <a:tab pos="4491038" algn="l"/>
+                <a:tab pos="4940300" algn="l"/>
+                <a:tab pos="5389563" algn="l"/>
+                <a:tab pos="5838825" algn="l"/>
+                <a:tab pos="6288088" algn="l"/>
+                <a:tab pos="6737350" algn="l"/>
+                <a:tab pos="7186613" algn="l"/>
+                <a:tab pos="7635875" algn="l"/>
+                <a:tab pos="8085138" algn="l"/>
+                <a:tab pos="8534400" algn="l"/>
+                <a:tab pos="8983663" algn="l"/>
               </a:tabLst>
               <a:defRPr>
                 <a:solidFill>
-                  <a:srgbClr val="000000"/>
+                  <a:schemeClr val="bg1"/>
                 </a:solidFill>
                 <a:latin typeface="Arial" charset="0"/>
-                <a:ea typeface="SimSun" charset="-122"/>
+                <a:ea typeface="Microsoft YaHei" charset="-122"/>
               </a:defRPr>
             </a:lvl8pPr>
-            <a:lvl9pPr marL="3886200" indent="-228600" defTabSz="449263" fontAlgn="base" hangingPunct="0">
+            <a:lvl9pPr marL="3886200" indent="-228600" defTabSz="449263" eaLnBrk="0" fontAlgn="base" hangingPunct="0">
               <a:lnSpc>
                 <a:spcPct val="93000"/>
               </a:lnSpc>
@@ -36209,431 +38108,918 @@
               <a:buSzPct val="100000"/>
               <a:buFont typeface="Times New Roman" pitchFamily="16" charset="0"/>
               <a:tabLst>
-                <a:tab pos="723900" algn="l"/>
-                <a:tab pos="1447800" algn="l"/>
-                <a:tab pos="2171700" algn="l"/>
-                <a:tab pos="2895600" algn="l"/>
-                <a:tab pos="3619500" algn="l"/>
-                <a:tab pos="4343400" algn="l"/>
-                <a:tab pos="5067300" algn="l"/>
-                <a:tab pos="5791200" algn="l"/>
-                <a:tab pos="6515100" algn="l"/>
-                <a:tab pos="7239000" algn="l"/>
-                <a:tab pos="7962900" algn="l"/>
+                <a:tab pos="0" algn="l"/>
+                <a:tab pos="447675" algn="l"/>
+                <a:tab pos="896938" algn="l"/>
+                <a:tab pos="1346200" algn="l"/>
+                <a:tab pos="1795463" algn="l"/>
+                <a:tab pos="2244725" algn="l"/>
+                <a:tab pos="2693988" algn="l"/>
+                <a:tab pos="3143250" algn="l"/>
+                <a:tab pos="3592513" algn="l"/>
+                <a:tab pos="4041775" algn="l"/>
+                <a:tab pos="4491038" algn="l"/>
+                <a:tab pos="4940300" algn="l"/>
+                <a:tab pos="5389563" algn="l"/>
+                <a:tab pos="5838825" algn="l"/>
+                <a:tab pos="6288088" algn="l"/>
+                <a:tab pos="6737350" algn="l"/>
+                <a:tab pos="7186613" algn="l"/>
+                <a:tab pos="7635875" algn="l"/>
+                <a:tab pos="8085138" algn="l"/>
+                <a:tab pos="8534400" algn="l"/>
+                <a:tab pos="8983663" algn="l"/>
               </a:tabLst>
               <a:defRPr>
                 <a:solidFill>
-                  <a:srgbClr val="000000"/>
+                  <a:schemeClr val="bg1"/>
                 </a:solidFill>
                 <a:latin typeface="Arial" charset="0"/>
-                <a:ea typeface="SimSun" charset="-122"/>
+                <a:ea typeface="Microsoft YaHei" charset="-122"/>
               </a:defRPr>
             </a:lvl9pPr>
           </a:lstStyle>
           <a:p>
-            <a:pPr hangingPunct="1">
+            <a:pPr eaLnBrk="1" hangingPunct="1">
               <a:lnSpc>
                 <a:spcPct val="100000"/>
               </a:lnSpc>
-              <a:spcAft>
-                <a:spcPts val="1425"/>
-              </a:spcAft>
-              <a:buSzPct val="45000"/>
-              <a:buFont typeface="Wingdings" charset="2"/>
-              <a:buChar char=""/>
+              <a:buClrTx/>
+              <a:buFontTx/>
+              <a:buNone/>
             </a:pPr>
             <a:r>
-              <a:rPr lang="de-DE" sz="2400" dirty="0" err="1">
+              <a:rPr lang="de-DE">
+                <a:solidFill>
+                  <a:srgbClr val="000000"/>
+                </a:solidFill>
                 <a:latin typeface="Calibri" charset="0"/>
+                <a:cs typeface="Arial Unicode MS" charset="0"/>
               </a:rPr>
-              <a:t>Replacing</a:t>
-            </a:r>
-            <a:r>
-              <a:rPr lang="de-DE" sz="2400" dirty="0">
-                <a:latin typeface="Calibri" charset="0"/>
-              </a:rPr>
-              <a:t>/</a:t>
-            </a:r>
-            <a:r>
-              <a:rPr lang="de-DE" sz="2400" dirty="0" err="1">
-                <a:latin typeface="Calibri" charset="0"/>
-              </a:rPr>
-              <a:t>Upgrading</a:t>
-            </a:r>
-            <a:r>
-              <a:rPr lang="de-DE" sz="2400" dirty="0">
-                <a:latin typeface="Calibri" charset="0"/>
-              </a:rPr>
-              <a:t> </a:t>
-            </a:r>
-            <a:r>
-              <a:rPr lang="de-DE" sz="2400" dirty="0" err="1">
-                <a:latin typeface="Calibri" charset="0"/>
-              </a:rPr>
-              <a:t>of</a:t>
-            </a:r>
-            <a:r>
-              <a:rPr lang="de-DE" sz="2400" dirty="0">
-                <a:latin typeface="Calibri" charset="0"/>
-              </a:rPr>
-              <a:t> </a:t>
-            </a:r>
-            <a:r>
-              <a:rPr lang="de-DE" sz="2400" dirty="0" err="1">
-                <a:latin typeface="Calibri" charset="0"/>
-              </a:rPr>
-              <a:t>certain</a:t>
-            </a:r>
-            <a:r>
-              <a:rPr lang="de-DE" sz="2400" dirty="0">
-                <a:latin typeface="Calibri" charset="0"/>
-              </a:rPr>
-              <a:t> </a:t>
-            </a:r>
-            <a:r>
-              <a:rPr lang="de-DE" sz="2400" dirty="0" err="1">
-                <a:latin typeface="Calibri" charset="0"/>
-              </a:rPr>
-              <a:t>components</a:t>
-            </a:r>
-            <a:r>
-              <a:rPr lang="de-DE" sz="2400" dirty="0">
-                <a:latin typeface="Calibri" charset="0"/>
-              </a:rPr>
-              <a:t> easy </a:t>
-            </a:r>
-            <a:r>
-              <a:rPr lang="de-DE" sz="2400" dirty="0" err="1">
-                <a:latin typeface="Calibri" charset="0"/>
-              </a:rPr>
-              <a:t>thanks</a:t>
-            </a:r>
-            <a:r>
-              <a:rPr lang="de-DE" sz="2400" dirty="0">
-                <a:latin typeface="Calibri" charset="0"/>
-              </a:rPr>
-              <a:t> </a:t>
-            </a:r>
-            <a:r>
-              <a:rPr lang="de-DE" sz="2400" dirty="0" err="1">
-                <a:latin typeface="Calibri" charset="0"/>
-              </a:rPr>
-              <a:t>to</a:t>
-            </a:r>
-            <a:r>
-              <a:rPr lang="de-DE" sz="2400" dirty="0">
-                <a:latin typeface="Calibri" charset="0"/>
-              </a:rPr>
-              <a:t> </a:t>
-            </a:r>
-            <a:r>
-              <a:rPr lang="de-DE" sz="2400" dirty="0" err="1">
-                <a:latin typeface="Calibri" charset="0"/>
-              </a:rPr>
-              <a:t>layers</a:t>
-            </a:r>
-            <a:endParaRPr lang="de-DE" sz="2400" dirty="0">
-              <a:latin typeface="Calibri" charset="0"/>
-            </a:endParaRPr>
-          </a:p>
-          <a:p>
-            <a:pPr hangingPunct="1">
-              <a:lnSpc>
-                <a:spcPct val="100000"/>
-              </a:lnSpc>
-              <a:spcAft>
-                <a:spcPts val="1425"/>
-              </a:spcAft>
-              <a:buSzPct val="45000"/>
-              <a:buFont typeface="Wingdings" charset="2"/>
-              <a:buChar char=""/>
-            </a:pPr>
-            <a:r>
-              <a:rPr lang="de-DE" sz="2400" dirty="0">
-                <a:latin typeface="Calibri" charset="0"/>
-              </a:rPr>
-              <a:t>Integration </a:t>
-            </a:r>
-            <a:r>
-              <a:rPr lang="de-DE" sz="2400" dirty="0" err="1">
-                <a:latin typeface="Calibri" charset="0"/>
-              </a:rPr>
-              <a:t>into</a:t>
-            </a:r>
-            <a:r>
-              <a:rPr lang="de-DE" sz="2400" dirty="0">
-                <a:latin typeface="Calibri" charset="0"/>
-              </a:rPr>
-              <a:t> </a:t>
-            </a:r>
-            <a:r>
-              <a:rPr lang="de-DE" sz="2400" dirty="0" err="1">
-                <a:latin typeface="Calibri" charset="0"/>
-              </a:rPr>
-              <a:t>social</a:t>
-            </a:r>
-            <a:r>
-              <a:rPr lang="de-DE" sz="2400" dirty="0">
-                <a:latin typeface="Calibri" charset="0"/>
-              </a:rPr>
-              <a:t> </a:t>
-            </a:r>
-            <a:r>
-              <a:rPr lang="de-DE" sz="2400" dirty="0" err="1">
-                <a:latin typeface="Calibri" charset="0"/>
-              </a:rPr>
-              <a:t>media</a:t>
-            </a:r>
-            <a:r>
-              <a:rPr lang="de-DE" sz="2400" dirty="0">
-                <a:latin typeface="Calibri" charset="0"/>
-              </a:rPr>
-              <a:t> (</a:t>
-            </a:r>
-            <a:r>
-              <a:rPr lang="de-DE" sz="2400" dirty="0" err="1">
-                <a:latin typeface="Calibri" charset="0"/>
-              </a:rPr>
-              <a:t>for</a:t>
-            </a:r>
-            <a:r>
-              <a:rPr lang="de-DE" sz="2400" dirty="0">
-                <a:latin typeface="Calibri" charset="0"/>
-              </a:rPr>
-              <a:t> </a:t>
-            </a:r>
-            <a:r>
-              <a:rPr lang="de-DE" sz="2400" dirty="0" err="1">
-                <a:latin typeface="Calibri" charset="0"/>
-              </a:rPr>
-              <a:t>example</a:t>
-            </a:r>
-            <a:r>
-              <a:rPr lang="de-DE" sz="2400" dirty="0">
-                <a:latin typeface="Calibri" charset="0"/>
-              </a:rPr>
-              <a:t> </a:t>
-            </a:r>
-            <a:r>
-              <a:rPr lang="de-DE" sz="2400" dirty="0" err="1">
-                <a:latin typeface="Calibri" charset="0"/>
-              </a:rPr>
-              <a:t>book</a:t>
-            </a:r>
-            <a:r>
-              <a:rPr lang="de-DE" sz="2400" dirty="0">
-                <a:latin typeface="Calibri" charset="0"/>
-              </a:rPr>
-              <a:t> </a:t>
-            </a:r>
-            <a:r>
-              <a:rPr lang="de-DE" sz="2400" dirty="0" err="1">
-                <a:latin typeface="Calibri" charset="0"/>
-              </a:rPr>
-              <a:t>from</a:t>
-            </a:r>
-            <a:r>
-              <a:rPr lang="de-DE" sz="2400" dirty="0">
-                <a:latin typeface="Calibri" charset="0"/>
-              </a:rPr>
-              <a:t> F</a:t>
-            </a:r>
-            <a:r>
-              <a:rPr lang="de-DE" sz="2400" dirty="0" smtClean="0">
-                <a:latin typeface="Calibri" charset="0"/>
-              </a:rPr>
-              <a:t>acebook</a:t>
-            </a:r>
-            <a:r>
-              <a:rPr lang="de-DE" sz="2400" dirty="0">
-                <a:latin typeface="Calibri" charset="0"/>
-              </a:rPr>
-              <a:t>)</a:t>
-            </a:r>
-          </a:p>
-          <a:p>
-            <a:pPr hangingPunct="1">
-              <a:lnSpc>
-                <a:spcPct val="100000"/>
-              </a:lnSpc>
-              <a:spcAft>
-                <a:spcPts val="1425"/>
-              </a:spcAft>
-              <a:buSzPct val="45000"/>
-              <a:buFont typeface="Wingdings" charset="2"/>
-              <a:buChar char=""/>
-            </a:pPr>
-            <a:r>
-              <a:rPr lang="de-DE" sz="2400" dirty="0" err="1">
-                <a:latin typeface="Calibri" charset="0"/>
-              </a:rPr>
-              <a:t>Various</a:t>
-            </a:r>
-            <a:r>
-              <a:rPr lang="de-DE" sz="2400" dirty="0">
-                <a:latin typeface="Calibri" charset="0"/>
-              </a:rPr>
-              <a:t> </a:t>
-            </a:r>
-            <a:r>
-              <a:rPr lang="de-DE" sz="2400" dirty="0" err="1">
-                <a:latin typeface="Calibri" charset="0"/>
-              </a:rPr>
-              <a:t>options</a:t>
-            </a:r>
-            <a:r>
-              <a:rPr lang="de-DE" sz="2400" dirty="0">
-                <a:latin typeface="Calibri" charset="0"/>
-              </a:rPr>
-              <a:t> </a:t>
-            </a:r>
-            <a:r>
-              <a:rPr lang="de-DE" sz="2400" dirty="0" err="1">
-                <a:latin typeface="Calibri" charset="0"/>
-              </a:rPr>
-              <a:t>to</a:t>
-            </a:r>
-            <a:r>
-              <a:rPr lang="de-DE" sz="2400" dirty="0">
-                <a:latin typeface="Calibri" charset="0"/>
-              </a:rPr>
-              <a:t> </a:t>
-            </a:r>
-            <a:r>
-              <a:rPr lang="de-DE" sz="2400" dirty="0" err="1">
-                <a:latin typeface="Calibri" charset="0"/>
-              </a:rPr>
-              <a:t>extend</a:t>
-            </a:r>
-            <a:r>
-              <a:rPr lang="de-DE" sz="2400" dirty="0">
-                <a:latin typeface="Calibri" charset="0"/>
-              </a:rPr>
-              <a:t> </a:t>
-            </a:r>
-            <a:r>
-              <a:rPr lang="de-DE" sz="2400" dirty="0" err="1">
-                <a:latin typeface="Calibri" charset="0"/>
-              </a:rPr>
-              <a:t>website</a:t>
-            </a:r>
-            <a:endParaRPr lang="de-DE" sz="2400" dirty="0">
-              <a:latin typeface="Calibri" charset="0"/>
-            </a:endParaRPr>
-          </a:p>
-          <a:p>
-            <a:pPr lvl="1" hangingPunct="1">
-              <a:lnSpc>
-                <a:spcPct val="100000"/>
-              </a:lnSpc>
-              <a:spcAft>
-                <a:spcPts val="1138"/>
-              </a:spcAft>
-              <a:buSzPct val="45000"/>
-              <a:buFont typeface="Wingdings" charset="2"/>
-              <a:buChar char=""/>
-            </a:pPr>
-            <a:r>
-              <a:rPr lang="de-DE" sz="2000" dirty="0">
-                <a:latin typeface="Calibri" charset="0"/>
-              </a:rPr>
-              <a:t>Reviews</a:t>
-            </a:r>
-          </a:p>
-          <a:p>
-            <a:pPr lvl="1" hangingPunct="1">
-              <a:lnSpc>
-                <a:spcPct val="100000"/>
-              </a:lnSpc>
-              <a:spcAft>
-                <a:spcPts val="1138"/>
-              </a:spcAft>
-              <a:buSzPct val="45000"/>
-              <a:buFont typeface="Wingdings" charset="2"/>
-              <a:buChar char=""/>
-            </a:pPr>
-            <a:r>
-              <a:rPr lang="de-DE" sz="2000" dirty="0">
-                <a:latin typeface="Calibri" charset="0"/>
-              </a:rPr>
-              <a:t>Vouchers</a:t>
+              <a:t>12.06.12</a:t>
             </a:r>
           </a:p>
         </p:txBody>
       </p:sp>
       <p:sp>
         <p:nvSpPr>
-          <p:cNvPr id="2" name="Datumsplatzhalter 1"/>
-          <p:cNvSpPr>
-            <a:spLocks noGrp="1"/>
+          <p:cNvPr id="51205" name="Text Box 4"/>
+          <p:cNvSpPr txBox="1">
+            <a:spLocks noChangeArrowheads="1"/>
           </p:cNvSpPr>
-          <p:nvPr>
-            <p:ph type="dt" sz="half" idx="10"/>
-          </p:nvPr>
+          <p:nvPr/>
         </p:nvSpPr>
-        <p:spPr/>
+        <p:spPr bwMode="auto">
+          <a:xfrm>
+            <a:off x="3124200" y="6356350"/>
+            <a:ext cx="2895600" cy="365125"/>
+          </a:xfrm>
+          <a:prstGeom prst="rect">
+            <a:avLst/>
+          </a:prstGeom>
+          <a:noFill/>
+          <a:ln>
+            <a:noFill/>
+          </a:ln>
+          <a:effectLst/>
+          <a:extLst>
+            <a:ext uri="{909E8E84-426E-40DD-AFC4-6F175D3DCCD1}">
+              <a14:hiddenFill xmlns:a14="http://schemas.microsoft.com/office/drawing/2010/main">
+                <a:solidFill>
+                  <a:srgbClr val="FFFFFF"/>
+                </a:solidFill>
+              </a14:hiddenFill>
+            </a:ext>
+            <a:ext uri="{91240B29-F687-4F45-9708-019B960494DF}">
+              <a14:hiddenLine xmlns:a14="http://schemas.microsoft.com/office/drawing/2010/main" w="9525">
+                <a:solidFill>
+                  <a:srgbClr val="808080"/>
+                </a:solidFill>
+                <a:round/>
+                <a:headEnd/>
+                <a:tailEnd/>
+              </a14:hiddenLine>
+            </a:ext>
+            <a:ext uri="{AF507438-7753-43E0-B8FC-AC1667EBCBE1}">
+              <a14:hiddenEffects xmlns:a14="http://schemas.microsoft.com/office/drawing/2010/main">
+                <a:effectLst>
+                  <a:outerShdw dist="35921" dir="2700000" algn="ctr" rotWithShape="0">
+                    <a:srgbClr val="808080"/>
+                  </a:outerShdw>
+                </a:effectLst>
+              </a14:hiddenEffects>
+            </a:ext>
+          </a:extLst>
+        </p:spPr>
         <p:txBody>
-          <a:bodyPr/>
-          <a:lstStyle/>
-          <a:p>
-            <a:fld id="{70BC4052-1F0D-48EB-8227-729C482B37CD}" type="datetime1">
-              <a:rPr lang="de-DE" smtClean="0"/>
-              <a:t>12.06.2012</a:t>
-            </a:fld>
-            <a:endParaRPr lang="de-DE"/>
+          <a:bodyPr lIns="90000" tIns="45000" rIns="90000" bIns="45000"/>
+          <a:lstStyle>
+            <a:lvl1pPr eaLnBrk="0">
+              <a:tabLst>
+                <a:tab pos="0" algn="l"/>
+                <a:tab pos="447675" algn="l"/>
+                <a:tab pos="896938" algn="l"/>
+                <a:tab pos="1346200" algn="l"/>
+                <a:tab pos="1795463" algn="l"/>
+                <a:tab pos="2244725" algn="l"/>
+                <a:tab pos="2693988" algn="l"/>
+                <a:tab pos="3143250" algn="l"/>
+                <a:tab pos="3592513" algn="l"/>
+                <a:tab pos="4041775" algn="l"/>
+                <a:tab pos="4491038" algn="l"/>
+                <a:tab pos="4940300" algn="l"/>
+                <a:tab pos="5389563" algn="l"/>
+                <a:tab pos="5838825" algn="l"/>
+                <a:tab pos="6288088" algn="l"/>
+                <a:tab pos="6737350" algn="l"/>
+                <a:tab pos="7186613" algn="l"/>
+                <a:tab pos="7635875" algn="l"/>
+                <a:tab pos="8085138" algn="l"/>
+                <a:tab pos="8534400" algn="l"/>
+                <a:tab pos="8983663" algn="l"/>
+              </a:tabLst>
+              <a:defRPr>
+                <a:solidFill>
+                  <a:schemeClr val="bg1"/>
+                </a:solidFill>
+                <a:latin typeface="Arial" charset="0"/>
+                <a:ea typeface="Microsoft YaHei" charset="-122"/>
+              </a:defRPr>
+            </a:lvl1pPr>
+            <a:lvl2pPr eaLnBrk="0">
+              <a:tabLst>
+                <a:tab pos="0" algn="l"/>
+                <a:tab pos="447675" algn="l"/>
+                <a:tab pos="896938" algn="l"/>
+                <a:tab pos="1346200" algn="l"/>
+                <a:tab pos="1795463" algn="l"/>
+                <a:tab pos="2244725" algn="l"/>
+                <a:tab pos="2693988" algn="l"/>
+                <a:tab pos="3143250" algn="l"/>
+                <a:tab pos="3592513" algn="l"/>
+                <a:tab pos="4041775" algn="l"/>
+                <a:tab pos="4491038" algn="l"/>
+                <a:tab pos="4940300" algn="l"/>
+                <a:tab pos="5389563" algn="l"/>
+                <a:tab pos="5838825" algn="l"/>
+                <a:tab pos="6288088" algn="l"/>
+                <a:tab pos="6737350" algn="l"/>
+                <a:tab pos="7186613" algn="l"/>
+                <a:tab pos="7635875" algn="l"/>
+                <a:tab pos="8085138" algn="l"/>
+                <a:tab pos="8534400" algn="l"/>
+                <a:tab pos="8983663" algn="l"/>
+              </a:tabLst>
+              <a:defRPr>
+                <a:solidFill>
+                  <a:schemeClr val="bg1"/>
+                </a:solidFill>
+                <a:latin typeface="Arial" charset="0"/>
+                <a:ea typeface="Microsoft YaHei" charset="-122"/>
+              </a:defRPr>
+            </a:lvl2pPr>
+            <a:lvl3pPr eaLnBrk="0">
+              <a:tabLst>
+                <a:tab pos="0" algn="l"/>
+                <a:tab pos="447675" algn="l"/>
+                <a:tab pos="896938" algn="l"/>
+                <a:tab pos="1346200" algn="l"/>
+                <a:tab pos="1795463" algn="l"/>
+                <a:tab pos="2244725" algn="l"/>
+                <a:tab pos="2693988" algn="l"/>
+                <a:tab pos="3143250" algn="l"/>
+                <a:tab pos="3592513" algn="l"/>
+                <a:tab pos="4041775" algn="l"/>
+                <a:tab pos="4491038" algn="l"/>
+                <a:tab pos="4940300" algn="l"/>
+                <a:tab pos="5389563" algn="l"/>
+                <a:tab pos="5838825" algn="l"/>
+                <a:tab pos="6288088" algn="l"/>
+                <a:tab pos="6737350" algn="l"/>
+                <a:tab pos="7186613" algn="l"/>
+                <a:tab pos="7635875" algn="l"/>
+                <a:tab pos="8085138" algn="l"/>
+                <a:tab pos="8534400" algn="l"/>
+                <a:tab pos="8983663" algn="l"/>
+              </a:tabLst>
+              <a:defRPr>
+                <a:solidFill>
+                  <a:schemeClr val="bg1"/>
+                </a:solidFill>
+                <a:latin typeface="Arial" charset="0"/>
+                <a:ea typeface="Microsoft YaHei" charset="-122"/>
+              </a:defRPr>
+            </a:lvl3pPr>
+            <a:lvl4pPr eaLnBrk="0">
+              <a:tabLst>
+                <a:tab pos="0" algn="l"/>
+                <a:tab pos="447675" algn="l"/>
+                <a:tab pos="896938" algn="l"/>
+                <a:tab pos="1346200" algn="l"/>
+                <a:tab pos="1795463" algn="l"/>
+                <a:tab pos="2244725" algn="l"/>
+                <a:tab pos="2693988" algn="l"/>
+                <a:tab pos="3143250" algn="l"/>
+                <a:tab pos="3592513" algn="l"/>
+                <a:tab pos="4041775" algn="l"/>
+                <a:tab pos="4491038" algn="l"/>
+                <a:tab pos="4940300" algn="l"/>
+                <a:tab pos="5389563" algn="l"/>
+                <a:tab pos="5838825" algn="l"/>
+                <a:tab pos="6288088" algn="l"/>
+                <a:tab pos="6737350" algn="l"/>
+                <a:tab pos="7186613" algn="l"/>
+                <a:tab pos="7635875" algn="l"/>
+                <a:tab pos="8085138" algn="l"/>
+                <a:tab pos="8534400" algn="l"/>
+                <a:tab pos="8983663" algn="l"/>
+              </a:tabLst>
+              <a:defRPr>
+                <a:solidFill>
+                  <a:schemeClr val="bg1"/>
+                </a:solidFill>
+                <a:latin typeface="Arial" charset="0"/>
+                <a:ea typeface="Microsoft YaHei" charset="-122"/>
+              </a:defRPr>
+            </a:lvl4pPr>
+            <a:lvl5pPr eaLnBrk="0">
+              <a:tabLst>
+                <a:tab pos="0" algn="l"/>
+                <a:tab pos="447675" algn="l"/>
+                <a:tab pos="896938" algn="l"/>
+                <a:tab pos="1346200" algn="l"/>
+                <a:tab pos="1795463" algn="l"/>
+                <a:tab pos="2244725" algn="l"/>
+                <a:tab pos="2693988" algn="l"/>
+                <a:tab pos="3143250" algn="l"/>
+                <a:tab pos="3592513" algn="l"/>
+                <a:tab pos="4041775" algn="l"/>
+                <a:tab pos="4491038" algn="l"/>
+                <a:tab pos="4940300" algn="l"/>
+                <a:tab pos="5389563" algn="l"/>
+                <a:tab pos="5838825" algn="l"/>
+                <a:tab pos="6288088" algn="l"/>
+                <a:tab pos="6737350" algn="l"/>
+                <a:tab pos="7186613" algn="l"/>
+                <a:tab pos="7635875" algn="l"/>
+                <a:tab pos="8085138" algn="l"/>
+                <a:tab pos="8534400" algn="l"/>
+                <a:tab pos="8983663" algn="l"/>
+              </a:tabLst>
+              <a:defRPr>
+                <a:solidFill>
+                  <a:schemeClr val="bg1"/>
+                </a:solidFill>
+                <a:latin typeface="Arial" charset="0"/>
+                <a:ea typeface="Microsoft YaHei" charset="-122"/>
+              </a:defRPr>
+            </a:lvl5pPr>
+            <a:lvl6pPr marL="2514600" indent="-228600" defTabSz="449263" eaLnBrk="0" fontAlgn="base" hangingPunct="0">
+              <a:lnSpc>
+                <a:spcPct val="93000"/>
+              </a:lnSpc>
+              <a:spcBef>
+                <a:spcPct val="0"/>
+              </a:spcBef>
+              <a:spcAft>
+                <a:spcPct val="0"/>
+              </a:spcAft>
+              <a:buClr>
+                <a:srgbClr val="000000"/>
+              </a:buClr>
+              <a:buSzPct val="100000"/>
+              <a:buFont typeface="Times New Roman" pitchFamily="16" charset="0"/>
+              <a:tabLst>
+                <a:tab pos="0" algn="l"/>
+                <a:tab pos="447675" algn="l"/>
+                <a:tab pos="896938" algn="l"/>
+                <a:tab pos="1346200" algn="l"/>
+                <a:tab pos="1795463" algn="l"/>
+                <a:tab pos="2244725" algn="l"/>
+                <a:tab pos="2693988" algn="l"/>
+                <a:tab pos="3143250" algn="l"/>
+                <a:tab pos="3592513" algn="l"/>
+                <a:tab pos="4041775" algn="l"/>
+                <a:tab pos="4491038" algn="l"/>
+                <a:tab pos="4940300" algn="l"/>
+                <a:tab pos="5389563" algn="l"/>
+                <a:tab pos="5838825" algn="l"/>
+                <a:tab pos="6288088" algn="l"/>
+                <a:tab pos="6737350" algn="l"/>
+                <a:tab pos="7186613" algn="l"/>
+                <a:tab pos="7635875" algn="l"/>
+                <a:tab pos="8085138" algn="l"/>
+                <a:tab pos="8534400" algn="l"/>
+                <a:tab pos="8983663" algn="l"/>
+              </a:tabLst>
+              <a:defRPr>
+                <a:solidFill>
+                  <a:schemeClr val="bg1"/>
+                </a:solidFill>
+                <a:latin typeface="Arial" charset="0"/>
+                <a:ea typeface="Microsoft YaHei" charset="-122"/>
+              </a:defRPr>
+            </a:lvl6pPr>
+            <a:lvl7pPr marL="2971800" indent="-228600" defTabSz="449263" eaLnBrk="0" fontAlgn="base" hangingPunct="0">
+              <a:lnSpc>
+                <a:spcPct val="93000"/>
+              </a:lnSpc>
+              <a:spcBef>
+                <a:spcPct val="0"/>
+              </a:spcBef>
+              <a:spcAft>
+                <a:spcPct val="0"/>
+              </a:spcAft>
+              <a:buClr>
+                <a:srgbClr val="000000"/>
+              </a:buClr>
+              <a:buSzPct val="100000"/>
+              <a:buFont typeface="Times New Roman" pitchFamily="16" charset="0"/>
+              <a:tabLst>
+                <a:tab pos="0" algn="l"/>
+                <a:tab pos="447675" algn="l"/>
+                <a:tab pos="896938" algn="l"/>
+                <a:tab pos="1346200" algn="l"/>
+                <a:tab pos="1795463" algn="l"/>
+                <a:tab pos="2244725" algn="l"/>
+                <a:tab pos="2693988" algn="l"/>
+                <a:tab pos="3143250" algn="l"/>
+                <a:tab pos="3592513" algn="l"/>
+                <a:tab pos="4041775" algn="l"/>
+                <a:tab pos="4491038" algn="l"/>
+                <a:tab pos="4940300" algn="l"/>
+                <a:tab pos="5389563" algn="l"/>
+                <a:tab pos="5838825" algn="l"/>
+                <a:tab pos="6288088" algn="l"/>
+                <a:tab pos="6737350" algn="l"/>
+                <a:tab pos="7186613" algn="l"/>
+                <a:tab pos="7635875" algn="l"/>
+                <a:tab pos="8085138" algn="l"/>
+                <a:tab pos="8534400" algn="l"/>
+                <a:tab pos="8983663" algn="l"/>
+              </a:tabLst>
+              <a:defRPr>
+                <a:solidFill>
+                  <a:schemeClr val="bg1"/>
+                </a:solidFill>
+                <a:latin typeface="Arial" charset="0"/>
+                <a:ea typeface="Microsoft YaHei" charset="-122"/>
+              </a:defRPr>
+            </a:lvl7pPr>
+            <a:lvl8pPr marL="3429000" indent="-228600" defTabSz="449263" eaLnBrk="0" fontAlgn="base" hangingPunct="0">
+              <a:lnSpc>
+                <a:spcPct val="93000"/>
+              </a:lnSpc>
+              <a:spcBef>
+                <a:spcPct val="0"/>
+              </a:spcBef>
+              <a:spcAft>
+                <a:spcPct val="0"/>
+              </a:spcAft>
+              <a:buClr>
+                <a:srgbClr val="000000"/>
+              </a:buClr>
+              <a:buSzPct val="100000"/>
+              <a:buFont typeface="Times New Roman" pitchFamily="16" charset="0"/>
+              <a:tabLst>
+                <a:tab pos="0" algn="l"/>
+                <a:tab pos="447675" algn="l"/>
+                <a:tab pos="896938" algn="l"/>
+                <a:tab pos="1346200" algn="l"/>
+                <a:tab pos="1795463" algn="l"/>
+                <a:tab pos="2244725" algn="l"/>
+                <a:tab pos="2693988" algn="l"/>
+                <a:tab pos="3143250" algn="l"/>
+                <a:tab pos="3592513" algn="l"/>
+                <a:tab pos="4041775" algn="l"/>
+                <a:tab pos="4491038" algn="l"/>
+                <a:tab pos="4940300" algn="l"/>
+                <a:tab pos="5389563" algn="l"/>
+                <a:tab pos="5838825" algn="l"/>
+                <a:tab pos="6288088" algn="l"/>
+                <a:tab pos="6737350" algn="l"/>
+                <a:tab pos="7186613" algn="l"/>
+                <a:tab pos="7635875" algn="l"/>
+                <a:tab pos="8085138" algn="l"/>
+                <a:tab pos="8534400" algn="l"/>
+                <a:tab pos="8983663" algn="l"/>
+              </a:tabLst>
+              <a:defRPr>
+                <a:solidFill>
+                  <a:schemeClr val="bg1"/>
+                </a:solidFill>
+                <a:latin typeface="Arial" charset="0"/>
+                <a:ea typeface="Microsoft YaHei" charset="-122"/>
+              </a:defRPr>
+            </a:lvl8pPr>
+            <a:lvl9pPr marL="3886200" indent="-228600" defTabSz="449263" eaLnBrk="0" fontAlgn="base" hangingPunct="0">
+              <a:lnSpc>
+                <a:spcPct val="93000"/>
+              </a:lnSpc>
+              <a:spcBef>
+                <a:spcPct val="0"/>
+              </a:spcBef>
+              <a:spcAft>
+                <a:spcPct val="0"/>
+              </a:spcAft>
+              <a:buClr>
+                <a:srgbClr val="000000"/>
+              </a:buClr>
+              <a:buSzPct val="100000"/>
+              <a:buFont typeface="Times New Roman" pitchFamily="16" charset="0"/>
+              <a:tabLst>
+                <a:tab pos="0" algn="l"/>
+                <a:tab pos="447675" algn="l"/>
+                <a:tab pos="896938" algn="l"/>
+                <a:tab pos="1346200" algn="l"/>
+                <a:tab pos="1795463" algn="l"/>
+                <a:tab pos="2244725" algn="l"/>
+                <a:tab pos="2693988" algn="l"/>
+                <a:tab pos="3143250" algn="l"/>
+                <a:tab pos="3592513" algn="l"/>
+                <a:tab pos="4041775" algn="l"/>
+                <a:tab pos="4491038" algn="l"/>
+                <a:tab pos="4940300" algn="l"/>
+                <a:tab pos="5389563" algn="l"/>
+                <a:tab pos="5838825" algn="l"/>
+                <a:tab pos="6288088" algn="l"/>
+                <a:tab pos="6737350" algn="l"/>
+                <a:tab pos="7186613" algn="l"/>
+                <a:tab pos="7635875" algn="l"/>
+                <a:tab pos="8085138" algn="l"/>
+                <a:tab pos="8534400" algn="l"/>
+                <a:tab pos="8983663" algn="l"/>
+              </a:tabLst>
+              <a:defRPr>
+                <a:solidFill>
+                  <a:schemeClr val="bg1"/>
+                </a:solidFill>
+                <a:latin typeface="Arial" charset="0"/>
+                <a:ea typeface="Microsoft YaHei" charset="-122"/>
+              </a:defRPr>
+            </a:lvl9pPr>
+          </a:lstStyle>
+          <a:p>
+            <a:pPr eaLnBrk="1" hangingPunct="1">
+              <a:lnSpc>
+                <a:spcPct val="100000"/>
+              </a:lnSpc>
+              <a:buClrTx/>
+              <a:buFontTx/>
+              <a:buNone/>
+            </a:pPr>
+            <a:r>
+              <a:rPr lang="de-DE">
+                <a:solidFill>
+                  <a:srgbClr val="000000"/>
+                </a:solidFill>
+                <a:latin typeface="Calibri" charset="0"/>
+                <a:cs typeface="Arial Unicode MS" charset="0"/>
+              </a:rPr>
+              <a:t>Roomanizer Presentation Team E</a:t>
+            </a:r>
           </a:p>
         </p:txBody>
       </p:sp>
       <p:sp>
         <p:nvSpPr>
-          <p:cNvPr id="3" name="Fußzeilenplatzhalter 2"/>
-          <p:cNvSpPr>
-            <a:spLocks noGrp="1"/>
+          <p:cNvPr id="51206" name="Text Box 5"/>
+          <p:cNvSpPr txBox="1">
+            <a:spLocks noChangeArrowheads="1"/>
           </p:cNvSpPr>
-          <p:nvPr>
-            <p:ph type="ftr" sz="quarter" idx="11"/>
-          </p:nvPr>
+          <p:nvPr/>
         </p:nvSpPr>
-        <p:spPr/>
+        <p:spPr bwMode="auto">
+          <a:xfrm>
+            <a:off x="6553200" y="6356350"/>
+            <a:ext cx="2133600" cy="365125"/>
+          </a:xfrm>
+          <a:prstGeom prst="rect">
+            <a:avLst/>
+          </a:prstGeom>
+          <a:noFill/>
+          <a:ln>
+            <a:noFill/>
+          </a:ln>
+          <a:effectLst/>
+          <a:extLst>
+            <a:ext uri="{909E8E84-426E-40DD-AFC4-6F175D3DCCD1}">
+              <a14:hiddenFill xmlns:a14="http://schemas.microsoft.com/office/drawing/2010/main">
+                <a:solidFill>
+                  <a:srgbClr val="FFFFFF"/>
+                </a:solidFill>
+              </a14:hiddenFill>
+            </a:ext>
+            <a:ext uri="{91240B29-F687-4F45-9708-019B960494DF}">
+              <a14:hiddenLine xmlns:a14="http://schemas.microsoft.com/office/drawing/2010/main" w="9525">
+                <a:solidFill>
+                  <a:srgbClr val="808080"/>
+                </a:solidFill>
+                <a:round/>
+                <a:headEnd/>
+                <a:tailEnd/>
+              </a14:hiddenLine>
+            </a:ext>
+            <a:ext uri="{AF507438-7753-43E0-B8FC-AC1667EBCBE1}">
+              <a14:hiddenEffects xmlns:a14="http://schemas.microsoft.com/office/drawing/2010/main">
+                <a:effectLst>
+                  <a:outerShdw dist="35921" dir="2700000" algn="ctr" rotWithShape="0">
+                    <a:srgbClr val="808080"/>
+                  </a:outerShdw>
+                </a:effectLst>
+              </a14:hiddenEffects>
+            </a:ext>
+          </a:extLst>
+        </p:spPr>
         <p:txBody>
-          <a:bodyPr/>
-          <a:lstStyle/>
-          <a:p>
-            <a:r>
-              <a:rPr lang="de-DE" smtClean="0"/>
-              <a:t>Roomanizer Presentation Team E</a:t>
-            </a:r>
-            <a:endParaRPr lang="de-DE"/>
-          </a:p>
-        </p:txBody>
-      </p:sp>
-      <p:sp>
-        <p:nvSpPr>
-          <p:cNvPr id="4" name="Foliennummernplatzhalter 3"/>
-          <p:cNvSpPr>
-            <a:spLocks noGrp="1"/>
-          </p:cNvSpPr>
-          <p:nvPr>
-            <p:ph type="sldNum" sz="quarter" idx="12"/>
-          </p:nvPr>
-        </p:nvSpPr>
-        <p:spPr/>
-        <p:txBody>
-          <a:bodyPr/>
-          <a:lstStyle/>
-          <a:p>
-            <a:fld id="{6C6AE60A-B69C-4790-82F7-3882EDF23186}" type="slidenum">
-              <a:rPr lang="de-DE" smtClean="0"/>
+          <a:bodyPr lIns="90000" tIns="45000" rIns="90000" bIns="45000"/>
+          <a:lstStyle>
+            <a:lvl1pPr eaLnBrk="0">
+              <a:tabLst>
+                <a:tab pos="0" algn="l"/>
+                <a:tab pos="447675" algn="l"/>
+                <a:tab pos="896938" algn="l"/>
+                <a:tab pos="1346200" algn="l"/>
+                <a:tab pos="1795463" algn="l"/>
+                <a:tab pos="2244725" algn="l"/>
+                <a:tab pos="2693988" algn="l"/>
+                <a:tab pos="3143250" algn="l"/>
+                <a:tab pos="3592513" algn="l"/>
+                <a:tab pos="4041775" algn="l"/>
+                <a:tab pos="4491038" algn="l"/>
+                <a:tab pos="4940300" algn="l"/>
+                <a:tab pos="5389563" algn="l"/>
+                <a:tab pos="5838825" algn="l"/>
+                <a:tab pos="6288088" algn="l"/>
+                <a:tab pos="6737350" algn="l"/>
+                <a:tab pos="7186613" algn="l"/>
+                <a:tab pos="7635875" algn="l"/>
+                <a:tab pos="8085138" algn="l"/>
+                <a:tab pos="8534400" algn="l"/>
+                <a:tab pos="8983663" algn="l"/>
+              </a:tabLst>
+              <a:defRPr>
+                <a:solidFill>
+                  <a:schemeClr val="bg1"/>
+                </a:solidFill>
+                <a:latin typeface="Arial" charset="0"/>
+                <a:ea typeface="Microsoft YaHei" charset="-122"/>
+              </a:defRPr>
+            </a:lvl1pPr>
+            <a:lvl2pPr eaLnBrk="0">
+              <a:tabLst>
+                <a:tab pos="0" algn="l"/>
+                <a:tab pos="447675" algn="l"/>
+                <a:tab pos="896938" algn="l"/>
+                <a:tab pos="1346200" algn="l"/>
+                <a:tab pos="1795463" algn="l"/>
+                <a:tab pos="2244725" algn="l"/>
+                <a:tab pos="2693988" algn="l"/>
+                <a:tab pos="3143250" algn="l"/>
+                <a:tab pos="3592513" algn="l"/>
+                <a:tab pos="4041775" algn="l"/>
+                <a:tab pos="4491038" algn="l"/>
+                <a:tab pos="4940300" algn="l"/>
+                <a:tab pos="5389563" algn="l"/>
+                <a:tab pos="5838825" algn="l"/>
+                <a:tab pos="6288088" algn="l"/>
+                <a:tab pos="6737350" algn="l"/>
+                <a:tab pos="7186613" algn="l"/>
+                <a:tab pos="7635875" algn="l"/>
+                <a:tab pos="8085138" algn="l"/>
+                <a:tab pos="8534400" algn="l"/>
+                <a:tab pos="8983663" algn="l"/>
+              </a:tabLst>
+              <a:defRPr>
+                <a:solidFill>
+                  <a:schemeClr val="bg1"/>
+                </a:solidFill>
+                <a:latin typeface="Arial" charset="0"/>
+                <a:ea typeface="Microsoft YaHei" charset="-122"/>
+              </a:defRPr>
+            </a:lvl2pPr>
+            <a:lvl3pPr eaLnBrk="0">
+              <a:tabLst>
+                <a:tab pos="0" algn="l"/>
+                <a:tab pos="447675" algn="l"/>
+                <a:tab pos="896938" algn="l"/>
+                <a:tab pos="1346200" algn="l"/>
+                <a:tab pos="1795463" algn="l"/>
+                <a:tab pos="2244725" algn="l"/>
+                <a:tab pos="2693988" algn="l"/>
+                <a:tab pos="3143250" algn="l"/>
+                <a:tab pos="3592513" algn="l"/>
+                <a:tab pos="4041775" algn="l"/>
+                <a:tab pos="4491038" algn="l"/>
+                <a:tab pos="4940300" algn="l"/>
+                <a:tab pos="5389563" algn="l"/>
+                <a:tab pos="5838825" algn="l"/>
+                <a:tab pos="6288088" algn="l"/>
+                <a:tab pos="6737350" algn="l"/>
+                <a:tab pos="7186613" algn="l"/>
+                <a:tab pos="7635875" algn="l"/>
+                <a:tab pos="8085138" algn="l"/>
+                <a:tab pos="8534400" algn="l"/>
+                <a:tab pos="8983663" algn="l"/>
+              </a:tabLst>
+              <a:defRPr>
+                <a:solidFill>
+                  <a:schemeClr val="bg1"/>
+                </a:solidFill>
+                <a:latin typeface="Arial" charset="0"/>
+                <a:ea typeface="Microsoft YaHei" charset="-122"/>
+              </a:defRPr>
+            </a:lvl3pPr>
+            <a:lvl4pPr eaLnBrk="0">
+              <a:tabLst>
+                <a:tab pos="0" algn="l"/>
+                <a:tab pos="447675" algn="l"/>
+                <a:tab pos="896938" algn="l"/>
+                <a:tab pos="1346200" algn="l"/>
+                <a:tab pos="1795463" algn="l"/>
+                <a:tab pos="2244725" algn="l"/>
+                <a:tab pos="2693988" algn="l"/>
+                <a:tab pos="3143250" algn="l"/>
+                <a:tab pos="3592513" algn="l"/>
+                <a:tab pos="4041775" algn="l"/>
+                <a:tab pos="4491038" algn="l"/>
+                <a:tab pos="4940300" algn="l"/>
+                <a:tab pos="5389563" algn="l"/>
+                <a:tab pos="5838825" algn="l"/>
+                <a:tab pos="6288088" algn="l"/>
+                <a:tab pos="6737350" algn="l"/>
+                <a:tab pos="7186613" algn="l"/>
+                <a:tab pos="7635875" algn="l"/>
+                <a:tab pos="8085138" algn="l"/>
+                <a:tab pos="8534400" algn="l"/>
+                <a:tab pos="8983663" algn="l"/>
+              </a:tabLst>
+              <a:defRPr>
+                <a:solidFill>
+                  <a:schemeClr val="bg1"/>
+                </a:solidFill>
+                <a:latin typeface="Arial" charset="0"/>
+                <a:ea typeface="Microsoft YaHei" charset="-122"/>
+              </a:defRPr>
+            </a:lvl4pPr>
+            <a:lvl5pPr eaLnBrk="0">
+              <a:tabLst>
+                <a:tab pos="0" algn="l"/>
+                <a:tab pos="447675" algn="l"/>
+                <a:tab pos="896938" algn="l"/>
+                <a:tab pos="1346200" algn="l"/>
+                <a:tab pos="1795463" algn="l"/>
+                <a:tab pos="2244725" algn="l"/>
+                <a:tab pos="2693988" algn="l"/>
+                <a:tab pos="3143250" algn="l"/>
+                <a:tab pos="3592513" algn="l"/>
+                <a:tab pos="4041775" algn="l"/>
+                <a:tab pos="4491038" algn="l"/>
+                <a:tab pos="4940300" algn="l"/>
+                <a:tab pos="5389563" algn="l"/>
+                <a:tab pos="5838825" algn="l"/>
+                <a:tab pos="6288088" algn="l"/>
+                <a:tab pos="6737350" algn="l"/>
+                <a:tab pos="7186613" algn="l"/>
+                <a:tab pos="7635875" algn="l"/>
+                <a:tab pos="8085138" algn="l"/>
+                <a:tab pos="8534400" algn="l"/>
+                <a:tab pos="8983663" algn="l"/>
+              </a:tabLst>
+              <a:defRPr>
+                <a:solidFill>
+                  <a:schemeClr val="bg1"/>
+                </a:solidFill>
+                <a:latin typeface="Arial" charset="0"/>
+                <a:ea typeface="Microsoft YaHei" charset="-122"/>
+              </a:defRPr>
+            </a:lvl5pPr>
+            <a:lvl6pPr marL="2514600" indent="-228600" defTabSz="449263" eaLnBrk="0" fontAlgn="base" hangingPunct="0">
+              <a:lnSpc>
+                <a:spcPct val="93000"/>
+              </a:lnSpc>
+              <a:spcBef>
+                <a:spcPct val="0"/>
+              </a:spcBef>
+              <a:spcAft>
+                <a:spcPct val="0"/>
+              </a:spcAft>
+              <a:buClr>
+                <a:srgbClr val="000000"/>
+              </a:buClr>
+              <a:buSzPct val="100000"/>
+              <a:buFont typeface="Times New Roman" pitchFamily="16" charset="0"/>
+              <a:tabLst>
+                <a:tab pos="0" algn="l"/>
+                <a:tab pos="447675" algn="l"/>
+                <a:tab pos="896938" algn="l"/>
+                <a:tab pos="1346200" algn="l"/>
+                <a:tab pos="1795463" algn="l"/>
+                <a:tab pos="2244725" algn="l"/>
+                <a:tab pos="2693988" algn="l"/>
+                <a:tab pos="3143250" algn="l"/>
+                <a:tab pos="3592513" algn="l"/>
+                <a:tab pos="4041775" algn="l"/>
+                <a:tab pos="4491038" algn="l"/>
+                <a:tab pos="4940300" algn="l"/>
+                <a:tab pos="5389563" algn="l"/>
+                <a:tab pos="5838825" algn="l"/>
+                <a:tab pos="6288088" algn="l"/>
+                <a:tab pos="6737350" algn="l"/>
+                <a:tab pos="7186613" algn="l"/>
+                <a:tab pos="7635875" algn="l"/>
+                <a:tab pos="8085138" algn="l"/>
+                <a:tab pos="8534400" algn="l"/>
+                <a:tab pos="8983663" algn="l"/>
+              </a:tabLst>
+              <a:defRPr>
+                <a:solidFill>
+                  <a:schemeClr val="bg1"/>
+                </a:solidFill>
+                <a:latin typeface="Arial" charset="0"/>
+                <a:ea typeface="Microsoft YaHei" charset="-122"/>
+              </a:defRPr>
+            </a:lvl6pPr>
+            <a:lvl7pPr marL="2971800" indent="-228600" defTabSz="449263" eaLnBrk="0" fontAlgn="base" hangingPunct="0">
+              <a:lnSpc>
+                <a:spcPct val="93000"/>
+              </a:lnSpc>
+              <a:spcBef>
+                <a:spcPct val="0"/>
+              </a:spcBef>
+              <a:spcAft>
+                <a:spcPct val="0"/>
+              </a:spcAft>
+              <a:buClr>
+                <a:srgbClr val="000000"/>
+              </a:buClr>
+              <a:buSzPct val="100000"/>
+              <a:buFont typeface="Times New Roman" pitchFamily="16" charset="0"/>
+              <a:tabLst>
+                <a:tab pos="0" algn="l"/>
+                <a:tab pos="447675" algn="l"/>
+                <a:tab pos="896938" algn="l"/>
+                <a:tab pos="1346200" algn="l"/>
+                <a:tab pos="1795463" algn="l"/>
+                <a:tab pos="2244725" algn="l"/>
+                <a:tab pos="2693988" algn="l"/>
+                <a:tab pos="3143250" algn="l"/>
+                <a:tab pos="3592513" algn="l"/>
+                <a:tab pos="4041775" algn="l"/>
+                <a:tab pos="4491038" algn="l"/>
+                <a:tab pos="4940300" algn="l"/>
+                <a:tab pos="5389563" algn="l"/>
+                <a:tab pos="5838825" algn="l"/>
+                <a:tab pos="6288088" algn="l"/>
+                <a:tab pos="6737350" algn="l"/>
+                <a:tab pos="7186613" algn="l"/>
+                <a:tab pos="7635875" algn="l"/>
+                <a:tab pos="8085138" algn="l"/>
+                <a:tab pos="8534400" algn="l"/>
+                <a:tab pos="8983663" algn="l"/>
+              </a:tabLst>
+              <a:defRPr>
+                <a:solidFill>
+                  <a:schemeClr val="bg1"/>
+                </a:solidFill>
+                <a:latin typeface="Arial" charset="0"/>
+                <a:ea typeface="Microsoft YaHei" charset="-122"/>
+              </a:defRPr>
+            </a:lvl7pPr>
+            <a:lvl8pPr marL="3429000" indent="-228600" defTabSz="449263" eaLnBrk="0" fontAlgn="base" hangingPunct="0">
+              <a:lnSpc>
+                <a:spcPct val="93000"/>
+              </a:lnSpc>
+              <a:spcBef>
+                <a:spcPct val="0"/>
+              </a:spcBef>
+              <a:spcAft>
+                <a:spcPct val="0"/>
+              </a:spcAft>
+              <a:buClr>
+                <a:srgbClr val="000000"/>
+              </a:buClr>
+              <a:buSzPct val="100000"/>
+              <a:buFont typeface="Times New Roman" pitchFamily="16" charset="0"/>
+              <a:tabLst>
+                <a:tab pos="0" algn="l"/>
+                <a:tab pos="447675" algn="l"/>
+                <a:tab pos="896938" algn="l"/>
+                <a:tab pos="1346200" algn="l"/>
+                <a:tab pos="1795463" algn="l"/>
+                <a:tab pos="2244725" algn="l"/>
+                <a:tab pos="2693988" algn="l"/>
+                <a:tab pos="3143250" algn="l"/>
+                <a:tab pos="3592513" algn="l"/>
+                <a:tab pos="4041775" algn="l"/>
+                <a:tab pos="4491038" algn="l"/>
+                <a:tab pos="4940300" algn="l"/>
+                <a:tab pos="5389563" algn="l"/>
+                <a:tab pos="5838825" algn="l"/>
+                <a:tab pos="6288088" algn="l"/>
+                <a:tab pos="6737350" algn="l"/>
+                <a:tab pos="7186613" algn="l"/>
+                <a:tab pos="7635875" algn="l"/>
+                <a:tab pos="8085138" algn="l"/>
+                <a:tab pos="8534400" algn="l"/>
+                <a:tab pos="8983663" algn="l"/>
+              </a:tabLst>
+              <a:defRPr>
+                <a:solidFill>
+                  <a:schemeClr val="bg1"/>
+                </a:solidFill>
+                <a:latin typeface="Arial" charset="0"/>
+                <a:ea typeface="Microsoft YaHei" charset="-122"/>
+              </a:defRPr>
+            </a:lvl8pPr>
+            <a:lvl9pPr marL="3886200" indent="-228600" defTabSz="449263" eaLnBrk="0" fontAlgn="base" hangingPunct="0">
+              <a:lnSpc>
+                <a:spcPct val="93000"/>
+              </a:lnSpc>
+              <a:spcBef>
+                <a:spcPct val="0"/>
+              </a:spcBef>
+              <a:spcAft>
+                <a:spcPct val="0"/>
+              </a:spcAft>
+              <a:buClr>
+                <a:srgbClr val="000000"/>
+              </a:buClr>
+              <a:buSzPct val="100000"/>
+              <a:buFont typeface="Times New Roman" pitchFamily="16" charset="0"/>
+              <a:tabLst>
+                <a:tab pos="0" algn="l"/>
+                <a:tab pos="447675" algn="l"/>
+                <a:tab pos="896938" algn="l"/>
+                <a:tab pos="1346200" algn="l"/>
+                <a:tab pos="1795463" algn="l"/>
+                <a:tab pos="2244725" algn="l"/>
+                <a:tab pos="2693988" algn="l"/>
+                <a:tab pos="3143250" algn="l"/>
+                <a:tab pos="3592513" algn="l"/>
+                <a:tab pos="4041775" algn="l"/>
+                <a:tab pos="4491038" algn="l"/>
+                <a:tab pos="4940300" algn="l"/>
+                <a:tab pos="5389563" algn="l"/>
+                <a:tab pos="5838825" algn="l"/>
+                <a:tab pos="6288088" algn="l"/>
+                <a:tab pos="6737350" algn="l"/>
+                <a:tab pos="7186613" algn="l"/>
+                <a:tab pos="7635875" algn="l"/>
+                <a:tab pos="8085138" algn="l"/>
+                <a:tab pos="8534400" algn="l"/>
+                <a:tab pos="8983663" algn="l"/>
+              </a:tabLst>
+              <a:defRPr>
+                <a:solidFill>
+                  <a:schemeClr val="bg1"/>
+                </a:solidFill>
+                <a:latin typeface="Arial" charset="0"/>
+                <a:ea typeface="Microsoft YaHei" charset="-122"/>
+              </a:defRPr>
+            </a:lvl9pPr>
+          </a:lstStyle>
+          <a:p>
+            <a:pPr eaLnBrk="1" hangingPunct="1">
+              <a:lnSpc>
+                <a:spcPct val="100000"/>
+              </a:lnSpc>
+              <a:buClrTx/>
+              <a:buFontTx/>
+              <a:buNone/>
+            </a:pPr>
+            <a:fld id="{88125CD8-D511-4A58-A918-CD6D055991AC}" type="slidenum">
+              <a:rPr lang="de-DE">
+                <a:solidFill>
+                  <a:srgbClr val="000000"/>
+                </a:solidFill>
+                <a:latin typeface="Calibri" charset="0"/>
+                <a:cs typeface="Arial Unicode MS" charset="0"/>
+              </a:rPr>
+              <a:pPr eaLnBrk="1" hangingPunct="1">
+                <a:lnSpc>
+                  <a:spcPct val="100000"/>
+                </a:lnSpc>
+                <a:buClrTx/>
+                <a:buFontTx/>
+                <a:buNone/>
+              </a:pPr>
               <a:t>44</a:t>
             </a:fld>
-            <a:endParaRPr lang="de-DE"/>
+            <a:endParaRPr lang="de-DE">
+              <a:solidFill>
+                <a:srgbClr val="000000"/>
+              </a:solidFill>
+              <a:latin typeface="Calibri" charset="0"/>
+              <a:cs typeface="Arial Unicode MS" charset="0"/>
+            </a:endParaRPr>
           </a:p>
         </p:txBody>
       </p:sp>
     </p:spTree>
     <p:extLst>
       <p:ext uri="{BB962C8B-B14F-4D97-AF65-F5344CB8AC3E}">
-        <p14:creationId xmlns:p14="http://schemas.microsoft.com/office/powerpoint/2010/main" val="856365772"/>
+        <p14:creationId xmlns:p14="http://schemas.microsoft.com/office/powerpoint/2010/main" val="3378859883"/>
       </p:ext>
     </p:extLst>
   </p:cSld>
@@ -36647,7 +39033,7 @@
         <p:cTn id="1" dur="indefinite" restart="never" nodeType="tmRoot">
           <p:childTnLst>
             <p:seq concurrent="1" nextAc="seek">
-              <p:cTn id="2" dur="0" nodeType="mainSeq"/>
+              <p:cTn id="2" dur="indefinite" nodeType="mainSeq"/>
               <p:prevCondLst>
                 <p:cond evt="onPrev" delay="0">
                   <p:tgtEl>

--- a/Documentation/Praesentation/PresentationRoomanizer.pptx
+++ b/Documentation/Praesentation/PresentationRoomanizer.pptx
@@ -42,13 +42,13 @@
     <p:sldId id="320" r:id="rId33"/>
     <p:sldId id="321" r:id="rId34"/>
     <p:sldId id="272" r:id="rId35"/>
-    <p:sldId id="294" r:id="rId36"/>
-    <p:sldId id="295" r:id="rId37"/>
-    <p:sldId id="296" r:id="rId38"/>
-    <p:sldId id="297" r:id="rId39"/>
-    <p:sldId id="298" r:id="rId40"/>
-    <p:sldId id="299" r:id="rId41"/>
-    <p:sldId id="336" r:id="rId42"/>
+    <p:sldId id="350" r:id="rId36"/>
+    <p:sldId id="351" r:id="rId37"/>
+    <p:sldId id="352" r:id="rId38"/>
+    <p:sldId id="353" r:id="rId39"/>
+    <p:sldId id="354" r:id="rId40"/>
+    <p:sldId id="355" r:id="rId41"/>
+    <p:sldId id="356" r:id="rId42"/>
     <p:sldId id="335" r:id="rId43"/>
     <p:sldId id="316" r:id="rId44"/>
     <p:sldId id="349" r:id="rId45"/>
@@ -1104,6 +1104,240 @@
       <dsp:cNvGrpSpPr/>
     </dsp:nvGrpSpPr>
     <dsp:grpSpPr/>
+    <dsp:sp modelId="{4A9CE6FA-2F6A-40B6-843E-7BD8B0065E1F}">
+      <dsp:nvSpPr>
+        <dsp:cNvPr id="0" name=""/>
+        <dsp:cNvSpPr/>
+      </dsp:nvSpPr>
+      <dsp:spPr>
+        <a:xfrm>
+          <a:off x="2006260" y="613697"/>
+          <a:ext cx="1492540" cy="1164645"/>
+        </a:xfrm>
+        <a:prstGeom prst="rect">
+          <a:avLst/>
+        </a:prstGeom>
+        <a:noFill/>
+        <a:ln>
+          <a:noFill/>
+        </a:ln>
+        <a:effectLst/>
+      </dsp:spPr>
+      <dsp:style>
+        <a:lnRef idx="0">
+          <a:scrgbClr r="0" g="0" b="0"/>
+        </a:lnRef>
+        <a:fillRef idx="0">
+          <a:scrgbClr r="0" g="0" b="0"/>
+        </a:fillRef>
+        <a:effectRef idx="0">
+          <a:scrgbClr r="0" g="0" b="0"/>
+        </a:effectRef>
+        <a:fontRef idx="minor"/>
+      </dsp:style>
+      <dsp:txBody>
+        <a:bodyPr spcFirstLastPara="0" vert="horz" wrap="square" lIns="36830" tIns="36830" rIns="36830" bIns="36830" numCol="1" spcCol="1270" anchor="ctr" anchorCtr="0">
+          <a:noAutofit/>
+        </a:bodyPr>
+        <a:lstStyle/>
+        <a:p>
+          <a:pPr lvl="0" algn="ctr" defTabSz="1289050">
+            <a:lnSpc>
+              <a:spcPct val="90000"/>
+            </a:lnSpc>
+            <a:spcBef>
+              <a:spcPct val="0"/>
+            </a:spcBef>
+            <a:spcAft>
+              <a:spcPct val="35000"/>
+            </a:spcAft>
+          </a:pPr>
+          <a:r>
+            <a:rPr lang="de-AT" sz="2900" kern="1200" dirty="0" err="1" smtClean="0"/>
+            <a:t>Invoice</a:t>
+          </a:r>
+          <a:r>
+            <a:rPr lang="de-AT" sz="2900" kern="1200" dirty="0" smtClean="0"/>
+            <a:t> Item</a:t>
+          </a:r>
+          <a:endParaRPr lang="de-AT" sz="2900" kern="1200" dirty="0"/>
+        </a:p>
+      </dsp:txBody>
+      <dsp:txXfrm>
+        <a:off x="2006260" y="613697"/>
+        <a:ext cx="1492540" cy="1164645"/>
+      </dsp:txXfrm>
+    </dsp:sp>
+    <dsp:sp modelId="{0A944668-9E45-4271-BB3D-61EA8936D182}">
+      <dsp:nvSpPr>
+        <dsp:cNvPr id="0" name=""/>
+        <dsp:cNvSpPr/>
+      </dsp:nvSpPr>
+      <dsp:spPr>
+        <a:xfrm>
+          <a:off x="605571" y="-475"/>
+          <a:ext cx="2392990" cy="2392990"/>
+        </a:xfrm>
+        <a:prstGeom prst="circularArrow">
+          <a:avLst>
+            <a:gd name="adj1" fmla="val 9490"/>
+            <a:gd name="adj2" fmla="val 685655"/>
+            <a:gd name="adj3" fmla="val 7847366"/>
+            <a:gd name="adj4" fmla="val 2266979"/>
+            <a:gd name="adj5" fmla="val 11072"/>
+          </a:avLst>
+        </a:prstGeom>
+        <a:solidFill>
+          <a:schemeClr val="accent1">
+            <a:hueOff val="0"/>
+            <a:satOff val="0"/>
+            <a:lumOff val="0"/>
+            <a:alphaOff val="0"/>
+          </a:schemeClr>
+        </a:solidFill>
+        <a:ln w="25400" cap="rnd" cmpd="sng" algn="ctr">
+          <a:solidFill>
+            <a:schemeClr val="lt1">
+              <a:hueOff val="0"/>
+              <a:satOff val="0"/>
+              <a:lumOff val="0"/>
+              <a:alphaOff val="0"/>
+            </a:schemeClr>
+          </a:solidFill>
+          <a:prstDash val="solid"/>
+        </a:ln>
+        <a:effectLst/>
+      </dsp:spPr>
+      <dsp:style>
+        <a:lnRef idx="2">
+          <a:scrgbClr r="0" g="0" b="0"/>
+        </a:lnRef>
+        <a:fillRef idx="1">
+          <a:scrgbClr r="0" g="0" b="0"/>
+        </a:fillRef>
+        <a:effectRef idx="0">
+          <a:scrgbClr r="0" g="0" b="0"/>
+        </a:effectRef>
+        <a:fontRef idx="minor">
+          <a:schemeClr val="lt1"/>
+        </a:fontRef>
+      </dsp:style>
+    </dsp:sp>
+    <dsp:sp modelId="{2F8F08C6-8C6D-457F-BD8C-A4D9AF3E7475}">
+      <dsp:nvSpPr>
+        <dsp:cNvPr id="0" name=""/>
+        <dsp:cNvSpPr/>
+      </dsp:nvSpPr>
+      <dsp:spPr>
+        <a:xfrm>
+          <a:off x="269279" y="613697"/>
+          <a:ext cx="1164645" cy="1164645"/>
+        </a:xfrm>
+        <a:prstGeom prst="rect">
+          <a:avLst/>
+        </a:prstGeom>
+        <a:noFill/>
+        <a:ln>
+          <a:noFill/>
+        </a:ln>
+        <a:effectLst/>
+      </dsp:spPr>
+      <dsp:style>
+        <a:lnRef idx="0">
+          <a:scrgbClr r="0" g="0" b="0"/>
+        </a:lnRef>
+        <a:fillRef idx="0">
+          <a:scrgbClr r="0" g="0" b="0"/>
+        </a:fillRef>
+        <a:effectRef idx="0">
+          <a:scrgbClr r="0" g="0" b="0"/>
+        </a:effectRef>
+        <a:fontRef idx="minor"/>
+      </dsp:style>
+      <dsp:txBody>
+        <a:bodyPr spcFirstLastPara="0" vert="horz" wrap="square" lIns="36830" tIns="36830" rIns="36830" bIns="36830" numCol="1" spcCol="1270" anchor="ctr" anchorCtr="0">
+          <a:noAutofit/>
+        </a:bodyPr>
+        <a:lstStyle/>
+        <a:p>
+          <a:pPr lvl="0" algn="ctr" defTabSz="1289050">
+            <a:lnSpc>
+              <a:spcPct val="90000"/>
+            </a:lnSpc>
+            <a:spcBef>
+              <a:spcPct val="0"/>
+            </a:spcBef>
+            <a:spcAft>
+              <a:spcPct val="35000"/>
+            </a:spcAft>
+          </a:pPr>
+          <a:r>
+            <a:rPr lang="de-AT" sz="2900" kern="1200" dirty="0" err="1" smtClean="0"/>
+            <a:t>Invoice</a:t>
+          </a:r>
+          <a:endParaRPr lang="de-AT" sz="2900" kern="1200" dirty="0"/>
+        </a:p>
+      </dsp:txBody>
+      <dsp:txXfrm>
+        <a:off x="269279" y="613697"/>
+        <a:ext cx="1164645" cy="1164645"/>
+      </dsp:txXfrm>
+    </dsp:sp>
+    <dsp:sp modelId="{9CFF976A-BD0C-45E9-BD17-26232B64DC87}">
+      <dsp:nvSpPr>
+        <dsp:cNvPr id="0" name=""/>
+        <dsp:cNvSpPr/>
+      </dsp:nvSpPr>
+      <dsp:spPr>
+        <a:xfrm>
+          <a:off x="605571" y="-475"/>
+          <a:ext cx="2392990" cy="2392990"/>
+        </a:xfrm>
+        <a:prstGeom prst="circularArrow">
+          <a:avLst>
+            <a:gd name="adj1" fmla="val 9490"/>
+            <a:gd name="adj2" fmla="val 685655"/>
+            <a:gd name="adj3" fmla="val 18647366"/>
+            <a:gd name="adj4" fmla="val 13066979"/>
+            <a:gd name="adj5" fmla="val 11072"/>
+          </a:avLst>
+        </a:prstGeom>
+        <a:solidFill>
+          <a:schemeClr val="accent1">
+            <a:hueOff val="0"/>
+            <a:satOff val="0"/>
+            <a:lumOff val="0"/>
+            <a:alphaOff val="0"/>
+          </a:schemeClr>
+        </a:solidFill>
+        <a:ln w="25400" cap="rnd" cmpd="sng" algn="ctr">
+          <a:solidFill>
+            <a:schemeClr val="lt1">
+              <a:hueOff val="0"/>
+              <a:satOff val="0"/>
+              <a:lumOff val="0"/>
+              <a:alphaOff val="0"/>
+            </a:schemeClr>
+          </a:solidFill>
+          <a:prstDash val="solid"/>
+        </a:ln>
+        <a:effectLst/>
+      </dsp:spPr>
+      <dsp:style>
+        <a:lnRef idx="2">
+          <a:scrgbClr r="0" g="0" b="0"/>
+        </a:lnRef>
+        <a:fillRef idx="1">
+          <a:scrgbClr r="0" g="0" b="0"/>
+        </a:fillRef>
+        <a:effectRef idx="0">
+          <a:scrgbClr r="0" g="0" b="0"/>
+        </a:effectRef>
+        <a:fontRef idx="minor">
+          <a:schemeClr val="lt1"/>
+        </a:fontRef>
+      </dsp:style>
+    </dsp:sp>
   </dsp:spTree>
 </dsp:drawing>
 </file>
@@ -3682,158 +3916,6 @@
           <a:p>
             <a:endParaRPr lang="en-US" dirty="0" smtClean="0"/>
           </a:p>
-          <a:p>
-            <a:endParaRPr lang="en-US" dirty="0" smtClean="0"/>
-          </a:p>
-          <a:p>
-            <a:r>
-              <a:rPr lang="en-US" dirty="0" smtClean="0"/>
-              <a:t>For building this here you can see our Unified Process which started with the</a:t>
-            </a:r>
-            <a:endParaRPr lang="de-AT" dirty="0" smtClean="0"/>
-          </a:p>
-          <a:p>
-            <a:r>
-              <a:rPr lang="en-US" dirty="0" smtClean="0"/>
-              <a:t>Initialization phase from the 27 of February to the 26 of march, in which we created the </a:t>
-            </a:r>
-            <a:r>
-              <a:rPr lang="en-US" dirty="0" err="1" smtClean="0"/>
-              <a:t>UseCases</a:t>
-            </a:r>
-            <a:r>
-              <a:rPr lang="en-US" dirty="0" smtClean="0"/>
-              <a:t>, looked for some Personas and developed a few Scenarios. </a:t>
-            </a:r>
-            <a:endParaRPr lang="de-AT" dirty="0" smtClean="0"/>
-          </a:p>
-          <a:p>
-            <a:r>
-              <a:rPr lang="en-US" dirty="0" smtClean="0"/>
-              <a:t>In </a:t>
-            </a:r>
-            <a:r>
-              <a:rPr lang="en-US" dirty="0" err="1" smtClean="0"/>
-              <a:t>Timebox</a:t>
-            </a:r>
-            <a:r>
-              <a:rPr lang="en-US" dirty="0" smtClean="0"/>
-              <a:t> one from the 27 of April to the 30 of April we started to design our </a:t>
-            </a:r>
-            <a:r>
-              <a:rPr lang="en-US" dirty="0" err="1" smtClean="0"/>
-              <a:t>UseCase</a:t>
-            </a:r>
-            <a:r>
-              <a:rPr lang="en-US" dirty="0" smtClean="0"/>
-              <a:t> with a </a:t>
-            </a:r>
-            <a:r>
-              <a:rPr lang="en-US" dirty="0" err="1" smtClean="0"/>
-              <a:t>paperprotoype</a:t>
-            </a:r>
-            <a:r>
-              <a:rPr lang="en-US" dirty="0" smtClean="0"/>
-              <a:t>, followed by the implementation and testing.</a:t>
-            </a:r>
-            <a:endParaRPr lang="de-AT" dirty="0" smtClean="0"/>
-          </a:p>
-          <a:p>
-            <a:r>
-              <a:rPr lang="en-US" dirty="0" smtClean="0"/>
-              <a:t>The second </a:t>
-            </a:r>
-            <a:r>
-              <a:rPr lang="en-US" dirty="0" err="1" smtClean="0"/>
-              <a:t>Timebox</a:t>
-            </a:r>
-            <a:r>
-              <a:rPr lang="en-US" dirty="0" smtClean="0"/>
-              <a:t> from the 01. of May to the 28 of may was focused on the Integration of another implemented </a:t>
-            </a:r>
-            <a:r>
-              <a:rPr lang="en-US" dirty="0" err="1" smtClean="0"/>
-              <a:t>usecase</a:t>
-            </a:r>
-            <a:r>
-              <a:rPr lang="en-US" dirty="0" smtClean="0"/>
-              <a:t> </a:t>
-            </a:r>
-            <a:r>
-              <a:rPr lang="de-AT" dirty="0" err="1" smtClean="0"/>
-              <a:t>and</a:t>
-            </a:r>
-            <a:r>
-              <a:rPr lang="de-AT" dirty="0" smtClean="0"/>
-              <a:t> </a:t>
-            </a:r>
-            <a:r>
-              <a:rPr lang="de-AT" dirty="0" err="1" smtClean="0"/>
-              <a:t>to</a:t>
-            </a:r>
-            <a:r>
-              <a:rPr lang="de-AT" dirty="0" smtClean="0"/>
-              <a:t> </a:t>
-            </a:r>
-            <a:r>
-              <a:rPr lang="de-AT" dirty="0" err="1" smtClean="0"/>
-              <a:t>implement</a:t>
-            </a:r>
-            <a:r>
-              <a:rPr lang="de-AT" dirty="0" smtClean="0"/>
-              <a:t> a </a:t>
-            </a:r>
-            <a:r>
-              <a:rPr lang="de-AT" dirty="0" err="1" smtClean="0"/>
-              <a:t>usecase</a:t>
-            </a:r>
-            <a:r>
-              <a:rPr lang="de-AT" dirty="0" smtClean="0"/>
-              <a:t> </a:t>
-            </a:r>
-            <a:r>
-              <a:rPr lang="de-AT" dirty="0" err="1" smtClean="0"/>
-              <a:t>for</a:t>
-            </a:r>
-            <a:r>
-              <a:rPr lang="de-AT" dirty="0" smtClean="0"/>
-              <a:t> </a:t>
-            </a:r>
-            <a:r>
-              <a:rPr lang="de-AT" dirty="0" err="1" smtClean="0"/>
-              <a:t>another</a:t>
-            </a:r>
-            <a:r>
-              <a:rPr lang="de-AT" dirty="0" smtClean="0"/>
-              <a:t> </a:t>
-            </a:r>
-            <a:r>
-              <a:rPr lang="de-AT" dirty="0" err="1" smtClean="0"/>
-              <a:t>team</a:t>
-            </a:r>
-            <a:r>
-              <a:rPr lang="de-AT" dirty="0" smtClean="0"/>
-              <a:t>.</a:t>
-            </a:r>
-          </a:p>
-          <a:p>
-            <a:r>
-              <a:rPr lang="en-US" dirty="0" smtClean="0"/>
-              <a:t>The last </a:t>
-            </a:r>
-            <a:r>
-              <a:rPr lang="en-US" dirty="0" err="1" smtClean="0"/>
-              <a:t>Timebox</a:t>
-            </a:r>
-            <a:r>
-              <a:rPr lang="en-US" dirty="0" smtClean="0"/>
-              <a:t> from 28 of May to the 15 of June consisted of the implantation of an reservation which you can perform online.</a:t>
-            </a:r>
-            <a:endParaRPr lang="de-AT" dirty="0" smtClean="0"/>
-          </a:p>
-          <a:p>
-            <a:endParaRPr lang="en-US" dirty="0" smtClean="0"/>
-          </a:p>
         </p:txBody>
       </p:sp>
       <p:sp>
@@ -12012,452 +12094,6 @@
           <a:bodyPr/>
           <a:lstStyle/>
           <a:p>
-            <a:r>
-              <a:rPr lang="de-AT" dirty="0" smtClean="0"/>
-              <a:t>Screens (Flip Chart, </a:t>
-            </a:r>
-            <a:r>
-              <a:rPr lang="de-AT" dirty="0" err="1" smtClean="0"/>
-              <a:t>black</a:t>
-            </a:r>
-            <a:r>
-              <a:rPr lang="de-AT" baseline="0" dirty="0" smtClean="0"/>
-              <a:t> </a:t>
-            </a:r>
-            <a:r>
-              <a:rPr lang="de-AT" baseline="0" dirty="0" err="1" smtClean="0"/>
-              <a:t>board</a:t>
-            </a:r>
-            <a:r>
-              <a:rPr lang="de-AT" dirty="0" smtClean="0"/>
-              <a:t>) – </a:t>
-            </a:r>
-            <a:r>
-              <a:rPr lang="de-AT" dirty="0" err="1" smtClean="0"/>
-              <a:t>see</a:t>
-            </a:r>
-            <a:r>
-              <a:rPr lang="de-AT" dirty="0" smtClean="0"/>
-              <a:t> </a:t>
-            </a:r>
-            <a:r>
-              <a:rPr lang="de-AT" dirty="0" err="1" smtClean="0"/>
-              <a:t>sketch</a:t>
-            </a:r>
-            <a:endParaRPr lang="de-AT" dirty="0" smtClean="0"/>
-          </a:p>
-          <a:p>
-            <a:pPr marL="171450" indent="-171450">
-              <a:buFontTx/>
-              <a:buChar char="-"/>
-            </a:pPr>
-            <a:r>
-              <a:rPr lang="de-AT" baseline="0" dirty="0" err="1" smtClean="0"/>
-              <a:t>Static</a:t>
-            </a:r>
-            <a:r>
-              <a:rPr lang="de-AT" baseline="0" dirty="0" smtClean="0"/>
-              <a:t> </a:t>
-            </a:r>
-            <a:r>
-              <a:rPr lang="de-AT" baseline="0" dirty="0" err="1" smtClean="0"/>
-              <a:t>problem</a:t>
-            </a:r>
-            <a:r>
-              <a:rPr lang="de-AT" baseline="0" dirty="0" smtClean="0"/>
-              <a:t> </a:t>
-            </a:r>
-            <a:r>
-              <a:rPr lang="de-AT" baseline="0" dirty="0" err="1" smtClean="0"/>
-              <a:t>with</a:t>
-            </a:r>
-            <a:r>
-              <a:rPr lang="de-AT" baseline="0" dirty="0" smtClean="0"/>
-              <a:t> </a:t>
-            </a:r>
-            <a:r>
-              <a:rPr lang="de-AT" baseline="0" dirty="0" err="1" smtClean="0"/>
-              <a:t>class</a:t>
-            </a:r>
-            <a:r>
-              <a:rPr lang="de-AT" baseline="0" dirty="0" smtClean="0"/>
-              <a:t> </a:t>
-            </a:r>
-            <a:r>
-              <a:rPr lang="de-AT" baseline="0" dirty="0" err="1" smtClean="0"/>
-              <a:t>change</a:t>
-            </a:r>
-            <a:r>
-              <a:rPr lang="de-AT" baseline="0" dirty="0" smtClean="0"/>
-              <a:t> </a:t>
-            </a:r>
-            <a:r>
-              <a:rPr lang="de-AT" baseline="0" dirty="0" err="1" smtClean="0"/>
-              <a:t>during</a:t>
-            </a:r>
-            <a:r>
-              <a:rPr lang="de-AT" baseline="0" dirty="0" smtClean="0"/>
-              <a:t> </a:t>
-            </a:r>
-            <a:r>
-              <a:rPr lang="de-AT" baseline="0" dirty="0" err="1" smtClean="0"/>
-              <a:t>runtime</a:t>
-            </a:r>
-            <a:endParaRPr lang="de-AT" baseline="0" dirty="0" smtClean="0"/>
-          </a:p>
-          <a:p>
-            <a:pPr marL="628650" lvl="1" indent="-171450">
-              <a:buFontTx/>
-              <a:buChar char="-"/>
-            </a:pPr>
-            <a:r>
-              <a:rPr lang="de-AT" baseline="0" dirty="0" smtClean="0"/>
-              <a:t>Different </a:t>
-            </a:r>
-            <a:r>
-              <a:rPr lang="de-AT" baseline="0" dirty="0" err="1" smtClean="0"/>
-              <a:t>controller</a:t>
-            </a:r>
-            <a:r>
-              <a:rPr lang="de-AT" baseline="0" dirty="0" smtClean="0"/>
-              <a:t> </a:t>
-            </a:r>
-            <a:r>
-              <a:rPr lang="de-AT" baseline="0" dirty="0" err="1" smtClean="0"/>
-              <a:t>classes</a:t>
-            </a:r>
-            <a:r>
-              <a:rPr lang="de-AT" baseline="0" dirty="0" smtClean="0"/>
-              <a:t> (</a:t>
-            </a:r>
-            <a:r>
-              <a:rPr lang="de-AT" baseline="0" dirty="0" err="1" smtClean="0"/>
-              <a:t>CreateInvoiceController</a:t>
-            </a:r>
-            <a:r>
-              <a:rPr lang="de-AT" baseline="0" dirty="0" smtClean="0"/>
-              <a:t> in </a:t>
-            </a:r>
-            <a:r>
-              <a:rPr lang="de-AT" baseline="0" dirty="0" err="1" smtClean="0"/>
-              <a:t>searchState</a:t>
-            </a:r>
-            <a:r>
-              <a:rPr lang="de-AT" baseline="0" dirty="0" smtClean="0"/>
-              <a:t>,…</a:t>
-            </a:r>
-          </a:p>
-          <a:p>
-            <a:pPr marL="1085850" lvl="2" indent="-171450">
-              <a:buFontTx/>
-              <a:buChar char="-"/>
-            </a:pPr>
-            <a:r>
-              <a:rPr lang="de-AT" baseline="0" dirty="0" smtClean="0"/>
-              <a:t>Nice </a:t>
-            </a:r>
-            <a:r>
-              <a:rPr lang="de-AT" baseline="0" dirty="0" err="1" smtClean="0"/>
-              <a:t>polymorphic</a:t>
-            </a:r>
-            <a:r>
-              <a:rPr lang="de-AT" baseline="0" dirty="0" smtClean="0"/>
-              <a:t> problem-solution, but….</a:t>
-            </a:r>
-          </a:p>
-          <a:p>
-            <a:pPr marL="1543050" lvl="3" indent="-171450">
-              <a:buFontTx/>
-              <a:buChar char="-"/>
-            </a:pPr>
-            <a:r>
-              <a:rPr lang="de-AT" baseline="0" dirty="0" err="1" smtClean="0"/>
-              <a:t>We</a:t>
-            </a:r>
-            <a:r>
-              <a:rPr lang="de-AT" baseline="0" dirty="0" smtClean="0"/>
-              <a:t> </a:t>
-            </a:r>
-            <a:r>
-              <a:rPr lang="de-AT" baseline="0" dirty="0" err="1" smtClean="0"/>
-              <a:t>are</a:t>
-            </a:r>
-            <a:r>
-              <a:rPr lang="de-AT" baseline="0" dirty="0" smtClean="0"/>
-              <a:t> </a:t>
-            </a:r>
-            <a:r>
-              <a:rPr lang="de-AT" baseline="0" dirty="0" err="1" smtClean="0"/>
-              <a:t>using</a:t>
-            </a:r>
-            <a:r>
-              <a:rPr lang="de-AT" baseline="0" dirty="0" smtClean="0"/>
-              <a:t> </a:t>
-            </a:r>
-            <a:r>
-              <a:rPr lang="de-AT" baseline="0" dirty="0" err="1" smtClean="0"/>
-              <a:t>always</a:t>
-            </a:r>
-            <a:r>
-              <a:rPr lang="de-AT" baseline="0" dirty="0" smtClean="0"/>
-              <a:t> </a:t>
-            </a:r>
-            <a:r>
-              <a:rPr lang="de-AT" baseline="0" dirty="0" err="1" smtClean="0"/>
-              <a:t>the</a:t>
-            </a:r>
-            <a:r>
-              <a:rPr lang="de-AT" baseline="0" dirty="0" smtClean="0"/>
-              <a:t> same </a:t>
-            </a:r>
-            <a:r>
-              <a:rPr lang="de-AT" baseline="0" dirty="0" err="1" smtClean="0"/>
-              <a:t>controller</a:t>
-            </a:r>
-            <a:r>
-              <a:rPr lang="de-AT" baseline="0" dirty="0" smtClean="0"/>
-              <a:t> </a:t>
-            </a:r>
-            <a:r>
-              <a:rPr lang="de-AT" baseline="0" dirty="0" err="1" smtClean="0"/>
-              <a:t>from</a:t>
-            </a:r>
-            <a:r>
-              <a:rPr lang="de-AT" baseline="0" dirty="0" smtClean="0"/>
-              <a:t> outside</a:t>
-            </a:r>
-          </a:p>
-          <a:p>
-            <a:pPr marL="2000250" lvl="4" indent="-171450">
-              <a:buFontTx/>
-              <a:buChar char="-"/>
-            </a:pPr>
-            <a:r>
-              <a:rPr lang="de-AT" baseline="0" dirty="0" smtClean="0"/>
-              <a:t>Who </a:t>
-            </a:r>
-            <a:r>
-              <a:rPr lang="de-AT" baseline="0" dirty="0" err="1" smtClean="0"/>
-              <a:t>would</a:t>
-            </a:r>
-            <a:r>
-              <a:rPr lang="de-AT" baseline="0" dirty="0" smtClean="0"/>
-              <a:t> </a:t>
-            </a:r>
-            <a:r>
-              <a:rPr lang="de-AT" baseline="0" dirty="0" err="1" smtClean="0"/>
-              <a:t>change</a:t>
-            </a:r>
-            <a:r>
-              <a:rPr lang="de-AT" baseline="0" dirty="0" smtClean="0"/>
-              <a:t> </a:t>
-            </a:r>
-            <a:r>
-              <a:rPr lang="de-AT" baseline="0" dirty="0" err="1" smtClean="0"/>
-              <a:t>the</a:t>
-            </a:r>
-            <a:r>
-              <a:rPr lang="de-AT" baseline="0" dirty="0" smtClean="0"/>
-              <a:t> </a:t>
-            </a:r>
-            <a:r>
-              <a:rPr lang="de-AT" baseline="0" dirty="0" err="1" smtClean="0"/>
-              <a:t>controller</a:t>
-            </a:r>
-            <a:r>
-              <a:rPr lang="de-AT" baseline="0" dirty="0" smtClean="0"/>
-              <a:t> </a:t>
-            </a:r>
-            <a:r>
-              <a:rPr lang="de-AT" baseline="0" dirty="0" err="1" smtClean="0"/>
-              <a:t>state</a:t>
-            </a:r>
-            <a:r>
-              <a:rPr lang="de-AT" baseline="0" dirty="0" smtClean="0"/>
-              <a:t>? </a:t>
-            </a:r>
-            <a:r>
-              <a:rPr lang="de-AT" baseline="0" dirty="0" err="1" smtClean="0"/>
-              <a:t>One</a:t>
-            </a:r>
-            <a:r>
-              <a:rPr lang="de-AT" baseline="0" dirty="0" smtClean="0"/>
-              <a:t> </a:t>
-            </a:r>
-            <a:r>
-              <a:rPr lang="de-AT" baseline="0" dirty="0" err="1" smtClean="0"/>
-              <a:t>more</a:t>
-            </a:r>
-            <a:r>
-              <a:rPr lang="de-AT" baseline="0" dirty="0" smtClean="0"/>
-              <a:t> </a:t>
-            </a:r>
-            <a:r>
-              <a:rPr lang="de-AT" baseline="0" dirty="0" err="1" smtClean="0"/>
-              <a:t>controller</a:t>
-            </a:r>
-            <a:r>
-              <a:rPr lang="de-AT" baseline="0" dirty="0" smtClean="0"/>
-              <a:t>?</a:t>
-            </a:r>
-          </a:p>
-          <a:p>
-            <a:pPr marL="1543050" lvl="3" indent="-171450">
-              <a:buFontTx/>
-              <a:buChar char="-"/>
-            </a:pPr>
-            <a:r>
-              <a:rPr lang="de-AT" baseline="0" dirty="0" err="1" smtClean="0"/>
-              <a:t>Switching</a:t>
-            </a:r>
-            <a:r>
-              <a:rPr lang="de-AT" baseline="0" dirty="0" smtClean="0"/>
-              <a:t> </a:t>
-            </a:r>
-            <a:r>
-              <a:rPr lang="de-AT" baseline="0" dirty="0" err="1" smtClean="0"/>
-              <a:t>the</a:t>
-            </a:r>
-            <a:r>
-              <a:rPr lang="de-AT" baseline="0" dirty="0" smtClean="0"/>
-              <a:t> </a:t>
-            </a:r>
-            <a:r>
-              <a:rPr lang="de-AT" baseline="0" dirty="0" err="1" smtClean="0"/>
-              <a:t>class</a:t>
-            </a:r>
-            <a:r>
-              <a:rPr lang="de-AT" baseline="0" dirty="0" smtClean="0"/>
-              <a:t> </a:t>
-            </a:r>
-            <a:r>
-              <a:rPr lang="de-AT" baseline="0" dirty="0" err="1" smtClean="0"/>
-              <a:t>of</a:t>
-            </a:r>
-            <a:r>
-              <a:rPr lang="de-AT" baseline="0" dirty="0" smtClean="0"/>
-              <a:t> </a:t>
-            </a:r>
-            <a:r>
-              <a:rPr lang="de-AT" baseline="0" dirty="0" err="1" smtClean="0"/>
-              <a:t>the</a:t>
-            </a:r>
-            <a:r>
-              <a:rPr lang="de-AT" baseline="0" dirty="0" smtClean="0"/>
-              <a:t> </a:t>
-            </a:r>
-            <a:r>
-              <a:rPr lang="de-AT" baseline="0" dirty="0" err="1" smtClean="0"/>
-              <a:t>object</a:t>
-            </a:r>
-            <a:r>
-              <a:rPr lang="de-AT" baseline="0" dirty="0" smtClean="0"/>
-              <a:t> </a:t>
-            </a:r>
-            <a:r>
-              <a:rPr lang="de-AT" baseline="0" dirty="0" err="1" smtClean="0"/>
-              <a:t>during</a:t>
-            </a:r>
-            <a:r>
-              <a:rPr lang="de-AT" baseline="0" dirty="0" smtClean="0"/>
-              <a:t> </a:t>
-            </a:r>
-            <a:r>
-              <a:rPr lang="de-AT" baseline="0" dirty="0" err="1" smtClean="0"/>
-              <a:t>runtime</a:t>
-            </a:r>
-            <a:r>
-              <a:rPr lang="de-AT" baseline="0" dirty="0" smtClean="0"/>
-              <a:t> </a:t>
-            </a:r>
-            <a:r>
-              <a:rPr lang="de-AT" baseline="0" dirty="0" err="1" smtClean="0"/>
-              <a:t>is</a:t>
-            </a:r>
-            <a:r>
-              <a:rPr lang="de-AT" baseline="0" dirty="0" smtClean="0"/>
-              <a:t> not </a:t>
-            </a:r>
-            <a:r>
-              <a:rPr lang="de-AT" baseline="0" dirty="0" err="1" smtClean="0"/>
-              <a:t>possible</a:t>
-            </a:r>
-            <a:r>
-              <a:rPr lang="de-AT" baseline="0" dirty="0" smtClean="0"/>
-              <a:t> (in </a:t>
-            </a:r>
-            <a:r>
-              <a:rPr lang="de-AT" baseline="0" dirty="0" err="1" smtClean="0"/>
-              <a:t>common</a:t>
-            </a:r>
-            <a:r>
-              <a:rPr lang="de-AT" baseline="0" dirty="0" smtClean="0"/>
-              <a:t> </a:t>
-            </a:r>
-            <a:r>
-              <a:rPr lang="de-AT" baseline="0" dirty="0" err="1" smtClean="0"/>
-              <a:t>Object</a:t>
-            </a:r>
-            <a:r>
-              <a:rPr lang="de-AT" baseline="0" dirty="0" smtClean="0"/>
-              <a:t> </a:t>
-            </a:r>
-            <a:r>
-              <a:rPr lang="de-AT" baseline="0" dirty="0" err="1" smtClean="0"/>
-              <a:t>Oriented</a:t>
-            </a:r>
-            <a:r>
-              <a:rPr lang="de-AT" baseline="0" dirty="0" smtClean="0"/>
-              <a:t> </a:t>
-            </a:r>
-            <a:r>
-              <a:rPr lang="de-AT" baseline="0" dirty="0" err="1" smtClean="0"/>
-              <a:t>programming</a:t>
-            </a:r>
-            <a:r>
-              <a:rPr lang="de-AT" baseline="0" dirty="0" smtClean="0"/>
-              <a:t> </a:t>
-            </a:r>
-            <a:r>
-              <a:rPr lang="de-AT" baseline="0" dirty="0" err="1" smtClean="0"/>
-              <a:t>languages</a:t>
-            </a:r>
-            <a:r>
-              <a:rPr lang="de-AT" baseline="0" dirty="0" smtClean="0"/>
-              <a:t>)</a:t>
-            </a:r>
-          </a:p>
-          <a:p>
-            <a:pPr marL="2000250" lvl="4" indent="-171450">
-              <a:buFontTx/>
-              <a:buChar char="-"/>
-            </a:pPr>
-            <a:r>
-              <a:rPr lang="de-AT" baseline="0" dirty="0" err="1" smtClean="0"/>
-              <a:t>Exception</a:t>
-            </a:r>
-            <a:r>
-              <a:rPr lang="de-AT" baseline="0" dirty="0" smtClean="0"/>
-              <a:t>: </a:t>
-            </a:r>
-            <a:r>
-              <a:rPr lang="de-AT" baseline="0" dirty="0" err="1" smtClean="0"/>
-              <a:t>Self</a:t>
-            </a:r>
-            <a:r>
-              <a:rPr lang="de-AT" baseline="0" dirty="0" smtClean="0"/>
-              <a:t> (http://en.wikipedia.org/wiki/Self_(programming_language))</a:t>
-            </a:r>
-          </a:p>
-          <a:p>
-            <a:pPr marL="628650" lvl="1" indent="-171450">
-              <a:buFontTx/>
-              <a:buChar char="-"/>
-            </a:pPr>
-            <a:r>
-              <a:rPr lang="de-AT" baseline="0" dirty="0" smtClean="0"/>
-              <a:t>Solution: State Pattern</a:t>
-            </a:r>
             <a:endParaRPr lang="de-AT" dirty="0"/>
           </a:p>
         </p:txBody>
@@ -12542,1306 +12178,6 @@
           <a:bodyPr/>
           <a:lstStyle/>
           <a:p>
-            <a:r>
-              <a:rPr lang="de-AT" baseline="0" dirty="0" err="1" smtClean="0"/>
-              <a:t>Our</a:t>
-            </a:r>
-            <a:r>
-              <a:rPr lang="de-AT" baseline="0" dirty="0" smtClean="0"/>
-              <a:t> </a:t>
-            </a:r>
-            <a:r>
-              <a:rPr lang="de-AT" baseline="0" dirty="0" err="1" smtClean="0"/>
-              <a:t>team</a:t>
-            </a:r>
-            <a:r>
-              <a:rPr lang="de-AT" baseline="0" dirty="0" smtClean="0"/>
-              <a:t> </a:t>
-            </a:r>
-            <a:r>
-              <a:rPr lang="de-AT" baseline="0" dirty="0" err="1" smtClean="0"/>
-              <a:t>made</a:t>
-            </a:r>
-            <a:r>
-              <a:rPr lang="de-AT" baseline="0" dirty="0" smtClean="0"/>
-              <a:t> </a:t>
-            </a:r>
-            <a:r>
-              <a:rPr lang="de-AT" baseline="0" dirty="0" err="1" smtClean="0"/>
-              <a:t>the</a:t>
-            </a:r>
-            <a:r>
-              <a:rPr lang="de-AT" baseline="0" dirty="0" smtClean="0"/>
-              <a:t> </a:t>
-            </a:r>
-            <a:r>
-              <a:rPr lang="de-AT" baseline="0" dirty="0" err="1" smtClean="0"/>
-              <a:t>decission</a:t>
-            </a:r>
-            <a:r>
-              <a:rPr lang="de-AT" baseline="0" dirty="0" smtClean="0"/>
-              <a:t> </a:t>
-            </a:r>
-            <a:r>
-              <a:rPr lang="de-AT" baseline="0" dirty="0" err="1" smtClean="0"/>
-              <a:t>to</a:t>
-            </a:r>
-            <a:r>
-              <a:rPr lang="de-AT" baseline="0" dirty="0" smtClean="0"/>
-              <a:t> </a:t>
-            </a:r>
-            <a:r>
-              <a:rPr lang="de-AT" baseline="0" dirty="0" err="1" smtClean="0"/>
-              <a:t>use</a:t>
-            </a:r>
-            <a:r>
-              <a:rPr lang="de-AT" baseline="0" dirty="0" smtClean="0"/>
-              <a:t> </a:t>
-            </a:r>
-            <a:r>
-              <a:rPr lang="de-AT" baseline="0" dirty="0" err="1" smtClean="0"/>
-              <a:t>the</a:t>
-            </a:r>
-            <a:r>
-              <a:rPr lang="de-AT" baseline="0" dirty="0" smtClean="0"/>
-              <a:t> </a:t>
-            </a:r>
-            <a:r>
-              <a:rPr lang="de-AT" baseline="0" dirty="0" err="1" smtClean="0"/>
-              <a:t>state</a:t>
-            </a:r>
-            <a:r>
-              <a:rPr lang="de-AT" baseline="0" dirty="0" smtClean="0"/>
-              <a:t> </a:t>
-            </a:r>
-            <a:r>
-              <a:rPr lang="de-AT" baseline="0" dirty="0" err="1" smtClean="0"/>
-              <a:t>pattern</a:t>
-            </a:r>
-            <a:r>
-              <a:rPr lang="de-AT" baseline="0" dirty="0" smtClean="0"/>
-              <a:t> in </a:t>
-            </a:r>
-            <a:r>
-              <a:rPr lang="de-AT" baseline="0" dirty="0" err="1" smtClean="0"/>
-              <a:t>our</a:t>
-            </a:r>
-            <a:r>
-              <a:rPr lang="de-AT" baseline="0" dirty="0" smtClean="0"/>
-              <a:t> </a:t>
-            </a:r>
-            <a:r>
-              <a:rPr lang="de-AT" baseline="0" dirty="0" err="1" smtClean="0"/>
-              <a:t>use</a:t>
-            </a:r>
-            <a:r>
-              <a:rPr lang="de-AT" baseline="0" dirty="0" smtClean="0"/>
-              <a:t> </a:t>
-            </a:r>
-            <a:r>
-              <a:rPr lang="de-AT" baseline="0" dirty="0" err="1" smtClean="0"/>
-              <a:t>case</a:t>
-            </a:r>
-            <a:r>
-              <a:rPr lang="de-AT" baseline="0" dirty="0" smtClean="0"/>
-              <a:t> </a:t>
-            </a:r>
-            <a:r>
-              <a:rPr lang="de-AT" baseline="0" dirty="0" err="1" smtClean="0"/>
-              <a:t>controllers</a:t>
-            </a:r>
-            <a:r>
-              <a:rPr lang="de-AT" baseline="0" dirty="0" smtClean="0"/>
-              <a:t>.</a:t>
-            </a:r>
-          </a:p>
-          <a:p>
-            <a:r>
-              <a:rPr lang="de-AT" baseline="0" dirty="0" err="1" smtClean="0"/>
-              <a:t>Example</a:t>
-            </a:r>
-            <a:r>
-              <a:rPr lang="de-AT" baseline="0" dirty="0" smtClean="0"/>
-              <a:t> (Create </a:t>
-            </a:r>
-            <a:r>
-              <a:rPr lang="de-AT" baseline="0" dirty="0" err="1" smtClean="0"/>
-              <a:t>Invoice</a:t>
-            </a:r>
-            <a:r>
-              <a:rPr lang="de-AT" baseline="0" dirty="0" smtClean="0"/>
-              <a:t> Controller): </a:t>
-            </a:r>
-          </a:p>
-          <a:p>
-            <a:r>
-              <a:rPr lang="de-AT" baseline="0" dirty="0" smtClean="0"/>
-              <a:t>Model-</a:t>
-            </a:r>
-            <a:r>
-              <a:rPr lang="de-AT" baseline="0" dirty="0" err="1" smtClean="0"/>
-              <a:t>structure</a:t>
-            </a:r>
-            <a:r>
-              <a:rPr lang="de-AT" baseline="0" dirty="0" smtClean="0"/>
-              <a:t> </a:t>
-            </a:r>
-            <a:r>
-              <a:rPr lang="de-AT" baseline="0" dirty="0" err="1" smtClean="0"/>
-              <a:t>with</a:t>
-            </a:r>
-            <a:r>
-              <a:rPr lang="de-AT" baseline="0" dirty="0" smtClean="0"/>
-              <a:t> </a:t>
-            </a:r>
-            <a:r>
-              <a:rPr lang="de-AT" baseline="0" dirty="0" err="1" smtClean="0"/>
-              <a:t>roles</a:t>
-            </a:r>
-            <a:endParaRPr lang="de-AT" baseline="0" dirty="0" smtClean="0"/>
-          </a:p>
-          <a:p>
-            <a:pPr marL="171450" indent="-171450">
-              <a:buFontTx/>
-              <a:buChar char="-"/>
-            </a:pPr>
-            <a:r>
-              <a:rPr lang="de-AT" baseline="0" dirty="0" err="1" smtClean="0"/>
-              <a:t>Context</a:t>
-            </a:r>
-            <a:r>
-              <a:rPr lang="de-AT" baseline="0" dirty="0" smtClean="0"/>
-              <a:t>: Controller – </a:t>
-            </a:r>
-            <a:r>
-              <a:rPr lang="de-AT" baseline="0" dirty="0" err="1" smtClean="0"/>
-              <a:t>interface</a:t>
-            </a:r>
-            <a:r>
-              <a:rPr lang="de-AT" baseline="0" dirty="0" smtClean="0"/>
-              <a:t> </a:t>
-            </a:r>
-            <a:r>
-              <a:rPr lang="de-AT" baseline="0" dirty="0" err="1" smtClean="0"/>
-              <a:t>for</a:t>
-            </a:r>
-            <a:r>
-              <a:rPr lang="de-AT" baseline="0" dirty="0" smtClean="0"/>
-              <a:t> </a:t>
-            </a:r>
-            <a:r>
-              <a:rPr lang="de-AT" baseline="0" dirty="0" err="1" smtClean="0"/>
-              <a:t>gui</a:t>
-            </a:r>
-            <a:endParaRPr lang="de-AT" baseline="0" dirty="0" smtClean="0"/>
-          </a:p>
-          <a:p>
-            <a:pPr marL="171450" indent="-171450">
-              <a:buFontTx/>
-              <a:buChar char="-"/>
-            </a:pPr>
-            <a:r>
-              <a:rPr lang="de-AT" baseline="0" dirty="0" smtClean="0"/>
-              <a:t>Abstract </a:t>
-            </a:r>
-            <a:r>
-              <a:rPr lang="de-AT" baseline="0" dirty="0" err="1" smtClean="0"/>
-              <a:t>state</a:t>
-            </a:r>
-            <a:r>
-              <a:rPr lang="de-AT" baseline="0" dirty="0" smtClean="0"/>
-              <a:t>: </a:t>
-            </a:r>
-            <a:r>
-              <a:rPr lang="de-AT" baseline="0" dirty="0" err="1" smtClean="0"/>
-              <a:t>interface</a:t>
-            </a:r>
-            <a:r>
-              <a:rPr lang="de-AT" baseline="0" dirty="0" smtClean="0"/>
-              <a:t> </a:t>
-            </a:r>
-            <a:r>
-              <a:rPr lang="de-AT" baseline="0" dirty="0" err="1" smtClean="0"/>
-              <a:t>for</a:t>
-            </a:r>
-            <a:r>
-              <a:rPr lang="de-AT" baseline="0" dirty="0" smtClean="0"/>
-              <a:t> different </a:t>
-            </a:r>
-            <a:r>
-              <a:rPr lang="de-AT" baseline="0" dirty="0" err="1" smtClean="0"/>
-              <a:t>states</a:t>
-            </a:r>
-            <a:r>
-              <a:rPr lang="de-AT" baseline="0" dirty="0" smtClean="0"/>
-              <a:t> </a:t>
-            </a:r>
-            <a:r>
-              <a:rPr lang="de-AT" baseline="0" dirty="0" err="1" smtClean="0"/>
-              <a:t>to</a:t>
-            </a:r>
-            <a:r>
-              <a:rPr lang="de-AT" baseline="0" dirty="0" smtClean="0"/>
-              <a:t> </a:t>
-            </a:r>
-            <a:r>
-              <a:rPr lang="de-AT" baseline="0" dirty="0" err="1" smtClean="0"/>
-              <a:t>encapsulate</a:t>
-            </a:r>
-            <a:r>
-              <a:rPr lang="de-AT" baseline="0" dirty="0" smtClean="0"/>
-              <a:t> </a:t>
-            </a:r>
-            <a:r>
-              <a:rPr lang="de-AT" baseline="0" dirty="0" err="1" smtClean="0"/>
-              <a:t>them</a:t>
-            </a:r>
-            <a:endParaRPr lang="de-AT" baseline="0" dirty="0" smtClean="0"/>
-          </a:p>
-          <a:p>
-            <a:pPr marL="171450" indent="-171450">
-              <a:buFontTx/>
-              <a:buChar char="-"/>
-            </a:pPr>
-            <a:r>
-              <a:rPr lang="de-AT" baseline="0" dirty="0" err="1" smtClean="0"/>
-              <a:t>Concrete</a:t>
-            </a:r>
-            <a:r>
-              <a:rPr lang="de-AT" baseline="0" dirty="0" smtClean="0"/>
-              <a:t> </a:t>
-            </a:r>
-            <a:r>
-              <a:rPr lang="de-AT" baseline="0" dirty="0" err="1" smtClean="0"/>
-              <a:t>state</a:t>
-            </a:r>
-            <a:r>
-              <a:rPr lang="de-AT" baseline="0" dirty="0" smtClean="0"/>
-              <a:t>: </a:t>
-            </a:r>
-            <a:r>
-              <a:rPr lang="de-AT" baseline="0" dirty="0" err="1" smtClean="0"/>
-              <a:t>implements</a:t>
-            </a:r>
-            <a:r>
-              <a:rPr lang="de-AT" baseline="0" dirty="0" smtClean="0"/>
-              <a:t> </a:t>
-            </a:r>
-            <a:r>
-              <a:rPr lang="de-AT" baseline="0" dirty="0" err="1" smtClean="0"/>
-              <a:t>the</a:t>
-            </a:r>
-            <a:r>
-              <a:rPr lang="de-AT" baseline="0" dirty="0" smtClean="0"/>
-              <a:t> </a:t>
-            </a:r>
-            <a:r>
-              <a:rPr lang="de-AT" baseline="0" dirty="0" err="1" smtClean="0"/>
-              <a:t>behaivour</a:t>
-            </a:r>
-            <a:r>
-              <a:rPr lang="de-AT" baseline="0" dirty="0" smtClean="0"/>
-              <a:t>, </a:t>
-            </a:r>
-            <a:r>
-              <a:rPr lang="de-AT" baseline="0" dirty="0" err="1" smtClean="0"/>
-              <a:t>which</a:t>
-            </a:r>
-            <a:r>
-              <a:rPr lang="de-AT" baseline="0" dirty="0" smtClean="0"/>
-              <a:t> </a:t>
-            </a:r>
-            <a:r>
-              <a:rPr lang="de-AT" baseline="0" dirty="0" err="1" smtClean="0"/>
-              <a:t>is</a:t>
-            </a:r>
-            <a:r>
-              <a:rPr lang="de-AT" baseline="0" dirty="0" smtClean="0"/>
-              <a:t> </a:t>
-            </a:r>
-            <a:r>
-              <a:rPr lang="de-AT" baseline="0" dirty="0" err="1" smtClean="0"/>
-              <a:t>connected</a:t>
-            </a:r>
-            <a:r>
-              <a:rPr lang="de-AT" baseline="0" dirty="0" smtClean="0"/>
-              <a:t> </a:t>
-            </a:r>
-            <a:r>
-              <a:rPr lang="de-AT" baseline="0" dirty="0" err="1" smtClean="0"/>
-              <a:t>to</a:t>
-            </a:r>
-            <a:r>
-              <a:rPr lang="de-AT" baseline="0" dirty="0" smtClean="0"/>
-              <a:t> </a:t>
-            </a:r>
-            <a:r>
-              <a:rPr lang="de-AT" baseline="0" dirty="0" err="1" smtClean="0"/>
-              <a:t>state</a:t>
-            </a:r>
-            <a:r>
-              <a:rPr lang="de-AT" baseline="0" dirty="0" smtClean="0"/>
-              <a:t> </a:t>
-            </a:r>
-            <a:r>
-              <a:rPr lang="de-AT" baseline="0" dirty="0" err="1" smtClean="0"/>
-              <a:t>of</a:t>
-            </a:r>
-            <a:r>
-              <a:rPr lang="de-AT" baseline="0" dirty="0" smtClean="0"/>
-              <a:t> </a:t>
-            </a:r>
-            <a:r>
-              <a:rPr lang="de-AT" baseline="0" dirty="0" err="1" smtClean="0"/>
-              <a:t>the</a:t>
-            </a:r>
-            <a:r>
-              <a:rPr lang="de-AT" baseline="0" dirty="0" smtClean="0"/>
-              <a:t> </a:t>
-            </a:r>
-            <a:r>
-              <a:rPr lang="de-AT" baseline="0" dirty="0" err="1" smtClean="0"/>
-              <a:t>context</a:t>
-            </a:r>
-            <a:r>
-              <a:rPr lang="de-AT" baseline="0" dirty="0" smtClean="0"/>
-              <a:t> </a:t>
-            </a:r>
-            <a:r>
-              <a:rPr lang="de-AT" baseline="0" dirty="0" err="1" smtClean="0"/>
-              <a:t>object</a:t>
-            </a:r>
-            <a:endParaRPr lang="de-AT" baseline="0" dirty="0" smtClean="0"/>
-          </a:p>
-          <a:p>
-            <a:endParaRPr lang="de-AT" baseline="0" dirty="0" smtClean="0"/>
-          </a:p>
-          <a:p>
-            <a:r>
-              <a:rPr lang="de-AT" baseline="0" dirty="0" err="1" smtClean="0"/>
-              <a:t>Conroller</a:t>
-            </a:r>
-            <a:r>
-              <a:rPr lang="de-AT" baseline="0" dirty="0" smtClean="0"/>
-              <a:t> </a:t>
-            </a:r>
-            <a:r>
-              <a:rPr lang="de-AT" baseline="0" dirty="0" err="1" smtClean="0"/>
-              <a:t>looks</a:t>
-            </a:r>
-            <a:r>
-              <a:rPr lang="de-AT" baseline="0" dirty="0" smtClean="0"/>
-              <a:t> </a:t>
-            </a:r>
-            <a:r>
-              <a:rPr lang="de-AT" baseline="0" dirty="0" err="1" smtClean="0"/>
-              <a:t>now</a:t>
-            </a:r>
-            <a:r>
-              <a:rPr lang="de-AT" baseline="0" dirty="0" smtClean="0"/>
-              <a:t> </a:t>
-            </a:r>
-            <a:r>
-              <a:rPr lang="de-AT" baseline="0" dirty="0" err="1" smtClean="0"/>
-              <a:t>like</a:t>
-            </a:r>
-            <a:r>
-              <a:rPr lang="de-AT" baseline="0" dirty="0" smtClean="0"/>
-              <a:t> a </a:t>
-            </a:r>
-            <a:r>
-              <a:rPr lang="de-AT" baseline="0" dirty="0" err="1" smtClean="0"/>
-              <a:t>object</a:t>
-            </a:r>
-            <a:r>
-              <a:rPr lang="de-AT" baseline="0" dirty="0" smtClean="0"/>
-              <a:t> </a:t>
-            </a:r>
-            <a:r>
-              <a:rPr lang="de-AT" baseline="0" dirty="0" err="1" smtClean="0"/>
-              <a:t>which</a:t>
-            </a:r>
-            <a:r>
-              <a:rPr lang="de-AT" baseline="0" dirty="0" smtClean="0"/>
-              <a:t> </a:t>
-            </a:r>
-            <a:r>
-              <a:rPr lang="de-AT" baseline="0" dirty="0" err="1" smtClean="0"/>
-              <a:t>changed</a:t>
-            </a:r>
-            <a:r>
-              <a:rPr lang="de-AT" baseline="0" dirty="0" smtClean="0"/>
-              <a:t> </a:t>
-            </a:r>
-            <a:r>
-              <a:rPr lang="de-AT" baseline="0" dirty="0" err="1" smtClean="0"/>
-              <a:t>his</a:t>
-            </a:r>
-            <a:r>
-              <a:rPr lang="de-AT" baseline="0" dirty="0" smtClean="0"/>
-              <a:t> </a:t>
-            </a:r>
-            <a:r>
-              <a:rPr lang="de-AT" baseline="0" dirty="0" err="1" smtClean="0"/>
-              <a:t>class</a:t>
-            </a:r>
-            <a:r>
-              <a:rPr lang="de-AT" baseline="0" dirty="0" smtClean="0"/>
-              <a:t>!</a:t>
-            </a:r>
-          </a:p>
-          <a:p>
-            <a:endParaRPr lang="de-AT" baseline="0" dirty="0" smtClean="0"/>
-          </a:p>
-          <a:p>
-            <a:r>
-              <a:rPr lang="de-AT" baseline="0" dirty="0" err="1" smtClean="0"/>
-              <a:t>For</a:t>
-            </a:r>
-            <a:r>
-              <a:rPr lang="de-AT" baseline="0" dirty="0" smtClean="0"/>
-              <a:t> </a:t>
-            </a:r>
-            <a:r>
-              <a:rPr lang="de-AT" baseline="0" dirty="0" err="1" smtClean="0"/>
-              <a:t>each</a:t>
-            </a:r>
-            <a:r>
-              <a:rPr lang="de-AT" baseline="0" dirty="0" smtClean="0"/>
-              <a:t> </a:t>
-            </a:r>
-            <a:r>
-              <a:rPr lang="de-AT" baseline="0" dirty="0" err="1" smtClean="0"/>
-              <a:t>step</a:t>
-            </a:r>
-            <a:r>
-              <a:rPr lang="de-AT" baseline="0" dirty="0" smtClean="0"/>
-              <a:t> in </a:t>
-            </a:r>
-            <a:r>
-              <a:rPr lang="de-AT" baseline="0" dirty="0" err="1" smtClean="0"/>
-              <a:t>the</a:t>
-            </a:r>
-            <a:r>
-              <a:rPr lang="de-AT" baseline="0" dirty="0" smtClean="0"/>
-              <a:t> </a:t>
-            </a:r>
-            <a:r>
-              <a:rPr lang="de-AT" baseline="0" dirty="0" err="1" smtClean="0"/>
-              <a:t>process</a:t>
-            </a:r>
-            <a:r>
-              <a:rPr lang="de-AT" baseline="0" dirty="0" smtClean="0"/>
-              <a:t>, </a:t>
-            </a:r>
-            <a:r>
-              <a:rPr lang="de-AT" baseline="0" dirty="0" err="1" smtClean="0"/>
-              <a:t>displayed</a:t>
-            </a:r>
-            <a:r>
-              <a:rPr lang="de-AT" baseline="0" dirty="0" smtClean="0"/>
-              <a:t> </a:t>
-            </a:r>
-            <a:r>
-              <a:rPr lang="de-AT" baseline="0" dirty="0" err="1" smtClean="0"/>
-              <a:t>as</a:t>
-            </a:r>
-            <a:r>
-              <a:rPr lang="de-AT" baseline="0" dirty="0" smtClean="0"/>
-              <a:t> a </a:t>
-            </a:r>
-            <a:r>
-              <a:rPr lang="de-AT" baseline="0" dirty="0" err="1" smtClean="0"/>
-              <a:t>single</a:t>
-            </a:r>
-            <a:r>
-              <a:rPr lang="de-AT" baseline="0" dirty="0" smtClean="0"/>
-              <a:t> </a:t>
-            </a:r>
-            <a:r>
-              <a:rPr lang="de-AT" baseline="0" dirty="0" err="1" smtClean="0"/>
-              <a:t>view</a:t>
-            </a:r>
-            <a:r>
-              <a:rPr lang="de-AT" baseline="0" dirty="0" smtClean="0"/>
-              <a:t> in </a:t>
-            </a:r>
-            <a:r>
-              <a:rPr lang="de-AT" baseline="0" dirty="0" err="1" smtClean="0"/>
-              <a:t>the</a:t>
-            </a:r>
-            <a:r>
-              <a:rPr lang="de-AT" baseline="0" dirty="0" smtClean="0"/>
-              <a:t> </a:t>
-            </a:r>
-            <a:r>
-              <a:rPr lang="de-AT" baseline="0" dirty="0" err="1" smtClean="0"/>
-              <a:t>user</a:t>
-            </a:r>
-            <a:r>
-              <a:rPr lang="de-AT" baseline="0" dirty="0" smtClean="0"/>
-              <a:t> </a:t>
-            </a:r>
-            <a:r>
-              <a:rPr lang="de-AT" baseline="0" dirty="0" err="1" smtClean="0"/>
-              <a:t>interface</a:t>
-            </a:r>
-            <a:r>
-              <a:rPr lang="de-AT" baseline="0" dirty="0" smtClean="0"/>
-              <a:t> </a:t>
-            </a:r>
-            <a:r>
-              <a:rPr lang="de-AT" baseline="0" dirty="0" err="1" smtClean="0"/>
-              <a:t>we</a:t>
-            </a:r>
-            <a:r>
-              <a:rPr lang="de-AT" baseline="0" dirty="0" smtClean="0"/>
-              <a:t> </a:t>
-            </a:r>
-            <a:r>
-              <a:rPr lang="de-AT" baseline="0" dirty="0" err="1" smtClean="0"/>
-              <a:t>created</a:t>
-            </a:r>
-            <a:r>
-              <a:rPr lang="de-AT" baseline="0" dirty="0" smtClean="0"/>
-              <a:t> </a:t>
-            </a:r>
-            <a:r>
-              <a:rPr lang="de-AT" baseline="0" dirty="0" err="1" smtClean="0"/>
-              <a:t>one</a:t>
-            </a:r>
-            <a:r>
-              <a:rPr lang="de-AT" baseline="0" dirty="0" smtClean="0"/>
-              <a:t> </a:t>
-            </a:r>
-            <a:r>
-              <a:rPr lang="de-AT" baseline="0" dirty="0" err="1" smtClean="0"/>
-              <a:t>state</a:t>
-            </a:r>
-            <a:r>
-              <a:rPr lang="de-AT" baseline="0" dirty="0" smtClean="0"/>
-              <a:t>.</a:t>
-            </a:r>
-          </a:p>
-          <a:p>
-            <a:r>
-              <a:rPr lang="de-AT" baseline="0" dirty="0" err="1" smtClean="0"/>
-              <a:t>From</a:t>
-            </a:r>
-            <a:r>
-              <a:rPr lang="de-AT" baseline="0" dirty="0" smtClean="0"/>
-              <a:t> </a:t>
-            </a:r>
-            <a:r>
-              <a:rPr lang="de-AT" baseline="0" dirty="0" err="1" smtClean="0"/>
-              <a:t>the</a:t>
-            </a:r>
-            <a:r>
-              <a:rPr lang="de-AT" baseline="0" dirty="0" smtClean="0"/>
-              <a:t> outside, </a:t>
-            </a:r>
-            <a:r>
-              <a:rPr lang="de-AT" baseline="0" dirty="0" err="1" smtClean="0"/>
-              <a:t>we</a:t>
-            </a:r>
-            <a:r>
-              <a:rPr lang="de-AT" baseline="0" dirty="0" smtClean="0"/>
-              <a:t> </a:t>
-            </a:r>
-            <a:r>
-              <a:rPr lang="de-AT" baseline="0" dirty="0" err="1" smtClean="0"/>
-              <a:t>always</a:t>
-            </a:r>
-            <a:r>
-              <a:rPr lang="de-AT" baseline="0" dirty="0" smtClean="0"/>
-              <a:t> </a:t>
-            </a:r>
-            <a:r>
-              <a:rPr lang="de-AT" baseline="0" dirty="0" err="1" smtClean="0"/>
-              <a:t>use</a:t>
-            </a:r>
-            <a:r>
-              <a:rPr lang="de-AT" baseline="0" dirty="0" smtClean="0"/>
-              <a:t> </a:t>
-            </a:r>
-            <a:r>
-              <a:rPr lang="de-AT" baseline="0" dirty="0" err="1" smtClean="0"/>
-              <a:t>the</a:t>
-            </a:r>
-            <a:r>
-              <a:rPr lang="de-AT" baseline="0" dirty="0" smtClean="0"/>
-              <a:t> same </a:t>
-            </a:r>
-            <a:r>
-              <a:rPr lang="de-AT" baseline="0" dirty="0" err="1" smtClean="0"/>
-              <a:t>controller</a:t>
-            </a:r>
-            <a:r>
-              <a:rPr lang="de-AT" baseline="0" dirty="0" smtClean="0"/>
-              <a:t>, but </a:t>
-            </a:r>
-            <a:r>
-              <a:rPr lang="de-AT" baseline="0" dirty="0" err="1" smtClean="0"/>
-              <a:t>depending</a:t>
-            </a:r>
-            <a:r>
-              <a:rPr lang="de-AT" baseline="0" dirty="0" smtClean="0"/>
-              <a:t> on </a:t>
-            </a:r>
-            <a:r>
-              <a:rPr lang="de-AT" baseline="0" dirty="0" err="1" smtClean="0"/>
-              <a:t>the</a:t>
-            </a:r>
-            <a:r>
-              <a:rPr lang="de-AT" baseline="0" dirty="0" smtClean="0"/>
-              <a:t> </a:t>
-            </a:r>
-            <a:r>
-              <a:rPr lang="de-AT" baseline="0" dirty="0" err="1" smtClean="0"/>
-              <a:t>current</a:t>
-            </a:r>
-            <a:r>
-              <a:rPr lang="de-AT" baseline="0" dirty="0" smtClean="0"/>
-              <a:t> </a:t>
-            </a:r>
-            <a:r>
-              <a:rPr lang="de-AT" baseline="0" dirty="0" err="1" smtClean="0"/>
-              <a:t>state</a:t>
-            </a:r>
-            <a:r>
-              <a:rPr lang="de-AT" baseline="0" dirty="0" smtClean="0"/>
-              <a:t>, </a:t>
-            </a:r>
-            <a:r>
-              <a:rPr lang="de-AT" baseline="0" dirty="0" err="1" smtClean="0"/>
-              <a:t>differents</a:t>
-            </a:r>
-            <a:r>
-              <a:rPr lang="de-AT" baseline="0" dirty="0" smtClean="0"/>
-              <a:t> </a:t>
-            </a:r>
-            <a:r>
-              <a:rPr lang="de-AT" baseline="0" dirty="0" err="1" smtClean="0"/>
-              <a:t>actions</a:t>
-            </a:r>
-            <a:r>
-              <a:rPr lang="de-AT" baseline="0" dirty="0" smtClean="0"/>
-              <a:t> </a:t>
-            </a:r>
-            <a:r>
-              <a:rPr lang="de-AT" baseline="0" dirty="0" err="1" smtClean="0"/>
-              <a:t>are</a:t>
-            </a:r>
-            <a:r>
-              <a:rPr lang="de-AT" baseline="0" dirty="0" smtClean="0"/>
-              <a:t> </a:t>
-            </a:r>
-            <a:r>
-              <a:rPr lang="de-AT" baseline="0" dirty="0" err="1" smtClean="0"/>
-              <a:t>performed</a:t>
-            </a:r>
-            <a:r>
-              <a:rPr lang="de-AT" baseline="0" dirty="0" smtClean="0"/>
-              <a:t> </a:t>
-            </a:r>
-            <a:r>
-              <a:rPr lang="de-AT" baseline="0" dirty="0" err="1" smtClean="0"/>
-              <a:t>or</a:t>
-            </a:r>
-            <a:r>
-              <a:rPr lang="de-AT" baseline="0" dirty="0" smtClean="0"/>
-              <a:t> an </a:t>
-            </a:r>
-            <a:r>
-              <a:rPr lang="de-AT" baseline="0" dirty="0" err="1" smtClean="0"/>
-              <a:t>exception</a:t>
-            </a:r>
-            <a:r>
-              <a:rPr lang="de-AT" baseline="0" dirty="0" smtClean="0"/>
-              <a:t> </a:t>
-            </a:r>
-            <a:r>
-              <a:rPr lang="de-AT" baseline="0" dirty="0" err="1" smtClean="0"/>
-              <a:t>is</a:t>
-            </a:r>
-            <a:r>
-              <a:rPr lang="de-AT" baseline="0" dirty="0" smtClean="0"/>
-              <a:t> </a:t>
-            </a:r>
-            <a:r>
-              <a:rPr lang="de-AT" baseline="0" dirty="0" err="1" smtClean="0"/>
-              <a:t>thrown</a:t>
-            </a:r>
-            <a:r>
-              <a:rPr lang="de-AT" baseline="0" dirty="0" smtClean="0"/>
-              <a:t> in </a:t>
-            </a:r>
-            <a:r>
-              <a:rPr lang="de-AT" baseline="0" dirty="0" err="1" smtClean="0"/>
-              <a:t>the</a:t>
-            </a:r>
-            <a:r>
-              <a:rPr lang="de-AT" baseline="0" dirty="0" smtClean="0"/>
-              <a:t> </a:t>
-            </a:r>
-            <a:r>
-              <a:rPr lang="de-AT" baseline="0" dirty="0" err="1" smtClean="0"/>
-              <a:t>case</a:t>
-            </a:r>
-            <a:r>
-              <a:rPr lang="de-AT" baseline="0" dirty="0" smtClean="0"/>
-              <a:t>, </a:t>
-            </a:r>
-            <a:r>
-              <a:rPr lang="de-AT" baseline="0" dirty="0" err="1" smtClean="0"/>
-              <a:t>that</a:t>
-            </a:r>
-            <a:r>
-              <a:rPr lang="de-AT" baseline="0" dirty="0" smtClean="0"/>
-              <a:t> </a:t>
-            </a:r>
-            <a:r>
-              <a:rPr lang="de-AT" baseline="0" dirty="0" err="1" smtClean="0"/>
-              <a:t>this</a:t>
-            </a:r>
-            <a:r>
-              <a:rPr lang="de-AT" baseline="0" dirty="0" smtClean="0"/>
-              <a:t> </a:t>
-            </a:r>
-            <a:r>
-              <a:rPr lang="de-AT" baseline="0" dirty="0" err="1" smtClean="0"/>
-              <a:t>operation</a:t>
-            </a:r>
-            <a:r>
-              <a:rPr lang="de-AT" baseline="0" dirty="0" smtClean="0"/>
-              <a:t> </a:t>
-            </a:r>
-            <a:r>
-              <a:rPr lang="de-AT" baseline="0" dirty="0" err="1" smtClean="0"/>
-              <a:t>is</a:t>
-            </a:r>
-            <a:r>
-              <a:rPr lang="de-AT" baseline="0" dirty="0" smtClean="0"/>
-              <a:t> not </a:t>
-            </a:r>
-            <a:r>
-              <a:rPr lang="de-AT" baseline="0" dirty="0" err="1" smtClean="0"/>
-              <a:t>accessible</a:t>
-            </a:r>
-            <a:r>
-              <a:rPr lang="de-AT" baseline="0" dirty="0" smtClean="0"/>
-              <a:t> in </a:t>
-            </a:r>
-            <a:r>
-              <a:rPr lang="de-AT" baseline="0" dirty="0" err="1" smtClean="0"/>
-              <a:t>the</a:t>
-            </a:r>
-            <a:r>
-              <a:rPr lang="de-AT" baseline="0" dirty="0" smtClean="0"/>
-              <a:t> </a:t>
-            </a:r>
-            <a:r>
-              <a:rPr lang="de-AT" baseline="0" dirty="0" err="1" smtClean="0"/>
-              <a:t>current</a:t>
-            </a:r>
-            <a:r>
-              <a:rPr lang="de-AT" baseline="0" dirty="0" smtClean="0"/>
-              <a:t> </a:t>
-            </a:r>
-            <a:r>
-              <a:rPr lang="de-AT" baseline="0" dirty="0" err="1" smtClean="0"/>
-              <a:t>state</a:t>
-            </a:r>
-            <a:r>
-              <a:rPr lang="de-AT" baseline="0" dirty="0" smtClean="0"/>
-              <a:t>.</a:t>
-            </a:r>
-          </a:p>
-          <a:p>
-            <a:r>
-              <a:rPr lang="de-AT" baseline="0" dirty="0" smtClean="0"/>
-              <a:t>In </a:t>
-            </a:r>
-            <a:r>
-              <a:rPr lang="de-AT" baseline="0" dirty="0" err="1" smtClean="0"/>
-              <a:t>example</a:t>
-            </a:r>
-            <a:r>
-              <a:rPr lang="de-AT" baseline="0" dirty="0" smtClean="0"/>
-              <a:t>: </a:t>
-            </a:r>
-            <a:r>
-              <a:rPr lang="de-AT" baseline="0" dirty="0" err="1" smtClean="0"/>
-              <a:t>the</a:t>
-            </a:r>
-            <a:r>
-              <a:rPr lang="de-AT" baseline="0" dirty="0" smtClean="0"/>
-              <a:t> </a:t>
-            </a:r>
-            <a:r>
-              <a:rPr lang="de-AT" baseline="0" dirty="0" err="1" smtClean="0"/>
-              <a:t>next</a:t>
-            </a:r>
-            <a:r>
-              <a:rPr lang="de-AT" baseline="0" dirty="0" smtClean="0"/>
-              <a:t> </a:t>
-            </a:r>
-            <a:r>
-              <a:rPr lang="de-AT" baseline="0" dirty="0" err="1" smtClean="0"/>
-              <a:t>method</a:t>
-            </a:r>
-            <a:r>
-              <a:rPr lang="de-AT" baseline="0" dirty="0" smtClean="0"/>
-              <a:t> </a:t>
-            </a:r>
-            <a:r>
-              <a:rPr lang="de-AT" baseline="0" dirty="0" err="1" smtClean="0"/>
-              <a:t>is</a:t>
-            </a:r>
-            <a:r>
-              <a:rPr lang="de-AT" baseline="0" dirty="0" smtClean="0"/>
-              <a:t> </a:t>
-            </a:r>
-            <a:r>
-              <a:rPr lang="de-AT" baseline="0" dirty="0" err="1" smtClean="0"/>
-              <a:t>implemented</a:t>
-            </a:r>
-            <a:r>
-              <a:rPr lang="de-AT" baseline="0" dirty="0" smtClean="0"/>
-              <a:t> in </a:t>
-            </a:r>
-            <a:r>
-              <a:rPr lang="de-AT" baseline="0" dirty="0" err="1" smtClean="0"/>
-              <a:t>every</a:t>
-            </a:r>
-            <a:r>
-              <a:rPr lang="de-AT" baseline="0" dirty="0" smtClean="0"/>
-              <a:t> </a:t>
-            </a:r>
-            <a:r>
-              <a:rPr lang="de-AT" baseline="0" dirty="0" err="1" smtClean="0"/>
-              <a:t>state</a:t>
-            </a:r>
-            <a:r>
-              <a:rPr lang="de-AT" baseline="0" dirty="0" smtClean="0"/>
-              <a:t>, but </a:t>
-            </a:r>
-            <a:r>
-              <a:rPr lang="de-AT" baseline="0" dirty="0" err="1" smtClean="0"/>
-              <a:t>depending</a:t>
-            </a:r>
-            <a:r>
-              <a:rPr lang="de-AT" baseline="0" dirty="0" smtClean="0"/>
-              <a:t> on </a:t>
-            </a:r>
-            <a:r>
-              <a:rPr lang="de-AT" baseline="0" dirty="0" err="1" smtClean="0"/>
-              <a:t>the</a:t>
-            </a:r>
-            <a:r>
-              <a:rPr lang="de-AT" baseline="0" dirty="0" smtClean="0"/>
-              <a:t> </a:t>
-            </a:r>
-            <a:r>
-              <a:rPr lang="de-AT" baseline="0" dirty="0" err="1" smtClean="0"/>
-              <a:t>state</a:t>
-            </a:r>
-            <a:r>
-              <a:rPr lang="de-AT" baseline="0" dirty="0" smtClean="0"/>
-              <a:t>, </a:t>
-            </a:r>
-            <a:r>
-              <a:rPr lang="de-AT" baseline="0" dirty="0" err="1" smtClean="0"/>
-              <a:t>the</a:t>
-            </a:r>
-            <a:r>
-              <a:rPr lang="de-AT" baseline="0" dirty="0" smtClean="0"/>
-              <a:t> </a:t>
-            </a:r>
-            <a:r>
-              <a:rPr lang="de-AT" baseline="0" dirty="0" err="1" smtClean="0"/>
-              <a:t>next</a:t>
-            </a:r>
-            <a:r>
-              <a:rPr lang="de-AT" baseline="0" dirty="0" smtClean="0"/>
-              <a:t> </a:t>
-            </a:r>
-            <a:r>
-              <a:rPr lang="de-AT" baseline="0" dirty="0" err="1" smtClean="0"/>
-              <a:t>state</a:t>
-            </a:r>
-            <a:r>
-              <a:rPr lang="de-AT" baseline="0" dirty="0" smtClean="0"/>
-              <a:t> </a:t>
-            </a:r>
-            <a:r>
-              <a:rPr lang="de-AT" baseline="0" dirty="0" err="1" smtClean="0"/>
-              <a:t>is</a:t>
-            </a:r>
-            <a:r>
-              <a:rPr lang="de-AT" baseline="0" dirty="0" smtClean="0"/>
-              <a:t> </a:t>
-            </a:r>
-            <a:r>
-              <a:rPr lang="de-AT" baseline="0" dirty="0" err="1" smtClean="0"/>
-              <a:t>another</a:t>
-            </a:r>
-            <a:r>
-              <a:rPr lang="de-AT" baseline="0" dirty="0" smtClean="0"/>
-              <a:t> </a:t>
-            </a:r>
-            <a:r>
-              <a:rPr lang="de-AT" baseline="0" dirty="0" err="1" smtClean="0"/>
-              <a:t>one</a:t>
-            </a:r>
-            <a:r>
-              <a:rPr lang="de-AT" baseline="0" dirty="0" smtClean="0"/>
-              <a:t>.</a:t>
-            </a:r>
-          </a:p>
-          <a:p>
-            <a:r>
-              <a:rPr lang="de-AT" baseline="0" dirty="0" smtClean="0"/>
-              <a:t>Other </a:t>
-            </a:r>
-            <a:r>
-              <a:rPr lang="de-AT" baseline="0" dirty="0" err="1" smtClean="0"/>
-              <a:t>functions</a:t>
-            </a:r>
-            <a:r>
-              <a:rPr lang="de-AT" baseline="0" dirty="0" smtClean="0"/>
-              <a:t>, </a:t>
-            </a:r>
-            <a:r>
-              <a:rPr lang="de-AT" baseline="0" dirty="0" err="1" smtClean="0"/>
-              <a:t>like</a:t>
-            </a:r>
-            <a:r>
-              <a:rPr lang="de-AT" baseline="0" dirty="0" smtClean="0"/>
-              <a:t> </a:t>
-            </a:r>
-            <a:r>
-              <a:rPr lang="de-AT" baseline="0" dirty="0" err="1" smtClean="0"/>
-              <a:t>for</a:t>
-            </a:r>
-            <a:r>
-              <a:rPr lang="de-AT" baseline="0" dirty="0" smtClean="0"/>
-              <a:t> </a:t>
-            </a:r>
-            <a:r>
-              <a:rPr lang="de-AT" baseline="0" dirty="0" err="1" smtClean="0"/>
-              <a:t>instance</a:t>
-            </a:r>
-            <a:r>
-              <a:rPr lang="de-AT" baseline="0" dirty="0" smtClean="0"/>
-              <a:t> </a:t>
-            </a:r>
-            <a:r>
-              <a:rPr lang="de-AT" baseline="0" dirty="0" err="1" smtClean="0"/>
-              <a:t>the</a:t>
-            </a:r>
-            <a:r>
-              <a:rPr lang="de-AT" baseline="0" dirty="0" smtClean="0"/>
-              <a:t> </a:t>
-            </a:r>
-            <a:r>
-              <a:rPr lang="de-AT" baseline="0" dirty="0" err="1" smtClean="0"/>
-              <a:t>pay</a:t>
-            </a:r>
-            <a:r>
-              <a:rPr lang="de-AT" baseline="0" dirty="0" smtClean="0"/>
-              <a:t> </a:t>
-            </a:r>
-            <a:r>
-              <a:rPr lang="de-AT" baseline="0" dirty="0" err="1" smtClean="0"/>
-              <a:t>function</a:t>
-            </a:r>
-            <a:r>
-              <a:rPr lang="de-AT" baseline="0" dirty="0" smtClean="0"/>
-              <a:t>, </a:t>
-            </a:r>
-            <a:r>
-              <a:rPr lang="de-AT" baseline="0" dirty="0" err="1" smtClean="0"/>
-              <a:t>are</a:t>
-            </a:r>
-            <a:r>
-              <a:rPr lang="de-AT" baseline="0" dirty="0" smtClean="0"/>
-              <a:t> </a:t>
-            </a:r>
-            <a:r>
-              <a:rPr lang="de-AT" baseline="0" dirty="0" err="1" smtClean="0"/>
-              <a:t>only</a:t>
-            </a:r>
-            <a:r>
-              <a:rPr lang="de-AT" baseline="0" dirty="0" smtClean="0"/>
-              <a:t> </a:t>
-            </a:r>
-            <a:r>
-              <a:rPr lang="de-AT" baseline="0" dirty="0" err="1" smtClean="0"/>
-              <a:t>implemented</a:t>
-            </a:r>
-            <a:r>
-              <a:rPr lang="de-AT" baseline="0" dirty="0" smtClean="0"/>
-              <a:t> in </a:t>
-            </a:r>
-            <a:r>
-              <a:rPr lang="de-AT" baseline="0" dirty="0" err="1" smtClean="0"/>
-              <a:t>one</a:t>
-            </a:r>
-            <a:r>
-              <a:rPr lang="de-AT" baseline="0" dirty="0" smtClean="0"/>
-              <a:t> </a:t>
-            </a:r>
-            <a:r>
-              <a:rPr lang="de-AT" baseline="0" dirty="0" err="1" smtClean="0"/>
-              <a:t>state</a:t>
-            </a:r>
-            <a:r>
-              <a:rPr lang="de-AT" baseline="0" dirty="0" smtClean="0"/>
-              <a:t>.</a:t>
-            </a:r>
-          </a:p>
-          <a:p>
-            <a:r>
-              <a:rPr lang="de-AT" baseline="0" dirty="0" err="1" smtClean="0"/>
-              <a:t>Another</a:t>
-            </a:r>
-            <a:r>
-              <a:rPr lang="de-AT" baseline="0" dirty="0" smtClean="0"/>
-              <a:t> </a:t>
-            </a:r>
-            <a:r>
-              <a:rPr lang="de-AT" baseline="0" dirty="0" err="1" smtClean="0"/>
-              <a:t>advantage</a:t>
-            </a:r>
-            <a:r>
-              <a:rPr lang="de-AT" baseline="0" dirty="0" smtClean="0"/>
-              <a:t> </a:t>
-            </a:r>
-            <a:r>
-              <a:rPr lang="de-AT" baseline="0" dirty="0" err="1" smtClean="0"/>
-              <a:t>of</a:t>
-            </a:r>
-            <a:r>
-              <a:rPr lang="de-AT" baseline="0" dirty="0" smtClean="0"/>
-              <a:t> </a:t>
-            </a:r>
-            <a:r>
-              <a:rPr lang="de-AT" baseline="0" dirty="0" err="1" smtClean="0"/>
-              <a:t>of</a:t>
-            </a:r>
-            <a:r>
-              <a:rPr lang="de-AT" baseline="0" dirty="0" smtClean="0"/>
-              <a:t> </a:t>
-            </a:r>
-            <a:r>
-              <a:rPr lang="de-AT" baseline="0" dirty="0" err="1" smtClean="0"/>
-              <a:t>the</a:t>
-            </a:r>
-            <a:r>
-              <a:rPr lang="de-AT" baseline="0" dirty="0" smtClean="0"/>
-              <a:t> </a:t>
-            </a:r>
-            <a:r>
-              <a:rPr lang="de-AT" baseline="0" dirty="0" err="1" smtClean="0"/>
-              <a:t>state</a:t>
-            </a:r>
-            <a:r>
-              <a:rPr lang="de-AT" baseline="0" dirty="0" smtClean="0"/>
-              <a:t> </a:t>
-            </a:r>
-            <a:r>
-              <a:rPr lang="de-AT" baseline="0" dirty="0" err="1" smtClean="0"/>
-              <a:t>pattern</a:t>
-            </a:r>
-            <a:r>
-              <a:rPr lang="de-AT" baseline="0" dirty="0" smtClean="0"/>
-              <a:t> </a:t>
-            </a:r>
-            <a:r>
-              <a:rPr lang="de-AT" baseline="0" dirty="0" err="1" smtClean="0"/>
-              <a:t>is</a:t>
-            </a:r>
-            <a:r>
-              <a:rPr lang="de-AT" baseline="0" dirty="0" smtClean="0"/>
-              <a:t> </a:t>
-            </a:r>
-            <a:r>
-              <a:rPr lang="de-AT" baseline="0" dirty="0" err="1" smtClean="0"/>
-              <a:t>the</a:t>
-            </a:r>
-            <a:r>
-              <a:rPr lang="de-AT" baseline="0" dirty="0" smtClean="0"/>
-              <a:t> easy </a:t>
-            </a:r>
-            <a:r>
-              <a:rPr lang="de-AT" baseline="0" dirty="0" err="1" smtClean="0"/>
-              <a:t>way</a:t>
-            </a:r>
-            <a:r>
-              <a:rPr lang="de-AT" baseline="0" dirty="0" smtClean="0"/>
-              <a:t> </a:t>
-            </a:r>
-            <a:r>
-              <a:rPr lang="de-AT" baseline="0" dirty="0" err="1" smtClean="0"/>
-              <a:t>to</a:t>
-            </a:r>
-            <a:r>
-              <a:rPr lang="de-AT" baseline="0" dirty="0" smtClean="0"/>
-              <a:t> </a:t>
-            </a:r>
-            <a:r>
-              <a:rPr lang="de-AT" baseline="0" dirty="0" err="1" smtClean="0"/>
-              <a:t>create</a:t>
-            </a:r>
-            <a:r>
-              <a:rPr lang="de-AT" baseline="0" dirty="0" smtClean="0"/>
-              <a:t> </a:t>
-            </a:r>
-            <a:r>
-              <a:rPr lang="de-AT" baseline="0" dirty="0" err="1" smtClean="0"/>
-              <a:t>new</a:t>
-            </a:r>
-            <a:r>
-              <a:rPr lang="de-AT" baseline="0" dirty="0" smtClean="0"/>
-              <a:t> </a:t>
-            </a:r>
-            <a:r>
-              <a:rPr lang="de-AT" baseline="0" dirty="0" err="1" smtClean="0"/>
-              <a:t>states</a:t>
-            </a:r>
-            <a:r>
-              <a:rPr lang="de-AT" baseline="0" dirty="0" smtClean="0"/>
-              <a:t>. </a:t>
-            </a:r>
-            <a:r>
-              <a:rPr lang="de-AT" baseline="0" dirty="0" err="1" smtClean="0"/>
-              <a:t>You</a:t>
-            </a:r>
-            <a:r>
-              <a:rPr lang="de-AT" baseline="0" dirty="0" smtClean="0"/>
-              <a:t> </a:t>
-            </a:r>
-            <a:r>
-              <a:rPr lang="de-AT" baseline="0" dirty="0" err="1" smtClean="0"/>
-              <a:t>can</a:t>
-            </a:r>
-            <a:r>
-              <a:rPr lang="de-AT" baseline="0" dirty="0" smtClean="0"/>
-              <a:t> just </a:t>
-            </a:r>
-            <a:r>
-              <a:rPr lang="de-AT" baseline="0" dirty="0" err="1" smtClean="0"/>
-              <a:t>insert</a:t>
-            </a:r>
-            <a:r>
-              <a:rPr lang="de-AT" baseline="0" dirty="0" smtClean="0"/>
-              <a:t> a </a:t>
-            </a:r>
-            <a:r>
-              <a:rPr lang="de-AT" baseline="0" dirty="0" err="1" smtClean="0"/>
-              <a:t>new</a:t>
-            </a:r>
-            <a:r>
-              <a:rPr lang="de-AT" baseline="0" dirty="0" smtClean="0"/>
-              <a:t> </a:t>
-            </a:r>
-            <a:r>
-              <a:rPr lang="de-AT" baseline="0" dirty="0" err="1" smtClean="0"/>
-              <a:t>class</a:t>
-            </a:r>
-            <a:r>
-              <a:rPr lang="de-AT" baseline="0" dirty="0" smtClean="0"/>
-              <a:t> </a:t>
-            </a:r>
-            <a:r>
-              <a:rPr lang="de-AT" baseline="0" dirty="0" err="1" smtClean="0"/>
-              <a:t>and</a:t>
-            </a:r>
-            <a:r>
-              <a:rPr lang="de-AT" baseline="0" dirty="0" smtClean="0"/>
-              <a:t> link </a:t>
-            </a:r>
-            <a:r>
-              <a:rPr lang="de-AT" baseline="0" dirty="0" err="1" smtClean="0"/>
-              <a:t>it</a:t>
-            </a:r>
-            <a:r>
-              <a:rPr lang="de-AT" baseline="0" dirty="0" smtClean="0"/>
-              <a:t> </a:t>
-            </a:r>
-            <a:r>
-              <a:rPr lang="de-AT" baseline="0" dirty="0" err="1" smtClean="0"/>
-              <a:t>depending</a:t>
-            </a:r>
-            <a:r>
-              <a:rPr lang="de-AT" baseline="0" dirty="0" smtClean="0"/>
-              <a:t> on </a:t>
-            </a:r>
-            <a:r>
-              <a:rPr lang="de-AT" baseline="0" dirty="0" err="1" smtClean="0"/>
-              <a:t>the</a:t>
-            </a:r>
-            <a:r>
-              <a:rPr lang="de-AT" baseline="0" dirty="0" smtClean="0"/>
-              <a:t> </a:t>
-            </a:r>
-            <a:r>
-              <a:rPr lang="de-AT" baseline="0" dirty="0" err="1" smtClean="0"/>
-              <a:t>called</a:t>
-            </a:r>
-            <a:r>
-              <a:rPr lang="de-AT" baseline="0" dirty="0" smtClean="0"/>
-              <a:t> </a:t>
-            </a:r>
-            <a:r>
-              <a:rPr lang="de-AT" baseline="0" dirty="0" err="1" smtClean="0"/>
-              <a:t>functions</a:t>
-            </a:r>
-            <a:r>
-              <a:rPr lang="de-AT" baseline="0" dirty="0" smtClean="0"/>
-              <a:t> </a:t>
-            </a:r>
-            <a:r>
-              <a:rPr lang="de-AT" baseline="0" dirty="0" err="1" smtClean="0"/>
-              <a:t>together</a:t>
-            </a:r>
-            <a:r>
-              <a:rPr lang="de-AT" baseline="0" dirty="0" smtClean="0"/>
-              <a:t> </a:t>
-            </a:r>
-            <a:r>
-              <a:rPr lang="de-AT" baseline="0" dirty="0" err="1" smtClean="0"/>
-              <a:t>with</a:t>
-            </a:r>
-            <a:r>
-              <a:rPr lang="de-AT" baseline="0" dirty="0" smtClean="0"/>
-              <a:t> </a:t>
-            </a:r>
-            <a:r>
-              <a:rPr lang="de-AT" baseline="0" dirty="0" err="1" smtClean="0"/>
-              <a:t>the</a:t>
-            </a:r>
-            <a:r>
-              <a:rPr lang="de-AT" baseline="0" dirty="0" smtClean="0"/>
-              <a:t> </a:t>
-            </a:r>
-            <a:r>
-              <a:rPr lang="de-AT" baseline="0" dirty="0" err="1" smtClean="0"/>
-              <a:t>ither</a:t>
-            </a:r>
-            <a:r>
-              <a:rPr lang="de-AT" baseline="0" dirty="0" smtClean="0"/>
-              <a:t> </a:t>
-            </a:r>
-            <a:r>
-              <a:rPr lang="de-AT" baseline="0" dirty="0" err="1" smtClean="0"/>
-              <a:t>states</a:t>
-            </a:r>
-            <a:r>
-              <a:rPr lang="de-AT" baseline="0" dirty="0" smtClean="0"/>
-              <a:t>.</a:t>
-            </a:r>
             <a:endParaRPr lang="de-AT" dirty="0"/>
           </a:p>
         </p:txBody>
@@ -13926,333 +12262,6 @@
           <a:bodyPr/>
           <a:lstStyle/>
           <a:p>
-            <a:r>
-              <a:rPr lang="de-AT" dirty="0" err="1" smtClean="0"/>
-              <a:t>Structure</a:t>
-            </a:r>
-            <a:r>
-              <a:rPr lang="de-AT" dirty="0" smtClean="0"/>
-              <a:t>: </a:t>
-            </a:r>
-          </a:p>
-          <a:p>
-            <a:pPr marL="171450" indent="-171450">
-              <a:buFontTx/>
-              <a:buChar char="-"/>
-            </a:pPr>
-            <a:r>
-              <a:rPr lang="de-AT" dirty="0" err="1" smtClean="0"/>
-              <a:t>the</a:t>
-            </a:r>
-            <a:r>
-              <a:rPr lang="de-AT" dirty="0" smtClean="0"/>
-              <a:t> </a:t>
-            </a:r>
-            <a:r>
-              <a:rPr lang="de-AT" dirty="0" err="1" smtClean="0"/>
-              <a:t>strucutre</a:t>
-            </a:r>
-            <a:r>
-              <a:rPr lang="de-AT" baseline="0" dirty="0" smtClean="0"/>
-              <a:t> </a:t>
-            </a:r>
-            <a:r>
-              <a:rPr lang="de-AT" baseline="0" dirty="0" err="1" smtClean="0"/>
-              <a:t>by</a:t>
-            </a:r>
-            <a:r>
-              <a:rPr lang="de-AT" baseline="0" dirty="0" smtClean="0"/>
-              <a:t> </a:t>
-            </a:r>
-            <a:r>
-              <a:rPr lang="de-AT" baseline="0" dirty="0" err="1" smtClean="0"/>
-              <a:t>state</a:t>
-            </a:r>
-            <a:r>
-              <a:rPr lang="de-AT" baseline="0" dirty="0" smtClean="0"/>
-              <a:t> </a:t>
-            </a:r>
-            <a:r>
-              <a:rPr lang="de-AT" baseline="0" dirty="0" err="1" smtClean="0"/>
-              <a:t>prevents</a:t>
-            </a:r>
-            <a:r>
-              <a:rPr lang="de-AT" baseline="0" dirty="0" smtClean="0"/>
-              <a:t> </a:t>
-            </a:r>
-            <a:r>
-              <a:rPr lang="de-AT" baseline="0" dirty="0" err="1" smtClean="0"/>
-              <a:t>long</a:t>
-            </a:r>
-            <a:r>
-              <a:rPr lang="de-AT" baseline="0" dirty="0" smtClean="0"/>
-              <a:t> </a:t>
-            </a:r>
-            <a:r>
-              <a:rPr lang="de-AT" baseline="0" dirty="0" err="1" smtClean="0"/>
-              <a:t>switch-case</a:t>
-            </a:r>
-            <a:r>
-              <a:rPr lang="de-AT" baseline="0" dirty="0" smtClean="0"/>
-              <a:t> </a:t>
-            </a:r>
-            <a:r>
-              <a:rPr lang="de-AT" baseline="0" dirty="0" err="1" smtClean="0"/>
-              <a:t>statements</a:t>
-            </a:r>
-            <a:r>
-              <a:rPr lang="de-AT" baseline="0" dirty="0" smtClean="0"/>
-              <a:t> in </a:t>
-            </a:r>
-            <a:r>
-              <a:rPr lang="de-AT" baseline="0" dirty="0" err="1" smtClean="0"/>
-              <a:t>the</a:t>
-            </a:r>
-            <a:r>
-              <a:rPr lang="de-AT" baseline="0" dirty="0" smtClean="0"/>
-              <a:t> </a:t>
-            </a:r>
-            <a:r>
-              <a:rPr lang="de-AT" baseline="0" dirty="0" err="1" smtClean="0"/>
-              <a:t>operations</a:t>
-            </a:r>
-            <a:endParaRPr lang="de-AT" baseline="0" dirty="0" smtClean="0"/>
-          </a:p>
-          <a:p>
-            <a:pPr marL="171450" indent="-171450">
-              <a:buFontTx/>
-              <a:buChar char="-"/>
-            </a:pPr>
-            <a:r>
-              <a:rPr lang="de-AT" baseline="0" dirty="0" err="1" smtClean="0"/>
-              <a:t>Classification</a:t>
-            </a:r>
-            <a:r>
-              <a:rPr lang="de-AT" baseline="0" dirty="0" smtClean="0"/>
-              <a:t> </a:t>
-            </a:r>
-            <a:r>
-              <a:rPr lang="de-AT" baseline="0" dirty="0" err="1" smtClean="0"/>
-              <a:t>is</a:t>
-            </a:r>
-            <a:r>
-              <a:rPr lang="de-AT" baseline="0" dirty="0" smtClean="0"/>
-              <a:t> </a:t>
-            </a:r>
-            <a:r>
-              <a:rPr lang="de-AT" baseline="0" dirty="0" err="1" smtClean="0"/>
-              <a:t>possible</a:t>
-            </a:r>
-            <a:r>
-              <a:rPr lang="de-AT" baseline="0" dirty="0" smtClean="0"/>
-              <a:t>, </a:t>
-            </a:r>
-            <a:r>
-              <a:rPr lang="de-AT" baseline="0" dirty="0" err="1" smtClean="0"/>
-              <a:t>because</a:t>
-            </a:r>
-            <a:r>
-              <a:rPr lang="de-AT" baseline="0" dirty="0" smtClean="0"/>
-              <a:t> super </a:t>
-            </a:r>
-            <a:r>
-              <a:rPr lang="de-AT" baseline="0" dirty="0" err="1" smtClean="0"/>
-              <a:t>and</a:t>
-            </a:r>
-            <a:r>
-              <a:rPr lang="de-AT" baseline="0" dirty="0" smtClean="0"/>
-              <a:t> </a:t>
-            </a:r>
-            <a:r>
-              <a:rPr lang="de-AT" baseline="0" dirty="0" err="1" smtClean="0"/>
-              <a:t>sub</a:t>
-            </a:r>
-            <a:r>
-              <a:rPr lang="de-AT" baseline="0" dirty="0" smtClean="0"/>
-              <a:t> </a:t>
-            </a:r>
-            <a:r>
-              <a:rPr lang="de-AT" baseline="0" dirty="0" err="1" smtClean="0"/>
-              <a:t>classes</a:t>
-            </a:r>
-            <a:r>
-              <a:rPr lang="de-AT" baseline="0" dirty="0" smtClean="0"/>
-              <a:t> in </a:t>
-            </a:r>
-            <a:r>
-              <a:rPr lang="de-AT" baseline="0" dirty="0" err="1" smtClean="0"/>
-              <a:t>the</a:t>
-            </a:r>
-            <a:r>
-              <a:rPr lang="de-AT" baseline="0" dirty="0" smtClean="0"/>
-              <a:t> </a:t>
-            </a:r>
-            <a:r>
-              <a:rPr lang="de-AT" baseline="0" dirty="0" err="1" smtClean="0"/>
-              <a:t>states</a:t>
-            </a:r>
-            <a:r>
-              <a:rPr lang="de-AT" baseline="0" dirty="0" smtClean="0"/>
-              <a:t> </a:t>
-            </a:r>
-            <a:r>
-              <a:rPr lang="de-AT" baseline="0" dirty="0" err="1" smtClean="0"/>
-              <a:t>are</a:t>
-            </a:r>
-            <a:r>
-              <a:rPr lang="de-AT" baseline="0" dirty="0" smtClean="0"/>
-              <a:t> </a:t>
-            </a:r>
-            <a:r>
-              <a:rPr lang="de-AT" baseline="0" dirty="0" err="1" smtClean="0"/>
-              <a:t>supported</a:t>
-            </a:r>
-            <a:endParaRPr lang="de-AT" baseline="0" dirty="0" smtClean="0"/>
-          </a:p>
-          <a:p>
-            <a:pPr marL="171450" indent="-171450">
-              <a:buFontTx/>
-              <a:buChar char="-"/>
-            </a:pPr>
-            <a:endParaRPr lang="de-AT" dirty="0" smtClean="0"/>
-          </a:p>
-          <a:p>
-            <a:r>
-              <a:rPr lang="de-AT" dirty="0" err="1" smtClean="0"/>
-              <a:t>Transitions</a:t>
-            </a:r>
-            <a:r>
-              <a:rPr lang="de-AT" dirty="0" smtClean="0"/>
-              <a:t> </a:t>
-            </a:r>
-            <a:r>
-              <a:rPr lang="de-AT" dirty="0" err="1" smtClean="0"/>
-              <a:t>explicity</a:t>
-            </a:r>
-            <a:r>
-              <a:rPr lang="de-AT" dirty="0" smtClean="0"/>
-              <a:t>: </a:t>
-            </a:r>
-            <a:r>
-              <a:rPr lang="de-AT" dirty="0" err="1" smtClean="0"/>
-              <a:t>the</a:t>
-            </a:r>
-            <a:r>
-              <a:rPr lang="de-AT" dirty="0" smtClean="0"/>
-              <a:t> </a:t>
-            </a:r>
-            <a:r>
-              <a:rPr lang="de-AT" dirty="0" err="1" smtClean="0"/>
-              <a:t>state</a:t>
-            </a:r>
-            <a:r>
-              <a:rPr lang="de-AT" dirty="0" smtClean="0"/>
-              <a:t> </a:t>
-            </a:r>
-            <a:r>
-              <a:rPr lang="de-AT" dirty="0" err="1" smtClean="0"/>
-              <a:t>is</a:t>
-            </a:r>
-            <a:r>
-              <a:rPr lang="de-AT" dirty="0" smtClean="0"/>
-              <a:t> an </a:t>
-            </a:r>
-            <a:r>
-              <a:rPr lang="de-AT" dirty="0" err="1" smtClean="0"/>
-              <a:t>external</a:t>
-            </a:r>
-            <a:r>
-              <a:rPr lang="de-AT" dirty="0" smtClean="0"/>
-              <a:t> </a:t>
-            </a:r>
-            <a:r>
-              <a:rPr lang="de-AT" dirty="0" err="1" smtClean="0"/>
-              <a:t>class</a:t>
-            </a:r>
-            <a:r>
-              <a:rPr lang="de-AT" dirty="0" smtClean="0"/>
-              <a:t>;</a:t>
-            </a:r>
-            <a:r>
-              <a:rPr lang="de-AT" baseline="0" dirty="0" smtClean="0"/>
-              <a:t> so – </a:t>
-            </a:r>
-            <a:r>
-              <a:rPr lang="de-AT" baseline="0" dirty="0" err="1" smtClean="0"/>
-              <a:t>from</a:t>
-            </a:r>
-            <a:r>
-              <a:rPr lang="de-AT" baseline="0" dirty="0" smtClean="0"/>
-              <a:t> </a:t>
-            </a:r>
-            <a:r>
-              <a:rPr lang="de-AT" baseline="0" dirty="0" err="1" smtClean="0"/>
-              <a:t>the</a:t>
-            </a:r>
-            <a:r>
-              <a:rPr lang="de-AT" baseline="0" dirty="0" smtClean="0"/>
-              <a:t> </a:t>
-            </a:r>
-            <a:r>
-              <a:rPr lang="de-AT" baseline="0" dirty="0" err="1" smtClean="0"/>
-              <a:t>perspective</a:t>
-            </a:r>
-            <a:r>
-              <a:rPr lang="de-AT" baseline="0" dirty="0" smtClean="0"/>
-              <a:t> </a:t>
-            </a:r>
-            <a:r>
-              <a:rPr lang="de-AT" baseline="0" dirty="0" err="1" smtClean="0"/>
-              <a:t>of</a:t>
-            </a:r>
-            <a:r>
-              <a:rPr lang="de-AT" baseline="0" dirty="0" smtClean="0"/>
-              <a:t> </a:t>
-            </a:r>
-            <a:r>
-              <a:rPr lang="de-AT" baseline="0" dirty="0" err="1" smtClean="0"/>
-              <a:t>the</a:t>
-            </a:r>
-            <a:r>
-              <a:rPr lang="de-AT" baseline="0" dirty="0" smtClean="0"/>
-              <a:t> </a:t>
-            </a:r>
-            <a:r>
-              <a:rPr lang="de-AT" baseline="0" dirty="0" err="1" smtClean="0"/>
-              <a:t>context</a:t>
-            </a:r>
-            <a:r>
-              <a:rPr lang="de-AT" baseline="0" dirty="0" smtClean="0"/>
-              <a:t> – </a:t>
-            </a:r>
-            <a:r>
-              <a:rPr lang="de-AT" baseline="0" dirty="0" err="1" smtClean="0"/>
-              <a:t>the</a:t>
-            </a:r>
-            <a:r>
-              <a:rPr lang="de-AT" baseline="0" dirty="0" smtClean="0"/>
-              <a:t> </a:t>
-            </a:r>
-            <a:r>
-              <a:rPr lang="de-AT" baseline="0" dirty="0" err="1" smtClean="0"/>
-              <a:t>state</a:t>
-            </a:r>
-            <a:r>
-              <a:rPr lang="de-AT" baseline="0" dirty="0" smtClean="0"/>
-              <a:t>-transition </a:t>
-            </a:r>
-            <a:r>
-              <a:rPr lang="de-AT" baseline="0" dirty="0" err="1" smtClean="0"/>
-              <a:t>is</a:t>
-            </a:r>
-            <a:r>
-              <a:rPr lang="de-AT" baseline="0" dirty="0" smtClean="0"/>
-              <a:t> </a:t>
-            </a:r>
-            <a:r>
-              <a:rPr lang="de-AT" baseline="0" dirty="0" err="1" smtClean="0"/>
-              <a:t>atomic</a:t>
-            </a:r>
             <a:endParaRPr lang="en-GB" dirty="0"/>
           </a:p>
         </p:txBody>
@@ -14337,234 +12346,9 @@
           <a:bodyPr/>
           <a:lstStyle/>
           <a:p>
-            <a:r>
-              <a:rPr lang="en-US" noProof="0" dirty="0" smtClean="0"/>
-              <a:t>Introduction: </a:t>
-            </a:r>
-            <a:r>
-              <a:rPr lang="en-US" baseline="0" noProof="0" dirty="0" smtClean="0">
-                <a:sym typeface="Wingdings" pitchFamily="2" charset="2"/>
-              </a:rPr>
-              <a:t>THE Java GUI Framework </a:t>
-            </a:r>
-          </a:p>
-          <a:p>
-            <a:pPr marL="0" marR="0" indent="0" algn="l" defTabSz="914400" rtl="0" eaLnBrk="1" fontAlgn="auto" latinLnBrk="0" hangingPunct="1">
-              <a:lnSpc>
-                <a:spcPct val="100000"/>
-              </a:lnSpc>
-              <a:spcBef>
-                <a:spcPts val="0"/>
-              </a:spcBef>
-              <a:spcAft>
-                <a:spcPts val="0"/>
-              </a:spcAft>
-              <a:buClrTx/>
-              <a:buSzTx/>
-              <a:buFontTx/>
-              <a:buNone/>
-              <a:tabLst/>
-              <a:defRPr/>
-            </a:pPr>
             <a:endParaRPr lang="en-US" baseline="0" noProof="0" dirty="0" smtClean="0">
               <a:sym typeface="Wingdings" pitchFamily="2" charset="2"/>
             </a:endParaRPr>
-          </a:p>
-          <a:p>
-            <a:pPr marL="0" marR="0" indent="0" algn="l" defTabSz="914400" rtl="0" eaLnBrk="1" fontAlgn="auto" latinLnBrk="0" hangingPunct="1">
-              <a:lnSpc>
-                <a:spcPct val="100000"/>
-              </a:lnSpc>
-              <a:spcBef>
-                <a:spcPts val="0"/>
-              </a:spcBef>
-              <a:spcAft>
-                <a:spcPts val="0"/>
-              </a:spcAft>
-              <a:buClrTx/>
-              <a:buSzTx/>
-              <a:buFontTx/>
-              <a:buNone/>
-              <a:tabLst/>
-              <a:defRPr/>
-            </a:pPr>
-            <a:r>
-              <a:rPr lang="en-US" baseline="0" noProof="0" dirty="0" smtClean="0">
-                <a:sym typeface="Wingdings" pitchFamily="2" charset="2"/>
-              </a:rPr>
-              <a:t>Platform independent (</a:t>
-            </a:r>
-            <a:r>
-              <a:rPr lang="en-US" baseline="0" noProof="0" dirty="0" err="1" smtClean="0">
-                <a:sym typeface="Wingdings" pitchFamily="2" charset="2"/>
-              </a:rPr>
-              <a:t>comparisson</a:t>
-            </a:r>
-            <a:r>
-              <a:rPr lang="en-US" baseline="0" noProof="0" dirty="0" smtClean="0">
-                <a:sym typeface="Wingdings" pitchFamily="2" charset="2"/>
-              </a:rPr>
-              <a:t> AWT)</a:t>
-            </a:r>
-          </a:p>
-          <a:p>
-            <a:pPr marL="171450" indent="-171450">
-              <a:buFontTx/>
-              <a:buChar char="-"/>
-            </a:pPr>
-            <a:r>
-              <a:rPr lang="en-US" noProof="0" dirty="0" err="1" smtClean="0"/>
-              <a:t>Os</a:t>
-            </a:r>
-            <a:r>
-              <a:rPr lang="en-US" noProof="0" dirty="0" smtClean="0"/>
-              <a:t> native implementation with</a:t>
-            </a:r>
-            <a:r>
-              <a:rPr lang="en-US" baseline="0" noProof="0" dirty="0" smtClean="0"/>
-              <a:t> </a:t>
-            </a:r>
-            <a:r>
-              <a:rPr lang="en-US" baseline="0" noProof="0" dirty="0" err="1" smtClean="0"/>
-              <a:t>awt</a:t>
-            </a:r>
-            <a:r>
-              <a:rPr lang="en-US" baseline="0" noProof="0" dirty="0" smtClean="0"/>
-              <a:t> </a:t>
-            </a:r>
-            <a:r>
-              <a:rPr lang="en-US" baseline="0" noProof="0" dirty="0" smtClean="0">
-                <a:sym typeface="Wingdings" pitchFamily="2" charset="2"/>
-              </a:rPr>
-              <a:t> in swing own rendering</a:t>
-            </a:r>
-          </a:p>
-          <a:p>
-            <a:pPr marL="171450" indent="-171450">
-              <a:buFontTx/>
-              <a:buChar char="-"/>
-            </a:pPr>
-            <a:endParaRPr lang="en-US" baseline="0" noProof="0" dirty="0" smtClean="0">
-              <a:sym typeface="Wingdings" pitchFamily="2" charset="2"/>
-            </a:endParaRPr>
-          </a:p>
-          <a:p>
-            <a:r>
-              <a:rPr lang="en-US" baseline="0" noProof="0" dirty="0" smtClean="0">
-                <a:sym typeface="Wingdings" pitchFamily="2" charset="2"/>
-              </a:rPr>
-              <a:t>Extensible: creating own components (for example the split and </a:t>
-            </a:r>
-            <a:r>
-              <a:rPr lang="en-US" baseline="0" noProof="0" dirty="0" err="1" smtClean="0">
-                <a:sym typeface="Wingdings" pitchFamily="2" charset="2"/>
-              </a:rPr>
-              <a:t>storno</a:t>
-            </a:r>
-            <a:r>
-              <a:rPr lang="en-US" baseline="0" noProof="0" dirty="0" smtClean="0">
-                <a:sym typeface="Wingdings" pitchFamily="2" charset="2"/>
-              </a:rPr>
-              <a:t> screen, if we use it on other </a:t>
-            </a:r>
-            <a:r>
-              <a:rPr lang="en-US" baseline="0" noProof="0" dirty="0" err="1" smtClean="0">
-                <a:sym typeface="Wingdings" pitchFamily="2" charset="2"/>
-              </a:rPr>
-              <a:t>posisitions</a:t>
-            </a:r>
-            <a:r>
-              <a:rPr lang="en-US" baseline="0" noProof="0" dirty="0" smtClean="0">
-                <a:sym typeface="Wingdings" pitchFamily="2" charset="2"/>
-              </a:rPr>
-              <a:t>  reusability)</a:t>
-            </a:r>
-          </a:p>
-          <a:p>
-            <a:r>
-              <a:rPr lang="en-US" baseline="0" noProof="0" dirty="0" smtClean="0">
-                <a:sym typeface="Wingdings" pitchFamily="2" charset="2"/>
-              </a:rPr>
-              <a:t>	- able to use the whole power of </a:t>
-            </a:r>
-            <a:r>
-              <a:rPr lang="en-US" baseline="0" noProof="0" dirty="0" err="1" smtClean="0">
-                <a:sym typeface="Wingdings" pitchFamily="2" charset="2"/>
-              </a:rPr>
-              <a:t>Jcomponents</a:t>
-            </a:r>
-            <a:r>
-              <a:rPr lang="en-US" baseline="0" noProof="0" dirty="0" smtClean="0">
-                <a:sym typeface="Wingdings" pitchFamily="2" charset="2"/>
-              </a:rPr>
-              <a:t> (Swing) like fire events, bound properties, java beans, many methods (which can be overwritten)</a:t>
-            </a:r>
-          </a:p>
-          <a:p>
-            <a:endParaRPr lang="en-US" baseline="0" noProof="0" dirty="0" smtClean="0">
-              <a:sym typeface="Wingdings" pitchFamily="2" charset="2"/>
-            </a:endParaRPr>
-          </a:p>
-          <a:p>
-            <a:r>
-              <a:rPr lang="en-US" baseline="0" noProof="0" dirty="0" smtClean="0">
-                <a:sym typeface="Wingdings" pitchFamily="2" charset="2"/>
-              </a:rPr>
-              <a:t>Customizable: </a:t>
-            </a:r>
-            <a:r>
-              <a:rPr lang="en-GB" dirty="0" smtClean="0"/>
-              <a:t>standard set of elements, such as a border, inset, decorations, and other properties are available</a:t>
-            </a:r>
-            <a:r>
-              <a:rPr lang="en-GB" baseline="0" dirty="0" smtClean="0"/>
-              <a:t> to customize tables, panels or buttons</a:t>
-            </a:r>
-            <a:endParaRPr lang="en-US" noProof="0" dirty="0" smtClean="0"/>
-          </a:p>
-          <a:p>
-            <a:pPr marL="171450" indent="-171450">
-              <a:buFontTx/>
-              <a:buChar char="-"/>
-            </a:pPr>
-            <a:endParaRPr lang="en-US" noProof="0" dirty="0" smtClean="0"/>
-          </a:p>
-          <a:p>
-            <a:r>
-              <a:rPr lang="en-US" noProof="0" dirty="0" smtClean="0"/>
-              <a:t>Project: </a:t>
-            </a:r>
-          </a:p>
-          <a:p>
-            <a:r>
-              <a:rPr lang="en-US" noProof="0" dirty="0" smtClean="0"/>
-              <a:t>Requirement</a:t>
-            </a:r>
-            <a:r>
-              <a:rPr lang="en-US" baseline="0" noProof="0" dirty="0" smtClean="0"/>
-              <a:t> </a:t>
-            </a:r>
-            <a:r>
-              <a:rPr lang="en-US" baseline="0" noProof="0" dirty="0" smtClean="0">
-                <a:sym typeface="Wingdings" pitchFamily="2" charset="2"/>
-              </a:rPr>
-              <a:t> easy to integrate other </a:t>
-            </a:r>
-            <a:r>
-              <a:rPr lang="en-US" baseline="0" noProof="0" dirty="0" err="1" smtClean="0">
-                <a:sym typeface="Wingdings" pitchFamily="2" charset="2"/>
-              </a:rPr>
-              <a:t>guis</a:t>
-            </a:r>
-            <a:r>
-              <a:rPr lang="en-US" baseline="0" noProof="0" dirty="0" smtClean="0">
-                <a:sym typeface="Wingdings" pitchFamily="2" charset="2"/>
-              </a:rPr>
-              <a:t>, IF THEY USE THE SAME!</a:t>
-            </a:r>
-          </a:p>
-          <a:p>
-            <a:endParaRPr lang="en-US" noProof="0" dirty="0" smtClean="0"/>
           </a:p>
         </p:txBody>
       </p:sp>
@@ -15170,68 +12954,6 @@
             <a:pPr marL="0" indent="0">
               <a:buNone/>
             </a:pPr>
-            <a:r>
-              <a:rPr lang="en-US" dirty="0" smtClean="0"/>
-              <a:t>JSF makes it easy to designate Java code that is invoked when forms are submitted. The code can respond to particular buttons, changes in particular values, certain user selections, and so on.</a:t>
-            </a:r>
-          </a:p>
-          <a:p>
-            <a:pPr marL="0" indent="0">
-              <a:buNone/>
-            </a:pPr>
-            <a:endParaRPr lang="en-US" dirty="0" smtClean="0"/>
-          </a:p>
-          <a:p>
-            <a:pPr marL="0" marR="0" indent="0" algn="l" defTabSz="914400" rtl="0" eaLnBrk="1" fontAlgn="auto" latinLnBrk="0" hangingPunct="1">
-              <a:lnSpc>
-                <a:spcPct val="100000"/>
-              </a:lnSpc>
-              <a:spcBef>
-                <a:spcPts val="0"/>
-              </a:spcBef>
-              <a:spcAft>
-                <a:spcPts val="0"/>
-              </a:spcAft>
-              <a:buClrTx/>
-              <a:buSzTx/>
-              <a:buFontTx/>
-              <a:buNone/>
-              <a:tabLst/>
-              <a:defRPr/>
-            </a:pPr>
-            <a:r>
-              <a:rPr lang="en-US" dirty="0" smtClean="0"/>
-              <a:t>In JSP, you can use property="*" with </a:t>
-            </a:r>
-            <a:r>
-              <a:rPr lang="en-US" dirty="0" err="1" smtClean="0"/>
-              <a:t>jsp:setProperty</a:t>
-            </a:r>
-            <a:r>
-              <a:rPr lang="en-US" dirty="0" smtClean="0"/>
-              <a:t> to automatically populate a bean based on request parameters. JSF extends this capability and adds in several utilities, all of which serve to greatly simplify request </a:t>
-            </a:r>
-            <a:r>
-              <a:rPr lang="de-AT" dirty="0" err="1" smtClean="0"/>
-              <a:t>param</a:t>
-            </a:r>
-            <a:r>
-              <a:rPr lang="de-AT" dirty="0" smtClean="0"/>
-              <a:t> </a:t>
-            </a:r>
-            <a:r>
-              <a:rPr lang="de-AT" dirty="0" err="1" smtClean="0"/>
-              <a:t>processing</a:t>
-            </a:r>
-            <a:r>
-              <a:rPr lang="de-AT" dirty="0" smtClean="0"/>
-              <a:t>.</a:t>
-            </a:r>
-          </a:p>
-          <a:p>
-            <a:pPr marL="0" indent="0">
-              <a:buNone/>
-            </a:pPr>
             <a:endParaRPr lang="en-US" dirty="0" smtClean="0"/>
           </a:p>
         </p:txBody>
@@ -15316,6 +13038,12 @@
           <a:bodyPr/>
           <a:lstStyle/>
           <a:p>
+            <a:r>
+              <a:rPr lang="de-AT" dirty="0" smtClean="0"/>
+              <a:t>	</a:t>
+            </a:r>
+          </a:p>
+          <a:p>
             <a:pPr marL="0" marR="0" indent="0" algn="l" defTabSz="914400" rtl="0" eaLnBrk="1" fontAlgn="auto" latinLnBrk="0" hangingPunct="1">
               <a:lnSpc>
                 <a:spcPct val="100000"/>
@@ -15335,40 +13063,6 @@
             </a:pPr>
             <a:r>
               <a:rPr lang="en-US" dirty="0" smtClean="0"/>
-              <a:t>You can use </a:t>
-            </a:r>
-            <a:r>
-              <a:rPr lang="en-US" dirty="0" err="1" smtClean="0"/>
-              <a:t>jQuery</a:t>
-            </a:r>
-            <a:r>
-              <a:rPr lang="en-US" dirty="0" smtClean="0"/>
-              <a:t>, Dojo, or Ext-JS with servlets and JSP. However, JSF lets you use Ajax without explicit JavaScript programming and with very simple tags. Also, the Ajax calls know about the server-side business logic.</a:t>
-            </a:r>
-          </a:p>
-          <a:p>
-            <a:endParaRPr lang="de-AT" dirty="0" smtClean="0"/>
-          </a:p>
-          <a:p>
-            <a:pPr marL="0" marR="0" indent="0" algn="l" defTabSz="914400" rtl="0" eaLnBrk="1" fontAlgn="auto" latinLnBrk="0" hangingPunct="1">
-              <a:lnSpc>
-                <a:spcPct val="100000"/>
-              </a:lnSpc>
-              <a:spcBef>
-                <a:spcPts val="0"/>
-              </a:spcBef>
-              <a:spcAft>
-                <a:spcPts val="0"/>
-              </a:spcAft>
-              <a:buClrTx/>
-              <a:buSzTx/>
-              <a:buFontTx/>
-              <a:buNone/>
-              <a:tabLst/>
-              <a:defRPr/>
-            </a:pPr>
-            <a:r>
-              <a:rPr lang="en-US" dirty="0" smtClean="0"/>
               <a:t>JSF has built-in capabilities for checking that form values are in the required format and for converting from strings to various other data types. </a:t>
             </a:r>
             <a:br>
@@ -15399,12 +13093,12 @@
               <a:t>maintained</a:t>
             </a:r>
             <a:r>
-              <a:rPr lang="de-AT" smtClean="0"/>
+              <a:rPr lang="de-AT" dirty="0" smtClean="0"/>
               <a:t>.</a:t>
             </a:r>
           </a:p>
           <a:p>
-            <a:endParaRPr lang="de-AT"/>
+            <a:endParaRPr lang="de-AT" dirty="0"/>
           </a:p>
         </p:txBody>
       </p:sp>
@@ -16743,7 +14437,7 @@
         <p:nvSpPr>
           <p:cNvPr id="100356" name="Rectangle 2"/>
           <p:cNvSpPr txBox="1">
-            <a:spLocks noChangeArrowheads="1" noTextEdit="1"/>
+            <a:spLocks noGrp="1" noRot="1" noChangeAspect="1" noChangeArrowheads="1" noTextEdit="1"/>
           </p:cNvSpPr>
           <p:nvPr>
             <p:ph type="sldImg"/>
@@ -16782,7 +14476,7 @@
         <p:nvSpPr>
           <p:cNvPr id="100357" name="Text Box 3"/>
           <p:cNvSpPr txBox="1">
-            <a:spLocks noChangeArrowheads="1"/>
+            <a:spLocks noGrp="1" noChangeArrowheads="1"/>
           </p:cNvSpPr>
           <p:nvPr>
             <p:ph type="body" idx="1"/>
@@ -31660,8 +29354,8 @@
         </p:blipFill>
         <p:spPr bwMode="auto">
           <a:xfrm>
-            <a:off x="158288" y="1665460"/>
-            <a:ext cx="8950216" cy="4427835"/>
+            <a:off x="158288" y="2042772"/>
+            <a:ext cx="8950216" cy="3673210"/>
           </a:xfrm>
           <a:prstGeom prst="rect">
             <a:avLst/>
@@ -31757,7 +29451,7 @@
         </p:nvSpPr>
         <p:spPr>
           <a:xfrm>
-            <a:off x="5868144" y="2329676"/>
+            <a:off x="6228184" y="2156663"/>
             <a:ext cx="2857514" cy="1200329"/>
           </a:xfrm>
           <a:prstGeom prst="rect">
@@ -31826,8 +29520,8 @@
         </p:nvSpPr>
         <p:spPr>
           <a:xfrm>
-            <a:off x="251520" y="4365104"/>
-            <a:ext cx="4752528" cy="1200329"/>
+            <a:off x="179512" y="4460919"/>
+            <a:ext cx="5040560" cy="1200329"/>
           </a:xfrm>
           <a:prstGeom prst="rect">
             <a:avLst/>
@@ -32782,6 +30476,24 @@
             <a:endParaRPr lang="de-AT" dirty="0" smtClean="0"/>
           </a:p>
           <a:p>
+            <a:r>
+              <a:rPr lang="de-AT" dirty="0" err="1" smtClean="0"/>
+              <a:t>Comfortable</a:t>
+            </a:r>
+            <a:r>
+              <a:rPr lang="de-AT" dirty="0" smtClean="0"/>
+              <a:t> </a:t>
+            </a:r>
+            <a:r>
+              <a:rPr lang="de-AT" dirty="0" err="1" smtClean="0"/>
+              <a:t>developement</a:t>
+            </a:r>
+            <a:endParaRPr lang="de-AT" dirty="0"/>
+          </a:p>
+          <a:p>
+            <a:endParaRPr lang="de-AT" dirty="0" smtClean="0"/>
+          </a:p>
+          <a:p>
             <a:pPr lvl="1"/>
             <a:endParaRPr lang="en-GB" dirty="0"/>
           </a:p>
@@ -33340,7 +31052,7 @@
     </p:spTree>
     <p:extLst>
       <p:ext uri="{BB962C8B-B14F-4D97-AF65-F5344CB8AC3E}">
-        <p14:creationId xmlns:p14="http://schemas.microsoft.com/office/powerpoint/2010/main" val="168738684"/>
+        <p14:creationId xmlns:p14="http://schemas.microsoft.com/office/powerpoint/2010/main" val="3665180249"/>
       </p:ext>
     </p:extLst>
   </p:cSld>
@@ -33498,7 +31210,7 @@
     </p:spTree>
     <p:extLst>
       <p:ext uri="{BB962C8B-B14F-4D97-AF65-F5344CB8AC3E}">
-        <p14:creationId xmlns:p14="http://schemas.microsoft.com/office/powerpoint/2010/main" val="765027169"/>
+        <p14:creationId xmlns:p14="http://schemas.microsoft.com/office/powerpoint/2010/main" val="1853866575"/>
       </p:ext>
     </p:extLst>
   </p:cSld>
@@ -33879,7 +31591,7 @@
     </p:spTree>
     <p:extLst>
       <p:ext uri="{BB962C8B-B14F-4D97-AF65-F5344CB8AC3E}">
-        <p14:creationId xmlns:p14="http://schemas.microsoft.com/office/powerpoint/2010/main" val="3989159777"/>
+        <p14:creationId xmlns:p14="http://schemas.microsoft.com/office/powerpoint/2010/main" val="587505542"/>
       </p:ext>
     </p:extLst>
   </p:cSld>
@@ -34112,10 +31824,138 @@
           </a:p>
         </p:txBody>
       </p:sp>
+      <p:pic>
+        <p:nvPicPr>
+          <p:cNvPr id="3074" name="Picture 2"/>
+          <p:cNvPicPr>
+            <a:picLocks noChangeAspect="1" noChangeArrowheads="1"/>
+          </p:cNvPicPr>
+          <p:nvPr/>
+        </p:nvPicPr>
+        <p:blipFill>
+          <a:blip r:embed="rId3">
+            <a:extLst>
+              <a:ext uri="{28A0092B-C50C-407E-A947-70E740481C1C}">
+                <a14:useLocalDpi xmlns:a14="http://schemas.microsoft.com/office/drawing/2010/main" val="0"/>
+              </a:ext>
+            </a:extLst>
+          </a:blip>
+          <a:srcRect/>
+          <a:stretch>
+            <a:fillRect/>
+          </a:stretch>
+        </p:blipFill>
+        <p:spPr bwMode="auto">
+          <a:xfrm>
+            <a:off x="323528" y="3267965"/>
+            <a:ext cx="8610600" cy="447675"/>
+          </a:xfrm>
+          <a:prstGeom prst="rect">
+            <a:avLst/>
+          </a:prstGeom>
+          <a:noFill/>
+          <a:ln>
+            <a:noFill/>
+          </a:ln>
+          <a:effectLst/>
+          <a:extLst>
+            <a:ext uri="{909E8E84-426E-40DD-AFC4-6F175D3DCCD1}">
+              <a14:hiddenFill xmlns:a14="http://schemas.microsoft.com/office/drawing/2010/main">
+                <a:solidFill>
+                  <a:schemeClr val="accent1"/>
+                </a:solidFill>
+              </a14:hiddenFill>
+            </a:ext>
+            <a:ext uri="{91240B29-F687-4F45-9708-019B960494DF}">
+              <a14:hiddenLine xmlns:a14="http://schemas.microsoft.com/office/drawing/2010/main" w="9525">
+                <a:solidFill>
+                  <a:schemeClr val="tx1"/>
+                </a:solidFill>
+                <a:miter lim="800000"/>
+                <a:headEnd/>
+                <a:tailEnd/>
+              </a14:hiddenLine>
+            </a:ext>
+            <a:ext uri="{AF507438-7753-43E0-B8FC-AC1667EBCBE1}">
+              <a14:hiddenEffects xmlns:a14="http://schemas.microsoft.com/office/drawing/2010/main">
+                <a:effectLst>
+                  <a:outerShdw dist="35921" dir="2700000" algn="ctr" rotWithShape="0">
+                    <a:schemeClr val="bg2"/>
+                  </a:outerShdw>
+                </a:effectLst>
+              </a14:hiddenEffects>
+            </a:ext>
+          </a:extLst>
+        </p:spPr>
+      </p:pic>
+      <p:pic>
+        <p:nvPicPr>
+          <p:cNvPr id="3075" name="Picture 3"/>
+          <p:cNvPicPr>
+            <a:picLocks noChangeAspect="1" noChangeArrowheads="1"/>
+          </p:cNvPicPr>
+          <p:nvPr/>
+        </p:nvPicPr>
+        <p:blipFill>
+          <a:blip r:embed="rId4">
+            <a:extLst>
+              <a:ext uri="{28A0092B-C50C-407E-A947-70E740481C1C}">
+                <a14:useLocalDpi xmlns:a14="http://schemas.microsoft.com/office/drawing/2010/main" val="0"/>
+              </a:ext>
+            </a:extLst>
+          </a:blip>
+          <a:srcRect/>
+          <a:stretch>
+            <a:fillRect/>
+          </a:stretch>
+        </p:blipFill>
+        <p:spPr bwMode="auto">
+          <a:xfrm>
+            <a:off x="467544" y="5157192"/>
+            <a:ext cx="7696200" cy="647700"/>
+          </a:xfrm>
+          <a:prstGeom prst="rect">
+            <a:avLst/>
+          </a:prstGeom>
+          <a:noFill/>
+          <a:ln>
+            <a:noFill/>
+          </a:ln>
+          <a:effectLst/>
+          <a:extLst>
+            <a:ext uri="{909E8E84-426E-40DD-AFC4-6F175D3DCCD1}">
+              <a14:hiddenFill xmlns:a14="http://schemas.microsoft.com/office/drawing/2010/main">
+                <a:solidFill>
+                  <a:schemeClr val="accent1"/>
+                </a:solidFill>
+              </a14:hiddenFill>
+            </a:ext>
+            <a:ext uri="{91240B29-F687-4F45-9708-019B960494DF}">
+              <a14:hiddenLine xmlns:a14="http://schemas.microsoft.com/office/drawing/2010/main" w="9525">
+                <a:solidFill>
+                  <a:schemeClr val="tx1"/>
+                </a:solidFill>
+                <a:miter lim="800000"/>
+                <a:headEnd/>
+                <a:tailEnd/>
+              </a14:hiddenLine>
+            </a:ext>
+            <a:ext uri="{AF507438-7753-43E0-B8FC-AC1667EBCBE1}">
+              <a14:hiddenEffects xmlns:a14="http://schemas.microsoft.com/office/drawing/2010/main">
+                <a:effectLst>
+                  <a:outerShdw dist="35921" dir="2700000" algn="ctr" rotWithShape="0">
+                    <a:schemeClr val="bg2"/>
+                  </a:outerShdw>
+                </a:effectLst>
+              </a14:hiddenEffects>
+            </a:ext>
+          </a:extLst>
+        </p:spPr>
+      </p:pic>
     </p:spTree>
     <p:extLst>
       <p:ext uri="{BB962C8B-B14F-4D97-AF65-F5344CB8AC3E}">
-        <p14:creationId xmlns:p14="http://schemas.microsoft.com/office/powerpoint/2010/main" val="1529532112"/>
+        <p14:creationId xmlns:p14="http://schemas.microsoft.com/office/powerpoint/2010/main" val="3792788982"/>
       </p:ext>
     </p:extLst>
   </p:cSld>
@@ -34125,7 +31965,280 @@
   <p:timing>
     <p:tnLst>
       <p:par>
-        <p:cTn id="1" dur="indefinite" restart="never" nodeType="tmRoot"/>
+        <p:cTn id="1" dur="indefinite" restart="never" nodeType="tmRoot">
+          <p:childTnLst>
+            <p:seq concurrent="1" nextAc="seek">
+              <p:cTn id="2" dur="indefinite" nodeType="mainSeq">
+                <p:childTnLst>
+                  <p:par>
+                    <p:cTn id="3" fill="hold">
+                      <p:stCondLst>
+                        <p:cond delay="indefinite"/>
+                      </p:stCondLst>
+                      <p:childTnLst>
+                        <p:par>
+                          <p:cTn id="4" fill="hold">
+                            <p:stCondLst>
+                              <p:cond delay="0"/>
+                            </p:stCondLst>
+                            <p:childTnLst>
+                              <p:par>
+                                <p:cTn id="5" presetID="1" presetClass="entr" presetSubtype="0" fill="hold" nodeType="clickEffect">
+                                  <p:stCondLst>
+                                    <p:cond delay="0"/>
+                                  </p:stCondLst>
+                                  <p:childTnLst>
+                                    <p:set>
+                                      <p:cBhvr>
+                                        <p:cTn id="6" dur="1" fill="hold">
+                                          <p:stCondLst>
+                                            <p:cond delay="0"/>
+                                          </p:stCondLst>
+                                        </p:cTn>
+                                        <p:tgtEl>
+                                          <p:spTgt spid="5">
+                                            <p:txEl>
+                                              <p:pRg st="0" end="0"/>
+                                            </p:txEl>
+                                          </p:spTgt>
+                                        </p:tgtEl>
+                                        <p:attrNameLst>
+                                          <p:attrName>style.visibility</p:attrName>
+                                        </p:attrNameLst>
+                                      </p:cBhvr>
+                                      <p:to>
+                                        <p:strVal val="visible"/>
+                                      </p:to>
+                                    </p:set>
+                                  </p:childTnLst>
+                                </p:cTn>
+                              </p:par>
+                              <p:par>
+                                <p:cTn id="7" presetID="1" presetClass="entr" presetSubtype="0" fill="hold" nodeType="withEffect">
+                                  <p:stCondLst>
+                                    <p:cond delay="0"/>
+                                  </p:stCondLst>
+                                  <p:childTnLst>
+                                    <p:set>
+                                      <p:cBhvr>
+                                        <p:cTn id="8" dur="1" fill="hold">
+                                          <p:stCondLst>
+                                            <p:cond delay="0"/>
+                                          </p:stCondLst>
+                                        </p:cTn>
+                                        <p:tgtEl>
+                                          <p:spTgt spid="5">
+                                            <p:txEl>
+                                              <p:pRg st="1" end="1"/>
+                                            </p:txEl>
+                                          </p:spTgt>
+                                        </p:tgtEl>
+                                        <p:attrNameLst>
+                                          <p:attrName>style.visibility</p:attrName>
+                                        </p:attrNameLst>
+                                      </p:cBhvr>
+                                      <p:to>
+                                        <p:strVal val="visible"/>
+                                      </p:to>
+                                    </p:set>
+                                  </p:childTnLst>
+                                </p:cTn>
+                              </p:par>
+                            </p:childTnLst>
+                          </p:cTn>
+                        </p:par>
+                      </p:childTnLst>
+                    </p:cTn>
+                  </p:par>
+                  <p:par>
+                    <p:cTn id="9" fill="hold">
+                      <p:stCondLst>
+                        <p:cond delay="indefinite"/>
+                      </p:stCondLst>
+                      <p:childTnLst>
+                        <p:par>
+                          <p:cTn id="10" fill="hold">
+                            <p:stCondLst>
+                              <p:cond delay="0"/>
+                            </p:stCondLst>
+                            <p:childTnLst>
+                              <p:par>
+                                <p:cTn id="11" presetID="1" presetClass="entr" presetSubtype="0" fill="hold" nodeType="clickEffect">
+                                  <p:stCondLst>
+                                    <p:cond delay="0"/>
+                                  </p:stCondLst>
+                                  <p:childTnLst>
+                                    <p:set>
+                                      <p:cBhvr>
+                                        <p:cTn id="12" dur="1" fill="hold">
+                                          <p:stCondLst>
+                                            <p:cond delay="0"/>
+                                          </p:stCondLst>
+                                        </p:cTn>
+                                        <p:tgtEl>
+                                          <p:spTgt spid="3074"/>
+                                        </p:tgtEl>
+                                        <p:attrNameLst>
+                                          <p:attrName>style.visibility</p:attrName>
+                                        </p:attrNameLst>
+                                      </p:cBhvr>
+                                      <p:to>
+                                        <p:strVal val="visible"/>
+                                      </p:to>
+                                    </p:set>
+                                  </p:childTnLst>
+                                </p:cTn>
+                              </p:par>
+                            </p:childTnLst>
+                          </p:cTn>
+                        </p:par>
+                      </p:childTnLst>
+                    </p:cTn>
+                  </p:par>
+                  <p:par>
+                    <p:cTn id="13" fill="hold">
+                      <p:stCondLst>
+                        <p:cond delay="indefinite"/>
+                      </p:stCondLst>
+                      <p:childTnLst>
+                        <p:par>
+                          <p:cTn id="14" fill="hold">
+                            <p:stCondLst>
+                              <p:cond delay="0"/>
+                            </p:stCondLst>
+                            <p:childTnLst>
+                              <p:par>
+                                <p:cTn id="15" presetID="1" presetClass="entr" presetSubtype="0" fill="hold" nodeType="clickEffect">
+                                  <p:stCondLst>
+                                    <p:cond delay="0"/>
+                                  </p:stCondLst>
+                                  <p:childTnLst>
+                                    <p:set>
+                                      <p:cBhvr>
+                                        <p:cTn id="16" dur="1" fill="hold">
+                                          <p:stCondLst>
+                                            <p:cond delay="0"/>
+                                          </p:stCondLst>
+                                        </p:cTn>
+                                        <p:tgtEl>
+                                          <p:spTgt spid="5">
+                                            <p:txEl>
+                                              <p:pRg st="3" end="3"/>
+                                            </p:txEl>
+                                          </p:spTgt>
+                                        </p:tgtEl>
+                                        <p:attrNameLst>
+                                          <p:attrName>style.visibility</p:attrName>
+                                        </p:attrNameLst>
+                                      </p:cBhvr>
+                                      <p:to>
+                                        <p:strVal val="visible"/>
+                                      </p:to>
+                                    </p:set>
+                                  </p:childTnLst>
+                                </p:cTn>
+                              </p:par>
+                              <p:par>
+                                <p:cTn id="17" presetID="1" presetClass="entr" presetSubtype="0" fill="hold" nodeType="withEffect">
+                                  <p:stCondLst>
+                                    <p:cond delay="0"/>
+                                  </p:stCondLst>
+                                  <p:childTnLst>
+                                    <p:set>
+                                      <p:cBhvr>
+                                        <p:cTn id="18" dur="1" fill="hold">
+                                          <p:stCondLst>
+                                            <p:cond delay="0"/>
+                                          </p:stCondLst>
+                                        </p:cTn>
+                                        <p:tgtEl>
+                                          <p:spTgt spid="5">
+                                            <p:txEl>
+                                              <p:pRg st="4" end="4"/>
+                                            </p:txEl>
+                                          </p:spTgt>
+                                        </p:tgtEl>
+                                        <p:attrNameLst>
+                                          <p:attrName>style.visibility</p:attrName>
+                                        </p:attrNameLst>
+                                      </p:cBhvr>
+                                      <p:to>
+                                        <p:strVal val="visible"/>
+                                      </p:to>
+                                    </p:set>
+                                  </p:childTnLst>
+                                </p:cTn>
+                              </p:par>
+                            </p:childTnLst>
+                          </p:cTn>
+                        </p:par>
+                      </p:childTnLst>
+                    </p:cTn>
+                  </p:par>
+                  <p:par>
+                    <p:cTn id="19" fill="hold">
+                      <p:stCondLst>
+                        <p:cond delay="indefinite"/>
+                      </p:stCondLst>
+                      <p:childTnLst>
+                        <p:par>
+                          <p:cTn id="20" fill="hold">
+                            <p:stCondLst>
+                              <p:cond delay="0"/>
+                            </p:stCondLst>
+                            <p:childTnLst>
+                              <p:par>
+                                <p:cTn id="21" presetID="1" presetClass="entr" presetSubtype="0" fill="hold" nodeType="clickEffect">
+                                  <p:stCondLst>
+                                    <p:cond delay="0"/>
+                                  </p:stCondLst>
+                                  <p:childTnLst>
+                                    <p:set>
+                                      <p:cBhvr>
+                                        <p:cTn id="22" dur="1" fill="hold">
+                                          <p:stCondLst>
+                                            <p:cond delay="0"/>
+                                          </p:stCondLst>
+                                        </p:cTn>
+                                        <p:tgtEl>
+                                          <p:spTgt spid="3075"/>
+                                        </p:tgtEl>
+                                        <p:attrNameLst>
+                                          <p:attrName>style.visibility</p:attrName>
+                                        </p:attrNameLst>
+                                      </p:cBhvr>
+                                      <p:to>
+                                        <p:strVal val="visible"/>
+                                      </p:to>
+                                    </p:set>
+                                  </p:childTnLst>
+                                </p:cTn>
+                              </p:par>
+                            </p:childTnLst>
+                          </p:cTn>
+                        </p:par>
+                      </p:childTnLst>
+                    </p:cTn>
+                  </p:par>
+                </p:childTnLst>
+              </p:cTn>
+              <p:prevCondLst>
+                <p:cond evt="onPrev" delay="0">
+                  <p:tgtEl>
+                    <p:sldTgt/>
+                  </p:tgtEl>
+                </p:cond>
+              </p:prevCondLst>
+              <p:nextCondLst>
+                <p:cond evt="onNext" delay="0">
+                  <p:tgtEl>
+                    <p:sldTgt/>
+                  </p:tgtEl>
+                </p:cond>
+              </p:nextCondLst>
+            </p:seq>
+          </p:childTnLst>
+        </p:cTn>
       </p:par>
     </p:tnLst>
   </p:timing>
@@ -34328,10 +32441,138 @@
           </a:p>
         </p:txBody>
       </p:sp>
+      <p:pic>
+        <p:nvPicPr>
+          <p:cNvPr id="2050" name="Picture 2"/>
+          <p:cNvPicPr>
+            <a:picLocks noChangeAspect="1" noChangeArrowheads="1"/>
+          </p:cNvPicPr>
+          <p:nvPr/>
+        </p:nvPicPr>
+        <p:blipFill>
+          <a:blip r:embed="rId3">
+            <a:extLst>
+              <a:ext uri="{28A0092B-C50C-407E-A947-70E740481C1C}">
+                <a14:useLocalDpi xmlns:a14="http://schemas.microsoft.com/office/drawing/2010/main" val="0"/>
+              </a:ext>
+            </a:extLst>
+          </a:blip>
+          <a:srcRect/>
+          <a:stretch>
+            <a:fillRect/>
+          </a:stretch>
+        </p:blipFill>
+        <p:spPr bwMode="auto">
+          <a:xfrm>
+            <a:off x="824369" y="4221595"/>
+            <a:ext cx="6477000" cy="676275"/>
+          </a:xfrm>
+          <a:prstGeom prst="rect">
+            <a:avLst/>
+          </a:prstGeom>
+          <a:noFill/>
+          <a:ln>
+            <a:noFill/>
+          </a:ln>
+          <a:effectLst/>
+          <a:extLst>
+            <a:ext uri="{909E8E84-426E-40DD-AFC4-6F175D3DCCD1}">
+              <a14:hiddenFill xmlns:a14="http://schemas.microsoft.com/office/drawing/2010/main">
+                <a:solidFill>
+                  <a:schemeClr val="accent1"/>
+                </a:solidFill>
+              </a14:hiddenFill>
+            </a:ext>
+            <a:ext uri="{91240B29-F687-4F45-9708-019B960494DF}">
+              <a14:hiddenLine xmlns:a14="http://schemas.microsoft.com/office/drawing/2010/main" w="9525">
+                <a:solidFill>
+                  <a:schemeClr val="tx1"/>
+                </a:solidFill>
+                <a:miter lim="800000"/>
+                <a:headEnd/>
+                <a:tailEnd/>
+              </a14:hiddenLine>
+            </a:ext>
+            <a:ext uri="{AF507438-7753-43E0-B8FC-AC1667EBCBE1}">
+              <a14:hiddenEffects xmlns:a14="http://schemas.microsoft.com/office/drawing/2010/main">
+                <a:effectLst>
+                  <a:outerShdw dist="35921" dir="2700000" algn="ctr" rotWithShape="0">
+                    <a:schemeClr val="bg2"/>
+                  </a:outerShdw>
+                </a:effectLst>
+              </a14:hiddenEffects>
+            </a:ext>
+          </a:extLst>
+        </p:spPr>
+      </p:pic>
+      <p:pic>
+        <p:nvPicPr>
+          <p:cNvPr id="2051" name="Picture 3"/>
+          <p:cNvPicPr>
+            <a:picLocks noChangeAspect="1" noChangeArrowheads="1"/>
+          </p:cNvPicPr>
+          <p:nvPr/>
+        </p:nvPicPr>
+        <p:blipFill>
+          <a:blip r:embed="rId4">
+            <a:extLst>
+              <a:ext uri="{28A0092B-C50C-407E-A947-70E740481C1C}">
+                <a14:useLocalDpi xmlns:a14="http://schemas.microsoft.com/office/drawing/2010/main" val="0"/>
+              </a:ext>
+            </a:extLst>
+          </a:blip>
+          <a:srcRect/>
+          <a:stretch>
+            <a:fillRect/>
+          </a:stretch>
+        </p:blipFill>
+        <p:spPr bwMode="auto">
+          <a:xfrm>
+            <a:off x="755576" y="5661248"/>
+            <a:ext cx="4781550" cy="504825"/>
+          </a:xfrm>
+          <a:prstGeom prst="rect">
+            <a:avLst/>
+          </a:prstGeom>
+          <a:noFill/>
+          <a:ln>
+            <a:noFill/>
+          </a:ln>
+          <a:effectLst/>
+          <a:extLst>
+            <a:ext uri="{909E8E84-426E-40DD-AFC4-6F175D3DCCD1}">
+              <a14:hiddenFill xmlns:a14="http://schemas.microsoft.com/office/drawing/2010/main">
+                <a:solidFill>
+                  <a:schemeClr val="accent1"/>
+                </a:solidFill>
+              </a14:hiddenFill>
+            </a:ext>
+            <a:ext uri="{91240B29-F687-4F45-9708-019B960494DF}">
+              <a14:hiddenLine xmlns:a14="http://schemas.microsoft.com/office/drawing/2010/main" w="9525">
+                <a:solidFill>
+                  <a:schemeClr val="tx1"/>
+                </a:solidFill>
+                <a:miter lim="800000"/>
+                <a:headEnd/>
+                <a:tailEnd/>
+              </a14:hiddenLine>
+            </a:ext>
+            <a:ext uri="{AF507438-7753-43E0-B8FC-AC1667EBCBE1}">
+              <a14:hiddenEffects xmlns:a14="http://schemas.microsoft.com/office/drawing/2010/main">
+                <a:effectLst>
+                  <a:outerShdw dist="35921" dir="2700000" algn="ctr" rotWithShape="0">
+                    <a:schemeClr val="bg2"/>
+                  </a:outerShdw>
+                </a:effectLst>
+              </a14:hiddenEffects>
+            </a:ext>
+          </a:extLst>
+        </p:spPr>
+      </p:pic>
     </p:spTree>
     <p:extLst>
       <p:ext uri="{BB962C8B-B14F-4D97-AF65-F5344CB8AC3E}">
-        <p14:creationId xmlns:p14="http://schemas.microsoft.com/office/powerpoint/2010/main" val="131519455"/>
+        <p14:creationId xmlns:p14="http://schemas.microsoft.com/office/powerpoint/2010/main" val="2450243218"/>
       </p:ext>
     </p:extLst>
   </p:cSld>
@@ -34341,7 +32582,338 @@
   <p:timing>
     <p:tnLst>
       <p:par>
-        <p:cTn id="1" dur="indefinite" restart="never" nodeType="tmRoot"/>
+        <p:cTn id="1" dur="indefinite" restart="never" nodeType="tmRoot">
+          <p:childTnLst>
+            <p:seq concurrent="1" nextAc="seek">
+              <p:cTn id="2" dur="indefinite" nodeType="mainSeq">
+                <p:childTnLst>
+                  <p:par>
+                    <p:cTn id="3" fill="hold">
+                      <p:stCondLst>
+                        <p:cond delay="indefinite"/>
+                      </p:stCondLst>
+                      <p:childTnLst>
+                        <p:par>
+                          <p:cTn id="4" fill="hold">
+                            <p:stCondLst>
+                              <p:cond delay="0"/>
+                            </p:stCondLst>
+                            <p:childTnLst>
+                              <p:par>
+                                <p:cTn id="5" presetID="1" presetClass="entr" presetSubtype="0" fill="hold" nodeType="clickEffect">
+                                  <p:stCondLst>
+                                    <p:cond delay="0"/>
+                                  </p:stCondLst>
+                                  <p:childTnLst>
+                                    <p:set>
+                                      <p:cBhvr>
+                                        <p:cTn id="6" dur="1" fill="hold">
+                                          <p:stCondLst>
+                                            <p:cond delay="0"/>
+                                          </p:stCondLst>
+                                        </p:cTn>
+                                        <p:tgtEl>
+                                          <p:spTgt spid="3">
+                                            <p:txEl>
+                                              <p:pRg st="0" end="0"/>
+                                            </p:txEl>
+                                          </p:spTgt>
+                                        </p:tgtEl>
+                                        <p:attrNameLst>
+                                          <p:attrName>style.visibility</p:attrName>
+                                        </p:attrNameLst>
+                                      </p:cBhvr>
+                                      <p:to>
+                                        <p:strVal val="visible"/>
+                                      </p:to>
+                                    </p:set>
+                                  </p:childTnLst>
+                                </p:cTn>
+                              </p:par>
+                              <p:par>
+                                <p:cTn id="7" presetID="1" presetClass="entr" presetSubtype="0" fill="hold" nodeType="withEffect">
+                                  <p:stCondLst>
+                                    <p:cond delay="0"/>
+                                  </p:stCondLst>
+                                  <p:childTnLst>
+                                    <p:set>
+                                      <p:cBhvr>
+                                        <p:cTn id="8" dur="1" fill="hold">
+                                          <p:stCondLst>
+                                            <p:cond delay="0"/>
+                                          </p:stCondLst>
+                                        </p:cTn>
+                                        <p:tgtEl>
+                                          <p:spTgt spid="3">
+                                            <p:txEl>
+                                              <p:pRg st="1" end="1"/>
+                                            </p:txEl>
+                                          </p:spTgt>
+                                        </p:tgtEl>
+                                        <p:attrNameLst>
+                                          <p:attrName>style.visibility</p:attrName>
+                                        </p:attrNameLst>
+                                      </p:cBhvr>
+                                      <p:to>
+                                        <p:strVal val="visible"/>
+                                      </p:to>
+                                    </p:set>
+                                  </p:childTnLst>
+                                </p:cTn>
+                              </p:par>
+                              <p:par>
+                                <p:cTn id="9" presetID="1" presetClass="entr" presetSubtype="0" fill="hold" nodeType="withEffect">
+                                  <p:stCondLst>
+                                    <p:cond delay="0"/>
+                                  </p:stCondLst>
+                                  <p:childTnLst>
+                                    <p:set>
+                                      <p:cBhvr>
+                                        <p:cTn id="10" dur="1" fill="hold">
+                                          <p:stCondLst>
+                                            <p:cond delay="0"/>
+                                          </p:stCondLst>
+                                        </p:cTn>
+                                        <p:tgtEl>
+                                          <p:spTgt spid="3">
+                                            <p:txEl>
+                                              <p:pRg st="2" end="2"/>
+                                            </p:txEl>
+                                          </p:spTgt>
+                                        </p:tgtEl>
+                                        <p:attrNameLst>
+                                          <p:attrName>style.visibility</p:attrName>
+                                        </p:attrNameLst>
+                                      </p:cBhvr>
+                                      <p:to>
+                                        <p:strVal val="visible"/>
+                                      </p:to>
+                                    </p:set>
+                                  </p:childTnLst>
+                                </p:cTn>
+                              </p:par>
+                            </p:childTnLst>
+                          </p:cTn>
+                        </p:par>
+                      </p:childTnLst>
+                    </p:cTn>
+                  </p:par>
+                  <p:par>
+                    <p:cTn id="11" fill="hold">
+                      <p:stCondLst>
+                        <p:cond delay="indefinite"/>
+                      </p:stCondLst>
+                      <p:childTnLst>
+                        <p:par>
+                          <p:cTn id="12" fill="hold">
+                            <p:stCondLst>
+                              <p:cond delay="0"/>
+                            </p:stCondLst>
+                            <p:childTnLst>
+                              <p:par>
+                                <p:cTn id="13" presetID="1" presetClass="entr" presetSubtype="0" fill="hold" nodeType="clickEffect">
+                                  <p:stCondLst>
+                                    <p:cond delay="0"/>
+                                  </p:stCondLst>
+                                  <p:childTnLst>
+                                    <p:set>
+                                      <p:cBhvr>
+                                        <p:cTn id="14" dur="1" fill="hold">
+                                          <p:stCondLst>
+                                            <p:cond delay="0"/>
+                                          </p:stCondLst>
+                                        </p:cTn>
+                                        <p:tgtEl>
+                                          <p:spTgt spid="2050"/>
+                                        </p:tgtEl>
+                                        <p:attrNameLst>
+                                          <p:attrName>style.visibility</p:attrName>
+                                        </p:attrNameLst>
+                                      </p:cBhvr>
+                                      <p:to>
+                                        <p:strVal val="visible"/>
+                                      </p:to>
+                                    </p:set>
+                                  </p:childTnLst>
+                                </p:cTn>
+                              </p:par>
+                            </p:childTnLst>
+                          </p:cTn>
+                        </p:par>
+                      </p:childTnLst>
+                    </p:cTn>
+                  </p:par>
+                  <p:par>
+                    <p:cTn id="15" fill="hold">
+                      <p:stCondLst>
+                        <p:cond delay="indefinite"/>
+                      </p:stCondLst>
+                      <p:childTnLst>
+                        <p:par>
+                          <p:cTn id="16" fill="hold">
+                            <p:stCondLst>
+                              <p:cond delay="0"/>
+                            </p:stCondLst>
+                            <p:childTnLst>
+                              <p:par>
+                                <p:cTn id="17" presetID="1" presetClass="exit" presetSubtype="0" fill="hold" nodeType="clickEffect">
+                                  <p:stCondLst>
+                                    <p:cond delay="0"/>
+                                  </p:stCondLst>
+                                  <p:childTnLst>
+                                    <p:set>
+                                      <p:cBhvr>
+                                        <p:cTn id="18" dur="1" fill="hold">
+                                          <p:stCondLst>
+                                            <p:cond delay="0"/>
+                                          </p:stCondLst>
+                                        </p:cTn>
+                                        <p:tgtEl>
+                                          <p:spTgt spid="2050"/>
+                                        </p:tgtEl>
+                                        <p:attrNameLst>
+                                          <p:attrName>style.visibility</p:attrName>
+                                        </p:attrNameLst>
+                                      </p:cBhvr>
+                                      <p:to>
+                                        <p:strVal val="hidden"/>
+                                      </p:to>
+                                    </p:set>
+                                  </p:childTnLst>
+                                </p:cTn>
+                              </p:par>
+                              <p:par>
+                                <p:cTn id="19" presetID="1" presetClass="entr" presetSubtype="0" fill="hold" nodeType="withEffect">
+                                  <p:stCondLst>
+                                    <p:cond delay="0"/>
+                                  </p:stCondLst>
+                                  <p:childTnLst>
+                                    <p:set>
+                                      <p:cBhvr>
+                                        <p:cTn id="20" dur="1" fill="hold">
+                                          <p:stCondLst>
+                                            <p:cond delay="0"/>
+                                          </p:stCondLst>
+                                        </p:cTn>
+                                        <p:tgtEl>
+                                          <p:spTgt spid="3">
+                                            <p:txEl>
+                                              <p:pRg st="4" end="4"/>
+                                            </p:txEl>
+                                          </p:spTgt>
+                                        </p:tgtEl>
+                                        <p:attrNameLst>
+                                          <p:attrName>style.visibility</p:attrName>
+                                        </p:attrNameLst>
+                                      </p:cBhvr>
+                                      <p:to>
+                                        <p:strVal val="visible"/>
+                                      </p:to>
+                                    </p:set>
+                                  </p:childTnLst>
+                                </p:cTn>
+                              </p:par>
+                              <p:par>
+                                <p:cTn id="21" presetID="1" presetClass="entr" presetSubtype="0" fill="hold" nodeType="withEffect">
+                                  <p:stCondLst>
+                                    <p:cond delay="0"/>
+                                  </p:stCondLst>
+                                  <p:childTnLst>
+                                    <p:set>
+                                      <p:cBhvr>
+                                        <p:cTn id="22" dur="1" fill="hold">
+                                          <p:stCondLst>
+                                            <p:cond delay="0"/>
+                                          </p:stCondLst>
+                                        </p:cTn>
+                                        <p:tgtEl>
+                                          <p:spTgt spid="3">
+                                            <p:txEl>
+                                              <p:pRg st="5" end="5"/>
+                                            </p:txEl>
+                                          </p:spTgt>
+                                        </p:tgtEl>
+                                        <p:attrNameLst>
+                                          <p:attrName>style.visibility</p:attrName>
+                                        </p:attrNameLst>
+                                      </p:cBhvr>
+                                      <p:to>
+                                        <p:strVal val="visible"/>
+                                      </p:to>
+                                    </p:set>
+                                  </p:childTnLst>
+                                </p:cTn>
+                              </p:par>
+                            </p:childTnLst>
+                          </p:cTn>
+                        </p:par>
+                      </p:childTnLst>
+                    </p:cTn>
+                  </p:par>
+                  <p:par>
+                    <p:cTn id="23" fill="hold">
+                      <p:stCondLst>
+                        <p:cond delay="indefinite"/>
+                      </p:stCondLst>
+                      <p:childTnLst>
+                        <p:par>
+                          <p:cTn id="24" fill="hold">
+                            <p:stCondLst>
+                              <p:cond delay="0"/>
+                            </p:stCondLst>
+                            <p:childTnLst>
+                              <p:par>
+                                <p:cTn id="25" presetID="1" presetClass="entr" presetSubtype="0" fill="hold" nodeType="clickEffect">
+                                  <p:stCondLst>
+                                    <p:cond delay="0"/>
+                                  </p:stCondLst>
+                                  <p:childTnLst>
+                                    <p:set>
+                                      <p:cBhvr>
+                                        <p:cTn id="26" dur="1" fill="hold">
+                                          <p:stCondLst>
+                                            <p:cond delay="0"/>
+                                          </p:stCondLst>
+                                        </p:cTn>
+                                        <p:tgtEl>
+                                          <p:spTgt spid="2051"/>
+                                        </p:tgtEl>
+                                        <p:attrNameLst>
+                                          <p:attrName>style.visibility</p:attrName>
+                                        </p:attrNameLst>
+                                      </p:cBhvr>
+                                      <p:to>
+                                        <p:strVal val="visible"/>
+                                      </p:to>
+                                    </p:set>
+                                  </p:childTnLst>
+                                </p:cTn>
+                              </p:par>
+                            </p:childTnLst>
+                          </p:cTn>
+                        </p:par>
+                      </p:childTnLst>
+                    </p:cTn>
+                  </p:par>
+                </p:childTnLst>
+              </p:cTn>
+              <p:prevCondLst>
+                <p:cond evt="onPrev" delay="0">
+                  <p:tgtEl>
+                    <p:sldTgt/>
+                  </p:tgtEl>
+                </p:cond>
+              </p:prevCondLst>
+              <p:nextCondLst>
+                <p:cond evt="onNext" delay="0">
+                  <p:tgtEl>
+                    <p:sldTgt/>
+                  </p:tgtEl>
+                </p:cond>
+              </p:nextCondLst>
+            </p:seq>
+          </p:childTnLst>
+        </p:cTn>
       </p:par>
     </p:tnLst>
   </p:timing>
@@ -34842,10 +33414,138 @@
           </a:p>
         </p:txBody>
       </p:sp>
+      <p:pic>
+        <p:nvPicPr>
+          <p:cNvPr id="1027" name="Picture 3"/>
+          <p:cNvPicPr>
+            <a:picLocks noChangeAspect="1" noChangeArrowheads="1"/>
+          </p:cNvPicPr>
+          <p:nvPr/>
+        </p:nvPicPr>
+        <p:blipFill>
+          <a:blip r:embed="rId3">
+            <a:extLst>
+              <a:ext uri="{28A0092B-C50C-407E-A947-70E740481C1C}">
+                <a14:useLocalDpi xmlns:a14="http://schemas.microsoft.com/office/drawing/2010/main" val="0"/>
+              </a:ext>
+            </a:extLst>
+          </a:blip>
+          <a:srcRect/>
+          <a:stretch>
+            <a:fillRect/>
+          </a:stretch>
+        </p:blipFill>
+        <p:spPr bwMode="auto">
+          <a:xfrm>
+            <a:off x="1115615" y="3178603"/>
+            <a:ext cx="5762625" cy="1171575"/>
+          </a:xfrm>
+          <a:prstGeom prst="rect">
+            <a:avLst/>
+          </a:prstGeom>
+          <a:noFill/>
+          <a:ln>
+            <a:noFill/>
+          </a:ln>
+          <a:effectLst/>
+          <a:extLst>
+            <a:ext uri="{909E8E84-426E-40DD-AFC4-6F175D3DCCD1}">
+              <a14:hiddenFill xmlns:a14="http://schemas.microsoft.com/office/drawing/2010/main">
+                <a:solidFill>
+                  <a:schemeClr val="accent1"/>
+                </a:solidFill>
+              </a14:hiddenFill>
+            </a:ext>
+            <a:ext uri="{91240B29-F687-4F45-9708-019B960494DF}">
+              <a14:hiddenLine xmlns:a14="http://schemas.microsoft.com/office/drawing/2010/main" w="9525">
+                <a:solidFill>
+                  <a:schemeClr val="tx1"/>
+                </a:solidFill>
+                <a:miter lim="800000"/>
+                <a:headEnd/>
+                <a:tailEnd/>
+              </a14:hiddenLine>
+            </a:ext>
+            <a:ext uri="{AF507438-7753-43E0-B8FC-AC1667EBCBE1}">
+              <a14:hiddenEffects xmlns:a14="http://schemas.microsoft.com/office/drawing/2010/main">
+                <a:effectLst>
+                  <a:outerShdw dist="35921" dir="2700000" algn="ctr" rotWithShape="0">
+                    <a:schemeClr val="bg2"/>
+                  </a:outerShdw>
+                </a:effectLst>
+              </a14:hiddenEffects>
+            </a:ext>
+          </a:extLst>
+        </p:spPr>
+      </p:pic>
+      <p:pic>
+        <p:nvPicPr>
+          <p:cNvPr id="1028" name="Picture 4"/>
+          <p:cNvPicPr>
+            <a:picLocks noChangeAspect="1" noChangeArrowheads="1"/>
+          </p:cNvPicPr>
+          <p:nvPr/>
+        </p:nvPicPr>
+        <p:blipFill>
+          <a:blip r:embed="rId4">
+            <a:extLst>
+              <a:ext uri="{28A0092B-C50C-407E-A947-70E740481C1C}">
+                <a14:useLocalDpi xmlns:a14="http://schemas.microsoft.com/office/drawing/2010/main" val="0"/>
+              </a:ext>
+            </a:extLst>
+          </a:blip>
+          <a:srcRect/>
+          <a:stretch>
+            <a:fillRect/>
+          </a:stretch>
+        </p:blipFill>
+        <p:spPr bwMode="auto">
+          <a:xfrm>
+            <a:off x="827584" y="4664378"/>
+            <a:ext cx="7572375" cy="1428750"/>
+          </a:xfrm>
+          <a:prstGeom prst="rect">
+            <a:avLst/>
+          </a:prstGeom>
+          <a:noFill/>
+          <a:ln>
+            <a:noFill/>
+          </a:ln>
+          <a:effectLst/>
+          <a:extLst>
+            <a:ext uri="{909E8E84-426E-40DD-AFC4-6F175D3DCCD1}">
+              <a14:hiddenFill xmlns:a14="http://schemas.microsoft.com/office/drawing/2010/main">
+                <a:solidFill>
+                  <a:schemeClr val="accent1"/>
+                </a:solidFill>
+              </a14:hiddenFill>
+            </a:ext>
+            <a:ext uri="{91240B29-F687-4F45-9708-019B960494DF}">
+              <a14:hiddenLine xmlns:a14="http://schemas.microsoft.com/office/drawing/2010/main" w="9525">
+                <a:solidFill>
+                  <a:schemeClr val="tx1"/>
+                </a:solidFill>
+                <a:miter lim="800000"/>
+                <a:headEnd/>
+                <a:tailEnd/>
+              </a14:hiddenLine>
+            </a:ext>
+            <a:ext uri="{AF507438-7753-43E0-B8FC-AC1667EBCBE1}">
+              <a14:hiddenEffects xmlns:a14="http://schemas.microsoft.com/office/drawing/2010/main">
+                <a:effectLst>
+                  <a:outerShdw dist="35921" dir="2700000" algn="ctr" rotWithShape="0">
+                    <a:schemeClr val="bg2"/>
+                  </a:outerShdw>
+                </a:effectLst>
+              </a14:hiddenEffects>
+            </a:ext>
+          </a:extLst>
+        </p:spPr>
+      </p:pic>
     </p:spTree>
     <p:extLst>
       <p:ext uri="{BB962C8B-B14F-4D97-AF65-F5344CB8AC3E}">
-        <p14:creationId xmlns:p14="http://schemas.microsoft.com/office/powerpoint/2010/main" val="185013562"/>
+        <p14:creationId xmlns:p14="http://schemas.microsoft.com/office/powerpoint/2010/main" val="3712623770"/>
       </p:ext>
     </p:extLst>
   </p:cSld>
@@ -34855,7 +33555,430 @@
   <p:timing>
     <p:tnLst>
       <p:par>
-        <p:cTn id="1" dur="indefinite" restart="never" nodeType="tmRoot"/>
+        <p:cTn id="1" dur="indefinite" restart="never" nodeType="tmRoot">
+          <p:childTnLst>
+            <p:seq concurrent="1" nextAc="seek">
+              <p:cTn id="2" dur="indefinite" nodeType="mainSeq">
+                <p:childTnLst>
+                  <p:par>
+                    <p:cTn id="3" fill="hold">
+                      <p:stCondLst>
+                        <p:cond delay="indefinite"/>
+                      </p:stCondLst>
+                      <p:childTnLst>
+                        <p:par>
+                          <p:cTn id="4" fill="hold">
+                            <p:stCondLst>
+                              <p:cond delay="0"/>
+                            </p:stCondLst>
+                            <p:childTnLst>
+                              <p:par>
+                                <p:cTn id="5" presetID="1" presetClass="entr" presetSubtype="0" fill="hold" nodeType="clickEffect">
+                                  <p:stCondLst>
+                                    <p:cond delay="0"/>
+                                  </p:stCondLst>
+                                  <p:childTnLst>
+                                    <p:set>
+                                      <p:cBhvr>
+                                        <p:cTn id="6" dur="1" fill="hold">
+                                          <p:stCondLst>
+                                            <p:cond delay="0"/>
+                                          </p:stCondLst>
+                                        </p:cTn>
+                                        <p:tgtEl>
+                                          <p:spTgt spid="3">
+                                            <p:txEl>
+                                              <p:pRg st="0" end="0"/>
+                                            </p:txEl>
+                                          </p:spTgt>
+                                        </p:tgtEl>
+                                        <p:attrNameLst>
+                                          <p:attrName>style.visibility</p:attrName>
+                                        </p:attrNameLst>
+                                      </p:cBhvr>
+                                      <p:to>
+                                        <p:strVal val="visible"/>
+                                      </p:to>
+                                    </p:set>
+                                  </p:childTnLst>
+                                </p:cTn>
+                              </p:par>
+                              <p:par>
+                                <p:cTn id="7" presetID="1" presetClass="entr" presetSubtype="0" fill="hold" nodeType="withEffect">
+                                  <p:stCondLst>
+                                    <p:cond delay="0"/>
+                                  </p:stCondLst>
+                                  <p:childTnLst>
+                                    <p:set>
+                                      <p:cBhvr>
+                                        <p:cTn id="8" dur="1" fill="hold">
+                                          <p:stCondLst>
+                                            <p:cond delay="0"/>
+                                          </p:stCondLst>
+                                        </p:cTn>
+                                        <p:tgtEl>
+                                          <p:spTgt spid="3">
+                                            <p:txEl>
+                                              <p:pRg st="1" end="1"/>
+                                            </p:txEl>
+                                          </p:spTgt>
+                                        </p:tgtEl>
+                                        <p:attrNameLst>
+                                          <p:attrName>style.visibility</p:attrName>
+                                        </p:attrNameLst>
+                                      </p:cBhvr>
+                                      <p:to>
+                                        <p:strVal val="visible"/>
+                                      </p:to>
+                                    </p:set>
+                                  </p:childTnLst>
+                                </p:cTn>
+                              </p:par>
+                            </p:childTnLst>
+                          </p:cTn>
+                        </p:par>
+                      </p:childTnLst>
+                    </p:cTn>
+                  </p:par>
+                  <p:par>
+                    <p:cTn id="9" fill="hold">
+                      <p:stCondLst>
+                        <p:cond delay="indefinite"/>
+                      </p:stCondLst>
+                      <p:childTnLst>
+                        <p:par>
+                          <p:cTn id="10" fill="hold">
+                            <p:stCondLst>
+                              <p:cond delay="0"/>
+                            </p:stCondLst>
+                            <p:childTnLst>
+                              <p:par>
+                                <p:cTn id="11" presetID="10" presetClass="entr" presetSubtype="0" fill="hold" nodeType="clickEffect">
+                                  <p:stCondLst>
+                                    <p:cond delay="0"/>
+                                  </p:stCondLst>
+                                  <p:childTnLst>
+                                    <p:set>
+                                      <p:cBhvr>
+                                        <p:cTn id="12" dur="1" fill="hold">
+                                          <p:stCondLst>
+                                            <p:cond delay="0"/>
+                                          </p:stCondLst>
+                                        </p:cTn>
+                                        <p:tgtEl>
+                                          <p:spTgt spid="1027"/>
+                                        </p:tgtEl>
+                                        <p:attrNameLst>
+                                          <p:attrName>style.visibility</p:attrName>
+                                        </p:attrNameLst>
+                                      </p:cBhvr>
+                                      <p:to>
+                                        <p:strVal val="visible"/>
+                                      </p:to>
+                                    </p:set>
+                                    <p:animEffect transition="in" filter="fade">
+                                      <p:cBhvr>
+                                        <p:cTn id="13" dur="500"/>
+                                        <p:tgtEl>
+                                          <p:spTgt spid="1027"/>
+                                        </p:tgtEl>
+                                      </p:cBhvr>
+                                    </p:animEffect>
+                                  </p:childTnLst>
+                                </p:cTn>
+                              </p:par>
+                            </p:childTnLst>
+                          </p:cTn>
+                        </p:par>
+                      </p:childTnLst>
+                    </p:cTn>
+                  </p:par>
+                  <p:par>
+                    <p:cTn id="14" fill="hold">
+                      <p:stCondLst>
+                        <p:cond delay="indefinite"/>
+                      </p:stCondLst>
+                      <p:childTnLst>
+                        <p:par>
+                          <p:cTn id="15" fill="hold">
+                            <p:stCondLst>
+                              <p:cond delay="0"/>
+                            </p:stCondLst>
+                            <p:childTnLst>
+                              <p:par>
+                                <p:cTn id="16" presetID="10" presetClass="entr" presetSubtype="0" fill="hold" nodeType="clickEffect">
+                                  <p:stCondLst>
+                                    <p:cond delay="0"/>
+                                  </p:stCondLst>
+                                  <p:childTnLst>
+                                    <p:set>
+                                      <p:cBhvr>
+                                        <p:cTn id="17" dur="1" fill="hold">
+                                          <p:stCondLst>
+                                            <p:cond delay="0"/>
+                                          </p:stCondLst>
+                                        </p:cTn>
+                                        <p:tgtEl>
+                                          <p:spTgt spid="1028"/>
+                                        </p:tgtEl>
+                                        <p:attrNameLst>
+                                          <p:attrName>style.visibility</p:attrName>
+                                        </p:attrNameLst>
+                                      </p:cBhvr>
+                                      <p:to>
+                                        <p:strVal val="visible"/>
+                                      </p:to>
+                                    </p:set>
+                                    <p:animEffect transition="in" filter="fade">
+                                      <p:cBhvr>
+                                        <p:cTn id="18" dur="500"/>
+                                        <p:tgtEl>
+                                          <p:spTgt spid="1028"/>
+                                        </p:tgtEl>
+                                      </p:cBhvr>
+                                    </p:animEffect>
+                                  </p:childTnLst>
+                                </p:cTn>
+                              </p:par>
+                            </p:childTnLst>
+                          </p:cTn>
+                        </p:par>
+                      </p:childTnLst>
+                    </p:cTn>
+                  </p:par>
+                  <p:par>
+                    <p:cTn id="19" fill="hold">
+                      <p:stCondLst>
+                        <p:cond delay="indefinite"/>
+                      </p:stCondLst>
+                      <p:childTnLst>
+                        <p:par>
+                          <p:cTn id="20" fill="hold">
+                            <p:stCondLst>
+                              <p:cond delay="0"/>
+                            </p:stCondLst>
+                            <p:childTnLst>
+                              <p:par>
+                                <p:cTn id="21" presetID="1" presetClass="entr" presetSubtype="0" fill="hold" nodeType="clickEffect">
+                                  <p:stCondLst>
+                                    <p:cond delay="0"/>
+                                  </p:stCondLst>
+                                  <p:childTnLst>
+                                    <p:set>
+                                      <p:cBhvr>
+                                        <p:cTn id="22" dur="1" fill="hold">
+                                          <p:stCondLst>
+                                            <p:cond delay="0"/>
+                                          </p:stCondLst>
+                                        </p:cTn>
+                                        <p:tgtEl>
+                                          <p:spTgt spid="3">
+                                            <p:txEl>
+                                              <p:pRg st="3" end="3"/>
+                                            </p:txEl>
+                                          </p:spTgt>
+                                        </p:tgtEl>
+                                        <p:attrNameLst>
+                                          <p:attrName>style.visibility</p:attrName>
+                                        </p:attrNameLst>
+                                      </p:cBhvr>
+                                      <p:to>
+                                        <p:strVal val="visible"/>
+                                      </p:to>
+                                    </p:set>
+                                  </p:childTnLst>
+                                </p:cTn>
+                              </p:par>
+                              <p:par>
+                                <p:cTn id="23" presetID="1" presetClass="exit" presetSubtype="0" fill="hold" nodeType="withEffect">
+                                  <p:stCondLst>
+                                    <p:cond delay="0"/>
+                                  </p:stCondLst>
+                                  <p:childTnLst>
+                                    <p:set>
+                                      <p:cBhvr>
+                                        <p:cTn id="24" dur="1" fill="hold">
+                                          <p:stCondLst>
+                                            <p:cond delay="0"/>
+                                          </p:stCondLst>
+                                        </p:cTn>
+                                        <p:tgtEl>
+                                          <p:spTgt spid="1027"/>
+                                        </p:tgtEl>
+                                        <p:attrNameLst>
+                                          <p:attrName>style.visibility</p:attrName>
+                                        </p:attrNameLst>
+                                      </p:cBhvr>
+                                      <p:to>
+                                        <p:strVal val="hidden"/>
+                                      </p:to>
+                                    </p:set>
+                                  </p:childTnLst>
+                                </p:cTn>
+                              </p:par>
+                              <p:par>
+                                <p:cTn id="25" presetID="1" presetClass="entr" presetSubtype="0" fill="hold" nodeType="withEffect">
+                                  <p:stCondLst>
+                                    <p:cond delay="0"/>
+                                  </p:stCondLst>
+                                  <p:childTnLst>
+                                    <p:set>
+                                      <p:cBhvr>
+                                        <p:cTn id="26" dur="1" fill="hold">
+                                          <p:stCondLst>
+                                            <p:cond delay="0"/>
+                                          </p:stCondLst>
+                                        </p:cTn>
+                                        <p:tgtEl>
+                                          <p:spTgt spid="3">
+                                            <p:txEl>
+                                              <p:pRg st="4" end="4"/>
+                                            </p:txEl>
+                                          </p:spTgt>
+                                        </p:tgtEl>
+                                        <p:attrNameLst>
+                                          <p:attrName>style.visibility</p:attrName>
+                                        </p:attrNameLst>
+                                      </p:cBhvr>
+                                      <p:to>
+                                        <p:strVal val="visible"/>
+                                      </p:to>
+                                    </p:set>
+                                  </p:childTnLst>
+                                </p:cTn>
+                              </p:par>
+                              <p:par>
+                                <p:cTn id="27" presetID="1" presetClass="exit" presetSubtype="0" fill="hold" nodeType="withEffect">
+                                  <p:stCondLst>
+                                    <p:cond delay="0"/>
+                                  </p:stCondLst>
+                                  <p:childTnLst>
+                                    <p:set>
+                                      <p:cBhvr>
+                                        <p:cTn id="28" dur="1" fill="hold">
+                                          <p:stCondLst>
+                                            <p:cond delay="0"/>
+                                          </p:stCondLst>
+                                        </p:cTn>
+                                        <p:tgtEl>
+                                          <p:spTgt spid="1028"/>
+                                        </p:tgtEl>
+                                        <p:attrNameLst>
+                                          <p:attrName>style.visibility</p:attrName>
+                                        </p:attrNameLst>
+                                      </p:cBhvr>
+                                      <p:to>
+                                        <p:strVal val="hidden"/>
+                                      </p:to>
+                                    </p:set>
+                                  </p:childTnLst>
+                                </p:cTn>
+                              </p:par>
+                            </p:childTnLst>
+                          </p:cTn>
+                        </p:par>
+                      </p:childTnLst>
+                    </p:cTn>
+                  </p:par>
+                  <p:par>
+                    <p:cTn id="29" fill="hold">
+                      <p:stCondLst>
+                        <p:cond delay="indefinite"/>
+                      </p:stCondLst>
+                      <p:childTnLst>
+                        <p:par>
+                          <p:cTn id="30" fill="hold">
+                            <p:stCondLst>
+                              <p:cond delay="0"/>
+                            </p:stCondLst>
+                            <p:childTnLst>
+                              <p:par>
+                                <p:cTn id="31" presetID="1" presetClass="entr" presetSubtype="0" fill="hold" nodeType="clickEffect">
+                                  <p:stCondLst>
+                                    <p:cond delay="0"/>
+                                  </p:stCondLst>
+                                  <p:childTnLst>
+                                    <p:set>
+                                      <p:cBhvr>
+                                        <p:cTn id="32" dur="1" fill="hold">
+                                          <p:stCondLst>
+                                            <p:cond delay="0"/>
+                                          </p:stCondLst>
+                                        </p:cTn>
+                                        <p:tgtEl>
+                                          <p:spTgt spid="3">
+                                            <p:txEl>
+                                              <p:pRg st="6" end="6"/>
+                                            </p:txEl>
+                                          </p:spTgt>
+                                        </p:tgtEl>
+                                        <p:attrNameLst>
+                                          <p:attrName>style.visibility</p:attrName>
+                                        </p:attrNameLst>
+                                      </p:cBhvr>
+                                      <p:to>
+                                        <p:strVal val="visible"/>
+                                      </p:to>
+                                    </p:set>
+                                  </p:childTnLst>
+                                </p:cTn>
+                              </p:par>
+                              <p:par>
+                                <p:cTn id="33" presetID="1" presetClass="entr" presetSubtype="0" fill="hold" nodeType="withEffect">
+                                  <p:stCondLst>
+                                    <p:cond delay="0"/>
+                                  </p:stCondLst>
+                                  <p:childTnLst>
+                                    <p:set>
+                                      <p:cBhvr>
+                                        <p:cTn id="34" dur="1" fill="hold">
+                                          <p:stCondLst>
+                                            <p:cond delay="0"/>
+                                          </p:stCondLst>
+                                        </p:cTn>
+                                        <p:tgtEl>
+                                          <p:spTgt spid="3">
+                                            <p:txEl>
+                                              <p:pRg st="7" end="7"/>
+                                            </p:txEl>
+                                          </p:spTgt>
+                                        </p:tgtEl>
+                                        <p:attrNameLst>
+                                          <p:attrName>style.visibility</p:attrName>
+                                        </p:attrNameLst>
+                                      </p:cBhvr>
+                                      <p:to>
+                                        <p:strVal val="visible"/>
+                                      </p:to>
+                                    </p:set>
+                                  </p:childTnLst>
+                                </p:cTn>
+                              </p:par>
+                            </p:childTnLst>
+                          </p:cTn>
+                        </p:par>
+                      </p:childTnLst>
+                    </p:cTn>
+                  </p:par>
+                </p:childTnLst>
+              </p:cTn>
+              <p:prevCondLst>
+                <p:cond evt="onPrev" delay="0">
+                  <p:tgtEl>
+                    <p:sldTgt/>
+                  </p:tgtEl>
+                </p:cond>
+              </p:prevCondLst>
+              <p:nextCondLst>
+                <p:cond evt="onNext" delay="0">
+                  <p:tgtEl>
+                    <p:sldTgt/>
+                  </p:tgtEl>
+                </p:cond>
+              </p:nextCondLst>
+            </p:seq>
+          </p:childTnLst>
+        </p:cTn>
       </p:par>
     </p:tnLst>
   </p:timing>
@@ -35009,7 +34132,7 @@
     </p:spTree>
     <p:extLst>
       <p:ext uri="{BB962C8B-B14F-4D97-AF65-F5344CB8AC3E}">
-        <p14:creationId xmlns:p14="http://schemas.microsoft.com/office/powerpoint/2010/main" val="4120540787"/>
+        <p14:creationId xmlns:p14="http://schemas.microsoft.com/office/powerpoint/2010/main" val="237935291"/>
       </p:ext>
     </p:extLst>
   </p:cSld>

--- a/Documentation/Praesentation/PresentationRoomanizer.pptx
+++ b/Documentation/Praesentation/PresentationRoomanizer.pptx
@@ -12,9 +12,9 @@
     <p:sldId id="257" r:id="rId3"/>
     <p:sldId id="286" r:id="rId4"/>
     <p:sldId id="346" r:id="rId5"/>
-    <p:sldId id="348" r:id="rId6"/>
-    <p:sldId id="333" r:id="rId7"/>
-    <p:sldId id="345" r:id="rId8"/>
+    <p:sldId id="333" r:id="rId6"/>
+    <p:sldId id="345" r:id="rId7"/>
+    <p:sldId id="348" r:id="rId8"/>
     <p:sldId id="323" r:id="rId9"/>
     <p:sldId id="329" r:id="rId10"/>
     <p:sldId id="332" r:id="rId11"/>
@@ -25,8 +25,8 @@
     <p:sldId id="338" r:id="rId16"/>
     <p:sldId id="339" r:id="rId17"/>
     <p:sldId id="340" r:id="rId18"/>
-    <p:sldId id="341" r:id="rId19"/>
-    <p:sldId id="342" r:id="rId20"/>
+    <p:sldId id="342" r:id="rId19"/>
+    <p:sldId id="341" r:id="rId20"/>
     <p:sldId id="343" r:id="rId21"/>
     <p:sldId id="357" r:id="rId22"/>
     <p:sldId id="358" r:id="rId23"/>
@@ -4763,7 +4763,7 @@
           <a:p>
             <a:fld id="{3980AEB2-C199-9048-A2B7-7DA9A47AD0EB}" type="slidenum">
               <a:rPr lang="de-DE" smtClean="0"/>
-              <a:t>19</a:t>
+              <a:t>18</a:t>
             </a:fld>
             <a:endParaRPr lang="de-DE"/>
           </a:p>
@@ -15900,7 +15900,7 @@
                 <a:latin typeface="Times New Roman" pitchFamily="16" charset="0"/>
               </a:rPr>
               <a:pPr eaLnBrk="1"/>
-              <a:t>6</a:t>
+              <a:t>5</a:t>
             </a:fld>
             <a:endParaRPr lang="de-AT" smtClean="0">
               <a:solidFill>
@@ -16223,7 +16223,7 @@
                 <a:latin typeface="Times New Roman" pitchFamily="16" charset="0"/>
               </a:rPr>
               <a:pPr eaLnBrk="1"/>
-              <a:t>7</a:t>
+              <a:t>6</a:t>
             </a:fld>
             <a:endParaRPr lang="de-AT" smtClean="0">
               <a:solidFill>
@@ -22966,7 +22966,7 @@
       </p:sp>
       <p:pic>
         <p:nvPicPr>
-          <p:cNvPr id="3" name="Bild 2" descr="Package_diagram-1.jpg"/>
+          <p:cNvPr id="3" name="Bild 2"/>
           <p:cNvPicPr>
             <a:picLocks noChangeAspect="1"/>
           </p:cNvPicPr>
@@ -22986,8 +22986,8 @@
         </p:blipFill>
         <p:spPr>
           <a:xfrm>
-            <a:off x="0" y="1412776"/>
-            <a:ext cx="9144000" cy="4768400"/>
+            <a:off x="1515333" y="1412776"/>
+            <a:ext cx="6113333" cy="4768400"/>
           </a:xfrm>
           <a:prstGeom prst="rect">
             <a:avLst/>
@@ -23063,6 +23063,36 @@
           </a:p>
         </p:txBody>
       </p:sp>
+      <p:pic>
+        <p:nvPicPr>
+          <p:cNvPr id="6" name="Grafik 5"/>
+          <p:cNvPicPr>
+            <a:picLocks noChangeAspect="1"/>
+          </p:cNvPicPr>
+          <p:nvPr/>
+        </p:nvPicPr>
+        <p:blipFill>
+          <a:blip r:embed="rId4" cstate="print">
+            <a:extLst>
+              <a:ext uri="{28A0092B-C50C-407E-A947-70E740481C1C}">
+                <a14:useLocalDpi xmlns:a14="http://schemas.microsoft.com/office/drawing/2010/main" val="0"/>
+              </a:ext>
+            </a:extLst>
+          </a:blip>
+          <a:stretch>
+            <a:fillRect/>
+          </a:stretch>
+        </p:blipFill>
+        <p:spPr>
+          <a:xfrm>
+            <a:off x="5868145" y="1131270"/>
+            <a:ext cx="1872207" cy="1193073"/>
+          </a:xfrm>
+          <a:prstGeom prst="rect">
+            <a:avLst/>
+          </a:prstGeom>
+        </p:spPr>
+      </p:pic>
     </p:spTree>
     <p:extLst>
       <p:ext uri="{BB962C8B-B14F-4D97-AF65-F5344CB8AC3E}">
@@ -23080,7 +23110,101 @@
         <p:cTn id="1" dur="indefinite" restart="never" nodeType="tmRoot">
           <p:childTnLst>
             <p:seq concurrent="1" nextAc="seek">
-              <p:cTn id="2" dur="0" nodeType="mainSeq"/>
+              <p:cTn id="2" dur="0" nodeType="mainSeq">
+                <p:childTnLst>
+                  <p:par>
+                    <p:cTn id="3" fill="hold">
+                      <p:stCondLst>
+                        <p:cond delay="indefinite"/>
+                      </p:stCondLst>
+                      <p:childTnLst>
+                        <p:par>
+                          <p:cTn id="4" fill="hold">
+                            <p:stCondLst>
+                              <p:cond delay="0"/>
+                            </p:stCondLst>
+                            <p:childTnLst>
+                              <p:par>
+                                <p:cTn id="5" presetID="2" presetClass="entr" presetSubtype="4" fill="hold" nodeType="clickEffect">
+                                  <p:stCondLst>
+                                    <p:cond delay="0"/>
+                                  </p:stCondLst>
+                                  <p:childTnLst>
+                                    <p:set>
+                                      <p:cBhvr>
+                                        <p:cTn id="6" dur="1" fill="hold">
+                                          <p:stCondLst>
+                                            <p:cond delay="0"/>
+                                          </p:stCondLst>
+                                        </p:cTn>
+                                        <p:tgtEl>
+                                          <p:spTgt spid="6"/>
+                                        </p:tgtEl>
+                                        <p:attrNameLst>
+                                          <p:attrName>style.visibility</p:attrName>
+                                        </p:attrNameLst>
+                                      </p:cBhvr>
+                                      <p:to>
+                                        <p:strVal val="visible"/>
+                                      </p:to>
+                                    </p:set>
+                                    <p:anim calcmode="lin" valueType="num">
+                                      <p:cBhvr additive="base">
+                                        <p:cTn id="7" dur="500" fill="hold"/>
+                                        <p:tgtEl>
+                                          <p:spTgt spid="6"/>
+                                        </p:tgtEl>
+                                        <p:attrNameLst>
+                                          <p:attrName>ppt_x</p:attrName>
+                                        </p:attrNameLst>
+                                      </p:cBhvr>
+                                      <p:tavLst>
+                                        <p:tav tm="0">
+                                          <p:val>
+                                            <p:strVal val="#ppt_x"/>
+                                          </p:val>
+                                        </p:tav>
+                                        <p:tav tm="100000">
+                                          <p:val>
+                                            <p:strVal val="#ppt_x"/>
+                                          </p:val>
+                                        </p:tav>
+                                      </p:tavLst>
+                                    </p:anim>
+                                    <p:anim calcmode="lin" valueType="num">
+                                      <p:cBhvr additive="base">
+                                        <p:cTn id="8" dur="500" fill="hold"/>
+                                        <p:tgtEl>
+                                          <p:spTgt spid="6"/>
+                                        </p:tgtEl>
+                                        <p:attrNameLst>
+                                          <p:attrName>ppt_y</p:attrName>
+                                        </p:attrNameLst>
+                                      </p:cBhvr>
+                                      <p:tavLst>
+                                        <p:tav tm="0">
+                                          <p:val>
+                                            <p:strVal val="1+#ppt_h/2"/>
+                                          </p:val>
+                                        </p:tav>
+                                        <p:tav tm="100000">
+                                          <p:val>
+                                            <p:strVal val="#ppt_y"/>
+                                          </p:val>
+                                        </p:tav>
+                                      </p:tavLst>
+                                    </p:anim>
+                                  </p:childTnLst>
+                                </p:cTn>
+                              </p:par>
+                            </p:childTnLst>
+                          </p:cTn>
+                        </p:par>
+                      </p:childTnLst>
+                    </p:cTn>
+                  </p:par>
+                </p:childTnLst>
+              </p:cTn>
               <p:prevCondLst>
                 <p:cond evt="onPrev" delay="0">
                   <p:tgtEl>
@@ -23575,7 +23699,11 @@
             </a:r>
             <a:r>
               <a:rPr lang="de-DE" dirty="0" smtClean="0"/>
-              <a:t> a </a:t>
+              <a:t> </a:t>
+            </a:r>
+            <a:r>
+              <a:rPr lang="de-DE" dirty="0" smtClean="0"/>
+              <a:t>an </a:t>
             </a:r>
             <a:r>
               <a:rPr lang="de-DE" dirty="0" err="1" smtClean="0"/>
@@ -23642,7 +23770,15 @@
             </a:r>
             <a:r>
               <a:rPr lang="de-DE" dirty="0" smtClean="0"/>
-              <a:t> a </a:t>
+              <a:t> </a:t>
+            </a:r>
+            <a:r>
+              <a:rPr lang="de-DE" dirty="0" err="1" smtClean="0"/>
+              <a:t>the</a:t>
+            </a:r>
+            <a:r>
+              <a:rPr lang="de-DE" dirty="0" smtClean="0"/>
+              <a:t> </a:t>
             </a:r>
             <a:r>
               <a:rPr lang="de-DE" dirty="0" err="1" smtClean="0"/>
@@ -23810,25 +23946,61 @@
           <a:p>
             <a:r>
               <a:rPr lang="de-DE" dirty="0" smtClean="0"/>
-              <a:t>View</a:t>
+              <a:t>Controller</a:t>
             </a:r>
           </a:p>
           <a:p>
             <a:pPr lvl="1"/>
             <a:r>
               <a:rPr lang="de-DE" dirty="0" err="1" smtClean="0"/>
-              <a:t>Contains</a:t>
+              <a:t>For</a:t>
             </a:r>
             <a:r>
               <a:rPr lang="de-DE" dirty="0" smtClean="0"/>
-              <a:t> all </a:t>
+              <a:t> </a:t>
             </a:r>
             <a:r>
               <a:rPr lang="de-DE" dirty="0" err="1" smtClean="0"/>
-              <a:t>classes</a:t>
-            </a:r>
-            <a:r>
-              <a:rPr lang="de-DE" dirty="0"/>
+              <a:t>each</a:t>
+            </a:r>
+            <a:r>
+              <a:rPr lang="de-DE" dirty="0" smtClean="0"/>
+              <a:t> </a:t>
+            </a:r>
+            <a:r>
+              <a:rPr lang="de-DE" dirty="0" err="1" smtClean="0"/>
+              <a:t>use-case</a:t>
+            </a:r>
+            <a:r>
+              <a:rPr lang="de-DE" dirty="0" smtClean="0"/>
+              <a:t> </a:t>
+            </a:r>
+            <a:r>
+              <a:rPr lang="de-DE" dirty="0" err="1" smtClean="0"/>
+              <a:t>one</a:t>
+            </a:r>
+            <a:r>
+              <a:rPr lang="de-DE" dirty="0" smtClean="0"/>
+              <a:t> </a:t>
+            </a:r>
+            <a:r>
+              <a:rPr lang="de-DE" dirty="0" err="1" smtClean="0"/>
+              <a:t>controller</a:t>
+            </a:r>
+            <a:endParaRPr lang="de-DE" dirty="0" smtClean="0"/>
+          </a:p>
+          <a:p>
+            <a:pPr lvl="1"/>
+            <a:r>
+              <a:rPr lang="de-DE" dirty="0" smtClean="0"/>
+              <a:t>Controllers </a:t>
+            </a:r>
+            <a:r>
+              <a:rPr lang="de-DE" dirty="0" err="1" smtClean="0"/>
+              <a:t>implement</a:t>
+            </a:r>
+            <a:r>
+              <a:rPr lang="de-DE" dirty="0" smtClean="0"/>
               <a:t> </a:t>
             </a:r>
             <a:r>
@@ -23837,167 +24009,15 @@
             </a:r>
             <a:r>
               <a:rPr lang="de-DE" dirty="0" smtClean="0"/>
-              <a:t> GUI </a:t>
+              <a:t> </a:t>
             </a:r>
             <a:r>
               <a:rPr lang="de-DE" dirty="0" err="1" smtClean="0"/>
-              <a:t>uses</a:t>
-            </a:r>
-            <a:endParaRPr lang="de-DE" dirty="0" smtClean="0"/>
-          </a:p>
-          <a:p>
-            <a:pPr lvl="1"/>
+              <a:t>state</a:t>
+            </a:r>
             <a:r>
               <a:rPr lang="de-DE" dirty="0" smtClean="0"/>
-              <a:t>Also </a:t>
-            </a:r>
-            <a:r>
-              <a:rPr lang="de-DE" dirty="0" err="1" smtClean="0"/>
-              <a:t>containing</a:t>
-            </a:r>
-            <a:r>
-              <a:rPr lang="de-DE" dirty="0" smtClean="0"/>
-              <a:t> </a:t>
-            </a:r>
-            <a:r>
-              <a:rPr lang="de-DE" dirty="0" err="1" smtClean="0"/>
-              <a:t>interfaces</a:t>
-            </a:r>
-            <a:r>
-              <a:rPr lang="de-DE" dirty="0" smtClean="0"/>
-              <a:t> </a:t>
-            </a:r>
-            <a:r>
-              <a:rPr lang="de-DE" dirty="0" err="1" smtClean="0"/>
-              <a:t>to</a:t>
-            </a:r>
-            <a:r>
-              <a:rPr lang="de-DE" dirty="0" smtClean="0"/>
-              <a:t> </a:t>
-            </a:r>
-            <a:r>
-              <a:rPr lang="de-DE" dirty="0" err="1" smtClean="0"/>
-              <a:t>hand</a:t>
-            </a:r>
-            <a:r>
-              <a:rPr lang="de-DE" dirty="0" smtClean="0"/>
-              <a:t> </a:t>
-            </a:r>
-            <a:r>
-              <a:rPr lang="de-DE" dirty="0" err="1" smtClean="0"/>
-              <a:t>over</a:t>
-            </a:r>
-            <a:r>
-              <a:rPr lang="de-DE" dirty="0"/>
-              <a:t> </a:t>
-            </a:r>
-            <a:r>
-              <a:rPr lang="de-DE" dirty="0" err="1" smtClean="0"/>
-              <a:t>information</a:t>
-            </a:r>
-            <a:r>
-              <a:rPr lang="de-DE" dirty="0" smtClean="0"/>
-              <a:t> </a:t>
-            </a:r>
-            <a:r>
-              <a:rPr lang="de-DE" dirty="0" err="1" smtClean="0"/>
-              <a:t>to</a:t>
-            </a:r>
-            <a:r>
-              <a:rPr lang="de-DE" dirty="0" smtClean="0"/>
-              <a:t> </a:t>
-            </a:r>
-            <a:r>
-              <a:rPr lang="de-DE" dirty="0" err="1" smtClean="0"/>
-              <a:t>the</a:t>
-            </a:r>
-            <a:r>
-              <a:rPr lang="de-DE" dirty="0" smtClean="0"/>
-              <a:t> </a:t>
-            </a:r>
-            <a:r>
-              <a:rPr lang="de-DE" dirty="0" err="1" smtClean="0"/>
-              <a:t>model</a:t>
-            </a:r>
-            <a:r>
-              <a:rPr lang="de-DE" dirty="0" smtClean="0"/>
-              <a:t> </a:t>
-            </a:r>
-            <a:r>
-              <a:rPr lang="de-DE" dirty="0" err="1" smtClean="0"/>
-              <a:t>layer</a:t>
-            </a:r>
-            <a:r>
-              <a:rPr lang="de-DE" dirty="0" smtClean="0"/>
-              <a:t> </a:t>
-            </a:r>
-            <a:r>
-              <a:rPr lang="de-DE" dirty="0" err="1" smtClean="0"/>
-              <a:t>and</a:t>
-            </a:r>
-            <a:r>
-              <a:rPr lang="de-DE" dirty="0" smtClean="0"/>
-              <a:t> </a:t>
-            </a:r>
-            <a:r>
-              <a:rPr lang="de-DE" dirty="0" err="1" smtClean="0"/>
-              <a:t>the</a:t>
-            </a:r>
-            <a:r>
-              <a:rPr lang="de-DE" dirty="0" smtClean="0"/>
-              <a:t> </a:t>
-            </a:r>
-            <a:r>
-              <a:rPr lang="de-DE" dirty="0" err="1" smtClean="0"/>
-              <a:t>other</a:t>
-            </a:r>
-            <a:r>
-              <a:rPr lang="de-DE" dirty="0" smtClean="0"/>
-              <a:t> </a:t>
-            </a:r>
-            <a:r>
-              <a:rPr lang="de-DE" dirty="0" err="1" smtClean="0"/>
-              <a:t>way</a:t>
-            </a:r>
-            <a:r>
-              <a:rPr lang="de-DE" dirty="0" smtClean="0"/>
-              <a:t> </a:t>
-            </a:r>
-            <a:r>
-              <a:rPr lang="de-DE" dirty="0" err="1" smtClean="0"/>
-              <a:t>round</a:t>
-            </a:r>
-            <a:endParaRPr lang="de-DE" dirty="0" smtClean="0"/>
-          </a:p>
-          <a:p>
-            <a:pPr lvl="1"/>
-            <a:r>
-              <a:rPr lang="de-DE" dirty="0" err="1" smtClean="0"/>
-              <a:t>Specific</a:t>
-            </a:r>
-            <a:r>
-              <a:rPr lang="de-DE" dirty="0" smtClean="0"/>
-              <a:t> </a:t>
-            </a:r>
-            <a:r>
-              <a:rPr lang="de-DE" dirty="0" err="1" smtClean="0"/>
-              <a:t>controller</a:t>
-            </a:r>
-            <a:r>
-              <a:rPr lang="de-DE" dirty="0" smtClean="0"/>
-              <a:t> </a:t>
-            </a:r>
-            <a:r>
-              <a:rPr lang="de-DE" dirty="0" err="1" smtClean="0"/>
-              <a:t>for</a:t>
-            </a:r>
-            <a:r>
-              <a:rPr lang="de-DE" dirty="0" smtClean="0"/>
-              <a:t> GUI </a:t>
-            </a:r>
-            <a:r>
-              <a:rPr lang="de-DE" dirty="0" err="1" smtClean="0"/>
-              <a:t>operations</a:t>
+              <a:t>-pattern</a:t>
             </a:r>
             <a:endParaRPr lang="de-DE" dirty="0"/>
           </a:p>
@@ -24018,7 +24038,7 @@
           <a:bodyPr/>
           <a:lstStyle/>
           <a:p>
-            <a:fld id="{0994480E-65DE-4E27-A77D-3FC0824918DE}" type="datetime1">
+            <a:fld id="{90348C0C-C52A-41F1-A153-FFFC42D07549}" type="datetime1">
               <a:rPr lang="de-DE" smtClean="0"/>
               <a:t>12.06.2012</a:t>
             </a:fld>
@@ -24075,7 +24095,7 @@
     </p:spTree>
     <p:extLst>
       <p:ext uri="{BB962C8B-B14F-4D97-AF65-F5344CB8AC3E}">
-        <p14:creationId xmlns:p14="http://schemas.microsoft.com/office/powerpoint/2010/main" val="3623746361"/>
+        <p14:creationId xmlns:p14="http://schemas.microsoft.com/office/powerpoint/2010/main" val="2132579426"/>
       </p:ext>
     </p:extLst>
   </p:cSld>
@@ -24149,38 +24169,170 @@
           <a:p>
             <a:r>
               <a:rPr lang="de-DE" dirty="0" smtClean="0"/>
-              <a:t>Controller</a:t>
+              <a:t>View</a:t>
             </a:r>
           </a:p>
           <a:p>
             <a:pPr lvl="1"/>
             <a:r>
               <a:rPr lang="de-DE" dirty="0" err="1" smtClean="0"/>
-              <a:t>For</a:t>
+              <a:t>Contains</a:t>
             </a:r>
             <a:r>
               <a:rPr lang="de-DE" dirty="0" smtClean="0"/>
-              <a:t> </a:t>
+              <a:t> all </a:t>
             </a:r>
             <a:r>
               <a:rPr lang="de-DE" dirty="0" err="1" smtClean="0"/>
-              <a:t>each</a:t>
+              <a:t>classes</a:t>
+            </a:r>
+            <a:r>
+              <a:rPr lang="de-DE" dirty="0"/>
+              <a:t> </a:t>
+            </a:r>
+            <a:r>
+              <a:rPr lang="de-DE" dirty="0" err="1" smtClean="0"/>
+              <a:t>the</a:t>
             </a:r>
             <a:r>
               <a:rPr lang="de-DE" dirty="0" smtClean="0"/>
-              <a:t> </a:t>
+              <a:t> GUI </a:t>
             </a:r>
             <a:r>
               <a:rPr lang="de-DE" dirty="0" err="1" smtClean="0"/>
-              <a:t>use-case</a:t>
-            </a:r>
+              <a:t>uses</a:t>
+            </a:r>
+            <a:endParaRPr lang="de-DE" dirty="0" smtClean="0"/>
+          </a:p>
+          <a:p>
+            <a:pPr lvl="1"/>
             <a:r>
               <a:rPr lang="de-DE" dirty="0" smtClean="0"/>
-              <a:t> </a:t>
+              <a:t>Also </a:t>
             </a:r>
             <a:r>
               <a:rPr lang="de-DE" dirty="0" err="1" smtClean="0"/>
-              <a:t>one</a:t>
+              <a:t>containing</a:t>
+            </a:r>
+            <a:r>
+              <a:rPr lang="de-DE" dirty="0" smtClean="0"/>
+              <a:t> </a:t>
+            </a:r>
+            <a:r>
+              <a:rPr lang="de-DE" dirty="0" err="1" smtClean="0"/>
+              <a:t>interfaces</a:t>
+            </a:r>
+            <a:r>
+              <a:rPr lang="de-DE" dirty="0" smtClean="0"/>
+              <a:t> </a:t>
+            </a:r>
+            <a:r>
+              <a:rPr lang="de-DE" dirty="0" err="1" smtClean="0"/>
+              <a:t>to</a:t>
+            </a:r>
+            <a:r>
+              <a:rPr lang="de-DE" dirty="0" smtClean="0"/>
+              <a:t> </a:t>
+            </a:r>
+            <a:r>
+              <a:rPr lang="de-DE" dirty="0" err="1" smtClean="0"/>
+              <a:t>hand</a:t>
+            </a:r>
+            <a:r>
+              <a:rPr lang="de-DE" dirty="0" smtClean="0"/>
+              <a:t> </a:t>
+            </a:r>
+            <a:r>
+              <a:rPr lang="de-DE" dirty="0" err="1" smtClean="0"/>
+              <a:t>over</a:t>
+            </a:r>
+            <a:r>
+              <a:rPr lang="de-DE" dirty="0"/>
+              <a:t> </a:t>
+            </a:r>
+            <a:r>
+              <a:rPr lang="de-DE" dirty="0" err="1" smtClean="0"/>
+              <a:t>information</a:t>
+            </a:r>
+            <a:r>
+              <a:rPr lang="de-DE" dirty="0" smtClean="0"/>
+              <a:t> </a:t>
+            </a:r>
+            <a:r>
+              <a:rPr lang="de-DE" dirty="0" err="1" smtClean="0"/>
+              <a:t>to</a:t>
+            </a:r>
+            <a:r>
+              <a:rPr lang="de-DE" dirty="0" smtClean="0"/>
+              <a:t> </a:t>
+            </a:r>
+            <a:r>
+              <a:rPr lang="de-DE" dirty="0" err="1" smtClean="0"/>
+              <a:t>the</a:t>
+            </a:r>
+            <a:r>
+              <a:rPr lang="de-DE" dirty="0" smtClean="0"/>
+              <a:t> </a:t>
+            </a:r>
+            <a:r>
+              <a:rPr lang="de-DE" dirty="0" err="1" smtClean="0"/>
+              <a:t>model</a:t>
+            </a:r>
+            <a:r>
+              <a:rPr lang="de-DE" dirty="0" smtClean="0"/>
+              <a:t> </a:t>
+            </a:r>
+            <a:r>
+              <a:rPr lang="de-DE" dirty="0" err="1" smtClean="0"/>
+              <a:t>layer</a:t>
+            </a:r>
+            <a:r>
+              <a:rPr lang="de-DE" dirty="0" smtClean="0"/>
+              <a:t> </a:t>
+            </a:r>
+            <a:r>
+              <a:rPr lang="de-DE" dirty="0" err="1" smtClean="0"/>
+              <a:t>and</a:t>
+            </a:r>
+            <a:r>
+              <a:rPr lang="de-DE" dirty="0" smtClean="0"/>
+              <a:t> </a:t>
+            </a:r>
+            <a:r>
+              <a:rPr lang="de-DE" dirty="0" err="1" smtClean="0"/>
+              <a:t>the</a:t>
+            </a:r>
+            <a:r>
+              <a:rPr lang="de-DE" dirty="0" smtClean="0"/>
+              <a:t> </a:t>
+            </a:r>
+            <a:r>
+              <a:rPr lang="de-DE" dirty="0" err="1" smtClean="0"/>
+              <a:t>other</a:t>
+            </a:r>
+            <a:r>
+              <a:rPr lang="de-DE" dirty="0" smtClean="0"/>
+              <a:t> </a:t>
+            </a:r>
+            <a:r>
+              <a:rPr lang="de-DE" dirty="0" err="1" smtClean="0"/>
+              <a:t>way</a:t>
+            </a:r>
+            <a:r>
+              <a:rPr lang="de-DE" dirty="0" smtClean="0"/>
+              <a:t> </a:t>
+            </a:r>
+            <a:r>
+              <a:rPr lang="de-DE" dirty="0" err="1" smtClean="0"/>
+              <a:t>round</a:t>
+            </a:r>
+            <a:endParaRPr lang="de-DE" dirty="0" smtClean="0"/>
+          </a:p>
+          <a:p>
+            <a:pPr lvl="1"/>
+            <a:r>
+              <a:rPr lang="de-DE" dirty="0" err="1" smtClean="0"/>
+              <a:t>Specific</a:t>
             </a:r>
             <a:r>
               <a:rPr lang="de-DE" dirty="0" smtClean="0"/>
@@ -24190,37 +24342,21 @@
               <a:rPr lang="de-DE" dirty="0" err="1" smtClean="0"/>
               <a:t>controller</a:t>
             </a:r>
-            <a:endParaRPr lang="de-DE" dirty="0" smtClean="0"/>
-          </a:p>
-          <a:p>
-            <a:pPr lvl="1"/>
             <a:r>
               <a:rPr lang="de-DE" dirty="0" smtClean="0"/>
-              <a:t>Controllers </a:t>
+              <a:t> </a:t>
             </a:r>
             <a:r>
               <a:rPr lang="de-DE" dirty="0" err="1" smtClean="0"/>
-              <a:t>implement</a:t>
+              <a:t>for</a:t>
             </a:r>
             <a:r>
               <a:rPr lang="de-DE" dirty="0" smtClean="0"/>
-              <a:t> </a:t>
+              <a:t> GUI </a:t>
             </a:r>
             <a:r>
               <a:rPr lang="de-DE" dirty="0" err="1" smtClean="0"/>
-              <a:t>the</a:t>
-            </a:r>
-            <a:r>
-              <a:rPr lang="de-DE" dirty="0" smtClean="0"/>
-              <a:t> </a:t>
-            </a:r>
-            <a:r>
-              <a:rPr lang="de-DE" dirty="0" err="1" smtClean="0"/>
-              <a:t>state</a:t>
-            </a:r>
-            <a:r>
-              <a:rPr lang="de-DE" dirty="0" smtClean="0"/>
-              <a:t>-pattern</a:t>
+              <a:t>operations</a:t>
             </a:r>
             <a:endParaRPr lang="de-DE" dirty="0"/>
           </a:p>
@@ -24241,7 +24377,7 @@
           <a:bodyPr/>
           <a:lstStyle/>
           <a:p>
-            <a:fld id="{90348C0C-C52A-41F1-A153-FFFC42D07549}" type="datetime1">
+            <a:fld id="{0994480E-65DE-4E27-A77D-3FC0824918DE}" type="datetime1">
               <a:rPr lang="de-DE" smtClean="0"/>
               <a:t>12.06.2012</a:t>
             </a:fld>
@@ -24298,7 +24434,7 @@
     </p:spTree>
     <p:extLst>
       <p:ext uri="{BB962C8B-B14F-4D97-AF65-F5344CB8AC3E}">
-        <p14:creationId xmlns:p14="http://schemas.microsoft.com/office/powerpoint/2010/main" val="2132579426"/>
+        <p14:creationId xmlns:p14="http://schemas.microsoft.com/office/powerpoint/2010/main" val="3623746361"/>
       </p:ext>
     </p:extLst>
   </p:cSld>
@@ -24368,7 +24504,7 @@
         <p:spPr/>
         <p:txBody>
           <a:bodyPr>
-            <a:normAutofit fontScale="77500" lnSpcReduction="20000"/>
+            <a:normAutofit fontScale="92500" lnSpcReduction="10000"/>
           </a:bodyPr>
           <a:lstStyle/>
           <a:p>
@@ -24416,18 +24552,6 @@
             <a:r>
               <a:rPr lang="de-AT" sz="4500" dirty="0" smtClean="0"/>
               <a:t>Outlook</a:t>
-            </a:r>
-          </a:p>
-          <a:p>
-            <a:r>
-              <a:rPr lang="de-AT" sz="4500" dirty="0" smtClean="0"/>
-              <a:t>Summary</a:t>
-            </a:r>
-          </a:p>
-          <a:p>
-            <a:r>
-              <a:rPr lang="de-AT" sz="4500" dirty="0" smtClean="0"/>
-              <a:t>End</a:t>
             </a:r>
           </a:p>
           <a:p>
@@ -27373,7 +27497,11 @@
           <a:p>
             <a:r>
               <a:rPr lang="de-AT" dirty="0" smtClean="0"/>
-              <a:t>Tobis Meusburger</a:t>
+              <a:t>Tobias </a:t>
+            </a:r>
+            <a:r>
+              <a:rPr lang="de-AT" dirty="0" smtClean="0"/>
+              <a:t>Meusburger</a:t>
             </a:r>
           </a:p>
           <a:p>
@@ -32017,7 +32145,15 @@
           <a:p>
             <a:r>
               <a:rPr lang="de-AT" dirty="0" smtClean="0"/>
-              <a:t>JSF</a:t>
+              <a:t>Java Server </a:t>
+            </a:r>
+            <a:r>
+              <a:rPr lang="de-AT" dirty="0" err="1" smtClean="0"/>
+              <a:t>Faces</a:t>
+            </a:r>
+            <a:r>
+              <a:rPr lang="de-AT" dirty="0" smtClean="0"/>
+              <a:t> (JSF)</a:t>
             </a:r>
             <a:endParaRPr lang="de-AT" dirty="0"/>
           </a:p>
@@ -32677,8 +32813,17 @@
           <a:p>
             <a:r>
               <a:rPr lang="de-AT" dirty="0" smtClean="0"/>
-              <a:t>Hotelsoftware</a:t>
-            </a:r>
+              <a:t>Hotelsoftware „</a:t>
+            </a:r>
+            <a:r>
+              <a:rPr lang="de-AT" dirty="0" err="1" smtClean="0"/>
+              <a:t>Roomanizer</a:t>
+            </a:r>
+            <a:r>
+              <a:rPr lang="de-AT" dirty="0" smtClean="0"/>
+              <a:t>“</a:t>
+            </a:r>
+            <a:endParaRPr lang="de-AT" dirty="0" smtClean="0"/>
           </a:p>
           <a:p>
             <a:pPr lvl="1"/>
@@ -33070,7 +33215,7 @@
           </p:cNvPicPr>
           <p:nvPr/>
         </p:nvPicPr>
-        <p:blipFill>
+        <p:blipFill rotWithShape="1">
           <a:blip r:embed="rId3">
             <a:extLst>
               <a:ext uri="{28A0092B-C50C-407E-A947-70E740481C1C}">
@@ -33079,9 +33224,7 @@
             </a:extLst>
           </a:blip>
           <a:srcRect/>
-          <a:stretch>
-            <a:fillRect/>
-          </a:stretch>
+          <a:stretch/>
         </p:blipFill>
         <p:spPr bwMode="auto">
           <a:xfrm>
@@ -34573,7 +34716,7 @@
         <p:spPr/>
         <p:txBody>
           <a:bodyPr>
-            <a:normAutofit lnSpcReduction="10000"/>
+            <a:normAutofit/>
           </a:bodyPr>
           <a:lstStyle/>
           <a:p>
@@ -34673,23 +34816,9 @@
           </a:p>
           <a:p>
             <a:r>
-              <a:rPr lang="de-AT" dirty="0"/>
+              <a:rPr lang="de-AT" dirty="0" smtClean="0"/>
               <a:t>Outlook</a:t>
             </a:r>
-          </a:p>
-          <a:p>
-            <a:r>
-              <a:rPr lang="de-AT" dirty="0"/>
-              <a:t>Summary</a:t>
-            </a:r>
-          </a:p>
-          <a:p>
-            <a:r>
-              <a:rPr lang="de-AT" dirty="0"/>
-              <a:t>End</a:t>
-            </a:r>
-          </a:p>
-          <a:p>
             <a:endParaRPr lang="en-GB" dirty="0"/>
           </a:p>
         </p:txBody>
@@ -34924,9 +35053,14 @@
               </a:tabLst>
             </a:pPr>
             <a:r>
-              <a:rPr lang="de-DE" sz="1800" dirty="0"/>
-              <a:t>PSP</a:t>
-            </a:r>
+              <a:rPr lang="de-DE" sz="1800" dirty="0" smtClean="0"/>
+              <a:t>Work Breakdown </a:t>
+            </a:r>
+            <a:r>
+              <a:rPr lang="de-DE" sz="1800" dirty="0" err="1" smtClean="0"/>
+              <a:t>Structure</a:t>
+            </a:r>
+            <a:endParaRPr lang="de-DE" sz="1800" dirty="0"/>
           </a:p>
           <a:p>
             <a:pPr marL="431800" indent="-323850">
@@ -35119,7 +35253,7 @@
         </p:blipFill>
         <p:spPr>
           <a:xfrm>
-            <a:off x="575493" y="1196752"/>
+            <a:off x="683568" y="1415091"/>
             <a:ext cx="7740923" cy="5389976"/>
           </a:xfrm>
           <a:prstGeom prst="rect">
@@ -35149,7 +35283,7 @@
         </p:blipFill>
         <p:spPr>
           <a:xfrm>
-            <a:off x="323528" y="1412776"/>
+            <a:off x="654698" y="1415091"/>
             <a:ext cx="8424936" cy="4982489"/>
           </a:xfrm>
           <a:prstGeom prst="rect">
@@ -35179,7 +35313,7 @@
         </p:blipFill>
         <p:spPr>
           <a:xfrm>
-            <a:off x="230594" y="1342972"/>
+            <a:off x="683568" y="1436610"/>
             <a:ext cx="8013814" cy="4390284"/>
           </a:xfrm>
           <a:prstGeom prst="rect">
@@ -35209,7 +35343,7 @@
         </p:blipFill>
         <p:spPr>
           <a:xfrm>
-            <a:off x="539552" y="1455812"/>
+            <a:off x="395536" y="1436610"/>
             <a:ext cx="7534952" cy="4939453"/>
           </a:xfrm>
           <a:prstGeom prst="rect">
@@ -39738,205 +39872,6 @@
       </p:grpSpPr>
       <p:sp>
         <p:nvSpPr>
-          <p:cNvPr id="2" name="Titel 1"/>
-          <p:cNvSpPr>
-            <a:spLocks noGrp="1"/>
-          </p:cNvSpPr>
-          <p:nvPr>
-            <p:ph type="title"/>
-          </p:nvPr>
-        </p:nvSpPr>
-        <p:spPr/>
-        <p:txBody>
-          <a:bodyPr/>
-          <a:lstStyle/>
-          <a:p>
-            <a:r>
-              <a:rPr lang="de-AT" dirty="0" smtClean="0"/>
-              <a:t>Customer </a:t>
-            </a:r>
-            <a:r>
-              <a:rPr lang="de-AT" dirty="0" err="1" smtClean="0"/>
-              <a:t>presenation</a:t>
-            </a:r>
-            <a:endParaRPr lang="en-GB" dirty="0"/>
-          </a:p>
-        </p:txBody>
-      </p:sp>
-      <p:sp>
-        <p:nvSpPr>
-          <p:cNvPr id="3" name="Inhaltsplatzhalter 2"/>
-          <p:cNvSpPr>
-            <a:spLocks noGrp="1"/>
-          </p:cNvSpPr>
-          <p:nvPr>
-            <p:ph idx="1"/>
-          </p:nvPr>
-        </p:nvSpPr>
-        <p:spPr/>
-        <p:txBody>
-          <a:bodyPr/>
-          <a:lstStyle/>
-          <a:p>
-            <a:pPr marL="457200" indent="-457200"/>
-            <a:r>
-              <a:rPr lang="de-AT" dirty="0"/>
-              <a:t>Demonstration </a:t>
-            </a:r>
-            <a:r>
-              <a:rPr lang="de-AT" dirty="0" err="1"/>
-              <a:t>of</a:t>
-            </a:r>
-            <a:r>
-              <a:rPr lang="de-AT" dirty="0"/>
-              <a:t> </a:t>
-            </a:r>
-            <a:r>
-              <a:rPr lang="de-AT" dirty="0" err="1"/>
-              <a:t>the</a:t>
-            </a:r>
-            <a:r>
-              <a:rPr lang="de-AT" dirty="0"/>
-              <a:t> </a:t>
-            </a:r>
-            <a:r>
-              <a:rPr lang="de-AT" dirty="0" err="1"/>
-              <a:t>program</a:t>
-            </a:r>
-            <a:endParaRPr lang="de-AT" dirty="0"/>
-          </a:p>
-          <a:p>
-            <a:pPr marL="457200" indent="-457200"/>
-            <a:r>
-              <a:rPr lang="de-AT" dirty="0" err="1"/>
-              <a:t>Screencast</a:t>
-            </a:r>
-            <a:endParaRPr lang="de-AT" dirty="0"/>
-          </a:p>
-          <a:p>
-            <a:pPr marL="457200" indent="-457200"/>
-            <a:r>
-              <a:rPr lang="de-AT" dirty="0" smtClean="0"/>
-              <a:t>Summary</a:t>
-            </a:r>
-            <a:endParaRPr lang="de-AT" dirty="0"/>
-          </a:p>
-          <a:p>
-            <a:pPr marL="0" indent="0">
-              <a:buNone/>
-            </a:pPr>
-            <a:endParaRPr lang="en-GB" dirty="0"/>
-          </a:p>
-        </p:txBody>
-      </p:sp>
-      <p:sp>
-        <p:nvSpPr>
-          <p:cNvPr id="4" name="Datumsplatzhalter 3"/>
-          <p:cNvSpPr>
-            <a:spLocks noGrp="1"/>
-          </p:cNvSpPr>
-          <p:nvPr>
-            <p:ph type="dt" sz="half" idx="10"/>
-          </p:nvPr>
-        </p:nvSpPr>
-        <p:spPr/>
-        <p:txBody>
-          <a:bodyPr/>
-          <a:lstStyle/>
-          <a:p>
-            <a:fld id="{281C52AE-42A8-4426-ADA6-159E569D9194}" type="datetime1">
-              <a:rPr lang="de-DE" smtClean="0"/>
-              <a:t>12.06.2012</a:t>
-            </a:fld>
-            <a:endParaRPr lang="de-DE"/>
-          </a:p>
-        </p:txBody>
-      </p:sp>
-      <p:sp>
-        <p:nvSpPr>
-          <p:cNvPr id="5" name="Fußzeilenplatzhalter 4"/>
-          <p:cNvSpPr>
-            <a:spLocks noGrp="1"/>
-          </p:cNvSpPr>
-          <p:nvPr>
-            <p:ph type="ftr" sz="quarter" idx="11"/>
-          </p:nvPr>
-        </p:nvSpPr>
-        <p:spPr/>
-        <p:txBody>
-          <a:bodyPr/>
-          <a:lstStyle/>
-          <a:p>
-            <a:r>
-              <a:rPr lang="de-DE" smtClean="0"/>
-              <a:t>Roomanizer Presentation Team E</a:t>
-            </a:r>
-            <a:endParaRPr lang="de-DE"/>
-          </a:p>
-        </p:txBody>
-      </p:sp>
-      <p:sp>
-        <p:nvSpPr>
-          <p:cNvPr id="6" name="Foliennummernplatzhalter 5"/>
-          <p:cNvSpPr>
-            <a:spLocks noGrp="1"/>
-          </p:cNvSpPr>
-          <p:nvPr>
-            <p:ph type="sldNum" sz="quarter" idx="12"/>
-          </p:nvPr>
-        </p:nvSpPr>
-        <p:spPr/>
-        <p:txBody>
-          <a:bodyPr/>
-          <a:lstStyle/>
-          <a:p>
-            <a:fld id="{6C6AE60A-B69C-4790-82F7-3882EDF23186}" type="slidenum">
-              <a:rPr lang="de-DE" smtClean="0"/>
-              <a:t>5</a:t>
-            </a:fld>
-            <a:endParaRPr lang="de-DE"/>
-          </a:p>
-        </p:txBody>
-      </p:sp>
-    </p:spTree>
-    <p:extLst>
-      <p:ext uri="{BB962C8B-B14F-4D97-AF65-F5344CB8AC3E}">
-        <p14:creationId xmlns:p14="http://schemas.microsoft.com/office/powerpoint/2010/main" val="805443497"/>
-      </p:ext>
-    </p:extLst>
-  </p:cSld>
-  <p:clrMapOvr>
-    <a:masterClrMapping/>
-  </p:clrMapOvr>
-  <p:timing>
-    <p:tnLst>
-      <p:par>
-        <p:cTn id="1" dur="indefinite" restart="never" nodeType="tmRoot"/>
-      </p:par>
-    </p:tnLst>
-  </p:timing>
-</p:sld>
-</file>
-
-<file path=ppt/slides/slide6.xml><?xml version="1.0" encoding="utf-8"?>
-<p:sld xmlns:a="http://schemas.openxmlformats.org/drawingml/2006/main" xmlns:r="http://schemas.openxmlformats.org/officeDocument/2006/relationships" xmlns:p="http://schemas.openxmlformats.org/presentationml/2006/main">
-  <p:cSld>
-    <p:spTree>
-      <p:nvGrpSpPr>
-        <p:cNvPr id="1" name=""/>
-        <p:cNvGrpSpPr/>
-        <p:nvPr/>
-      </p:nvGrpSpPr>
-      <p:grpSpPr>
-        <a:xfrm>
-          <a:off x="0" y="0"/>
-          <a:ext cx="0" cy="0"/>
-          <a:chOff x="0" y="0"/>
-          <a:chExt cx="0" cy="0"/>
-        </a:xfrm>
-      </p:grpSpPr>
-      <p:sp>
-        <p:nvSpPr>
           <p:cNvPr id="3" name="Date Placeholder 2"/>
           <p:cNvSpPr>
             <a:spLocks noGrp="1"/>
@@ -40814,7 +40749,34 @@
                 </a:solidFill>
                 <a:latin typeface="Calibri" charset="0"/>
               </a:rPr>
-              <a:t>accounting</a:t>
+              <a:t>d</a:t>
+            </a:r>
+            <a:r>
+              <a:rPr lang="de-DE" sz="3200" dirty="0" err="1" smtClean="0">
+                <a:solidFill>
+                  <a:srgbClr val="000000"/>
+                </a:solidFill>
+                <a:latin typeface="Calibri" charset="0"/>
+              </a:rPr>
+              <a:t>ay</a:t>
+            </a:r>
+            <a:r>
+              <a:rPr lang="de-DE" sz="3200" dirty="0" smtClean="0">
+                <a:solidFill>
+                  <a:srgbClr val="000000"/>
+                </a:solidFill>
+                <a:latin typeface="Calibri" charset="0"/>
+              </a:rPr>
+              <a:t> end </a:t>
+            </a:r>
+            <a:r>
+              <a:rPr lang="de-DE" sz="3200" dirty="0" err="1" smtClean="0">
+                <a:solidFill>
+                  <a:srgbClr val="000000"/>
+                </a:solidFill>
+                <a:latin typeface="Calibri" charset="0"/>
+              </a:rPr>
+              <a:t>closing</a:t>
             </a:r>
             <a:endParaRPr lang="de-DE" sz="3200" dirty="0">
               <a:solidFill>
@@ -40985,7 +40947,7 @@
               <a:pPr>
                 <a:defRPr/>
               </a:pPr>
-              <a:t>6</a:t>
+              <a:t>5</a:t>
             </a:fld>
             <a:endParaRPr lang="de-AT"/>
           </a:p>
@@ -41011,7 +40973,7 @@
 </p:sld>
 </file>
 
-<file path=ppt/slides/slide7.xml><?xml version="1.0" encoding="utf-8"?>
+<file path=ppt/slides/slide6.xml><?xml version="1.0" encoding="utf-8"?>
 <p:sld xmlns:a="http://schemas.openxmlformats.org/drawingml/2006/main" xmlns:r="http://schemas.openxmlformats.org/officeDocument/2006/relationships" xmlns:p="http://schemas.openxmlformats.org/presentationml/2006/main">
   <p:cSld>
     <p:spTree>
@@ -41409,7 +41371,7 @@
               <a:pPr>
                 <a:defRPr/>
               </a:pPr>
-              <a:t>7</a:t>
+              <a:t>6</a:t>
             </a:fld>
             <a:endParaRPr lang="de-AT"/>
           </a:p>
@@ -41573,6 +41535,205 @@
     <p:extLst>
       <p:ext uri="{BB962C8B-B14F-4D97-AF65-F5344CB8AC3E}">
         <p14:creationId xmlns:p14="http://schemas.microsoft.com/office/powerpoint/2010/main" val="635496484"/>
+      </p:ext>
+    </p:extLst>
+  </p:cSld>
+  <p:clrMapOvr>
+    <a:masterClrMapping/>
+  </p:clrMapOvr>
+  <p:timing>
+    <p:tnLst>
+      <p:par>
+        <p:cTn id="1" dur="indefinite" restart="never" nodeType="tmRoot"/>
+      </p:par>
+    </p:tnLst>
+  </p:timing>
+</p:sld>
+</file>
+
+<file path=ppt/slides/slide7.xml><?xml version="1.0" encoding="utf-8"?>
+<p:sld xmlns:a="http://schemas.openxmlformats.org/drawingml/2006/main" xmlns:r="http://schemas.openxmlformats.org/officeDocument/2006/relationships" xmlns:p="http://schemas.openxmlformats.org/presentationml/2006/main">
+  <p:cSld>
+    <p:spTree>
+      <p:nvGrpSpPr>
+        <p:cNvPr id="1" name=""/>
+        <p:cNvGrpSpPr/>
+        <p:nvPr/>
+      </p:nvGrpSpPr>
+      <p:grpSpPr>
+        <a:xfrm>
+          <a:off x="0" y="0"/>
+          <a:ext cx="0" cy="0"/>
+          <a:chOff x="0" y="0"/>
+          <a:chExt cx="0" cy="0"/>
+        </a:xfrm>
+      </p:grpSpPr>
+      <p:sp>
+        <p:nvSpPr>
+          <p:cNvPr id="2" name="Titel 1"/>
+          <p:cNvSpPr>
+            <a:spLocks noGrp="1"/>
+          </p:cNvSpPr>
+          <p:nvPr>
+            <p:ph type="title"/>
+          </p:nvPr>
+        </p:nvSpPr>
+        <p:spPr/>
+        <p:txBody>
+          <a:bodyPr/>
+          <a:lstStyle/>
+          <a:p>
+            <a:r>
+              <a:rPr lang="de-AT" dirty="0" smtClean="0"/>
+              <a:t>Customer </a:t>
+            </a:r>
+            <a:r>
+              <a:rPr lang="de-AT" dirty="0" err="1" smtClean="0"/>
+              <a:t>presenation</a:t>
+            </a:r>
+            <a:endParaRPr lang="en-GB" dirty="0"/>
+          </a:p>
+        </p:txBody>
+      </p:sp>
+      <p:sp>
+        <p:nvSpPr>
+          <p:cNvPr id="3" name="Inhaltsplatzhalter 2"/>
+          <p:cNvSpPr>
+            <a:spLocks noGrp="1"/>
+          </p:cNvSpPr>
+          <p:nvPr>
+            <p:ph idx="1"/>
+          </p:nvPr>
+        </p:nvSpPr>
+        <p:spPr/>
+        <p:txBody>
+          <a:bodyPr/>
+          <a:lstStyle/>
+          <a:p>
+            <a:pPr marL="457200" indent="-457200"/>
+            <a:r>
+              <a:rPr lang="de-AT" dirty="0"/>
+              <a:t>Demonstration </a:t>
+            </a:r>
+            <a:r>
+              <a:rPr lang="de-AT" dirty="0" err="1"/>
+              <a:t>of</a:t>
+            </a:r>
+            <a:r>
+              <a:rPr lang="de-AT" dirty="0"/>
+              <a:t> </a:t>
+            </a:r>
+            <a:r>
+              <a:rPr lang="de-AT" dirty="0" err="1"/>
+              <a:t>the</a:t>
+            </a:r>
+            <a:r>
+              <a:rPr lang="de-AT" dirty="0"/>
+              <a:t> </a:t>
+            </a:r>
+            <a:r>
+              <a:rPr lang="de-AT" dirty="0" err="1"/>
+              <a:t>program</a:t>
+            </a:r>
+            <a:endParaRPr lang="de-AT" dirty="0"/>
+          </a:p>
+          <a:p>
+            <a:pPr marL="457200" indent="-457200"/>
+            <a:r>
+              <a:rPr lang="de-AT" dirty="0" err="1"/>
+              <a:t>Screencast</a:t>
+            </a:r>
+            <a:endParaRPr lang="de-AT" dirty="0"/>
+          </a:p>
+          <a:p>
+            <a:pPr marL="457200" indent="-457200"/>
+            <a:r>
+              <a:rPr lang="de-AT" dirty="0" smtClean="0"/>
+              <a:t>Summary</a:t>
+            </a:r>
+            <a:endParaRPr lang="de-AT" dirty="0"/>
+          </a:p>
+          <a:p>
+            <a:pPr marL="0" indent="0">
+              <a:buNone/>
+            </a:pPr>
+            <a:endParaRPr lang="en-GB" dirty="0"/>
+          </a:p>
+        </p:txBody>
+      </p:sp>
+      <p:sp>
+        <p:nvSpPr>
+          <p:cNvPr id="4" name="Datumsplatzhalter 3"/>
+          <p:cNvSpPr>
+            <a:spLocks noGrp="1"/>
+          </p:cNvSpPr>
+          <p:nvPr>
+            <p:ph type="dt" sz="half" idx="10"/>
+          </p:nvPr>
+        </p:nvSpPr>
+        <p:spPr/>
+        <p:txBody>
+          <a:bodyPr/>
+          <a:lstStyle/>
+          <a:p>
+            <a:fld id="{281C52AE-42A8-4426-ADA6-159E569D9194}" type="datetime1">
+              <a:rPr lang="de-DE" smtClean="0"/>
+              <a:t>12.06.2012</a:t>
+            </a:fld>
+            <a:endParaRPr lang="de-DE"/>
+          </a:p>
+        </p:txBody>
+      </p:sp>
+      <p:sp>
+        <p:nvSpPr>
+          <p:cNvPr id="5" name="Fußzeilenplatzhalter 4"/>
+          <p:cNvSpPr>
+            <a:spLocks noGrp="1"/>
+          </p:cNvSpPr>
+          <p:nvPr>
+            <p:ph type="ftr" sz="quarter" idx="11"/>
+          </p:nvPr>
+        </p:nvSpPr>
+        <p:spPr/>
+        <p:txBody>
+          <a:bodyPr/>
+          <a:lstStyle/>
+          <a:p>
+            <a:r>
+              <a:rPr lang="de-DE" smtClean="0"/>
+              <a:t>Roomanizer Presentation Team E</a:t>
+            </a:r>
+            <a:endParaRPr lang="de-DE"/>
+          </a:p>
+        </p:txBody>
+      </p:sp>
+      <p:sp>
+        <p:nvSpPr>
+          <p:cNvPr id="6" name="Foliennummernplatzhalter 5"/>
+          <p:cNvSpPr>
+            <a:spLocks noGrp="1"/>
+          </p:cNvSpPr>
+          <p:nvPr>
+            <p:ph type="sldNum" sz="quarter" idx="12"/>
+          </p:nvPr>
+        </p:nvSpPr>
+        <p:spPr/>
+        <p:txBody>
+          <a:bodyPr/>
+          <a:lstStyle/>
+          <a:p>
+            <a:fld id="{6C6AE60A-B69C-4790-82F7-3882EDF23186}" type="slidenum">
+              <a:rPr lang="de-DE" smtClean="0"/>
+              <a:t>7</a:t>
+            </a:fld>
+            <a:endParaRPr lang="de-DE"/>
+          </a:p>
+        </p:txBody>
+      </p:sp>
+    </p:spTree>
+    <p:extLst>
+      <p:ext uri="{BB962C8B-B14F-4D97-AF65-F5344CB8AC3E}">
+        <p14:creationId xmlns:p14="http://schemas.microsoft.com/office/powerpoint/2010/main" val="805443497"/>
       </p:ext>
     </p:extLst>
   </p:cSld>

--- a/Documentation/Praesentation/PresentationRoomanizer.pptx
+++ b/Documentation/Praesentation/PresentationRoomanizer.pptx
@@ -1105,240 +1105,6 @@
       <dsp:cNvGrpSpPr/>
     </dsp:nvGrpSpPr>
     <dsp:grpSpPr/>
-    <dsp:sp modelId="{4A9CE6FA-2F6A-40B6-843E-7BD8B0065E1F}">
-      <dsp:nvSpPr>
-        <dsp:cNvPr id="0" name=""/>
-        <dsp:cNvSpPr/>
-      </dsp:nvSpPr>
-      <dsp:spPr>
-        <a:xfrm>
-          <a:off x="2006260" y="613697"/>
-          <a:ext cx="1492540" cy="1164645"/>
-        </a:xfrm>
-        <a:prstGeom prst="rect">
-          <a:avLst/>
-        </a:prstGeom>
-        <a:noFill/>
-        <a:ln>
-          <a:noFill/>
-        </a:ln>
-        <a:effectLst/>
-      </dsp:spPr>
-      <dsp:style>
-        <a:lnRef idx="0">
-          <a:scrgbClr r="0" g="0" b="0"/>
-        </a:lnRef>
-        <a:fillRef idx="0">
-          <a:scrgbClr r="0" g="0" b="0"/>
-        </a:fillRef>
-        <a:effectRef idx="0">
-          <a:scrgbClr r="0" g="0" b="0"/>
-        </a:effectRef>
-        <a:fontRef idx="minor"/>
-      </dsp:style>
-      <dsp:txBody>
-        <a:bodyPr spcFirstLastPara="0" vert="horz" wrap="square" lIns="36830" tIns="36830" rIns="36830" bIns="36830" numCol="1" spcCol="1270" anchor="ctr" anchorCtr="0">
-          <a:noAutofit/>
-        </a:bodyPr>
-        <a:lstStyle/>
-        <a:p>
-          <a:pPr lvl="0" algn="ctr" defTabSz="1289050">
-            <a:lnSpc>
-              <a:spcPct val="90000"/>
-            </a:lnSpc>
-            <a:spcBef>
-              <a:spcPct val="0"/>
-            </a:spcBef>
-            <a:spcAft>
-              <a:spcPct val="35000"/>
-            </a:spcAft>
-          </a:pPr>
-          <a:r>
-            <a:rPr lang="de-AT" sz="2900" kern="1200" dirty="0" err="1" smtClean="0"/>
-            <a:t>Invoice</a:t>
-          </a:r>
-          <a:r>
-            <a:rPr lang="de-AT" sz="2900" kern="1200" dirty="0" smtClean="0"/>
-            <a:t> Item</a:t>
-          </a:r>
-          <a:endParaRPr lang="de-AT" sz="2900" kern="1200" dirty="0"/>
-        </a:p>
-      </dsp:txBody>
-      <dsp:txXfrm>
-        <a:off x="2006260" y="613697"/>
-        <a:ext cx="1492540" cy="1164645"/>
-      </dsp:txXfrm>
-    </dsp:sp>
-    <dsp:sp modelId="{0A944668-9E45-4271-BB3D-61EA8936D182}">
-      <dsp:nvSpPr>
-        <dsp:cNvPr id="0" name=""/>
-        <dsp:cNvSpPr/>
-      </dsp:nvSpPr>
-      <dsp:spPr>
-        <a:xfrm>
-          <a:off x="605571" y="-475"/>
-          <a:ext cx="2392990" cy="2392990"/>
-        </a:xfrm>
-        <a:prstGeom prst="circularArrow">
-          <a:avLst>
-            <a:gd name="adj1" fmla="val 9490"/>
-            <a:gd name="adj2" fmla="val 685655"/>
-            <a:gd name="adj3" fmla="val 7847366"/>
-            <a:gd name="adj4" fmla="val 2266979"/>
-            <a:gd name="adj5" fmla="val 11072"/>
-          </a:avLst>
-        </a:prstGeom>
-        <a:solidFill>
-          <a:schemeClr val="accent1">
-            <a:hueOff val="0"/>
-            <a:satOff val="0"/>
-            <a:lumOff val="0"/>
-            <a:alphaOff val="0"/>
-          </a:schemeClr>
-        </a:solidFill>
-        <a:ln w="25400" cap="rnd" cmpd="sng" algn="ctr">
-          <a:solidFill>
-            <a:schemeClr val="lt1">
-              <a:hueOff val="0"/>
-              <a:satOff val="0"/>
-              <a:lumOff val="0"/>
-              <a:alphaOff val="0"/>
-            </a:schemeClr>
-          </a:solidFill>
-          <a:prstDash val="solid"/>
-        </a:ln>
-        <a:effectLst/>
-      </dsp:spPr>
-      <dsp:style>
-        <a:lnRef idx="2">
-          <a:scrgbClr r="0" g="0" b="0"/>
-        </a:lnRef>
-        <a:fillRef idx="1">
-          <a:scrgbClr r="0" g="0" b="0"/>
-        </a:fillRef>
-        <a:effectRef idx="0">
-          <a:scrgbClr r="0" g="0" b="0"/>
-        </a:effectRef>
-        <a:fontRef idx="minor">
-          <a:schemeClr val="lt1"/>
-        </a:fontRef>
-      </dsp:style>
-    </dsp:sp>
-    <dsp:sp modelId="{2F8F08C6-8C6D-457F-BD8C-A4D9AF3E7475}">
-      <dsp:nvSpPr>
-        <dsp:cNvPr id="0" name=""/>
-        <dsp:cNvSpPr/>
-      </dsp:nvSpPr>
-      <dsp:spPr>
-        <a:xfrm>
-          <a:off x="269279" y="613697"/>
-          <a:ext cx="1164645" cy="1164645"/>
-        </a:xfrm>
-        <a:prstGeom prst="rect">
-          <a:avLst/>
-        </a:prstGeom>
-        <a:noFill/>
-        <a:ln>
-          <a:noFill/>
-        </a:ln>
-        <a:effectLst/>
-      </dsp:spPr>
-      <dsp:style>
-        <a:lnRef idx="0">
-          <a:scrgbClr r="0" g="0" b="0"/>
-        </a:lnRef>
-        <a:fillRef idx="0">
-          <a:scrgbClr r="0" g="0" b="0"/>
-        </a:fillRef>
-        <a:effectRef idx="0">
-          <a:scrgbClr r="0" g="0" b="0"/>
-        </a:effectRef>
-        <a:fontRef idx="minor"/>
-      </dsp:style>
-      <dsp:txBody>
-        <a:bodyPr spcFirstLastPara="0" vert="horz" wrap="square" lIns="36830" tIns="36830" rIns="36830" bIns="36830" numCol="1" spcCol="1270" anchor="ctr" anchorCtr="0">
-          <a:noAutofit/>
-        </a:bodyPr>
-        <a:lstStyle/>
-        <a:p>
-          <a:pPr lvl="0" algn="ctr" defTabSz="1289050">
-            <a:lnSpc>
-              <a:spcPct val="90000"/>
-            </a:lnSpc>
-            <a:spcBef>
-              <a:spcPct val="0"/>
-            </a:spcBef>
-            <a:spcAft>
-              <a:spcPct val="35000"/>
-            </a:spcAft>
-          </a:pPr>
-          <a:r>
-            <a:rPr lang="de-AT" sz="2900" kern="1200" dirty="0" err="1" smtClean="0"/>
-            <a:t>Invoice</a:t>
-          </a:r>
-          <a:endParaRPr lang="de-AT" sz="2900" kern="1200" dirty="0"/>
-        </a:p>
-      </dsp:txBody>
-      <dsp:txXfrm>
-        <a:off x="269279" y="613697"/>
-        <a:ext cx="1164645" cy="1164645"/>
-      </dsp:txXfrm>
-    </dsp:sp>
-    <dsp:sp modelId="{9CFF976A-BD0C-45E9-BD17-26232B64DC87}">
-      <dsp:nvSpPr>
-        <dsp:cNvPr id="0" name=""/>
-        <dsp:cNvSpPr/>
-      </dsp:nvSpPr>
-      <dsp:spPr>
-        <a:xfrm>
-          <a:off x="605571" y="-475"/>
-          <a:ext cx="2392990" cy="2392990"/>
-        </a:xfrm>
-        <a:prstGeom prst="circularArrow">
-          <a:avLst>
-            <a:gd name="adj1" fmla="val 9490"/>
-            <a:gd name="adj2" fmla="val 685655"/>
-            <a:gd name="adj3" fmla="val 18647366"/>
-            <a:gd name="adj4" fmla="val 13066979"/>
-            <a:gd name="adj5" fmla="val 11072"/>
-          </a:avLst>
-        </a:prstGeom>
-        <a:solidFill>
-          <a:schemeClr val="accent1">
-            <a:hueOff val="0"/>
-            <a:satOff val="0"/>
-            <a:lumOff val="0"/>
-            <a:alphaOff val="0"/>
-          </a:schemeClr>
-        </a:solidFill>
-        <a:ln w="25400" cap="rnd" cmpd="sng" algn="ctr">
-          <a:solidFill>
-            <a:schemeClr val="lt1">
-              <a:hueOff val="0"/>
-              <a:satOff val="0"/>
-              <a:lumOff val="0"/>
-              <a:alphaOff val="0"/>
-            </a:schemeClr>
-          </a:solidFill>
-          <a:prstDash val="solid"/>
-        </a:ln>
-        <a:effectLst/>
-      </dsp:spPr>
-      <dsp:style>
-        <a:lnRef idx="2">
-          <a:scrgbClr r="0" g="0" b="0"/>
-        </a:lnRef>
-        <a:fillRef idx="1">
-          <a:scrgbClr r="0" g="0" b="0"/>
-        </a:fillRef>
-        <a:effectRef idx="0">
-          <a:scrgbClr r="0" g="0" b="0"/>
-        </a:effectRef>
-        <a:fontRef idx="minor">
-          <a:schemeClr val="lt1"/>
-        </a:fontRef>
-      </dsp:style>
-    </dsp:sp>
   </dsp:spTree>
 </dsp:drawing>
 </file>
@@ -12003,6 +11769,10 @@
           <a:bodyPr/>
           <a:lstStyle/>
           <a:p>
+            <a:r>
+              <a:rPr lang="de-AT" smtClean="0"/>
+              <a:t>view</a:t>
+            </a:r>
             <a:endParaRPr lang="de-AT" dirty="0"/>
           </a:p>
         </p:txBody>
@@ -23699,11 +23469,7 @@
             </a:r>
             <a:r>
               <a:rPr lang="de-DE" dirty="0" smtClean="0"/>
-              <a:t> </a:t>
-            </a:r>
-            <a:r>
-              <a:rPr lang="de-DE" dirty="0" smtClean="0"/>
-              <a:t>an </a:t>
+              <a:t> an </a:t>
             </a:r>
             <a:r>
               <a:rPr lang="de-DE" dirty="0" err="1" smtClean="0"/>
@@ -27497,11 +27263,7 @@
           <a:p>
             <a:r>
               <a:rPr lang="de-AT" dirty="0" smtClean="0"/>
-              <a:t>Tobias </a:t>
-            </a:r>
-            <a:r>
-              <a:rPr lang="de-AT" dirty="0" smtClean="0"/>
-              <a:t>Meusburger</a:t>
+              <a:t>Tobias Meusburger</a:t>
             </a:r>
           </a:p>
           <a:p>
@@ -28772,6 +28534,18 @@
               <a:t>Different implementations </a:t>
             </a:r>
             <a:r>
+              <a:rPr lang="de-AT" dirty="0" smtClean="0"/>
+              <a:t>(</a:t>
+            </a:r>
+            <a:r>
+              <a:rPr lang="de-AT" dirty="0" err="1" smtClean="0"/>
+              <a:t>states</a:t>
+            </a:r>
+            <a:r>
+              <a:rPr lang="de-AT" dirty="0" smtClean="0"/>
+              <a:t>) </a:t>
+            </a:r>
+            <a:r>
               <a:rPr lang="de-AT" dirty="0" err="1" smtClean="0"/>
               <a:t>during</a:t>
             </a:r>
@@ -28896,66 +28670,6 @@
           </a:p>
         </p:txBody>
       </p:sp>
-      <p:pic>
-        <p:nvPicPr>
-          <p:cNvPr id="7" name="Grafik 6"/>
-          <p:cNvPicPr>
-            <a:picLocks noChangeAspect="1"/>
-          </p:cNvPicPr>
-          <p:nvPr/>
-        </p:nvPicPr>
-        <p:blipFill>
-          <a:blip r:embed="rId3">
-            <a:extLst>
-              <a:ext uri="{28A0092B-C50C-407E-A947-70E740481C1C}">
-                <a14:useLocalDpi xmlns:a14="http://schemas.microsoft.com/office/drawing/2010/main" val="0"/>
-              </a:ext>
-            </a:extLst>
-          </a:blip>
-          <a:stretch>
-            <a:fillRect/>
-          </a:stretch>
-        </p:blipFill>
-        <p:spPr>
-          <a:xfrm>
-            <a:off x="36512" y="1644352"/>
-            <a:ext cx="9144000" cy="4953000"/>
-          </a:xfrm>
-          <a:prstGeom prst="rect">
-            <a:avLst/>
-          </a:prstGeom>
-        </p:spPr>
-      </p:pic>
-      <p:pic>
-        <p:nvPicPr>
-          <p:cNvPr id="8" name="Grafik 7"/>
-          <p:cNvPicPr>
-            <a:picLocks noChangeAspect="1"/>
-          </p:cNvPicPr>
-          <p:nvPr/>
-        </p:nvPicPr>
-        <p:blipFill>
-          <a:blip r:embed="rId4">
-            <a:extLst>
-              <a:ext uri="{28A0092B-C50C-407E-A947-70E740481C1C}">
-                <a14:useLocalDpi xmlns:a14="http://schemas.microsoft.com/office/drawing/2010/main" val="0"/>
-              </a:ext>
-            </a:extLst>
-          </a:blip>
-          <a:stretch>
-            <a:fillRect/>
-          </a:stretch>
-        </p:blipFill>
-        <p:spPr>
-          <a:xfrm>
-            <a:off x="35496" y="1628800"/>
-            <a:ext cx="9144000" cy="4952999"/>
-          </a:xfrm>
-          <a:prstGeom prst="rect">
-            <a:avLst/>
-          </a:prstGeom>
-        </p:spPr>
-      </p:pic>
     </p:spTree>
     <p:extLst>
       <p:ext uri="{BB962C8B-B14F-4D97-AF65-F5344CB8AC3E}">
@@ -29164,386 +28878,6 @@
                                           </p:stCondLst>
                                         </p:cTn>
                                         <p:tgtEl>
-                                          <p:spTgt spid="7"/>
-                                        </p:tgtEl>
-                                        <p:attrNameLst>
-                                          <p:attrName>style.visibility</p:attrName>
-                                        </p:attrNameLst>
-                                      </p:cBhvr>
-                                      <p:to>
-                                        <p:strVal val="visible"/>
-                                      </p:to>
-                                    </p:set>
-                                    <p:anim calcmode="lin" valueType="num">
-                                      <p:cBhvr additive="base">
-                                        <p:cTn id="18" dur="500" fill="hold"/>
-                                        <p:tgtEl>
-                                          <p:spTgt spid="7"/>
-                                        </p:tgtEl>
-                                        <p:attrNameLst>
-                                          <p:attrName>ppt_x</p:attrName>
-                                        </p:attrNameLst>
-                                      </p:cBhvr>
-                                      <p:tavLst>
-                                        <p:tav tm="0">
-                                          <p:val>
-                                            <p:strVal val="#ppt_x"/>
-                                          </p:val>
-                                        </p:tav>
-                                        <p:tav tm="100000">
-                                          <p:val>
-                                            <p:strVal val="#ppt_x"/>
-                                          </p:val>
-                                        </p:tav>
-                                      </p:tavLst>
-                                    </p:anim>
-                                    <p:anim calcmode="lin" valueType="num">
-                                      <p:cBhvr additive="base">
-                                        <p:cTn id="19" dur="500" fill="hold"/>
-                                        <p:tgtEl>
-                                          <p:spTgt spid="7"/>
-                                        </p:tgtEl>
-                                        <p:attrNameLst>
-                                          <p:attrName>ppt_y</p:attrName>
-                                        </p:attrNameLst>
-                                      </p:cBhvr>
-                                      <p:tavLst>
-                                        <p:tav tm="0">
-                                          <p:val>
-                                            <p:strVal val="1+#ppt_h/2"/>
-                                          </p:val>
-                                        </p:tav>
-                                        <p:tav tm="100000">
-                                          <p:val>
-                                            <p:strVal val="#ppt_y"/>
-                                          </p:val>
-                                        </p:tav>
-                                      </p:tavLst>
-                                    </p:anim>
-                                  </p:childTnLst>
-                                </p:cTn>
-                              </p:par>
-                            </p:childTnLst>
-                          </p:cTn>
-                        </p:par>
-                      </p:childTnLst>
-                    </p:cTn>
-                  </p:par>
-                  <p:par>
-                    <p:cTn id="20" fill="hold">
-                      <p:stCondLst>
-                        <p:cond delay="indefinite"/>
-                      </p:stCondLst>
-                      <p:childTnLst>
-                        <p:par>
-                          <p:cTn id="21" fill="hold">
-                            <p:stCondLst>
-                              <p:cond delay="0"/>
-                            </p:stCondLst>
-                            <p:childTnLst>
-                              <p:par>
-                                <p:cTn id="22" presetID="42" presetClass="exit" presetSubtype="0" fill="hold" nodeType="clickEffect">
-                                  <p:stCondLst>
-                                    <p:cond delay="0"/>
-                                  </p:stCondLst>
-                                  <p:childTnLst>
-                                    <p:animEffect transition="out" filter="fade">
-                                      <p:cBhvr>
-                                        <p:cTn id="23" dur="1000"/>
-                                        <p:tgtEl>
-                                          <p:spTgt spid="7"/>
-                                        </p:tgtEl>
-                                      </p:cBhvr>
-                                    </p:animEffect>
-                                    <p:anim calcmode="lin" valueType="num">
-                                      <p:cBhvr>
-                                        <p:cTn id="24" dur="1000"/>
-                                        <p:tgtEl>
-                                          <p:spTgt spid="7"/>
-                                        </p:tgtEl>
-                                        <p:attrNameLst>
-                                          <p:attrName>ppt_x</p:attrName>
-                                        </p:attrNameLst>
-                                      </p:cBhvr>
-                                      <p:tavLst>
-                                        <p:tav tm="0">
-                                          <p:val>
-                                            <p:strVal val="ppt_x"/>
-                                          </p:val>
-                                        </p:tav>
-                                        <p:tav tm="100000">
-                                          <p:val>
-                                            <p:strVal val="ppt_x"/>
-                                          </p:val>
-                                        </p:tav>
-                                      </p:tavLst>
-                                    </p:anim>
-                                    <p:anim calcmode="lin" valueType="num">
-                                      <p:cBhvr>
-                                        <p:cTn id="25" dur="1000"/>
-                                        <p:tgtEl>
-                                          <p:spTgt spid="7"/>
-                                        </p:tgtEl>
-                                        <p:attrNameLst>
-                                          <p:attrName>ppt_y</p:attrName>
-                                        </p:attrNameLst>
-                                      </p:cBhvr>
-                                      <p:tavLst>
-                                        <p:tav tm="0">
-                                          <p:val>
-                                            <p:strVal val="ppt_y"/>
-                                          </p:val>
-                                        </p:tav>
-                                        <p:tav tm="100000">
-                                          <p:val>
-                                            <p:strVal val="ppt_y+.1"/>
-                                          </p:val>
-                                        </p:tav>
-                                      </p:tavLst>
-                                    </p:anim>
-                                    <p:set>
-                                      <p:cBhvr>
-                                        <p:cTn id="26" dur="1" fill="hold">
-                                          <p:stCondLst>
-                                            <p:cond delay="999"/>
-                                          </p:stCondLst>
-                                        </p:cTn>
-                                        <p:tgtEl>
-                                          <p:spTgt spid="7"/>
-                                        </p:tgtEl>
-                                        <p:attrNameLst>
-                                          <p:attrName>style.visibility</p:attrName>
-                                        </p:attrNameLst>
-                                      </p:cBhvr>
-                                      <p:to>
-                                        <p:strVal val="hidden"/>
-                                      </p:to>
-                                    </p:set>
-                                  </p:childTnLst>
-                                </p:cTn>
-                              </p:par>
-                            </p:childTnLst>
-                          </p:cTn>
-                        </p:par>
-                      </p:childTnLst>
-                    </p:cTn>
-                  </p:par>
-                  <p:par>
-                    <p:cTn id="27" fill="hold">
-                      <p:stCondLst>
-                        <p:cond delay="indefinite"/>
-                      </p:stCondLst>
-                      <p:childTnLst>
-                        <p:par>
-                          <p:cTn id="28" fill="hold">
-                            <p:stCondLst>
-                              <p:cond delay="0"/>
-                            </p:stCondLst>
-                            <p:childTnLst>
-                              <p:par>
-                                <p:cTn id="29" presetID="2" presetClass="entr" presetSubtype="4" fill="hold" nodeType="clickEffect">
-                                  <p:stCondLst>
-                                    <p:cond delay="0"/>
-                                  </p:stCondLst>
-                                  <p:childTnLst>
-                                    <p:set>
-                                      <p:cBhvr>
-                                        <p:cTn id="30" dur="1" fill="hold">
-                                          <p:stCondLst>
-                                            <p:cond delay="0"/>
-                                          </p:stCondLst>
-                                        </p:cTn>
-                                        <p:tgtEl>
-                                          <p:spTgt spid="8"/>
-                                        </p:tgtEl>
-                                        <p:attrNameLst>
-                                          <p:attrName>style.visibility</p:attrName>
-                                        </p:attrNameLst>
-                                      </p:cBhvr>
-                                      <p:to>
-                                        <p:strVal val="visible"/>
-                                      </p:to>
-                                    </p:set>
-                                    <p:anim calcmode="lin" valueType="num">
-                                      <p:cBhvr additive="base">
-                                        <p:cTn id="31" dur="500" fill="hold"/>
-                                        <p:tgtEl>
-                                          <p:spTgt spid="8"/>
-                                        </p:tgtEl>
-                                        <p:attrNameLst>
-                                          <p:attrName>ppt_x</p:attrName>
-                                        </p:attrNameLst>
-                                      </p:cBhvr>
-                                      <p:tavLst>
-                                        <p:tav tm="0">
-                                          <p:val>
-                                            <p:strVal val="#ppt_x"/>
-                                          </p:val>
-                                        </p:tav>
-                                        <p:tav tm="100000">
-                                          <p:val>
-                                            <p:strVal val="#ppt_x"/>
-                                          </p:val>
-                                        </p:tav>
-                                      </p:tavLst>
-                                    </p:anim>
-                                    <p:anim calcmode="lin" valueType="num">
-                                      <p:cBhvr additive="base">
-                                        <p:cTn id="32" dur="500" fill="hold"/>
-                                        <p:tgtEl>
-                                          <p:spTgt spid="8"/>
-                                        </p:tgtEl>
-                                        <p:attrNameLst>
-                                          <p:attrName>ppt_y</p:attrName>
-                                        </p:attrNameLst>
-                                      </p:cBhvr>
-                                      <p:tavLst>
-                                        <p:tav tm="0">
-                                          <p:val>
-                                            <p:strVal val="1+#ppt_h/2"/>
-                                          </p:val>
-                                        </p:tav>
-                                        <p:tav tm="100000">
-                                          <p:val>
-                                            <p:strVal val="#ppt_y"/>
-                                          </p:val>
-                                        </p:tav>
-                                      </p:tavLst>
-                                    </p:anim>
-                                  </p:childTnLst>
-                                </p:cTn>
-                              </p:par>
-                            </p:childTnLst>
-                          </p:cTn>
-                        </p:par>
-                      </p:childTnLst>
-                    </p:cTn>
-                  </p:par>
-                  <p:par>
-                    <p:cTn id="33" fill="hold">
-                      <p:stCondLst>
-                        <p:cond delay="indefinite"/>
-                      </p:stCondLst>
-                      <p:childTnLst>
-                        <p:par>
-                          <p:cTn id="34" fill="hold">
-                            <p:stCondLst>
-                              <p:cond delay="0"/>
-                            </p:stCondLst>
-                            <p:childTnLst>
-                              <p:par>
-                                <p:cTn id="35" presetID="42" presetClass="exit" presetSubtype="0" fill="hold" nodeType="clickEffect">
-                                  <p:stCondLst>
-                                    <p:cond delay="0"/>
-                                  </p:stCondLst>
-                                  <p:childTnLst>
-                                    <p:animEffect transition="out" filter="fade">
-                                      <p:cBhvr>
-                                        <p:cTn id="36" dur="1000"/>
-                                        <p:tgtEl>
-                                          <p:spTgt spid="8"/>
-                                        </p:tgtEl>
-                                      </p:cBhvr>
-                                    </p:animEffect>
-                                    <p:anim calcmode="lin" valueType="num">
-                                      <p:cBhvr>
-                                        <p:cTn id="37" dur="1000"/>
-                                        <p:tgtEl>
-                                          <p:spTgt spid="8"/>
-                                        </p:tgtEl>
-                                        <p:attrNameLst>
-                                          <p:attrName>ppt_x</p:attrName>
-                                        </p:attrNameLst>
-                                      </p:cBhvr>
-                                      <p:tavLst>
-                                        <p:tav tm="0">
-                                          <p:val>
-                                            <p:strVal val="ppt_x"/>
-                                          </p:val>
-                                        </p:tav>
-                                        <p:tav tm="100000">
-                                          <p:val>
-                                            <p:strVal val="ppt_x"/>
-                                          </p:val>
-                                        </p:tav>
-                                      </p:tavLst>
-                                    </p:anim>
-                                    <p:anim calcmode="lin" valueType="num">
-                                      <p:cBhvr>
-                                        <p:cTn id="38" dur="1000"/>
-                                        <p:tgtEl>
-                                          <p:spTgt spid="8"/>
-                                        </p:tgtEl>
-                                        <p:attrNameLst>
-                                          <p:attrName>ppt_y</p:attrName>
-                                        </p:attrNameLst>
-                                      </p:cBhvr>
-                                      <p:tavLst>
-                                        <p:tav tm="0">
-                                          <p:val>
-                                            <p:strVal val="ppt_y"/>
-                                          </p:val>
-                                        </p:tav>
-                                        <p:tav tm="100000">
-                                          <p:val>
-                                            <p:strVal val="ppt_y+.1"/>
-                                          </p:val>
-                                        </p:tav>
-                                      </p:tavLst>
-                                    </p:anim>
-                                    <p:set>
-                                      <p:cBhvr>
-                                        <p:cTn id="39" dur="1" fill="hold">
-                                          <p:stCondLst>
-                                            <p:cond delay="999"/>
-                                          </p:stCondLst>
-                                        </p:cTn>
-                                        <p:tgtEl>
-                                          <p:spTgt spid="8"/>
-                                        </p:tgtEl>
-                                        <p:attrNameLst>
-                                          <p:attrName>style.visibility</p:attrName>
-                                        </p:attrNameLst>
-                                      </p:cBhvr>
-                                      <p:to>
-                                        <p:strVal val="hidden"/>
-                                      </p:to>
-                                    </p:set>
-                                  </p:childTnLst>
-                                </p:cTn>
-                              </p:par>
-                            </p:childTnLst>
-                          </p:cTn>
-                        </p:par>
-                      </p:childTnLst>
-                    </p:cTn>
-                  </p:par>
-                  <p:par>
-                    <p:cTn id="40" fill="hold">
-                      <p:stCondLst>
-                        <p:cond delay="indefinite"/>
-                      </p:stCondLst>
-                      <p:childTnLst>
-                        <p:par>
-                          <p:cTn id="41" fill="hold">
-                            <p:stCondLst>
-                              <p:cond delay="0"/>
-                            </p:stCondLst>
-                            <p:childTnLst>
-                              <p:par>
-                                <p:cTn id="42" presetID="2" presetClass="entr" presetSubtype="4" fill="hold" nodeType="clickEffect">
-                                  <p:stCondLst>
-                                    <p:cond delay="0"/>
-                                  </p:stCondLst>
-                                  <p:childTnLst>
-                                    <p:set>
-                                      <p:cBhvr>
-                                        <p:cTn id="43" dur="1" fill="hold">
-                                          <p:stCondLst>
-                                            <p:cond delay="0"/>
-                                          </p:stCondLst>
-                                        </p:cTn>
-                                        <p:tgtEl>
                                           <p:spTgt spid="3">
                                             <p:txEl>
                                               <p:pRg st="2" end="2"/>
@@ -29560,7 +28894,7 @@
                                     </p:set>
                                     <p:anim calcmode="lin" valueType="num">
                                       <p:cBhvr additive="base">
-                                        <p:cTn id="44" dur="500" fill="hold"/>
+                                        <p:cTn id="18" dur="500" fill="hold"/>
                                         <p:tgtEl>
                                           <p:spTgt spid="3">
                                             <p:txEl>
@@ -29587,7 +28921,7 @@
                                     </p:anim>
                                     <p:anim calcmode="lin" valueType="num">
                                       <p:cBhvr additive="base">
-                                        <p:cTn id="45" dur="500" fill="hold"/>
+                                        <p:cTn id="19" dur="500" fill="hold"/>
                                         <p:tgtEl>
                                           <p:spTgt spid="3">
                                             <p:txEl>
@@ -29616,14 +28950,14 @@
                                 </p:cTn>
                               </p:par>
                               <p:par>
-                                <p:cTn id="46" presetID="2" presetClass="entr" presetSubtype="4" fill="hold" nodeType="withEffect">
+                                <p:cTn id="20" presetID="2" presetClass="entr" presetSubtype="4" fill="hold" nodeType="withEffect">
                                   <p:stCondLst>
                                     <p:cond delay="0"/>
                                   </p:stCondLst>
                                   <p:childTnLst>
                                     <p:set>
                                       <p:cBhvr>
-                                        <p:cTn id="47" dur="1" fill="hold">
+                                        <p:cTn id="21" dur="1" fill="hold">
                                           <p:stCondLst>
                                             <p:cond delay="0"/>
                                           </p:stCondLst>
@@ -29645,7 +28979,7 @@
                                     </p:set>
                                     <p:anim calcmode="lin" valueType="num">
                                       <p:cBhvr additive="base">
-                                        <p:cTn id="48" dur="500" fill="hold"/>
+                                        <p:cTn id="22" dur="500" fill="hold"/>
                                         <p:tgtEl>
                                           <p:spTgt spid="3">
                                             <p:txEl>
@@ -29672,7 +29006,7 @@
                                     </p:anim>
                                     <p:anim calcmode="lin" valueType="num">
                                       <p:cBhvr additive="base">
-                                        <p:cTn id="49" dur="500" fill="hold"/>
+                                        <p:cTn id="23" dur="500" fill="hold"/>
                                         <p:tgtEl>
                                           <p:spTgt spid="3">
                                             <p:txEl>
@@ -29701,14 +29035,14 @@
                                 </p:cTn>
                               </p:par>
                               <p:par>
-                                <p:cTn id="50" presetID="2" presetClass="entr" presetSubtype="4" fill="hold" nodeType="withEffect">
+                                <p:cTn id="24" presetID="2" presetClass="entr" presetSubtype="4" fill="hold" nodeType="withEffect">
                                   <p:stCondLst>
                                     <p:cond delay="0"/>
                                   </p:stCondLst>
                                   <p:childTnLst>
                                     <p:set>
                                       <p:cBhvr>
-                                        <p:cTn id="51" dur="1" fill="hold">
+                                        <p:cTn id="25" dur="1" fill="hold">
                                           <p:stCondLst>
                                             <p:cond delay="0"/>
                                           </p:stCondLst>
@@ -29730,7 +29064,7 @@
                                     </p:set>
                                     <p:anim calcmode="lin" valueType="num">
                                       <p:cBhvr additive="base">
-                                        <p:cTn id="52" dur="500" fill="hold"/>
+                                        <p:cTn id="26" dur="500" fill="hold"/>
                                         <p:tgtEl>
                                           <p:spTgt spid="3">
                                             <p:txEl>
@@ -29757,7 +29091,7 @@
                                     </p:anim>
                                     <p:anim calcmode="lin" valueType="num">
                                       <p:cBhvr additive="base">
-                                        <p:cTn id="53" dur="500" fill="hold"/>
+                                        <p:cTn id="27" dur="500" fill="hold"/>
                                         <p:tgtEl>
                                           <p:spTgt spid="3">
                                             <p:txEl>
@@ -29857,8 +29191,8 @@
         </p:blipFill>
         <p:spPr bwMode="auto">
           <a:xfrm>
-            <a:off x="158288" y="2042772"/>
-            <a:ext cx="8950216" cy="3673210"/>
+            <a:off x="107504" y="1772816"/>
+            <a:ext cx="8926527" cy="4032447"/>
           </a:xfrm>
           <a:prstGeom prst="rect">
             <a:avLst/>
@@ -29910,7 +29244,7 @@
         </p:nvSpPr>
         <p:spPr>
           <a:xfrm>
-            <a:off x="1187624" y="3342184"/>
+            <a:off x="1156822" y="2840874"/>
             <a:ext cx="1162691" cy="461665"/>
           </a:xfrm>
           <a:prstGeom prst="rect">
@@ -29954,7 +29288,7 @@
         </p:nvSpPr>
         <p:spPr>
           <a:xfrm>
-            <a:off x="6228184" y="2156663"/>
+            <a:off x="6084168" y="1916832"/>
             <a:ext cx="2857514" cy="1200329"/>
           </a:xfrm>
           <a:prstGeom prst="rect">
@@ -30023,7 +29357,7 @@
         </p:nvSpPr>
         <p:spPr>
           <a:xfrm>
-            <a:off x="179512" y="4460919"/>
+            <a:off x="107504" y="4293096"/>
             <a:ext cx="5040560" cy="1200329"/>
           </a:xfrm>
           <a:prstGeom prst="rect">
@@ -32823,7 +32157,6 @@
               <a:rPr lang="de-AT" dirty="0" smtClean="0"/>
               <a:t>“</a:t>
             </a:r>
-            <a:endParaRPr lang="de-AT" dirty="0" smtClean="0"/>
           </a:p>
           <a:p>
             <a:pPr lvl="1"/>

--- a/Documentation/Praesentation/PresentationRoomanizer.pptx
+++ b/Documentation/Praesentation/PresentationRoomanizer.pptx
@@ -2657,7 +2657,7 @@
           <a:p>
             <a:fld id="{BE36B728-C1AC-41BD-B8EE-1499AEB738A0}" type="datetimeFigureOut">
               <a:rPr lang="en-GB" smtClean="0"/>
-              <a:t>12/06/2012</a:t>
+              <a:t>13/06/2012</a:t>
             </a:fld>
             <a:endParaRPr lang="en-GB"/>
           </a:p>
@@ -3435,7 +3435,6 @@
               <a:rPr lang="de-AT" baseline="0" dirty="0" smtClean="0"/>
               <a:t> time.</a:t>
             </a:r>
-            <a:endParaRPr lang="de-AT" baseline="0" dirty="0" smtClean="0"/>
           </a:p>
           <a:p>
             <a:r>
@@ -3871,15 +3870,7 @@
             </a:r>
             <a:r>
               <a:rPr lang="en-GB" baseline="0" dirty="0" smtClean="0"/>
-              <a:t> manages the complete materialization and dematerialization process. This means, it returns objects when you execute a database query and in the other way </a:t>
-            </a:r>
-            <a:r>
-              <a:rPr lang="en-GB" baseline="0" dirty="0" smtClean="0"/>
-              <a:t>round it </a:t>
-            </a:r>
-            <a:r>
-              <a:rPr lang="en-GB" baseline="0" dirty="0" smtClean="0"/>
-              <a:t>saves full objects into the database.</a:t>
+              <a:t> manages the complete materialization and dematerialization process. This means, it returns objects when you execute a database query and in the other way round it saves full objects into the database.</a:t>
             </a:r>
           </a:p>
           <a:p>
@@ -3902,19 +3893,7 @@
             </a:pPr>
             <a:r>
               <a:rPr lang="en-GB" baseline="0" dirty="0" smtClean="0"/>
-              <a:t>One </a:t>
-            </a:r>
-            <a:r>
-              <a:rPr lang="en-GB" baseline="0" dirty="0" smtClean="0"/>
-              <a:t>very special point is that hibernate is even able to map inherited objects out from relational databases, what </a:t>
-            </a:r>
-            <a:r>
-              <a:rPr lang="en-GB" baseline="0" dirty="0" smtClean="0"/>
-              <a:t>was, as previous mentioned, </a:t>
-            </a:r>
-            <a:r>
-              <a:rPr lang="en-GB" baseline="0" dirty="0" smtClean="0"/>
-              <a:t>very helpful for our work.</a:t>
+              <a:t>One very special point is that hibernate is even able to map inherited objects out from relational databases, what was, as previous mentioned, very helpful for our work.</a:t>
             </a:r>
           </a:p>
           <a:p>
@@ -3960,15 +3939,7 @@
             </a:pPr>
             <a:r>
               <a:rPr lang="en-GB" baseline="0" dirty="0" smtClean="0"/>
-              <a:t>HQL (Hibernate Query Language) is similar to standard SQL, but is database independent and offers the feature to specify which joined tables should </a:t>
-            </a:r>
-            <a:r>
-              <a:rPr lang="en-GB" baseline="0" dirty="0" smtClean="0"/>
-              <a:t>also be </a:t>
-            </a:r>
-            <a:r>
-              <a:rPr lang="en-GB" baseline="0" dirty="0" smtClean="0"/>
-              <a:t>mapped.</a:t>
+              <a:t>HQL (Hibernate Query Language) is similar to standard SQL, but is database independent and offers the feature to specify which joined tables should also be mapped.</a:t>
             </a:r>
           </a:p>
           <a:p>
@@ -3999,21 +3970,8 @@
             </a:r>
             <a:r>
               <a:rPr lang="en-GB" baseline="0" dirty="0" smtClean="0"/>
-              <a:t> query is created by using different methods, which add other functionalities to the </a:t>
-            </a:r>
-            <a:r>
-              <a:rPr lang="en-GB" baseline="0" dirty="0" smtClean="0"/>
-              <a:t>query, as Joins </a:t>
-            </a:r>
-            <a:r>
-              <a:rPr lang="en-GB" baseline="0" dirty="0" smtClean="0"/>
-              <a:t>and </a:t>
-            </a:r>
-            <a:r>
-              <a:rPr lang="en-GB" baseline="0" dirty="0" smtClean="0"/>
-              <a:t>restrictions.</a:t>
-            </a:r>
-            <a:endParaRPr lang="en-GB" baseline="0" dirty="0" smtClean="0"/>
+              <a:t> query is created by using different methods, which add other functionalities to the query, as Joins and restrictions.</a:t>
+            </a:r>
           </a:p>
         </p:txBody>
       </p:sp>
@@ -4525,11 +4483,7 @@
             </a:r>
             <a:r>
               <a:rPr lang="de-AT" baseline="0" dirty="0" smtClean="0"/>
-              <a:t> </a:t>
-            </a:r>
-            <a:r>
-              <a:rPr lang="de-AT" baseline="0" dirty="0" smtClean="0"/>
-              <a:t>a </a:t>
+              <a:t> a </a:t>
             </a:r>
             <a:r>
               <a:rPr lang="de-AT" baseline="0" dirty="0" err="1" smtClean="0"/>
@@ -6699,11 +6653,7 @@
             </a:r>
             <a:r>
               <a:rPr lang="de-AT" baseline="0" dirty="0" smtClean="0"/>
-              <a:t> </a:t>
-            </a:r>
-            <a:r>
-              <a:rPr lang="de-AT" baseline="0" dirty="0" smtClean="0"/>
-              <a:t>all </a:t>
+              <a:t> all </a:t>
             </a:r>
             <a:r>
               <a:rPr lang="de-AT" baseline="0" dirty="0" err="1" smtClean="0"/>
@@ -7071,7 +7021,7 @@
             </a:r>
             <a:r>
               <a:rPr lang="de-AT" dirty="0" err="1" smtClean="0"/>
-              <a:t>gues</a:t>
+              <a:t>guess</a:t>
             </a:r>
             <a:r>
               <a:rPr lang="de-AT" dirty="0" smtClean="0"/>
@@ -7313,11 +7263,7 @@
             </a:r>
             <a:r>
               <a:rPr lang="de-AT" baseline="0" dirty="0" smtClean="0"/>
-              <a:t> </a:t>
-            </a:r>
-            <a:r>
-              <a:rPr lang="de-AT" baseline="0" dirty="0" smtClean="0"/>
-              <a:t>on </a:t>
+              <a:t> on </a:t>
             </a:r>
             <a:r>
               <a:rPr lang="de-AT" baseline="0" dirty="0" err="1" smtClean="0"/>
@@ -7517,11 +7463,7 @@
             </a:r>
             <a:r>
               <a:rPr lang="de-AT" baseline="0" dirty="0" smtClean="0"/>
-              <a:t> </a:t>
-            </a:r>
-            <a:r>
-              <a:rPr lang="de-AT" baseline="0" dirty="0" smtClean="0"/>
-              <a:t>was, </a:t>
+              <a:t> was, </a:t>
             </a:r>
             <a:r>
               <a:rPr lang="de-AT" baseline="0" dirty="0" err="1" smtClean="0"/>
@@ -7585,11 +7527,7 @@
             </a:r>
             <a:r>
               <a:rPr lang="de-AT" baseline="0" dirty="0" smtClean="0"/>
-              <a:t>. </a:t>
-            </a:r>
-            <a:r>
-              <a:rPr lang="de-AT" baseline="0" dirty="0" smtClean="0"/>
-              <a:t>So </a:t>
+              <a:t>. So </a:t>
             </a:r>
             <a:r>
               <a:rPr lang="de-AT" baseline="0" dirty="0" err="1" smtClean="0"/>
@@ -7980,11 +7918,7 @@
             </a:r>
             <a:r>
               <a:rPr lang="de-AT" baseline="0" dirty="0" smtClean="0"/>
-              <a:t> </a:t>
-            </a:r>
-            <a:r>
-              <a:rPr lang="de-AT" baseline="0" dirty="0" smtClean="0"/>
-              <a:t>after </a:t>
+              <a:t> after </a:t>
             </a:r>
             <a:r>
               <a:rPr lang="de-AT" baseline="0" dirty="0" err="1" smtClean="0"/>
@@ -8508,19 +8442,11 @@
             </a:r>
             <a:r>
               <a:rPr lang="de-AT" baseline="0" smtClean="0"/>
-              <a:t>300 </a:t>
-            </a:r>
-            <a:r>
-              <a:rPr lang="de-AT" baseline="0" smtClean="0"/>
-              <a:t>and</a:t>
-            </a:r>
-            <a:r>
-              <a:rPr lang="de-AT" baseline="0" dirty="0" smtClean="0"/>
-              <a:t> </a:t>
-            </a:r>
-            <a:r>
-              <a:rPr lang="de-AT" baseline="0" dirty="0" smtClean="0"/>
-              <a:t>in </a:t>
+              <a:t>300 and</a:t>
+            </a:r>
+            <a:r>
+              <a:rPr lang="de-AT" baseline="0" dirty="0" smtClean="0"/>
+              <a:t> in </a:t>
             </a:r>
             <a:r>
               <a:rPr lang="de-AT" baseline="0" dirty="0" err="1" smtClean="0"/>
@@ -8949,11 +8875,7 @@
             </a:r>
             <a:r>
               <a:rPr lang="de-AT" baseline="0" dirty="0" smtClean="0"/>
-              <a:t> </a:t>
-            </a:r>
-            <a:r>
-              <a:rPr lang="de-AT" baseline="0" dirty="0" smtClean="0"/>
-              <a:t>an </a:t>
+              <a:t> an </a:t>
             </a:r>
             <a:r>
               <a:rPr lang="de-AT" baseline="0" dirty="0" err="1" smtClean="0"/>
@@ -9347,7 +9269,6 @@
               <a:rPr lang="de-AT" baseline="0" dirty="0" smtClean="0"/>
               <a:t>.</a:t>
             </a:r>
-            <a:endParaRPr lang="de-AT" baseline="0" dirty="0" smtClean="0"/>
           </a:p>
         </p:txBody>
       </p:sp>
@@ -12836,7 +12757,7 @@
           <a:p>
             <a:fld id="{A27F8EDB-C29D-4AE5-9CAF-B3FA40DC93FA}" type="datetime1">
               <a:rPr lang="de-DE" smtClean="0"/>
-              <a:t>12.06.2012</a:t>
+              <a:t>13.06.2012</a:t>
             </a:fld>
             <a:endParaRPr lang="de-DE"/>
           </a:p>
@@ -13006,7 +12927,7 @@
           <a:p>
             <a:fld id="{281C52AE-42A8-4426-ADA6-159E569D9194}" type="datetime1">
               <a:rPr lang="de-DE" smtClean="0"/>
-              <a:t>12.06.2012</a:t>
+              <a:t>13.06.2012</a:t>
             </a:fld>
             <a:endParaRPr lang="de-DE"/>
           </a:p>
@@ -13192,7 +13113,7 @@
           <a:p>
             <a:fld id="{281C52AE-42A8-4426-ADA6-159E569D9194}" type="datetime1">
               <a:rPr lang="de-DE" smtClean="0"/>
-              <a:t>12.06.2012</a:t>
+              <a:t>13.06.2012</a:t>
             </a:fld>
             <a:endParaRPr lang="de-DE"/>
           </a:p>
@@ -13533,7 +13454,7 @@
             <a:fld id="{92E67AF8-A288-4266-A53C-E84C48E50EE2}" type="datetime1">
               <a:rPr lang="de-DE" smtClean="0"/>
               <a:pPr/>
-              <a:t>12.06.2012</a:t>
+              <a:t>13.06.2012</a:t>
             </a:fld>
             <a:endParaRPr lang="de-DE" dirty="0"/>
           </a:p>
@@ -14028,7 +13949,7 @@
           <a:p>
             <a:fld id="{19AE9F89-BCA9-4707-862F-FB4A05052A8A}" type="datetime1">
               <a:rPr lang="de-DE" smtClean="0"/>
-              <a:t>12.06.2012</a:t>
+              <a:t>13.06.2012</a:t>
             </a:fld>
             <a:endParaRPr lang="de-DE"/>
           </a:p>
@@ -14128,7 +14049,7 @@
           <a:p>
             <a:fld id="{BE3D5208-A7C9-4F82-A751-62C60E2E94A6}" type="datetime1">
               <a:rPr lang="de-DE" smtClean="0"/>
-              <a:t>12.06.2012</a:t>
+              <a:t>13.06.2012</a:t>
             </a:fld>
             <a:endParaRPr lang="de-DE"/>
           </a:p>
@@ -14413,7 +14334,7 @@
           <a:p>
             <a:fld id="{39299B9F-8491-49B7-8EB3-C95A67489ECD}" type="datetime1">
               <a:rPr lang="de-DE" smtClean="0"/>
-              <a:t>12.06.2012</a:t>
+              <a:t>13.06.2012</a:t>
             </a:fld>
             <a:endParaRPr lang="de-DE"/>
           </a:p>
@@ -14597,7 +14518,7 @@
           <a:p>
             <a:fld id="{26A3E629-D901-4663-A557-19BBC04DD1A3}" type="datetime1">
               <a:rPr lang="de-DE" smtClean="0"/>
-              <a:t>12.06.2012</a:t>
+              <a:t>13.06.2012</a:t>
             </a:fld>
             <a:endParaRPr lang="de-DE"/>
           </a:p>
@@ -14793,7 +14714,7 @@
           <a:p>
             <a:fld id="{FCD60D22-FA14-4B63-8D0F-ADEE4230743F}" type="datetime1">
               <a:rPr lang="de-DE" smtClean="0"/>
-              <a:t>12.06.2012</a:t>
+              <a:t>13.06.2012</a:t>
             </a:fld>
             <a:endParaRPr lang="de-DE"/>
           </a:p>
@@ -15349,7 +15270,7 @@
           <a:p>
             <a:fld id="{7B2636EE-6A37-4BDB-9A50-451478FC4AD3}" type="datetime1">
               <a:rPr lang="de-DE" smtClean="0"/>
-              <a:t>12.06.2012</a:t>
+              <a:t>13.06.2012</a:t>
             </a:fld>
             <a:endParaRPr lang="de-DE"/>
           </a:p>
@@ -15822,6 +15743,18 @@
   <p:clrMapOvr>
     <a:masterClrMapping/>
   </p:clrMapOvr>
+  <mc:AlternateContent xmlns:mc="http://schemas.openxmlformats.org/markup-compatibility/2006">
+    <mc:Choice xmlns:p14="http://schemas.microsoft.com/office/powerpoint/2010/main" Requires="p14">
+      <p:transition spd="med" p14:dur="700">
+        <p:fade/>
+      </p:transition>
+    </mc:Choice>
+    <mc:Fallback>
+      <p:transition spd="med">
+        <p:fade/>
+      </p:transition>
+    </mc:Fallback>
+  </mc:AlternateContent>
   <p:timing>
     <p:tnLst>
       <p:par>
@@ -15883,7 +15816,11 @@
             <a:pPr lvl="1"/>
             <a:r>
               <a:rPr lang="de-AT" dirty="0" smtClean="0"/>
-              <a:t>Clear </a:t>
+              <a:t>Dominant</a:t>
+            </a:r>
+            <a:r>
+              <a:rPr lang="de-AT" dirty="0" smtClean="0"/>
+              <a:t> </a:t>
             </a:r>
             <a:r>
               <a:rPr lang="de-AT" dirty="0" err="1" smtClean="0"/>
@@ -15994,7 +15931,7 @@
           <a:p>
             <a:fld id="{B6708F08-B08A-4EE8-BB41-4685CD4B1BA1}" type="datetime1">
               <a:rPr lang="de-DE" smtClean="0"/>
-              <a:t>12.06.2012</a:t>
+              <a:t>13.06.2012</a:t>
             </a:fld>
             <a:endParaRPr lang="de-DE"/>
           </a:p>
@@ -16079,6 +16016,18 @@
   <p:clrMapOvr>
     <a:masterClrMapping/>
   </p:clrMapOvr>
+  <mc:AlternateContent xmlns:mc="http://schemas.openxmlformats.org/markup-compatibility/2006">
+    <mc:Choice xmlns:p14="http://schemas.microsoft.com/office/powerpoint/2010/main" Requires="p14">
+      <p:transition spd="med" p14:dur="700">
+        <p:fade/>
+      </p:transition>
+    </mc:Choice>
+    <mc:Fallback>
+      <p:transition spd="med">
+        <p:fade/>
+      </p:transition>
+    </mc:Fallback>
+  </mc:AlternateContent>
   <p:timing>
     <p:tnLst>
       <p:par>
@@ -16214,7 +16163,7 @@
           <a:p>
             <a:fld id="{281C52AE-42A8-4426-ADA6-159E569D9194}" type="datetime1">
               <a:rPr lang="de-DE" smtClean="0"/>
-              <a:t>12.06.2012</a:t>
+              <a:t>13.06.2012</a:t>
             </a:fld>
             <a:endParaRPr lang="de-DE"/>
           </a:p>
@@ -16303,6 +16252,18 @@
   <p:clrMapOvr>
     <a:masterClrMapping/>
   </p:clrMapOvr>
+  <mc:AlternateContent xmlns:mc="http://schemas.openxmlformats.org/markup-compatibility/2006">
+    <mc:Choice xmlns:p14="http://schemas.microsoft.com/office/powerpoint/2010/main" Requires="p14">
+      <p:transition spd="med" p14:dur="700">
+        <p:fade/>
+      </p:transition>
+    </mc:Choice>
+    <mc:Fallback>
+      <p:transition spd="med">
+        <p:fade/>
+      </p:transition>
+    </mc:Fallback>
+  </mc:AlternateContent>
   <p:timing>
     <p:tnLst>
       <p:par>
@@ -16405,7 +16366,7 @@
           <a:p>
             <a:fld id="{281C52AE-42A8-4426-ADA6-159E569D9194}" type="datetime1">
               <a:rPr lang="de-DE" smtClean="0"/>
-              <a:t>12.06.2012</a:t>
+              <a:t>13.06.2012</a:t>
             </a:fld>
             <a:endParaRPr lang="de-DE"/>
           </a:p>
@@ -16723,6 +16684,18 @@
   <p:clrMapOvr>
     <a:masterClrMapping/>
   </p:clrMapOvr>
+  <mc:AlternateContent xmlns:mc="http://schemas.openxmlformats.org/markup-compatibility/2006">
+    <mc:Choice xmlns:p14="http://schemas.microsoft.com/office/powerpoint/2010/main" Requires="p14">
+      <p:transition spd="med" p14:dur="700">
+        <p:fade/>
+      </p:transition>
+    </mc:Choice>
+    <mc:Fallback>
+      <p:transition spd="med">
+        <p:fade/>
+      </p:transition>
+    </mc:Fallback>
+  </mc:AlternateContent>
   <p:timing>
     <p:tnLst>
       <p:par>
@@ -16750,216 +16723,11 @@
           <a:chExt cx="0" cy="0"/>
         </a:xfrm>
       </p:grpSpPr>
-      <p:sp>
-        <p:nvSpPr>
-          <p:cNvPr id="2" name="Inhaltsplatzhalter 1"/>
-          <p:cNvSpPr>
-            <a:spLocks noGrp="1"/>
-          </p:cNvSpPr>
-          <p:nvPr>
-            <p:ph idx="1"/>
-          </p:nvPr>
-        </p:nvSpPr>
-        <p:spPr/>
-        <p:txBody>
-          <a:bodyPr/>
-          <a:lstStyle/>
-          <a:p>
-            <a:r>
-              <a:rPr lang="de-AT" dirty="0" err="1" smtClean="0"/>
-              <a:t>Inception</a:t>
-            </a:r>
-            <a:endParaRPr lang="de-AT" dirty="0" smtClean="0"/>
-          </a:p>
-          <a:p>
-            <a:pPr lvl="1"/>
-            <a:r>
-              <a:rPr lang="de-AT" dirty="0" smtClean="0"/>
-              <a:t>Kick off</a:t>
-            </a:r>
-          </a:p>
-          <a:p>
-            <a:pPr lvl="1"/>
-            <a:r>
-              <a:rPr lang="de-AT" dirty="0" smtClean="0"/>
-              <a:t>Definition </a:t>
-            </a:r>
-            <a:r>
-              <a:rPr lang="de-AT" dirty="0" err="1"/>
-              <a:t>of</a:t>
-            </a:r>
-            <a:r>
-              <a:rPr lang="de-AT" dirty="0"/>
-              <a:t> </a:t>
-            </a:r>
-            <a:r>
-              <a:rPr lang="de-AT" dirty="0" err="1"/>
-              <a:t>Use</a:t>
-            </a:r>
-            <a:r>
-              <a:rPr lang="de-AT" dirty="0"/>
-              <a:t> </a:t>
-            </a:r>
-            <a:r>
-              <a:rPr lang="de-AT" dirty="0" err="1" smtClean="0"/>
-              <a:t>cases</a:t>
-            </a:r>
-            <a:endParaRPr lang="de-AT" dirty="0" smtClean="0"/>
-          </a:p>
-          <a:p>
-            <a:r>
-              <a:rPr lang="de-AT" dirty="0" smtClean="0"/>
-              <a:t>Elaboration</a:t>
-            </a:r>
-          </a:p>
-          <a:p>
-            <a:pPr lvl="1"/>
-            <a:r>
-              <a:rPr lang="de-AT" dirty="0" err="1" smtClean="0"/>
-              <a:t>Requirements</a:t>
-            </a:r>
-            <a:r>
-              <a:rPr lang="de-AT" dirty="0" smtClean="0"/>
-              <a:t> </a:t>
-            </a:r>
-            <a:r>
-              <a:rPr lang="de-AT" dirty="0" err="1" smtClean="0"/>
-              <a:t>engineering</a:t>
-            </a:r>
-            <a:endParaRPr lang="de-AT" dirty="0" smtClean="0"/>
-          </a:p>
-          <a:p>
-            <a:r>
-              <a:rPr lang="de-AT" b="1" dirty="0" err="1" smtClean="0"/>
-              <a:t>Construction</a:t>
-            </a:r>
-            <a:endParaRPr lang="de-AT" b="1" dirty="0" smtClean="0"/>
-          </a:p>
-          <a:p>
-            <a:pPr lvl="1"/>
-            <a:r>
-              <a:rPr lang="de-AT" dirty="0" err="1" smtClean="0"/>
-              <a:t>Timeboxes</a:t>
-            </a:r>
-            <a:endParaRPr lang="de-AT" dirty="0" smtClean="0"/>
-          </a:p>
-          <a:p>
-            <a:r>
-              <a:rPr lang="de-AT" dirty="0" smtClean="0"/>
-              <a:t>Transition</a:t>
-            </a:r>
-            <a:r>
-              <a:rPr lang="de-AT" dirty="0"/>
-              <a:t>	</a:t>
-            </a:r>
-            <a:endParaRPr lang="de-AT" dirty="0" smtClean="0"/>
-          </a:p>
-          <a:p>
-            <a:endParaRPr lang="de-AT" dirty="0"/>
-          </a:p>
-        </p:txBody>
-      </p:sp>
-      <p:sp>
-        <p:nvSpPr>
-          <p:cNvPr id="3" name="Datumsplatzhalter 2"/>
-          <p:cNvSpPr>
-            <a:spLocks noGrp="1"/>
-          </p:cNvSpPr>
-          <p:nvPr>
-            <p:ph type="dt" sz="half" idx="10"/>
-          </p:nvPr>
-        </p:nvSpPr>
-        <p:spPr/>
-        <p:txBody>
-          <a:bodyPr/>
-          <a:lstStyle/>
-          <a:p>
-            <a:fld id="{281C52AE-42A8-4426-ADA6-159E569D9194}" type="datetime1">
-              <a:rPr lang="de-DE" smtClean="0"/>
-              <a:t>12.06.2012</a:t>
-            </a:fld>
-            <a:endParaRPr lang="de-DE"/>
-          </a:p>
-        </p:txBody>
-      </p:sp>
-      <p:sp>
-        <p:nvSpPr>
-          <p:cNvPr id="4" name="Fußzeilenplatzhalter 3"/>
-          <p:cNvSpPr>
-            <a:spLocks noGrp="1"/>
-          </p:cNvSpPr>
-          <p:nvPr>
-            <p:ph type="ftr" sz="quarter" idx="11"/>
-          </p:nvPr>
-        </p:nvSpPr>
-        <p:spPr/>
-        <p:txBody>
-          <a:bodyPr/>
-          <a:lstStyle/>
-          <a:p>
-            <a:r>
-              <a:rPr lang="de-DE" smtClean="0"/>
-              <a:t>Roomanizer Presentation Team E</a:t>
-            </a:r>
-            <a:endParaRPr lang="de-DE"/>
-          </a:p>
-        </p:txBody>
-      </p:sp>
-      <p:sp>
-        <p:nvSpPr>
-          <p:cNvPr id="5" name="Foliennummernplatzhalter 4"/>
-          <p:cNvSpPr>
-            <a:spLocks noGrp="1"/>
-          </p:cNvSpPr>
-          <p:nvPr>
-            <p:ph type="sldNum" sz="quarter" idx="12"/>
-          </p:nvPr>
-        </p:nvSpPr>
-        <p:spPr/>
-        <p:txBody>
-          <a:bodyPr/>
-          <a:lstStyle/>
-          <a:p>
-            <a:fld id="{6C6AE60A-B69C-4790-82F7-3882EDF23186}" type="slidenum">
-              <a:rPr lang="de-DE" smtClean="0"/>
-              <a:t>13</a:t>
-            </a:fld>
-            <a:endParaRPr lang="de-DE"/>
-          </a:p>
-        </p:txBody>
-      </p:sp>
-      <p:sp>
-        <p:nvSpPr>
-          <p:cNvPr id="6" name="Titel 5"/>
-          <p:cNvSpPr>
-            <a:spLocks noGrp="1"/>
-          </p:cNvSpPr>
-          <p:nvPr>
-            <p:ph type="title"/>
-          </p:nvPr>
-        </p:nvSpPr>
-        <p:spPr/>
-        <p:txBody>
-          <a:bodyPr/>
-          <a:lstStyle/>
-          <a:p>
-            <a:r>
-              <a:rPr lang="de-AT" dirty="0" smtClean="0"/>
-              <a:t>Unified </a:t>
-            </a:r>
-            <a:r>
-              <a:rPr lang="de-AT" dirty="0" err="1" smtClean="0"/>
-              <a:t>Process</a:t>
-            </a:r>
-            <a:endParaRPr lang="de-AT" dirty="0"/>
-          </a:p>
-        </p:txBody>
-      </p:sp>
       <p:pic>
         <p:nvPicPr>
-          <p:cNvPr id="7" name="Picture 7"/>
+          <p:cNvPr id="8" name="Grafik 7"/>
           <p:cNvPicPr>
-            <a:picLocks noChangeAspect="1" noChangeArrowheads="1"/>
+            <a:picLocks noChangeAspect="1"/>
           </p:cNvPicPr>
           <p:nvPr/>
         </p:nvPicPr>
@@ -16971,54 +16739,116 @@
               </a:ext>
             </a:extLst>
           </a:blip>
-          <a:srcRect/>
           <a:stretch>
             <a:fillRect/>
           </a:stretch>
         </p:blipFill>
-        <p:spPr bwMode="auto">
+        <p:spPr>
           <a:xfrm>
-            <a:off x="6732240" y="1412776"/>
-            <a:ext cx="2115099" cy="834289"/>
+            <a:off x="539552" y="1052736"/>
+            <a:ext cx="7992888" cy="5402747"/>
           </a:xfrm>
           <a:prstGeom prst="rect">
             <a:avLst/>
           </a:prstGeom>
-          <a:noFill/>
-          <a:ln>
-            <a:noFill/>
-          </a:ln>
-          <a:effectLst/>
-          <a:extLst>
-            <a:ext uri="{909E8E84-426E-40DD-AFC4-6F175D3DCCD1}">
-              <a14:hiddenFill xmlns:a14="http://schemas.microsoft.com/office/drawing/2010/main">
-                <a:solidFill>
-                  <a:schemeClr val="accent1"/>
-                </a:solidFill>
-              </a14:hiddenFill>
-            </a:ext>
-            <a:ext uri="{91240B29-F687-4F45-9708-019B960494DF}">
-              <a14:hiddenLine xmlns:a14="http://schemas.microsoft.com/office/drawing/2010/main" w="9525">
-                <a:solidFill>
-                  <a:schemeClr val="tx1"/>
-                </a:solidFill>
-                <a:miter lim="800000"/>
-                <a:headEnd/>
-                <a:tailEnd/>
-              </a14:hiddenLine>
-            </a:ext>
-            <a:ext uri="{AF507438-7753-43E0-B8FC-AC1667EBCBE1}">
-              <a14:hiddenEffects xmlns:a14="http://schemas.microsoft.com/office/drawing/2010/main">
-                <a:effectLst>
-                  <a:outerShdw dist="35921" dir="2700000" algn="ctr" rotWithShape="0">
-                    <a:schemeClr val="bg2"/>
-                  </a:outerShdw>
-                </a:effectLst>
-              </a14:hiddenEffects>
-            </a:ext>
-          </a:extLst>
         </p:spPr>
       </p:pic>
+      <p:sp>
+        <p:nvSpPr>
+          <p:cNvPr id="3" name="Datumsplatzhalter 2"/>
+          <p:cNvSpPr>
+            <a:spLocks noGrp="1"/>
+          </p:cNvSpPr>
+          <p:nvPr>
+            <p:ph type="dt" sz="half" idx="10"/>
+          </p:nvPr>
+        </p:nvSpPr>
+        <p:spPr/>
+        <p:txBody>
+          <a:bodyPr/>
+          <a:lstStyle/>
+          <a:p>
+            <a:fld id="{281C52AE-42A8-4426-ADA6-159E569D9194}" type="datetime1">
+              <a:rPr lang="de-DE" smtClean="0"/>
+              <a:t>13.06.2012</a:t>
+            </a:fld>
+            <a:endParaRPr lang="de-DE"/>
+          </a:p>
+        </p:txBody>
+      </p:sp>
+      <p:sp>
+        <p:nvSpPr>
+          <p:cNvPr id="4" name="Fußzeilenplatzhalter 3"/>
+          <p:cNvSpPr>
+            <a:spLocks noGrp="1"/>
+          </p:cNvSpPr>
+          <p:nvPr>
+            <p:ph type="ftr" sz="quarter" idx="11"/>
+          </p:nvPr>
+        </p:nvSpPr>
+        <p:spPr/>
+        <p:txBody>
+          <a:bodyPr/>
+          <a:lstStyle/>
+          <a:p>
+            <a:r>
+              <a:rPr lang="de-DE" smtClean="0"/>
+              <a:t>Roomanizer Presentation Team E</a:t>
+            </a:r>
+            <a:endParaRPr lang="de-DE"/>
+          </a:p>
+        </p:txBody>
+      </p:sp>
+      <p:sp>
+        <p:nvSpPr>
+          <p:cNvPr id="5" name="Foliennummernplatzhalter 4"/>
+          <p:cNvSpPr>
+            <a:spLocks noGrp="1"/>
+          </p:cNvSpPr>
+          <p:nvPr>
+            <p:ph type="sldNum" sz="quarter" idx="12"/>
+          </p:nvPr>
+        </p:nvSpPr>
+        <p:spPr/>
+        <p:txBody>
+          <a:bodyPr/>
+          <a:lstStyle/>
+          <a:p>
+            <a:fld id="{6C6AE60A-B69C-4790-82F7-3882EDF23186}" type="slidenum">
+              <a:rPr lang="de-DE" smtClean="0"/>
+              <a:t>13</a:t>
+            </a:fld>
+            <a:endParaRPr lang="de-DE"/>
+          </a:p>
+        </p:txBody>
+      </p:sp>
+      <p:sp>
+        <p:nvSpPr>
+          <p:cNvPr id="6" name="Titel 5"/>
+          <p:cNvSpPr>
+            <a:spLocks noGrp="1"/>
+          </p:cNvSpPr>
+          <p:nvPr>
+            <p:ph type="title"/>
+          </p:nvPr>
+        </p:nvSpPr>
+        <p:spPr/>
+        <p:txBody>
+          <a:bodyPr/>
+          <a:lstStyle/>
+          <a:p>
+            <a:r>
+              <a:rPr lang="de-AT" dirty="0" smtClean="0"/>
+              <a:t>Unified </a:t>
+            </a:r>
+            <a:r>
+              <a:rPr lang="de-AT" dirty="0" err="1" smtClean="0"/>
+              <a:t>Process</a:t>
+            </a:r>
+            <a:endParaRPr lang="de-AT" dirty="0"/>
+          </a:p>
+        </p:txBody>
+      </p:sp>
     </p:spTree>
     <p:extLst>
       <p:ext uri="{BB962C8B-B14F-4D97-AF65-F5344CB8AC3E}">
@@ -17029,6 +16859,18 @@
   <p:clrMapOvr>
     <a:masterClrMapping/>
   </p:clrMapOvr>
+  <mc:AlternateContent xmlns:mc="http://schemas.openxmlformats.org/markup-compatibility/2006">
+    <mc:Choice xmlns:p14="http://schemas.microsoft.com/office/powerpoint/2010/main" Requires="p14">
+      <p:transition spd="med" p14:dur="700">
+        <p:fade/>
+      </p:transition>
+    </mc:Choice>
+    <mc:Fallback>
+      <p:transition spd="med">
+        <p:fade/>
+      </p:transition>
+    </mc:Fallback>
+  </mc:AlternateContent>
   <p:timing>
     <p:tnLst>
       <p:par>
@@ -17221,7 +17063,7 @@
           <a:p>
             <a:fld id="{281C52AE-42A8-4426-ADA6-159E569D9194}" type="datetime1">
               <a:rPr lang="de-DE" smtClean="0"/>
-              <a:t>12.06.2012</a:t>
+              <a:t>13.06.2012</a:t>
             </a:fld>
             <a:endParaRPr lang="de-DE"/>
           </a:p>
@@ -17306,6 +17148,18 @@
   <p:clrMapOvr>
     <a:masterClrMapping/>
   </p:clrMapOvr>
+  <mc:AlternateContent xmlns:mc="http://schemas.openxmlformats.org/markup-compatibility/2006">
+    <mc:Choice xmlns:p14="http://schemas.microsoft.com/office/powerpoint/2010/main" Requires="p14">
+      <p:transition spd="med" p14:dur="700">
+        <p:fade/>
+      </p:transition>
+    </mc:Choice>
+    <mc:Fallback>
+      <p:transition spd="med">
+        <p:fade/>
+      </p:transition>
+    </mc:Fallback>
+  </mc:AlternateContent>
   <p:timing>
     <p:tnLst>
       <p:par>
@@ -17350,7 +17204,7 @@
           <a:p>
             <a:fld id="{0E7CE532-8F4D-4E5C-A0AC-737CF4959D51}" type="datetime1">
               <a:rPr lang="de-DE" smtClean="0"/>
-              <a:t>12.06.2012</a:t>
+              <a:t>13.06.2012</a:t>
             </a:fld>
             <a:endParaRPr lang="de-DE"/>
           </a:p>
@@ -17516,14 +17370,25 @@
   <p:clrMapOvr>
     <a:masterClrMapping/>
   </p:clrMapOvr>
-  <p:transition spd="med"/>
+  <mc:AlternateContent xmlns:mc="http://schemas.openxmlformats.org/markup-compatibility/2006">
+    <mc:Choice xmlns:p14="http://schemas.microsoft.com/office/powerpoint/2010/main" Requires="p14">
+      <p:transition spd="med" p14:dur="700">
+        <p:fade/>
+      </p:transition>
+    </mc:Choice>
+    <mc:Fallback>
+      <p:transition spd="med">
+        <p:fade/>
+      </p:transition>
+    </mc:Fallback>
+  </mc:AlternateContent>
   <p:timing>
     <p:tnLst>
       <p:par>
         <p:cTn id="1" dur="indefinite" restart="never" nodeType="tmRoot">
           <p:childTnLst>
             <p:seq concurrent="1" nextAc="seek">
-              <p:cTn id="2" dur="0" nodeType="mainSeq">
+              <p:cTn id="2" dur="indefinite" nodeType="mainSeq">
                 <p:childTnLst>
                   <p:par>
                     <p:cTn id="3" fill="hold">
@@ -17881,7 +17746,7 @@
           <a:p>
             <a:fld id="{0691F428-18E4-4546-8CA6-A28FDC92F53F}" type="datetime1">
               <a:rPr lang="de-DE" smtClean="0"/>
-              <a:t>12.06.2012</a:t>
+              <a:t>13.06.2012</a:t>
             </a:fld>
             <a:endParaRPr lang="de-DE"/>
           </a:p>
@@ -17966,6 +17831,18 @@
   <p:clrMapOvr>
     <a:masterClrMapping/>
   </p:clrMapOvr>
+  <mc:AlternateContent xmlns:mc="http://schemas.openxmlformats.org/markup-compatibility/2006">
+    <mc:Choice xmlns:p14="http://schemas.microsoft.com/office/powerpoint/2010/main" Requires="p14">
+      <p:transition spd="med" p14:dur="700">
+        <p:fade/>
+      </p:transition>
+    </mc:Choice>
+    <mc:Fallback>
+      <p:transition spd="med">
+        <p:fade/>
+      </p:transition>
+    </mc:Fallback>
+  </mc:AlternateContent>
   <p:timing>
     <p:tnLst>
       <p:par>
@@ -18203,7 +18080,7 @@
           <a:p>
             <a:fld id="{998A4FFE-7F93-41EB-9E05-44835A6A19E1}" type="datetime1">
               <a:rPr lang="de-DE" smtClean="0"/>
-              <a:t>12.06.2012</a:t>
+              <a:t>13.06.2012</a:t>
             </a:fld>
             <a:endParaRPr lang="de-DE"/>
           </a:p>
@@ -18288,6 +18165,18 @@
   <p:clrMapOvr>
     <a:masterClrMapping/>
   </p:clrMapOvr>
+  <mc:AlternateContent xmlns:mc="http://schemas.openxmlformats.org/markup-compatibility/2006">
+    <mc:Choice xmlns:p14="http://schemas.microsoft.com/office/powerpoint/2010/main" Requires="p14">
+      <p:transition spd="med" p14:dur="700">
+        <p:fade/>
+      </p:transition>
+    </mc:Choice>
+    <mc:Fallback>
+      <p:transition spd="med">
+        <p:fade/>
+      </p:transition>
+    </mc:Fallback>
+  </mc:AlternateContent>
   <p:timing>
     <p:tnLst>
       <p:par>
@@ -18426,7 +18315,7 @@
           <a:p>
             <a:fld id="{90348C0C-C52A-41F1-A153-FFFC42D07549}" type="datetime1">
               <a:rPr lang="de-DE" smtClean="0"/>
-              <a:t>12.06.2012</a:t>
+              <a:t>13.06.2012</a:t>
             </a:fld>
             <a:endParaRPr lang="de-DE"/>
           </a:p>
@@ -18511,6 +18400,18 @@
   <p:clrMapOvr>
     <a:masterClrMapping/>
   </p:clrMapOvr>
+  <mc:AlternateContent xmlns:mc="http://schemas.openxmlformats.org/markup-compatibility/2006">
+    <mc:Choice xmlns:p14="http://schemas.microsoft.com/office/powerpoint/2010/main" Requires="p14">
+      <p:transition spd="med" p14:dur="700">
+        <p:fade/>
+      </p:transition>
+    </mc:Choice>
+    <mc:Fallback>
+      <p:transition spd="med">
+        <p:fade/>
+      </p:transition>
+    </mc:Fallback>
+  </mc:AlternateContent>
   <p:timing>
     <p:tnLst>
       <p:par>
@@ -18765,7 +18666,7 @@
           <a:p>
             <a:fld id="{0994480E-65DE-4E27-A77D-3FC0824918DE}" type="datetime1">
               <a:rPr lang="de-DE" smtClean="0"/>
-              <a:t>12.06.2012</a:t>
+              <a:t>13.06.2012</a:t>
             </a:fld>
             <a:endParaRPr lang="de-DE"/>
           </a:p>
@@ -18850,6 +18751,18 @@
   <p:clrMapOvr>
     <a:masterClrMapping/>
   </p:clrMapOvr>
+  <mc:AlternateContent xmlns:mc="http://schemas.openxmlformats.org/markup-compatibility/2006">
+    <mc:Choice xmlns:p14="http://schemas.microsoft.com/office/powerpoint/2010/main" Requires="p14">
+      <p:transition spd="med" p14:dur="700">
+        <p:fade/>
+      </p:transition>
+    </mc:Choice>
+    <mc:Fallback>
+      <p:transition spd="med">
+        <p:fade/>
+      </p:transition>
+    </mc:Fallback>
+  </mc:AlternateContent>
   <p:timing>
     <p:tnLst>
       <p:par>
@@ -18939,7 +18852,6 @@
               <a:rPr lang="de-AT" sz="4000" dirty="0" smtClean="0"/>
               <a:t>Outlook</a:t>
             </a:r>
-            <a:endParaRPr lang="de-AT" sz="4000" dirty="0" smtClean="0"/>
           </a:p>
         </p:txBody>
       </p:sp>
@@ -18960,7 +18872,7 @@
           <a:p>
             <a:fld id="{09C32CF5-DBC2-45EC-B862-4748D3DE2F3D}" type="datetime1">
               <a:rPr lang="de-DE" smtClean="0"/>
-              <a:t>12.06.2012</a:t>
+              <a:t>13.06.2012</a:t>
             </a:fld>
             <a:endParaRPr lang="de-DE" dirty="0"/>
           </a:p>
@@ -19057,6 +18969,18 @@
   <p:clrMapOvr>
     <a:masterClrMapping/>
   </p:clrMapOvr>
+  <mc:AlternateContent xmlns:mc="http://schemas.openxmlformats.org/markup-compatibility/2006">
+    <mc:Choice xmlns:p14="http://schemas.microsoft.com/office/powerpoint/2010/main" Requires="p14">
+      <p:transition spd="med" p14:dur="700">
+        <p:fade/>
+      </p:transition>
+    </mc:Choice>
+    <mc:Fallback>
+      <p:transition spd="med">
+        <p:fade/>
+      </p:transition>
+    </mc:Fallback>
+  </mc:AlternateContent>
   <p:timing>
     <p:tnLst>
       <p:par>
@@ -19234,7 +19158,7 @@
           <a:p>
             <a:fld id="{FC2BBAF5-4C8D-491A-96E6-3A25C3C4B7D9}" type="datetime1">
               <a:rPr lang="de-DE" smtClean="0"/>
-              <a:t>12.06.2012</a:t>
+              <a:t>13.06.2012</a:t>
             </a:fld>
             <a:endParaRPr lang="de-DE"/>
           </a:p>
@@ -19319,6 +19243,18 @@
   <p:clrMapOvr>
     <a:masterClrMapping/>
   </p:clrMapOvr>
+  <mc:AlternateContent xmlns:mc="http://schemas.openxmlformats.org/markup-compatibility/2006">
+    <mc:Choice xmlns:p14="http://schemas.microsoft.com/office/powerpoint/2010/main" Requires="p14">
+      <p:transition spd="med" p14:dur="700">
+        <p:fade/>
+      </p:transition>
+    </mc:Choice>
+    <mc:Fallback>
+      <p:transition spd="med">
+        <p:fade/>
+      </p:transition>
+    </mc:Fallback>
+  </mc:AlternateContent>
   <p:timing>
     <p:tnLst>
       <p:par>
@@ -19478,7 +19414,7 @@
           <a:p>
             <a:r>
               <a:rPr lang="de-DE" dirty="0" smtClean="0"/>
-              <a:t>Database</a:t>
+              <a:t>MySQL</a:t>
             </a:r>
             <a:endParaRPr lang="de-DE" dirty="0"/>
           </a:p>
@@ -19494,6 +19430,18 @@
   <p:clrMapOvr>
     <a:masterClrMapping/>
   </p:clrMapOvr>
+  <mc:AlternateContent xmlns:mc="http://schemas.openxmlformats.org/markup-compatibility/2006">
+    <mc:Choice xmlns:p14="http://schemas.microsoft.com/office/powerpoint/2010/main" Requires="p14">
+      <p:transition spd="med" p14:dur="700">
+        <p:fade/>
+      </p:transition>
+    </mc:Choice>
+    <mc:Fallback>
+      <p:transition spd="med">
+        <p:fade/>
+      </p:transition>
+    </mc:Fallback>
+  </mc:AlternateContent>
   <p:timing>
     <p:tnLst>
       <p:par>
@@ -19658,11 +19606,7 @@
             </a:r>
             <a:r>
               <a:rPr lang="de-DE" sz="2500" dirty="0"/>
-              <a:t> </a:t>
-            </a:r>
-            <a:r>
-              <a:rPr lang="de-DE" sz="2500" dirty="0"/>
-              <a:t>NULL </a:t>
+              <a:t> NULL </a:t>
             </a:r>
             <a:r>
               <a:rPr lang="de-DE" sz="2500" dirty="0" err="1"/>
@@ -19678,11 +19622,7 @@
             </a:r>
             <a:r>
               <a:rPr lang="de-DE" sz="2500" dirty="0"/>
-              <a:t> </a:t>
-            </a:r>
-            <a:r>
-              <a:rPr lang="de-DE" sz="2500" dirty="0"/>
-              <a:t>redundant </a:t>
+              <a:t> redundant </a:t>
             </a:r>
             <a:r>
               <a:rPr lang="de-DE" sz="2500" dirty="0" err="1"/>
@@ -19743,7 +19683,7 @@
           <a:p>
             <a:fld id="{92E67AF8-A288-4266-A53C-E84C48E50EE2}" type="datetime1">
               <a:rPr lang="de-DE" smtClean="0"/>
-              <a:t>12.06.2012</a:t>
+              <a:t>13.06.2012</a:t>
             </a:fld>
             <a:endParaRPr lang="de-DE"/>
           </a:p>
@@ -19857,13 +19797,13 @@
       </p:pic>
       <p:pic>
         <p:nvPicPr>
-          <p:cNvPr id="8" name="Bild 6" descr="service_vererbung.jpg"/>
+          <p:cNvPr id="8" name="Bild 6"/>
           <p:cNvPicPr>
             <a:picLocks noChangeAspect="1"/>
           </p:cNvPicPr>
           <p:nvPr/>
         </p:nvPicPr>
-        <p:blipFill>
+        <p:blipFill rotWithShape="1">
           <a:blip r:embed="rId3">
             <a:extLst>
               <a:ext uri="{28A0092B-C50C-407E-A947-70E740481C1C}">
@@ -19871,14 +19811,13 @@
               </a:ext>
             </a:extLst>
           </a:blip>
-          <a:stretch>
-            <a:fillRect/>
-          </a:stretch>
+          <a:srcRect l="24555" t="6692" r="20293" b="6543"/>
+          <a:stretch/>
         </p:blipFill>
         <p:spPr>
           <a:xfrm>
-            <a:off x="4900378" y="1417638"/>
-            <a:ext cx="4352142" cy="4843329"/>
+            <a:off x="5239133" y="1618983"/>
+            <a:ext cx="3725355" cy="4395526"/>
           </a:xfrm>
           <a:prstGeom prst="rect">
             <a:avLst/>
@@ -19895,6 +19834,18 @@
   <p:clrMapOvr>
     <a:masterClrMapping/>
   </p:clrMapOvr>
+  <mc:AlternateContent xmlns:mc="http://schemas.openxmlformats.org/markup-compatibility/2006">
+    <mc:Choice xmlns:p14="http://schemas.microsoft.com/office/powerpoint/2010/main" Requires="p14">
+      <p:transition spd="med" p14:dur="700">
+        <p:fade/>
+      </p:transition>
+    </mc:Choice>
+    <mc:Fallback>
+      <p:transition spd="med">
+        <p:fade/>
+      </p:transition>
+    </mc:Fallback>
+  </mc:AlternateContent>
   <p:timing>
     <p:tnLst>
       <p:par>
@@ -20020,26 +19971,14 @@
           <a:p>
             <a:r>
               <a:rPr lang="en-GB" sz="2800" dirty="0" smtClean="0"/>
-              <a:t>Framework for object-related database </a:t>
-            </a:r>
-            <a:r>
-              <a:rPr lang="en-GB" sz="2800" dirty="0" smtClean="0"/>
-              <a:t>mapping</a:t>
+              <a:t>Framework for object-related database mapping</a:t>
             </a:r>
           </a:p>
           <a:p>
             <a:pPr lvl="1"/>
             <a:r>
               <a:rPr lang="en-GB" dirty="0" smtClean="0"/>
-              <a:t>Work </a:t>
-            </a:r>
-            <a:r>
-              <a:rPr lang="en-GB" dirty="0" smtClean="0"/>
-              <a:t>on objects instead of </a:t>
-            </a:r>
-            <a:r>
-              <a:rPr lang="en-GB" dirty="0" smtClean="0"/>
-              <a:t>database</a:t>
+              <a:t>Work on objects instead of database</a:t>
             </a:r>
           </a:p>
           <a:p>
@@ -20047,33 +19986,15 @@
               <a:rPr lang="en-GB" dirty="0" smtClean="0">
                 <a:sym typeface="Wingdings"/>
               </a:rPr>
-              <a:t>Updates </a:t>
-            </a:r>
+              <a:t>Updates are distributed regularly</a:t>
+            </a:r>
+          </a:p>
+          <a:p>
             <a:r>
               <a:rPr lang="en-GB" dirty="0" smtClean="0">
                 <a:sym typeface="Wingdings"/>
               </a:rPr>
-              <a:t>are distributed </a:t>
-            </a:r>
-            <a:r>
-              <a:rPr lang="en-GB" dirty="0" smtClean="0">
-                <a:sym typeface="Wingdings"/>
-              </a:rPr>
-              <a:t>regularly</a:t>
-            </a:r>
-          </a:p>
-          <a:p>
-            <a:r>
-              <a:rPr lang="en-GB" dirty="0" smtClean="0">
-                <a:sym typeface="Wingdings"/>
-              </a:rPr>
-              <a:t>Huge </a:t>
-            </a:r>
-            <a:r>
-              <a:rPr lang="en-GB" dirty="0" smtClean="0">
-                <a:sym typeface="Wingdings"/>
-              </a:rPr>
-              <a:t>community</a:t>
+              <a:t>Huge community</a:t>
             </a:r>
             <a:endParaRPr lang="en-GB" dirty="0" smtClean="0"/>
           </a:p>
@@ -20130,7 +20051,7 @@
           <a:p>
             <a:fld id="{7D9EAA1B-51AF-4B3C-8DC4-33C68C3641F3}" type="datetime1">
               <a:rPr lang="de-DE" smtClean="0"/>
-              <a:t>12.06.2012</a:t>
+              <a:t>13.06.2012</a:t>
             </a:fld>
             <a:endParaRPr lang="de-DE"/>
           </a:p>
@@ -20258,6 +20179,18 @@
   <p:clrMapOvr>
     <a:masterClrMapping/>
   </p:clrMapOvr>
+  <mc:AlternateContent xmlns:mc="http://schemas.openxmlformats.org/markup-compatibility/2006">
+    <mc:Choice xmlns:p14="http://schemas.microsoft.com/office/powerpoint/2010/main" Requires="p14">
+      <p:transition spd="med" p14:dur="700">
+        <p:fade/>
+      </p:transition>
+    </mc:Choice>
+    <mc:Fallback>
+      <p:transition spd="med">
+        <p:fade/>
+      </p:transition>
+    </mc:Fallback>
+  </mc:AlternateContent>
   <p:timing>
     <p:tnLst>
       <p:par>
@@ -20364,7 +20297,7 @@
           <a:p>
             <a:fld id="{3EB62170-B108-4D64-9B64-143DC6000FD9}" type="datetime1">
               <a:rPr lang="de-DE" smtClean="0"/>
-              <a:t>12.06.2012</a:t>
+              <a:t>13.06.2012</a:t>
             </a:fld>
             <a:endParaRPr lang="de-DE"/>
           </a:p>
@@ -20449,6 +20382,18 @@
   <p:clrMapOvr>
     <a:masterClrMapping/>
   </p:clrMapOvr>
+  <mc:AlternateContent xmlns:mc="http://schemas.openxmlformats.org/markup-compatibility/2006">
+    <mc:Choice xmlns:p14="http://schemas.microsoft.com/office/powerpoint/2010/main" Requires="p14">
+      <p:transition spd="med" p14:dur="700">
+        <p:fade/>
+      </p:transition>
+    </mc:Choice>
+    <mc:Fallback>
+      <p:transition spd="med">
+        <p:fade/>
+      </p:transition>
+    </mc:Fallback>
+  </mc:AlternateContent>
   <p:timing>
     <p:tnLst>
       <p:par>
@@ -20630,7 +20575,7 @@
           <a:p>
             <a:fld id="{5439CDA0-693F-4CFF-99B0-C6B38F13AC5A}" type="datetime1">
               <a:rPr lang="de-DE" smtClean="0"/>
-              <a:t>12.06.2012</a:t>
+              <a:t>13.06.2012</a:t>
             </a:fld>
             <a:endParaRPr lang="de-DE"/>
           </a:p>
@@ -20756,6 +20701,18 @@
   <p:clrMapOvr>
     <a:masterClrMapping/>
   </p:clrMapOvr>
+  <mc:AlternateContent xmlns:mc="http://schemas.openxmlformats.org/markup-compatibility/2006">
+    <mc:Choice xmlns:p14="http://schemas.microsoft.com/office/powerpoint/2010/main" Requires="p14">
+      <p:transition spd="med" p14:dur="700">
+        <p:fade/>
+      </p:transition>
+    </mc:Choice>
+    <mc:Fallback>
+      <p:transition spd="med">
+        <p:fade/>
+      </p:transition>
+    </mc:Fallback>
+  </mc:AlternateContent>
   <p:timing>
     <p:tnLst>
       <p:par>
@@ -20829,7 +20786,7 @@
           <a:p>
             <a:fld id="{426A248E-ED99-4C98-8A30-945EB6A9AE55}" type="datetime1">
               <a:rPr lang="de-DE" smtClean="0"/>
-              <a:t>12.06.2012</a:t>
+              <a:t>13.06.2012</a:t>
             </a:fld>
             <a:endParaRPr lang="de-DE"/>
           </a:p>
@@ -21000,6 +20957,18 @@
   <p:clrMapOvr>
     <a:masterClrMapping/>
   </p:clrMapOvr>
+  <mc:AlternateContent xmlns:mc="http://schemas.openxmlformats.org/markup-compatibility/2006">
+    <mc:Choice xmlns:p14="http://schemas.microsoft.com/office/powerpoint/2010/main" Requires="p14">
+      <p:transition spd="med" p14:dur="700">
+        <p:fade/>
+      </p:transition>
+    </mc:Choice>
+    <mc:Fallback>
+      <p:transition spd="med">
+        <p:fade/>
+      </p:transition>
+    </mc:Fallback>
+  </mc:AlternateContent>
   <p:timing>
     <p:tnLst>
       <p:par>
@@ -21326,6 +21295,18 @@
   <p:clrMapOvr>
     <a:masterClrMapping/>
   </p:clrMapOvr>
+  <mc:AlternateContent xmlns:mc="http://schemas.openxmlformats.org/markup-compatibility/2006">
+    <mc:Choice xmlns:p14="http://schemas.microsoft.com/office/powerpoint/2010/main" Requires="p14">
+      <p:transition spd="med" p14:dur="700">
+        <p:fade/>
+      </p:transition>
+    </mc:Choice>
+    <mc:Fallback>
+      <p:transition spd="med">
+        <p:fade/>
+      </p:transition>
+    </mc:Fallback>
+  </mc:AlternateContent>
   <p:timing>
     <p:tnLst>
       <p:par>
@@ -21432,7 +21413,7 @@
           <a:p>
             <a:fld id="{9999F398-98CA-40B5-8FB1-DF0463A99ABA}" type="datetime1">
               <a:rPr lang="de-DE" smtClean="0"/>
-              <a:t>12.06.2012</a:t>
+              <a:t>13.06.2012</a:t>
             </a:fld>
             <a:endParaRPr lang="de-DE"/>
           </a:p>
@@ -21517,6 +21498,18 @@
   <p:clrMapOvr>
     <a:masterClrMapping/>
   </p:clrMapOvr>
+  <mc:AlternateContent xmlns:mc="http://schemas.openxmlformats.org/markup-compatibility/2006">
+    <mc:Choice xmlns:p14="http://schemas.microsoft.com/office/powerpoint/2010/main" Requires="p14">
+      <p:transition spd="med" p14:dur="700">
+        <p:fade/>
+      </p:transition>
+    </mc:Choice>
+    <mc:Fallback>
+      <p:transition spd="med">
+        <p:fade/>
+      </p:transition>
+    </mc:Fallback>
+  </mc:AlternateContent>
   <p:timing>
     <p:tnLst>
       <p:par>
@@ -21710,7 +21703,7 @@
           <a:p>
             <a:fld id="{8E658758-4A00-4D9B-B1B5-C8A06F3ECE08}" type="datetime1">
               <a:rPr lang="de-DE" smtClean="0"/>
-              <a:t>12.06.2012</a:t>
+              <a:t>13.06.2012</a:t>
             </a:fld>
             <a:endParaRPr lang="de-DE"/>
           </a:p>
@@ -21834,6 +21827,18 @@
   <p:clrMapOvr>
     <a:masterClrMapping/>
   </p:clrMapOvr>
+  <mc:AlternateContent xmlns:mc="http://schemas.openxmlformats.org/markup-compatibility/2006">
+    <mc:Choice xmlns:p14="http://schemas.microsoft.com/office/powerpoint/2010/main" Requires="p14">
+      <p:transition spd="med" p14:dur="700">
+        <p:fade/>
+      </p:transition>
+    </mc:Choice>
+    <mc:Fallback>
+      <p:transition spd="med">
+        <p:fade/>
+      </p:transition>
+    </mc:Fallback>
+  </mc:AlternateContent>
   <p:timing>
     <p:tnLst>
       <p:par>
@@ -21932,7 +21937,7 @@
           <a:p>
             <a:fld id="{49D33A8E-DCAC-4DE6-AA5C-03943D446BE1}" type="datetime1">
               <a:rPr lang="de-DE" smtClean="0"/>
-              <a:t>12.06.2012</a:t>
+              <a:t>13.06.2012</a:t>
             </a:fld>
             <a:endParaRPr lang="de-DE"/>
           </a:p>
@@ -22017,6 +22022,18 @@
   <p:clrMapOvr>
     <a:masterClrMapping/>
   </p:clrMapOvr>
+  <mc:AlternateContent xmlns:mc="http://schemas.openxmlformats.org/markup-compatibility/2006">
+    <mc:Choice xmlns:p14="http://schemas.microsoft.com/office/powerpoint/2010/main" Requires="p14">
+      <p:transition spd="med" p14:dur="700">
+        <p:fade/>
+      </p:transition>
+    </mc:Choice>
+    <mc:Fallback>
+      <p:transition spd="med">
+        <p:fade/>
+      </p:transition>
+    </mc:Fallback>
+  </mc:AlternateContent>
   <p:timing>
     <p:tnLst>
       <p:par>
@@ -22254,7 +22271,7 @@
           <a:p>
             <a:fld id="{880E2B85-08A7-4DC9-B01B-5814540C0B70}" type="datetime1">
               <a:rPr lang="de-DE" smtClean="0"/>
-              <a:t>12.06.2012</a:t>
+              <a:t>13.06.2012</a:t>
             </a:fld>
             <a:endParaRPr lang="de-DE"/>
           </a:p>
@@ -22339,6 +22356,18 @@
   <p:clrMapOvr>
     <a:masterClrMapping/>
   </p:clrMapOvr>
+  <mc:AlternateContent xmlns:mc="http://schemas.openxmlformats.org/markup-compatibility/2006">
+    <mc:Choice xmlns:p14="http://schemas.microsoft.com/office/powerpoint/2010/main" Requires="p14">
+      <p:transition spd="med" p14:dur="700">
+        <p:fade/>
+      </p:transition>
+    </mc:Choice>
+    <mc:Fallback>
+      <p:transition spd="med">
+        <p:fade/>
+      </p:transition>
+    </mc:Fallback>
+  </mc:AlternateContent>
   <p:timing>
     <p:tnLst>
       <p:par>
@@ -22643,7 +22672,7 @@
               <a:rPr lang="de-AT" sz="2400" dirty="0" err="1" smtClean="0">
                 <a:sym typeface="Wingdings" pitchFamily="2" charset="2"/>
               </a:rPr>
-              <a:t>Recursiv</a:t>
+              <a:t>Recursive</a:t>
             </a:r>
             <a:r>
               <a:rPr lang="de-AT" sz="2400" dirty="0" smtClean="0">
@@ -22704,7 +22733,7 @@
           <a:p>
             <a:fld id="{494A0C5A-81F6-4E10-A5DB-10CC8DE41E8F}" type="datetime1">
               <a:rPr lang="de-DE" smtClean="0"/>
-              <a:t>12.06.2012</a:t>
+              <a:t>13.06.2012</a:t>
             </a:fld>
             <a:endParaRPr lang="de-DE"/>
           </a:p>
@@ -22789,6 +22818,18 @@
   <p:clrMapOvr>
     <a:masterClrMapping/>
   </p:clrMapOvr>
+  <mc:AlternateContent xmlns:mc="http://schemas.openxmlformats.org/markup-compatibility/2006">
+    <mc:Choice xmlns:p14="http://schemas.microsoft.com/office/powerpoint/2010/main" Requires="p14">
+      <p:transition spd="med" p14:dur="700">
+        <p:fade/>
+      </p:transition>
+    </mc:Choice>
+    <mc:Fallback>
+      <p:transition spd="med">
+        <p:fade/>
+      </p:transition>
+    </mc:Fallback>
+  </mc:AlternateContent>
   <p:timing>
     <p:tnLst>
       <p:par>
@@ -23023,7 +23064,7 @@
           <a:p>
             <a:fld id="{97FFFF32-2F1E-4621-8436-2AF8FA1B9BFD}" type="datetime1">
               <a:rPr lang="de-DE" smtClean="0"/>
-              <a:t>12.06.2012</a:t>
+              <a:t>13.06.2012</a:t>
             </a:fld>
             <a:endParaRPr lang="de-DE"/>
           </a:p>
@@ -23108,6 +23149,18 @@
   <p:clrMapOvr>
     <a:masterClrMapping/>
   </p:clrMapOvr>
+  <mc:AlternateContent xmlns:mc="http://schemas.openxmlformats.org/markup-compatibility/2006">
+    <mc:Choice xmlns:p14="http://schemas.microsoft.com/office/powerpoint/2010/main" Requires="p14">
+      <p:transition spd="med" p14:dur="700">
+        <p:fade/>
+      </p:transition>
+    </mc:Choice>
+    <mc:Fallback>
+      <p:transition spd="med">
+        <p:fade/>
+      </p:transition>
+    </mc:Fallback>
+  </mc:AlternateContent>
   <p:timing>
     <p:tnLst>
       <p:par>
@@ -23619,8 +23672,8 @@
         </p:blipFill>
         <p:spPr bwMode="auto">
           <a:xfrm>
-            <a:off x="457200" y="2831926"/>
-            <a:ext cx="4038600" cy="1824386"/>
+            <a:off x="251520" y="1844824"/>
+            <a:ext cx="8510460" cy="3844492"/>
           </a:xfrm>
           <a:prstGeom prst="rect">
             <a:avLst/>
@@ -23654,7 +23707,7 @@
           <a:p>
             <a:fld id="{2E7523D4-9918-4AA3-A37C-D8E4BAE55AB7}" type="datetime1">
               <a:rPr lang="de-DE" smtClean="0"/>
-              <a:t>12.06.2012</a:t>
+              <a:t>13.06.2012</a:t>
             </a:fld>
             <a:endParaRPr lang="de-DE"/>
           </a:p>
@@ -23785,7 +23838,7 @@
         </p:nvSpPr>
         <p:spPr>
           <a:xfrm>
-            <a:off x="6084168" y="1962998"/>
+            <a:off x="5436096" y="2209297"/>
             <a:ext cx="3017173" cy="1107996"/>
           </a:xfrm>
           <a:prstGeom prst="rect">
@@ -23854,7 +23907,7 @@
         </p:nvSpPr>
         <p:spPr>
           <a:xfrm>
-            <a:off x="107504" y="4339263"/>
+            <a:off x="107504" y="4531186"/>
             <a:ext cx="5040560" cy="1107996"/>
           </a:xfrm>
           <a:prstGeom prst="rect">
@@ -23950,6 +24003,18 @@
   <p:clrMapOvr>
     <a:masterClrMapping/>
   </p:clrMapOvr>
+  <mc:AlternateContent xmlns:mc="http://schemas.openxmlformats.org/markup-compatibility/2006">
+    <mc:Choice xmlns:p14="http://schemas.microsoft.com/office/powerpoint/2010/main" Requires="p14">
+      <p:transition spd="med" p14:dur="700">
+        <p:fade/>
+      </p:transition>
+    </mc:Choice>
+    <mc:Fallback>
+      <p:transition spd="med">
+        <p:fade/>
+      </p:transition>
+    </mc:Fallback>
+  </mc:AlternateContent>
   <p:timing>
     <p:tnLst>
       <p:par>
@@ -24231,267 +24296,6 @@
                       </p:childTnLst>
                     </p:cTn>
                   </p:par>
-                  <p:par>
-                    <p:cTn id="21" fill="hold">
-                      <p:stCondLst>
-                        <p:cond delay="indefinite"/>
-                      </p:stCondLst>
-                      <p:childTnLst>
-                        <p:par>
-                          <p:cTn id="22" fill="hold">
-                            <p:stCondLst>
-                              <p:cond delay="0"/>
-                            </p:stCondLst>
-                            <p:childTnLst>
-                              <p:par>
-                                <p:cTn id="23" presetID="42" presetClass="exit" presetSubtype="0" fill="hold" grpId="1" nodeType="clickEffect">
-                                  <p:stCondLst>
-                                    <p:cond delay="0"/>
-                                  </p:stCondLst>
-                                  <p:childTnLst>
-                                    <p:animEffect transition="out" filter="fade">
-                                      <p:cBhvr>
-                                        <p:cTn id="24" dur="1000"/>
-                                        <p:tgtEl>
-                                          <p:spTgt spid="3"/>
-                                        </p:tgtEl>
-                                      </p:cBhvr>
-                                    </p:animEffect>
-                                    <p:anim calcmode="lin" valueType="num">
-                                      <p:cBhvr>
-                                        <p:cTn id="25" dur="1000"/>
-                                        <p:tgtEl>
-                                          <p:spTgt spid="3"/>
-                                        </p:tgtEl>
-                                        <p:attrNameLst>
-                                          <p:attrName>ppt_x</p:attrName>
-                                        </p:attrNameLst>
-                                      </p:cBhvr>
-                                      <p:tavLst>
-                                        <p:tav tm="0">
-                                          <p:val>
-                                            <p:strVal val="ppt_x"/>
-                                          </p:val>
-                                        </p:tav>
-                                        <p:tav tm="100000">
-                                          <p:val>
-                                            <p:strVal val="ppt_x"/>
-                                          </p:val>
-                                        </p:tav>
-                                      </p:tavLst>
-                                    </p:anim>
-                                    <p:anim calcmode="lin" valueType="num">
-                                      <p:cBhvr>
-                                        <p:cTn id="26" dur="1000"/>
-                                        <p:tgtEl>
-                                          <p:spTgt spid="3"/>
-                                        </p:tgtEl>
-                                        <p:attrNameLst>
-                                          <p:attrName>ppt_y</p:attrName>
-                                        </p:attrNameLst>
-                                      </p:cBhvr>
-                                      <p:tavLst>
-                                        <p:tav tm="0">
-                                          <p:val>
-                                            <p:strVal val="ppt_y"/>
-                                          </p:val>
-                                        </p:tav>
-                                        <p:tav tm="100000">
-                                          <p:val>
-                                            <p:strVal val="ppt_y+.1"/>
-                                          </p:val>
-                                        </p:tav>
-                                      </p:tavLst>
-                                    </p:anim>
-                                    <p:set>
-                                      <p:cBhvr>
-                                        <p:cTn id="27" dur="1" fill="hold">
-                                          <p:stCondLst>
-                                            <p:cond delay="999"/>
-                                          </p:stCondLst>
-                                        </p:cTn>
-                                        <p:tgtEl>
-                                          <p:spTgt spid="3"/>
-                                        </p:tgtEl>
-                                        <p:attrNameLst>
-                                          <p:attrName>style.visibility</p:attrName>
-                                        </p:attrNameLst>
-                                      </p:cBhvr>
-                                      <p:to>
-                                        <p:strVal val="hidden"/>
-                                      </p:to>
-                                    </p:set>
-                                  </p:childTnLst>
-                                </p:cTn>
-                              </p:par>
-                              <p:par>
-                                <p:cTn id="28" presetID="42" presetClass="exit" presetSubtype="0" fill="hold" grpId="1" nodeType="withEffect">
-                                  <p:stCondLst>
-                                    <p:cond delay="0"/>
-                                  </p:stCondLst>
-                                  <p:childTnLst>
-                                    <p:animEffect transition="out" filter="fade">
-                                      <p:cBhvr>
-                                        <p:cTn id="29" dur="1000"/>
-                                        <p:tgtEl>
-                                          <p:spTgt spid="5"/>
-                                        </p:tgtEl>
-                                      </p:cBhvr>
-                                    </p:animEffect>
-                                    <p:anim calcmode="lin" valueType="num">
-                                      <p:cBhvr>
-                                        <p:cTn id="30" dur="1000"/>
-                                        <p:tgtEl>
-                                          <p:spTgt spid="5"/>
-                                        </p:tgtEl>
-                                        <p:attrNameLst>
-                                          <p:attrName>ppt_x</p:attrName>
-                                        </p:attrNameLst>
-                                      </p:cBhvr>
-                                      <p:tavLst>
-                                        <p:tav tm="0">
-                                          <p:val>
-                                            <p:strVal val="ppt_x"/>
-                                          </p:val>
-                                        </p:tav>
-                                        <p:tav tm="100000">
-                                          <p:val>
-                                            <p:strVal val="ppt_x"/>
-                                          </p:val>
-                                        </p:tav>
-                                      </p:tavLst>
-                                    </p:anim>
-                                    <p:anim calcmode="lin" valueType="num">
-                                      <p:cBhvr>
-                                        <p:cTn id="31" dur="1000"/>
-                                        <p:tgtEl>
-                                          <p:spTgt spid="5"/>
-                                        </p:tgtEl>
-                                        <p:attrNameLst>
-                                          <p:attrName>ppt_y</p:attrName>
-                                        </p:attrNameLst>
-                                      </p:cBhvr>
-                                      <p:tavLst>
-                                        <p:tav tm="0">
-                                          <p:val>
-                                            <p:strVal val="ppt_y"/>
-                                          </p:val>
-                                        </p:tav>
-                                        <p:tav tm="100000">
-                                          <p:val>
-                                            <p:strVal val="ppt_y+.1"/>
-                                          </p:val>
-                                        </p:tav>
-                                      </p:tavLst>
-                                    </p:anim>
-                                    <p:set>
-                                      <p:cBhvr>
-                                        <p:cTn id="32" dur="1" fill="hold">
-                                          <p:stCondLst>
-                                            <p:cond delay="999"/>
-                                          </p:stCondLst>
-                                        </p:cTn>
-                                        <p:tgtEl>
-                                          <p:spTgt spid="5"/>
-                                        </p:tgtEl>
-                                        <p:attrNameLst>
-                                          <p:attrName>style.visibility</p:attrName>
-                                        </p:attrNameLst>
-                                      </p:cBhvr>
-                                      <p:to>
-                                        <p:strVal val="hidden"/>
-                                      </p:to>
-                                    </p:set>
-                                  </p:childTnLst>
-                                </p:cTn>
-                              </p:par>
-                              <p:par>
-                                <p:cTn id="33" presetID="42" presetClass="exit" presetSubtype="0" fill="hold" grpId="1" nodeType="withEffect">
-                                  <p:stCondLst>
-                                    <p:cond delay="0"/>
-                                  </p:stCondLst>
-                                  <p:childTnLst>
-                                    <p:animEffect transition="out" filter="fade">
-                                      <p:cBhvr>
-                                        <p:cTn id="34" dur="1000"/>
-                                        <p:tgtEl>
-                                          <p:spTgt spid="6"/>
-                                        </p:tgtEl>
-                                      </p:cBhvr>
-                                    </p:animEffect>
-                                    <p:anim calcmode="lin" valueType="num">
-                                      <p:cBhvr>
-                                        <p:cTn id="35" dur="1000"/>
-                                        <p:tgtEl>
-                                          <p:spTgt spid="6"/>
-                                        </p:tgtEl>
-                                        <p:attrNameLst>
-                                          <p:attrName>ppt_x</p:attrName>
-                                        </p:attrNameLst>
-                                      </p:cBhvr>
-                                      <p:tavLst>
-                                        <p:tav tm="0">
-                                          <p:val>
-                                            <p:strVal val="ppt_x"/>
-                                          </p:val>
-                                        </p:tav>
-                                        <p:tav tm="100000">
-                                          <p:val>
-                                            <p:strVal val="ppt_x"/>
-                                          </p:val>
-                                        </p:tav>
-                                      </p:tavLst>
-                                    </p:anim>
-                                    <p:anim calcmode="lin" valueType="num">
-                                      <p:cBhvr>
-                                        <p:cTn id="36" dur="1000"/>
-                                        <p:tgtEl>
-                                          <p:spTgt spid="6"/>
-                                        </p:tgtEl>
-                                        <p:attrNameLst>
-                                          <p:attrName>ppt_y</p:attrName>
-                                        </p:attrNameLst>
-                                      </p:cBhvr>
-                                      <p:tavLst>
-                                        <p:tav tm="0">
-                                          <p:val>
-                                            <p:strVal val="ppt_y"/>
-                                          </p:val>
-                                        </p:tav>
-                                        <p:tav tm="100000">
-                                          <p:val>
-                                            <p:strVal val="ppt_y+.1"/>
-                                          </p:val>
-                                        </p:tav>
-                                      </p:tavLst>
-                                    </p:anim>
-                                    <p:set>
-                                      <p:cBhvr>
-                                        <p:cTn id="37" dur="1" fill="hold">
-                                          <p:stCondLst>
-                                            <p:cond delay="999"/>
-                                          </p:stCondLst>
-                                        </p:cTn>
-                                        <p:tgtEl>
-                                          <p:spTgt spid="6"/>
-                                        </p:tgtEl>
-                                        <p:attrNameLst>
-                                          <p:attrName>style.visibility</p:attrName>
-                                        </p:attrNameLst>
-                                      </p:cBhvr>
-                                      <p:to>
-                                        <p:strVal val="hidden"/>
-                                      </p:to>
-                                    </p:set>
-                                  </p:childTnLst>
-                                </p:cTn>
-                              </p:par>
-                            </p:childTnLst>
-                          </p:cTn>
-                        </p:par>
-                      </p:childTnLst>
-                    </p:cTn>
-                  </p:par>
                 </p:childTnLst>
               </p:cTn>
               <p:prevCondLst>
@@ -24515,11 +24319,8 @@
     </p:tnLst>
     <p:bldLst>
       <p:bldP spid="3" grpId="0" animBg="1"/>
-      <p:bldP spid="3" grpId="1" animBg="1"/>
       <p:bldP spid="5" grpId="0" animBg="1"/>
-      <p:bldP spid="5" grpId="1" animBg="1"/>
       <p:bldP spid="6" grpId="0" animBg="1"/>
-      <p:bldP spid="6" grpId="1" animBg="1"/>
     </p:bldLst>
   </p:timing>
 </p:sld>
@@ -24603,11 +24404,7 @@
             </a:r>
             <a:r>
               <a:rPr lang="de-AT" dirty="0" smtClean="0"/>
-              <a:t>asy</a:t>
-            </a:r>
-            <a:r>
-              <a:rPr lang="de-AT" dirty="0" smtClean="0"/>
-              <a:t>, </a:t>
+              <a:t>asy, </a:t>
             </a:r>
             <a:r>
               <a:rPr lang="de-AT" dirty="0" err="1" smtClean="0"/>
@@ -24689,7 +24486,7 @@
             <a:pPr lvl="1"/>
             <a:r>
               <a:rPr lang="de-AT" dirty="0" err="1" smtClean="0"/>
-              <a:t>Consitence</a:t>
+              <a:t>Consistence</a:t>
             </a:r>
             <a:r>
               <a:rPr lang="de-AT" dirty="0" smtClean="0"/>
@@ -24766,7 +24563,7 @@
           <a:p>
             <a:fld id="{3E12EF33-C813-460D-88C7-269E703776CC}" type="datetime1">
               <a:rPr lang="de-DE" smtClean="0"/>
-              <a:t>12.06.2012</a:t>
+              <a:t>13.06.2012</a:t>
             </a:fld>
             <a:endParaRPr lang="de-DE"/>
           </a:p>
@@ -24851,6 +24648,18 @@
   <p:clrMapOvr>
     <a:masterClrMapping/>
   </p:clrMapOvr>
+  <mc:AlternateContent xmlns:mc="http://schemas.openxmlformats.org/markup-compatibility/2006">
+    <mc:Choice xmlns:p14="http://schemas.microsoft.com/office/powerpoint/2010/main" Requires="p14">
+      <p:transition spd="med" p14:dur="700">
+        <p:fade/>
+      </p:transition>
+    </mc:Choice>
+    <mc:Fallback>
+      <p:transition spd="med">
+        <p:fade/>
+      </p:transition>
+    </mc:Fallback>
+  </mc:AlternateContent>
   <p:timing>
     <p:tnLst>
       <p:par>
@@ -24999,7 +24808,7 @@
           <a:p>
             <a:fld id="{8F13D7E9-A6F3-4C11-9876-36D3E73ACBFE}" type="datetime1">
               <a:rPr lang="de-DE" smtClean="0"/>
-              <a:t>12.06.2012</a:t>
+              <a:t>13.06.2012</a:t>
             </a:fld>
             <a:endParaRPr lang="de-DE"/>
           </a:p>
@@ -25120,6 +24929,18 @@
   <p:clrMapOvr>
     <a:masterClrMapping/>
   </p:clrMapOvr>
+  <mc:AlternateContent xmlns:mc="http://schemas.openxmlformats.org/markup-compatibility/2006">
+    <mc:Choice xmlns:p14="http://schemas.microsoft.com/office/powerpoint/2010/main" Requires="p14">
+      <p:transition spd="med" p14:dur="700">
+        <p:fade/>
+      </p:transition>
+    </mc:Choice>
+    <mc:Fallback>
+      <p:transition spd="med">
+        <p:fade/>
+      </p:transition>
+    </mc:Fallback>
+  </mc:AlternateContent>
   <p:timing>
     <p:tnLst>
       <p:par>
@@ -25251,7 +25072,7 @@
           <a:p>
             <a:fld id="{D2A5F1D4-86A2-4184-B9E5-64204698520C}" type="datetime1">
               <a:rPr lang="de-DE" smtClean="0"/>
-              <a:t>12.06.2012</a:t>
+              <a:t>13.06.2012</a:t>
             </a:fld>
             <a:endParaRPr lang="de-DE"/>
           </a:p>
@@ -25336,6 +25157,18 @@
   <p:clrMapOvr>
     <a:masterClrMapping/>
   </p:clrMapOvr>
+  <mc:AlternateContent xmlns:mc="http://schemas.openxmlformats.org/markup-compatibility/2006">
+    <mc:Choice xmlns:p14="http://schemas.microsoft.com/office/powerpoint/2010/main" Requires="p14">
+      <p:transition spd="med" p14:dur="700">
+        <p:fade/>
+      </p:transition>
+    </mc:Choice>
+    <mc:Fallback>
+      <p:transition spd="med">
+        <p:fade/>
+      </p:transition>
+    </mc:Fallback>
+  </mc:AlternateContent>
   <p:timing>
     <p:tnLst>
       <p:par>
@@ -25387,8 +25220,8 @@
         </p:blipFill>
         <p:spPr>
           <a:xfrm>
-            <a:off x="1765753" y="2281440"/>
-            <a:ext cx="5612494" cy="2925357"/>
+            <a:off x="1115616" y="1700808"/>
+            <a:ext cx="7045762" cy="3672408"/>
           </a:xfrm>
         </p:spPr>
       </p:pic>
@@ -25409,7 +25242,7 @@
           <a:p>
             <a:fld id="{ED5DBE81-564E-4293-A978-EC96D954A81E}" type="datetime1">
               <a:rPr lang="de-DE" smtClean="0"/>
-              <a:t>12.06.2012</a:t>
+              <a:t>13.06.2012</a:t>
             </a:fld>
             <a:endParaRPr lang="de-DE"/>
           </a:p>
@@ -25494,6 +25327,18 @@
   <p:clrMapOvr>
     <a:masterClrMapping/>
   </p:clrMapOvr>
+  <mc:AlternateContent xmlns:mc="http://schemas.openxmlformats.org/markup-compatibility/2006">
+    <mc:Choice xmlns:p14="http://schemas.microsoft.com/office/powerpoint/2010/main" Requires="p14">
+      <p:transition spd="med" p14:dur="700">
+        <p:fade/>
+      </p:transition>
+    </mc:Choice>
+    <mc:Fallback>
+      <p:transition spd="med">
+        <p:fade/>
+      </p:transition>
+    </mc:Fallback>
+  </mc:AlternateContent>
   <p:timing>
     <p:tnLst>
       <p:par>
@@ -25774,7 +25619,7 @@
           <a:p>
             <a:fld id="{1790F267-A6C9-4F1A-8CA0-12142A02D7FD}" type="datetime1">
               <a:rPr lang="de-DE" smtClean="0"/>
-              <a:t>12.06.2012</a:t>
+              <a:t>13.06.2012</a:t>
             </a:fld>
             <a:endParaRPr lang="de-DE"/>
           </a:p>
@@ -25877,6 +25722,18 @@
   <p:clrMapOvr>
     <a:masterClrMapping/>
   </p:clrMapOvr>
+  <mc:AlternateContent xmlns:mc="http://schemas.openxmlformats.org/markup-compatibility/2006">
+    <mc:Choice xmlns:p14="http://schemas.microsoft.com/office/powerpoint/2010/main" Requires="p14">
+      <p:transition spd="med" p14:dur="700">
+        <p:fade/>
+      </p:transition>
+    </mc:Choice>
+    <mc:Fallback>
+      <p:transition spd="med">
+        <p:fade/>
+      </p:transition>
+    </mc:Fallback>
+  </mc:AlternateContent>
   <p:timing>
     <p:tnLst>
       <p:par>
@@ -25969,18 +25826,6 @@
             <a:pPr marL="0" indent="0">
               <a:buNone/>
             </a:pPr>
-            <a:r>
-              <a:rPr lang="de-AT" b="1" dirty="0" err="1" smtClean="0"/>
-              <a:t>Managed</a:t>
-            </a:r>
-            <a:r>
-              <a:rPr lang="de-AT" b="1" dirty="0" smtClean="0"/>
-              <a:t> </a:t>
-            </a:r>
-            <a:r>
-              <a:rPr lang="de-AT" b="1" dirty="0" err="1" smtClean="0"/>
-              <a:t>beans</a:t>
-            </a:r>
             <a:endParaRPr lang="de-AT" b="1" dirty="0" smtClean="0"/>
           </a:p>
           <a:p>
@@ -25988,6 +25833,24 @@
               <a:buNone/>
             </a:pPr>
             <a:r>
+              <a:rPr lang="de-AT" b="1" dirty="0" err="1" smtClean="0"/>
+              <a:t>Managed</a:t>
+            </a:r>
+            <a:r>
+              <a:rPr lang="de-AT" b="1" dirty="0" smtClean="0"/>
+              <a:t> </a:t>
+            </a:r>
+            <a:r>
+              <a:rPr lang="de-AT" b="1" dirty="0" err="1" smtClean="0"/>
+              <a:t>beans</a:t>
+            </a:r>
+            <a:endParaRPr lang="de-AT" b="1" dirty="0" smtClean="0"/>
+          </a:p>
+          <a:p>
+            <a:pPr marL="0" indent="0">
+              <a:buNone/>
+            </a:pPr>
+            <a:r>
               <a:rPr lang="de-AT" dirty="0" err="1" smtClean="0"/>
               <a:t>Automatic</a:t>
             </a:r>
@@ -26028,7 +25891,7 @@
           <a:p>
             <a:fld id="{783C0057-F081-4236-BFCD-B62A024237D2}" type="datetime1">
               <a:rPr lang="de-DE" smtClean="0"/>
-              <a:t>12.06.2012</a:t>
+              <a:t>13.06.2012</a:t>
             </a:fld>
             <a:endParaRPr lang="de-DE"/>
           </a:p>
@@ -26134,7 +25997,7 @@
         </p:blipFill>
         <p:spPr bwMode="auto">
           <a:xfrm>
-            <a:off x="323528" y="3267965"/>
+            <a:off x="335775" y="3044127"/>
             <a:ext cx="8610600" cy="447675"/>
           </a:xfrm>
           <a:prstGeom prst="rect">
@@ -26177,7 +26040,7 @@
       </p:pic>
       <p:pic>
         <p:nvPicPr>
-          <p:cNvPr id="3075" name="Picture 3"/>
+          <p:cNvPr id="9" name="Picture 2"/>
           <p:cNvPicPr>
             <a:picLocks noChangeAspect="1" noChangeArrowheads="1"/>
           </p:cNvPicPr>
@@ -26198,7 +26061,7 @@
         </p:blipFill>
         <p:spPr bwMode="auto">
           <a:xfrm>
-            <a:off x="467544" y="5157192"/>
+            <a:off x="337398" y="4870563"/>
             <a:ext cx="7696200" cy="647700"/>
           </a:xfrm>
           <a:prstGeom prst="rect">
@@ -26249,6 +26112,18 @@
   <p:clrMapOvr>
     <a:masterClrMapping/>
   </p:clrMapOvr>
+  <mc:AlternateContent xmlns:mc="http://schemas.openxmlformats.org/markup-compatibility/2006">
+    <mc:Choice xmlns:p14="http://schemas.microsoft.com/office/powerpoint/2010/main" Requires="p14">
+      <p:transition spd="med" p14:dur="700">
+        <p:fade/>
+      </p:transition>
+    </mc:Choice>
+    <mc:Fallback>
+      <p:transition spd="med">
+        <p:fade/>
+      </p:transition>
+    </mc:Fallback>
+  </mc:AlternateContent>
   <p:timing>
     <p:tnLst>
       <p:par>
@@ -26410,7 +26285,7 @@
                                         <p:tgtEl>
                                           <p:spTgt spid="5">
                                             <p:txEl>
-                                              <p:pRg st="3" end="3"/>
+                                              <p:pRg st="4" end="4"/>
                                             </p:txEl>
                                           </p:spTgt>
                                         </p:tgtEl>
@@ -26441,7 +26316,7 @@
                                         <p:tgtEl>
                                           <p:spTgt spid="5">
                                             <p:txEl>
-                                              <p:pRg st="4" end="4"/>
+                                              <p:pRg st="5" end="5"/>
                                             </p:txEl>
                                           </p:spTgt>
                                         </p:tgtEl>
@@ -26488,7 +26363,7 @@
                                           </p:stCondLst>
                                         </p:cTn>
                                         <p:tgtEl>
-                                          <p:spTgt spid="3075"/>
+                                          <p:spTgt spid="9"/>
                                         </p:tgtEl>
                                         <p:attrNameLst>
                                           <p:attrName>style.visibility</p:attrName>
@@ -26690,7 +26565,7 @@
           <a:p>
             <a:fld id="{30F26626-ECA1-4719-AB51-DFB44C6BF093}" type="datetime1">
               <a:rPr lang="de-DE" smtClean="0"/>
-              <a:t>12.06.2012</a:t>
+              <a:t>13.06.2012</a:t>
             </a:fld>
             <a:endParaRPr lang="de-DE"/>
           </a:p>
@@ -26775,6 +26650,18 @@
   <p:clrMapOvr>
     <a:masterClrMapping/>
   </p:clrMapOvr>
+  <mc:AlternateContent xmlns:mc="http://schemas.openxmlformats.org/markup-compatibility/2006">
+    <mc:Choice xmlns:p14="http://schemas.microsoft.com/office/powerpoint/2010/main" Requires="p14">
+      <p:transition spd="med" p14:dur="700">
+        <p:fade/>
+      </p:transition>
+    </mc:Choice>
+    <mc:Fallback>
+      <p:transition spd="med">
+        <p:fade/>
+      </p:transition>
+    </mc:Fallback>
+  </mc:AlternateContent>
   <p:timing>
     <p:tnLst>
       <p:par>
@@ -26906,7 +26793,7 @@
           <a:p>
             <a:fld id="{270B2CAD-38B3-4A92-A8D6-0C1F9E33CFA0}" type="datetime1">
               <a:rPr lang="de-DE" smtClean="0"/>
-              <a:t>12.06.2012</a:t>
+              <a:t>13.06.2012</a:t>
             </a:fld>
             <a:endParaRPr lang="de-DE"/>
           </a:p>
@@ -27002,7 +26889,7 @@
         </p:blipFill>
         <p:spPr bwMode="auto">
           <a:xfrm>
-            <a:off x="824369" y="4221595"/>
+            <a:off x="899592" y="4509120"/>
             <a:ext cx="6477000" cy="676275"/>
           </a:xfrm>
           <a:prstGeom prst="rect">
@@ -27117,6 +27004,18 @@
   <p:clrMapOvr>
     <a:masterClrMapping/>
   </p:clrMapOvr>
+  <mc:AlternateContent xmlns:mc="http://schemas.openxmlformats.org/markup-compatibility/2006">
+    <mc:Choice xmlns:p14="http://schemas.microsoft.com/office/powerpoint/2010/main" Requires="p14">
+      <p:transition spd="med" p14:dur="700">
+        <p:fade/>
+      </p:transition>
+    </mc:Choice>
+    <mc:Fallback>
+      <p:transition spd="med">
+        <p:fade/>
+      </p:transition>
+    </mc:Fallback>
+  </mc:AlternateContent>
   <p:timing>
     <p:tnLst>
       <p:par>
@@ -27488,7 +27387,7 @@
         <p:spPr/>
         <p:txBody>
           <a:bodyPr>
-            <a:normAutofit lnSpcReduction="10000"/>
+            <a:normAutofit/>
           </a:bodyPr>
           <a:lstStyle/>
           <a:p>
@@ -27520,56 +27419,6 @@
               <a:rPr lang="en-US" dirty="0" smtClean="0"/>
               <a:t>HTML</a:t>
             </a:r>
-          </a:p>
-          <a:p>
-            <a:pPr marL="0" indent="0">
-              <a:buNone/>
-            </a:pPr>
-            <a:endParaRPr lang="de-AT" b="1" dirty="0" smtClean="0"/>
-          </a:p>
-          <a:p>
-            <a:pPr marL="0" indent="0">
-              <a:buNone/>
-            </a:pPr>
-            <a:r>
-              <a:rPr lang="de-AT" b="1" dirty="0" smtClean="0"/>
-              <a:t>Page </a:t>
-            </a:r>
-            <a:r>
-              <a:rPr lang="en-US" b="1" dirty="0" err="1" smtClean="0"/>
-              <a:t>templating</a:t>
-            </a:r>
-            <a:endParaRPr lang="en-US" b="1" dirty="0" smtClean="0"/>
-          </a:p>
-          <a:p>
-            <a:pPr marL="0" indent="0">
-              <a:buNone/>
-            </a:pPr>
-            <a:r>
-              <a:rPr lang="en-US" dirty="0" smtClean="0"/>
-              <a:t>page </a:t>
-            </a:r>
-            <a:r>
-              <a:rPr lang="en-US" dirty="0" err="1"/>
-              <a:t>templating</a:t>
-            </a:r>
-            <a:r>
-              <a:rPr lang="en-US" dirty="0"/>
-              <a:t> system </a:t>
-            </a:r>
-            <a:r>
-              <a:rPr lang="en-US" dirty="0" smtClean="0"/>
-              <a:t>allows building </a:t>
-            </a:r>
-            <a:r>
-              <a:rPr lang="en-US" dirty="0"/>
-              <a:t>pages that share layout or </a:t>
-            </a:r>
-            <a:r>
-              <a:rPr lang="de-AT" dirty="0" err="1" smtClean="0"/>
-              <a:t>content</a:t>
-            </a:r>
-            <a:endParaRPr lang="de-AT" dirty="0" smtClean="0"/>
           </a:p>
           <a:p>
             <a:pPr marL="0" indent="0">
@@ -27631,7 +27480,7 @@
           <a:p>
             <a:fld id="{48FA0DC5-A866-41DB-B8B9-CA3AA303B6C7}" type="datetime1">
               <a:rPr lang="de-DE" smtClean="0"/>
-              <a:t>12.06.2012</a:t>
+              <a:t>13.06.2012</a:t>
             </a:fld>
             <a:endParaRPr lang="de-DE"/>
           </a:p>
@@ -27729,7 +27578,7 @@
         </p:blipFill>
         <p:spPr bwMode="auto">
           <a:xfrm>
-            <a:off x="1115615" y="3178603"/>
+            <a:off x="827584" y="3170219"/>
             <a:ext cx="5762625" cy="1171575"/>
           </a:xfrm>
           <a:prstGeom prst="rect">
@@ -27844,6 +27693,18 @@
   <p:clrMapOvr>
     <a:masterClrMapping/>
   </p:clrMapOvr>
+  <mc:AlternateContent xmlns:mc="http://schemas.openxmlformats.org/markup-compatibility/2006">
+    <mc:Choice xmlns:p14="http://schemas.microsoft.com/office/powerpoint/2010/main" Requires="p14">
+      <p:transition spd="med" p14:dur="700">
+        <p:fade/>
+      </p:transition>
+    </mc:Choice>
+    <mc:Fallback>
+      <p:transition spd="med">
+        <p:fade/>
+      </p:transition>
+    </mc:Fallback>
+  </mc:AlternateContent>
   <p:timing>
     <p:tnLst>
       <p:par>
@@ -28051,7 +27912,7 @@
                             </p:stCondLst>
                             <p:childTnLst>
                               <p:par>
-                                <p:cTn id="21" presetID="1" presetClass="entr" presetSubtype="0" fill="hold" nodeType="clickEffect">
+                                <p:cTn id="21" presetID="1" presetClass="exit" presetSubtype="0" fill="hold" nodeType="clickEffect">
                                   <p:stCondLst>
                                     <p:cond delay="0"/>
                                   </p:stCondLst>
@@ -28064,18 +27925,14 @@
                                           </p:stCondLst>
                                         </p:cTn>
                                         <p:tgtEl>
-                                          <p:spTgt spid="3">
-                                            <p:txEl>
-                                              <p:pRg st="3" end="3"/>
-                                            </p:txEl>
-                                          </p:spTgt>
+                                          <p:spTgt spid="1027"/>
                                         </p:tgtEl>
                                         <p:attrNameLst>
                                           <p:attrName>style.visibility</p:attrName>
                                         </p:attrNameLst>
                                       </p:cBhvr>
                                       <p:to>
-                                        <p:strVal val="visible"/>
+                                        <p:strVal val="hidden"/>
                                       </p:to>
                                     </p:set>
                                   </p:childTnLst>
@@ -28095,7 +27952,7 @@
                                           </p:stCondLst>
                                         </p:cTn>
                                         <p:tgtEl>
-                                          <p:spTgt spid="1027"/>
+                                          <p:spTgt spid="1028"/>
                                         </p:tgtEl>
                                         <p:attrNameLst>
                                           <p:attrName>style.visibility</p:attrName>
@@ -28124,7 +27981,7 @@
                                         <p:tgtEl>
                                           <p:spTgt spid="3">
                                             <p:txEl>
-                                              <p:pRg st="4" end="4"/>
+                                              <p:pRg st="3" end="3"/>
                                             </p:txEl>
                                           </p:spTgt>
                                         </p:tgtEl>
@@ -28140,7 +27997,7 @@
                                 </p:cTn>
                               </p:par>
                               <p:par>
-                                <p:cTn id="27" presetID="1" presetClass="exit" presetSubtype="0" fill="hold" nodeType="withEffect">
+                                <p:cTn id="27" presetID="1" presetClass="entr" presetSubtype="0" fill="hold" nodeType="withEffect">
                                   <p:stCondLst>
                                     <p:cond delay="0"/>
                                   </p:stCondLst>
@@ -28153,85 +28010,9 @@
                                           </p:stCondLst>
                                         </p:cTn>
                                         <p:tgtEl>
-                                          <p:spTgt spid="1028"/>
-                                        </p:tgtEl>
-                                        <p:attrNameLst>
-                                          <p:attrName>style.visibility</p:attrName>
-                                        </p:attrNameLst>
-                                      </p:cBhvr>
-                                      <p:to>
-                                        <p:strVal val="hidden"/>
-                                      </p:to>
-                                    </p:set>
-                                  </p:childTnLst>
-                                </p:cTn>
-                              </p:par>
-                            </p:childTnLst>
-                          </p:cTn>
-                        </p:par>
-                      </p:childTnLst>
-                    </p:cTn>
-                  </p:par>
-                  <p:par>
-                    <p:cTn id="29" fill="hold">
-                      <p:stCondLst>
-                        <p:cond delay="indefinite"/>
-                      </p:stCondLst>
-                      <p:childTnLst>
-                        <p:par>
-                          <p:cTn id="30" fill="hold">
-                            <p:stCondLst>
-                              <p:cond delay="0"/>
-                            </p:stCondLst>
-                            <p:childTnLst>
-                              <p:par>
-                                <p:cTn id="31" presetID="1" presetClass="entr" presetSubtype="0" fill="hold" nodeType="clickEffect">
-                                  <p:stCondLst>
-                                    <p:cond delay="0"/>
-                                  </p:stCondLst>
-                                  <p:childTnLst>
-                                    <p:set>
-                                      <p:cBhvr>
-                                        <p:cTn id="32" dur="1" fill="hold">
-                                          <p:stCondLst>
-                                            <p:cond delay="0"/>
-                                          </p:stCondLst>
-                                        </p:cTn>
-                                        <p:tgtEl>
                                           <p:spTgt spid="3">
                                             <p:txEl>
-                                              <p:pRg st="6" end="6"/>
-                                            </p:txEl>
-                                          </p:spTgt>
-                                        </p:tgtEl>
-                                        <p:attrNameLst>
-                                          <p:attrName>style.visibility</p:attrName>
-                                        </p:attrNameLst>
-                                      </p:cBhvr>
-                                      <p:to>
-                                        <p:strVal val="visible"/>
-                                      </p:to>
-                                    </p:set>
-                                  </p:childTnLst>
-                                </p:cTn>
-                              </p:par>
-                              <p:par>
-                                <p:cTn id="33" presetID="1" presetClass="entr" presetSubtype="0" fill="hold" nodeType="withEffect">
-                                  <p:stCondLst>
-                                    <p:cond delay="0"/>
-                                  </p:stCondLst>
-                                  <p:childTnLst>
-                                    <p:set>
-                                      <p:cBhvr>
-                                        <p:cTn id="34" dur="1" fill="hold">
-                                          <p:stCondLst>
-                                            <p:cond delay="0"/>
-                                          </p:stCondLst>
-                                        </p:cTn>
-                                        <p:tgtEl>
-                                          <p:spTgt spid="3">
-                                            <p:txEl>
-                                              <p:pRg st="7" end="7"/>
+                                              <p:pRg st="4" end="4"/>
                                             </p:txEl>
                                           </p:spTgt>
                                         </p:tgtEl>
@@ -28340,7 +28121,7 @@
           <a:p>
             <a:fld id="{D2F9767F-24A8-4CA0-9D30-6AAB4C36C356}" type="datetime1">
               <a:rPr lang="de-DE" smtClean="0"/>
-              <a:t>12.06.2012</a:t>
+              <a:t>13.06.2012</a:t>
             </a:fld>
             <a:endParaRPr lang="de-DE"/>
           </a:p>
@@ -28431,6 +28212,18 @@
   <p:clrMapOvr>
     <a:masterClrMapping/>
   </p:clrMapOvr>
+  <mc:AlternateContent xmlns:mc="http://schemas.openxmlformats.org/markup-compatibility/2006">
+    <mc:Choice xmlns:p14="http://schemas.microsoft.com/office/powerpoint/2010/main" Requires="p14">
+      <p:transition spd="med" p14:dur="700">
+        <p:fade/>
+      </p:transition>
+    </mc:Choice>
+    <mc:Fallback>
+      <p:transition spd="med">
+        <p:fade/>
+      </p:transition>
+    </mc:Fallback>
+  </mc:AlternateContent>
   <p:timing>
     <p:tnLst>
       <p:par>
@@ -28541,7 +28334,7 @@
           <a:p>
             <a:fld id="{C84C0011-6313-4EA8-ADBD-9D91375EE576}" type="datetime1">
               <a:rPr lang="de-DE" smtClean="0"/>
-              <a:t>12.06.2012</a:t>
+              <a:t>13.06.2012</a:t>
             </a:fld>
             <a:endParaRPr lang="de-DE"/>
           </a:p>
@@ -28626,12 +28419,16 @@
   <p:clrMapOvr>
     <a:masterClrMapping/>
   </p:clrMapOvr>
-  <mc:AlternateContent xmlns:mc="http://schemas.openxmlformats.org/markup-compatibility/2006" xmlns:p14="http://schemas.microsoft.com/office/powerpoint/2010/main">
-    <mc:Choice Requires="p14">
-      <p:transition spd="slow" p14:dur="2000"/>
+  <mc:AlternateContent xmlns:mc="http://schemas.openxmlformats.org/markup-compatibility/2006">
+    <mc:Choice xmlns:p14="http://schemas.microsoft.com/office/powerpoint/2010/main" Requires="p14">
+      <p:transition spd="med" p14:dur="700">
+        <p:fade/>
+      </p:transition>
     </mc:Choice>
-    <mc:Fallback xmlns="">
-      <p:transition spd="slow"/>
+    <mc:Fallback>
+      <p:transition spd="med">
+        <p:fade/>
+      </p:transition>
     </mc:Fallback>
   </mc:AlternateContent>
   <p:timing>
@@ -28786,8 +28583,8 @@
               </a:tabLst>
             </a:pPr>
             <a:r>
-              <a:rPr lang="de-DE" sz="1800" dirty="0" err="1"/>
-              <a:t>Bottom-Up</a:t>
+              <a:rPr lang="de-DE" sz="1800" dirty="0" smtClean="0"/>
+              <a:t>Evaluation</a:t>
             </a:r>
             <a:endParaRPr lang="de-DE" sz="1800" dirty="0"/>
           </a:p>
@@ -28922,7 +28719,7 @@
           <a:p>
             <a:fld id="{39EA2693-A13F-405F-BF2D-D40B8C62CC95}" type="datetime1">
               <a:rPr lang="de-DE" smtClean="0"/>
-              <a:t>12.06.2012</a:t>
+              <a:t>13.06.2012</a:t>
             </a:fld>
             <a:endParaRPr lang="de-DE"/>
           </a:p>
@@ -29023,7 +28820,7 @@
         </p:blipFill>
         <p:spPr>
           <a:xfrm>
-            <a:off x="683568" y="1415091"/>
+            <a:off x="899592" y="662004"/>
             <a:ext cx="7740923" cy="5389976"/>
           </a:xfrm>
           <a:prstGeom prst="rect">
@@ -29053,7 +28850,7 @@
         </p:blipFill>
         <p:spPr>
           <a:xfrm>
-            <a:off x="654698" y="1415091"/>
+            <a:off x="390171" y="865747"/>
             <a:ext cx="8424936" cy="4982489"/>
           </a:xfrm>
           <a:prstGeom prst="rect">
@@ -29083,7 +28880,7 @@
         </p:blipFill>
         <p:spPr>
           <a:xfrm>
-            <a:off x="683568" y="1436610"/>
+            <a:off x="643064" y="1161848"/>
             <a:ext cx="8013814" cy="4390284"/>
           </a:xfrm>
           <a:prstGeom prst="rect">
@@ -29113,7 +28910,7 @@
         </p:blipFill>
         <p:spPr>
           <a:xfrm>
-            <a:off x="395536" y="1436610"/>
+            <a:off x="1105563" y="862051"/>
             <a:ext cx="7534952" cy="4939453"/>
           </a:xfrm>
           <a:prstGeom prst="rect">
@@ -29131,7 +28928,18 @@
   <p:clrMapOvr>
     <a:masterClrMapping/>
   </p:clrMapOvr>
-  <p:transition spd="med"/>
+  <mc:AlternateContent xmlns:mc="http://schemas.openxmlformats.org/markup-compatibility/2006">
+    <mc:Choice xmlns:p14="http://schemas.microsoft.com/office/powerpoint/2010/main" Requires="p14">
+      <p:transition spd="med" p14:dur="700">
+        <p:fade/>
+      </p:transition>
+    </mc:Choice>
+    <mc:Fallback>
+      <p:transition spd="med">
+        <p:fade/>
+      </p:transition>
+    </mc:Fallback>
+  </mc:AlternateContent>
   <p:timing>
     <p:tnLst>
       <p:par>
@@ -29960,25 +29768,31 @@
           <a:lstStyle/>
           <a:p>
             <a:r>
+              <a:rPr lang="de-DE" dirty="0" err="1" smtClean="0">
+                <a:latin typeface="Calibri" charset="0"/>
+              </a:rPr>
+              <a:t>Replacing</a:t>
+            </a:r>
+            <a:r>
+              <a:rPr lang="de-DE" dirty="0" smtClean="0">
+                <a:latin typeface="Calibri" charset="0"/>
+              </a:rPr>
+              <a:t> / </a:t>
+            </a:r>
+            <a:r>
               <a:rPr lang="de-DE" dirty="0" err="1">
                 <a:latin typeface="Calibri" charset="0"/>
               </a:rPr>
-              <a:t>Replacing</a:t>
-            </a:r>
-            <a:r>
-              <a:rPr lang="de-DE" dirty="0">
+              <a:t>u</a:t>
+            </a:r>
+            <a:r>
+              <a:rPr lang="de-DE" dirty="0" err="1" smtClean="0">
                 <a:latin typeface="Calibri" charset="0"/>
               </a:rPr>
-              <a:t>/</a:t>
-            </a:r>
-            <a:r>
-              <a:rPr lang="de-DE" dirty="0" err="1">
-                <a:latin typeface="Calibri" charset="0"/>
-              </a:rPr>
-              <a:t>Upgrading</a:t>
-            </a:r>
-            <a:r>
-              <a:rPr lang="de-DE" dirty="0">
+              <a:t>pgrading</a:t>
+            </a:r>
+            <a:r>
+              <a:rPr lang="de-DE" dirty="0" smtClean="0">
                 <a:latin typeface="Calibri" charset="0"/>
               </a:rPr>
               <a:t> </a:t>
@@ -30133,16 +29947,22 @@
           <a:p>
             <a:pPr lvl="1"/>
             <a:r>
-              <a:rPr lang="de-DE" sz="2400" dirty="0" err="1" smtClean="0">
-                <a:latin typeface="Calibri" charset="0"/>
-              </a:rPr>
-              <a:t>f.e</a:t>
-            </a:r>
-            <a:r>
               <a:rPr lang="de-DE" sz="2400" dirty="0">
                 <a:latin typeface="Calibri" charset="0"/>
               </a:rPr>
-              <a:t>. </a:t>
+              <a:t>e</a:t>
+            </a:r>
+            <a:r>
+              <a:rPr lang="de-DE" sz="2400" dirty="0" smtClean="0">
+                <a:latin typeface="Calibri" charset="0"/>
+              </a:rPr>
+              <a:t>.g.</a:t>
+            </a:r>
+            <a:r>
+              <a:rPr lang="de-DE" sz="2400" dirty="0" smtClean="0">
+                <a:latin typeface="Calibri" charset="0"/>
+              </a:rPr>
+              <a:t> </a:t>
             </a:r>
             <a:r>
               <a:rPr lang="de-DE" sz="2400" dirty="0" err="1">
@@ -30216,13 +30036,19 @@
           <a:p>
             <a:pPr lvl="1"/>
             <a:r>
-              <a:rPr lang="de-DE" sz="2400" dirty="0" err="1" smtClean="0">
+              <a:rPr lang="de-DE" sz="2400" dirty="0">
                 <a:latin typeface="Calibri" charset="0"/>
               </a:rPr>
-              <a:t>f.e</a:t>
-            </a:r>
-            <a:r>
-              <a:rPr lang="de-DE" sz="2400" dirty="0">
+              <a:t>e</a:t>
+            </a:r>
+            <a:r>
+              <a:rPr lang="de-DE" sz="2400" dirty="0" smtClean="0">
+                <a:latin typeface="Calibri" charset="0"/>
+              </a:rPr>
+              <a:t>.g</a:t>
+            </a:r>
+            <a:r>
+              <a:rPr lang="de-DE" sz="2400" dirty="0" smtClean="0">
                 <a:latin typeface="Calibri" charset="0"/>
               </a:rPr>
               <a:t>. </a:t>
@@ -30251,9 +30077,6 @@
               </a:rPr>
               <a:t>  </a:t>
             </a:r>
-            <a:endParaRPr lang="de-DE" sz="2400" dirty="0">
-              <a:latin typeface="Calibri" charset="0"/>
-            </a:endParaRPr>
           </a:p>
           <a:p>
             <a:r>
@@ -30344,13 +30167,7 @@
               <a:rPr lang="de-DE" dirty="0">
                 <a:latin typeface="Calibri" charset="0"/>
               </a:rPr>
-              <a:t> </a:t>
-            </a:r>
-            <a:r>
-              <a:rPr lang="de-DE" dirty="0">
-                <a:latin typeface="Calibri" charset="0"/>
-              </a:rPr>
-              <a:t>Facebook)</a:t>
+              <a:t> Facebook)</a:t>
             </a:r>
           </a:p>
           <a:p>
@@ -30424,7 +30241,7 @@
           <a:p>
             <a:pPr lvl="1"/>
             <a:r>
-              <a:rPr lang="de-DE" sz="2800" dirty="0" smtClean="0">
+              <a:rPr lang="de-DE" sz="2400" dirty="0" smtClean="0">
                 <a:latin typeface="Calibri" charset="0"/>
               </a:rPr>
               <a:t>Vouchers</a:t>
@@ -30455,7 +30272,7 @@
           <a:p>
             <a:fld id="{281C52AE-42A8-4426-ADA6-159E569D9194}" type="datetime1">
               <a:rPr lang="de-DE" smtClean="0"/>
-              <a:t>12.06.2012</a:t>
+              <a:t>13.06.2012</a:t>
             </a:fld>
             <a:endParaRPr lang="de-DE"/>
           </a:p>
@@ -30540,6 +30357,18 @@
   <p:clrMapOvr>
     <a:masterClrMapping/>
   </p:clrMapOvr>
+  <mc:AlternateContent xmlns:mc="http://schemas.openxmlformats.org/markup-compatibility/2006">
+    <mc:Choice xmlns:p14="http://schemas.microsoft.com/office/powerpoint/2010/main" Requires="p14">
+      <p:transition spd="med" p14:dur="700">
+        <p:fade/>
+      </p:transition>
+    </mc:Choice>
+    <mc:Fallback>
+      <p:transition spd="med">
+        <p:fade/>
+      </p:transition>
+    </mc:Fallback>
+  </mc:AlternateContent>
   <p:timing>
     <p:tnLst>
       <p:par>
@@ -30695,7 +30524,7 @@
           <a:p>
             <a:fld id="{281C52AE-42A8-4426-ADA6-159E569D9194}" type="datetime1">
               <a:rPr lang="de-DE" smtClean="0"/>
-              <a:t>12.06.2012</a:t>
+              <a:t>13.06.2012</a:t>
             </a:fld>
             <a:endParaRPr lang="de-DE"/>
           </a:p>
@@ -30780,6 +30609,18 @@
   <p:clrMapOvr>
     <a:masterClrMapping/>
   </p:clrMapOvr>
+  <mc:AlternateContent xmlns:mc="http://schemas.openxmlformats.org/markup-compatibility/2006">
+    <mc:Choice xmlns:p14="http://schemas.microsoft.com/office/powerpoint/2010/main" Requires="p14">
+      <p:transition spd="med" p14:dur="700">
+        <p:fade/>
+      </p:transition>
+    </mc:Choice>
+    <mc:Fallback>
+      <p:transition spd="med">
+        <p:fade/>
+      </p:transition>
+    </mc:Fallback>
+  </mc:AlternateContent>
   <p:timing>
     <p:tnLst>
       <p:par>
@@ -31062,7 +30903,7 @@
           <a:p>
             <a:fld id="{D93E5415-BF23-4C7B-817C-7594D16CA192}" type="datetime1">
               <a:rPr lang="de-DE" smtClean="0"/>
-              <a:t>12.06.2012</a:t>
+              <a:t>13.06.2012</a:t>
             </a:fld>
             <a:endParaRPr lang="de-DE"/>
           </a:p>
@@ -31313,6 +31154,18 @@
   <p:clrMapOvr>
     <a:masterClrMapping/>
   </p:clrMapOvr>
+  <mc:AlternateContent xmlns:mc="http://schemas.openxmlformats.org/markup-compatibility/2006">
+    <mc:Choice xmlns:p14="http://schemas.microsoft.com/office/powerpoint/2010/main" Requires="p14">
+      <p:transition spd="med" p14:dur="700">
+        <p:fade/>
+      </p:transition>
+    </mc:Choice>
+    <mc:Fallback>
+      <p:transition spd="med">
+        <p:fade/>
+      </p:transition>
+    </mc:Fallback>
+  </mc:AlternateContent>
   <p:timing>
     <p:tnLst>
       <p:par>
@@ -31479,20 +31332,12 @@
           </a:p>
           <a:p>
             <a:r>
-              <a:rPr lang="de-DE" sz="3200" dirty="0" err="1"/>
-              <a:t>Automated</a:t>
+              <a:rPr lang="de-DE" sz="3200" dirty="0" smtClean="0"/>
+              <a:t>Day </a:t>
             </a:r>
             <a:r>
               <a:rPr lang="de-DE" sz="3200" dirty="0"/>
-              <a:t> </a:t>
-            </a:r>
-            <a:r>
-              <a:rPr lang="de-DE" sz="3200" dirty="0" err="1"/>
-              <a:t>day</a:t>
-            </a:r>
-            <a:r>
-              <a:rPr lang="de-DE" sz="3200" dirty="0"/>
-              <a:t> end </a:t>
+              <a:t>end </a:t>
             </a:r>
             <a:r>
               <a:rPr lang="de-DE" sz="3200" dirty="0" err="1"/>
@@ -31515,13 +31360,8 @@
           <a:p>
             <a:r>
               <a:rPr lang="en-US" sz="3200" dirty="0"/>
-              <a:t>Check In / </a:t>
-            </a:r>
-            <a:r>
-              <a:rPr lang="en-US" sz="3200" dirty="0"/>
-              <a:t>Out</a:t>
-            </a:r>
-            <a:endParaRPr lang="en-US" sz="3200" dirty="0"/>
+              <a:t>Check In / Out</a:t>
+            </a:r>
           </a:p>
         </p:txBody>
       </p:sp>
@@ -31542,7 +31382,7 @@
           <a:p>
             <a:fld id="{281C52AE-42A8-4426-ADA6-159E569D9194}" type="datetime1">
               <a:rPr lang="de-DE" smtClean="0"/>
-              <a:t>12.06.2012</a:t>
+              <a:t>13.06.2012</a:t>
             </a:fld>
             <a:endParaRPr lang="de-DE"/>
           </a:p>
@@ -31627,6 +31467,18 @@
   <p:clrMapOvr>
     <a:masterClrMapping/>
   </p:clrMapOvr>
+  <mc:AlternateContent xmlns:mc="http://schemas.openxmlformats.org/markup-compatibility/2006">
+    <mc:Choice xmlns:p14="http://schemas.microsoft.com/office/powerpoint/2010/main" Requires="p14">
+      <p:transition spd="med" p14:dur="700">
+        <p:fade/>
+      </p:transition>
+    </mc:Choice>
+    <mc:Fallback>
+      <p:transition spd="med">
+        <p:fade/>
+      </p:transition>
+    </mc:Fallback>
+  </mc:AlternateContent>
   <p:timing>
     <p:tnLst>
       <p:par>
@@ -31671,7 +31523,7 @@
           <a:p>
             <a:fld id="{281C52AE-42A8-4426-ADA6-159E569D9194}" type="datetime1">
               <a:rPr lang="de-DE" smtClean="0"/>
-              <a:t>12.06.2012</a:t>
+              <a:t>13.06.2012</a:t>
             </a:fld>
             <a:endParaRPr lang="de-DE"/>
           </a:p>
@@ -31910,6 +31762,18 @@
   <p:clrMapOvr>
     <a:masterClrMapping/>
   </p:clrMapOvr>
+  <mc:AlternateContent xmlns:mc="http://schemas.openxmlformats.org/markup-compatibility/2006">
+    <mc:Choice xmlns:p14="http://schemas.microsoft.com/office/powerpoint/2010/main" Requires="p14">
+      <p:transition spd="med" p14:dur="700">
+        <p:fade/>
+      </p:transition>
+    </mc:Choice>
+    <mc:Fallback>
+      <p:transition spd="med">
+        <p:fade/>
+      </p:transition>
+    </mc:Fallback>
+  </mc:AlternateContent>
   <p:timing>
     <p:tnLst>
       <p:par>
@@ -32020,7 +31884,7 @@
           <a:p>
             <a:fld id="{281C52AE-42A8-4426-ADA6-159E569D9194}" type="datetime1">
               <a:rPr lang="de-DE" smtClean="0"/>
-              <a:t>12.06.2012</a:t>
+              <a:t>13.06.2012</a:t>
             </a:fld>
             <a:endParaRPr lang="de-DE"/>
           </a:p>
@@ -32109,6 +31973,18 @@
   <p:clrMapOvr>
     <a:masterClrMapping/>
   </p:clrMapOvr>
+  <mc:AlternateContent xmlns:mc="http://schemas.openxmlformats.org/markup-compatibility/2006">
+    <mc:Choice xmlns:p14="http://schemas.microsoft.com/office/powerpoint/2010/main" Requires="p14">
+      <p:transition spd="med" p14:dur="700">
+        <p:fade/>
+      </p:transition>
+    </mc:Choice>
+    <mc:Fallback>
+      <p:transition spd="med">
+        <p:fade/>
+      </p:transition>
+    </mc:Fallback>
+  </mc:AlternateContent>
   <p:timing>
     <p:tnLst>
       <p:par>
@@ -32172,7 +32048,7 @@
           <a:p>
             <a:fld id="{281C52AE-42A8-4426-ADA6-159E569D9194}" type="datetime1">
               <a:rPr lang="de-DE" smtClean="0"/>
-              <a:t>12.06.2012</a:t>
+              <a:t>13.06.2012</a:t>
             </a:fld>
             <a:endParaRPr lang="de-DE"/>
           </a:p>
@@ -32257,6 +32133,18 @@
   <p:clrMapOvr>
     <a:masterClrMapping/>
   </p:clrMapOvr>
+  <mc:AlternateContent xmlns:mc="http://schemas.openxmlformats.org/markup-compatibility/2006">
+    <mc:Choice xmlns:p14="http://schemas.microsoft.com/office/powerpoint/2010/main" Requires="p14">
+      <p:transition spd="med" p14:dur="700">
+        <p:fade/>
+      </p:transition>
+    </mc:Choice>
+    <mc:Fallback>
+      <p:transition spd="med">
+        <p:fade/>
+      </p:transition>
+    </mc:Fallback>
+  </mc:AlternateContent>
   <p:timing>
     <p:tnLst>
       <p:par>
@@ -32320,7 +32208,7 @@
           <a:p>
             <a:fld id="{281C52AE-42A8-4426-ADA6-159E569D9194}" type="datetime1">
               <a:rPr lang="de-DE" smtClean="0"/>
-              <a:t>12.06.2012</a:t>
+              <a:t>13.06.2012</a:t>
             </a:fld>
             <a:endParaRPr lang="de-DE"/>
           </a:p>
@@ -32405,6 +32293,18 @@
   <p:clrMapOvr>
     <a:masterClrMapping/>
   </p:clrMapOvr>
+  <mc:AlternateContent xmlns:mc="http://schemas.openxmlformats.org/markup-compatibility/2006">
+    <mc:Choice xmlns:p14="http://schemas.microsoft.com/office/powerpoint/2010/main" Requires="p14">
+      <p:transition spd="med" p14:dur="700">
+        <p:fade/>
+      </p:transition>
+    </mc:Choice>
+    <mc:Fallback>
+      <p:transition spd="med">
+        <p:fade/>
+      </p:transition>
+    </mc:Fallback>
+  </mc:AlternateContent>
   <p:timing>
     <p:tnLst>
       <p:par>
